--- a/ChaineFonctionnelle_V2.pptx
+++ b/ChaineFonctionnelle_V2.pptx
@@ -271,7 +271,7 @@
           <a:p>
             <a:fld id="{CBBDF585-21ED-4D60-8F93-A9937640259B}" type="datetimeFigureOut">
               <a:rPr lang="fr-FR" smtClean="0"/>
-              <a:t>16/03/2023</a:t>
+              <a:t>30/03/2023</a:t>
             </a:fld>
             <a:endParaRPr lang="fr-FR"/>
           </a:p>
@@ -469,7 +469,7 @@
           <a:p>
             <a:fld id="{CBBDF585-21ED-4D60-8F93-A9937640259B}" type="datetimeFigureOut">
               <a:rPr lang="fr-FR" smtClean="0"/>
-              <a:t>16/03/2023</a:t>
+              <a:t>30/03/2023</a:t>
             </a:fld>
             <a:endParaRPr lang="fr-FR"/>
           </a:p>
@@ -677,7 +677,7 @@
           <a:p>
             <a:fld id="{CBBDF585-21ED-4D60-8F93-A9937640259B}" type="datetimeFigureOut">
               <a:rPr lang="fr-FR" smtClean="0"/>
-              <a:t>16/03/2023</a:t>
+              <a:t>30/03/2023</a:t>
             </a:fld>
             <a:endParaRPr lang="fr-FR"/>
           </a:p>
@@ -875,7 +875,7 @@
           <a:p>
             <a:fld id="{CBBDF585-21ED-4D60-8F93-A9937640259B}" type="datetimeFigureOut">
               <a:rPr lang="fr-FR" smtClean="0"/>
-              <a:t>16/03/2023</a:t>
+              <a:t>30/03/2023</a:t>
             </a:fld>
             <a:endParaRPr lang="fr-FR"/>
           </a:p>
@@ -1150,7 +1150,7 @@
           <a:p>
             <a:fld id="{CBBDF585-21ED-4D60-8F93-A9937640259B}" type="datetimeFigureOut">
               <a:rPr lang="fr-FR" smtClean="0"/>
-              <a:t>16/03/2023</a:t>
+              <a:t>30/03/2023</a:t>
             </a:fld>
             <a:endParaRPr lang="fr-FR"/>
           </a:p>
@@ -1415,7 +1415,7 @@
           <a:p>
             <a:fld id="{CBBDF585-21ED-4D60-8F93-A9937640259B}" type="datetimeFigureOut">
               <a:rPr lang="fr-FR" smtClean="0"/>
-              <a:t>16/03/2023</a:t>
+              <a:t>30/03/2023</a:t>
             </a:fld>
             <a:endParaRPr lang="fr-FR"/>
           </a:p>
@@ -1827,7 +1827,7 @@
           <a:p>
             <a:fld id="{CBBDF585-21ED-4D60-8F93-A9937640259B}" type="datetimeFigureOut">
               <a:rPr lang="fr-FR" smtClean="0"/>
-              <a:t>16/03/2023</a:t>
+              <a:t>30/03/2023</a:t>
             </a:fld>
             <a:endParaRPr lang="fr-FR"/>
           </a:p>
@@ -1968,7 +1968,7 @@
           <a:p>
             <a:fld id="{CBBDF585-21ED-4D60-8F93-A9937640259B}" type="datetimeFigureOut">
               <a:rPr lang="fr-FR" smtClean="0"/>
-              <a:t>16/03/2023</a:t>
+              <a:t>30/03/2023</a:t>
             </a:fld>
             <a:endParaRPr lang="fr-FR"/>
           </a:p>
@@ -2081,7 +2081,7 @@
           <a:p>
             <a:fld id="{CBBDF585-21ED-4D60-8F93-A9937640259B}" type="datetimeFigureOut">
               <a:rPr lang="fr-FR" smtClean="0"/>
-              <a:t>16/03/2023</a:t>
+              <a:t>30/03/2023</a:t>
             </a:fld>
             <a:endParaRPr lang="fr-FR"/>
           </a:p>
@@ -2392,7 +2392,7 @@
           <a:p>
             <a:fld id="{CBBDF585-21ED-4D60-8F93-A9937640259B}" type="datetimeFigureOut">
               <a:rPr lang="fr-FR" smtClean="0"/>
-              <a:t>16/03/2023</a:t>
+              <a:t>30/03/2023</a:t>
             </a:fld>
             <a:endParaRPr lang="fr-FR"/>
           </a:p>
@@ -2680,7 +2680,7 @@
           <a:p>
             <a:fld id="{CBBDF585-21ED-4D60-8F93-A9937640259B}" type="datetimeFigureOut">
               <a:rPr lang="fr-FR" smtClean="0"/>
-              <a:t>16/03/2023</a:t>
+              <a:t>30/03/2023</a:t>
             </a:fld>
             <a:endParaRPr lang="fr-FR"/>
           </a:p>
@@ -2921,7 +2921,7 @@
           <a:p>
             <a:fld id="{CBBDF585-21ED-4D60-8F93-A9937640259B}" type="datetimeFigureOut">
               <a:rPr lang="fr-FR" smtClean="0"/>
-              <a:t>16/03/2023</a:t>
+              <a:t>30/03/2023</a:t>
             </a:fld>
             <a:endParaRPr lang="fr-FR"/>
           </a:p>

--- a/ChaineFonctionnelle_V2.pptx
+++ b/ChaineFonctionnelle_V2.pptx
@@ -113,7 +113,7 @@
             <a:srgbClr val="A4A3A4"/>
           </p15:clr>
         </p15:guide>
-        <p15:guide id="2" pos="3840" userDrawn="1">
+        <p15:guide id="2" pos="824" userDrawn="1">
           <p15:clr>
             <a:srgbClr val="A4A3A4"/>
           </p15:clr>
@@ -271,7 +271,7 @@
           <a:p>
             <a:fld id="{CBBDF585-21ED-4D60-8F93-A9937640259B}" type="datetimeFigureOut">
               <a:rPr lang="fr-FR" smtClean="0"/>
-              <a:t>30/03/2023</a:t>
+              <a:t>31/03/2023</a:t>
             </a:fld>
             <a:endParaRPr lang="fr-FR"/>
           </a:p>
@@ -469,7 +469,7 @@
           <a:p>
             <a:fld id="{CBBDF585-21ED-4D60-8F93-A9937640259B}" type="datetimeFigureOut">
               <a:rPr lang="fr-FR" smtClean="0"/>
-              <a:t>30/03/2023</a:t>
+              <a:t>31/03/2023</a:t>
             </a:fld>
             <a:endParaRPr lang="fr-FR"/>
           </a:p>
@@ -677,7 +677,7 @@
           <a:p>
             <a:fld id="{CBBDF585-21ED-4D60-8F93-A9937640259B}" type="datetimeFigureOut">
               <a:rPr lang="fr-FR" smtClean="0"/>
-              <a:t>30/03/2023</a:t>
+              <a:t>31/03/2023</a:t>
             </a:fld>
             <a:endParaRPr lang="fr-FR"/>
           </a:p>
@@ -875,7 +875,7 @@
           <a:p>
             <a:fld id="{CBBDF585-21ED-4D60-8F93-A9937640259B}" type="datetimeFigureOut">
               <a:rPr lang="fr-FR" smtClean="0"/>
-              <a:t>30/03/2023</a:t>
+              <a:t>31/03/2023</a:t>
             </a:fld>
             <a:endParaRPr lang="fr-FR"/>
           </a:p>
@@ -1150,7 +1150,7 @@
           <a:p>
             <a:fld id="{CBBDF585-21ED-4D60-8F93-A9937640259B}" type="datetimeFigureOut">
               <a:rPr lang="fr-FR" smtClean="0"/>
-              <a:t>30/03/2023</a:t>
+              <a:t>31/03/2023</a:t>
             </a:fld>
             <a:endParaRPr lang="fr-FR"/>
           </a:p>
@@ -1415,7 +1415,7 @@
           <a:p>
             <a:fld id="{CBBDF585-21ED-4D60-8F93-A9937640259B}" type="datetimeFigureOut">
               <a:rPr lang="fr-FR" smtClean="0"/>
-              <a:t>30/03/2023</a:t>
+              <a:t>31/03/2023</a:t>
             </a:fld>
             <a:endParaRPr lang="fr-FR"/>
           </a:p>
@@ -1827,7 +1827,7 @@
           <a:p>
             <a:fld id="{CBBDF585-21ED-4D60-8F93-A9937640259B}" type="datetimeFigureOut">
               <a:rPr lang="fr-FR" smtClean="0"/>
-              <a:t>30/03/2023</a:t>
+              <a:t>31/03/2023</a:t>
             </a:fld>
             <a:endParaRPr lang="fr-FR"/>
           </a:p>
@@ -1968,7 +1968,7 @@
           <a:p>
             <a:fld id="{CBBDF585-21ED-4D60-8F93-A9937640259B}" type="datetimeFigureOut">
               <a:rPr lang="fr-FR" smtClean="0"/>
-              <a:t>30/03/2023</a:t>
+              <a:t>31/03/2023</a:t>
             </a:fld>
             <a:endParaRPr lang="fr-FR"/>
           </a:p>
@@ -2081,7 +2081,7 @@
           <a:p>
             <a:fld id="{CBBDF585-21ED-4D60-8F93-A9937640259B}" type="datetimeFigureOut">
               <a:rPr lang="fr-FR" smtClean="0"/>
-              <a:t>30/03/2023</a:t>
+              <a:t>31/03/2023</a:t>
             </a:fld>
             <a:endParaRPr lang="fr-FR"/>
           </a:p>
@@ -2392,7 +2392,7 @@
           <a:p>
             <a:fld id="{CBBDF585-21ED-4D60-8F93-A9937640259B}" type="datetimeFigureOut">
               <a:rPr lang="fr-FR" smtClean="0"/>
-              <a:t>30/03/2023</a:t>
+              <a:t>31/03/2023</a:t>
             </a:fld>
             <a:endParaRPr lang="fr-FR"/>
           </a:p>
@@ -2680,7 +2680,7 @@
           <a:p>
             <a:fld id="{CBBDF585-21ED-4D60-8F93-A9937640259B}" type="datetimeFigureOut">
               <a:rPr lang="fr-FR" smtClean="0"/>
-              <a:t>30/03/2023</a:t>
+              <a:t>31/03/2023</a:t>
             </a:fld>
             <a:endParaRPr lang="fr-FR"/>
           </a:p>
@@ -2921,7 +2921,7 @@
           <a:p>
             <a:fld id="{CBBDF585-21ED-4D60-8F93-A9937640259B}" type="datetimeFigureOut">
               <a:rPr lang="fr-FR" smtClean="0"/>
-              <a:t>30/03/2023</a:t>
+              <a:t>31/03/2023</a:t>
             </a:fld>
             <a:endParaRPr lang="fr-FR"/>
           </a:p>
@@ -4331,6 +4331,176 @@
           </a:p>
         </p:txBody>
       </p:sp>
+      <p:grpSp>
+        <p:nvGrpSpPr>
+          <p:cNvPr id="5" name="Groupe 4"/>
+          <p:cNvGrpSpPr/>
+          <p:nvPr/>
+        </p:nvGrpSpPr>
+        <p:grpSpPr>
+          <a:xfrm>
+            <a:off x="3364033" y="2986860"/>
+            <a:ext cx="462146" cy="462146"/>
+            <a:chOff x="5969453" y="4388749"/>
+            <a:chExt cx="1800000" cy="1800000"/>
+          </a:xfrm>
+        </p:grpSpPr>
+        <p:sp>
+          <p:nvSpPr>
+            <p:cNvPr id="3" name="Ellipse 2"/>
+            <p:cNvSpPr/>
+            <p:nvPr/>
+          </p:nvSpPr>
+          <p:spPr>
+            <a:xfrm>
+              <a:off x="5969453" y="4388749"/>
+              <a:ext cx="1800000" cy="1800000"/>
+            </a:xfrm>
+            <a:prstGeom prst="ellipse">
+              <a:avLst/>
+            </a:prstGeom>
+            <a:solidFill>
+              <a:srgbClr val="68348B"/>
+            </a:solidFill>
+            <a:ln>
+              <a:noFill/>
+            </a:ln>
+          </p:spPr>
+          <p:style>
+            <a:lnRef idx="2">
+              <a:schemeClr val="accent1">
+                <a:shade val="50000"/>
+              </a:schemeClr>
+            </a:lnRef>
+            <a:fillRef idx="1">
+              <a:schemeClr val="accent1"/>
+            </a:fillRef>
+            <a:effectRef idx="0">
+              <a:schemeClr val="accent1"/>
+            </a:effectRef>
+            <a:fontRef idx="minor">
+              <a:schemeClr val="lt1"/>
+            </a:fontRef>
+          </p:style>
+          <p:txBody>
+            <a:bodyPr rtlCol="0" anchor="ctr"/>
+            <a:lstStyle/>
+            <a:p>
+              <a:pPr algn="ctr"/>
+              <a:endParaRPr lang="fr-FR"/>
+            </a:p>
+          </p:txBody>
+        </p:sp>
+        <p:pic>
+          <p:nvPicPr>
+            <p:cNvPr id="2" name="Image 1"/>
+            <p:cNvPicPr>
+              <a:picLocks noChangeAspect="1"/>
+            </p:cNvPicPr>
+            <p:nvPr/>
+          </p:nvPicPr>
+          <p:blipFill>
+            <a:blip r:embed="rId3"/>
+            <a:stretch>
+              <a:fillRect/>
+            </a:stretch>
+          </p:blipFill>
+          <p:spPr>
+            <a:xfrm>
+              <a:off x="6058730" y="4784999"/>
+              <a:ext cx="1621446" cy="1007500"/>
+            </a:xfrm>
+            <a:prstGeom prst="rect">
+              <a:avLst/>
+            </a:prstGeom>
+          </p:spPr>
+        </p:pic>
+      </p:grpSp>
+      <p:grpSp>
+        <p:nvGrpSpPr>
+          <p:cNvPr id="7" name="Groupe 6"/>
+          <p:cNvGrpSpPr/>
+          <p:nvPr/>
+        </p:nvGrpSpPr>
+        <p:grpSpPr>
+          <a:xfrm>
+            <a:off x="1055440" y="3471646"/>
+            <a:ext cx="612068" cy="612068"/>
+            <a:chOff x="1055440" y="3471646"/>
+            <a:chExt cx="1800000" cy="1800000"/>
+          </a:xfrm>
+        </p:grpSpPr>
+        <p:sp>
+          <p:nvSpPr>
+            <p:cNvPr id="26" name="Ellipse 25"/>
+            <p:cNvSpPr/>
+            <p:nvPr/>
+          </p:nvSpPr>
+          <p:spPr>
+            <a:xfrm>
+              <a:off x="1055440" y="3471646"/>
+              <a:ext cx="1800000" cy="1800000"/>
+            </a:xfrm>
+            <a:prstGeom prst="ellipse">
+              <a:avLst/>
+            </a:prstGeom>
+            <a:solidFill>
+              <a:srgbClr val="68348B"/>
+            </a:solidFill>
+            <a:ln>
+              <a:noFill/>
+            </a:ln>
+          </p:spPr>
+          <p:style>
+            <a:lnRef idx="2">
+              <a:schemeClr val="accent1">
+                <a:shade val="50000"/>
+              </a:schemeClr>
+            </a:lnRef>
+            <a:fillRef idx="1">
+              <a:schemeClr val="accent1"/>
+            </a:fillRef>
+            <a:effectRef idx="0">
+              <a:schemeClr val="accent1"/>
+            </a:effectRef>
+            <a:fontRef idx="minor">
+              <a:schemeClr val="lt1"/>
+            </a:fontRef>
+          </p:style>
+          <p:txBody>
+            <a:bodyPr rtlCol="0" anchor="ctr"/>
+            <a:lstStyle/>
+            <a:p>
+              <a:pPr algn="ctr"/>
+              <a:endParaRPr lang="fr-FR"/>
+            </a:p>
+          </p:txBody>
+        </p:sp>
+        <p:pic>
+          <p:nvPicPr>
+            <p:cNvPr id="28" name="Image 27"/>
+            <p:cNvPicPr>
+              <a:picLocks noChangeAspect="1"/>
+            </p:cNvPicPr>
+            <p:nvPr/>
+          </p:nvPicPr>
+          <p:blipFill>
+            <a:blip r:embed="rId4"/>
+            <a:stretch>
+              <a:fillRect/>
+            </a:stretch>
+          </p:blipFill>
+          <p:spPr>
+            <a:xfrm>
+              <a:off x="1105884" y="3774303"/>
+              <a:ext cx="1699112" cy="1194686"/>
+            </a:xfrm>
+            <a:prstGeom prst="rect">
+              <a:avLst/>
+            </a:prstGeom>
+          </p:spPr>
+        </p:pic>
+      </p:grpSp>
     </p:spTree>
     <p:extLst>
       <p:ext uri="{BB962C8B-B14F-4D97-AF65-F5344CB8AC3E}">
@@ -4361,6 +4531,231 @@
           <a:chExt cx="0" cy="0"/>
         </a:xfrm>
       </p:grpSpPr>
+      <p:grpSp>
+        <p:nvGrpSpPr>
+          <p:cNvPr id="2" name="Groupe 1"/>
+          <p:cNvGrpSpPr/>
+          <p:nvPr/>
+        </p:nvGrpSpPr>
+        <p:grpSpPr>
+          <a:xfrm>
+            <a:off x="1055440" y="3471646"/>
+            <a:ext cx="612068" cy="612068"/>
+            <a:chOff x="1055440" y="3471646"/>
+            <a:chExt cx="1800000" cy="1800000"/>
+          </a:xfrm>
+        </p:grpSpPr>
+        <p:sp>
+          <p:nvSpPr>
+            <p:cNvPr id="3" name="Ellipse 2"/>
+            <p:cNvSpPr/>
+            <p:nvPr/>
+          </p:nvSpPr>
+          <p:spPr>
+            <a:xfrm>
+              <a:off x="1055440" y="3471646"/>
+              <a:ext cx="1800000" cy="1800000"/>
+            </a:xfrm>
+            <a:prstGeom prst="ellipse">
+              <a:avLst/>
+            </a:prstGeom>
+            <a:solidFill>
+              <a:srgbClr val="68348B"/>
+            </a:solidFill>
+            <a:ln>
+              <a:noFill/>
+            </a:ln>
+          </p:spPr>
+          <p:style>
+            <a:lnRef idx="2">
+              <a:schemeClr val="accent1">
+                <a:shade val="50000"/>
+              </a:schemeClr>
+            </a:lnRef>
+            <a:fillRef idx="1">
+              <a:schemeClr val="accent1"/>
+            </a:fillRef>
+            <a:effectRef idx="0">
+              <a:schemeClr val="accent1"/>
+            </a:effectRef>
+            <a:fontRef idx="minor">
+              <a:schemeClr val="lt1"/>
+            </a:fontRef>
+          </p:style>
+          <p:txBody>
+            <a:bodyPr rtlCol="0" anchor="ctr"/>
+            <a:lstStyle/>
+            <a:p>
+              <a:pPr algn="ctr"/>
+              <a:endParaRPr lang="fr-FR"/>
+            </a:p>
+          </p:txBody>
+        </p:sp>
+        <p:pic>
+          <p:nvPicPr>
+            <p:cNvPr id="4" name="Image 3"/>
+            <p:cNvPicPr>
+              <a:picLocks noChangeAspect="1"/>
+            </p:cNvPicPr>
+            <p:nvPr/>
+          </p:nvPicPr>
+          <p:blipFill>
+            <a:blip r:embed="rId2"/>
+            <a:stretch>
+              <a:fillRect/>
+            </a:stretch>
+          </p:blipFill>
+          <p:spPr>
+            <a:xfrm>
+              <a:off x="1105884" y="3774303"/>
+              <a:ext cx="1699112" cy="1194686"/>
+            </a:xfrm>
+            <a:prstGeom prst="rect">
+              <a:avLst/>
+            </a:prstGeom>
+          </p:spPr>
+        </p:pic>
+      </p:grpSp>
+      <p:pic>
+        <p:nvPicPr>
+          <p:cNvPr id="6" name="Image 5"/>
+          <p:cNvPicPr>
+            <a:picLocks noChangeAspect="1"/>
+          </p:cNvPicPr>
+          <p:nvPr/>
+        </p:nvPicPr>
+        <p:blipFill>
+          <a:blip r:embed="rId3"/>
+          <a:stretch>
+            <a:fillRect/>
+          </a:stretch>
+        </p:blipFill>
+        <p:spPr>
+          <a:xfrm>
+            <a:off x="465743" y="656692"/>
+            <a:ext cx="2173873" cy="996452"/>
+          </a:xfrm>
+          <a:prstGeom prst="rect">
+            <a:avLst/>
+          </a:prstGeom>
+        </p:spPr>
+      </p:pic>
+      <p:sp>
+        <p:nvSpPr>
+          <p:cNvPr id="8" name="Ellipse 7"/>
+          <p:cNvSpPr/>
+          <p:nvPr/>
+        </p:nvSpPr>
+        <p:spPr>
+          <a:xfrm>
+            <a:off x="2999656" y="188640"/>
+            <a:ext cx="612068" cy="612068"/>
+          </a:xfrm>
+          <a:prstGeom prst="ellipse">
+            <a:avLst/>
+          </a:prstGeom>
+          <a:solidFill>
+            <a:srgbClr val="68348B"/>
+          </a:solidFill>
+          <a:ln>
+            <a:noFill/>
+          </a:ln>
+        </p:spPr>
+        <p:style>
+          <a:lnRef idx="2">
+            <a:schemeClr val="accent1">
+              <a:shade val="50000"/>
+            </a:schemeClr>
+          </a:lnRef>
+          <a:fillRef idx="1">
+            <a:schemeClr val="accent1"/>
+          </a:fillRef>
+          <a:effectRef idx="0">
+            <a:schemeClr val="accent1"/>
+          </a:effectRef>
+          <a:fontRef idx="minor">
+            <a:schemeClr val="lt1"/>
+          </a:fontRef>
+        </p:style>
+        <p:txBody>
+          <a:bodyPr rtlCol="0" anchor="ctr"/>
+          <a:lstStyle/>
+          <a:p>
+            <a:pPr algn="ctr"/>
+            <a:endParaRPr lang="fr-FR"/>
+          </a:p>
+        </p:txBody>
+      </p:sp>
+      <p:sp>
+        <p:nvSpPr>
+          <p:cNvPr id="10" name="Ellipse 9"/>
+          <p:cNvSpPr/>
+          <p:nvPr/>
+        </p:nvSpPr>
+        <p:spPr>
+          <a:xfrm>
+            <a:off x="4928860" y="800708"/>
+            <a:ext cx="1800000" cy="1800000"/>
+          </a:xfrm>
+          <a:prstGeom prst="ellipse">
+            <a:avLst/>
+          </a:prstGeom>
+          <a:solidFill>
+            <a:srgbClr val="EF7268"/>
+          </a:solidFill>
+          <a:ln>
+            <a:noFill/>
+          </a:ln>
+        </p:spPr>
+        <p:style>
+          <a:lnRef idx="2">
+            <a:schemeClr val="accent1">
+              <a:shade val="50000"/>
+            </a:schemeClr>
+          </a:lnRef>
+          <a:fillRef idx="1">
+            <a:schemeClr val="accent1"/>
+          </a:fillRef>
+          <a:effectRef idx="0">
+            <a:schemeClr val="accent1"/>
+          </a:effectRef>
+          <a:fontRef idx="minor">
+            <a:schemeClr val="lt1"/>
+          </a:fontRef>
+        </p:style>
+        <p:txBody>
+          <a:bodyPr rtlCol="0" anchor="ctr"/>
+          <a:lstStyle/>
+          <a:p>
+            <a:pPr algn="ctr"/>
+            <a:endParaRPr lang="fr-FR"/>
+          </a:p>
+        </p:txBody>
+      </p:sp>
+      <p:pic>
+        <p:nvPicPr>
+          <p:cNvPr id="11" name="Image 10"/>
+          <p:cNvPicPr>
+            <a:picLocks noChangeAspect="1"/>
+          </p:cNvPicPr>
+          <p:nvPr/>
+        </p:nvPicPr>
+        <p:blipFill>
+          <a:blip r:embed="rId4"/>
+          <a:stretch>
+            <a:fillRect/>
+          </a:stretch>
+        </p:blipFill>
+        <p:spPr>
+          <a:xfrm flipH="1">
+            <a:off x="5093668" y="1037724"/>
+            <a:ext cx="1470384" cy="1470384"/>
+          </a:xfrm>
+          <a:prstGeom prst="rect">
+            <a:avLst/>
+          </a:prstGeom>
+        </p:spPr>
+      </p:pic>
     </p:spTree>
     <p:extLst>
       <p:ext uri="{BB962C8B-B14F-4D97-AF65-F5344CB8AC3E}">

--- a/ChaineFonctionnelle_V2.pptx
+++ b/ChaineFonctionnelle_V2.pptx
@@ -4540,7 +4540,7 @@
         <p:grpSpPr>
           <a:xfrm>
             <a:off x="1055440" y="3471646"/>
-            <a:ext cx="612068" cy="612068"/>
+            <a:ext cx="720000" cy="720000"/>
             <a:chOff x="1055440" y="3471646"/>
             <a:chExt cx="1800000" cy="1800000"/>
           </a:xfrm>
@@ -4607,8 +4607,8 @@
           </p:blipFill>
           <p:spPr>
             <a:xfrm>
-              <a:off x="1105884" y="3774303"/>
-              <a:ext cx="1699112" cy="1194686"/>
+              <a:off x="1338842" y="3938101"/>
+              <a:ext cx="1233200" cy="867090"/>
             </a:xfrm>
             <a:prstGeom prst="rect">
               <a:avLst/>
@@ -4632,24 +4632,1643 @@
         </p:blipFill>
         <p:spPr>
           <a:xfrm>
-            <a:off x="465743" y="656692"/>
-            <a:ext cx="2173873" cy="996452"/>
+            <a:off x="-204700" y="-219049"/>
+            <a:ext cx="4844466" cy="2220588"/>
           </a:xfrm>
           <a:prstGeom prst="rect">
             <a:avLst/>
           </a:prstGeom>
         </p:spPr>
       </p:pic>
-      <p:sp>
-        <p:nvSpPr>
-          <p:cNvPr id="8" name="Ellipse 7"/>
+      <p:grpSp>
+        <p:nvGrpSpPr>
+          <p:cNvPr id="5" name="Groupe 4">
+            <a:extLst>
+              <a:ext uri="{FF2B5EF4-FFF2-40B4-BE49-F238E27FC236}">
+                <a16:creationId xmlns:a16="http://schemas.microsoft.com/office/drawing/2014/main" id="{AFD3AF02-23DA-7363-F1BD-38460B71D4BB}"/>
+              </a:ext>
+            </a:extLst>
+          </p:cNvPr>
+          <p:cNvGrpSpPr/>
+          <p:nvPr/>
+        </p:nvGrpSpPr>
+        <p:grpSpPr>
+          <a:xfrm>
+            <a:off x="2063552" y="3482756"/>
+            <a:ext cx="720000" cy="720000"/>
+            <a:chOff x="4928860" y="800708"/>
+            <a:chExt cx="1800000" cy="1800000"/>
+          </a:xfrm>
+        </p:grpSpPr>
+        <p:sp>
+          <p:nvSpPr>
+            <p:cNvPr id="10" name="Ellipse 9"/>
+            <p:cNvSpPr/>
+            <p:nvPr/>
+          </p:nvSpPr>
+          <p:spPr>
+            <a:xfrm>
+              <a:off x="4928860" y="800708"/>
+              <a:ext cx="1800000" cy="1800000"/>
+            </a:xfrm>
+            <a:prstGeom prst="ellipse">
+              <a:avLst/>
+            </a:prstGeom>
+            <a:solidFill>
+              <a:srgbClr val="EF7268"/>
+            </a:solidFill>
+            <a:ln>
+              <a:noFill/>
+            </a:ln>
+          </p:spPr>
+          <p:style>
+            <a:lnRef idx="2">
+              <a:schemeClr val="accent1">
+                <a:shade val="50000"/>
+              </a:schemeClr>
+            </a:lnRef>
+            <a:fillRef idx="1">
+              <a:schemeClr val="accent1"/>
+            </a:fillRef>
+            <a:effectRef idx="0">
+              <a:schemeClr val="accent1"/>
+            </a:effectRef>
+            <a:fontRef idx="minor">
+              <a:schemeClr val="lt1"/>
+            </a:fontRef>
+          </p:style>
+          <p:txBody>
+            <a:bodyPr rtlCol="0" anchor="ctr"/>
+            <a:lstStyle/>
+            <a:p>
+              <a:pPr algn="ctr"/>
+              <a:endParaRPr lang="fr-FR"/>
+            </a:p>
+          </p:txBody>
+        </p:sp>
+        <p:pic>
+          <p:nvPicPr>
+            <p:cNvPr id="11" name="Image 10"/>
+            <p:cNvPicPr>
+              <a:picLocks noChangeAspect="1"/>
+            </p:cNvPicPr>
+            <p:nvPr/>
+          </p:nvPicPr>
+          <p:blipFill>
+            <a:blip r:embed="rId4"/>
+            <a:stretch>
+              <a:fillRect/>
+            </a:stretch>
+          </p:blipFill>
+          <p:spPr>
+            <a:xfrm flipH="1">
+              <a:off x="5093668" y="1037724"/>
+              <a:ext cx="1470384" cy="1470384"/>
+            </a:xfrm>
+            <a:prstGeom prst="rect">
+              <a:avLst/>
+            </a:prstGeom>
+          </p:spPr>
+        </p:pic>
+      </p:grpSp>
+      <p:sp>
+        <p:nvSpPr>
+          <p:cNvPr id="13" name="Ellipse 12">
+            <a:extLst>
+              <a:ext uri="{FF2B5EF4-FFF2-40B4-BE49-F238E27FC236}">
+                <a16:creationId xmlns:a16="http://schemas.microsoft.com/office/drawing/2014/main" id="{83067E59-5AE5-9CE8-711B-BCEC38E3A80C}"/>
+              </a:ext>
+            </a:extLst>
+          </p:cNvPr>
           <p:cNvSpPr/>
           <p:nvPr/>
         </p:nvSpPr>
         <p:spPr>
           <a:xfrm>
-            <a:off x="2999656" y="188640"/>
-            <a:ext cx="612068" cy="612068"/>
+            <a:off x="335860" y="349260"/>
+            <a:ext cx="1800000" cy="1800000"/>
+          </a:xfrm>
+          <a:prstGeom prst="ellipse">
+            <a:avLst/>
+          </a:prstGeom>
+          <a:solidFill>
+            <a:srgbClr val="0C7391"/>
+          </a:solidFill>
+          <a:ln>
+            <a:noFill/>
+          </a:ln>
+        </p:spPr>
+        <p:style>
+          <a:lnRef idx="2">
+            <a:schemeClr val="accent1">
+              <a:shade val="50000"/>
+            </a:schemeClr>
+          </a:lnRef>
+          <a:fillRef idx="1">
+            <a:schemeClr val="accent1"/>
+          </a:fillRef>
+          <a:effectRef idx="0">
+            <a:schemeClr val="accent1"/>
+          </a:effectRef>
+          <a:fontRef idx="minor">
+            <a:schemeClr val="lt1"/>
+          </a:fontRef>
+        </p:style>
+        <p:txBody>
+          <a:bodyPr rtlCol="0" anchor="ctr"/>
+          <a:lstStyle/>
+          <a:p>
+            <a:pPr algn="ctr"/>
+            <a:endParaRPr lang="fr-FR"/>
+          </a:p>
+        </p:txBody>
+      </p:sp>
+      <p:sp>
+        <p:nvSpPr>
+          <p:cNvPr id="14" name="Ellipse 13">
+            <a:extLst>
+              <a:ext uri="{FF2B5EF4-FFF2-40B4-BE49-F238E27FC236}">
+                <a16:creationId xmlns:a16="http://schemas.microsoft.com/office/drawing/2014/main" id="{62D96CD5-FEF3-41AE-E6D6-E9B180FB4F8C}"/>
+              </a:ext>
+            </a:extLst>
+          </p:cNvPr>
+          <p:cNvSpPr/>
+          <p:nvPr/>
+        </p:nvSpPr>
+        <p:spPr>
+          <a:xfrm>
+            <a:off x="248389" y="1340648"/>
+            <a:ext cx="1800000" cy="1800000"/>
+          </a:xfrm>
+          <a:prstGeom prst="ellipse">
+            <a:avLst/>
+          </a:prstGeom>
+          <a:solidFill>
+            <a:srgbClr val="FFB25A"/>
+          </a:solidFill>
+          <a:ln>
+            <a:noFill/>
+          </a:ln>
+        </p:spPr>
+        <p:style>
+          <a:lnRef idx="2">
+            <a:schemeClr val="accent1">
+              <a:shade val="50000"/>
+            </a:schemeClr>
+          </a:lnRef>
+          <a:fillRef idx="1">
+            <a:schemeClr val="accent1"/>
+          </a:fillRef>
+          <a:effectRef idx="0">
+            <a:schemeClr val="accent1"/>
+          </a:effectRef>
+          <a:fontRef idx="minor">
+            <a:schemeClr val="lt1"/>
+          </a:fontRef>
+        </p:style>
+        <p:txBody>
+          <a:bodyPr rtlCol="0" anchor="ctr"/>
+          <a:lstStyle/>
+          <a:p>
+            <a:pPr algn="ctr"/>
+            <a:endParaRPr lang="fr-FR"/>
+          </a:p>
+        </p:txBody>
+      </p:sp>
+      <p:sp>
+        <p:nvSpPr>
+          <p:cNvPr id="15" name="Ellipse 14">
+            <a:extLst>
+              <a:ext uri="{FF2B5EF4-FFF2-40B4-BE49-F238E27FC236}">
+                <a16:creationId xmlns:a16="http://schemas.microsoft.com/office/drawing/2014/main" id="{C969A346-69CF-07F3-F417-1DB6AB047B73}"/>
+              </a:ext>
+            </a:extLst>
+          </p:cNvPr>
+          <p:cNvSpPr/>
+          <p:nvPr/>
+        </p:nvSpPr>
+        <p:spPr>
+          <a:xfrm>
+            <a:off x="1806673" y="-756896"/>
+            <a:ext cx="1800000" cy="1800000"/>
+          </a:xfrm>
+          <a:prstGeom prst="ellipse">
+            <a:avLst/>
+          </a:prstGeom>
+          <a:solidFill>
+            <a:srgbClr val="00547F"/>
+          </a:solidFill>
+          <a:ln>
+            <a:noFill/>
+          </a:ln>
+        </p:spPr>
+        <p:style>
+          <a:lnRef idx="2">
+            <a:schemeClr val="accent1">
+              <a:shade val="50000"/>
+            </a:schemeClr>
+          </a:lnRef>
+          <a:fillRef idx="1">
+            <a:schemeClr val="accent1"/>
+          </a:fillRef>
+          <a:effectRef idx="0">
+            <a:schemeClr val="accent1"/>
+          </a:effectRef>
+          <a:fontRef idx="minor">
+            <a:schemeClr val="lt1"/>
+          </a:fontRef>
+        </p:style>
+        <p:txBody>
+          <a:bodyPr rtlCol="0" anchor="ctr"/>
+          <a:lstStyle/>
+          <a:p>
+            <a:pPr algn="ctr"/>
+            <a:endParaRPr lang="fr-FR"/>
+          </a:p>
+        </p:txBody>
+      </p:sp>
+      <p:sp>
+        <p:nvSpPr>
+          <p:cNvPr id="16" name="Ellipse 15">
+            <a:extLst>
+              <a:ext uri="{FF2B5EF4-FFF2-40B4-BE49-F238E27FC236}">
+                <a16:creationId xmlns:a16="http://schemas.microsoft.com/office/drawing/2014/main" id="{FF5886DF-919C-4AF5-E04A-B3A890A829DE}"/>
+              </a:ext>
+            </a:extLst>
+          </p:cNvPr>
+          <p:cNvSpPr/>
+          <p:nvPr/>
+        </p:nvSpPr>
+        <p:spPr>
+          <a:xfrm>
+            <a:off x="-649620" y="-801460"/>
+            <a:ext cx="1800000" cy="1800000"/>
+          </a:xfrm>
+          <a:prstGeom prst="ellipse">
+            <a:avLst/>
+          </a:prstGeom>
+          <a:solidFill>
+            <a:srgbClr val="00517A"/>
+          </a:solidFill>
+          <a:ln>
+            <a:noFill/>
+          </a:ln>
+        </p:spPr>
+        <p:style>
+          <a:lnRef idx="2">
+            <a:schemeClr val="accent1">
+              <a:shade val="50000"/>
+            </a:schemeClr>
+          </a:lnRef>
+          <a:fillRef idx="1">
+            <a:schemeClr val="accent1"/>
+          </a:fillRef>
+          <a:effectRef idx="0">
+            <a:schemeClr val="accent1"/>
+          </a:effectRef>
+          <a:fontRef idx="minor">
+            <a:schemeClr val="lt1"/>
+          </a:fontRef>
+        </p:style>
+        <p:txBody>
+          <a:bodyPr rtlCol="0" anchor="ctr"/>
+          <a:lstStyle/>
+          <a:p>
+            <a:pPr algn="ctr"/>
+            <a:endParaRPr lang="fr-FR" dirty="0"/>
+          </a:p>
+        </p:txBody>
+      </p:sp>
+      <p:sp>
+        <p:nvSpPr>
+          <p:cNvPr id="17" name="Ellipse 16">
+            <a:extLst>
+              <a:ext uri="{FF2B5EF4-FFF2-40B4-BE49-F238E27FC236}">
+                <a16:creationId xmlns:a16="http://schemas.microsoft.com/office/drawing/2014/main" id="{8075CF84-871B-6127-0548-F569D12183D0}"/>
+              </a:ext>
+            </a:extLst>
+          </p:cNvPr>
+          <p:cNvSpPr/>
+          <p:nvPr/>
+        </p:nvSpPr>
+        <p:spPr>
+          <a:xfrm>
+            <a:off x="2364494" y="56609"/>
+            <a:ext cx="1800000" cy="1800000"/>
+          </a:xfrm>
+          <a:prstGeom prst="ellipse">
+            <a:avLst/>
+          </a:prstGeom>
+          <a:solidFill>
+            <a:srgbClr val="08AF5E"/>
+          </a:solidFill>
+          <a:ln>
+            <a:noFill/>
+          </a:ln>
+        </p:spPr>
+        <p:style>
+          <a:lnRef idx="2">
+            <a:schemeClr val="accent1">
+              <a:shade val="50000"/>
+            </a:schemeClr>
+          </a:lnRef>
+          <a:fillRef idx="1">
+            <a:schemeClr val="accent1"/>
+          </a:fillRef>
+          <a:effectRef idx="0">
+            <a:schemeClr val="accent1"/>
+          </a:effectRef>
+          <a:fontRef idx="minor">
+            <a:schemeClr val="lt1"/>
+          </a:fontRef>
+        </p:style>
+        <p:txBody>
+          <a:bodyPr rtlCol="0" anchor="ctr"/>
+          <a:lstStyle/>
+          <a:p>
+            <a:pPr algn="ctr"/>
+            <a:endParaRPr lang="fr-FR"/>
+          </a:p>
+        </p:txBody>
+      </p:sp>
+      <p:grpSp>
+        <p:nvGrpSpPr>
+          <p:cNvPr id="20" name="Groupe 19">
+            <a:extLst>
+              <a:ext uri="{FF2B5EF4-FFF2-40B4-BE49-F238E27FC236}">
+                <a16:creationId xmlns:a16="http://schemas.microsoft.com/office/drawing/2014/main" id="{2FD72AA8-30B3-3B97-4B38-878D48B3BFDC}"/>
+              </a:ext>
+            </a:extLst>
+          </p:cNvPr>
+          <p:cNvGrpSpPr/>
+          <p:nvPr/>
+        </p:nvGrpSpPr>
+        <p:grpSpPr>
+          <a:xfrm>
+            <a:off x="2048389" y="4375745"/>
+            <a:ext cx="720000" cy="720000"/>
+            <a:chOff x="5447928" y="2816932"/>
+            <a:chExt cx="1800000" cy="1800000"/>
+          </a:xfrm>
+        </p:grpSpPr>
+        <p:sp>
+          <p:nvSpPr>
+            <p:cNvPr id="9" name="Ellipse 8">
+              <a:extLst>
+                <a:ext uri="{FF2B5EF4-FFF2-40B4-BE49-F238E27FC236}">
+                  <a16:creationId xmlns:a16="http://schemas.microsoft.com/office/drawing/2014/main" id="{3016D5D3-D9FE-ADEE-790D-219F689B90AD}"/>
+                </a:ext>
+              </a:extLst>
+            </p:cNvPr>
+            <p:cNvSpPr/>
+            <p:nvPr/>
+          </p:nvSpPr>
+          <p:spPr>
+            <a:xfrm>
+              <a:off x="5447928" y="2816932"/>
+              <a:ext cx="1800000" cy="1800000"/>
+            </a:xfrm>
+            <a:prstGeom prst="ellipse">
+              <a:avLst/>
+            </a:prstGeom>
+            <a:solidFill>
+              <a:srgbClr val="EF7268"/>
+            </a:solidFill>
+            <a:ln>
+              <a:noFill/>
+            </a:ln>
+          </p:spPr>
+          <p:style>
+            <a:lnRef idx="2">
+              <a:schemeClr val="accent1">
+                <a:shade val="50000"/>
+              </a:schemeClr>
+            </a:lnRef>
+            <a:fillRef idx="1">
+              <a:schemeClr val="accent1"/>
+            </a:fillRef>
+            <a:effectRef idx="0">
+              <a:schemeClr val="accent1"/>
+            </a:effectRef>
+            <a:fontRef idx="minor">
+              <a:schemeClr val="lt1"/>
+            </a:fontRef>
+          </p:style>
+          <p:txBody>
+            <a:bodyPr rtlCol="0" anchor="ctr"/>
+            <a:lstStyle/>
+            <a:p>
+              <a:pPr algn="ctr"/>
+              <a:endParaRPr lang="fr-FR" dirty="0"/>
+            </a:p>
+          </p:txBody>
+        </p:sp>
+        <p:pic>
+          <p:nvPicPr>
+            <p:cNvPr id="19" name="Image 18">
+              <a:extLst>
+                <a:ext uri="{FF2B5EF4-FFF2-40B4-BE49-F238E27FC236}">
+                  <a16:creationId xmlns:a16="http://schemas.microsoft.com/office/drawing/2014/main" id="{946577B8-F095-E25A-C6BE-4C6253A71C2E}"/>
+                </a:ext>
+              </a:extLst>
+            </p:cNvPr>
+            <p:cNvPicPr>
+              <a:picLocks noChangeAspect="1"/>
+            </p:cNvPicPr>
+            <p:nvPr/>
+          </p:nvPicPr>
+          <p:blipFill>
+            <a:blip r:embed="rId5"/>
+            <a:stretch>
+              <a:fillRect/>
+            </a:stretch>
+          </p:blipFill>
+          <p:spPr>
+            <a:xfrm flipH="1">
+              <a:off x="5627848" y="2996852"/>
+              <a:ext cx="1440160" cy="1440160"/>
+            </a:xfrm>
+            <a:prstGeom prst="rect">
+              <a:avLst/>
+            </a:prstGeom>
+          </p:spPr>
+        </p:pic>
+      </p:grpSp>
+      <p:grpSp>
+        <p:nvGrpSpPr>
+          <p:cNvPr id="27" name="Groupe 26">
+            <a:extLst>
+              <a:ext uri="{FF2B5EF4-FFF2-40B4-BE49-F238E27FC236}">
+                <a16:creationId xmlns:a16="http://schemas.microsoft.com/office/drawing/2014/main" id="{D479121B-0DCA-D5A9-C3ED-A261628C520C}"/>
+              </a:ext>
+            </a:extLst>
+          </p:cNvPr>
+          <p:cNvGrpSpPr/>
+          <p:nvPr/>
+        </p:nvGrpSpPr>
+        <p:grpSpPr>
+          <a:xfrm>
+            <a:off x="2063552" y="5167713"/>
+            <a:ext cx="720000" cy="720000"/>
+            <a:chOff x="5375920" y="2931646"/>
+            <a:chExt cx="1800000" cy="1800000"/>
+          </a:xfrm>
+        </p:grpSpPr>
+        <p:sp>
+          <p:nvSpPr>
+            <p:cNvPr id="26" name="Ellipse 25">
+              <a:extLst>
+                <a:ext uri="{FF2B5EF4-FFF2-40B4-BE49-F238E27FC236}">
+                  <a16:creationId xmlns:a16="http://schemas.microsoft.com/office/drawing/2014/main" id="{A345C6BC-9778-80D1-A1ED-ABB60A12AFFD}"/>
+                </a:ext>
+              </a:extLst>
+            </p:cNvPr>
+            <p:cNvSpPr/>
+            <p:nvPr/>
+          </p:nvSpPr>
+          <p:spPr>
+            <a:xfrm>
+              <a:off x="5375920" y="2931646"/>
+              <a:ext cx="1800000" cy="1800000"/>
+            </a:xfrm>
+            <a:prstGeom prst="ellipse">
+              <a:avLst/>
+            </a:prstGeom>
+            <a:solidFill>
+              <a:srgbClr val="EF7268"/>
+            </a:solidFill>
+            <a:ln>
+              <a:noFill/>
+            </a:ln>
+          </p:spPr>
+          <p:style>
+            <a:lnRef idx="2">
+              <a:schemeClr val="accent1">
+                <a:shade val="50000"/>
+              </a:schemeClr>
+            </a:lnRef>
+            <a:fillRef idx="1">
+              <a:schemeClr val="accent1"/>
+            </a:fillRef>
+            <a:effectRef idx="0">
+              <a:schemeClr val="accent1"/>
+            </a:effectRef>
+            <a:fontRef idx="minor">
+              <a:schemeClr val="lt1"/>
+            </a:fontRef>
+          </p:style>
+          <p:txBody>
+            <a:bodyPr rtlCol="0" anchor="ctr"/>
+            <a:lstStyle/>
+            <a:p>
+              <a:pPr algn="ctr"/>
+              <a:endParaRPr lang="fr-FR" dirty="0"/>
+            </a:p>
+          </p:txBody>
+        </p:sp>
+        <p:pic>
+          <p:nvPicPr>
+            <p:cNvPr id="22" name="Image 21">
+              <a:extLst>
+                <a:ext uri="{FF2B5EF4-FFF2-40B4-BE49-F238E27FC236}">
+                  <a16:creationId xmlns:a16="http://schemas.microsoft.com/office/drawing/2014/main" id="{179B58B8-47D5-C1FF-9D04-1216AEE8D2C3}"/>
+                </a:ext>
+              </a:extLst>
+            </p:cNvPr>
+            <p:cNvPicPr>
+              <a:picLocks noChangeAspect="1"/>
+            </p:cNvPicPr>
+            <p:nvPr/>
+          </p:nvPicPr>
+          <p:blipFill>
+            <a:blip r:embed="rId6"/>
+            <a:stretch>
+              <a:fillRect/>
+            </a:stretch>
+          </p:blipFill>
+          <p:spPr>
+            <a:xfrm>
+              <a:off x="5645850" y="3082562"/>
+              <a:ext cx="1260140" cy="1365151"/>
+            </a:xfrm>
+            <a:prstGeom prst="rect">
+              <a:avLst/>
+            </a:prstGeom>
+          </p:spPr>
+        </p:pic>
+      </p:grpSp>
+      <p:grpSp>
+        <p:nvGrpSpPr>
+          <p:cNvPr id="39" name="Groupe 38">
+            <a:extLst>
+              <a:ext uri="{FF2B5EF4-FFF2-40B4-BE49-F238E27FC236}">
+                <a16:creationId xmlns:a16="http://schemas.microsoft.com/office/drawing/2014/main" id="{649ADBDA-70C1-D383-4E0E-8C8536EC2A56}"/>
+              </a:ext>
+            </a:extLst>
+          </p:cNvPr>
+          <p:cNvGrpSpPr/>
+          <p:nvPr/>
+        </p:nvGrpSpPr>
+        <p:grpSpPr>
+          <a:xfrm>
+            <a:off x="155340" y="3482756"/>
+            <a:ext cx="720000" cy="720000"/>
+            <a:chOff x="6955958" y="3325976"/>
+            <a:chExt cx="1800000" cy="1800000"/>
+          </a:xfrm>
+        </p:grpSpPr>
+        <p:sp>
+          <p:nvSpPr>
+            <p:cNvPr id="24" name="Ellipse 23">
+              <a:extLst>
+                <a:ext uri="{FF2B5EF4-FFF2-40B4-BE49-F238E27FC236}">
+                  <a16:creationId xmlns:a16="http://schemas.microsoft.com/office/drawing/2014/main" id="{CBED9EBB-F36C-50AE-E435-78B5A527986B}"/>
+                </a:ext>
+              </a:extLst>
+            </p:cNvPr>
+            <p:cNvSpPr/>
+            <p:nvPr/>
+          </p:nvSpPr>
+          <p:spPr>
+            <a:xfrm>
+              <a:off x="6955958" y="3325976"/>
+              <a:ext cx="1800000" cy="1800000"/>
+            </a:xfrm>
+            <a:prstGeom prst="ellipse">
+              <a:avLst/>
+            </a:prstGeom>
+            <a:solidFill>
+              <a:srgbClr val="0C7391"/>
+            </a:solidFill>
+            <a:ln>
+              <a:noFill/>
+            </a:ln>
+          </p:spPr>
+          <p:style>
+            <a:lnRef idx="2">
+              <a:schemeClr val="accent1">
+                <a:shade val="50000"/>
+              </a:schemeClr>
+            </a:lnRef>
+            <a:fillRef idx="1">
+              <a:schemeClr val="accent1"/>
+            </a:fillRef>
+            <a:effectRef idx="0">
+              <a:schemeClr val="accent1"/>
+            </a:effectRef>
+            <a:fontRef idx="minor">
+              <a:schemeClr val="lt1"/>
+            </a:fontRef>
+          </p:style>
+          <p:txBody>
+            <a:bodyPr rtlCol="0" anchor="ctr"/>
+            <a:lstStyle/>
+            <a:p>
+              <a:pPr algn="ctr"/>
+              <a:endParaRPr lang="fr-FR" dirty="0"/>
+            </a:p>
+          </p:txBody>
+        </p:sp>
+        <p:pic>
+          <p:nvPicPr>
+            <p:cNvPr id="37" name="Image 36">
+              <a:extLst>
+                <a:ext uri="{FF2B5EF4-FFF2-40B4-BE49-F238E27FC236}">
+                  <a16:creationId xmlns:a16="http://schemas.microsoft.com/office/drawing/2014/main" id="{F0F9945B-C1F0-0D4A-0434-5383AA84E22A}"/>
+                </a:ext>
+              </a:extLst>
+            </p:cNvPr>
+            <p:cNvPicPr>
+              <a:picLocks noChangeAspect="1"/>
+            </p:cNvPicPr>
+            <p:nvPr/>
+          </p:nvPicPr>
+          <p:blipFill>
+            <a:blip r:embed="rId7"/>
+            <a:stretch>
+              <a:fillRect/>
+            </a:stretch>
+          </p:blipFill>
+          <p:spPr>
+            <a:xfrm>
+              <a:off x="7212124" y="3645024"/>
+              <a:ext cx="1394286" cy="1161904"/>
+            </a:xfrm>
+            <a:prstGeom prst="rect">
+              <a:avLst/>
+            </a:prstGeom>
+          </p:spPr>
+        </p:pic>
+        <p:pic>
+          <p:nvPicPr>
+            <p:cNvPr id="31" name="Image 30">
+              <a:extLst>
+                <a:ext uri="{FF2B5EF4-FFF2-40B4-BE49-F238E27FC236}">
+                  <a16:creationId xmlns:a16="http://schemas.microsoft.com/office/drawing/2014/main" id="{BEEC0DCA-DC31-5203-695F-1516D8F18336}"/>
+                </a:ext>
+              </a:extLst>
+            </p:cNvPr>
+            <p:cNvPicPr>
+              <a:picLocks noChangeAspect="1"/>
+            </p:cNvPicPr>
+            <p:nvPr/>
+          </p:nvPicPr>
+          <p:blipFill>
+            <a:blip r:embed="rId2"/>
+            <a:stretch>
+              <a:fillRect/>
+            </a:stretch>
+          </p:blipFill>
+          <p:spPr>
+            <a:xfrm>
+              <a:off x="7909267" y="4072626"/>
+              <a:ext cx="246640" cy="173418"/>
+            </a:xfrm>
+            <a:prstGeom prst="rect">
+              <a:avLst/>
+            </a:prstGeom>
+          </p:spPr>
+        </p:pic>
+      </p:grpSp>
+      <p:grpSp>
+        <p:nvGrpSpPr>
+          <p:cNvPr id="45" name="Groupe 44">
+            <a:extLst>
+              <a:ext uri="{FF2B5EF4-FFF2-40B4-BE49-F238E27FC236}">
+                <a16:creationId xmlns:a16="http://schemas.microsoft.com/office/drawing/2014/main" id="{AE1AA6F4-4BE7-DABA-709B-14BAE129C610}"/>
+              </a:ext>
+            </a:extLst>
+          </p:cNvPr>
+          <p:cNvGrpSpPr>
+            <a:grpSpLocks noChangeAspect="1"/>
+          </p:cNvGrpSpPr>
+          <p:nvPr/>
+        </p:nvGrpSpPr>
+        <p:grpSpPr>
+          <a:xfrm>
+            <a:off x="150838" y="4262698"/>
+            <a:ext cx="720000" cy="730124"/>
+            <a:chOff x="5015880" y="2240648"/>
+            <a:chExt cx="1800000" cy="1825309"/>
+          </a:xfrm>
+        </p:grpSpPr>
+        <p:sp>
+          <p:nvSpPr>
+            <p:cNvPr id="42" name="Ellipse 41">
+              <a:extLst>
+                <a:ext uri="{FF2B5EF4-FFF2-40B4-BE49-F238E27FC236}">
+                  <a16:creationId xmlns:a16="http://schemas.microsoft.com/office/drawing/2014/main" id="{D77F561C-E563-24D0-E3B0-FAFA924652BA}"/>
+                </a:ext>
+              </a:extLst>
+            </p:cNvPr>
+            <p:cNvSpPr/>
+            <p:nvPr/>
+          </p:nvSpPr>
+          <p:spPr>
+            <a:xfrm>
+              <a:off x="5015880" y="2240648"/>
+              <a:ext cx="1800000" cy="1800000"/>
+            </a:xfrm>
+            <a:prstGeom prst="ellipse">
+              <a:avLst/>
+            </a:prstGeom>
+            <a:solidFill>
+              <a:srgbClr val="0C7391"/>
+            </a:solidFill>
+            <a:ln>
+              <a:noFill/>
+            </a:ln>
+          </p:spPr>
+          <p:style>
+            <a:lnRef idx="2">
+              <a:schemeClr val="accent1">
+                <a:shade val="50000"/>
+              </a:schemeClr>
+            </a:lnRef>
+            <a:fillRef idx="1">
+              <a:schemeClr val="accent1"/>
+            </a:fillRef>
+            <a:effectRef idx="0">
+              <a:schemeClr val="accent1"/>
+            </a:effectRef>
+            <a:fontRef idx="minor">
+              <a:schemeClr val="lt1"/>
+            </a:fontRef>
+          </p:style>
+          <p:txBody>
+            <a:bodyPr rtlCol="0" anchor="ctr"/>
+            <a:lstStyle/>
+            <a:p>
+              <a:pPr algn="ctr"/>
+              <a:endParaRPr lang="fr-FR"/>
+            </a:p>
+          </p:txBody>
+        </p:sp>
+        <p:pic>
+          <p:nvPicPr>
+            <p:cNvPr id="44" name="Image 43">
+              <a:extLst>
+                <a:ext uri="{FF2B5EF4-FFF2-40B4-BE49-F238E27FC236}">
+                  <a16:creationId xmlns:a16="http://schemas.microsoft.com/office/drawing/2014/main" id="{D729A949-361F-D2E4-D5A3-F4E6A3820D7D}"/>
+                </a:ext>
+              </a:extLst>
+            </p:cNvPr>
+            <p:cNvPicPr>
+              <a:picLocks noChangeAspect="1"/>
+            </p:cNvPicPr>
+            <p:nvPr/>
+          </p:nvPicPr>
+          <p:blipFill>
+            <a:blip r:embed="rId8"/>
+            <a:stretch>
+              <a:fillRect/>
+            </a:stretch>
+          </p:blipFill>
+          <p:spPr>
+            <a:xfrm>
+              <a:off x="5509853" y="2338185"/>
+              <a:ext cx="812053" cy="1727772"/>
+            </a:xfrm>
+            <a:prstGeom prst="rect">
+              <a:avLst/>
+            </a:prstGeom>
+          </p:spPr>
+        </p:pic>
+      </p:grpSp>
+      <p:grpSp>
+        <p:nvGrpSpPr>
+          <p:cNvPr id="49" name="Groupe 48">
+            <a:extLst>
+              <a:ext uri="{FF2B5EF4-FFF2-40B4-BE49-F238E27FC236}">
+                <a16:creationId xmlns:a16="http://schemas.microsoft.com/office/drawing/2014/main" id="{BD4C90B0-573F-959D-C4A1-48F91F39B1D1}"/>
+              </a:ext>
+            </a:extLst>
+          </p:cNvPr>
+          <p:cNvGrpSpPr/>
+          <p:nvPr/>
+        </p:nvGrpSpPr>
+        <p:grpSpPr>
+          <a:xfrm>
+            <a:off x="2048389" y="6013837"/>
+            <a:ext cx="720000" cy="720000"/>
+            <a:chOff x="5537408" y="1765068"/>
+            <a:chExt cx="1800000" cy="1800000"/>
+          </a:xfrm>
+        </p:grpSpPr>
+        <p:sp>
+          <p:nvSpPr>
+            <p:cNvPr id="30" name="Ellipse 29">
+              <a:extLst>
+                <a:ext uri="{FF2B5EF4-FFF2-40B4-BE49-F238E27FC236}">
+                  <a16:creationId xmlns:a16="http://schemas.microsoft.com/office/drawing/2014/main" id="{207272A3-8B57-2C55-68DE-5212F59CFE72}"/>
+                </a:ext>
+              </a:extLst>
+            </p:cNvPr>
+            <p:cNvSpPr/>
+            <p:nvPr/>
+          </p:nvSpPr>
+          <p:spPr>
+            <a:xfrm>
+              <a:off x="5537408" y="1765068"/>
+              <a:ext cx="1800000" cy="1800000"/>
+            </a:xfrm>
+            <a:prstGeom prst="ellipse">
+              <a:avLst/>
+            </a:prstGeom>
+            <a:solidFill>
+              <a:srgbClr val="EF7268"/>
+            </a:solidFill>
+            <a:ln>
+              <a:noFill/>
+            </a:ln>
+          </p:spPr>
+          <p:style>
+            <a:lnRef idx="2">
+              <a:schemeClr val="accent1">
+                <a:shade val="50000"/>
+              </a:schemeClr>
+            </a:lnRef>
+            <a:fillRef idx="1">
+              <a:schemeClr val="accent1"/>
+            </a:fillRef>
+            <a:effectRef idx="0">
+              <a:schemeClr val="accent1"/>
+            </a:effectRef>
+            <a:fontRef idx="minor">
+              <a:schemeClr val="lt1"/>
+            </a:fontRef>
+          </p:style>
+          <p:txBody>
+            <a:bodyPr rtlCol="0" anchor="ctr"/>
+            <a:lstStyle/>
+            <a:p>
+              <a:pPr algn="ctr"/>
+              <a:endParaRPr lang="fr-FR" dirty="0"/>
+            </a:p>
+          </p:txBody>
+        </p:sp>
+        <p:pic>
+          <p:nvPicPr>
+            <p:cNvPr id="47" name="Image 46">
+              <a:extLst>
+                <a:ext uri="{FF2B5EF4-FFF2-40B4-BE49-F238E27FC236}">
+                  <a16:creationId xmlns:a16="http://schemas.microsoft.com/office/drawing/2014/main" id="{377BB46E-0A2F-4300-70BE-DF2A355C2D53}"/>
+                </a:ext>
+              </a:extLst>
+            </p:cNvPr>
+            <p:cNvPicPr>
+              <a:picLocks noChangeAspect="1"/>
+            </p:cNvPicPr>
+            <p:nvPr/>
+          </p:nvPicPr>
+          <p:blipFill>
+            <a:blip r:embed="rId9"/>
+            <a:stretch>
+              <a:fillRect/>
+            </a:stretch>
+          </p:blipFill>
+          <p:spPr>
+            <a:xfrm>
+              <a:off x="5717408" y="1945068"/>
+              <a:ext cx="1440000" cy="1440000"/>
+            </a:xfrm>
+            <a:prstGeom prst="rect">
+              <a:avLst/>
+            </a:prstGeom>
+          </p:spPr>
+        </p:pic>
+      </p:grpSp>
+      <p:grpSp>
+        <p:nvGrpSpPr>
+          <p:cNvPr id="54" name="Groupe 53">
+            <a:extLst>
+              <a:ext uri="{FF2B5EF4-FFF2-40B4-BE49-F238E27FC236}">
+                <a16:creationId xmlns:a16="http://schemas.microsoft.com/office/drawing/2014/main" id="{F6D296DF-C3BE-E258-C140-72ACFF64983F}"/>
+              </a:ext>
+            </a:extLst>
+          </p:cNvPr>
+          <p:cNvGrpSpPr/>
+          <p:nvPr/>
+        </p:nvGrpSpPr>
+        <p:grpSpPr>
+          <a:xfrm>
+            <a:off x="2963652" y="3471646"/>
+            <a:ext cx="720000" cy="720000"/>
+            <a:chOff x="6192322" y="2195517"/>
+            <a:chExt cx="1800000" cy="1800000"/>
+          </a:xfrm>
+        </p:grpSpPr>
+        <p:sp>
+          <p:nvSpPr>
+            <p:cNvPr id="55" name="Ellipse 54">
+              <a:extLst>
+                <a:ext uri="{FF2B5EF4-FFF2-40B4-BE49-F238E27FC236}">
+                  <a16:creationId xmlns:a16="http://schemas.microsoft.com/office/drawing/2014/main" id="{A4092581-0A5E-FD7F-67BF-591C1E5B147E}"/>
+                </a:ext>
+              </a:extLst>
+            </p:cNvPr>
+            <p:cNvSpPr/>
+            <p:nvPr/>
+          </p:nvSpPr>
+          <p:spPr>
+            <a:xfrm>
+              <a:off x="6192322" y="2195517"/>
+              <a:ext cx="1800000" cy="1800000"/>
+            </a:xfrm>
+            <a:prstGeom prst="ellipse">
+              <a:avLst/>
+            </a:prstGeom>
+            <a:solidFill>
+              <a:srgbClr val="EF7268"/>
+            </a:solidFill>
+            <a:ln>
+              <a:noFill/>
+            </a:ln>
+          </p:spPr>
+          <p:style>
+            <a:lnRef idx="2">
+              <a:schemeClr val="accent1">
+                <a:shade val="50000"/>
+              </a:schemeClr>
+            </a:lnRef>
+            <a:fillRef idx="1">
+              <a:schemeClr val="accent1"/>
+            </a:fillRef>
+            <a:effectRef idx="0">
+              <a:schemeClr val="accent1"/>
+            </a:effectRef>
+            <a:fontRef idx="minor">
+              <a:schemeClr val="lt1"/>
+            </a:fontRef>
+          </p:style>
+          <p:txBody>
+            <a:bodyPr rtlCol="0" anchor="ctr"/>
+            <a:lstStyle/>
+            <a:p>
+              <a:pPr algn="ctr"/>
+              <a:endParaRPr lang="fr-FR" dirty="0"/>
+            </a:p>
+          </p:txBody>
+        </p:sp>
+        <p:pic>
+          <p:nvPicPr>
+            <p:cNvPr id="56" name="Image 55">
+              <a:extLst>
+                <a:ext uri="{FF2B5EF4-FFF2-40B4-BE49-F238E27FC236}">
+                  <a16:creationId xmlns:a16="http://schemas.microsoft.com/office/drawing/2014/main" id="{B884F78A-4916-98A1-0A82-84413C7AC423}"/>
+                </a:ext>
+              </a:extLst>
+            </p:cNvPr>
+            <p:cNvPicPr>
+              <a:picLocks noChangeAspect="1"/>
+            </p:cNvPicPr>
+            <p:nvPr/>
+          </p:nvPicPr>
+          <p:blipFill>
+            <a:blip r:embed="rId10"/>
+            <a:stretch>
+              <a:fillRect/>
+            </a:stretch>
+          </p:blipFill>
+          <p:spPr>
+            <a:xfrm>
+              <a:off x="6364515" y="2367710"/>
+              <a:ext cx="1455614" cy="1455614"/>
+            </a:xfrm>
+            <a:prstGeom prst="rect">
+              <a:avLst/>
+            </a:prstGeom>
+          </p:spPr>
+        </p:pic>
+      </p:grpSp>
+      <p:grpSp>
+        <p:nvGrpSpPr>
+          <p:cNvPr id="60" name="Groupe 59">
+            <a:extLst>
+              <a:ext uri="{FF2B5EF4-FFF2-40B4-BE49-F238E27FC236}">
+                <a16:creationId xmlns:a16="http://schemas.microsoft.com/office/drawing/2014/main" id="{2FC337AE-7982-C774-A0F4-734C7F7D1F57}"/>
+              </a:ext>
+            </a:extLst>
+          </p:cNvPr>
+          <p:cNvGrpSpPr/>
+          <p:nvPr/>
+        </p:nvGrpSpPr>
+        <p:grpSpPr>
+          <a:xfrm>
+            <a:off x="5418169" y="969761"/>
+            <a:ext cx="720000" cy="720000"/>
+            <a:chOff x="5223986" y="2758228"/>
+            <a:chExt cx="1800000" cy="1800000"/>
+          </a:xfrm>
+        </p:grpSpPr>
+        <p:sp>
+          <p:nvSpPr>
+            <p:cNvPr id="59" name="Ellipse 58">
+              <a:extLst>
+                <a:ext uri="{FF2B5EF4-FFF2-40B4-BE49-F238E27FC236}">
+                  <a16:creationId xmlns:a16="http://schemas.microsoft.com/office/drawing/2014/main" id="{65F5068F-D1C3-42C9-E3F5-492ED7F64ACE}"/>
+                </a:ext>
+              </a:extLst>
+            </p:cNvPr>
+            <p:cNvSpPr/>
+            <p:nvPr/>
+          </p:nvSpPr>
+          <p:spPr>
+            <a:xfrm>
+              <a:off x="5223986" y="2758228"/>
+              <a:ext cx="1800000" cy="1800000"/>
+            </a:xfrm>
+            <a:prstGeom prst="ellipse">
+              <a:avLst/>
+            </a:prstGeom>
+            <a:solidFill>
+              <a:srgbClr val="00517A"/>
+            </a:solidFill>
+            <a:ln>
+              <a:noFill/>
+            </a:ln>
+          </p:spPr>
+          <p:style>
+            <a:lnRef idx="2">
+              <a:schemeClr val="accent1">
+                <a:shade val="50000"/>
+              </a:schemeClr>
+            </a:lnRef>
+            <a:fillRef idx="1">
+              <a:schemeClr val="accent1"/>
+            </a:fillRef>
+            <a:effectRef idx="0">
+              <a:schemeClr val="accent1"/>
+            </a:effectRef>
+            <a:fontRef idx="minor">
+              <a:schemeClr val="lt1"/>
+            </a:fontRef>
+          </p:style>
+          <p:txBody>
+            <a:bodyPr rtlCol="0" anchor="ctr"/>
+            <a:lstStyle/>
+            <a:p>
+              <a:pPr algn="ctr"/>
+              <a:endParaRPr lang="fr-FR"/>
+            </a:p>
+          </p:txBody>
+        </p:sp>
+        <p:pic>
+          <p:nvPicPr>
+            <p:cNvPr id="58" name="Image 57">
+              <a:extLst>
+                <a:ext uri="{FF2B5EF4-FFF2-40B4-BE49-F238E27FC236}">
+                  <a16:creationId xmlns:a16="http://schemas.microsoft.com/office/drawing/2014/main" id="{8A2C26E0-5949-F147-ED7A-DA542E7A09C4}"/>
+                </a:ext>
+              </a:extLst>
+            </p:cNvPr>
+            <p:cNvPicPr>
+              <a:picLocks noChangeAspect="1"/>
+            </p:cNvPicPr>
+            <p:nvPr/>
+          </p:nvPicPr>
+          <p:blipFill>
+            <a:blip r:embed="rId11"/>
+            <a:stretch>
+              <a:fillRect/>
+            </a:stretch>
+          </p:blipFill>
+          <p:spPr>
+            <a:xfrm>
+              <a:off x="5474001" y="3149783"/>
+              <a:ext cx="1244000" cy="937860"/>
+            </a:xfrm>
+            <a:prstGeom prst="rect">
+              <a:avLst/>
+            </a:prstGeom>
+          </p:spPr>
+        </p:pic>
+      </p:grpSp>
+      <p:grpSp>
+        <p:nvGrpSpPr>
+          <p:cNvPr id="64" name="Groupe 63">
+            <a:extLst>
+              <a:ext uri="{FF2B5EF4-FFF2-40B4-BE49-F238E27FC236}">
+                <a16:creationId xmlns:a16="http://schemas.microsoft.com/office/drawing/2014/main" id="{444C615E-5A42-CDC7-47A0-7B61E2082954}"/>
+              </a:ext>
+            </a:extLst>
+          </p:cNvPr>
+          <p:cNvGrpSpPr/>
+          <p:nvPr/>
+        </p:nvGrpSpPr>
+        <p:grpSpPr>
+          <a:xfrm>
+            <a:off x="5406975" y="1801193"/>
+            <a:ext cx="720000" cy="720000"/>
+            <a:chOff x="6744981" y="188640"/>
+            <a:chExt cx="1800000" cy="1800000"/>
+          </a:xfrm>
+        </p:grpSpPr>
+        <p:sp>
+          <p:nvSpPr>
+            <p:cNvPr id="61" name="Ellipse 60">
+              <a:extLst>
+                <a:ext uri="{FF2B5EF4-FFF2-40B4-BE49-F238E27FC236}">
+                  <a16:creationId xmlns:a16="http://schemas.microsoft.com/office/drawing/2014/main" id="{A4207B45-C8B9-68FA-CD26-505A1EC64986}"/>
+                </a:ext>
+              </a:extLst>
+            </p:cNvPr>
+            <p:cNvSpPr/>
+            <p:nvPr/>
+          </p:nvSpPr>
+          <p:spPr>
+            <a:xfrm>
+              <a:off x="6744981" y="188640"/>
+              <a:ext cx="1800000" cy="1800000"/>
+            </a:xfrm>
+            <a:prstGeom prst="ellipse">
+              <a:avLst/>
+            </a:prstGeom>
+            <a:solidFill>
+              <a:srgbClr val="00517A"/>
+            </a:solidFill>
+            <a:ln>
+              <a:noFill/>
+            </a:ln>
+          </p:spPr>
+          <p:style>
+            <a:lnRef idx="2">
+              <a:schemeClr val="accent1">
+                <a:shade val="50000"/>
+              </a:schemeClr>
+            </a:lnRef>
+            <a:fillRef idx="1">
+              <a:schemeClr val="accent1"/>
+            </a:fillRef>
+            <a:effectRef idx="0">
+              <a:schemeClr val="accent1"/>
+            </a:effectRef>
+            <a:fontRef idx="minor">
+              <a:schemeClr val="lt1"/>
+            </a:fontRef>
+          </p:style>
+          <p:txBody>
+            <a:bodyPr rtlCol="0" anchor="ctr"/>
+            <a:lstStyle/>
+            <a:p>
+              <a:pPr algn="ctr"/>
+              <a:endParaRPr lang="fr-FR"/>
+            </a:p>
+          </p:txBody>
+        </p:sp>
+        <p:pic>
+          <p:nvPicPr>
+            <p:cNvPr id="63" name="Image 62">
+              <a:extLst>
+                <a:ext uri="{FF2B5EF4-FFF2-40B4-BE49-F238E27FC236}">
+                  <a16:creationId xmlns:a16="http://schemas.microsoft.com/office/drawing/2014/main" id="{E5D026A8-0A8B-2D69-37F4-512A4E781008}"/>
+                </a:ext>
+              </a:extLst>
+            </p:cNvPr>
+            <p:cNvPicPr>
+              <a:picLocks noChangeAspect="1"/>
+            </p:cNvPicPr>
+            <p:nvPr/>
+          </p:nvPicPr>
+          <p:blipFill>
+            <a:blip r:embed="rId12"/>
+            <a:stretch>
+              <a:fillRect/>
+            </a:stretch>
+          </p:blipFill>
+          <p:spPr>
+            <a:xfrm>
+              <a:off x="7068917" y="550319"/>
+              <a:ext cx="1152128" cy="1152128"/>
+            </a:xfrm>
+            <a:prstGeom prst="rect">
+              <a:avLst/>
+            </a:prstGeom>
+          </p:spPr>
+        </p:pic>
+      </p:grpSp>
+      <p:grpSp>
+        <p:nvGrpSpPr>
+          <p:cNvPr id="70" name="Groupe 69">
+            <a:extLst>
+              <a:ext uri="{FF2B5EF4-FFF2-40B4-BE49-F238E27FC236}">
+                <a16:creationId xmlns:a16="http://schemas.microsoft.com/office/drawing/2014/main" id="{F498B08E-CEE7-9D46-38A0-E0F2D762E7EF}"/>
+              </a:ext>
+            </a:extLst>
+          </p:cNvPr>
+          <p:cNvGrpSpPr/>
+          <p:nvPr/>
+        </p:nvGrpSpPr>
+        <p:grpSpPr>
+          <a:xfrm>
+            <a:off x="1004373" y="4308432"/>
+            <a:ext cx="720000" cy="720000"/>
+            <a:chOff x="5775745" y="3144183"/>
+            <a:chExt cx="1800000" cy="1800000"/>
+          </a:xfrm>
+        </p:grpSpPr>
+        <p:sp>
+          <p:nvSpPr>
+            <p:cNvPr id="65" name="Ellipse 64">
+              <a:extLst>
+                <a:ext uri="{FF2B5EF4-FFF2-40B4-BE49-F238E27FC236}">
+                  <a16:creationId xmlns:a16="http://schemas.microsoft.com/office/drawing/2014/main" id="{BAC24A03-77F7-86EB-650D-FFFF62D1C7E4}"/>
+                </a:ext>
+              </a:extLst>
+            </p:cNvPr>
+            <p:cNvSpPr/>
+            <p:nvPr/>
+          </p:nvSpPr>
+          <p:spPr>
+            <a:xfrm>
+              <a:off x="5775745" y="3144183"/>
+              <a:ext cx="1800000" cy="1800000"/>
+            </a:xfrm>
+            <a:prstGeom prst="ellipse">
+              <a:avLst/>
+            </a:prstGeom>
+            <a:solidFill>
+              <a:srgbClr val="68348B"/>
+            </a:solidFill>
+            <a:ln>
+              <a:noFill/>
+            </a:ln>
+          </p:spPr>
+          <p:style>
+            <a:lnRef idx="2">
+              <a:schemeClr val="accent1">
+                <a:shade val="50000"/>
+              </a:schemeClr>
+            </a:lnRef>
+            <a:fillRef idx="1">
+              <a:schemeClr val="accent1"/>
+            </a:fillRef>
+            <a:effectRef idx="0">
+              <a:schemeClr val="accent1"/>
+            </a:effectRef>
+            <a:fontRef idx="minor">
+              <a:schemeClr val="lt1"/>
+            </a:fontRef>
+          </p:style>
+          <p:txBody>
+            <a:bodyPr rtlCol="0" anchor="ctr"/>
+            <a:lstStyle/>
+            <a:p>
+              <a:pPr algn="ctr"/>
+              <a:endParaRPr lang="fr-FR"/>
+            </a:p>
+          </p:txBody>
+        </p:sp>
+        <p:pic>
+          <p:nvPicPr>
+            <p:cNvPr id="69" name="Image 68">
+              <a:extLst>
+                <a:ext uri="{FF2B5EF4-FFF2-40B4-BE49-F238E27FC236}">
+                  <a16:creationId xmlns:a16="http://schemas.microsoft.com/office/drawing/2014/main" id="{FD41A99C-38B4-67CF-54DD-2BD2EBB78D93}"/>
+                </a:ext>
+              </a:extLst>
+            </p:cNvPr>
+            <p:cNvPicPr>
+              <a:picLocks noChangeAspect="1"/>
+            </p:cNvPicPr>
+            <p:nvPr/>
+          </p:nvPicPr>
+          <p:blipFill>
+            <a:blip r:embed="rId13"/>
+            <a:stretch>
+              <a:fillRect/>
+            </a:stretch>
+          </p:blipFill>
+          <p:spPr>
+            <a:xfrm>
+              <a:off x="5903821" y="3513485"/>
+              <a:ext cx="1543848" cy="1061396"/>
+            </a:xfrm>
+            <a:prstGeom prst="rect">
+              <a:avLst/>
+            </a:prstGeom>
+          </p:spPr>
+        </p:pic>
+      </p:grpSp>
+      <p:grpSp>
+        <p:nvGrpSpPr>
+          <p:cNvPr id="74" name="Groupe 73">
+            <a:extLst>
+              <a:ext uri="{FF2B5EF4-FFF2-40B4-BE49-F238E27FC236}">
+                <a16:creationId xmlns:a16="http://schemas.microsoft.com/office/drawing/2014/main" id="{5DD1A68D-5EA6-1CE1-647A-943E4B57FB7A}"/>
+              </a:ext>
+            </a:extLst>
+          </p:cNvPr>
+          <p:cNvGrpSpPr/>
+          <p:nvPr/>
+        </p:nvGrpSpPr>
+        <p:grpSpPr>
+          <a:xfrm>
+            <a:off x="986844" y="5176153"/>
+            <a:ext cx="720000" cy="720000"/>
+            <a:chOff x="5889610" y="2521193"/>
+            <a:chExt cx="1800000" cy="1800000"/>
+          </a:xfrm>
+        </p:grpSpPr>
+        <p:sp>
+          <p:nvSpPr>
+            <p:cNvPr id="8" name="Ellipse 7"/>
+            <p:cNvSpPr/>
+            <p:nvPr/>
+          </p:nvSpPr>
+          <p:spPr>
+            <a:xfrm>
+              <a:off x="5889610" y="2521193"/>
+              <a:ext cx="1800000" cy="1800000"/>
+            </a:xfrm>
+            <a:prstGeom prst="ellipse">
+              <a:avLst/>
+            </a:prstGeom>
+            <a:solidFill>
+              <a:srgbClr val="68348B"/>
+            </a:solidFill>
+            <a:ln>
+              <a:noFill/>
+            </a:ln>
+          </p:spPr>
+          <p:style>
+            <a:lnRef idx="2">
+              <a:schemeClr val="accent1">
+                <a:shade val="50000"/>
+              </a:schemeClr>
+            </a:lnRef>
+            <a:fillRef idx="1">
+              <a:schemeClr val="accent1"/>
+            </a:fillRef>
+            <a:effectRef idx="0">
+              <a:schemeClr val="accent1"/>
+            </a:effectRef>
+            <a:fontRef idx="minor">
+              <a:schemeClr val="lt1"/>
+            </a:fontRef>
+          </p:style>
+          <p:txBody>
+            <a:bodyPr rtlCol="0" anchor="ctr"/>
+            <a:lstStyle/>
+            <a:p>
+              <a:pPr algn="ctr"/>
+              <a:endParaRPr lang="fr-FR"/>
+            </a:p>
+          </p:txBody>
+        </p:sp>
+        <p:pic>
+          <p:nvPicPr>
+            <p:cNvPr id="72" name="Image 71">
+              <a:extLst>
+                <a:ext uri="{FF2B5EF4-FFF2-40B4-BE49-F238E27FC236}">
+                  <a16:creationId xmlns:a16="http://schemas.microsoft.com/office/drawing/2014/main" id="{41CB7593-335A-717D-C837-D3FE6C2E24BC}"/>
+                </a:ext>
+              </a:extLst>
+            </p:cNvPr>
+            <p:cNvPicPr>
+              <a:picLocks noChangeAspect="1"/>
+            </p:cNvPicPr>
+            <p:nvPr/>
+          </p:nvPicPr>
+          <p:blipFill>
+            <a:blip r:embed="rId14"/>
+            <a:stretch>
+              <a:fillRect/>
+            </a:stretch>
+          </p:blipFill>
+          <p:spPr>
+            <a:xfrm>
+              <a:off x="6406987" y="2821142"/>
+              <a:ext cx="981469" cy="1215716"/>
+            </a:xfrm>
+            <a:prstGeom prst="rect">
+              <a:avLst/>
+            </a:prstGeom>
+          </p:spPr>
+        </p:pic>
+      </p:grpSp>
+      <p:grpSp>
+        <p:nvGrpSpPr>
+          <p:cNvPr id="78" name="Groupe 77">
+            <a:extLst>
+              <a:ext uri="{FF2B5EF4-FFF2-40B4-BE49-F238E27FC236}">
+                <a16:creationId xmlns:a16="http://schemas.microsoft.com/office/drawing/2014/main" id="{A6E2CECD-3167-ADA5-ED37-13413D6CBEA2}"/>
+              </a:ext>
+            </a:extLst>
+          </p:cNvPr>
+          <p:cNvGrpSpPr/>
+          <p:nvPr/>
+        </p:nvGrpSpPr>
+        <p:grpSpPr>
+          <a:xfrm>
+            <a:off x="142516" y="5976296"/>
+            <a:ext cx="720000" cy="720000"/>
+            <a:chOff x="5536549" y="4214211"/>
+            <a:chExt cx="1800000" cy="1800000"/>
+          </a:xfrm>
+        </p:grpSpPr>
+        <p:sp>
+          <p:nvSpPr>
+            <p:cNvPr id="75" name="Ellipse 74">
+              <a:extLst>
+                <a:ext uri="{FF2B5EF4-FFF2-40B4-BE49-F238E27FC236}">
+                  <a16:creationId xmlns:a16="http://schemas.microsoft.com/office/drawing/2014/main" id="{D1EE1E20-7F69-9AF3-3291-DD7EA28D72DA}"/>
+                </a:ext>
+              </a:extLst>
+            </p:cNvPr>
+            <p:cNvSpPr/>
+            <p:nvPr/>
+          </p:nvSpPr>
+          <p:spPr>
+            <a:xfrm>
+              <a:off x="5536549" y="4214211"/>
+              <a:ext cx="1800000" cy="1800000"/>
+            </a:xfrm>
+            <a:prstGeom prst="ellipse">
+              <a:avLst/>
+            </a:prstGeom>
+            <a:solidFill>
+              <a:srgbClr val="0C7391"/>
+            </a:solidFill>
+            <a:ln>
+              <a:noFill/>
+            </a:ln>
+          </p:spPr>
+          <p:style>
+            <a:lnRef idx="2">
+              <a:schemeClr val="accent1">
+                <a:shade val="50000"/>
+              </a:schemeClr>
+            </a:lnRef>
+            <a:fillRef idx="1">
+              <a:schemeClr val="accent1"/>
+            </a:fillRef>
+            <a:effectRef idx="0">
+              <a:schemeClr val="accent1"/>
+            </a:effectRef>
+            <a:fontRef idx="minor">
+              <a:schemeClr val="lt1"/>
+            </a:fontRef>
+          </p:style>
+          <p:txBody>
+            <a:bodyPr rtlCol="0" anchor="ctr"/>
+            <a:lstStyle/>
+            <a:p>
+              <a:pPr algn="ctr"/>
+              <a:endParaRPr lang="fr-FR"/>
+            </a:p>
+          </p:txBody>
+        </p:sp>
+        <p:pic>
+          <p:nvPicPr>
+            <p:cNvPr id="77" name="Image 76">
+              <a:extLst>
+                <a:ext uri="{FF2B5EF4-FFF2-40B4-BE49-F238E27FC236}">
+                  <a16:creationId xmlns:a16="http://schemas.microsoft.com/office/drawing/2014/main" id="{0443B4B2-1934-2C3D-4CDD-2CE7225E12DD}"/>
+                </a:ext>
+              </a:extLst>
+            </p:cNvPr>
+            <p:cNvPicPr>
+              <a:picLocks noChangeAspect="1"/>
+            </p:cNvPicPr>
+            <p:nvPr/>
+          </p:nvPicPr>
+          <p:blipFill>
+            <a:blip r:embed="rId15"/>
+            <a:stretch>
+              <a:fillRect/>
+            </a:stretch>
+          </p:blipFill>
+          <p:spPr>
+            <a:xfrm>
+              <a:off x="5592565" y="4880711"/>
+              <a:ext cx="1687967" cy="380132"/>
+            </a:xfrm>
+            <a:prstGeom prst="rect">
+              <a:avLst/>
+            </a:prstGeom>
+          </p:spPr>
+        </p:pic>
+      </p:grpSp>
+      <p:grpSp>
+        <p:nvGrpSpPr>
+          <p:cNvPr id="87" name="Groupe 86">
+            <a:extLst>
+              <a:ext uri="{FF2B5EF4-FFF2-40B4-BE49-F238E27FC236}">
+                <a16:creationId xmlns:a16="http://schemas.microsoft.com/office/drawing/2014/main" id="{EFAF4E78-4204-9324-87E2-050F55E2F8EB}"/>
+              </a:ext>
+            </a:extLst>
+          </p:cNvPr>
+          <p:cNvGrpSpPr/>
+          <p:nvPr/>
+        </p:nvGrpSpPr>
+        <p:grpSpPr>
+          <a:xfrm>
+            <a:off x="997107" y="6040569"/>
+            <a:ext cx="720000" cy="720000"/>
+            <a:chOff x="5440393" y="2720332"/>
+            <a:chExt cx="1284732" cy="1284732"/>
+          </a:xfrm>
+        </p:grpSpPr>
+        <p:sp>
+          <p:nvSpPr>
+            <p:cNvPr id="73" name="Ellipse 72">
+              <a:extLst>
+                <a:ext uri="{FF2B5EF4-FFF2-40B4-BE49-F238E27FC236}">
+                  <a16:creationId xmlns:a16="http://schemas.microsoft.com/office/drawing/2014/main" id="{D5128351-7B0A-CD4F-1B22-3A1477521E0C}"/>
+                </a:ext>
+              </a:extLst>
+            </p:cNvPr>
+            <p:cNvSpPr/>
+            <p:nvPr/>
+          </p:nvSpPr>
+          <p:spPr>
+            <a:xfrm>
+              <a:off x="5440393" y="2720332"/>
+              <a:ext cx="1284732" cy="1284732"/>
+            </a:xfrm>
+            <a:prstGeom prst="ellipse">
+              <a:avLst/>
+            </a:prstGeom>
+            <a:solidFill>
+              <a:srgbClr val="68348B"/>
+            </a:solidFill>
+            <a:ln>
+              <a:noFill/>
+            </a:ln>
+          </p:spPr>
+          <p:style>
+            <a:lnRef idx="2">
+              <a:schemeClr val="accent1">
+                <a:shade val="50000"/>
+              </a:schemeClr>
+            </a:lnRef>
+            <a:fillRef idx="1">
+              <a:schemeClr val="accent1"/>
+            </a:fillRef>
+            <a:effectRef idx="0">
+              <a:schemeClr val="accent1"/>
+            </a:effectRef>
+            <a:fontRef idx="minor">
+              <a:schemeClr val="lt1"/>
+            </a:fontRef>
+          </p:style>
+          <p:txBody>
+            <a:bodyPr rtlCol="0" anchor="ctr"/>
+            <a:lstStyle/>
+            <a:p>
+              <a:pPr algn="ctr"/>
+              <a:endParaRPr lang="fr-FR"/>
+            </a:p>
+          </p:txBody>
+        </p:sp>
+        <p:pic>
+          <p:nvPicPr>
+            <p:cNvPr id="85" name="Image 84">
+              <a:extLst>
+                <a:ext uri="{FF2B5EF4-FFF2-40B4-BE49-F238E27FC236}">
+                  <a16:creationId xmlns:a16="http://schemas.microsoft.com/office/drawing/2014/main" id="{E5BB0824-230B-2809-4278-82F08094DF2A}"/>
+                </a:ext>
+              </a:extLst>
+            </p:cNvPr>
+            <p:cNvPicPr>
+              <a:picLocks noChangeAspect="1"/>
+            </p:cNvPicPr>
+            <p:nvPr/>
+          </p:nvPicPr>
+          <p:blipFill>
+            <a:blip r:embed="rId16"/>
+            <a:stretch>
+              <a:fillRect/>
+            </a:stretch>
+          </p:blipFill>
+          <p:spPr>
+            <a:xfrm>
+              <a:off x="5510212" y="3076575"/>
+              <a:ext cx="1171575" cy="704850"/>
+            </a:xfrm>
+            <a:prstGeom prst="rect">
+              <a:avLst/>
+            </a:prstGeom>
+          </p:spPr>
+        </p:pic>
+      </p:grpSp>
+      <p:sp>
+        <p:nvSpPr>
+          <p:cNvPr id="86" name="Ellipse 85">
+            <a:extLst>
+              <a:ext uri="{FF2B5EF4-FFF2-40B4-BE49-F238E27FC236}">
+                <a16:creationId xmlns:a16="http://schemas.microsoft.com/office/drawing/2014/main" id="{5EF0B498-50DB-BA44-8C7B-6D60C4458366}"/>
+              </a:ext>
+            </a:extLst>
+          </p:cNvPr>
+          <p:cNvSpPr/>
+          <p:nvPr/>
+        </p:nvSpPr>
+        <p:spPr>
+          <a:xfrm>
+            <a:off x="6074462" y="-542801"/>
+            <a:ext cx="1800000" cy="1800000"/>
           </a:xfrm>
           <a:prstGeom prst="ellipse">
             <a:avLst/>
@@ -4686,76 +6305,727 @@
           </a:p>
         </p:txBody>
       </p:sp>
-      <p:sp>
-        <p:nvSpPr>
-          <p:cNvPr id="10" name="Ellipse 9"/>
-          <p:cNvSpPr/>
+      <p:grpSp>
+        <p:nvGrpSpPr>
+          <p:cNvPr id="90" name="Groupe 89">
+            <a:extLst>
+              <a:ext uri="{FF2B5EF4-FFF2-40B4-BE49-F238E27FC236}">
+                <a16:creationId xmlns:a16="http://schemas.microsoft.com/office/drawing/2014/main" id="{B52FE862-8857-85FD-0DD7-C3CDFDEFFD55}"/>
+              </a:ext>
+            </a:extLst>
+          </p:cNvPr>
+          <p:cNvGrpSpPr/>
           <p:nvPr/>
-        </p:nvSpPr>
-        <p:spPr>
+        </p:nvGrpSpPr>
+        <p:grpSpPr>
           <a:xfrm>
-            <a:off x="4928860" y="800708"/>
-            <a:ext cx="1800000" cy="1800000"/>
+            <a:off x="146383" y="5157352"/>
+            <a:ext cx="720000" cy="720000"/>
+            <a:chOff x="7487041" y="2971639"/>
+            <a:chExt cx="1800000" cy="1800000"/>
           </a:xfrm>
-          <a:prstGeom prst="ellipse">
-            <a:avLst/>
-          </a:prstGeom>
-          <a:solidFill>
-            <a:srgbClr val="EF7268"/>
-          </a:solidFill>
-          <a:ln>
-            <a:noFill/>
-          </a:ln>
-        </p:spPr>
-        <p:style>
-          <a:lnRef idx="2">
-            <a:schemeClr val="accent1">
-              <a:shade val="50000"/>
-            </a:schemeClr>
-          </a:lnRef>
-          <a:fillRef idx="1">
-            <a:schemeClr val="accent1"/>
-          </a:fillRef>
-          <a:effectRef idx="0">
-            <a:schemeClr val="accent1"/>
-          </a:effectRef>
-          <a:fontRef idx="minor">
-            <a:schemeClr val="lt1"/>
-          </a:fontRef>
-        </p:style>
-        <p:txBody>
-          <a:bodyPr rtlCol="0" anchor="ctr"/>
-          <a:lstStyle/>
-          <a:p>
-            <a:pPr algn="ctr"/>
-            <a:endParaRPr lang="fr-FR"/>
-          </a:p>
-        </p:txBody>
-      </p:sp>
-      <p:pic>
-        <p:nvPicPr>
-          <p:cNvPr id="11" name="Image 10"/>
-          <p:cNvPicPr>
-            <a:picLocks noChangeAspect="1"/>
-          </p:cNvPicPr>
+        </p:grpSpPr>
+        <p:sp>
+          <p:nvSpPr>
+            <p:cNvPr id="83" name="Ellipse 82">
+              <a:extLst>
+                <a:ext uri="{FF2B5EF4-FFF2-40B4-BE49-F238E27FC236}">
+                  <a16:creationId xmlns:a16="http://schemas.microsoft.com/office/drawing/2014/main" id="{B2656927-ABF6-E054-3B30-6266D2F25ECC}"/>
+                </a:ext>
+              </a:extLst>
+            </p:cNvPr>
+            <p:cNvSpPr/>
+            <p:nvPr/>
+          </p:nvSpPr>
+          <p:spPr>
+            <a:xfrm>
+              <a:off x="7487041" y="2971639"/>
+              <a:ext cx="1800000" cy="1800000"/>
+            </a:xfrm>
+            <a:prstGeom prst="ellipse">
+              <a:avLst/>
+            </a:prstGeom>
+            <a:solidFill>
+              <a:srgbClr val="0C7391"/>
+            </a:solidFill>
+            <a:ln>
+              <a:noFill/>
+            </a:ln>
+          </p:spPr>
+          <p:style>
+            <a:lnRef idx="2">
+              <a:schemeClr val="accent1">
+                <a:shade val="50000"/>
+              </a:schemeClr>
+            </a:lnRef>
+            <a:fillRef idx="1">
+              <a:schemeClr val="accent1"/>
+            </a:fillRef>
+            <a:effectRef idx="0">
+              <a:schemeClr val="accent1"/>
+            </a:effectRef>
+            <a:fontRef idx="minor">
+              <a:schemeClr val="lt1"/>
+            </a:fontRef>
+          </p:style>
+          <p:txBody>
+            <a:bodyPr rtlCol="0" anchor="ctr"/>
+            <a:lstStyle/>
+            <a:p>
+              <a:pPr algn="ctr"/>
+              <a:endParaRPr lang="fr-FR"/>
+            </a:p>
+          </p:txBody>
+        </p:sp>
+        <p:pic>
+          <p:nvPicPr>
+            <p:cNvPr id="89" name="Image 88">
+              <a:extLst>
+                <a:ext uri="{FF2B5EF4-FFF2-40B4-BE49-F238E27FC236}">
+                  <a16:creationId xmlns:a16="http://schemas.microsoft.com/office/drawing/2014/main" id="{49566398-0591-CB54-F86F-0E7DD56AC191}"/>
+                </a:ext>
+              </a:extLst>
+            </p:cNvPr>
+            <p:cNvPicPr>
+              <a:picLocks noChangeAspect="1"/>
+            </p:cNvPicPr>
+            <p:nvPr/>
+          </p:nvPicPr>
+          <p:blipFill>
+            <a:blip r:embed="rId17"/>
+            <a:stretch>
+              <a:fillRect/>
+            </a:stretch>
+          </p:blipFill>
+          <p:spPr>
+            <a:xfrm>
+              <a:off x="7571666" y="3483365"/>
+              <a:ext cx="1630750" cy="776548"/>
+            </a:xfrm>
+            <a:prstGeom prst="rect">
+              <a:avLst/>
+            </a:prstGeom>
+          </p:spPr>
+        </p:pic>
+      </p:grpSp>
+      <p:grpSp>
+        <p:nvGrpSpPr>
+          <p:cNvPr id="94" name="Groupe 93">
+            <a:extLst>
+              <a:ext uri="{FF2B5EF4-FFF2-40B4-BE49-F238E27FC236}">
+                <a16:creationId xmlns:a16="http://schemas.microsoft.com/office/drawing/2014/main" id="{BEF00D25-84C4-45CB-99B3-3DE5D320AB81}"/>
+              </a:ext>
+            </a:extLst>
+          </p:cNvPr>
+          <p:cNvGrpSpPr/>
           <p:nvPr/>
-        </p:nvPicPr>
-        <p:blipFill>
-          <a:blip r:embed="rId4"/>
-          <a:stretch>
-            <a:fillRect/>
-          </a:stretch>
-        </p:blipFill>
-        <p:spPr>
-          <a:xfrm flipH="1">
-            <a:off x="5093668" y="1037724"/>
-            <a:ext cx="1470384" cy="1470384"/>
+        </p:nvGrpSpPr>
+        <p:grpSpPr>
+          <a:xfrm>
+            <a:off x="5553689" y="2842323"/>
+            <a:ext cx="720000" cy="720000"/>
+            <a:chOff x="6138169" y="4069439"/>
+            <a:chExt cx="1800000" cy="1800000"/>
           </a:xfrm>
-          <a:prstGeom prst="rect">
-            <a:avLst/>
-          </a:prstGeom>
-        </p:spPr>
-      </p:pic>
+        </p:grpSpPr>
+        <p:sp>
+          <p:nvSpPr>
+            <p:cNvPr id="91" name="Ellipse 90">
+              <a:extLst>
+                <a:ext uri="{FF2B5EF4-FFF2-40B4-BE49-F238E27FC236}">
+                  <a16:creationId xmlns:a16="http://schemas.microsoft.com/office/drawing/2014/main" id="{8F075793-AE60-DC0D-59E5-0F87F4BDFF8B}"/>
+                </a:ext>
+              </a:extLst>
+            </p:cNvPr>
+            <p:cNvSpPr/>
+            <p:nvPr/>
+          </p:nvSpPr>
+          <p:spPr>
+            <a:xfrm>
+              <a:off x="6138169" y="4069439"/>
+              <a:ext cx="1800000" cy="1800000"/>
+            </a:xfrm>
+            <a:prstGeom prst="ellipse">
+              <a:avLst/>
+            </a:prstGeom>
+            <a:solidFill>
+              <a:srgbClr val="00547F"/>
+            </a:solidFill>
+            <a:ln>
+              <a:noFill/>
+            </a:ln>
+          </p:spPr>
+          <p:style>
+            <a:lnRef idx="2">
+              <a:schemeClr val="accent1">
+                <a:shade val="50000"/>
+              </a:schemeClr>
+            </a:lnRef>
+            <a:fillRef idx="1">
+              <a:schemeClr val="accent1"/>
+            </a:fillRef>
+            <a:effectRef idx="0">
+              <a:schemeClr val="accent1"/>
+            </a:effectRef>
+            <a:fontRef idx="minor">
+              <a:schemeClr val="lt1"/>
+            </a:fontRef>
+          </p:style>
+          <p:txBody>
+            <a:bodyPr rtlCol="0" anchor="ctr"/>
+            <a:lstStyle/>
+            <a:p>
+              <a:pPr algn="ctr"/>
+              <a:endParaRPr lang="fr-FR"/>
+            </a:p>
+          </p:txBody>
+        </p:sp>
+        <p:pic>
+          <p:nvPicPr>
+            <p:cNvPr id="93" name="Image 92">
+              <a:extLst>
+                <a:ext uri="{FF2B5EF4-FFF2-40B4-BE49-F238E27FC236}">
+                  <a16:creationId xmlns:a16="http://schemas.microsoft.com/office/drawing/2014/main" id="{C70495F1-F76D-18F2-06FA-B6B988612194}"/>
+                </a:ext>
+              </a:extLst>
+            </p:cNvPr>
+            <p:cNvPicPr>
+              <a:picLocks noChangeAspect="1"/>
+            </p:cNvPicPr>
+            <p:nvPr/>
+          </p:nvPicPr>
+          <p:blipFill>
+            <a:blip r:embed="rId18"/>
+            <a:stretch>
+              <a:fillRect/>
+            </a:stretch>
+          </p:blipFill>
+          <p:spPr>
+            <a:xfrm>
+              <a:off x="6243433" y="4174703"/>
+              <a:ext cx="1589472" cy="1589472"/>
+            </a:xfrm>
+            <a:prstGeom prst="rect">
+              <a:avLst/>
+            </a:prstGeom>
+          </p:spPr>
+        </p:pic>
+      </p:grpSp>
+      <p:grpSp>
+        <p:nvGrpSpPr>
+          <p:cNvPr id="98" name="Groupe 97">
+            <a:extLst>
+              <a:ext uri="{FF2B5EF4-FFF2-40B4-BE49-F238E27FC236}">
+                <a16:creationId xmlns:a16="http://schemas.microsoft.com/office/drawing/2014/main" id="{F159BEF2-F201-EA36-9FF4-863830A2F345}"/>
+              </a:ext>
+            </a:extLst>
+          </p:cNvPr>
+          <p:cNvGrpSpPr/>
+          <p:nvPr/>
+        </p:nvGrpSpPr>
+        <p:grpSpPr>
+          <a:xfrm>
+            <a:off x="6662922" y="1308787"/>
+            <a:ext cx="720000" cy="720000"/>
+            <a:chOff x="5013689" y="3604429"/>
+            <a:chExt cx="1800000" cy="1800000"/>
+          </a:xfrm>
+        </p:grpSpPr>
+        <p:sp>
+          <p:nvSpPr>
+            <p:cNvPr id="95" name="Ellipse 94">
+              <a:extLst>
+                <a:ext uri="{FF2B5EF4-FFF2-40B4-BE49-F238E27FC236}">
+                  <a16:creationId xmlns:a16="http://schemas.microsoft.com/office/drawing/2014/main" id="{D76AF449-DCBD-CB65-F26E-97DC92227227}"/>
+                </a:ext>
+              </a:extLst>
+            </p:cNvPr>
+            <p:cNvSpPr/>
+            <p:nvPr/>
+          </p:nvSpPr>
+          <p:spPr>
+            <a:xfrm>
+              <a:off x="5013689" y="3604429"/>
+              <a:ext cx="1800000" cy="1800000"/>
+            </a:xfrm>
+            <a:prstGeom prst="ellipse">
+              <a:avLst/>
+            </a:prstGeom>
+            <a:solidFill>
+              <a:srgbClr val="00547F"/>
+            </a:solidFill>
+            <a:ln>
+              <a:noFill/>
+            </a:ln>
+          </p:spPr>
+          <p:style>
+            <a:lnRef idx="2">
+              <a:schemeClr val="accent1">
+                <a:shade val="50000"/>
+              </a:schemeClr>
+            </a:lnRef>
+            <a:fillRef idx="1">
+              <a:schemeClr val="accent1"/>
+            </a:fillRef>
+            <a:effectRef idx="0">
+              <a:schemeClr val="accent1"/>
+            </a:effectRef>
+            <a:fontRef idx="minor">
+              <a:schemeClr val="lt1"/>
+            </a:fontRef>
+          </p:style>
+          <p:txBody>
+            <a:bodyPr rtlCol="0" anchor="ctr"/>
+            <a:lstStyle/>
+            <a:p>
+              <a:pPr algn="ctr"/>
+              <a:endParaRPr lang="fr-FR"/>
+            </a:p>
+          </p:txBody>
+        </p:sp>
+        <p:pic>
+          <p:nvPicPr>
+            <p:cNvPr id="97" name="Image 96">
+              <a:extLst>
+                <a:ext uri="{FF2B5EF4-FFF2-40B4-BE49-F238E27FC236}">
+                  <a16:creationId xmlns:a16="http://schemas.microsoft.com/office/drawing/2014/main" id="{F54CD956-4793-DCF6-4EEC-B37222EA331D}"/>
+                </a:ext>
+              </a:extLst>
+            </p:cNvPr>
+            <p:cNvPicPr>
+              <a:picLocks noChangeAspect="1"/>
+            </p:cNvPicPr>
+            <p:nvPr/>
+          </p:nvPicPr>
+          <p:blipFill>
+            <a:blip r:embed="rId19"/>
+            <a:stretch>
+              <a:fillRect/>
+            </a:stretch>
+          </p:blipFill>
+          <p:spPr>
+            <a:xfrm>
+              <a:off x="5457424" y="3852621"/>
+              <a:ext cx="912531" cy="1303616"/>
+            </a:xfrm>
+            <a:prstGeom prst="rect">
+              <a:avLst/>
+            </a:prstGeom>
+          </p:spPr>
+        </p:pic>
+      </p:grpSp>
+      <p:grpSp>
+        <p:nvGrpSpPr>
+          <p:cNvPr id="102" name="Groupe 101">
+            <a:extLst>
+              <a:ext uri="{FF2B5EF4-FFF2-40B4-BE49-F238E27FC236}">
+                <a16:creationId xmlns:a16="http://schemas.microsoft.com/office/drawing/2014/main" id="{C6C5BC75-FB9E-7ECC-E602-5FAB4B2055F2}"/>
+              </a:ext>
+            </a:extLst>
+          </p:cNvPr>
+          <p:cNvGrpSpPr/>
+          <p:nvPr/>
+        </p:nvGrpSpPr>
+        <p:grpSpPr>
+          <a:xfrm>
+            <a:off x="4597857" y="181193"/>
+            <a:ext cx="720000" cy="720000"/>
+            <a:chOff x="6669297" y="3242023"/>
+            <a:chExt cx="1800000" cy="1800000"/>
+          </a:xfrm>
+        </p:grpSpPr>
+        <p:sp>
+          <p:nvSpPr>
+            <p:cNvPr id="99" name="Ellipse 98">
+              <a:extLst>
+                <a:ext uri="{FF2B5EF4-FFF2-40B4-BE49-F238E27FC236}">
+                  <a16:creationId xmlns:a16="http://schemas.microsoft.com/office/drawing/2014/main" id="{36187A56-62B9-1963-504E-DE310EE7D5D2}"/>
+                </a:ext>
+              </a:extLst>
+            </p:cNvPr>
+            <p:cNvSpPr/>
+            <p:nvPr/>
+          </p:nvSpPr>
+          <p:spPr>
+            <a:xfrm>
+              <a:off x="6669297" y="3242023"/>
+              <a:ext cx="1800000" cy="1800000"/>
+            </a:xfrm>
+            <a:prstGeom prst="ellipse">
+              <a:avLst/>
+            </a:prstGeom>
+            <a:solidFill>
+              <a:srgbClr val="00517A"/>
+            </a:solidFill>
+            <a:ln>
+              <a:noFill/>
+            </a:ln>
+          </p:spPr>
+          <p:style>
+            <a:lnRef idx="2">
+              <a:schemeClr val="accent1">
+                <a:shade val="50000"/>
+              </a:schemeClr>
+            </a:lnRef>
+            <a:fillRef idx="1">
+              <a:schemeClr val="accent1"/>
+            </a:fillRef>
+            <a:effectRef idx="0">
+              <a:schemeClr val="accent1"/>
+            </a:effectRef>
+            <a:fontRef idx="minor">
+              <a:schemeClr val="lt1"/>
+            </a:fontRef>
+          </p:style>
+          <p:txBody>
+            <a:bodyPr rtlCol="0" anchor="ctr"/>
+            <a:lstStyle/>
+            <a:p>
+              <a:pPr algn="ctr"/>
+              <a:endParaRPr lang="fr-FR" dirty="0"/>
+            </a:p>
+          </p:txBody>
+        </p:sp>
+        <p:pic>
+          <p:nvPicPr>
+            <p:cNvPr id="101" name="Image 100">
+              <a:extLst>
+                <a:ext uri="{FF2B5EF4-FFF2-40B4-BE49-F238E27FC236}">
+                  <a16:creationId xmlns:a16="http://schemas.microsoft.com/office/drawing/2014/main" id="{548C9371-1078-C052-F461-196C1713D339}"/>
+                </a:ext>
+              </a:extLst>
+            </p:cNvPr>
+            <p:cNvPicPr>
+              <a:picLocks noChangeAspect="1"/>
+            </p:cNvPicPr>
+            <p:nvPr/>
+          </p:nvPicPr>
+          <p:blipFill>
+            <a:blip r:embed="rId20"/>
+            <a:stretch>
+              <a:fillRect/>
+            </a:stretch>
+          </p:blipFill>
+          <p:spPr>
+            <a:xfrm>
+              <a:off x="6916334" y="3489060"/>
+              <a:ext cx="1305927" cy="1305927"/>
+            </a:xfrm>
+            <a:prstGeom prst="rect">
+              <a:avLst/>
+            </a:prstGeom>
+          </p:spPr>
+        </p:pic>
+      </p:grpSp>
+      <p:grpSp>
+        <p:nvGrpSpPr>
+          <p:cNvPr id="107" name="Groupe 106">
+            <a:extLst>
+              <a:ext uri="{FF2B5EF4-FFF2-40B4-BE49-F238E27FC236}">
+                <a16:creationId xmlns:a16="http://schemas.microsoft.com/office/drawing/2014/main" id="{941625F0-AD81-2F9A-2A0D-32D2035B17FE}"/>
+              </a:ext>
+            </a:extLst>
+          </p:cNvPr>
+          <p:cNvGrpSpPr/>
+          <p:nvPr/>
+        </p:nvGrpSpPr>
+        <p:grpSpPr>
+          <a:xfrm>
+            <a:off x="9623600" y="2521192"/>
+            <a:ext cx="720000" cy="720000"/>
+            <a:chOff x="9216528" y="2114120"/>
+            <a:chExt cx="1800000" cy="1800000"/>
+          </a:xfrm>
+        </p:grpSpPr>
+        <p:sp>
+          <p:nvSpPr>
+            <p:cNvPr id="52" name="Ellipse 51">
+              <a:extLst>
+                <a:ext uri="{FF2B5EF4-FFF2-40B4-BE49-F238E27FC236}">
+                  <a16:creationId xmlns:a16="http://schemas.microsoft.com/office/drawing/2014/main" id="{5F70CF4E-2D8D-6192-EF9B-2F3256DD315A}"/>
+                </a:ext>
+              </a:extLst>
+            </p:cNvPr>
+            <p:cNvSpPr/>
+            <p:nvPr/>
+          </p:nvSpPr>
+          <p:spPr>
+            <a:xfrm>
+              <a:off x="9216528" y="2114120"/>
+              <a:ext cx="1800000" cy="1800000"/>
+            </a:xfrm>
+            <a:prstGeom prst="ellipse">
+              <a:avLst/>
+            </a:prstGeom>
+            <a:solidFill>
+              <a:srgbClr val="EF7268"/>
+            </a:solidFill>
+            <a:ln>
+              <a:noFill/>
+            </a:ln>
+          </p:spPr>
+          <p:style>
+            <a:lnRef idx="2">
+              <a:schemeClr val="accent1">
+                <a:shade val="50000"/>
+              </a:schemeClr>
+            </a:lnRef>
+            <a:fillRef idx="1">
+              <a:schemeClr val="accent1"/>
+            </a:fillRef>
+            <a:effectRef idx="0">
+              <a:schemeClr val="accent1"/>
+            </a:effectRef>
+            <a:fontRef idx="minor">
+              <a:schemeClr val="lt1"/>
+            </a:fontRef>
+          </p:style>
+          <p:txBody>
+            <a:bodyPr rtlCol="0" anchor="ctr"/>
+            <a:lstStyle/>
+            <a:p>
+              <a:pPr algn="ctr"/>
+              <a:endParaRPr lang="fr-FR" dirty="0"/>
+            </a:p>
+          </p:txBody>
+        </p:sp>
+        <p:pic>
+          <p:nvPicPr>
+            <p:cNvPr id="104" name="Image 103">
+              <a:extLst>
+                <a:ext uri="{FF2B5EF4-FFF2-40B4-BE49-F238E27FC236}">
+                  <a16:creationId xmlns:a16="http://schemas.microsoft.com/office/drawing/2014/main" id="{E550EE30-7407-1251-E2B6-2A94604EEEF6}"/>
+                </a:ext>
+              </a:extLst>
+            </p:cNvPr>
+            <p:cNvPicPr>
+              <a:picLocks noChangeAspect="1"/>
+            </p:cNvPicPr>
+            <p:nvPr/>
+          </p:nvPicPr>
+          <p:blipFill>
+            <a:blip r:embed="rId21"/>
+            <a:stretch>
+              <a:fillRect/>
+            </a:stretch>
+          </p:blipFill>
+          <p:spPr>
+            <a:xfrm>
+              <a:off x="9396528" y="2294120"/>
+              <a:ext cx="1440000" cy="1440000"/>
+            </a:xfrm>
+            <a:prstGeom prst="rect">
+              <a:avLst/>
+            </a:prstGeom>
+          </p:spPr>
+        </p:pic>
+      </p:grpSp>
+      <p:grpSp>
+        <p:nvGrpSpPr>
+          <p:cNvPr id="110" name="Groupe 109">
+            <a:extLst>
+              <a:ext uri="{FF2B5EF4-FFF2-40B4-BE49-F238E27FC236}">
+                <a16:creationId xmlns:a16="http://schemas.microsoft.com/office/drawing/2014/main" id="{DBDC6FBD-57D8-EE58-3D21-4C92CE7D71A4}"/>
+              </a:ext>
+            </a:extLst>
+          </p:cNvPr>
+          <p:cNvGrpSpPr/>
+          <p:nvPr/>
+        </p:nvGrpSpPr>
+        <p:grpSpPr>
+          <a:xfrm>
+            <a:off x="2970796" y="4375745"/>
+            <a:ext cx="720000" cy="720000"/>
+            <a:chOff x="3533664" y="4396133"/>
+            <a:chExt cx="1800000" cy="1800000"/>
+          </a:xfrm>
+        </p:grpSpPr>
+        <p:sp>
+          <p:nvSpPr>
+            <p:cNvPr id="105" name="Ellipse 104">
+              <a:extLst>
+                <a:ext uri="{FF2B5EF4-FFF2-40B4-BE49-F238E27FC236}">
+                  <a16:creationId xmlns:a16="http://schemas.microsoft.com/office/drawing/2014/main" id="{AF60C002-7867-A86D-7BF0-6F20313C1AAE}"/>
+                </a:ext>
+              </a:extLst>
+            </p:cNvPr>
+            <p:cNvSpPr/>
+            <p:nvPr/>
+          </p:nvSpPr>
+          <p:spPr>
+            <a:xfrm>
+              <a:off x="3533664" y="4396133"/>
+              <a:ext cx="1800000" cy="1800000"/>
+            </a:xfrm>
+            <a:prstGeom prst="ellipse">
+              <a:avLst/>
+            </a:prstGeom>
+            <a:solidFill>
+              <a:srgbClr val="EF7268"/>
+            </a:solidFill>
+            <a:ln>
+              <a:noFill/>
+            </a:ln>
+          </p:spPr>
+          <p:style>
+            <a:lnRef idx="2">
+              <a:schemeClr val="accent1">
+                <a:shade val="50000"/>
+              </a:schemeClr>
+            </a:lnRef>
+            <a:fillRef idx="1">
+              <a:schemeClr val="accent1"/>
+            </a:fillRef>
+            <a:effectRef idx="0">
+              <a:schemeClr val="accent1"/>
+            </a:effectRef>
+            <a:fontRef idx="minor">
+              <a:schemeClr val="lt1"/>
+            </a:fontRef>
+          </p:style>
+          <p:txBody>
+            <a:bodyPr rtlCol="0" anchor="ctr"/>
+            <a:lstStyle/>
+            <a:p>
+              <a:pPr algn="ctr"/>
+              <a:endParaRPr lang="fr-FR" dirty="0"/>
+            </a:p>
+          </p:txBody>
+        </p:sp>
+        <p:pic>
+          <p:nvPicPr>
+            <p:cNvPr id="109" name="Image 108">
+              <a:extLst>
+                <a:ext uri="{FF2B5EF4-FFF2-40B4-BE49-F238E27FC236}">
+                  <a16:creationId xmlns:a16="http://schemas.microsoft.com/office/drawing/2014/main" id="{5554EF9D-ED74-867A-7FBD-67BEF3072C50}"/>
+                </a:ext>
+              </a:extLst>
+            </p:cNvPr>
+            <p:cNvPicPr>
+              <a:picLocks noChangeAspect="1"/>
+            </p:cNvPicPr>
+            <p:nvPr/>
+          </p:nvPicPr>
+          <p:blipFill>
+            <a:blip r:embed="rId22"/>
+            <a:stretch>
+              <a:fillRect/>
+            </a:stretch>
+          </p:blipFill>
+          <p:spPr>
+            <a:xfrm>
+              <a:off x="3681584" y="4594762"/>
+              <a:ext cx="1427962" cy="1471564"/>
+            </a:xfrm>
+            <a:prstGeom prst="rect">
+              <a:avLst/>
+            </a:prstGeom>
+          </p:spPr>
+        </p:pic>
+      </p:grpSp>
+      <p:grpSp>
+        <p:nvGrpSpPr>
+          <p:cNvPr id="114" name="Groupe 113">
+            <a:extLst>
+              <a:ext uri="{FF2B5EF4-FFF2-40B4-BE49-F238E27FC236}">
+                <a16:creationId xmlns:a16="http://schemas.microsoft.com/office/drawing/2014/main" id="{E28523BB-904F-6147-16CA-344E4106BB0F}"/>
+              </a:ext>
+            </a:extLst>
+          </p:cNvPr>
+          <p:cNvGrpSpPr/>
+          <p:nvPr/>
+        </p:nvGrpSpPr>
+        <p:grpSpPr>
+          <a:xfrm>
+            <a:off x="7467428" y="2677562"/>
+            <a:ext cx="720000" cy="720000"/>
+            <a:chOff x="7467428" y="2677562"/>
+            <a:chExt cx="1800000" cy="1800000"/>
+          </a:xfrm>
+        </p:grpSpPr>
+        <p:sp>
+          <p:nvSpPr>
+            <p:cNvPr id="111" name="Ellipse 110">
+              <a:extLst>
+                <a:ext uri="{FF2B5EF4-FFF2-40B4-BE49-F238E27FC236}">
+                  <a16:creationId xmlns:a16="http://schemas.microsoft.com/office/drawing/2014/main" id="{E415B617-FB3B-A4A0-ABDE-0A855BA7DC4B}"/>
+                </a:ext>
+              </a:extLst>
+            </p:cNvPr>
+            <p:cNvSpPr/>
+            <p:nvPr/>
+          </p:nvSpPr>
+          <p:spPr>
+            <a:xfrm>
+              <a:off x="7467428" y="2677562"/>
+              <a:ext cx="1800000" cy="1800000"/>
+            </a:xfrm>
+            <a:prstGeom prst="ellipse">
+              <a:avLst/>
+            </a:prstGeom>
+            <a:solidFill>
+              <a:srgbClr val="00517A"/>
+            </a:solidFill>
+            <a:ln>
+              <a:noFill/>
+            </a:ln>
+          </p:spPr>
+          <p:style>
+            <a:lnRef idx="2">
+              <a:schemeClr val="accent1">
+                <a:shade val="50000"/>
+              </a:schemeClr>
+            </a:lnRef>
+            <a:fillRef idx="1">
+              <a:schemeClr val="accent1"/>
+            </a:fillRef>
+            <a:effectRef idx="0">
+              <a:schemeClr val="accent1"/>
+            </a:effectRef>
+            <a:fontRef idx="minor">
+              <a:schemeClr val="lt1"/>
+            </a:fontRef>
+          </p:style>
+          <p:txBody>
+            <a:bodyPr rtlCol="0" anchor="ctr"/>
+            <a:lstStyle/>
+            <a:p>
+              <a:pPr algn="ctr"/>
+              <a:endParaRPr lang="fr-FR" dirty="0"/>
+            </a:p>
+          </p:txBody>
+        </p:sp>
+        <p:pic>
+          <p:nvPicPr>
+            <p:cNvPr id="113" name="Image 112">
+              <a:extLst>
+                <a:ext uri="{FF2B5EF4-FFF2-40B4-BE49-F238E27FC236}">
+                  <a16:creationId xmlns:a16="http://schemas.microsoft.com/office/drawing/2014/main" id="{028924A5-5A43-5507-B7E6-879677C9909F}"/>
+                </a:ext>
+              </a:extLst>
+            </p:cNvPr>
+            <p:cNvPicPr>
+              <a:picLocks noChangeAspect="1"/>
+            </p:cNvPicPr>
+            <p:nvPr/>
+          </p:nvPicPr>
+          <p:blipFill>
+            <a:blip r:embed="rId23"/>
+            <a:stretch>
+              <a:fillRect/>
+            </a:stretch>
+          </p:blipFill>
+          <p:spPr>
+            <a:xfrm>
+              <a:off x="7567027" y="2784504"/>
+              <a:ext cx="1592444" cy="1592444"/>
+            </a:xfrm>
+            <a:prstGeom prst="rect">
+              <a:avLst/>
+            </a:prstGeom>
+          </p:spPr>
+        </p:pic>
+      </p:grpSp>
     </p:spTree>
     <p:extLst>
       <p:ext uri="{BB962C8B-B14F-4D97-AF65-F5344CB8AC3E}">

--- a/ChaineFonctionnelle_V2.pptx
+++ b/ChaineFonctionnelle_V2.pptx
@@ -4831,7 +4831,7 @@
           <a:lstStyle/>
           <a:p>
             <a:pPr algn="ctr"/>
-            <a:endParaRPr lang="fr-FR"/>
+            <a:endParaRPr lang="fr-FR" dirty="0"/>
           </a:p>
         </p:txBody>
       </p:sp>
@@ -7026,6 +7026,169 @@
           </p:spPr>
         </p:pic>
       </p:grpSp>
+      <p:grpSp>
+        <p:nvGrpSpPr>
+          <p:cNvPr id="118" name="Groupe 117">
+            <a:extLst>
+              <a:ext uri="{FF2B5EF4-FFF2-40B4-BE49-F238E27FC236}">
+                <a16:creationId xmlns:a16="http://schemas.microsoft.com/office/drawing/2014/main" id="{8557ADEF-6F8A-B44E-4EEC-446FE127C8E7}"/>
+              </a:ext>
+            </a:extLst>
+          </p:cNvPr>
+          <p:cNvGrpSpPr/>
+          <p:nvPr/>
+        </p:nvGrpSpPr>
+        <p:grpSpPr>
+          <a:xfrm>
+            <a:off x="4197400" y="3547713"/>
+            <a:ext cx="720000" cy="720000"/>
+            <a:chOff x="4197400" y="3547713"/>
+            <a:chExt cx="1800000" cy="1800000"/>
+          </a:xfrm>
+        </p:grpSpPr>
+        <p:sp>
+          <p:nvSpPr>
+            <p:cNvPr id="115" name="Ellipse 114">
+              <a:extLst>
+                <a:ext uri="{FF2B5EF4-FFF2-40B4-BE49-F238E27FC236}">
+                  <a16:creationId xmlns:a16="http://schemas.microsoft.com/office/drawing/2014/main" id="{2EE470A9-2F87-131F-3A42-9F49C79B5B17}"/>
+                </a:ext>
+              </a:extLst>
+            </p:cNvPr>
+            <p:cNvSpPr/>
+            <p:nvPr/>
+          </p:nvSpPr>
+          <p:spPr>
+            <a:xfrm>
+              <a:off x="4197400" y="3547713"/>
+              <a:ext cx="1800000" cy="1800000"/>
+            </a:xfrm>
+            <a:prstGeom prst="ellipse">
+              <a:avLst/>
+            </a:prstGeom>
+            <a:solidFill>
+              <a:srgbClr val="FFB25A"/>
+            </a:solidFill>
+            <a:ln>
+              <a:noFill/>
+            </a:ln>
+          </p:spPr>
+          <p:style>
+            <a:lnRef idx="2">
+              <a:schemeClr val="accent1">
+                <a:shade val="50000"/>
+              </a:schemeClr>
+            </a:lnRef>
+            <a:fillRef idx="1">
+              <a:schemeClr val="accent1"/>
+            </a:fillRef>
+            <a:effectRef idx="0">
+              <a:schemeClr val="accent1"/>
+            </a:effectRef>
+            <a:fontRef idx="minor">
+              <a:schemeClr val="lt1"/>
+            </a:fontRef>
+          </p:style>
+          <p:txBody>
+            <a:bodyPr rtlCol="0" anchor="ctr"/>
+            <a:lstStyle/>
+            <a:p>
+              <a:pPr algn="ctr"/>
+              <a:endParaRPr lang="fr-FR"/>
+            </a:p>
+          </p:txBody>
+        </p:sp>
+        <p:pic>
+          <p:nvPicPr>
+            <p:cNvPr id="117" name="Image 116">
+              <a:extLst>
+                <a:ext uri="{FF2B5EF4-FFF2-40B4-BE49-F238E27FC236}">
+                  <a16:creationId xmlns:a16="http://schemas.microsoft.com/office/drawing/2014/main" id="{FD21AF36-AEB9-985B-6560-739E8BC3C495}"/>
+                </a:ext>
+              </a:extLst>
+            </p:cNvPr>
+            <p:cNvPicPr>
+              <a:picLocks noChangeAspect="1"/>
+            </p:cNvPicPr>
+            <p:nvPr/>
+          </p:nvPicPr>
+          <p:blipFill>
+            <a:blip r:embed="rId24"/>
+            <a:stretch>
+              <a:fillRect/>
+            </a:stretch>
+          </p:blipFill>
+          <p:spPr>
+            <a:xfrm>
+              <a:off x="4526157" y="3876470"/>
+              <a:ext cx="1142486" cy="1142486"/>
+            </a:xfrm>
+            <a:prstGeom prst="rect">
+              <a:avLst/>
+            </a:prstGeom>
+          </p:spPr>
+        </p:pic>
+      </p:grpSp>
+      <p:pic>
+        <p:nvPicPr>
+          <p:cNvPr id="120" name="Image 119">
+            <a:extLst>
+              <a:ext uri="{FF2B5EF4-FFF2-40B4-BE49-F238E27FC236}">
+                <a16:creationId xmlns:a16="http://schemas.microsoft.com/office/drawing/2014/main" id="{7E331ADA-CC5F-55F2-21FD-DFDE0DB177A6}"/>
+              </a:ext>
+            </a:extLst>
+          </p:cNvPr>
+          <p:cNvPicPr>
+            <a:picLocks noChangeAspect="1"/>
+          </p:cNvPicPr>
+          <p:nvPr/>
+        </p:nvPicPr>
+        <p:blipFill>
+          <a:blip r:embed="rId25"/>
+          <a:stretch>
+            <a:fillRect/>
+          </a:stretch>
+        </p:blipFill>
+        <p:spPr>
+          <a:xfrm>
+            <a:off x="2916649" y="2398241"/>
+            <a:ext cx="360000" cy="360000"/>
+          </a:xfrm>
+          <a:prstGeom prst="rect">
+            <a:avLst/>
+          </a:prstGeom>
+        </p:spPr>
+      </p:pic>
+      <p:pic>
+        <p:nvPicPr>
+          <p:cNvPr id="122" name="Image 121">
+            <a:extLst>
+              <a:ext uri="{FF2B5EF4-FFF2-40B4-BE49-F238E27FC236}">
+                <a16:creationId xmlns:a16="http://schemas.microsoft.com/office/drawing/2014/main" id="{68181350-92A7-00D6-3414-95561B37286B}"/>
+              </a:ext>
+            </a:extLst>
+          </p:cNvPr>
+          <p:cNvPicPr>
+            <a:picLocks noChangeAspect="1"/>
+          </p:cNvPicPr>
+          <p:nvPr/>
+        </p:nvPicPr>
+        <p:blipFill>
+          <a:blip r:embed="rId26"/>
+          <a:stretch>
+            <a:fillRect/>
+          </a:stretch>
+        </p:blipFill>
+        <p:spPr>
+          <a:xfrm>
+            <a:off x="3657600" y="2476500"/>
+            <a:ext cx="921600" cy="360000"/>
+          </a:xfrm>
+          <a:prstGeom prst="rect">
+            <a:avLst/>
+          </a:prstGeom>
+        </p:spPr>
+      </p:pic>
     </p:spTree>
     <p:extLst>
       <p:ext uri="{BB962C8B-B14F-4D97-AF65-F5344CB8AC3E}">

--- a/ChaineFonctionnelle_V2.pptx
+++ b/ChaineFonctionnelle_V2.pptx
@@ -7,6 +7,7 @@
   <p:sldIdLst>
     <p:sldId id="256" r:id="rId2"/>
     <p:sldId id="257" r:id="rId3"/>
+    <p:sldId id="258" r:id="rId4"/>
   </p:sldIdLst>
   <p:sldSz cx="12192000" cy="6858000"/>
   <p:notesSz cx="6858000" cy="9144000"/>
@@ -113,7 +114,7 @@
             <a:srgbClr val="A4A3A4"/>
           </p15:clr>
         </p15:guide>
-        <p15:guide id="2" pos="824" userDrawn="1">
+        <p15:guide id="2" pos="3840" userDrawn="1">
           <p15:clr>
             <a:srgbClr val="A4A3A4"/>
           </p15:clr>
@@ -4539,7 +4540,7 @@
         </p:nvGrpSpPr>
         <p:grpSpPr>
           <a:xfrm>
-            <a:off x="1055440" y="3471646"/>
+            <a:off x="1848400" y="3471646"/>
             <a:ext cx="720000" cy="720000"/>
             <a:chOff x="1055440" y="3471646"/>
             <a:chExt cx="1800000" cy="1800000"/>
@@ -4654,7 +4655,7 @@
         </p:nvGrpSpPr>
         <p:grpSpPr>
           <a:xfrm>
-            <a:off x="2063552" y="3482756"/>
+            <a:off x="2856512" y="3482756"/>
             <a:ext cx="720000" cy="720000"/>
             <a:chOff x="4928860" y="800708"/>
             <a:chExt cx="1800000" cy="1800000"/>
@@ -4745,7 +4746,7 @@
         </p:nvSpPr>
         <p:spPr>
           <a:xfrm>
-            <a:off x="335860" y="349260"/>
+            <a:off x="3240009" y="-414207"/>
             <a:ext cx="1800000" cy="1800000"/>
           </a:xfrm>
           <a:prstGeom prst="ellipse">
@@ -4797,7 +4798,7 @@
         </p:nvSpPr>
         <p:spPr>
           <a:xfrm>
-            <a:off x="248389" y="1340648"/>
+            <a:off x="105990" y="2161679"/>
             <a:ext cx="1800000" cy="1800000"/>
           </a:xfrm>
           <a:prstGeom prst="ellipse">
@@ -4849,7 +4850,7 @@
         </p:nvSpPr>
         <p:spPr>
           <a:xfrm>
-            <a:off x="1806673" y="-756896"/>
+            <a:off x="3178812" y="-537173"/>
             <a:ext cx="1800000" cy="1800000"/>
           </a:xfrm>
           <a:prstGeom prst="ellipse">
@@ -4889,10 +4890,10 @@
       </p:sp>
       <p:sp>
         <p:nvSpPr>
-          <p:cNvPr id="16" name="Ellipse 15">
-            <a:extLst>
-              <a:ext uri="{FF2B5EF4-FFF2-40B4-BE49-F238E27FC236}">
-                <a16:creationId xmlns:a16="http://schemas.microsoft.com/office/drawing/2014/main" id="{FF5886DF-919C-4AF5-E04A-B3A890A829DE}"/>
+          <p:cNvPr id="17" name="Ellipse 16">
+            <a:extLst>
+              <a:ext uri="{FF2B5EF4-FFF2-40B4-BE49-F238E27FC236}">
+                <a16:creationId xmlns:a16="http://schemas.microsoft.com/office/drawing/2014/main" id="{8075CF84-871B-6127-0548-F569D12183D0}"/>
               </a:ext>
             </a:extLst>
           </p:cNvPr>
@@ -4901,59 +4902,7 @@
         </p:nvSpPr>
         <p:spPr>
           <a:xfrm>
-            <a:off x="-649620" y="-801460"/>
-            <a:ext cx="1800000" cy="1800000"/>
-          </a:xfrm>
-          <a:prstGeom prst="ellipse">
-            <a:avLst/>
-          </a:prstGeom>
-          <a:solidFill>
-            <a:srgbClr val="00517A"/>
-          </a:solidFill>
-          <a:ln>
-            <a:noFill/>
-          </a:ln>
-        </p:spPr>
-        <p:style>
-          <a:lnRef idx="2">
-            <a:schemeClr val="accent1">
-              <a:shade val="50000"/>
-            </a:schemeClr>
-          </a:lnRef>
-          <a:fillRef idx="1">
-            <a:schemeClr val="accent1"/>
-          </a:fillRef>
-          <a:effectRef idx="0">
-            <a:schemeClr val="accent1"/>
-          </a:effectRef>
-          <a:fontRef idx="minor">
-            <a:schemeClr val="lt1"/>
-          </a:fontRef>
-        </p:style>
-        <p:txBody>
-          <a:bodyPr rtlCol="0" anchor="ctr"/>
-          <a:lstStyle/>
-          <a:p>
-            <a:pPr algn="ctr"/>
-            <a:endParaRPr lang="fr-FR" dirty="0"/>
-          </a:p>
-        </p:txBody>
-      </p:sp>
-      <p:sp>
-        <p:nvSpPr>
-          <p:cNvPr id="17" name="Ellipse 16">
-            <a:extLst>
-              <a:ext uri="{FF2B5EF4-FFF2-40B4-BE49-F238E27FC236}">
-                <a16:creationId xmlns:a16="http://schemas.microsoft.com/office/drawing/2014/main" id="{8075CF84-871B-6127-0548-F569D12183D0}"/>
-              </a:ext>
-            </a:extLst>
-          </p:cNvPr>
-          <p:cNvSpPr/>
-          <p:nvPr/>
-        </p:nvSpPr>
-        <p:spPr>
-          <a:xfrm>
-            <a:off x="2364494" y="56609"/>
+            <a:off x="4462602" y="-813809"/>
             <a:ext cx="1800000" cy="1800000"/>
           </a:xfrm>
           <a:prstGeom prst="ellipse">
@@ -4987,7 +4936,7 @@
           <a:lstStyle/>
           <a:p>
             <a:pPr algn="ctr"/>
-            <a:endParaRPr lang="fr-FR"/>
+            <a:endParaRPr lang="fr-FR" dirty="0"/>
           </a:p>
         </p:txBody>
       </p:sp>
@@ -5005,7 +4954,7 @@
         </p:nvGrpSpPr>
         <p:grpSpPr>
           <a:xfrm>
-            <a:off x="2048389" y="4375745"/>
+            <a:off x="2841349" y="4375745"/>
             <a:ext cx="720000" cy="720000"/>
             <a:chOff x="5447928" y="2816932"/>
             <a:chExt cx="1800000" cy="1800000"/>
@@ -5108,7 +5057,7 @@
         </p:nvGrpSpPr>
         <p:grpSpPr>
           <a:xfrm>
-            <a:off x="2063552" y="5167713"/>
+            <a:off x="2856512" y="5167713"/>
             <a:ext cx="720000" cy="720000"/>
             <a:chOff x="5375920" y="2931646"/>
             <a:chExt cx="1800000" cy="1800000"/>
@@ -5211,7 +5160,7 @@
         </p:nvGrpSpPr>
         <p:grpSpPr>
           <a:xfrm>
-            <a:off x="155340" y="3482756"/>
+            <a:off x="148928" y="3482756"/>
             <a:ext cx="720000" cy="720000"/>
             <a:chOff x="6955958" y="3325976"/>
             <a:chExt cx="1800000" cy="1800000"/>
@@ -5346,7 +5295,7 @@
         </p:nvGrpSpPr>
         <p:grpSpPr>
           <a:xfrm>
-            <a:off x="150838" y="4262698"/>
+            <a:off x="148928" y="4262698"/>
             <a:ext cx="720000" cy="730124"/>
             <a:chOff x="5015880" y="2240648"/>
             <a:chExt cx="1800000" cy="1825309"/>
@@ -5449,7 +5398,7 @@
         </p:nvGrpSpPr>
         <p:grpSpPr>
           <a:xfrm>
-            <a:off x="2048389" y="6013837"/>
+            <a:off x="2841349" y="6013837"/>
             <a:ext cx="720000" cy="720000"/>
             <a:chOff x="5537408" y="1765068"/>
             <a:chExt cx="1800000" cy="1800000"/>
@@ -5552,7 +5501,7 @@
         </p:nvGrpSpPr>
         <p:grpSpPr>
           <a:xfrm>
-            <a:off x="2963652" y="3471646"/>
+            <a:off x="3756612" y="3471646"/>
             <a:ext cx="720000" cy="720000"/>
             <a:chOff x="6192322" y="2195517"/>
             <a:chExt cx="1800000" cy="1800000"/>
@@ -5861,7 +5810,7 @@
         </p:nvGrpSpPr>
         <p:grpSpPr>
           <a:xfrm>
-            <a:off x="1004373" y="4308432"/>
+            <a:off x="1797333" y="4308432"/>
             <a:ext cx="720000" cy="720000"/>
             <a:chOff x="5775745" y="3144183"/>
             <a:chExt cx="1800000" cy="1800000"/>
@@ -5964,7 +5913,7 @@
         </p:nvGrpSpPr>
         <p:grpSpPr>
           <a:xfrm>
-            <a:off x="986844" y="5176153"/>
+            <a:off x="1779804" y="5176153"/>
             <a:ext cx="720000" cy="720000"/>
             <a:chOff x="5889610" y="2521193"/>
             <a:chExt cx="1800000" cy="1800000"/>
@@ -6061,7 +6010,7 @@
         </p:nvGrpSpPr>
         <p:grpSpPr>
           <a:xfrm>
-            <a:off x="142516" y="5976296"/>
+            <a:off x="148928" y="5976296"/>
             <a:ext cx="720000" cy="720000"/>
             <a:chOff x="5536549" y="4214211"/>
             <a:chExt cx="1800000" cy="1800000"/>
@@ -6164,7 +6113,7 @@
         </p:nvGrpSpPr>
         <p:grpSpPr>
           <a:xfrm>
-            <a:off x="997107" y="6040569"/>
+            <a:off x="1790067" y="6040569"/>
             <a:ext cx="720000" cy="720000"/>
             <a:chOff x="5440393" y="2720332"/>
             <a:chExt cx="1284732" cy="1284732"/>
@@ -6319,7 +6268,7 @@
         </p:nvGrpSpPr>
         <p:grpSpPr>
           <a:xfrm>
-            <a:off x="146383" y="5157352"/>
+            <a:off x="148928" y="5157352"/>
             <a:ext cx="720000" cy="720000"/>
             <a:chOff x="7487041" y="2971639"/>
             <a:chExt cx="1800000" cy="1800000"/>
@@ -6422,7 +6371,7 @@
         </p:nvGrpSpPr>
         <p:grpSpPr>
           <a:xfrm>
-            <a:off x="5553689" y="2842323"/>
+            <a:off x="6346649" y="2842323"/>
             <a:ext cx="720000" cy="720000"/>
             <a:chOff x="6138169" y="4069439"/>
             <a:chExt cx="1800000" cy="1800000"/>
@@ -6525,7 +6474,7 @@
         </p:nvGrpSpPr>
         <p:grpSpPr>
           <a:xfrm>
-            <a:off x="6662922" y="1308787"/>
+            <a:off x="7256337" y="1311620"/>
             <a:ext cx="720000" cy="720000"/>
             <a:chOff x="5013689" y="3604429"/>
             <a:chExt cx="1800000" cy="1800000"/>
@@ -6628,7 +6577,7 @@
         </p:nvGrpSpPr>
         <p:grpSpPr>
           <a:xfrm>
-            <a:off x="4597857" y="181193"/>
+            <a:off x="6117934" y="1512153"/>
             <a:ext cx="720000" cy="720000"/>
             <a:chOff x="6669297" y="3242023"/>
             <a:chExt cx="1800000" cy="1800000"/>
@@ -6731,7 +6680,7 @@
         </p:nvGrpSpPr>
         <p:grpSpPr>
           <a:xfrm>
-            <a:off x="9623600" y="2521192"/>
+            <a:off x="3733467" y="6069628"/>
             <a:ext cx="720000" cy="720000"/>
             <a:chOff x="9216528" y="2114120"/>
             <a:chExt cx="1800000" cy="1800000"/>
@@ -6834,7 +6783,7 @@
         </p:nvGrpSpPr>
         <p:grpSpPr>
           <a:xfrm>
-            <a:off x="2970796" y="4375745"/>
+            <a:off x="3763756" y="4375745"/>
             <a:ext cx="720000" cy="720000"/>
             <a:chOff x="3533664" y="4396133"/>
             <a:chExt cx="1800000" cy="1800000"/>
@@ -6937,7 +6886,7 @@
         </p:nvGrpSpPr>
         <p:grpSpPr>
           <a:xfrm>
-            <a:off x="7467428" y="2677562"/>
+            <a:off x="8260388" y="2677562"/>
             <a:ext cx="720000" cy="720000"/>
             <a:chOff x="7467428" y="2677562"/>
             <a:chExt cx="1800000" cy="1800000"/>
@@ -7040,7 +6989,7 @@
         </p:nvGrpSpPr>
         <p:grpSpPr>
           <a:xfrm>
-            <a:off x="4197400" y="3547713"/>
+            <a:off x="4990360" y="3547713"/>
             <a:ext cx="720000" cy="720000"/>
             <a:chOff x="4197400" y="3547713"/>
             <a:chExt cx="1800000" cy="1800000"/>
@@ -7151,7 +7100,7 @@
         </p:blipFill>
         <p:spPr>
           <a:xfrm>
-            <a:off x="2916649" y="2398241"/>
+            <a:off x="3709609" y="2398241"/>
             <a:ext cx="360000" cy="360000"/>
           </a:xfrm>
           <a:prstGeom prst="rect">
@@ -7181,8 +7130,996 @@
         </p:blipFill>
         <p:spPr>
           <a:xfrm>
-            <a:off x="3657600" y="2476500"/>
+            <a:off x="4153729" y="2418386"/>
             <a:ext cx="921600" cy="360000"/>
+          </a:xfrm>
+          <a:prstGeom prst="rect">
+            <a:avLst/>
+          </a:prstGeom>
+        </p:spPr>
+      </p:pic>
+      <p:grpSp>
+        <p:nvGrpSpPr>
+          <p:cNvPr id="21" name="Groupe 20">
+            <a:extLst>
+              <a:ext uri="{FF2B5EF4-FFF2-40B4-BE49-F238E27FC236}">
+                <a16:creationId xmlns:a16="http://schemas.microsoft.com/office/drawing/2014/main" id="{C4A54D90-DC25-7D2E-A4FC-04E95AC9A571}"/>
+              </a:ext>
+            </a:extLst>
+          </p:cNvPr>
+          <p:cNvGrpSpPr/>
+          <p:nvPr/>
+        </p:nvGrpSpPr>
+        <p:grpSpPr>
+          <a:xfrm>
+            <a:off x="6702282" y="1995556"/>
+            <a:ext cx="720000" cy="720000"/>
+            <a:chOff x="5404964" y="4396133"/>
+            <a:chExt cx="1800000" cy="1800000"/>
+          </a:xfrm>
+        </p:grpSpPr>
+        <p:sp>
+          <p:nvSpPr>
+            <p:cNvPr id="7" name="Ellipse 6">
+              <a:extLst>
+                <a:ext uri="{FF2B5EF4-FFF2-40B4-BE49-F238E27FC236}">
+                  <a16:creationId xmlns:a16="http://schemas.microsoft.com/office/drawing/2014/main" id="{0DCF0AC0-21DC-C29F-1186-3121663751AD}"/>
+                </a:ext>
+              </a:extLst>
+            </p:cNvPr>
+            <p:cNvSpPr/>
+            <p:nvPr/>
+          </p:nvSpPr>
+          <p:spPr>
+            <a:xfrm>
+              <a:off x="5404964" y="4396133"/>
+              <a:ext cx="1800000" cy="1800000"/>
+            </a:xfrm>
+            <a:prstGeom prst="ellipse">
+              <a:avLst/>
+            </a:prstGeom>
+            <a:solidFill>
+              <a:srgbClr val="00517A"/>
+            </a:solidFill>
+            <a:ln>
+              <a:noFill/>
+            </a:ln>
+          </p:spPr>
+          <p:style>
+            <a:lnRef idx="2">
+              <a:schemeClr val="accent1">
+                <a:shade val="50000"/>
+              </a:schemeClr>
+            </a:lnRef>
+            <a:fillRef idx="1">
+              <a:schemeClr val="accent1"/>
+            </a:fillRef>
+            <a:effectRef idx="0">
+              <a:schemeClr val="accent1"/>
+            </a:effectRef>
+            <a:fontRef idx="minor">
+              <a:schemeClr val="lt1"/>
+            </a:fontRef>
+          </p:style>
+          <p:txBody>
+            <a:bodyPr rtlCol="0" anchor="ctr"/>
+            <a:lstStyle/>
+            <a:p>
+              <a:pPr algn="ctr"/>
+              <a:endParaRPr lang="fr-FR"/>
+            </a:p>
+          </p:txBody>
+        </p:sp>
+        <p:pic>
+          <p:nvPicPr>
+            <p:cNvPr id="18" name="Image 17">
+              <a:extLst>
+                <a:ext uri="{FF2B5EF4-FFF2-40B4-BE49-F238E27FC236}">
+                  <a16:creationId xmlns:a16="http://schemas.microsoft.com/office/drawing/2014/main" id="{5E07839F-4C41-BA4F-296E-9BCB7EAF8AA7}"/>
+                </a:ext>
+              </a:extLst>
+            </p:cNvPr>
+            <p:cNvPicPr>
+              <a:picLocks noChangeAspect="1"/>
+            </p:cNvPicPr>
+            <p:nvPr/>
+          </p:nvPicPr>
+          <p:blipFill>
+            <a:blip r:embed="rId27"/>
+            <a:stretch>
+              <a:fillRect/>
+            </a:stretch>
+          </p:blipFill>
+          <p:spPr>
+            <a:xfrm>
+              <a:off x="5543445" y="4536296"/>
+              <a:ext cx="1358232" cy="1440000"/>
+            </a:xfrm>
+            <a:prstGeom prst="rect">
+              <a:avLst/>
+            </a:prstGeom>
+          </p:spPr>
+        </p:pic>
+      </p:grpSp>
+      <p:sp>
+        <p:nvSpPr>
+          <p:cNvPr id="38" name="Ellipse 37">
+            <a:extLst>
+              <a:ext uri="{FF2B5EF4-FFF2-40B4-BE49-F238E27FC236}">
+                <a16:creationId xmlns:a16="http://schemas.microsoft.com/office/drawing/2014/main" id="{3DA74297-846D-17CA-D3F2-0989D0FF8CC6}"/>
+              </a:ext>
+            </a:extLst>
+          </p:cNvPr>
+          <p:cNvSpPr/>
+          <p:nvPr/>
+        </p:nvSpPr>
+        <p:spPr>
+          <a:xfrm>
+            <a:off x="8560356" y="220510"/>
+            <a:ext cx="720000" cy="720000"/>
+          </a:xfrm>
+          <a:prstGeom prst="ellipse">
+            <a:avLst/>
+          </a:prstGeom>
+          <a:solidFill>
+            <a:srgbClr val="EF7268"/>
+          </a:solidFill>
+          <a:ln>
+            <a:noFill/>
+          </a:ln>
+        </p:spPr>
+        <p:style>
+          <a:lnRef idx="2">
+            <a:schemeClr val="accent1">
+              <a:shade val="50000"/>
+            </a:schemeClr>
+          </a:lnRef>
+          <a:fillRef idx="1">
+            <a:schemeClr val="accent1"/>
+          </a:fillRef>
+          <a:effectRef idx="0">
+            <a:schemeClr val="accent1"/>
+          </a:effectRef>
+          <a:fontRef idx="minor">
+            <a:schemeClr val="lt1"/>
+          </a:fontRef>
+        </p:style>
+        <p:txBody>
+          <a:bodyPr rtlCol="0" anchor="ctr"/>
+          <a:lstStyle/>
+          <a:p>
+            <a:pPr algn="ctr"/>
+            <a:endParaRPr lang="fr-FR" dirty="0"/>
+          </a:p>
+        </p:txBody>
+      </p:sp>
+      <p:grpSp>
+        <p:nvGrpSpPr>
+          <p:cNvPr id="40" name="Groupe 39">
+            <a:extLst>
+              <a:ext uri="{FF2B5EF4-FFF2-40B4-BE49-F238E27FC236}">
+                <a16:creationId xmlns:a16="http://schemas.microsoft.com/office/drawing/2014/main" id="{C4F9704C-AAAB-08F9-BCE1-8A918DE0152F}"/>
+              </a:ext>
+            </a:extLst>
+          </p:cNvPr>
+          <p:cNvGrpSpPr/>
+          <p:nvPr/>
+        </p:nvGrpSpPr>
+        <p:grpSpPr>
+          <a:xfrm>
+            <a:off x="4394109" y="5789005"/>
+            <a:ext cx="1010860" cy="720000"/>
+            <a:chOff x="4476612" y="5880432"/>
+            <a:chExt cx="1010860" cy="720000"/>
+          </a:xfrm>
+        </p:grpSpPr>
+        <p:sp>
+          <p:nvSpPr>
+            <p:cNvPr id="35" name="Ellipse 34">
+              <a:extLst>
+                <a:ext uri="{FF2B5EF4-FFF2-40B4-BE49-F238E27FC236}">
+                  <a16:creationId xmlns:a16="http://schemas.microsoft.com/office/drawing/2014/main" id="{5FA7A715-5546-B543-2C26-A208AD5CAF99}"/>
+                </a:ext>
+              </a:extLst>
+            </p:cNvPr>
+            <p:cNvSpPr/>
+            <p:nvPr/>
+          </p:nvSpPr>
+          <p:spPr>
+            <a:xfrm>
+              <a:off x="4678466" y="5880432"/>
+              <a:ext cx="720000" cy="720000"/>
+            </a:xfrm>
+            <a:prstGeom prst="ellipse">
+              <a:avLst/>
+            </a:prstGeom>
+            <a:solidFill>
+              <a:srgbClr val="EF7268"/>
+            </a:solidFill>
+            <a:ln>
+              <a:noFill/>
+            </a:ln>
+          </p:spPr>
+          <p:style>
+            <a:lnRef idx="2">
+              <a:schemeClr val="accent1">
+                <a:shade val="50000"/>
+              </a:schemeClr>
+            </a:lnRef>
+            <a:fillRef idx="1">
+              <a:schemeClr val="accent1"/>
+            </a:fillRef>
+            <a:effectRef idx="0">
+              <a:schemeClr val="accent1"/>
+            </a:effectRef>
+            <a:fontRef idx="minor">
+              <a:schemeClr val="lt1"/>
+            </a:fontRef>
+          </p:style>
+          <p:txBody>
+            <a:bodyPr rtlCol="0" anchor="ctr"/>
+            <a:lstStyle/>
+            <a:p>
+              <a:pPr algn="ctr"/>
+              <a:endParaRPr lang="fr-FR" dirty="0"/>
+            </a:p>
+          </p:txBody>
+        </p:sp>
+        <p:pic>
+          <p:nvPicPr>
+            <p:cNvPr id="33" name="Image 32">
+              <a:extLst>
+                <a:ext uri="{FF2B5EF4-FFF2-40B4-BE49-F238E27FC236}">
+                  <a16:creationId xmlns:a16="http://schemas.microsoft.com/office/drawing/2014/main" id="{605605BA-21D0-4A25-CCB3-C6955F225368}"/>
+                </a:ext>
+              </a:extLst>
+            </p:cNvPr>
+            <p:cNvPicPr>
+              <a:picLocks noChangeAspect="1"/>
+            </p:cNvPicPr>
+            <p:nvPr/>
+          </p:nvPicPr>
+          <p:blipFill>
+            <a:blip r:embed="rId28"/>
+            <a:stretch>
+              <a:fillRect/>
+            </a:stretch>
+          </p:blipFill>
+          <p:spPr>
+            <a:xfrm>
+              <a:off x="4476612" y="6060432"/>
+              <a:ext cx="1010860" cy="360000"/>
+            </a:xfrm>
+            <a:prstGeom prst="rect">
+              <a:avLst/>
+            </a:prstGeom>
+          </p:spPr>
+        </p:pic>
+      </p:grpSp>
+      <p:grpSp>
+        <p:nvGrpSpPr>
+          <p:cNvPr id="48" name="Groupe 47">
+            <a:extLst>
+              <a:ext uri="{FF2B5EF4-FFF2-40B4-BE49-F238E27FC236}">
+                <a16:creationId xmlns:a16="http://schemas.microsoft.com/office/drawing/2014/main" id="{BD01CE82-E26E-4784-FABC-BB9319C360B4}"/>
+              </a:ext>
+            </a:extLst>
+          </p:cNvPr>
+          <p:cNvGrpSpPr/>
+          <p:nvPr/>
+        </p:nvGrpSpPr>
+        <p:grpSpPr>
+          <a:xfrm>
+            <a:off x="6388755" y="3769400"/>
+            <a:ext cx="720000" cy="720000"/>
+            <a:chOff x="7851244" y="635246"/>
+            <a:chExt cx="1800000" cy="1800000"/>
+          </a:xfrm>
+        </p:grpSpPr>
+        <p:sp>
+          <p:nvSpPr>
+            <p:cNvPr id="41" name="Ellipse 40">
+              <a:extLst>
+                <a:ext uri="{FF2B5EF4-FFF2-40B4-BE49-F238E27FC236}">
+                  <a16:creationId xmlns:a16="http://schemas.microsoft.com/office/drawing/2014/main" id="{CC72EE2A-B75F-D915-5061-F89DFE12A6A4}"/>
+                </a:ext>
+              </a:extLst>
+            </p:cNvPr>
+            <p:cNvSpPr/>
+            <p:nvPr/>
+          </p:nvSpPr>
+          <p:spPr>
+            <a:xfrm>
+              <a:off x="7851244" y="635246"/>
+              <a:ext cx="1800000" cy="1800000"/>
+            </a:xfrm>
+            <a:prstGeom prst="ellipse">
+              <a:avLst/>
+            </a:prstGeom>
+            <a:solidFill>
+              <a:srgbClr val="08AF5E"/>
+            </a:solidFill>
+            <a:ln>
+              <a:noFill/>
+            </a:ln>
+          </p:spPr>
+          <p:style>
+            <a:lnRef idx="2">
+              <a:schemeClr val="accent1">
+                <a:shade val="50000"/>
+              </a:schemeClr>
+            </a:lnRef>
+            <a:fillRef idx="1">
+              <a:schemeClr val="accent1"/>
+            </a:fillRef>
+            <a:effectRef idx="0">
+              <a:schemeClr val="accent1"/>
+            </a:effectRef>
+            <a:fontRef idx="minor">
+              <a:schemeClr val="lt1"/>
+            </a:fontRef>
+          </p:style>
+          <p:txBody>
+            <a:bodyPr rtlCol="0" anchor="ctr"/>
+            <a:lstStyle/>
+            <a:p>
+              <a:pPr algn="ctr"/>
+              <a:endParaRPr lang="fr-FR" dirty="0"/>
+            </a:p>
+          </p:txBody>
+        </p:sp>
+        <p:pic>
+          <p:nvPicPr>
+            <p:cNvPr id="46" name="Image 45">
+              <a:extLst>
+                <a:ext uri="{FF2B5EF4-FFF2-40B4-BE49-F238E27FC236}">
+                  <a16:creationId xmlns:a16="http://schemas.microsoft.com/office/drawing/2014/main" id="{1D0475D0-54A2-17E0-8DCE-E9E9D311E5E4}"/>
+                </a:ext>
+              </a:extLst>
+            </p:cNvPr>
+            <p:cNvPicPr>
+              <a:picLocks noChangeAspect="1"/>
+            </p:cNvPicPr>
+            <p:nvPr/>
+          </p:nvPicPr>
+          <p:blipFill>
+            <a:blip r:embed="rId29"/>
+            <a:stretch>
+              <a:fillRect/>
+            </a:stretch>
+          </p:blipFill>
+          <p:spPr>
+            <a:xfrm>
+              <a:off x="8074192" y="879141"/>
+              <a:ext cx="1337198" cy="1264070"/>
+            </a:xfrm>
+            <a:prstGeom prst="rect">
+              <a:avLst/>
+            </a:prstGeom>
+          </p:spPr>
+        </p:pic>
+      </p:grpSp>
+      <p:grpSp>
+        <p:nvGrpSpPr>
+          <p:cNvPr id="66" name="Groupe 65">
+            <a:extLst>
+              <a:ext uri="{FF2B5EF4-FFF2-40B4-BE49-F238E27FC236}">
+                <a16:creationId xmlns:a16="http://schemas.microsoft.com/office/drawing/2014/main" id="{F229E225-67B0-ECE5-F8F7-90D61F250DBE}"/>
+              </a:ext>
+            </a:extLst>
+          </p:cNvPr>
+          <p:cNvGrpSpPr/>
+          <p:nvPr/>
+        </p:nvGrpSpPr>
+        <p:grpSpPr>
+          <a:xfrm>
+            <a:off x="6388755" y="4520711"/>
+            <a:ext cx="720000" cy="720000"/>
+            <a:chOff x="8097618" y="377340"/>
+            <a:chExt cx="1800000" cy="1800000"/>
+          </a:xfrm>
+        </p:grpSpPr>
+        <p:sp>
+          <p:nvSpPr>
+            <p:cNvPr id="50" name="Ellipse 49">
+              <a:extLst>
+                <a:ext uri="{FF2B5EF4-FFF2-40B4-BE49-F238E27FC236}">
+                  <a16:creationId xmlns:a16="http://schemas.microsoft.com/office/drawing/2014/main" id="{31244780-5F44-0426-3860-4294F3A82222}"/>
+                </a:ext>
+              </a:extLst>
+            </p:cNvPr>
+            <p:cNvSpPr/>
+            <p:nvPr/>
+          </p:nvSpPr>
+          <p:spPr>
+            <a:xfrm>
+              <a:off x="8097618" y="377340"/>
+              <a:ext cx="1800000" cy="1800000"/>
+            </a:xfrm>
+            <a:prstGeom prst="ellipse">
+              <a:avLst/>
+            </a:prstGeom>
+            <a:solidFill>
+              <a:srgbClr val="08AF5E"/>
+            </a:solidFill>
+            <a:ln>
+              <a:noFill/>
+            </a:ln>
+          </p:spPr>
+          <p:style>
+            <a:lnRef idx="2">
+              <a:schemeClr val="accent1">
+                <a:shade val="50000"/>
+              </a:schemeClr>
+            </a:lnRef>
+            <a:fillRef idx="1">
+              <a:schemeClr val="accent1"/>
+            </a:fillRef>
+            <a:effectRef idx="0">
+              <a:schemeClr val="accent1"/>
+            </a:effectRef>
+            <a:fontRef idx="minor">
+              <a:schemeClr val="lt1"/>
+            </a:fontRef>
+          </p:style>
+          <p:txBody>
+            <a:bodyPr rtlCol="0" anchor="ctr"/>
+            <a:lstStyle/>
+            <a:p>
+              <a:pPr algn="ctr"/>
+              <a:endParaRPr lang="fr-FR" dirty="0"/>
+            </a:p>
+          </p:txBody>
+        </p:sp>
+        <p:pic>
+          <p:nvPicPr>
+            <p:cNvPr id="62" name="Image 61">
+              <a:extLst>
+                <a:ext uri="{FF2B5EF4-FFF2-40B4-BE49-F238E27FC236}">
+                  <a16:creationId xmlns:a16="http://schemas.microsoft.com/office/drawing/2014/main" id="{31EBF98C-AC3F-B52B-BD9B-13D86E6233EF}"/>
+                </a:ext>
+              </a:extLst>
+            </p:cNvPr>
+            <p:cNvPicPr>
+              <a:picLocks noChangeAspect="1"/>
+            </p:cNvPicPr>
+            <p:nvPr/>
+          </p:nvPicPr>
+          <p:blipFill>
+            <a:blip r:embed="rId30"/>
+            <a:stretch>
+              <a:fillRect/>
+            </a:stretch>
+          </p:blipFill>
+          <p:spPr>
+            <a:xfrm>
+              <a:off x="8477507" y="575912"/>
+              <a:ext cx="1008054" cy="1372668"/>
+            </a:xfrm>
+            <a:prstGeom prst="rect">
+              <a:avLst/>
+            </a:prstGeom>
+          </p:spPr>
+        </p:pic>
+      </p:grpSp>
+      <p:grpSp>
+        <p:nvGrpSpPr>
+          <p:cNvPr id="80" name="Groupe 79">
+            <a:extLst>
+              <a:ext uri="{FF2B5EF4-FFF2-40B4-BE49-F238E27FC236}">
+                <a16:creationId xmlns:a16="http://schemas.microsoft.com/office/drawing/2014/main" id="{9FB8DF2F-6BC7-2214-C8CA-B80DF47AA1E9}"/>
+              </a:ext>
+            </a:extLst>
+          </p:cNvPr>
+          <p:cNvGrpSpPr/>
+          <p:nvPr/>
+        </p:nvGrpSpPr>
+        <p:grpSpPr>
+          <a:xfrm>
+            <a:off x="5002602" y="4389510"/>
+            <a:ext cx="720000" cy="720000"/>
+            <a:chOff x="7678726" y="3872661"/>
+            <a:chExt cx="1800000" cy="1800000"/>
+          </a:xfrm>
+        </p:grpSpPr>
+        <p:sp>
+          <p:nvSpPr>
+            <p:cNvPr id="67" name="Ellipse 66">
+              <a:extLst>
+                <a:ext uri="{FF2B5EF4-FFF2-40B4-BE49-F238E27FC236}">
+                  <a16:creationId xmlns:a16="http://schemas.microsoft.com/office/drawing/2014/main" id="{5160C49C-C9D0-2D48-1722-8B1E54CC4345}"/>
+                </a:ext>
+              </a:extLst>
+            </p:cNvPr>
+            <p:cNvSpPr/>
+            <p:nvPr/>
+          </p:nvSpPr>
+          <p:spPr>
+            <a:xfrm>
+              <a:off x="7678726" y="3872661"/>
+              <a:ext cx="1800000" cy="1800000"/>
+            </a:xfrm>
+            <a:prstGeom prst="ellipse">
+              <a:avLst/>
+            </a:prstGeom>
+            <a:solidFill>
+              <a:srgbClr val="FFB25A"/>
+            </a:solidFill>
+            <a:ln>
+              <a:noFill/>
+            </a:ln>
+          </p:spPr>
+          <p:style>
+            <a:lnRef idx="2">
+              <a:schemeClr val="accent1">
+                <a:shade val="50000"/>
+              </a:schemeClr>
+            </a:lnRef>
+            <a:fillRef idx="1">
+              <a:schemeClr val="accent1"/>
+            </a:fillRef>
+            <a:effectRef idx="0">
+              <a:schemeClr val="accent1"/>
+            </a:effectRef>
+            <a:fontRef idx="minor">
+              <a:schemeClr val="lt1"/>
+            </a:fontRef>
+          </p:style>
+          <p:txBody>
+            <a:bodyPr rtlCol="0" anchor="ctr"/>
+            <a:lstStyle/>
+            <a:p>
+              <a:pPr algn="ctr"/>
+              <a:endParaRPr lang="fr-FR" dirty="0"/>
+            </a:p>
+          </p:txBody>
+        </p:sp>
+        <p:pic>
+          <p:nvPicPr>
+            <p:cNvPr id="79" name="Image 78">
+              <a:extLst>
+                <a:ext uri="{FF2B5EF4-FFF2-40B4-BE49-F238E27FC236}">
+                  <a16:creationId xmlns:a16="http://schemas.microsoft.com/office/drawing/2014/main" id="{CAF6BD31-919E-E9B5-3F18-AB7D5D358137}"/>
+                </a:ext>
+              </a:extLst>
+            </p:cNvPr>
+            <p:cNvPicPr>
+              <a:picLocks noChangeAspect="1"/>
+            </p:cNvPicPr>
+            <p:nvPr/>
+          </p:nvPicPr>
+          <p:blipFill>
+            <a:blip r:embed="rId31"/>
+            <a:stretch>
+              <a:fillRect/>
+            </a:stretch>
+          </p:blipFill>
+          <p:spPr>
+            <a:xfrm>
+              <a:off x="7878769" y="4372687"/>
+              <a:ext cx="1399914" cy="799950"/>
+            </a:xfrm>
+            <a:prstGeom prst="rect">
+              <a:avLst/>
+            </a:prstGeom>
+          </p:spPr>
+        </p:pic>
+      </p:grpSp>
+      <p:sp>
+        <p:nvSpPr>
+          <p:cNvPr id="96" name="Ellipse 95">
+            <a:extLst>
+              <a:ext uri="{FF2B5EF4-FFF2-40B4-BE49-F238E27FC236}">
+                <a16:creationId xmlns:a16="http://schemas.microsoft.com/office/drawing/2014/main" id="{32E187BF-DF57-BBAE-FDED-E200EE30E6E4}"/>
+              </a:ext>
+            </a:extLst>
+          </p:cNvPr>
+          <p:cNvSpPr/>
+          <p:nvPr/>
+        </p:nvSpPr>
+        <p:spPr>
+          <a:xfrm>
+            <a:off x="9813427" y="145865"/>
+            <a:ext cx="1800000" cy="1800000"/>
+          </a:xfrm>
+          <a:prstGeom prst="ellipse">
+            <a:avLst/>
+          </a:prstGeom>
+          <a:solidFill>
+            <a:srgbClr val="EF7268"/>
+          </a:solidFill>
+          <a:ln>
+            <a:noFill/>
+          </a:ln>
+        </p:spPr>
+        <p:style>
+          <a:lnRef idx="2">
+            <a:schemeClr val="accent1">
+              <a:shade val="50000"/>
+            </a:schemeClr>
+          </a:lnRef>
+          <a:fillRef idx="1">
+            <a:schemeClr val="accent1"/>
+          </a:fillRef>
+          <a:effectRef idx="0">
+            <a:schemeClr val="accent1"/>
+          </a:effectRef>
+          <a:fontRef idx="minor">
+            <a:schemeClr val="lt1"/>
+          </a:fontRef>
+        </p:style>
+        <p:txBody>
+          <a:bodyPr rtlCol="0" anchor="ctr"/>
+          <a:lstStyle/>
+          <a:p>
+            <a:pPr algn="ctr"/>
+            <a:endParaRPr lang="fr-FR" dirty="0"/>
+          </a:p>
+        </p:txBody>
+      </p:sp>
+      <p:grpSp>
+        <p:nvGrpSpPr>
+          <p:cNvPr id="103" name="Groupe 102">
+            <a:extLst>
+              <a:ext uri="{FF2B5EF4-FFF2-40B4-BE49-F238E27FC236}">
+                <a16:creationId xmlns:a16="http://schemas.microsoft.com/office/drawing/2014/main" id="{2B99FDC0-D3EE-6DB3-EB44-FDF0333F6B87}"/>
+              </a:ext>
+            </a:extLst>
+          </p:cNvPr>
+          <p:cNvGrpSpPr/>
+          <p:nvPr/>
+        </p:nvGrpSpPr>
+        <p:grpSpPr>
+          <a:xfrm>
+            <a:off x="3830792" y="5241520"/>
+            <a:ext cx="720000" cy="720000"/>
+            <a:chOff x="8032212" y="1081192"/>
+            <a:chExt cx="1800000" cy="1800000"/>
+          </a:xfrm>
+        </p:grpSpPr>
+        <p:sp>
+          <p:nvSpPr>
+            <p:cNvPr id="92" name="Ellipse 91">
+              <a:extLst>
+                <a:ext uri="{FF2B5EF4-FFF2-40B4-BE49-F238E27FC236}">
+                  <a16:creationId xmlns:a16="http://schemas.microsoft.com/office/drawing/2014/main" id="{EE8B0C83-513A-D3C9-0DDF-203E85C6D2F8}"/>
+                </a:ext>
+              </a:extLst>
+            </p:cNvPr>
+            <p:cNvSpPr/>
+            <p:nvPr/>
+          </p:nvSpPr>
+          <p:spPr>
+            <a:xfrm>
+              <a:off x="8032212" y="1081192"/>
+              <a:ext cx="1800000" cy="1800000"/>
+            </a:xfrm>
+            <a:prstGeom prst="ellipse">
+              <a:avLst/>
+            </a:prstGeom>
+            <a:solidFill>
+              <a:srgbClr val="EF7268"/>
+            </a:solidFill>
+            <a:ln>
+              <a:noFill/>
+            </a:ln>
+          </p:spPr>
+          <p:style>
+            <a:lnRef idx="2">
+              <a:schemeClr val="accent1">
+                <a:shade val="50000"/>
+              </a:schemeClr>
+            </a:lnRef>
+            <a:fillRef idx="1">
+              <a:schemeClr val="accent1"/>
+            </a:fillRef>
+            <a:effectRef idx="0">
+              <a:schemeClr val="accent1"/>
+            </a:effectRef>
+            <a:fontRef idx="minor">
+              <a:schemeClr val="lt1"/>
+            </a:fontRef>
+          </p:style>
+          <p:txBody>
+            <a:bodyPr rtlCol="0" anchor="ctr"/>
+            <a:lstStyle/>
+            <a:p>
+              <a:pPr algn="ctr"/>
+              <a:endParaRPr lang="fr-FR" dirty="0"/>
+            </a:p>
+          </p:txBody>
+        </p:sp>
+        <p:pic>
+          <p:nvPicPr>
+            <p:cNvPr id="100" name="Image 99">
+              <a:extLst>
+                <a:ext uri="{FF2B5EF4-FFF2-40B4-BE49-F238E27FC236}">
+                  <a16:creationId xmlns:a16="http://schemas.microsoft.com/office/drawing/2014/main" id="{92B5D617-C6AF-D4A5-10A5-CB87939A934D}"/>
+                </a:ext>
+              </a:extLst>
+            </p:cNvPr>
+            <p:cNvPicPr>
+              <a:picLocks noChangeAspect="1"/>
+            </p:cNvPicPr>
+            <p:nvPr/>
+          </p:nvPicPr>
+          <p:blipFill>
+            <a:blip r:embed="rId32"/>
+            <a:stretch>
+              <a:fillRect/>
+            </a:stretch>
+          </p:blipFill>
+          <p:spPr>
+            <a:xfrm flipH="1">
+              <a:off x="8307142" y="1389644"/>
+              <a:ext cx="1250140" cy="1250140"/>
+            </a:xfrm>
+            <a:prstGeom prst="rect">
+              <a:avLst/>
+            </a:prstGeom>
+          </p:spPr>
+        </p:pic>
+      </p:grpSp>
+      <p:grpSp>
+        <p:nvGrpSpPr>
+          <p:cNvPr id="121" name="Groupe 120">
+            <a:extLst>
+              <a:ext uri="{FF2B5EF4-FFF2-40B4-BE49-F238E27FC236}">
+                <a16:creationId xmlns:a16="http://schemas.microsoft.com/office/drawing/2014/main" id="{FC0D080A-020F-1E81-58F0-36FD10EEFCDA}"/>
+              </a:ext>
+            </a:extLst>
+          </p:cNvPr>
+          <p:cNvGrpSpPr/>
+          <p:nvPr/>
+        </p:nvGrpSpPr>
+        <p:grpSpPr>
+          <a:xfrm>
+            <a:off x="5526416" y="2616195"/>
+            <a:ext cx="720000" cy="720000"/>
+            <a:chOff x="8493814" y="3375317"/>
+            <a:chExt cx="1800000" cy="1800000"/>
+          </a:xfrm>
+        </p:grpSpPr>
+        <p:sp>
+          <p:nvSpPr>
+            <p:cNvPr id="112" name="Ellipse 111">
+              <a:extLst>
+                <a:ext uri="{FF2B5EF4-FFF2-40B4-BE49-F238E27FC236}">
+                  <a16:creationId xmlns:a16="http://schemas.microsoft.com/office/drawing/2014/main" id="{05D3B170-4B0F-A4AB-7602-4AB42E1E3AAA}"/>
+                </a:ext>
+              </a:extLst>
+            </p:cNvPr>
+            <p:cNvSpPr/>
+            <p:nvPr/>
+          </p:nvSpPr>
+          <p:spPr>
+            <a:xfrm>
+              <a:off x="8493814" y="3375317"/>
+              <a:ext cx="1800000" cy="1800000"/>
+            </a:xfrm>
+            <a:prstGeom prst="ellipse">
+              <a:avLst/>
+            </a:prstGeom>
+            <a:solidFill>
+              <a:srgbClr val="00517A"/>
+            </a:solidFill>
+            <a:ln>
+              <a:noFill/>
+            </a:ln>
+          </p:spPr>
+          <p:style>
+            <a:lnRef idx="2">
+              <a:schemeClr val="accent1">
+                <a:shade val="50000"/>
+              </a:schemeClr>
+            </a:lnRef>
+            <a:fillRef idx="1">
+              <a:schemeClr val="accent1"/>
+            </a:fillRef>
+            <a:effectRef idx="0">
+              <a:schemeClr val="accent1"/>
+            </a:effectRef>
+            <a:fontRef idx="minor">
+              <a:schemeClr val="lt1"/>
+            </a:fontRef>
+          </p:style>
+          <p:txBody>
+            <a:bodyPr rtlCol="0" anchor="ctr"/>
+            <a:lstStyle/>
+            <a:p>
+              <a:pPr algn="ctr"/>
+              <a:endParaRPr lang="fr-FR" dirty="0"/>
+            </a:p>
+          </p:txBody>
+        </p:sp>
+        <p:pic>
+          <p:nvPicPr>
+            <p:cNvPr id="119" name="Image 118">
+              <a:extLst>
+                <a:ext uri="{FF2B5EF4-FFF2-40B4-BE49-F238E27FC236}">
+                  <a16:creationId xmlns:a16="http://schemas.microsoft.com/office/drawing/2014/main" id="{33A53ABC-74E1-69FE-D35D-6CF2D9934365}"/>
+                </a:ext>
+              </a:extLst>
+            </p:cNvPr>
+            <p:cNvPicPr>
+              <a:picLocks noChangeAspect="1"/>
+            </p:cNvPicPr>
+            <p:nvPr/>
+          </p:nvPicPr>
+          <p:blipFill>
+            <a:blip r:embed="rId33"/>
+            <a:stretch>
+              <a:fillRect/>
+            </a:stretch>
+          </p:blipFill>
+          <p:spPr>
+            <a:xfrm>
+              <a:off x="8673814" y="3583777"/>
+              <a:ext cx="1440000" cy="1440000"/>
+            </a:xfrm>
+            <a:prstGeom prst="rect">
+              <a:avLst/>
+            </a:prstGeom>
+          </p:spPr>
+        </p:pic>
+      </p:grpSp>
+      <p:pic>
+        <p:nvPicPr>
+          <p:cNvPr id="124" name="Image 123">
+            <a:extLst>
+              <a:ext uri="{FF2B5EF4-FFF2-40B4-BE49-F238E27FC236}">
+                <a16:creationId xmlns:a16="http://schemas.microsoft.com/office/drawing/2014/main" id="{EA32BFE0-8250-DDE7-BFF6-EE3CE11EF98C}"/>
+              </a:ext>
+            </a:extLst>
+          </p:cNvPr>
+          <p:cNvPicPr>
+            <a:picLocks noChangeAspect="1"/>
+          </p:cNvPicPr>
+          <p:nvPr/>
+        </p:nvPicPr>
+        <p:blipFill>
+          <a:blip r:embed="rId34"/>
+          <a:stretch>
+            <a:fillRect/>
+          </a:stretch>
+        </p:blipFill>
+        <p:spPr>
+          <a:xfrm>
+            <a:off x="4453467" y="2764988"/>
+            <a:ext cx="720000" cy="720000"/>
+          </a:xfrm>
+          <a:prstGeom prst="rect">
+            <a:avLst/>
+          </a:prstGeom>
+        </p:spPr>
+      </p:pic>
+      <p:grpSp>
+        <p:nvGrpSpPr>
+          <p:cNvPr id="130" name="Groupe 129">
+            <a:extLst>
+              <a:ext uri="{FF2B5EF4-FFF2-40B4-BE49-F238E27FC236}">
+                <a16:creationId xmlns:a16="http://schemas.microsoft.com/office/drawing/2014/main" id="{58C83FF8-FA48-9AD7-45A3-8B483824C2C8}"/>
+              </a:ext>
+            </a:extLst>
+          </p:cNvPr>
+          <p:cNvGrpSpPr/>
+          <p:nvPr/>
+        </p:nvGrpSpPr>
+        <p:grpSpPr>
+          <a:xfrm>
+            <a:off x="8216210" y="1572343"/>
+            <a:ext cx="720000" cy="720000"/>
+            <a:chOff x="8709423" y="3666938"/>
+            <a:chExt cx="720000" cy="720000"/>
+          </a:xfrm>
+        </p:grpSpPr>
+        <p:sp>
+          <p:nvSpPr>
+            <p:cNvPr id="16" name="Ellipse 15">
+              <a:extLst>
+                <a:ext uri="{FF2B5EF4-FFF2-40B4-BE49-F238E27FC236}">
+                  <a16:creationId xmlns:a16="http://schemas.microsoft.com/office/drawing/2014/main" id="{FF5886DF-919C-4AF5-E04A-B3A890A829DE}"/>
+                </a:ext>
+              </a:extLst>
+            </p:cNvPr>
+            <p:cNvSpPr/>
+            <p:nvPr/>
+          </p:nvSpPr>
+          <p:spPr>
+            <a:xfrm>
+              <a:off x="8709423" y="3666938"/>
+              <a:ext cx="720000" cy="720000"/>
+            </a:xfrm>
+            <a:prstGeom prst="ellipse">
+              <a:avLst/>
+            </a:prstGeom>
+            <a:solidFill>
+              <a:srgbClr val="00517A"/>
+            </a:solidFill>
+            <a:ln>
+              <a:noFill/>
+            </a:ln>
+          </p:spPr>
+          <p:style>
+            <a:lnRef idx="2">
+              <a:schemeClr val="accent1">
+                <a:shade val="50000"/>
+              </a:schemeClr>
+            </a:lnRef>
+            <a:fillRef idx="1">
+              <a:schemeClr val="accent1"/>
+            </a:fillRef>
+            <a:effectRef idx="0">
+              <a:schemeClr val="accent1"/>
+            </a:effectRef>
+            <a:fontRef idx="minor">
+              <a:schemeClr val="lt1"/>
+            </a:fontRef>
+          </p:style>
+          <p:txBody>
+            <a:bodyPr rtlCol="0" anchor="ctr"/>
+            <a:lstStyle/>
+            <a:p>
+              <a:pPr algn="ctr"/>
+              <a:endParaRPr lang="fr-FR" dirty="0"/>
+            </a:p>
+          </p:txBody>
+        </p:sp>
+        <p:pic>
+          <p:nvPicPr>
+            <p:cNvPr id="128" name="Image 127">
+              <a:extLst>
+                <a:ext uri="{FF2B5EF4-FFF2-40B4-BE49-F238E27FC236}">
+                  <a16:creationId xmlns:a16="http://schemas.microsoft.com/office/drawing/2014/main" id="{0A62BE5F-BAB7-B569-846C-EB8CD0DDFFB6}"/>
+                </a:ext>
+              </a:extLst>
+            </p:cNvPr>
+            <p:cNvPicPr>
+              <a:picLocks noChangeAspect="1"/>
+            </p:cNvPicPr>
+            <p:nvPr/>
+          </p:nvPicPr>
+          <p:blipFill>
+            <a:blip r:embed="rId35"/>
+            <a:stretch>
+              <a:fillRect/>
+            </a:stretch>
+          </p:blipFill>
+          <p:spPr>
+            <a:xfrm>
+              <a:off x="8817423" y="3774938"/>
+              <a:ext cx="504000" cy="504000"/>
+            </a:xfrm>
+            <a:prstGeom prst="rect">
+              <a:avLst/>
+            </a:prstGeom>
+          </p:spPr>
+        </p:pic>
+      </p:grpSp>
+      <p:pic>
+        <p:nvPicPr>
+          <p:cNvPr id="132" name="Image 131">
+            <a:extLst>
+              <a:ext uri="{FF2B5EF4-FFF2-40B4-BE49-F238E27FC236}">
+                <a16:creationId xmlns:a16="http://schemas.microsoft.com/office/drawing/2014/main" id="{25606C3A-DFC0-F616-0C85-F3BC8AD041F2}"/>
+              </a:ext>
+            </a:extLst>
+          </p:cNvPr>
+          <p:cNvPicPr>
+            <a:picLocks noChangeAspect="1"/>
+          </p:cNvPicPr>
+          <p:nvPr/>
+        </p:nvPicPr>
+        <p:blipFill>
+          <a:blip r:embed="rId36"/>
+          <a:stretch>
+            <a:fillRect/>
+          </a:stretch>
+        </p:blipFill>
+        <p:spPr>
+          <a:xfrm>
+            <a:off x="9559814" y="1954413"/>
+            <a:ext cx="720000" cy="720000"/>
           </a:xfrm>
           <a:prstGeom prst="rect">
             <a:avLst/>
@@ -7193,6 +8130,4181 @@
     <p:extLst>
       <p:ext uri="{BB962C8B-B14F-4D97-AF65-F5344CB8AC3E}">
         <p14:creationId xmlns:p14="http://schemas.microsoft.com/office/powerpoint/2010/main" val="1417894420"/>
+      </p:ext>
+    </p:extLst>
+  </p:cSld>
+  <p:clrMapOvr>
+    <a:masterClrMapping/>
+  </p:clrMapOvr>
+</p:sld>
+</file>
+
+<file path=ppt/slides/slide3.xml><?xml version="1.0" encoding="utf-8"?>
+<p:sld xmlns:a="http://schemas.openxmlformats.org/drawingml/2006/main" xmlns:r="http://schemas.openxmlformats.org/officeDocument/2006/relationships" xmlns:p="http://schemas.openxmlformats.org/presentationml/2006/main">
+  <p:cSld>
+    <p:spTree>
+      <p:nvGrpSpPr>
+        <p:cNvPr id="1" name=""/>
+        <p:cNvGrpSpPr/>
+        <p:nvPr/>
+      </p:nvGrpSpPr>
+      <p:grpSpPr>
+        <a:xfrm>
+          <a:off x="0" y="0"/>
+          <a:ext cx="0" cy="0"/>
+          <a:chOff x="0" y="0"/>
+          <a:chExt cx="0" cy="0"/>
+        </a:xfrm>
+      </p:grpSpPr>
+      <p:grpSp>
+        <p:nvGrpSpPr>
+          <p:cNvPr id="77" name="Groupe 76">
+            <a:extLst>
+              <a:ext uri="{FF2B5EF4-FFF2-40B4-BE49-F238E27FC236}">
+                <a16:creationId xmlns:a16="http://schemas.microsoft.com/office/drawing/2014/main" id="{185287AF-6567-8D21-86E7-8DCC01273AC1}"/>
+              </a:ext>
+            </a:extLst>
+          </p:cNvPr>
+          <p:cNvGrpSpPr/>
+          <p:nvPr/>
+        </p:nvGrpSpPr>
+        <p:grpSpPr>
+          <a:xfrm>
+            <a:off x="9123188" y="4910301"/>
+            <a:ext cx="1010860" cy="720000"/>
+            <a:chOff x="4476612" y="5880432"/>
+            <a:chExt cx="1010860" cy="720000"/>
+          </a:xfrm>
+        </p:grpSpPr>
+        <p:sp>
+          <p:nvSpPr>
+            <p:cNvPr id="78" name="Ellipse 77">
+              <a:extLst>
+                <a:ext uri="{FF2B5EF4-FFF2-40B4-BE49-F238E27FC236}">
+                  <a16:creationId xmlns:a16="http://schemas.microsoft.com/office/drawing/2014/main" id="{CBF93AF0-986D-0304-CAE0-413B0F2B0404}"/>
+                </a:ext>
+              </a:extLst>
+            </p:cNvPr>
+            <p:cNvSpPr/>
+            <p:nvPr/>
+          </p:nvSpPr>
+          <p:spPr>
+            <a:xfrm>
+              <a:off x="4678466" y="5880432"/>
+              <a:ext cx="720000" cy="720000"/>
+            </a:xfrm>
+            <a:prstGeom prst="ellipse">
+              <a:avLst/>
+            </a:prstGeom>
+            <a:solidFill>
+              <a:srgbClr val="EF7268"/>
+            </a:solidFill>
+            <a:ln>
+              <a:noFill/>
+            </a:ln>
+          </p:spPr>
+          <p:style>
+            <a:lnRef idx="2">
+              <a:schemeClr val="accent1">
+                <a:shade val="50000"/>
+              </a:schemeClr>
+            </a:lnRef>
+            <a:fillRef idx="1">
+              <a:schemeClr val="accent1"/>
+            </a:fillRef>
+            <a:effectRef idx="0">
+              <a:schemeClr val="accent1"/>
+            </a:effectRef>
+            <a:fontRef idx="minor">
+              <a:schemeClr val="lt1"/>
+            </a:fontRef>
+          </p:style>
+          <p:txBody>
+            <a:bodyPr rtlCol="0" anchor="ctr"/>
+            <a:lstStyle/>
+            <a:p>
+              <a:pPr algn="ctr"/>
+              <a:endParaRPr lang="fr-FR" dirty="0"/>
+            </a:p>
+          </p:txBody>
+        </p:sp>
+        <p:pic>
+          <p:nvPicPr>
+            <p:cNvPr id="79" name="Image 78">
+              <a:extLst>
+                <a:ext uri="{FF2B5EF4-FFF2-40B4-BE49-F238E27FC236}">
+                  <a16:creationId xmlns:a16="http://schemas.microsoft.com/office/drawing/2014/main" id="{52187EDA-A378-4B6B-7E3E-BA4313DBFEB6}"/>
+                </a:ext>
+              </a:extLst>
+            </p:cNvPr>
+            <p:cNvPicPr>
+              <a:picLocks noChangeAspect="1"/>
+            </p:cNvPicPr>
+            <p:nvPr/>
+          </p:nvPicPr>
+          <p:blipFill>
+            <a:blip r:embed="rId2"/>
+            <a:stretch>
+              <a:fillRect/>
+            </a:stretch>
+          </p:blipFill>
+          <p:spPr>
+            <a:xfrm>
+              <a:off x="4476612" y="6060432"/>
+              <a:ext cx="1010860" cy="360000"/>
+            </a:xfrm>
+            <a:prstGeom prst="rect">
+              <a:avLst/>
+            </a:prstGeom>
+          </p:spPr>
+        </p:pic>
+      </p:grpSp>
+      <p:grpSp>
+        <p:nvGrpSpPr>
+          <p:cNvPr id="18" name="Groupe 17">
+            <a:extLst>
+              <a:ext uri="{FF2B5EF4-FFF2-40B4-BE49-F238E27FC236}">
+                <a16:creationId xmlns:a16="http://schemas.microsoft.com/office/drawing/2014/main" id="{B92FC626-DF40-09C3-CA12-9C4FC0564F5D}"/>
+              </a:ext>
+            </a:extLst>
+          </p:cNvPr>
+          <p:cNvGrpSpPr/>
+          <p:nvPr/>
+        </p:nvGrpSpPr>
+        <p:grpSpPr>
+          <a:xfrm>
+            <a:off x="3251684" y="2077375"/>
+            <a:ext cx="5915562" cy="2703249"/>
+            <a:chOff x="0" y="1"/>
+            <a:chExt cx="5915562" cy="2703249"/>
+          </a:xfrm>
+        </p:grpSpPr>
+        <p:sp>
+          <p:nvSpPr>
+            <p:cNvPr id="4" name="Rectangle : coins arrondis 3">
+              <a:extLst>
+                <a:ext uri="{FF2B5EF4-FFF2-40B4-BE49-F238E27FC236}">
+                  <a16:creationId xmlns:a16="http://schemas.microsoft.com/office/drawing/2014/main" id="{207E4D52-D071-7D20-4438-F3C1510CA2C9}"/>
+                </a:ext>
+              </a:extLst>
+            </p:cNvPr>
+            <p:cNvSpPr/>
+            <p:nvPr/>
+          </p:nvSpPr>
+          <p:spPr>
+            <a:xfrm>
+              <a:off x="1" y="1"/>
+              <a:ext cx="1365662" cy="534390"/>
+            </a:xfrm>
+            <a:prstGeom prst="roundRect">
+              <a:avLst>
+                <a:gd name="adj" fmla="val 11914"/>
+              </a:avLst>
+            </a:prstGeom>
+            <a:noFill/>
+            <a:ln w="19050">
+              <a:solidFill>
+                <a:srgbClr val="004F77"/>
+              </a:solidFill>
+            </a:ln>
+          </p:spPr>
+          <p:style>
+            <a:lnRef idx="2">
+              <a:schemeClr val="accent1">
+                <a:shade val="50000"/>
+              </a:schemeClr>
+            </a:lnRef>
+            <a:fillRef idx="1">
+              <a:schemeClr val="accent1"/>
+            </a:fillRef>
+            <a:effectRef idx="0">
+              <a:schemeClr val="accent1"/>
+            </a:effectRef>
+            <a:fontRef idx="minor">
+              <a:schemeClr val="lt1"/>
+            </a:fontRef>
+          </p:style>
+          <p:txBody>
+            <a:bodyPr rtlCol="0" anchor="ctr"/>
+            <a:lstStyle/>
+            <a:p>
+              <a:pPr algn="ctr"/>
+              <a:r>
+                <a:rPr lang="fr-FR" sz="1400" dirty="0">
+                  <a:solidFill>
+                    <a:srgbClr val="004F77"/>
+                  </a:solidFill>
+                  <a:latin typeface="Arial Nova" panose="020B0504020202020204" pitchFamily="34" charset="0"/>
+                </a:rPr>
+                <a:t>Acquérir</a:t>
+              </a:r>
+            </a:p>
+          </p:txBody>
+        </p:sp>
+        <p:sp>
+          <p:nvSpPr>
+            <p:cNvPr id="5" name="Rectangle : coins arrondis 4">
+              <a:extLst>
+                <a:ext uri="{FF2B5EF4-FFF2-40B4-BE49-F238E27FC236}">
+                  <a16:creationId xmlns:a16="http://schemas.microsoft.com/office/drawing/2014/main" id="{48AE3C34-B371-9189-9498-158991B69CFC}"/>
+                </a:ext>
+              </a:extLst>
+            </p:cNvPr>
+            <p:cNvSpPr/>
+            <p:nvPr/>
+          </p:nvSpPr>
+          <p:spPr>
+            <a:xfrm>
+              <a:off x="0" y="660401"/>
+              <a:ext cx="1365662" cy="534390"/>
+            </a:xfrm>
+            <a:prstGeom prst="roundRect">
+              <a:avLst>
+                <a:gd name="adj" fmla="val 11914"/>
+              </a:avLst>
+            </a:prstGeom>
+            <a:solidFill>
+              <a:srgbClr val="DFE3EB"/>
+            </a:solidFill>
+            <a:ln w="19050">
+              <a:solidFill>
+                <a:srgbClr val="DFE3EB"/>
+              </a:solidFill>
+            </a:ln>
+          </p:spPr>
+          <p:style>
+            <a:lnRef idx="2">
+              <a:schemeClr val="accent1">
+                <a:shade val="50000"/>
+              </a:schemeClr>
+            </a:lnRef>
+            <a:fillRef idx="1">
+              <a:schemeClr val="accent1"/>
+            </a:fillRef>
+            <a:effectRef idx="0">
+              <a:schemeClr val="accent1"/>
+            </a:effectRef>
+            <a:fontRef idx="minor">
+              <a:schemeClr val="lt1"/>
+            </a:fontRef>
+          </p:style>
+          <p:txBody>
+            <a:bodyPr rtlCol="0" anchor="ctr"/>
+            <a:lstStyle/>
+            <a:p>
+              <a:pPr algn="ctr"/>
+              <a:r>
+                <a:rPr lang="fr-FR" sz="1200" dirty="0">
+                  <a:solidFill>
+                    <a:srgbClr val="004F77"/>
+                  </a:solidFill>
+                  <a:latin typeface="Arial Nova" panose="020B0504020202020204" pitchFamily="34" charset="0"/>
+                </a:rPr>
+                <a:t>Acquérir</a:t>
+              </a:r>
+            </a:p>
+          </p:txBody>
+        </p:sp>
+        <p:sp>
+          <p:nvSpPr>
+            <p:cNvPr id="6" name="Rectangle : coins arrondis 5">
+              <a:extLst>
+                <a:ext uri="{FF2B5EF4-FFF2-40B4-BE49-F238E27FC236}">
+                  <a16:creationId xmlns:a16="http://schemas.microsoft.com/office/drawing/2014/main" id="{93383D4C-1BD3-EFAF-37C3-F1F4DAEA9FBB}"/>
+                </a:ext>
+              </a:extLst>
+            </p:cNvPr>
+            <p:cNvSpPr/>
+            <p:nvPr/>
+          </p:nvSpPr>
+          <p:spPr>
+            <a:xfrm>
+              <a:off x="1447801" y="8468"/>
+              <a:ext cx="1365662" cy="534390"/>
+            </a:xfrm>
+            <a:prstGeom prst="roundRect">
+              <a:avLst>
+                <a:gd name="adj" fmla="val 11914"/>
+              </a:avLst>
+            </a:prstGeom>
+            <a:noFill/>
+            <a:ln w="19050">
+              <a:solidFill>
+                <a:srgbClr val="004F77"/>
+              </a:solidFill>
+            </a:ln>
+          </p:spPr>
+          <p:style>
+            <a:lnRef idx="2">
+              <a:schemeClr val="accent1">
+                <a:shade val="50000"/>
+              </a:schemeClr>
+            </a:lnRef>
+            <a:fillRef idx="1">
+              <a:schemeClr val="accent1"/>
+            </a:fillRef>
+            <a:effectRef idx="0">
+              <a:schemeClr val="accent1"/>
+            </a:effectRef>
+            <a:fontRef idx="minor">
+              <a:schemeClr val="lt1"/>
+            </a:fontRef>
+          </p:style>
+          <p:txBody>
+            <a:bodyPr rtlCol="0" anchor="ctr"/>
+            <a:lstStyle/>
+            <a:p>
+              <a:pPr algn="ctr"/>
+              <a:r>
+                <a:rPr lang="fr-FR" sz="1400" dirty="0">
+                  <a:solidFill>
+                    <a:srgbClr val="0C7391"/>
+                  </a:solidFill>
+                  <a:latin typeface="Arial Nova" panose="020B0504020202020204" pitchFamily="34" charset="0"/>
+                </a:rPr>
+                <a:t>Traiter</a:t>
+              </a:r>
+            </a:p>
+          </p:txBody>
+        </p:sp>
+        <p:sp>
+          <p:nvSpPr>
+            <p:cNvPr id="7" name="Rectangle : coins arrondis 6">
+              <a:extLst>
+                <a:ext uri="{FF2B5EF4-FFF2-40B4-BE49-F238E27FC236}">
+                  <a16:creationId xmlns:a16="http://schemas.microsoft.com/office/drawing/2014/main" id="{0DA3E12E-E38E-90F5-DE87-E17B9F7693BB}"/>
+                </a:ext>
+              </a:extLst>
+            </p:cNvPr>
+            <p:cNvSpPr/>
+            <p:nvPr/>
+          </p:nvSpPr>
+          <p:spPr>
+            <a:xfrm>
+              <a:off x="1439334" y="635001"/>
+              <a:ext cx="1365662" cy="534390"/>
+            </a:xfrm>
+            <a:prstGeom prst="roundRect">
+              <a:avLst>
+                <a:gd name="adj" fmla="val 11914"/>
+              </a:avLst>
+            </a:prstGeom>
+            <a:solidFill>
+              <a:srgbClr val="E4EBF0"/>
+            </a:solidFill>
+            <a:ln w="19050">
+              <a:solidFill>
+                <a:srgbClr val="E4EBF0"/>
+              </a:solidFill>
+            </a:ln>
+          </p:spPr>
+          <p:style>
+            <a:lnRef idx="2">
+              <a:schemeClr val="accent1">
+                <a:shade val="50000"/>
+              </a:schemeClr>
+            </a:lnRef>
+            <a:fillRef idx="1">
+              <a:schemeClr val="accent1"/>
+            </a:fillRef>
+            <a:effectRef idx="0">
+              <a:schemeClr val="accent1"/>
+            </a:effectRef>
+            <a:fontRef idx="minor">
+              <a:schemeClr val="lt1"/>
+            </a:fontRef>
+          </p:style>
+          <p:txBody>
+            <a:bodyPr rtlCol="0" anchor="ctr"/>
+            <a:lstStyle/>
+            <a:p>
+              <a:pPr algn="ctr"/>
+              <a:r>
+                <a:rPr lang="fr-FR" sz="1200" dirty="0">
+                  <a:solidFill>
+                    <a:srgbClr val="0C7391"/>
+                  </a:solidFill>
+                  <a:latin typeface="Arial Nova" panose="020B0504020202020204" pitchFamily="34" charset="0"/>
+                </a:rPr>
+                <a:t>Traiter</a:t>
+              </a:r>
+            </a:p>
+          </p:txBody>
+        </p:sp>
+        <p:sp>
+          <p:nvSpPr>
+            <p:cNvPr id="8" name="Rectangle : coins arrondis 7">
+              <a:extLst>
+                <a:ext uri="{FF2B5EF4-FFF2-40B4-BE49-F238E27FC236}">
+                  <a16:creationId xmlns:a16="http://schemas.microsoft.com/office/drawing/2014/main" id="{B98F2CA7-F57D-C45E-C4B3-A70690121413}"/>
+                </a:ext>
+              </a:extLst>
+            </p:cNvPr>
+            <p:cNvSpPr/>
+            <p:nvPr/>
+          </p:nvSpPr>
+          <p:spPr>
+            <a:xfrm>
+              <a:off x="2999656" y="1"/>
+              <a:ext cx="1365662" cy="534390"/>
+            </a:xfrm>
+            <a:prstGeom prst="roundRect">
+              <a:avLst>
+                <a:gd name="adj" fmla="val 11914"/>
+              </a:avLst>
+            </a:prstGeom>
+            <a:noFill/>
+            <a:ln w="19050">
+              <a:solidFill>
+                <a:srgbClr val="08A559"/>
+              </a:solidFill>
+            </a:ln>
+          </p:spPr>
+          <p:style>
+            <a:lnRef idx="2">
+              <a:schemeClr val="accent1">
+                <a:shade val="50000"/>
+              </a:schemeClr>
+            </a:lnRef>
+            <a:fillRef idx="1">
+              <a:schemeClr val="accent1"/>
+            </a:fillRef>
+            <a:effectRef idx="0">
+              <a:schemeClr val="accent1"/>
+            </a:effectRef>
+            <a:fontRef idx="minor">
+              <a:schemeClr val="lt1"/>
+            </a:fontRef>
+          </p:style>
+          <p:txBody>
+            <a:bodyPr rtlCol="0" anchor="ctr"/>
+            <a:lstStyle/>
+            <a:p>
+              <a:pPr algn="ctr"/>
+              <a:r>
+                <a:rPr lang="fr-FR" sz="1400" dirty="0">
+                  <a:solidFill>
+                    <a:srgbClr val="08A559"/>
+                  </a:solidFill>
+                  <a:latin typeface="Arial Nova" panose="020B0504020202020204" pitchFamily="34" charset="0"/>
+                </a:rPr>
+                <a:t>Communiquer</a:t>
+              </a:r>
+            </a:p>
+          </p:txBody>
+        </p:sp>
+        <p:sp>
+          <p:nvSpPr>
+            <p:cNvPr id="9" name="Rectangle : coins arrondis 8">
+              <a:extLst>
+                <a:ext uri="{FF2B5EF4-FFF2-40B4-BE49-F238E27FC236}">
+                  <a16:creationId xmlns:a16="http://schemas.microsoft.com/office/drawing/2014/main" id="{847BF0CB-5567-E271-A1A0-B2827B65710A}"/>
+                </a:ext>
+              </a:extLst>
+            </p:cNvPr>
+            <p:cNvSpPr/>
+            <p:nvPr/>
+          </p:nvSpPr>
+          <p:spPr>
+            <a:xfrm>
+              <a:off x="3011075" y="635001"/>
+              <a:ext cx="1365662" cy="534390"/>
+            </a:xfrm>
+            <a:prstGeom prst="roundRect">
+              <a:avLst>
+                <a:gd name="adj" fmla="val 11914"/>
+              </a:avLst>
+            </a:prstGeom>
+            <a:solidFill>
+              <a:srgbClr val="E8F3E8"/>
+            </a:solidFill>
+            <a:ln w="19050">
+              <a:solidFill>
+                <a:srgbClr val="E8F3E8"/>
+              </a:solidFill>
+            </a:ln>
+          </p:spPr>
+          <p:style>
+            <a:lnRef idx="2">
+              <a:schemeClr val="accent1">
+                <a:shade val="50000"/>
+              </a:schemeClr>
+            </a:lnRef>
+            <a:fillRef idx="1">
+              <a:schemeClr val="accent1"/>
+            </a:fillRef>
+            <a:effectRef idx="0">
+              <a:schemeClr val="accent1"/>
+            </a:effectRef>
+            <a:fontRef idx="minor">
+              <a:schemeClr val="lt1"/>
+            </a:fontRef>
+          </p:style>
+          <p:txBody>
+            <a:bodyPr rtlCol="0" anchor="ctr"/>
+            <a:lstStyle/>
+            <a:p>
+              <a:pPr algn="ctr"/>
+              <a:r>
+                <a:rPr lang="fr-FR" sz="1200" dirty="0">
+                  <a:solidFill>
+                    <a:srgbClr val="08A559"/>
+                  </a:solidFill>
+                  <a:latin typeface="Arial Nova" panose="020B0504020202020204" pitchFamily="34" charset="0"/>
+                </a:rPr>
+                <a:t>Communiquer</a:t>
+              </a:r>
+            </a:p>
+          </p:txBody>
+        </p:sp>
+        <p:sp>
+          <p:nvSpPr>
+            <p:cNvPr id="10" name="Rectangle : coins arrondis 9">
+              <a:extLst>
+                <a:ext uri="{FF2B5EF4-FFF2-40B4-BE49-F238E27FC236}">
+                  <a16:creationId xmlns:a16="http://schemas.microsoft.com/office/drawing/2014/main" id="{9EC15D97-825E-F4E8-4583-BD2C4D238BB9}"/>
+                </a:ext>
+              </a:extLst>
+            </p:cNvPr>
+            <p:cNvSpPr/>
+            <p:nvPr/>
+          </p:nvSpPr>
+          <p:spPr>
+            <a:xfrm>
+              <a:off x="1" y="1508460"/>
+              <a:ext cx="1365662" cy="534390"/>
+            </a:xfrm>
+            <a:prstGeom prst="roundRect">
+              <a:avLst>
+                <a:gd name="adj" fmla="val 11914"/>
+              </a:avLst>
+            </a:prstGeom>
+            <a:noFill/>
+            <a:ln w="19050">
+              <a:solidFill>
+                <a:srgbClr val="FDAD57"/>
+              </a:solidFill>
+            </a:ln>
+          </p:spPr>
+          <p:style>
+            <a:lnRef idx="2">
+              <a:schemeClr val="accent1">
+                <a:shade val="50000"/>
+              </a:schemeClr>
+            </a:lnRef>
+            <a:fillRef idx="1">
+              <a:schemeClr val="accent1"/>
+            </a:fillRef>
+            <a:effectRef idx="0">
+              <a:schemeClr val="accent1"/>
+            </a:effectRef>
+            <a:fontRef idx="minor">
+              <a:schemeClr val="lt1"/>
+            </a:fontRef>
+          </p:style>
+          <p:txBody>
+            <a:bodyPr rtlCol="0" anchor="ctr"/>
+            <a:lstStyle/>
+            <a:p>
+              <a:pPr algn="ctr"/>
+              <a:r>
+                <a:rPr lang="fr-FR" sz="1400" dirty="0">
+                  <a:solidFill>
+                    <a:srgbClr val="FDAD57"/>
+                  </a:solidFill>
+                  <a:latin typeface="Arial Nova" panose="020B0504020202020204" pitchFamily="34" charset="0"/>
+                </a:rPr>
+                <a:t>Alimenter</a:t>
+              </a:r>
+            </a:p>
+          </p:txBody>
+        </p:sp>
+        <p:sp>
+          <p:nvSpPr>
+            <p:cNvPr id="11" name="Rectangle : coins arrondis 10">
+              <a:extLst>
+                <a:ext uri="{FF2B5EF4-FFF2-40B4-BE49-F238E27FC236}">
+                  <a16:creationId xmlns:a16="http://schemas.microsoft.com/office/drawing/2014/main" id="{B9C357FE-4547-F6B3-E829-F7876F063C15}"/>
+                </a:ext>
+              </a:extLst>
+            </p:cNvPr>
+            <p:cNvSpPr/>
+            <p:nvPr/>
+          </p:nvSpPr>
+          <p:spPr>
+            <a:xfrm>
+              <a:off x="0" y="2168860"/>
+              <a:ext cx="1365662" cy="534390"/>
+            </a:xfrm>
+            <a:prstGeom prst="roundRect">
+              <a:avLst>
+                <a:gd name="adj" fmla="val 11914"/>
+              </a:avLst>
+            </a:prstGeom>
+            <a:solidFill>
+              <a:srgbClr val="FEE6CC"/>
+            </a:solidFill>
+            <a:ln w="19050">
+              <a:solidFill>
+                <a:srgbClr val="FEE6CC"/>
+              </a:solidFill>
+            </a:ln>
+          </p:spPr>
+          <p:style>
+            <a:lnRef idx="2">
+              <a:schemeClr val="accent1">
+                <a:shade val="50000"/>
+              </a:schemeClr>
+            </a:lnRef>
+            <a:fillRef idx="1">
+              <a:schemeClr val="accent1"/>
+            </a:fillRef>
+            <a:effectRef idx="0">
+              <a:schemeClr val="accent1"/>
+            </a:effectRef>
+            <a:fontRef idx="minor">
+              <a:schemeClr val="lt1"/>
+            </a:fontRef>
+          </p:style>
+          <p:txBody>
+            <a:bodyPr rtlCol="0" anchor="ctr"/>
+            <a:lstStyle/>
+            <a:p>
+              <a:pPr algn="ctr"/>
+              <a:r>
+                <a:rPr lang="fr-FR" sz="1200" dirty="0">
+                  <a:solidFill>
+                    <a:srgbClr val="FDAD57"/>
+                  </a:solidFill>
+                  <a:latin typeface="Arial Nova" panose="020B0504020202020204" pitchFamily="34" charset="0"/>
+                </a:rPr>
+                <a:t>Alimenter</a:t>
+              </a:r>
+            </a:p>
+          </p:txBody>
+        </p:sp>
+        <p:sp>
+          <p:nvSpPr>
+            <p:cNvPr id="12" name="Rectangle : coins arrondis 11">
+              <a:extLst>
+                <a:ext uri="{FF2B5EF4-FFF2-40B4-BE49-F238E27FC236}">
+                  <a16:creationId xmlns:a16="http://schemas.microsoft.com/office/drawing/2014/main" id="{C532E568-E4C1-57B3-820A-310C1B639740}"/>
+                </a:ext>
+              </a:extLst>
+            </p:cNvPr>
+            <p:cNvSpPr/>
+            <p:nvPr/>
+          </p:nvSpPr>
+          <p:spPr>
+            <a:xfrm>
+              <a:off x="1447802" y="1508460"/>
+              <a:ext cx="1365662" cy="534390"/>
+            </a:xfrm>
+            <a:prstGeom prst="roundRect">
+              <a:avLst>
+                <a:gd name="adj" fmla="val 11914"/>
+              </a:avLst>
+            </a:prstGeom>
+            <a:noFill/>
+            <a:ln w="19050">
+              <a:solidFill>
+                <a:srgbClr val="0C7391"/>
+              </a:solidFill>
+            </a:ln>
+          </p:spPr>
+          <p:style>
+            <a:lnRef idx="2">
+              <a:schemeClr val="accent1">
+                <a:shade val="50000"/>
+              </a:schemeClr>
+            </a:lnRef>
+            <a:fillRef idx="1">
+              <a:schemeClr val="accent1"/>
+            </a:fillRef>
+            <a:effectRef idx="0">
+              <a:schemeClr val="accent1"/>
+            </a:effectRef>
+            <a:fontRef idx="minor">
+              <a:schemeClr val="lt1"/>
+            </a:fontRef>
+          </p:style>
+          <p:txBody>
+            <a:bodyPr rtlCol="0" anchor="ctr"/>
+            <a:lstStyle/>
+            <a:p>
+              <a:pPr algn="ctr"/>
+              <a:r>
+                <a:rPr lang="fr-FR" sz="1400" dirty="0">
+                  <a:solidFill>
+                    <a:srgbClr val="0C7391"/>
+                  </a:solidFill>
+                  <a:latin typeface="Arial Nova" panose="020B0504020202020204" pitchFamily="34" charset="0"/>
+                </a:rPr>
+                <a:t>Distribuer</a:t>
+              </a:r>
+            </a:p>
+          </p:txBody>
+        </p:sp>
+        <p:sp>
+          <p:nvSpPr>
+            <p:cNvPr id="13" name="Rectangle : coins arrondis 12">
+              <a:extLst>
+                <a:ext uri="{FF2B5EF4-FFF2-40B4-BE49-F238E27FC236}">
+                  <a16:creationId xmlns:a16="http://schemas.microsoft.com/office/drawing/2014/main" id="{B6ABCE40-8398-CCC0-653D-DA536FDB17ED}"/>
+                </a:ext>
+              </a:extLst>
+            </p:cNvPr>
+            <p:cNvSpPr/>
+            <p:nvPr/>
+          </p:nvSpPr>
+          <p:spPr>
+            <a:xfrm>
+              <a:off x="1447801" y="2168860"/>
+              <a:ext cx="1365662" cy="534390"/>
+            </a:xfrm>
+            <a:prstGeom prst="roundRect">
+              <a:avLst>
+                <a:gd name="adj" fmla="val 11914"/>
+              </a:avLst>
+            </a:prstGeom>
+            <a:solidFill>
+              <a:srgbClr val="9EC7D3"/>
+            </a:solidFill>
+            <a:ln w="19050">
+              <a:solidFill>
+                <a:srgbClr val="9EC7D3"/>
+              </a:solidFill>
+            </a:ln>
+          </p:spPr>
+          <p:style>
+            <a:lnRef idx="2">
+              <a:schemeClr val="accent1">
+                <a:shade val="50000"/>
+              </a:schemeClr>
+            </a:lnRef>
+            <a:fillRef idx="1">
+              <a:schemeClr val="accent1"/>
+            </a:fillRef>
+            <a:effectRef idx="0">
+              <a:schemeClr val="accent1"/>
+            </a:effectRef>
+            <a:fontRef idx="minor">
+              <a:schemeClr val="lt1"/>
+            </a:fontRef>
+          </p:style>
+          <p:txBody>
+            <a:bodyPr rtlCol="0" anchor="ctr"/>
+            <a:lstStyle/>
+            <a:p>
+              <a:pPr algn="ctr"/>
+              <a:r>
+                <a:rPr lang="fr-FR" sz="1200" dirty="0">
+                  <a:solidFill>
+                    <a:srgbClr val="0C7391"/>
+                  </a:solidFill>
+                  <a:latin typeface="Arial Nova" panose="020B0504020202020204" pitchFamily="34" charset="0"/>
+                </a:rPr>
+                <a:t>Distribuer</a:t>
+              </a:r>
+            </a:p>
+          </p:txBody>
+        </p:sp>
+        <p:sp>
+          <p:nvSpPr>
+            <p:cNvPr id="14" name="Rectangle : coins arrondis 13">
+              <a:extLst>
+                <a:ext uri="{FF2B5EF4-FFF2-40B4-BE49-F238E27FC236}">
+                  <a16:creationId xmlns:a16="http://schemas.microsoft.com/office/drawing/2014/main" id="{83F93949-A308-1F9E-EE2D-A68889A4539E}"/>
+                </a:ext>
+              </a:extLst>
+            </p:cNvPr>
+            <p:cNvSpPr/>
+            <p:nvPr/>
+          </p:nvSpPr>
+          <p:spPr>
+            <a:xfrm>
+              <a:off x="2912276" y="1508460"/>
+              <a:ext cx="1365662" cy="534390"/>
+            </a:xfrm>
+            <a:prstGeom prst="roundRect">
+              <a:avLst>
+                <a:gd name="adj" fmla="val 11914"/>
+              </a:avLst>
+            </a:prstGeom>
+            <a:noFill/>
+            <a:ln w="19050">
+              <a:solidFill>
+                <a:srgbClr val="68348B"/>
+              </a:solidFill>
+            </a:ln>
+          </p:spPr>
+          <p:style>
+            <a:lnRef idx="2">
+              <a:schemeClr val="accent1">
+                <a:shade val="50000"/>
+              </a:schemeClr>
+            </a:lnRef>
+            <a:fillRef idx="1">
+              <a:schemeClr val="accent1"/>
+            </a:fillRef>
+            <a:effectRef idx="0">
+              <a:schemeClr val="accent1"/>
+            </a:effectRef>
+            <a:fontRef idx="minor">
+              <a:schemeClr val="lt1"/>
+            </a:fontRef>
+          </p:style>
+          <p:txBody>
+            <a:bodyPr rtlCol="0" anchor="ctr"/>
+            <a:lstStyle/>
+            <a:p>
+              <a:pPr algn="ctr"/>
+              <a:r>
+                <a:rPr lang="fr-FR" sz="1400" dirty="0">
+                  <a:solidFill>
+                    <a:srgbClr val="68348B"/>
+                  </a:solidFill>
+                  <a:latin typeface="Arial Nova" panose="020B0504020202020204" pitchFamily="34" charset="0"/>
+                </a:rPr>
+                <a:t>Convertir</a:t>
+              </a:r>
+            </a:p>
+          </p:txBody>
+        </p:sp>
+        <p:sp>
+          <p:nvSpPr>
+            <p:cNvPr id="15" name="Rectangle : coins arrondis 14">
+              <a:extLst>
+                <a:ext uri="{FF2B5EF4-FFF2-40B4-BE49-F238E27FC236}">
+                  <a16:creationId xmlns:a16="http://schemas.microsoft.com/office/drawing/2014/main" id="{B7F1D5E6-74A8-EBC1-64FC-712C0B36AD34}"/>
+                </a:ext>
+              </a:extLst>
+            </p:cNvPr>
+            <p:cNvSpPr/>
+            <p:nvPr/>
+          </p:nvSpPr>
+          <p:spPr>
+            <a:xfrm>
+              <a:off x="2912275" y="2168860"/>
+              <a:ext cx="1365662" cy="534390"/>
+            </a:xfrm>
+            <a:prstGeom prst="roundRect">
+              <a:avLst>
+                <a:gd name="adj" fmla="val 11914"/>
+              </a:avLst>
+            </a:prstGeom>
+            <a:solidFill>
+              <a:srgbClr val="C3AED1"/>
+            </a:solidFill>
+            <a:ln w="19050">
+              <a:solidFill>
+                <a:srgbClr val="C3AED1"/>
+              </a:solidFill>
+            </a:ln>
+          </p:spPr>
+          <p:style>
+            <a:lnRef idx="2">
+              <a:schemeClr val="accent1">
+                <a:shade val="50000"/>
+              </a:schemeClr>
+            </a:lnRef>
+            <a:fillRef idx="1">
+              <a:schemeClr val="accent1"/>
+            </a:fillRef>
+            <a:effectRef idx="0">
+              <a:schemeClr val="accent1"/>
+            </a:effectRef>
+            <a:fontRef idx="minor">
+              <a:schemeClr val="lt1"/>
+            </a:fontRef>
+          </p:style>
+          <p:txBody>
+            <a:bodyPr rtlCol="0" anchor="ctr"/>
+            <a:lstStyle/>
+            <a:p>
+              <a:pPr algn="ctr"/>
+              <a:r>
+                <a:rPr lang="fr-FR" sz="1200" dirty="0">
+                  <a:solidFill>
+                    <a:srgbClr val="68348B"/>
+                  </a:solidFill>
+                  <a:latin typeface="Arial Nova" panose="020B0504020202020204" pitchFamily="34" charset="0"/>
+                </a:rPr>
+                <a:t>Convertir</a:t>
+              </a:r>
+            </a:p>
+          </p:txBody>
+        </p:sp>
+        <p:sp>
+          <p:nvSpPr>
+            <p:cNvPr id="16" name="Rectangle : coins arrondis 15">
+              <a:extLst>
+                <a:ext uri="{FF2B5EF4-FFF2-40B4-BE49-F238E27FC236}">
+                  <a16:creationId xmlns:a16="http://schemas.microsoft.com/office/drawing/2014/main" id="{D0EB77B0-8070-EBA1-8985-40B887053056}"/>
+                </a:ext>
+              </a:extLst>
+            </p:cNvPr>
+            <p:cNvSpPr/>
+            <p:nvPr/>
+          </p:nvSpPr>
+          <p:spPr>
+            <a:xfrm>
+              <a:off x="4549900" y="1503772"/>
+              <a:ext cx="1365662" cy="534390"/>
+            </a:xfrm>
+            <a:prstGeom prst="roundRect">
+              <a:avLst>
+                <a:gd name="adj" fmla="val 11914"/>
+              </a:avLst>
+            </a:prstGeom>
+            <a:noFill/>
+            <a:ln w="19050">
+              <a:solidFill>
+                <a:srgbClr val="EE685D"/>
+              </a:solidFill>
+            </a:ln>
+          </p:spPr>
+          <p:style>
+            <a:lnRef idx="2">
+              <a:schemeClr val="accent1">
+                <a:shade val="50000"/>
+              </a:schemeClr>
+            </a:lnRef>
+            <a:fillRef idx="1">
+              <a:schemeClr val="accent1"/>
+            </a:fillRef>
+            <a:effectRef idx="0">
+              <a:schemeClr val="accent1"/>
+            </a:effectRef>
+            <a:fontRef idx="minor">
+              <a:schemeClr val="lt1"/>
+            </a:fontRef>
+          </p:style>
+          <p:txBody>
+            <a:bodyPr rtlCol="0" anchor="ctr"/>
+            <a:lstStyle/>
+            <a:p>
+              <a:pPr algn="ctr"/>
+              <a:r>
+                <a:rPr lang="fr-FR" sz="1400" dirty="0">
+                  <a:solidFill>
+                    <a:srgbClr val="EE685D"/>
+                  </a:solidFill>
+                  <a:latin typeface="Arial Nova" panose="020B0504020202020204" pitchFamily="34" charset="0"/>
+                </a:rPr>
+                <a:t>Transmettre</a:t>
+              </a:r>
+            </a:p>
+          </p:txBody>
+        </p:sp>
+        <p:sp>
+          <p:nvSpPr>
+            <p:cNvPr id="17" name="Rectangle : coins arrondis 16">
+              <a:extLst>
+                <a:ext uri="{FF2B5EF4-FFF2-40B4-BE49-F238E27FC236}">
+                  <a16:creationId xmlns:a16="http://schemas.microsoft.com/office/drawing/2014/main" id="{6D1E7D27-93DE-A22D-A03E-86BCA6916E6A}"/>
+                </a:ext>
+              </a:extLst>
+            </p:cNvPr>
+            <p:cNvSpPr/>
+            <p:nvPr/>
+          </p:nvSpPr>
+          <p:spPr>
+            <a:xfrm>
+              <a:off x="4549899" y="2164172"/>
+              <a:ext cx="1365662" cy="534390"/>
+            </a:xfrm>
+            <a:prstGeom prst="roundRect">
+              <a:avLst>
+                <a:gd name="adj" fmla="val 11914"/>
+              </a:avLst>
+            </a:prstGeom>
+            <a:solidFill>
+              <a:srgbClr val="F7B8B3"/>
+            </a:solidFill>
+            <a:ln w="19050">
+              <a:solidFill>
+                <a:srgbClr val="F7B8B3"/>
+              </a:solidFill>
+            </a:ln>
+          </p:spPr>
+          <p:style>
+            <a:lnRef idx="2">
+              <a:schemeClr val="accent1">
+                <a:shade val="50000"/>
+              </a:schemeClr>
+            </a:lnRef>
+            <a:fillRef idx="1">
+              <a:schemeClr val="accent1"/>
+            </a:fillRef>
+            <a:effectRef idx="0">
+              <a:schemeClr val="accent1"/>
+            </a:effectRef>
+            <a:fontRef idx="minor">
+              <a:schemeClr val="lt1"/>
+            </a:fontRef>
+          </p:style>
+          <p:txBody>
+            <a:bodyPr rtlCol="0" anchor="ctr"/>
+            <a:lstStyle/>
+            <a:p>
+              <a:pPr algn="ctr"/>
+              <a:r>
+                <a:rPr lang="fr-FR" sz="1200" dirty="0">
+                  <a:solidFill>
+                    <a:srgbClr val="EE685D"/>
+                  </a:solidFill>
+                  <a:latin typeface="Arial Nova" panose="020B0504020202020204" pitchFamily="34" charset="0"/>
+                </a:rPr>
+                <a:t>Transmettre</a:t>
+              </a:r>
+            </a:p>
+          </p:txBody>
+        </p:sp>
+      </p:grpSp>
+      <p:grpSp>
+        <p:nvGrpSpPr>
+          <p:cNvPr id="19" name="Groupe 18">
+            <a:extLst>
+              <a:ext uri="{FF2B5EF4-FFF2-40B4-BE49-F238E27FC236}">
+                <a16:creationId xmlns:a16="http://schemas.microsoft.com/office/drawing/2014/main" id="{037407D3-C48C-300C-905C-B9AA94D607C7}"/>
+              </a:ext>
+            </a:extLst>
+          </p:cNvPr>
+          <p:cNvGrpSpPr/>
+          <p:nvPr/>
+        </p:nvGrpSpPr>
+        <p:grpSpPr>
+          <a:xfrm>
+            <a:off x="4691018" y="4929351"/>
+            <a:ext cx="720000" cy="720000"/>
+            <a:chOff x="6955958" y="3325976"/>
+            <a:chExt cx="1800000" cy="1800000"/>
+          </a:xfrm>
+        </p:grpSpPr>
+        <p:sp>
+          <p:nvSpPr>
+            <p:cNvPr id="20" name="Ellipse 19">
+              <a:extLst>
+                <a:ext uri="{FF2B5EF4-FFF2-40B4-BE49-F238E27FC236}">
+                  <a16:creationId xmlns:a16="http://schemas.microsoft.com/office/drawing/2014/main" id="{394690EB-E4D2-561A-79A6-4201192CA0D1}"/>
+                </a:ext>
+              </a:extLst>
+            </p:cNvPr>
+            <p:cNvSpPr/>
+            <p:nvPr/>
+          </p:nvSpPr>
+          <p:spPr>
+            <a:xfrm>
+              <a:off x="6955958" y="3325976"/>
+              <a:ext cx="1800000" cy="1800000"/>
+            </a:xfrm>
+            <a:prstGeom prst="ellipse">
+              <a:avLst/>
+            </a:prstGeom>
+            <a:solidFill>
+              <a:srgbClr val="0C7391"/>
+            </a:solidFill>
+            <a:ln>
+              <a:noFill/>
+            </a:ln>
+          </p:spPr>
+          <p:style>
+            <a:lnRef idx="2">
+              <a:schemeClr val="accent1">
+                <a:shade val="50000"/>
+              </a:schemeClr>
+            </a:lnRef>
+            <a:fillRef idx="1">
+              <a:schemeClr val="accent1"/>
+            </a:fillRef>
+            <a:effectRef idx="0">
+              <a:schemeClr val="accent1"/>
+            </a:effectRef>
+            <a:fontRef idx="minor">
+              <a:schemeClr val="lt1"/>
+            </a:fontRef>
+          </p:style>
+          <p:txBody>
+            <a:bodyPr rtlCol="0" anchor="ctr"/>
+            <a:lstStyle/>
+            <a:p>
+              <a:pPr algn="ctr"/>
+              <a:endParaRPr lang="fr-FR" dirty="0"/>
+            </a:p>
+          </p:txBody>
+        </p:sp>
+        <p:pic>
+          <p:nvPicPr>
+            <p:cNvPr id="21" name="Image 20">
+              <a:extLst>
+                <a:ext uri="{FF2B5EF4-FFF2-40B4-BE49-F238E27FC236}">
+                  <a16:creationId xmlns:a16="http://schemas.microsoft.com/office/drawing/2014/main" id="{81D9785C-7111-629F-8100-53F4CD4F012E}"/>
+                </a:ext>
+              </a:extLst>
+            </p:cNvPr>
+            <p:cNvPicPr>
+              <a:picLocks noChangeAspect="1"/>
+            </p:cNvPicPr>
+            <p:nvPr/>
+          </p:nvPicPr>
+          <p:blipFill>
+            <a:blip r:embed="rId3"/>
+            <a:stretch>
+              <a:fillRect/>
+            </a:stretch>
+          </p:blipFill>
+          <p:spPr>
+            <a:xfrm>
+              <a:off x="7212124" y="3645024"/>
+              <a:ext cx="1394286" cy="1161904"/>
+            </a:xfrm>
+            <a:prstGeom prst="rect">
+              <a:avLst/>
+            </a:prstGeom>
+          </p:spPr>
+        </p:pic>
+        <p:pic>
+          <p:nvPicPr>
+            <p:cNvPr id="22" name="Image 21">
+              <a:extLst>
+                <a:ext uri="{FF2B5EF4-FFF2-40B4-BE49-F238E27FC236}">
+                  <a16:creationId xmlns:a16="http://schemas.microsoft.com/office/drawing/2014/main" id="{DE265B8A-38FA-03AC-EB21-676171E87976}"/>
+                </a:ext>
+              </a:extLst>
+            </p:cNvPr>
+            <p:cNvPicPr>
+              <a:picLocks noChangeAspect="1"/>
+            </p:cNvPicPr>
+            <p:nvPr/>
+          </p:nvPicPr>
+          <p:blipFill>
+            <a:blip r:embed="rId4"/>
+            <a:stretch>
+              <a:fillRect/>
+            </a:stretch>
+          </p:blipFill>
+          <p:spPr>
+            <a:xfrm>
+              <a:off x="7909267" y="4072626"/>
+              <a:ext cx="246640" cy="173418"/>
+            </a:xfrm>
+            <a:prstGeom prst="rect">
+              <a:avLst/>
+            </a:prstGeom>
+          </p:spPr>
+        </p:pic>
+      </p:grpSp>
+      <p:grpSp>
+        <p:nvGrpSpPr>
+          <p:cNvPr id="23" name="Groupe 22">
+            <a:extLst>
+              <a:ext uri="{FF2B5EF4-FFF2-40B4-BE49-F238E27FC236}">
+                <a16:creationId xmlns:a16="http://schemas.microsoft.com/office/drawing/2014/main" id="{5F8613D6-2159-6463-E4DA-1922F6BA8756}"/>
+              </a:ext>
+            </a:extLst>
+          </p:cNvPr>
+          <p:cNvGrpSpPr>
+            <a:grpSpLocks noChangeAspect="1"/>
+          </p:cNvGrpSpPr>
+          <p:nvPr/>
+        </p:nvGrpSpPr>
+        <p:grpSpPr>
+          <a:xfrm>
+            <a:off x="4691018" y="5669269"/>
+            <a:ext cx="720000" cy="730124"/>
+            <a:chOff x="5015880" y="2240648"/>
+            <a:chExt cx="1800000" cy="1825309"/>
+          </a:xfrm>
+        </p:grpSpPr>
+        <p:sp>
+          <p:nvSpPr>
+            <p:cNvPr id="24" name="Ellipse 23">
+              <a:extLst>
+                <a:ext uri="{FF2B5EF4-FFF2-40B4-BE49-F238E27FC236}">
+                  <a16:creationId xmlns:a16="http://schemas.microsoft.com/office/drawing/2014/main" id="{BC841649-F94B-2B75-1915-CC18E7DDD6B5}"/>
+                </a:ext>
+              </a:extLst>
+            </p:cNvPr>
+            <p:cNvSpPr/>
+            <p:nvPr/>
+          </p:nvSpPr>
+          <p:spPr>
+            <a:xfrm>
+              <a:off x="5015880" y="2240648"/>
+              <a:ext cx="1800000" cy="1800000"/>
+            </a:xfrm>
+            <a:prstGeom prst="ellipse">
+              <a:avLst/>
+            </a:prstGeom>
+            <a:solidFill>
+              <a:srgbClr val="0C7391"/>
+            </a:solidFill>
+            <a:ln>
+              <a:noFill/>
+            </a:ln>
+          </p:spPr>
+          <p:style>
+            <a:lnRef idx="2">
+              <a:schemeClr val="accent1">
+                <a:shade val="50000"/>
+              </a:schemeClr>
+            </a:lnRef>
+            <a:fillRef idx="1">
+              <a:schemeClr val="accent1"/>
+            </a:fillRef>
+            <a:effectRef idx="0">
+              <a:schemeClr val="accent1"/>
+            </a:effectRef>
+            <a:fontRef idx="minor">
+              <a:schemeClr val="lt1"/>
+            </a:fontRef>
+          </p:style>
+          <p:txBody>
+            <a:bodyPr rtlCol="0" anchor="ctr"/>
+            <a:lstStyle/>
+            <a:p>
+              <a:pPr algn="ctr"/>
+              <a:endParaRPr lang="fr-FR"/>
+            </a:p>
+          </p:txBody>
+        </p:sp>
+        <p:pic>
+          <p:nvPicPr>
+            <p:cNvPr id="25" name="Image 24">
+              <a:extLst>
+                <a:ext uri="{FF2B5EF4-FFF2-40B4-BE49-F238E27FC236}">
+                  <a16:creationId xmlns:a16="http://schemas.microsoft.com/office/drawing/2014/main" id="{3BF2ABBF-2F50-3AFC-B161-09FFEDB39899}"/>
+                </a:ext>
+              </a:extLst>
+            </p:cNvPr>
+            <p:cNvPicPr>
+              <a:picLocks noChangeAspect="1"/>
+            </p:cNvPicPr>
+            <p:nvPr/>
+          </p:nvPicPr>
+          <p:blipFill>
+            <a:blip r:embed="rId5"/>
+            <a:stretch>
+              <a:fillRect/>
+            </a:stretch>
+          </p:blipFill>
+          <p:spPr>
+            <a:xfrm>
+              <a:off x="5509853" y="2338185"/>
+              <a:ext cx="812053" cy="1727772"/>
+            </a:xfrm>
+            <a:prstGeom prst="rect">
+              <a:avLst/>
+            </a:prstGeom>
+          </p:spPr>
+        </p:pic>
+      </p:grpSp>
+      <p:grpSp>
+        <p:nvGrpSpPr>
+          <p:cNvPr id="26" name="Groupe 25">
+            <a:extLst>
+              <a:ext uri="{FF2B5EF4-FFF2-40B4-BE49-F238E27FC236}">
+                <a16:creationId xmlns:a16="http://schemas.microsoft.com/office/drawing/2014/main" id="{7053E3C8-644F-E261-9CC5-518AC58C4D1E}"/>
+              </a:ext>
+            </a:extLst>
+          </p:cNvPr>
+          <p:cNvGrpSpPr/>
+          <p:nvPr/>
+        </p:nvGrpSpPr>
+        <p:grpSpPr>
+          <a:xfrm>
+            <a:off x="5469860" y="5674331"/>
+            <a:ext cx="720000" cy="720000"/>
+            <a:chOff x="5536549" y="4214211"/>
+            <a:chExt cx="1800000" cy="1800000"/>
+          </a:xfrm>
+        </p:grpSpPr>
+        <p:sp>
+          <p:nvSpPr>
+            <p:cNvPr id="27" name="Ellipse 26">
+              <a:extLst>
+                <a:ext uri="{FF2B5EF4-FFF2-40B4-BE49-F238E27FC236}">
+                  <a16:creationId xmlns:a16="http://schemas.microsoft.com/office/drawing/2014/main" id="{CC60B891-97BB-789F-EC14-0122BA463169}"/>
+                </a:ext>
+              </a:extLst>
+            </p:cNvPr>
+            <p:cNvSpPr/>
+            <p:nvPr/>
+          </p:nvSpPr>
+          <p:spPr>
+            <a:xfrm>
+              <a:off x="5536549" y="4214211"/>
+              <a:ext cx="1800000" cy="1800000"/>
+            </a:xfrm>
+            <a:prstGeom prst="ellipse">
+              <a:avLst/>
+            </a:prstGeom>
+            <a:solidFill>
+              <a:srgbClr val="0C7391"/>
+            </a:solidFill>
+            <a:ln>
+              <a:noFill/>
+            </a:ln>
+          </p:spPr>
+          <p:style>
+            <a:lnRef idx="2">
+              <a:schemeClr val="accent1">
+                <a:shade val="50000"/>
+              </a:schemeClr>
+            </a:lnRef>
+            <a:fillRef idx="1">
+              <a:schemeClr val="accent1"/>
+            </a:fillRef>
+            <a:effectRef idx="0">
+              <a:schemeClr val="accent1"/>
+            </a:effectRef>
+            <a:fontRef idx="minor">
+              <a:schemeClr val="lt1"/>
+            </a:fontRef>
+          </p:style>
+          <p:txBody>
+            <a:bodyPr rtlCol="0" anchor="ctr"/>
+            <a:lstStyle/>
+            <a:p>
+              <a:pPr algn="ctr"/>
+              <a:endParaRPr lang="fr-FR"/>
+            </a:p>
+          </p:txBody>
+        </p:sp>
+        <p:pic>
+          <p:nvPicPr>
+            <p:cNvPr id="28" name="Image 27">
+              <a:extLst>
+                <a:ext uri="{FF2B5EF4-FFF2-40B4-BE49-F238E27FC236}">
+                  <a16:creationId xmlns:a16="http://schemas.microsoft.com/office/drawing/2014/main" id="{2AE1A0BC-E21A-6F21-E6B1-881D3BA048DC}"/>
+                </a:ext>
+              </a:extLst>
+            </p:cNvPr>
+            <p:cNvPicPr>
+              <a:picLocks noChangeAspect="1"/>
+            </p:cNvPicPr>
+            <p:nvPr/>
+          </p:nvPicPr>
+          <p:blipFill>
+            <a:blip r:embed="rId6"/>
+            <a:stretch>
+              <a:fillRect/>
+            </a:stretch>
+          </p:blipFill>
+          <p:spPr>
+            <a:xfrm>
+              <a:off x="5592565" y="4880711"/>
+              <a:ext cx="1687967" cy="380132"/>
+            </a:xfrm>
+            <a:prstGeom prst="rect">
+              <a:avLst/>
+            </a:prstGeom>
+          </p:spPr>
+        </p:pic>
+      </p:grpSp>
+      <p:grpSp>
+        <p:nvGrpSpPr>
+          <p:cNvPr id="29" name="Groupe 28">
+            <a:extLst>
+              <a:ext uri="{FF2B5EF4-FFF2-40B4-BE49-F238E27FC236}">
+                <a16:creationId xmlns:a16="http://schemas.microsoft.com/office/drawing/2014/main" id="{B7E200A7-3127-A5B2-37D2-8FE588EDD78D}"/>
+              </a:ext>
+            </a:extLst>
+          </p:cNvPr>
+          <p:cNvGrpSpPr/>
+          <p:nvPr/>
+        </p:nvGrpSpPr>
+        <p:grpSpPr>
+          <a:xfrm>
+            <a:off x="5433520" y="4932480"/>
+            <a:ext cx="720000" cy="720000"/>
+            <a:chOff x="7487041" y="2971639"/>
+            <a:chExt cx="1800000" cy="1800000"/>
+          </a:xfrm>
+        </p:grpSpPr>
+        <p:sp>
+          <p:nvSpPr>
+            <p:cNvPr id="30" name="Ellipse 29">
+              <a:extLst>
+                <a:ext uri="{FF2B5EF4-FFF2-40B4-BE49-F238E27FC236}">
+                  <a16:creationId xmlns:a16="http://schemas.microsoft.com/office/drawing/2014/main" id="{17151A77-9981-1644-16D7-1194A71D9432}"/>
+                </a:ext>
+              </a:extLst>
+            </p:cNvPr>
+            <p:cNvSpPr/>
+            <p:nvPr/>
+          </p:nvSpPr>
+          <p:spPr>
+            <a:xfrm>
+              <a:off x="7487041" y="2971639"/>
+              <a:ext cx="1800000" cy="1800000"/>
+            </a:xfrm>
+            <a:prstGeom prst="ellipse">
+              <a:avLst/>
+            </a:prstGeom>
+            <a:solidFill>
+              <a:srgbClr val="0C7391"/>
+            </a:solidFill>
+            <a:ln>
+              <a:noFill/>
+            </a:ln>
+          </p:spPr>
+          <p:style>
+            <a:lnRef idx="2">
+              <a:schemeClr val="accent1">
+                <a:shade val="50000"/>
+              </a:schemeClr>
+            </a:lnRef>
+            <a:fillRef idx="1">
+              <a:schemeClr val="accent1"/>
+            </a:fillRef>
+            <a:effectRef idx="0">
+              <a:schemeClr val="accent1"/>
+            </a:effectRef>
+            <a:fontRef idx="minor">
+              <a:schemeClr val="lt1"/>
+            </a:fontRef>
+          </p:style>
+          <p:txBody>
+            <a:bodyPr rtlCol="0" anchor="ctr"/>
+            <a:lstStyle/>
+            <a:p>
+              <a:pPr algn="ctr"/>
+              <a:endParaRPr lang="fr-FR"/>
+            </a:p>
+          </p:txBody>
+        </p:sp>
+        <p:pic>
+          <p:nvPicPr>
+            <p:cNvPr id="31" name="Image 30">
+              <a:extLst>
+                <a:ext uri="{FF2B5EF4-FFF2-40B4-BE49-F238E27FC236}">
+                  <a16:creationId xmlns:a16="http://schemas.microsoft.com/office/drawing/2014/main" id="{A5C72E0E-BD93-C7A4-A9D9-C99077C5A4BB}"/>
+                </a:ext>
+              </a:extLst>
+            </p:cNvPr>
+            <p:cNvPicPr>
+              <a:picLocks noChangeAspect="1"/>
+            </p:cNvPicPr>
+            <p:nvPr/>
+          </p:nvPicPr>
+          <p:blipFill>
+            <a:blip r:embed="rId7"/>
+            <a:stretch>
+              <a:fillRect/>
+            </a:stretch>
+          </p:blipFill>
+          <p:spPr>
+            <a:xfrm>
+              <a:off x="7571666" y="3483365"/>
+              <a:ext cx="1630750" cy="776548"/>
+            </a:xfrm>
+            <a:prstGeom prst="rect">
+              <a:avLst/>
+            </a:prstGeom>
+          </p:spPr>
+        </p:pic>
+      </p:grpSp>
+      <p:grpSp>
+        <p:nvGrpSpPr>
+          <p:cNvPr id="32" name="Groupe 31">
+            <a:extLst>
+              <a:ext uri="{FF2B5EF4-FFF2-40B4-BE49-F238E27FC236}">
+                <a16:creationId xmlns:a16="http://schemas.microsoft.com/office/drawing/2014/main" id="{CDE94BA7-0A7A-5DBD-C32A-C8E3710063A7}"/>
+              </a:ext>
+            </a:extLst>
+          </p:cNvPr>
+          <p:cNvGrpSpPr/>
+          <p:nvPr/>
+        </p:nvGrpSpPr>
+        <p:grpSpPr>
+          <a:xfrm>
+            <a:off x="6214171" y="4944377"/>
+            <a:ext cx="720000" cy="720000"/>
+            <a:chOff x="1055440" y="3471646"/>
+            <a:chExt cx="1800000" cy="1800000"/>
+          </a:xfrm>
+        </p:grpSpPr>
+        <p:sp>
+          <p:nvSpPr>
+            <p:cNvPr id="33" name="Ellipse 32">
+              <a:extLst>
+                <a:ext uri="{FF2B5EF4-FFF2-40B4-BE49-F238E27FC236}">
+                  <a16:creationId xmlns:a16="http://schemas.microsoft.com/office/drawing/2014/main" id="{B7AA7628-4A21-FF6A-55E1-B89D1BDD4234}"/>
+                </a:ext>
+              </a:extLst>
+            </p:cNvPr>
+            <p:cNvSpPr/>
+            <p:nvPr/>
+          </p:nvSpPr>
+          <p:spPr>
+            <a:xfrm>
+              <a:off x="1055440" y="3471646"/>
+              <a:ext cx="1800000" cy="1800000"/>
+            </a:xfrm>
+            <a:prstGeom prst="ellipse">
+              <a:avLst/>
+            </a:prstGeom>
+            <a:solidFill>
+              <a:srgbClr val="68348B"/>
+            </a:solidFill>
+            <a:ln>
+              <a:noFill/>
+            </a:ln>
+          </p:spPr>
+          <p:style>
+            <a:lnRef idx="2">
+              <a:schemeClr val="accent1">
+                <a:shade val="50000"/>
+              </a:schemeClr>
+            </a:lnRef>
+            <a:fillRef idx="1">
+              <a:schemeClr val="accent1"/>
+            </a:fillRef>
+            <a:effectRef idx="0">
+              <a:schemeClr val="accent1"/>
+            </a:effectRef>
+            <a:fontRef idx="minor">
+              <a:schemeClr val="lt1"/>
+            </a:fontRef>
+          </p:style>
+          <p:txBody>
+            <a:bodyPr rtlCol="0" anchor="ctr"/>
+            <a:lstStyle/>
+            <a:p>
+              <a:pPr algn="ctr"/>
+              <a:endParaRPr lang="fr-FR"/>
+            </a:p>
+          </p:txBody>
+        </p:sp>
+        <p:pic>
+          <p:nvPicPr>
+            <p:cNvPr id="34" name="Image 33">
+              <a:extLst>
+                <a:ext uri="{FF2B5EF4-FFF2-40B4-BE49-F238E27FC236}">
+                  <a16:creationId xmlns:a16="http://schemas.microsoft.com/office/drawing/2014/main" id="{FE94FAB9-D4B3-9383-9438-8F92F685E115}"/>
+                </a:ext>
+              </a:extLst>
+            </p:cNvPr>
+            <p:cNvPicPr>
+              <a:picLocks noChangeAspect="1"/>
+            </p:cNvPicPr>
+            <p:nvPr/>
+          </p:nvPicPr>
+          <p:blipFill>
+            <a:blip r:embed="rId4"/>
+            <a:stretch>
+              <a:fillRect/>
+            </a:stretch>
+          </p:blipFill>
+          <p:spPr>
+            <a:xfrm>
+              <a:off x="1338842" y="3938101"/>
+              <a:ext cx="1233200" cy="867090"/>
+            </a:xfrm>
+            <a:prstGeom prst="rect">
+              <a:avLst/>
+            </a:prstGeom>
+          </p:spPr>
+        </p:pic>
+      </p:grpSp>
+      <p:grpSp>
+        <p:nvGrpSpPr>
+          <p:cNvPr id="35" name="Groupe 34">
+            <a:extLst>
+              <a:ext uri="{FF2B5EF4-FFF2-40B4-BE49-F238E27FC236}">
+                <a16:creationId xmlns:a16="http://schemas.microsoft.com/office/drawing/2014/main" id="{E621096B-55D3-88BC-741B-C7A0BDF87AB7}"/>
+              </a:ext>
+            </a:extLst>
+          </p:cNvPr>
+          <p:cNvGrpSpPr/>
+          <p:nvPr/>
+        </p:nvGrpSpPr>
+        <p:grpSpPr>
+          <a:xfrm>
+            <a:off x="6988650" y="4932480"/>
+            <a:ext cx="720000" cy="720000"/>
+            <a:chOff x="5775745" y="3144183"/>
+            <a:chExt cx="1800000" cy="1800000"/>
+          </a:xfrm>
+        </p:grpSpPr>
+        <p:sp>
+          <p:nvSpPr>
+            <p:cNvPr id="36" name="Ellipse 35">
+              <a:extLst>
+                <a:ext uri="{FF2B5EF4-FFF2-40B4-BE49-F238E27FC236}">
+                  <a16:creationId xmlns:a16="http://schemas.microsoft.com/office/drawing/2014/main" id="{F6493252-F2B1-6CA0-E166-280D43974DCE}"/>
+                </a:ext>
+              </a:extLst>
+            </p:cNvPr>
+            <p:cNvSpPr/>
+            <p:nvPr/>
+          </p:nvSpPr>
+          <p:spPr>
+            <a:xfrm>
+              <a:off x="5775745" y="3144183"/>
+              <a:ext cx="1800000" cy="1800000"/>
+            </a:xfrm>
+            <a:prstGeom prst="ellipse">
+              <a:avLst/>
+            </a:prstGeom>
+            <a:solidFill>
+              <a:srgbClr val="68348B"/>
+            </a:solidFill>
+            <a:ln>
+              <a:noFill/>
+            </a:ln>
+          </p:spPr>
+          <p:style>
+            <a:lnRef idx="2">
+              <a:schemeClr val="accent1">
+                <a:shade val="50000"/>
+              </a:schemeClr>
+            </a:lnRef>
+            <a:fillRef idx="1">
+              <a:schemeClr val="accent1"/>
+            </a:fillRef>
+            <a:effectRef idx="0">
+              <a:schemeClr val="accent1"/>
+            </a:effectRef>
+            <a:fontRef idx="minor">
+              <a:schemeClr val="lt1"/>
+            </a:fontRef>
+          </p:style>
+          <p:txBody>
+            <a:bodyPr rtlCol="0" anchor="ctr"/>
+            <a:lstStyle/>
+            <a:p>
+              <a:pPr algn="ctr"/>
+              <a:endParaRPr lang="fr-FR"/>
+            </a:p>
+          </p:txBody>
+        </p:sp>
+        <p:pic>
+          <p:nvPicPr>
+            <p:cNvPr id="37" name="Image 36">
+              <a:extLst>
+                <a:ext uri="{FF2B5EF4-FFF2-40B4-BE49-F238E27FC236}">
+                  <a16:creationId xmlns:a16="http://schemas.microsoft.com/office/drawing/2014/main" id="{8C691716-92ED-2A58-3435-517C5BC6AF30}"/>
+                </a:ext>
+              </a:extLst>
+            </p:cNvPr>
+            <p:cNvPicPr>
+              <a:picLocks noChangeAspect="1"/>
+            </p:cNvPicPr>
+            <p:nvPr/>
+          </p:nvPicPr>
+          <p:blipFill>
+            <a:blip r:embed="rId8"/>
+            <a:stretch>
+              <a:fillRect/>
+            </a:stretch>
+          </p:blipFill>
+          <p:spPr>
+            <a:xfrm>
+              <a:off x="5903821" y="3513485"/>
+              <a:ext cx="1543848" cy="1061396"/>
+            </a:xfrm>
+            <a:prstGeom prst="rect">
+              <a:avLst/>
+            </a:prstGeom>
+          </p:spPr>
+        </p:pic>
+      </p:grpSp>
+      <p:grpSp>
+        <p:nvGrpSpPr>
+          <p:cNvPr id="38" name="Groupe 37">
+            <a:extLst>
+              <a:ext uri="{FF2B5EF4-FFF2-40B4-BE49-F238E27FC236}">
+                <a16:creationId xmlns:a16="http://schemas.microsoft.com/office/drawing/2014/main" id="{21D1DE82-6E57-58FB-EC35-832B21D0590C}"/>
+              </a:ext>
+            </a:extLst>
+          </p:cNvPr>
+          <p:cNvGrpSpPr/>
+          <p:nvPr/>
+        </p:nvGrpSpPr>
+        <p:grpSpPr>
+          <a:xfrm>
+            <a:off x="6248702" y="5674331"/>
+            <a:ext cx="720000" cy="720000"/>
+            <a:chOff x="5889610" y="2521193"/>
+            <a:chExt cx="1800000" cy="1800000"/>
+          </a:xfrm>
+        </p:grpSpPr>
+        <p:sp>
+          <p:nvSpPr>
+            <p:cNvPr id="39" name="Ellipse 38">
+              <a:extLst>
+                <a:ext uri="{FF2B5EF4-FFF2-40B4-BE49-F238E27FC236}">
+                  <a16:creationId xmlns:a16="http://schemas.microsoft.com/office/drawing/2014/main" id="{9E9CBEAD-CB7A-8FB6-9A5F-B463E93F9C0E}"/>
+                </a:ext>
+              </a:extLst>
+            </p:cNvPr>
+            <p:cNvSpPr/>
+            <p:nvPr/>
+          </p:nvSpPr>
+          <p:spPr>
+            <a:xfrm>
+              <a:off x="5889610" y="2521193"/>
+              <a:ext cx="1800000" cy="1800000"/>
+            </a:xfrm>
+            <a:prstGeom prst="ellipse">
+              <a:avLst/>
+            </a:prstGeom>
+            <a:solidFill>
+              <a:srgbClr val="68348B"/>
+            </a:solidFill>
+            <a:ln>
+              <a:noFill/>
+            </a:ln>
+          </p:spPr>
+          <p:style>
+            <a:lnRef idx="2">
+              <a:schemeClr val="accent1">
+                <a:shade val="50000"/>
+              </a:schemeClr>
+            </a:lnRef>
+            <a:fillRef idx="1">
+              <a:schemeClr val="accent1"/>
+            </a:fillRef>
+            <a:effectRef idx="0">
+              <a:schemeClr val="accent1"/>
+            </a:effectRef>
+            <a:fontRef idx="minor">
+              <a:schemeClr val="lt1"/>
+            </a:fontRef>
+          </p:style>
+          <p:txBody>
+            <a:bodyPr rtlCol="0" anchor="ctr"/>
+            <a:lstStyle/>
+            <a:p>
+              <a:pPr algn="ctr"/>
+              <a:endParaRPr lang="fr-FR"/>
+            </a:p>
+          </p:txBody>
+        </p:sp>
+        <p:pic>
+          <p:nvPicPr>
+            <p:cNvPr id="40" name="Image 39">
+              <a:extLst>
+                <a:ext uri="{FF2B5EF4-FFF2-40B4-BE49-F238E27FC236}">
+                  <a16:creationId xmlns:a16="http://schemas.microsoft.com/office/drawing/2014/main" id="{EC40791B-B833-96BF-9EE8-1BF3972B6BC2}"/>
+                </a:ext>
+              </a:extLst>
+            </p:cNvPr>
+            <p:cNvPicPr>
+              <a:picLocks noChangeAspect="1"/>
+            </p:cNvPicPr>
+            <p:nvPr/>
+          </p:nvPicPr>
+          <p:blipFill>
+            <a:blip r:embed="rId9"/>
+            <a:stretch>
+              <a:fillRect/>
+            </a:stretch>
+          </p:blipFill>
+          <p:spPr>
+            <a:xfrm>
+              <a:off x="6406987" y="2821142"/>
+              <a:ext cx="981469" cy="1215716"/>
+            </a:xfrm>
+            <a:prstGeom prst="rect">
+              <a:avLst/>
+            </a:prstGeom>
+          </p:spPr>
+        </p:pic>
+      </p:grpSp>
+      <p:grpSp>
+        <p:nvGrpSpPr>
+          <p:cNvPr id="41" name="Groupe 40">
+            <a:extLst>
+              <a:ext uri="{FF2B5EF4-FFF2-40B4-BE49-F238E27FC236}">
+                <a16:creationId xmlns:a16="http://schemas.microsoft.com/office/drawing/2014/main" id="{CB228F47-F258-85AB-47DB-0EEF7DB2366F}"/>
+              </a:ext>
+            </a:extLst>
+          </p:cNvPr>
+          <p:cNvGrpSpPr/>
+          <p:nvPr/>
+        </p:nvGrpSpPr>
+        <p:grpSpPr>
+          <a:xfrm>
+            <a:off x="7027544" y="5674331"/>
+            <a:ext cx="720000" cy="720000"/>
+            <a:chOff x="5440393" y="2720332"/>
+            <a:chExt cx="1284732" cy="1284732"/>
+          </a:xfrm>
+        </p:grpSpPr>
+        <p:sp>
+          <p:nvSpPr>
+            <p:cNvPr id="42" name="Ellipse 41">
+              <a:extLst>
+                <a:ext uri="{FF2B5EF4-FFF2-40B4-BE49-F238E27FC236}">
+                  <a16:creationId xmlns:a16="http://schemas.microsoft.com/office/drawing/2014/main" id="{EF745F7A-C873-962F-DE40-FD09F9F6DA1A}"/>
+                </a:ext>
+              </a:extLst>
+            </p:cNvPr>
+            <p:cNvSpPr/>
+            <p:nvPr/>
+          </p:nvSpPr>
+          <p:spPr>
+            <a:xfrm>
+              <a:off x="5440393" y="2720332"/>
+              <a:ext cx="1284732" cy="1284732"/>
+            </a:xfrm>
+            <a:prstGeom prst="ellipse">
+              <a:avLst/>
+            </a:prstGeom>
+            <a:solidFill>
+              <a:srgbClr val="68348B"/>
+            </a:solidFill>
+            <a:ln>
+              <a:noFill/>
+            </a:ln>
+          </p:spPr>
+          <p:style>
+            <a:lnRef idx="2">
+              <a:schemeClr val="accent1">
+                <a:shade val="50000"/>
+              </a:schemeClr>
+            </a:lnRef>
+            <a:fillRef idx="1">
+              <a:schemeClr val="accent1"/>
+            </a:fillRef>
+            <a:effectRef idx="0">
+              <a:schemeClr val="accent1"/>
+            </a:effectRef>
+            <a:fontRef idx="minor">
+              <a:schemeClr val="lt1"/>
+            </a:fontRef>
+          </p:style>
+          <p:txBody>
+            <a:bodyPr rtlCol="0" anchor="ctr"/>
+            <a:lstStyle/>
+            <a:p>
+              <a:pPr algn="ctr"/>
+              <a:endParaRPr lang="fr-FR"/>
+            </a:p>
+          </p:txBody>
+        </p:sp>
+        <p:pic>
+          <p:nvPicPr>
+            <p:cNvPr id="43" name="Image 42">
+              <a:extLst>
+                <a:ext uri="{FF2B5EF4-FFF2-40B4-BE49-F238E27FC236}">
+                  <a16:creationId xmlns:a16="http://schemas.microsoft.com/office/drawing/2014/main" id="{D7B3444F-DE13-4D7D-1D69-8FA450F3BFF1}"/>
+                </a:ext>
+              </a:extLst>
+            </p:cNvPr>
+            <p:cNvPicPr>
+              <a:picLocks noChangeAspect="1"/>
+            </p:cNvPicPr>
+            <p:nvPr/>
+          </p:nvPicPr>
+          <p:blipFill>
+            <a:blip r:embed="rId10"/>
+            <a:stretch>
+              <a:fillRect/>
+            </a:stretch>
+          </p:blipFill>
+          <p:spPr>
+            <a:xfrm>
+              <a:off x="5510212" y="3076575"/>
+              <a:ext cx="1171575" cy="704850"/>
+            </a:xfrm>
+            <a:prstGeom prst="rect">
+              <a:avLst/>
+            </a:prstGeom>
+          </p:spPr>
+        </p:pic>
+      </p:grpSp>
+      <p:grpSp>
+        <p:nvGrpSpPr>
+          <p:cNvPr id="56" name="Groupe 55">
+            <a:extLst>
+              <a:ext uri="{FF2B5EF4-FFF2-40B4-BE49-F238E27FC236}">
+                <a16:creationId xmlns:a16="http://schemas.microsoft.com/office/drawing/2014/main" id="{34EDC457-7EFE-088E-43B2-9A2823CC3DC4}"/>
+              </a:ext>
+            </a:extLst>
+          </p:cNvPr>
+          <p:cNvGrpSpPr/>
+          <p:nvPr/>
+        </p:nvGrpSpPr>
+        <p:grpSpPr>
+          <a:xfrm>
+            <a:off x="7783784" y="4929351"/>
+            <a:ext cx="720000" cy="720000"/>
+            <a:chOff x="4928860" y="800708"/>
+            <a:chExt cx="1800000" cy="1800000"/>
+          </a:xfrm>
+        </p:grpSpPr>
+        <p:sp>
+          <p:nvSpPr>
+            <p:cNvPr id="57" name="Ellipse 56">
+              <a:extLst>
+                <a:ext uri="{FF2B5EF4-FFF2-40B4-BE49-F238E27FC236}">
+                  <a16:creationId xmlns:a16="http://schemas.microsoft.com/office/drawing/2014/main" id="{9E8BDF5E-69BA-7266-0374-994A7B43CCE6}"/>
+                </a:ext>
+              </a:extLst>
+            </p:cNvPr>
+            <p:cNvSpPr/>
+            <p:nvPr/>
+          </p:nvSpPr>
+          <p:spPr>
+            <a:xfrm>
+              <a:off x="4928860" y="800708"/>
+              <a:ext cx="1800000" cy="1800000"/>
+            </a:xfrm>
+            <a:prstGeom prst="ellipse">
+              <a:avLst/>
+            </a:prstGeom>
+            <a:solidFill>
+              <a:srgbClr val="EF7268"/>
+            </a:solidFill>
+            <a:ln>
+              <a:noFill/>
+            </a:ln>
+          </p:spPr>
+          <p:style>
+            <a:lnRef idx="2">
+              <a:schemeClr val="accent1">
+                <a:shade val="50000"/>
+              </a:schemeClr>
+            </a:lnRef>
+            <a:fillRef idx="1">
+              <a:schemeClr val="accent1"/>
+            </a:fillRef>
+            <a:effectRef idx="0">
+              <a:schemeClr val="accent1"/>
+            </a:effectRef>
+            <a:fontRef idx="minor">
+              <a:schemeClr val="lt1"/>
+            </a:fontRef>
+          </p:style>
+          <p:txBody>
+            <a:bodyPr rtlCol="0" anchor="ctr"/>
+            <a:lstStyle/>
+            <a:p>
+              <a:pPr algn="ctr"/>
+              <a:endParaRPr lang="fr-FR"/>
+            </a:p>
+          </p:txBody>
+        </p:sp>
+        <p:pic>
+          <p:nvPicPr>
+            <p:cNvPr id="58" name="Image 57">
+              <a:extLst>
+                <a:ext uri="{FF2B5EF4-FFF2-40B4-BE49-F238E27FC236}">
+                  <a16:creationId xmlns:a16="http://schemas.microsoft.com/office/drawing/2014/main" id="{75DCB12D-20D4-5E5B-7E63-03F754772B69}"/>
+                </a:ext>
+              </a:extLst>
+            </p:cNvPr>
+            <p:cNvPicPr>
+              <a:picLocks noChangeAspect="1"/>
+            </p:cNvPicPr>
+            <p:nvPr/>
+          </p:nvPicPr>
+          <p:blipFill>
+            <a:blip r:embed="rId11"/>
+            <a:stretch>
+              <a:fillRect/>
+            </a:stretch>
+          </p:blipFill>
+          <p:spPr>
+            <a:xfrm flipH="1">
+              <a:off x="5093668" y="1037724"/>
+              <a:ext cx="1470384" cy="1470384"/>
+            </a:xfrm>
+            <a:prstGeom prst="rect">
+              <a:avLst/>
+            </a:prstGeom>
+          </p:spPr>
+        </p:pic>
+      </p:grpSp>
+      <p:grpSp>
+        <p:nvGrpSpPr>
+          <p:cNvPr id="59" name="Groupe 58">
+            <a:extLst>
+              <a:ext uri="{FF2B5EF4-FFF2-40B4-BE49-F238E27FC236}">
+                <a16:creationId xmlns:a16="http://schemas.microsoft.com/office/drawing/2014/main" id="{513CF311-4EA6-5072-A0E8-9DF704827CDD}"/>
+              </a:ext>
+            </a:extLst>
+          </p:cNvPr>
+          <p:cNvGrpSpPr/>
+          <p:nvPr/>
+        </p:nvGrpSpPr>
+        <p:grpSpPr>
+          <a:xfrm>
+            <a:off x="7806386" y="5674331"/>
+            <a:ext cx="720000" cy="720000"/>
+            <a:chOff x="5447928" y="2816932"/>
+            <a:chExt cx="1800000" cy="1800000"/>
+          </a:xfrm>
+        </p:grpSpPr>
+        <p:sp>
+          <p:nvSpPr>
+            <p:cNvPr id="60" name="Ellipse 59">
+              <a:extLst>
+                <a:ext uri="{FF2B5EF4-FFF2-40B4-BE49-F238E27FC236}">
+                  <a16:creationId xmlns:a16="http://schemas.microsoft.com/office/drawing/2014/main" id="{194FC5FE-D240-09F4-4307-9E3A72A11467}"/>
+                </a:ext>
+              </a:extLst>
+            </p:cNvPr>
+            <p:cNvSpPr/>
+            <p:nvPr/>
+          </p:nvSpPr>
+          <p:spPr>
+            <a:xfrm>
+              <a:off x="5447928" y="2816932"/>
+              <a:ext cx="1800000" cy="1800000"/>
+            </a:xfrm>
+            <a:prstGeom prst="ellipse">
+              <a:avLst/>
+            </a:prstGeom>
+            <a:solidFill>
+              <a:srgbClr val="EF7268"/>
+            </a:solidFill>
+            <a:ln>
+              <a:noFill/>
+            </a:ln>
+          </p:spPr>
+          <p:style>
+            <a:lnRef idx="2">
+              <a:schemeClr val="accent1">
+                <a:shade val="50000"/>
+              </a:schemeClr>
+            </a:lnRef>
+            <a:fillRef idx="1">
+              <a:schemeClr val="accent1"/>
+            </a:fillRef>
+            <a:effectRef idx="0">
+              <a:schemeClr val="accent1"/>
+            </a:effectRef>
+            <a:fontRef idx="minor">
+              <a:schemeClr val="lt1"/>
+            </a:fontRef>
+          </p:style>
+          <p:txBody>
+            <a:bodyPr rtlCol="0" anchor="ctr"/>
+            <a:lstStyle/>
+            <a:p>
+              <a:pPr algn="ctr"/>
+              <a:endParaRPr lang="fr-FR" dirty="0"/>
+            </a:p>
+          </p:txBody>
+        </p:sp>
+        <p:pic>
+          <p:nvPicPr>
+            <p:cNvPr id="61" name="Image 60">
+              <a:extLst>
+                <a:ext uri="{FF2B5EF4-FFF2-40B4-BE49-F238E27FC236}">
+                  <a16:creationId xmlns:a16="http://schemas.microsoft.com/office/drawing/2014/main" id="{C88284C9-837A-04E4-5371-38349D7D793D}"/>
+                </a:ext>
+              </a:extLst>
+            </p:cNvPr>
+            <p:cNvPicPr>
+              <a:picLocks noChangeAspect="1"/>
+            </p:cNvPicPr>
+            <p:nvPr/>
+          </p:nvPicPr>
+          <p:blipFill>
+            <a:blip r:embed="rId12"/>
+            <a:stretch>
+              <a:fillRect/>
+            </a:stretch>
+          </p:blipFill>
+          <p:spPr>
+            <a:xfrm flipH="1">
+              <a:off x="5627848" y="2996852"/>
+              <a:ext cx="1440160" cy="1440160"/>
+            </a:xfrm>
+            <a:prstGeom prst="rect">
+              <a:avLst/>
+            </a:prstGeom>
+          </p:spPr>
+        </p:pic>
+      </p:grpSp>
+      <p:grpSp>
+        <p:nvGrpSpPr>
+          <p:cNvPr id="62" name="Groupe 61">
+            <a:extLst>
+              <a:ext uri="{FF2B5EF4-FFF2-40B4-BE49-F238E27FC236}">
+                <a16:creationId xmlns:a16="http://schemas.microsoft.com/office/drawing/2014/main" id="{F06BCEA7-3DEF-AC5A-C85C-D0C14836135B}"/>
+              </a:ext>
+            </a:extLst>
+          </p:cNvPr>
+          <p:cNvGrpSpPr/>
+          <p:nvPr/>
+        </p:nvGrpSpPr>
+        <p:grpSpPr>
+          <a:xfrm>
+            <a:off x="7807258" y="6456282"/>
+            <a:ext cx="720000" cy="720000"/>
+            <a:chOff x="5375920" y="2931646"/>
+            <a:chExt cx="1800000" cy="1800000"/>
+          </a:xfrm>
+        </p:grpSpPr>
+        <p:sp>
+          <p:nvSpPr>
+            <p:cNvPr id="63" name="Ellipse 62">
+              <a:extLst>
+                <a:ext uri="{FF2B5EF4-FFF2-40B4-BE49-F238E27FC236}">
+                  <a16:creationId xmlns:a16="http://schemas.microsoft.com/office/drawing/2014/main" id="{AED77E1C-F40E-A805-1613-DC60B90A8AF3}"/>
+                </a:ext>
+              </a:extLst>
+            </p:cNvPr>
+            <p:cNvSpPr/>
+            <p:nvPr/>
+          </p:nvSpPr>
+          <p:spPr>
+            <a:xfrm>
+              <a:off x="5375920" y="2931646"/>
+              <a:ext cx="1800000" cy="1800000"/>
+            </a:xfrm>
+            <a:prstGeom prst="ellipse">
+              <a:avLst/>
+            </a:prstGeom>
+            <a:solidFill>
+              <a:srgbClr val="EF7268"/>
+            </a:solidFill>
+            <a:ln>
+              <a:noFill/>
+            </a:ln>
+          </p:spPr>
+          <p:style>
+            <a:lnRef idx="2">
+              <a:schemeClr val="accent1">
+                <a:shade val="50000"/>
+              </a:schemeClr>
+            </a:lnRef>
+            <a:fillRef idx="1">
+              <a:schemeClr val="accent1"/>
+            </a:fillRef>
+            <a:effectRef idx="0">
+              <a:schemeClr val="accent1"/>
+            </a:effectRef>
+            <a:fontRef idx="minor">
+              <a:schemeClr val="lt1"/>
+            </a:fontRef>
+          </p:style>
+          <p:txBody>
+            <a:bodyPr rtlCol="0" anchor="ctr"/>
+            <a:lstStyle/>
+            <a:p>
+              <a:pPr algn="ctr"/>
+              <a:endParaRPr lang="fr-FR" dirty="0"/>
+            </a:p>
+          </p:txBody>
+        </p:sp>
+        <p:pic>
+          <p:nvPicPr>
+            <p:cNvPr id="64" name="Image 63">
+              <a:extLst>
+                <a:ext uri="{FF2B5EF4-FFF2-40B4-BE49-F238E27FC236}">
+                  <a16:creationId xmlns:a16="http://schemas.microsoft.com/office/drawing/2014/main" id="{5F282C8F-0937-6922-12B3-E3731D010F60}"/>
+                </a:ext>
+              </a:extLst>
+            </p:cNvPr>
+            <p:cNvPicPr>
+              <a:picLocks noChangeAspect="1"/>
+            </p:cNvPicPr>
+            <p:nvPr/>
+          </p:nvPicPr>
+          <p:blipFill>
+            <a:blip r:embed="rId13"/>
+            <a:stretch>
+              <a:fillRect/>
+            </a:stretch>
+          </p:blipFill>
+          <p:spPr>
+            <a:xfrm>
+              <a:off x="5645850" y="3082562"/>
+              <a:ext cx="1260140" cy="1365151"/>
+            </a:xfrm>
+            <a:prstGeom prst="rect">
+              <a:avLst/>
+            </a:prstGeom>
+          </p:spPr>
+        </p:pic>
+      </p:grpSp>
+      <p:grpSp>
+        <p:nvGrpSpPr>
+          <p:cNvPr id="65" name="Groupe 64">
+            <a:extLst>
+              <a:ext uri="{FF2B5EF4-FFF2-40B4-BE49-F238E27FC236}">
+                <a16:creationId xmlns:a16="http://schemas.microsoft.com/office/drawing/2014/main" id="{25603521-F2F8-0045-9641-A2B1A56E7C89}"/>
+              </a:ext>
+            </a:extLst>
+          </p:cNvPr>
+          <p:cNvGrpSpPr/>
+          <p:nvPr/>
+        </p:nvGrpSpPr>
+        <p:grpSpPr>
+          <a:xfrm>
+            <a:off x="9365870" y="6469691"/>
+            <a:ext cx="720000" cy="720000"/>
+            <a:chOff x="5537408" y="1765068"/>
+            <a:chExt cx="1800000" cy="1800000"/>
+          </a:xfrm>
+        </p:grpSpPr>
+        <p:sp>
+          <p:nvSpPr>
+            <p:cNvPr id="66" name="Ellipse 65">
+              <a:extLst>
+                <a:ext uri="{FF2B5EF4-FFF2-40B4-BE49-F238E27FC236}">
+                  <a16:creationId xmlns:a16="http://schemas.microsoft.com/office/drawing/2014/main" id="{B3480E41-2341-6F9E-960F-3C39DB4D74B4}"/>
+                </a:ext>
+              </a:extLst>
+            </p:cNvPr>
+            <p:cNvSpPr/>
+            <p:nvPr/>
+          </p:nvSpPr>
+          <p:spPr>
+            <a:xfrm>
+              <a:off x="5537408" y="1765068"/>
+              <a:ext cx="1800000" cy="1800000"/>
+            </a:xfrm>
+            <a:prstGeom prst="ellipse">
+              <a:avLst/>
+            </a:prstGeom>
+            <a:solidFill>
+              <a:srgbClr val="EF7268"/>
+            </a:solidFill>
+            <a:ln>
+              <a:noFill/>
+            </a:ln>
+          </p:spPr>
+          <p:style>
+            <a:lnRef idx="2">
+              <a:schemeClr val="accent1">
+                <a:shade val="50000"/>
+              </a:schemeClr>
+            </a:lnRef>
+            <a:fillRef idx="1">
+              <a:schemeClr val="accent1"/>
+            </a:fillRef>
+            <a:effectRef idx="0">
+              <a:schemeClr val="accent1"/>
+            </a:effectRef>
+            <a:fontRef idx="minor">
+              <a:schemeClr val="lt1"/>
+            </a:fontRef>
+          </p:style>
+          <p:txBody>
+            <a:bodyPr rtlCol="0" anchor="ctr"/>
+            <a:lstStyle/>
+            <a:p>
+              <a:pPr algn="ctr"/>
+              <a:endParaRPr lang="fr-FR" dirty="0"/>
+            </a:p>
+          </p:txBody>
+        </p:sp>
+        <p:pic>
+          <p:nvPicPr>
+            <p:cNvPr id="67" name="Image 66">
+              <a:extLst>
+                <a:ext uri="{FF2B5EF4-FFF2-40B4-BE49-F238E27FC236}">
+                  <a16:creationId xmlns:a16="http://schemas.microsoft.com/office/drawing/2014/main" id="{D700E8F5-23E6-D20C-3026-8B9B2E7E5837}"/>
+                </a:ext>
+              </a:extLst>
+            </p:cNvPr>
+            <p:cNvPicPr>
+              <a:picLocks noChangeAspect="1"/>
+            </p:cNvPicPr>
+            <p:nvPr/>
+          </p:nvPicPr>
+          <p:blipFill>
+            <a:blip r:embed="rId14"/>
+            <a:stretch>
+              <a:fillRect/>
+            </a:stretch>
+          </p:blipFill>
+          <p:spPr>
+            <a:xfrm>
+              <a:off x="5717408" y="1945068"/>
+              <a:ext cx="1440000" cy="1440000"/>
+            </a:xfrm>
+            <a:prstGeom prst="rect">
+              <a:avLst/>
+            </a:prstGeom>
+          </p:spPr>
+        </p:pic>
+      </p:grpSp>
+      <p:grpSp>
+        <p:nvGrpSpPr>
+          <p:cNvPr id="68" name="Groupe 67">
+            <a:extLst>
+              <a:ext uri="{FF2B5EF4-FFF2-40B4-BE49-F238E27FC236}">
+                <a16:creationId xmlns:a16="http://schemas.microsoft.com/office/drawing/2014/main" id="{81D2E3D9-D74A-D890-8014-E80202EFA7E9}"/>
+              </a:ext>
+            </a:extLst>
+          </p:cNvPr>
+          <p:cNvGrpSpPr/>
+          <p:nvPr/>
+        </p:nvGrpSpPr>
+        <p:grpSpPr>
+          <a:xfrm>
+            <a:off x="8539119" y="4902694"/>
+            <a:ext cx="720000" cy="720000"/>
+            <a:chOff x="6192322" y="2195517"/>
+            <a:chExt cx="1800000" cy="1800000"/>
+          </a:xfrm>
+        </p:grpSpPr>
+        <p:sp>
+          <p:nvSpPr>
+            <p:cNvPr id="69" name="Ellipse 68">
+              <a:extLst>
+                <a:ext uri="{FF2B5EF4-FFF2-40B4-BE49-F238E27FC236}">
+                  <a16:creationId xmlns:a16="http://schemas.microsoft.com/office/drawing/2014/main" id="{C457AFAA-039C-8989-5AE0-B0110EEEE7AB}"/>
+                </a:ext>
+              </a:extLst>
+            </p:cNvPr>
+            <p:cNvSpPr/>
+            <p:nvPr/>
+          </p:nvSpPr>
+          <p:spPr>
+            <a:xfrm>
+              <a:off x="6192322" y="2195517"/>
+              <a:ext cx="1800000" cy="1800000"/>
+            </a:xfrm>
+            <a:prstGeom prst="ellipse">
+              <a:avLst/>
+            </a:prstGeom>
+            <a:solidFill>
+              <a:srgbClr val="EF7268"/>
+            </a:solidFill>
+            <a:ln>
+              <a:noFill/>
+            </a:ln>
+          </p:spPr>
+          <p:style>
+            <a:lnRef idx="2">
+              <a:schemeClr val="accent1">
+                <a:shade val="50000"/>
+              </a:schemeClr>
+            </a:lnRef>
+            <a:fillRef idx="1">
+              <a:schemeClr val="accent1"/>
+            </a:fillRef>
+            <a:effectRef idx="0">
+              <a:schemeClr val="accent1"/>
+            </a:effectRef>
+            <a:fontRef idx="minor">
+              <a:schemeClr val="lt1"/>
+            </a:fontRef>
+          </p:style>
+          <p:txBody>
+            <a:bodyPr rtlCol="0" anchor="ctr"/>
+            <a:lstStyle/>
+            <a:p>
+              <a:pPr algn="ctr"/>
+              <a:endParaRPr lang="fr-FR" dirty="0"/>
+            </a:p>
+          </p:txBody>
+        </p:sp>
+        <p:pic>
+          <p:nvPicPr>
+            <p:cNvPr id="70" name="Image 69">
+              <a:extLst>
+                <a:ext uri="{FF2B5EF4-FFF2-40B4-BE49-F238E27FC236}">
+                  <a16:creationId xmlns:a16="http://schemas.microsoft.com/office/drawing/2014/main" id="{F241F671-7BFE-06FC-E1FE-27F557C84EE4}"/>
+                </a:ext>
+              </a:extLst>
+            </p:cNvPr>
+            <p:cNvPicPr>
+              <a:picLocks noChangeAspect="1"/>
+            </p:cNvPicPr>
+            <p:nvPr/>
+          </p:nvPicPr>
+          <p:blipFill>
+            <a:blip r:embed="rId15"/>
+            <a:stretch>
+              <a:fillRect/>
+            </a:stretch>
+          </p:blipFill>
+          <p:spPr>
+            <a:xfrm>
+              <a:off x="6364515" y="2367710"/>
+              <a:ext cx="1455614" cy="1455614"/>
+            </a:xfrm>
+            <a:prstGeom prst="rect">
+              <a:avLst/>
+            </a:prstGeom>
+          </p:spPr>
+        </p:pic>
+      </p:grpSp>
+      <p:grpSp>
+        <p:nvGrpSpPr>
+          <p:cNvPr id="71" name="Groupe 70">
+            <a:extLst>
+              <a:ext uri="{FF2B5EF4-FFF2-40B4-BE49-F238E27FC236}">
+                <a16:creationId xmlns:a16="http://schemas.microsoft.com/office/drawing/2014/main" id="{A60713D3-08BE-EFB4-800F-58CEF459CA49}"/>
+              </a:ext>
+            </a:extLst>
+          </p:cNvPr>
+          <p:cNvGrpSpPr/>
+          <p:nvPr/>
+        </p:nvGrpSpPr>
+        <p:grpSpPr>
+          <a:xfrm>
+            <a:off x="9364072" y="5674331"/>
+            <a:ext cx="720000" cy="720000"/>
+            <a:chOff x="9216528" y="2114120"/>
+            <a:chExt cx="1800000" cy="1800000"/>
+          </a:xfrm>
+        </p:grpSpPr>
+        <p:sp>
+          <p:nvSpPr>
+            <p:cNvPr id="72" name="Ellipse 71">
+              <a:extLst>
+                <a:ext uri="{FF2B5EF4-FFF2-40B4-BE49-F238E27FC236}">
+                  <a16:creationId xmlns:a16="http://schemas.microsoft.com/office/drawing/2014/main" id="{0E81403E-805C-1EAE-D178-08D47DF55D60}"/>
+                </a:ext>
+              </a:extLst>
+            </p:cNvPr>
+            <p:cNvSpPr/>
+            <p:nvPr/>
+          </p:nvSpPr>
+          <p:spPr>
+            <a:xfrm>
+              <a:off x="9216528" y="2114120"/>
+              <a:ext cx="1800000" cy="1800000"/>
+            </a:xfrm>
+            <a:prstGeom prst="ellipse">
+              <a:avLst/>
+            </a:prstGeom>
+            <a:solidFill>
+              <a:srgbClr val="EF7268"/>
+            </a:solidFill>
+            <a:ln>
+              <a:noFill/>
+            </a:ln>
+          </p:spPr>
+          <p:style>
+            <a:lnRef idx="2">
+              <a:schemeClr val="accent1">
+                <a:shade val="50000"/>
+              </a:schemeClr>
+            </a:lnRef>
+            <a:fillRef idx="1">
+              <a:schemeClr val="accent1"/>
+            </a:fillRef>
+            <a:effectRef idx="0">
+              <a:schemeClr val="accent1"/>
+            </a:effectRef>
+            <a:fontRef idx="minor">
+              <a:schemeClr val="lt1"/>
+            </a:fontRef>
+          </p:style>
+          <p:txBody>
+            <a:bodyPr rtlCol="0" anchor="ctr"/>
+            <a:lstStyle/>
+            <a:p>
+              <a:pPr algn="ctr"/>
+              <a:endParaRPr lang="fr-FR" dirty="0"/>
+            </a:p>
+          </p:txBody>
+        </p:sp>
+        <p:pic>
+          <p:nvPicPr>
+            <p:cNvPr id="73" name="Image 72">
+              <a:extLst>
+                <a:ext uri="{FF2B5EF4-FFF2-40B4-BE49-F238E27FC236}">
+                  <a16:creationId xmlns:a16="http://schemas.microsoft.com/office/drawing/2014/main" id="{B9E44836-52D5-6850-3A52-2422BE07CD19}"/>
+                </a:ext>
+              </a:extLst>
+            </p:cNvPr>
+            <p:cNvPicPr>
+              <a:picLocks noChangeAspect="1"/>
+            </p:cNvPicPr>
+            <p:nvPr/>
+          </p:nvPicPr>
+          <p:blipFill>
+            <a:blip r:embed="rId16"/>
+            <a:stretch>
+              <a:fillRect/>
+            </a:stretch>
+          </p:blipFill>
+          <p:spPr>
+            <a:xfrm>
+              <a:off x="9396528" y="2294120"/>
+              <a:ext cx="1440000" cy="1440000"/>
+            </a:xfrm>
+            <a:prstGeom prst="rect">
+              <a:avLst/>
+            </a:prstGeom>
+          </p:spPr>
+        </p:pic>
+      </p:grpSp>
+      <p:grpSp>
+        <p:nvGrpSpPr>
+          <p:cNvPr id="74" name="Groupe 73">
+            <a:extLst>
+              <a:ext uri="{FF2B5EF4-FFF2-40B4-BE49-F238E27FC236}">
+                <a16:creationId xmlns:a16="http://schemas.microsoft.com/office/drawing/2014/main" id="{8FC6A7E0-6182-638F-A1B7-D8E69D4FF144}"/>
+              </a:ext>
+            </a:extLst>
+          </p:cNvPr>
+          <p:cNvGrpSpPr/>
+          <p:nvPr/>
+        </p:nvGrpSpPr>
+        <p:grpSpPr>
+          <a:xfrm>
+            <a:off x="8585228" y="5674331"/>
+            <a:ext cx="720000" cy="720000"/>
+            <a:chOff x="3533664" y="4396133"/>
+            <a:chExt cx="1800000" cy="1800000"/>
+          </a:xfrm>
+        </p:grpSpPr>
+        <p:sp>
+          <p:nvSpPr>
+            <p:cNvPr id="75" name="Ellipse 74">
+              <a:extLst>
+                <a:ext uri="{FF2B5EF4-FFF2-40B4-BE49-F238E27FC236}">
+                  <a16:creationId xmlns:a16="http://schemas.microsoft.com/office/drawing/2014/main" id="{761B656E-1793-D4D3-0078-772345A07F75}"/>
+                </a:ext>
+              </a:extLst>
+            </p:cNvPr>
+            <p:cNvSpPr/>
+            <p:nvPr/>
+          </p:nvSpPr>
+          <p:spPr>
+            <a:xfrm>
+              <a:off x="3533664" y="4396133"/>
+              <a:ext cx="1800000" cy="1800000"/>
+            </a:xfrm>
+            <a:prstGeom prst="ellipse">
+              <a:avLst/>
+            </a:prstGeom>
+            <a:solidFill>
+              <a:srgbClr val="EF7268"/>
+            </a:solidFill>
+            <a:ln>
+              <a:noFill/>
+            </a:ln>
+          </p:spPr>
+          <p:style>
+            <a:lnRef idx="2">
+              <a:schemeClr val="accent1">
+                <a:shade val="50000"/>
+              </a:schemeClr>
+            </a:lnRef>
+            <a:fillRef idx="1">
+              <a:schemeClr val="accent1"/>
+            </a:fillRef>
+            <a:effectRef idx="0">
+              <a:schemeClr val="accent1"/>
+            </a:effectRef>
+            <a:fontRef idx="minor">
+              <a:schemeClr val="lt1"/>
+            </a:fontRef>
+          </p:style>
+          <p:txBody>
+            <a:bodyPr rtlCol="0" anchor="ctr"/>
+            <a:lstStyle/>
+            <a:p>
+              <a:pPr algn="ctr"/>
+              <a:endParaRPr lang="fr-FR" dirty="0"/>
+            </a:p>
+          </p:txBody>
+        </p:sp>
+        <p:pic>
+          <p:nvPicPr>
+            <p:cNvPr id="76" name="Image 75">
+              <a:extLst>
+                <a:ext uri="{FF2B5EF4-FFF2-40B4-BE49-F238E27FC236}">
+                  <a16:creationId xmlns:a16="http://schemas.microsoft.com/office/drawing/2014/main" id="{E5EC37F4-6A06-ACC9-E930-9599FAE1B20B}"/>
+                </a:ext>
+              </a:extLst>
+            </p:cNvPr>
+            <p:cNvPicPr>
+              <a:picLocks noChangeAspect="1"/>
+            </p:cNvPicPr>
+            <p:nvPr/>
+          </p:nvPicPr>
+          <p:blipFill>
+            <a:blip r:embed="rId17"/>
+            <a:stretch>
+              <a:fillRect/>
+            </a:stretch>
+          </p:blipFill>
+          <p:spPr>
+            <a:xfrm>
+              <a:off x="3681584" y="4594762"/>
+              <a:ext cx="1427962" cy="1471564"/>
+            </a:xfrm>
+            <a:prstGeom prst="rect">
+              <a:avLst/>
+            </a:prstGeom>
+          </p:spPr>
+        </p:pic>
+      </p:grpSp>
+      <p:grpSp>
+        <p:nvGrpSpPr>
+          <p:cNvPr id="80" name="Groupe 79">
+            <a:extLst>
+              <a:ext uri="{FF2B5EF4-FFF2-40B4-BE49-F238E27FC236}">
+                <a16:creationId xmlns:a16="http://schemas.microsoft.com/office/drawing/2014/main" id="{11801F9C-D3F6-EB2F-1574-62DD29C08CCA}"/>
+              </a:ext>
+            </a:extLst>
+          </p:cNvPr>
+          <p:cNvGrpSpPr/>
+          <p:nvPr/>
+        </p:nvGrpSpPr>
+        <p:grpSpPr>
+          <a:xfrm>
+            <a:off x="8594394" y="6456282"/>
+            <a:ext cx="720000" cy="720000"/>
+            <a:chOff x="8032212" y="1081192"/>
+            <a:chExt cx="1800000" cy="1800000"/>
+          </a:xfrm>
+        </p:grpSpPr>
+        <p:sp>
+          <p:nvSpPr>
+            <p:cNvPr id="81" name="Ellipse 80">
+              <a:extLst>
+                <a:ext uri="{FF2B5EF4-FFF2-40B4-BE49-F238E27FC236}">
+                  <a16:creationId xmlns:a16="http://schemas.microsoft.com/office/drawing/2014/main" id="{3541EBBC-9F74-E34D-AEC5-90E716EAAF4D}"/>
+                </a:ext>
+              </a:extLst>
+            </p:cNvPr>
+            <p:cNvSpPr/>
+            <p:nvPr/>
+          </p:nvSpPr>
+          <p:spPr>
+            <a:xfrm>
+              <a:off x="8032212" y="1081192"/>
+              <a:ext cx="1800000" cy="1800000"/>
+            </a:xfrm>
+            <a:prstGeom prst="ellipse">
+              <a:avLst/>
+            </a:prstGeom>
+            <a:solidFill>
+              <a:srgbClr val="EF7268"/>
+            </a:solidFill>
+            <a:ln>
+              <a:noFill/>
+            </a:ln>
+          </p:spPr>
+          <p:style>
+            <a:lnRef idx="2">
+              <a:schemeClr val="accent1">
+                <a:shade val="50000"/>
+              </a:schemeClr>
+            </a:lnRef>
+            <a:fillRef idx="1">
+              <a:schemeClr val="accent1"/>
+            </a:fillRef>
+            <a:effectRef idx="0">
+              <a:schemeClr val="accent1"/>
+            </a:effectRef>
+            <a:fontRef idx="minor">
+              <a:schemeClr val="lt1"/>
+            </a:fontRef>
+          </p:style>
+          <p:txBody>
+            <a:bodyPr rtlCol="0" anchor="ctr"/>
+            <a:lstStyle/>
+            <a:p>
+              <a:pPr algn="ctr"/>
+              <a:endParaRPr lang="fr-FR" dirty="0"/>
+            </a:p>
+          </p:txBody>
+        </p:sp>
+        <p:pic>
+          <p:nvPicPr>
+            <p:cNvPr id="82" name="Image 81">
+              <a:extLst>
+                <a:ext uri="{FF2B5EF4-FFF2-40B4-BE49-F238E27FC236}">
+                  <a16:creationId xmlns:a16="http://schemas.microsoft.com/office/drawing/2014/main" id="{5D167064-F486-1FE9-24D8-E41776676822}"/>
+                </a:ext>
+              </a:extLst>
+            </p:cNvPr>
+            <p:cNvPicPr>
+              <a:picLocks noChangeAspect="1"/>
+            </p:cNvPicPr>
+            <p:nvPr/>
+          </p:nvPicPr>
+          <p:blipFill>
+            <a:blip r:embed="rId18"/>
+            <a:stretch>
+              <a:fillRect/>
+            </a:stretch>
+          </p:blipFill>
+          <p:spPr>
+            <a:xfrm flipH="1">
+              <a:off x="8307142" y="1389644"/>
+              <a:ext cx="1250140" cy="1250140"/>
+            </a:xfrm>
+            <a:prstGeom prst="rect">
+              <a:avLst/>
+            </a:prstGeom>
+          </p:spPr>
+        </p:pic>
+      </p:grpSp>
+      <p:grpSp>
+        <p:nvGrpSpPr>
+          <p:cNvPr id="83" name="Groupe 82">
+            <a:extLst>
+              <a:ext uri="{FF2B5EF4-FFF2-40B4-BE49-F238E27FC236}">
+                <a16:creationId xmlns:a16="http://schemas.microsoft.com/office/drawing/2014/main" id="{63A2DF4B-5C4A-7766-7E8F-11E05088389B}"/>
+              </a:ext>
+            </a:extLst>
+          </p:cNvPr>
+          <p:cNvGrpSpPr/>
+          <p:nvPr/>
+        </p:nvGrpSpPr>
+        <p:grpSpPr>
+          <a:xfrm>
+            <a:off x="3558070" y="4868011"/>
+            <a:ext cx="720000" cy="720000"/>
+            <a:chOff x="4197400" y="3547713"/>
+            <a:chExt cx="1800000" cy="1800000"/>
+          </a:xfrm>
+        </p:grpSpPr>
+        <p:sp>
+          <p:nvSpPr>
+            <p:cNvPr id="84" name="Ellipse 83">
+              <a:extLst>
+                <a:ext uri="{FF2B5EF4-FFF2-40B4-BE49-F238E27FC236}">
+                  <a16:creationId xmlns:a16="http://schemas.microsoft.com/office/drawing/2014/main" id="{DBA668CF-E768-75B5-9EB1-7715BF599A07}"/>
+                </a:ext>
+              </a:extLst>
+            </p:cNvPr>
+            <p:cNvSpPr/>
+            <p:nvPr/>
+          </p:nvSpPr>
+          <p:spPr>
+            <a:xfrm>
+              <a:off x="4197400" y="3547713"/>
+              <a:ext cx="1800000" cy="1800000"/>
+            </a:xfrm>
+            <a:prstGeom prst="ellipse">
+              <a:avLst/>
+            </a:prstGeom>
+            <a:solidFill>
+              <a:srgbClr val="FFB25A"/>
+            </a:solidFill>
+            <a:ln>
+              <a:noFill/>
+            </a:ln>
+          </p:spPr>
+          <p:style>
+            <a:lnRef idx="2">
+              <a:schemeClr val="accent1">
+                <a:shade val="50000"/>
+              </a:schemeClr>
+            </a:lnRef>
+            <a:fillRef idx="1">
+              <a:schemeClr val="accent1"/>
+            </a:fillRef>
+            <a:effectRef idx="0">
+              <a:schemeClr val="accent1"/>
+            </a:effectRef>
+            <a:fontRef idx="minor">
+              <a:schemeClr val="lt1"/>
+            </a:fontRef>
+          </p:style>
+          <p:txBody>
+            <a:bodyPr rtlCol="0" anchor="ctr"/>
+            <a:lstStyle/>
+            <a:p>
+              <a:pPr algn="ctr"/>
+              <a:endParaRPr lang="fr-FR"/>
+            </a:p>
+          </p:txBody>
+        </p:sp>
+        <p:pic>
+          <p:nvPicPr>
+            <p:cNvPr id="85" name="Image 84">
+              <a:extLst>
+                <a:ext uri="{FF2B5EF4-FFF2-40B4-BE49-F238E27FC236}">
+                  <a16:creationId xmlns:a16="http://schemas.microsoft.com/office/drawing/2014/main" id="{560332E7-C573-698E-2AEB-2353B41CF9E7}"/>
+                </a:ext>
+              </a:extLst>
+            </p:cNvPr>
+            <p:cNvPicPr>
+              <a:picLocks noChangeAspect="1"/>
+            </p:cNvPicPr>
+            <p:nvPr/>
+          </p:nvPicPr>
+          <p:blipFill>
+            <a:blip r:embed="rId19"/>
+            <a:stretch>
+              <a:fillRect/>
+            </a:stretch>
+          </p:blipFill>
+          <p:spPr>
+            <a:xfrm>
+              <a:off x="4526157" y="3876470"/>
+              <a:ext cx="1142486" cy="1142486"/>
+            </a:xfrm>
+            <a:prstGeom prst="rect">
+              <a:avLst/>
+            </a:prstGeom>
+          </p:spPr>
+        </p:pic>
+      </p:grpSp>
+      <p:grpSp>
+        <p:nvGrpSpPr>
+          <p:cNvPr id="86" name="Groupe 85">
+            <a:extLst>
+              <a:ext uri="{FF2B5EF4-FFF2-40B4-BE49-F238E27FC236}">
+                <a16:creationId xmlns:a16="http://schemas.microsoft.com/office/drawing/2014/main" id="{CE6C8CD0-94C2-4559-FD07-EFD1362FE27C}"/>
+              </a:ext>
+            </a:extLst>
+          </p:cNvPr>
+          <p:cNvGrpSpPr/>
+          <p:nvPr/>
+        </p:nvGrpSpPr>
+        <p:grpSpPr>
+          <a:xfrm>
+            <a:off x="3570312" y="5709808"/>
+            <a:ext cx="720000" cy="720000"/>
+            <a:chOff x="7678726" y="3872661"/>
+            <a:chExt cx="1800000" cy="1800000"/>
+          </a:xfrm>
+        </p:grpSpPr>
+        <p:sp>
+          <p:nvSpPr>
+            <p:cNvPr id="87" name="Ellipse 86">
+              <a:extLst>
+                <a:ext uri="{FF2B5EF4-FFF2-40B4-BE49-F238E27FC236}">
+                  <a16:creationId xmlns:a16="http://schemas.microsoft.com/office/drawing/2014/main" id="{D2E1BE25-A86E-559D-1779-69D5B392C378}"/>
+                </a:ext>
+              </a:extLst>
+            </p:cNvPr>
+            <p:cNvSpPr/>
+            <p:nvPr/>
+          </p:nvSpPr>
+          <p:spPr>
+            <a:xfrm>
+              <a:off x="7678726" y="3872661"/>
+              <a:ext cx="1800000" cy="1800000"/>
+            </a:xfrm>
+            <a:prstGeom prst="ellipse">
+              <a:avLst/>
+            </a:prstGeom>
+            <a:solidFill>
+              <a:srgbClr val="FFB25A"/>
+            </a:solidFill>
+            <a:ln>
+              <a:noFill/>
+            </a:ln>
+          </p:spPr>
+          <p:style>
+            <a:lnRef idx="2">
+              <a:schemeClr val="accent1">
+                <a:shade val="50000"/>
+              </a:schemeClr>
+            </a:lnRef>
+            <a:fillRef idx="1">
+              <a:schemeClr val="accent1"/>
+            </a:fillRef>
+            <a:effectRef idx="0">
+              <a:schemeClr val="accent1"/>
+            </a:effectRef>
+            <a:fontRef idx="minor">
+              <a:schemeClr val="lt1"/>
+            </a:fontRef>
+          </p:style>
+          <p:txBody>
+            <a:bodyPr rtlCol="0" anchor="ctr"/>
+            <a:lstStyle/>
+            <a:p>
+              <a:pPr algn="ctr"/>
+              <a:endParaRPr lang="fr-FR" dirty="0"/>
+            </a:p>
+          </p:txBody>
+        </p:sp>
+        <p:pic>
+          <p:nvPicPr>
+            <p:cNvPr id="88" name="Image 87">
+              <a:extLst>
+                <a:ext uri="{FF2B5EF4-FFF2-40B4-BE49-F238E27FC236}">
+                  <a16:creationId xmlns:a16="http://schemas.microsoft.com/office/drawing/2014/main" id="{E2AB309A-A433-0AC3-AC27-0D82EA85587C}"/>
+                </a:ext>
+              </a:extLst>
+            </p:cNvPr>
+            <p:cNvPicPr>
+              <a:picLocks noChangeAspect="1"/>
+            </p:cNvPicPr>
+            <p:nvPr/>
+          </p:nvPicPr>
+          <p:blipFill>
+            <a:blip r:embed="rId20"/>
+            <a:stretch>
+              <a:fillRect/>
+            </a:stretch>
+          </p:blipFill>
+          <p:spPr>
+            <a:xfrm>
+              <a:off x="7878769" y="4372687"/>
+              <a:ext cx="1399914" cy="799950"/>
+            </a:xfrm>
+            <a:prstGeom prst="rect">
+              <a:avLst/>
+            </a:prstGeom>
+          </p:spPr>
+        </p:pic>
+      </p:grpSp>
+      <p:grpSp>
+        <p:nvGrpSpPr>
+          <p:cNvPr id="89" name="Groupe 88">
+            <a:extLst>
+              <a:ext uri="{FF2B5EF4-FFF2-40B4-BE49-F238E27FC236}">
+                <a16:creationId xmlns:a16="http://schemas.microsoft.com/office/drawing/2014/main" id="{996576B1-993F-251F-3D66-55CA81AEEFCD}"/>
+              </a:ext>
+            </a:extLst>
+          </p:cNvPr>
+          <p:cNvGrpSpPr/>
+          <p:nvPr/>
+        </p:nvGrpSpPr>
+        <p:grpSpPr>
+          <a:xfrm>
+            <a:off x="692813" y="1173121"/>
+            <a:ext cx="720000" cy="720000"/>
+            <a:chOff x="5223986" y="2758228"/>
+            <a:chExt cx="1800000" cy="1800000"/>
+          </a:xfrm>
+        </p:grpSpPr>
+        <p:sp>
+          <p:nvSpPr>
+            <p:cNvPr id="90" name="Ellipse 89">
+              <a:extLst>
+                <a:ext uri="{FF2B5EF4-FFF2-40B4-BE49-F238E27FC236}">
+                  <a16:creationId xmlns:a16="http://schemas.microsoft.com/office/drawing/2014/main" id="{9167A067-C551-B01A-9020-F1B26310D1FD}"/>
+                </a:ext>
+              </a:extLst>
+            </p:cNvPr>
+            <p:cNvSpPr/>
+            <p:nvPr/>
+          </p:nvSpPr>
+          <p:spPr>
+            <a:xfrm>
+              <a:off x="5223986" y="2758228"/>
+              <a:ext cx="1800000" cy="1800000"/>
+            </a:xfrm>
+            <a:prstGeom prst="ellipse">
+              <a:avLst/>
+            </a:prstGeom>
+            <a:solidFill>
+              <a:srgbClr val="00517A"/>
+            </a:solidFill>
+            <a:ln>
+              <a:noFill/>
+            </a:ln>
+          </p:spPr>
+          <p:style>
+            <a:lnRef idx="2">
+              <a:schemeClr val="accent1">
+                <a:shade val="50000"/>
+              </a:schemeClr>
+            </a:lnRef>
+            <a:fillRef idx="1">
+              <a:schemeClr val="accent1"/>
+            </a:fillRef>
+            <a:effectRef idx="0">
+              <a:schemeClr val="accent1"/>
+            </a:effectRef>
+            <a:fontRef idx="minor">
+              <a:schemeClr val="lt1"/>
+            </a:fontRef>
+          </p:style>
+          <p:txBody>
+            <a:bodyPr rtlCol="0" anchor="ctr"/>
+            <a:lstStyle/>
+            <a:p>
+              <a:pPr algn="ctr"/>
+              <a:endParaRPr lang="fr-FR"/>
+            </a:p>
+          </p:txBody>
+        </p:sp>
+        <p:pic>
+          <p:nvPicPr>
+            <p:cNvPr id="91" name="Image 90">
+              <a:extLst>
+                <a:ext uri="{FF2B5EF4-FFF2-40B4-BE49-F238E27FC236}">
+                  <a16:creationId xmlns:a16="http://schemas.microsoft.com/office/drawing/2014/main" id="{EB5AF55F-DE7A-158B-A1DD-ADE126201E6E}"/>
+                </a:ext>
+              </a:extLst>
+            </p:cNvPr>
+            <p:cNvPicPr>
+              <a:picLocks noChangeAspect="1"/>
+            </p:cNvPicPr>
+            <p:nvPr/>
+          </p:nvPicPr>
+          <p:blipFill>
+            <a:blip r:embed="rId21"/>
+            <a:stretch>
+              <a:fillRect/>
+            </a:stretch>
+          </p:blipFill>
+          <p:spPr>
+            <a:xfrm>
+              <a:off x="5474001" y="3149783"/>
+              <a:ext cx="1244000" cy="937860"/>
+            </a:xfrm>
+            <a:prstGeom prst="rect">
+              <a:avLst/>
+            </a:prstGeom>
+          </p:spPr>
+        </p:pic>
+      </p:grpSp>
+      <p:grpSp>
+        <p:nvGrpSpPr>
+          <p:cNvPr id="92" name="Groupe 91">
+            <a:extLst>
+              <a:ext uri="{FF2B5EF4-FFF2-40B4-BE49-F238E27FC236}">
+                <a16:creationId xmlns:a16="http://schemas.microsoft.com/office/drawing/2014/main" id="{3B94BDCA-E196-2EC9-249B-FAE5745DCA92}"/>
+              </a:ext>
+            </a:extLst>
+          </p:cNvPr>
+          <p:cNvGrpSpPr/>
+          <p:nvPr/>
+        </p:nvGrpSpPr>
+        <p:grpSpPr>
+          <a:xfrm>
+            <a:off x="676750" y="2077375"/>
+            <a:ext cx="720000" cy="720000"/>
+            <a:chOff x="6744981" y="188640"/>
+            <a:chExt cx="1800000" cy="1800000"/>
+          </a:xfrm>
+        </p:grpSpPr>
+        <p:sp>
+          <p:nvSpPr>
+            <p:cNvPr id="93" name="Ellipse 92">
+              <a:extLst>
+                <a:ext uri="{FF2B5EF4-FFF2-40B4-BE49-F238E27FC236}">
+                  <a16:creationId xmlns:a16="http://schemas.microsoft.com/office/drawing/2014/main" id="{FC41EC6E-5D90-0831-BA7A-C76BD60A8960}"/>
+                </a:ext>
+              </a:extLst>
+            </p:cNvPr>
+            <p:cNvSpPr/>
+            <p:nvPr/>
+          </p:nvSpPr>
+          <p:spPr>
+            <a:xfrm>
+              <a:off x="6744981" y="188640"/>
+              <a:ext cx="1800000" cy="1800000"/>
+            </a:xfrm>
+            <a:prstGeom prst="ellipse">
+              <a:avLst/>
+            </a:prstGeom>
+            <a:solidFill>
+              <a:srgbClr val="00517A"/>
+            </a:solidFill>
+            <a:ln>
+              <a:noFill/>
+            </a:ln>
+          </p:spPr>
+          <p:style>
+            <a:lnRef idx="2">
+              <a:schemeClr val="accent1">
+                <a:shade val="50000"/>
+              </a:schemeClr>
+            </a:lnRef>
+            <a:fillRef idx="1">
+              <a:schemeClr val="accent1"/>
+            </a:fillRef>
+            <a:effectRef idx="0">
+              <a:schemeClr val="accent1"/>
+            </a:effectRef>
+            <a:fontRef idx="minor">
+              <a:schemeClr val="lt1"/>
+            </a:fontRef>
+          </p:style>
+          <p:txBody>
+            <a:bodyPr rtlCol="0" anchor="ctr"/>
+            <a:lstStyle/>
+            <a:p>
+              <a:pPr algn="ctr"/>
+              <a:endParaRPr lang="fr-FR"/>
+            </a:p>
+          </p:txBody>
+        </p:sp>
+        <p:pic>
+          <p:nvPicPr>
+            <p:cNvPr id="94" name="Image 93">
+              <a:extLst>
+                <a:ext uri="{FF2B5EF4-FFF2-40B4-BE49-F238E27FC236}">
+                  <a16:creationId xmlns:a16="http://schemas.microsoft.com/office/drawing/2014/main" id="{C0387A09-7663-BBB7-F6ED-3B1C8A82B067}"/>
+                </a:ext>
+              </a:extLst>
+            </p:cNvPr>
+            <p:cNvPicPr>
+              <a:picLocks noChangeAspect="1"/>
+            </p:cNvPicPr>
+            <p:nvPr/>
+          </p:nvPicPr>
+          <p:blipFill>
+            <a:blip r:embed="rId22"/>
+            <a:stretch>
+              <a:fillRect/>
+            </a:stretch>
+          </p:blipFill>
+          <p:spPr>
+            <a:xfrm>
+              <a:off x="7068917" y="550319"/>
+              <a:ext cx="1152128" cy="1152128"/>
+            </a:xfrm>
+            <a:prstGeom prst="rect">
+              <a:avLst/>
+            </a:prstGeom>
+          </p:spPr>
+        </p:pic>
+      </p:grpSp>
+      <p:grpSp>
+        <p:nvGrpSpPr>
+          <p:cNvPr id="95" name="Groupe 94">
+            <a:extLst>
+              <a:ext uri="{FF2B5EF4-FFF2-40B4-BE49-F238E27FC236}">
+                <a16:creationId xmlns:a16="http://schemas.microsoft.com/office/drawing/2014/main" id="{DDDE2C3A-F3E0-DAC0-B1B9-6C78F26EF5DF}"/>
+              </a:ext>
+            </a:extLst>
+          </p:cNvPr>
+          <p:cNvGrpSpPr/>
+          <p:nvPr/>
+        </p:nvGrpSpPr>
+        <p:grpSpPr>
+          <a:xfrm>
+            <a:off x="5027131" y="448460"/>
+            <a:ext cx="720000" cy="720000"/>
+            <a:chOff x="6138169" y="4069439"/>
+            <a:chExt cx="1800000" cy="1800000"/>
+          </a:xfrm>
+        </p:grpSpPr>
+        <p:sp>
+          <p:nvSpPr>
+            <p:cNvPr id="96" name="Ellipse 95">
+              <a:extLst>
+                <a:ext uri="{FF2B5EF4-FFF2-40B4-BE49-F238E27FC236}">
+                  <a16:creationId xmlns:a16="http://schemas.microsoft.com/office/drawing/2014/main" id="{40EF35A4-B8C5-7FB7-2D9C-AFB3C0F25865}"/>
+                </a:ext>
+              </a:extLst>
+            </p:cNvPr>
+            <p:cNvSpPr/>
+            <p:nvPr/>
+          </p:nvSpPr>
+          <p:spPr>
+            <a:xfrm>
+              <a:off x="6138169" y="4069439"/>
+              <a:ext cx="1800000" cy="1800000"/>
+            </a:xfrm>
+            <a:prstGeom prst="ellipse">
+              <a:avLst/>
+            </a:prstGeom>
+            <a:solidFill>
+              <a:srgbClr val="00547F"/>
+            </a:solidFill>
+            <a:ln>
+              <a:noFill/>
+            </a:ln>
+          </p:spPr>
+          <p:style>
+            <a:lnRef idx="2">
+              <a:schemeClr val="accent1">
+                <a:shade val="50000"/>
+              </a:schemeClr>
+            </a:lnRef>
+            <a:fillRef idx="1">
+              <a:schemeClr val="accent1"/>
+            </a:fillRef>
+            <a:effectRef idx="0">
+              <a:schemeClr val="accent1"/>
+            </a:effectRef>
+            <a:fontRef idx="minor">
+              <a:schemeClr val="lt1"/>
+            </a:fontRef>
+          </p:style>
+          <p:txBody>
+            <a:bodyPr rtlCol="0" anchor="ctr"/>
+            <a:lstStyle/>
+            <a:p>
+              <a:pPr algn="ctr"/>
+              <a:endParaRPr lang="fr-FR"/>
+            </a:p>
+          </p:txBody>
+        </p:sp>
+        <p:pic>
+          <p:nvPicPr>
+            <p:cNvPr id="97" name="Image 96">
+              <a:extLst>
+                <a:ext uri="{FF2B5EF4-FFF2-40B4-BE49-F238E27FC236}">
+                  <a16:creationId xmlns:a16="http://schemas.microsoft.com/office/drawing/2014/main" id="{C49B5F26-1D55-FFE4-DA8A-DF3D370B2ED0}"/>
+                </a:ext>
+              </a:extLst>
+            </p:cNvPr>
+            <p:cNvPicPr>
+              <a:picLocks noChangeAspect="1"/>
+            </p:cNvPicPr>
+            <p:nvPr/>
+          </p:nvPicPr>
+          <p:blipFill>
+            <a:blip r:embed="rId23"/>
+            <a:stretch>
+              <a:fillRect/>
+            </a:stretch>
+          </p:blipFill>
+          <p:spPr>
+            <a:xfrm>
+              <a:off x="6243433" y="4174703"/>
+              <a:ext cx="1589472" cy="1589472"/>
+            </a:xfrm>
+            <a:prstGeom prst="rect">
+              <a:avLst/>
+            </a:prstGeom>
+          </p:spPr>
+        </p:pic>
+      </p:grpSp>
+      <p:grpSp>
+        <p:nvGrpSpPr>
+          <p:cNvPr id="98" name="Groupe 97">
+            <a:extLst>
+              <a:ext uri="{FF2B5EF4-FFF2-40B4-BE49-F238E27FC236}">
+                <a16:creationId xmlns:a16="http://schemas.microsoft.com/office/drawing/2014/main" id="{040B42E3-E3BD-0DCE-0FB8-7C98B63E5B70}"/>
+              </a:ext>
+            </a:extLst>
+          </p:cNvPr>
+          <p:cNvGrpSpPr/>
+          <p:nvPr/>
+        </p:nvGrpSpPr>
+        <p:grpSpPr>
+          <a:xfrm>
+            <a:off x="5022316" y="1226247"/>
+            <a:ext cx="720000" cy="720000"/>
+            <a:chOff x="5013689" y="3604429"/>
+            <a:chExt cx="1800000" cy="1800000"/>
+          </a:xfrm>
+        </p:grpSpPr>
+        <p:sp>
+          <p:nvSpPr>
+            <p:cNvPr id="99" name="Ellipse 98">
+              <a:extLst>
+                <a:ext uri="{FF2B5EF4-FFF2-40B4-BE49-F238E27FC236}">
+                  <a16:creationId xmlns:a16="http://schemas.microsoft.com/office/drawing/2014/main" id="{7BFA7E25-0B57-65B6-C299-2676CA932948}"/>
+                </a:ext>
+              </a:extLst>
+            </p:cNvPr>
+            <p:cNvSpPr/>
+            <p:nvPr/>
+          </p:nvSpPr>
+          <p:spPr>
+            <a:xfrm>
+              <a:off x="5013689" y="3604429"/>
+              <a:ext cx="1800000" cy="1800000"/>
+            </a:xfrm>
+            <a:prstGeom prst="ellipse">
+              <a:avLst/>
+            </a:prstGeom>
+            <a:solidFill>
+              <a:srgbClr val="00547F"/>
+            </a:solidFill>
+            <a:ln>
+              <a:noFill/>
+            </a:ln>
+          </p:spPr>
+          <p:style>
+            <a:lnRef idx="2">
+              <a:schemeClr val="accent1">
+                <a:shade val="50000"/>
+              </a:schemeClr>
+            </a:lnRef>
+            <a:fillRef idx="1">
+              <a:schemeClr val="accent1"/>
+            </a:fillRef>
+            <a:effectRef idx="0">
+              <a:schemeClr val="accent1"/>
+            </a:effectRef>
+            <a:fontRef idx="minor">
+              <a:schemeClr val="lt1"/>
+            </a:fontRef>
+          </p:style>
+          <p:txBody>
+            <a:bodyPr rtlCol="0" anchor="ctr"/>
+            <a:lstStyle/>
+            <a:p>
+              <a:pPr algn="ctr"/>
+              <a:endParaRPr lang="fr-FR"/>
+            </a:p>
+          </p:txBody>
+        </p:sp>
+        <p:pic>
+          <p:nvPicPr>
+            <p:cNvPr id="100" name="Image 99">
+              <a:extLst>
+                <a:ext uri="{FF2B5EF4-FFF2-40B4-BE49-F238E27FC236}">
+                  <a16:creationId xmlns:a16="http://schemas.microsoft.com/office/drawing/2014/main" id="{8C6581D4-FAE4-7225-60FB-B12F284E9C91}"/>
+                </a:ext>
+              </a:extLst>
+            </p:cNvPr>
+            <p:cNvPicPr>
+              <a:picLocks noChangeAspect="1"/>
+            </p:cNvPicPr>
+            <p:nvPr/>
+          </p:nvPicPr>
+          <p:blipFill>
+            <a:blip r:embed="rId24"/>
+            <a:stretch>
+              <a:fillRect/>
+            </a:stretch>
+          </p:blipFill>
+          <p:spPr>
+            <a:xfrm>
+              <a:off x="5457424" y="3852621"/>
+              <a:ext cx="912531" cy="1303616"/>
+            </a:xfrm>
+            <a:prstGeom prst="rect">
+              <a:avLst/>
+            </a:prstGeom>
+          </p:spPr>
+        </p:pic>
+      </p:grpSp>
+      <p:grpSp>
+        <p:nvGrpSpPr>
+          <p:cNvPr id="101" name="Groupe 100">
+            <a:extLst>
+              <a:ext uri="{FF2B5EF4-FFF2-40B4-BE49-F238E27FC236}">
+                <a16:creationId xmlns:a16="http://schemas.microsoft.com/office/drawing/2014/main" id="{32A58B3C-23CB-0CAF-3F1E-4CEF3C010222}"/>
+              </a:ext>
+            </a:extLst>
+          </p:cNvPr>
+          <p:cNvGrpSpPr/>
+          <p:nvPr/>
+        </p:nvGrpSpPr>
+        <p:grpSpPr>
+          <a:xfrm>
+            <a:off x="2312044" y="450971"/>
+            <a:ext cx="720000" cy="720000"/>
+            <a:chOff x="6669297" y="3242023"/>
+            <a:chExt cx="1800000" cy="1800000"/>
+          </a:xfrm>
+        </p:grpSpPr>
+        <p:sp>
+          <p:nvSpPr>
+            <p:cNvPr id="102" name="Ellipse 101">
+              <a:extLst>
+                <a:ext uri="{FF2B5EF4-FFF2-40B4-BE49-F238E27FC236}">
+                  <a16:creationId xmlns:a16="http://schemas.microsoft.com/office/drawing/2014/main" id="{D6DB0FDD-AAE3-4CFB-AFCE-32E938485895}"/>
+                </a:ext>
+              </a:extLst>
+            </p:cNvPr>
+            <p:cNvSpPr/>
+            <p:nvPr/>
+          </p:nvSpPr>
+          <p:spPr>
+            <a:xfrm>
+              <a:off x="6669297" y="3242023"/>
+              <a:ext cx="1800000" cy="1800000"/>
+            </a:xfrm>
+            <a:prstGeom prst="ellipse">
+              <a:avLst/>
+            </a:prstGeom>
+            <a:solidFill>
+              <a:srgbClr val="00517A"/>
+            </a:solidFill>
+            <a:ln>
+              <a:noFill/>
+            </a:ln>
+          </p:spPr>
+          <p:style>
+            <a:lnRef idx="2">
+              <a:schemeClr val="accent1">
+                <a:shade val="50000"/>
+              </a:schemeClr>
+            </a:lnRef>
+            <a:fillRef idx="1">
+              <a:schemeClr val="accent1"/>
+            </a:fillRef>
+            <a:effectRef idx="0">
+              <a:schemeClr val="accent1"/>
+            </a:effectRef>
+            <a:fontRef idx="minor">
+              <a:schemeClr val="lt1"/>
+            </a:fontRef>
+          </p:style>
+          <p:txBody>
+            <a:bodyPr rtlCol="0" anchor="ctr"/>
+            <a:lstStyle/>
+            <a:p>
+              <a:pPr algn="ctr"/>
+              <a:endParaRPr lang="fr-FR" dirty="0"/>
+            </a:p>
+          </p:txBody>
+        </p:sp>
+        <p:pic>
+          <p:nvPicPr>
+            <p:cNvPr id="103" name="Image 102">
+              <a:extLst>
+                <a:ext uri="{FF2B5EF4-FFF2-40B4-BE49-F238E27FC236}">
+                  <a16:creationId xmlns:a16="http://schemas.microsoft.com/office/drawing/2014/main" id="{A22DFDFF-B08E-0981-059C-A4CF19C7D8B8}"/>
+                </a:ext>
+              </a:extLst>
+            </p:cNvPr>
+            <p:cNvPicPr>
+              <a:picLocks noChangeAspect="1"/>
+            </p:cNvPicPr>
+            <p:nvPr/>
+          </p:nvPicPr>
+          <p:blipFill>
+            <a:blip r:embed="rId25"/>
+            <a:stretch>
+              <a:fillRect/>
+            </a:stretch>
+          </p:blipFill>
+          <p:spPr>
+            <a:xfrm>
+              <a:off x="6916334" y="3489060"/>
+              <a:ext cx="1305927" cy="1305927"/>
+            </a:xfrm>
+            <a:prstGeom prst="rect">
+              <a:avLst/>
+            </a:prstGeom>
+          </p:spPr>
+        </p:pic>
+      </p:grpSp>
+      <p:grpSp>
+        <p:nvGrpSpPr>
+          <p:cNvPr id="104" name="Groupe 103">
+            <a:extLst>
+              <a:ext uri="{FF2B5EF4-FFF2-40B4-BE49-F238E27FC236}">
+                <a16:creationId xmlns:a16="http://schemas.microsoft.com/office/drawing/2014/main" id="{E583D5AF-4882-1A42-CAC4-040B77ACC4CF}"/>
+              </a:ext>
+            </a:extLst>
+          </p:cNvPr>
+          <p:cNvGrpSpPr/>
+          <p:nvPr/>
+        </p:nvGrpSpPr>
+        <p:grpSpPr>
+          <a:xfrm>
+            <a:off x="3113069" y="1235578"/>
+            <a:ext cx="720000" cy="720000"/>
+            <a:chOff x="7467428" y="2677562"/>
+            <a:chExt cx="1800000" cy="1800000"/>
+          </a:xfrm>
+        </p:grpSpPr>
+        <p:sp>
+          <p:nvSpPr>
+            <p:cNvPr id="105" name="Ellipse 104">
+              <a:extLst>
+                <a:ext uri="{FF2B5EF4-FFF2-40B4-BE49-F238E27FC236}">
+                  <a16:creationId xmlns:a16="http://schemas.microsoft.com/office/drawing/2014/main" id="{CD8752AC-9DCA-40FC-0087-6C8585D70296}"/>
+                </a:ext>
+              </a:extLst>
+            </p:cNvPr>
+            <p:cNvSpPr/>
+            <p:nvPr/>
+          </p:nvSpPr>
+          <p:spPr>
+            <a:xfrm>
+              <a:off x="7467428" y="2677562"/>
+              <a:ext cx="1800000" cy="1800000"/>
+            </a:xfrm>
+            <a:prstGeom prst="ellipse">
+              <a:avLst/>
+            </a:prstGeom>
+            <a:solidFill>
+              <a:srgbClr val="00517A"/>
+            </a:solidFill>
+            <a:ln>
+              <a:noFill/>
+            </a:ln>
+          </p:spPr>
+          <p:style>
+            <a:lnRef idx="2">
+              <a:schemeClr val="accent1">
+                <a:shade val="50000"/>
+              </a:schemeClr>
+            </a:lnRef>
+            <a:fillRef idx="1">
+              <a:schemeClr val="accent1"/>
+            </a:fillRef>
+            <a:effectRef idx="0">
+              <a:schemeClr val="accent1"/>
+            </a:effectRef>
+            <a:fontRef idx="minor">
+              <a:schemeClr val="lt1"/>
+            </a:fontRef>
+          </p:style>
+          <p:txBody>
+            <a:bodyPr rtlCol="0" anchor="ctr"/>
+            <a:lstStyle/>
+            <a:p>
+              <a:pPr algn="ctr"/>
+              <a:endParaRPr lang="fr-FR" dirty="0"/>
+            </a:p>
+          </p:txBody>
+        </p:sp>
+        <p:pic>
+          <p:nvPicPr>
+            <p:cNvPr id="106" name="Image 105">
+              <a:extLst>
+                <a:ext uri="{FF2B5EF4-FFF2-40B4-BE49-F238E27FC236}">
+                  <a16:creationId xmlns:a16="http://schemas.microsoft.com/office/drawing/2014/main" id="{F9BC39F6-4D34-C8F4-B52D-570245D36BB1}"/>
+                </a:ext>
+              </a:extLst>
+            </p:cNvPr>
+            <p:cNvPicPr>
+              <a:picLocks noChangeAspect="1"/>
+            </p:cNvPicPr>
+            <p:nvPr/>
+          </p:nvPicPr>
+          <p:blipFill>
+            <a:blip r:embed="rId26"/>
+            <a:stretch>
+              <a:fillRect/>
+            </a:stretch>
+          </p:blipFill>
+          <p:spPr>
+            <a:xfrm>
+              <a:off x="7567027" y="2784504"/>
+              <a:ext cx="1592444" cy="1592444"/>
+            </a:xfrm>
+            <a:prstGeom prst="rect">
+              <a:avLst/>
+            </a:prstGeom>
+          </p:spPr>
+        </p:pic>
+      </p:grpSp>
+      <p:grpSp>
+        <p:nvGrpSpPr>
+          <p:cNvPr id="107" name="Groupe 106">
+            <a:extLst>
+              <a:ext uri="{FF2B5EF4-FFF2-40B4-BE49-F238E27FC236}">
+                <a16:creationId xmlns:a16="http://schemas.microsoft.com/office/drawing/2014/main" id="{20281016-D4B8-57DC-4DE6-F2919D06B7A2}"/>
+              </a:ext>
+            </a:extLst>
+          </p:cNvPr>
+          <p:cNvGrpSpPr/>
+          <p:nvPr/>
+        </p:nvGrpSpPr>
+        <p:grpSpPr>
+          <a:xfrm>
+            <a:off x="2312044" y="1226775"/>
+            <a:ext cx="720000" cy="720000"/>
+            <a:chOff x="5404964" y="4396133"/>
+            <a:chExt cx="1800000" cy="1800000"/>
+          </a:xfrm>
+        </p:grpSpPr>
+        <p:sp>
+          <p:nvSpPr>
+            <p:cNvPr id="108" name="Ellipse 107">
+              <a:extLst>
+                <a:ext uri="{FF2B5EF4-FFF2-40B4-BE49-F238E27FC236}">
+                  <a16:creationId xmlns:a16="http://schemas.microsoft.com/office/drawing/2014/main" id="{A7526B61-6D27-E510-6A33-2645E30BB671}"/>
+                </a:ext>
+              </a:extLst>
+            </p:cNvPr>
+            <p:cNvSpPr/>
+            <p:nvPr/>
+          </p:nvSpPr>
+          <p:spPr>
+            <a:xfrm>
+              <a:off x="5404964" y="4396133"/>
+              <a:ext cx="1800000" cy="1800000"/>
+            </a:xfrm>
+            <a:prstGeom prst="ellipse">
+              <a:avLst/>
+            </a:prstGeom>
+            <a:solidFill>
+              <a:srgbClr val="00517A"/>
+            </a:solidFill>
+            <a:ln>
+              <a:noFill/>
+            </a:ln>
+          </p:spPr>
+          <p:style>
+            <a:lnRef idx="2">
+              <a:schemeClr val="accent1">
+                <a:shade val="50000"/>
+              </a:schemeClr>
+            </a:lnRef>
+            <a:fillRef idx="1">
+              <a:schemeClr val="accent1"/>
+            </a:fillRef>
+            <a:effectRef idx="0">
+              <a:schemeClr val="accent1"/>
+            </a:effectRef>
+            <a:fontRef idx="minor">
+              <a:schemeClr val="lt1"/>
+            </a:fontRef>
+          </p:style>
+          <p:txBody>
+            <a:bodyPr rtlCol="0" anchor="ctr"/>
+            <a:lstStyle/>
+            <a:p>
+              <a:pPr algn="ctr"/>
+              <a:endParaRPr lang="fr-FR"/>
+            </a:p>
+          </p:txBody>
+        </p:sp>
+        <p:pic>
+          <p:nvPicPr>
+            <p:cNvPr id="109" name="Image 108">
+              <a:extLst>
+                <a:ext uri="{FF2B5EF4-FFF2-40B4-BE49-F238E27FC236}">
+                  <a16:creationId xmlns:a16="http://schemas.microsoft.com/office/drawing/2014/main" id="{49983C91-B251-BD88-2FB4-492261589B43}"/>
+                </a:ext>
+              </a:extLst>
+            </p:cNvPr>
+            <p:cNvPicPr>
+              <a:picLocks noChangeAspect="1"/>
+            </p:cNvPicPr>
+            <p:nvPr/>
+          </p:nvPicPr>
+          <p:blipFill>
+            <a:blip r:embed="rId27"/>
+            <a:stretch>
+              <a:fillRect/>
+            </a:stretch>
+          </p:blipFill>
+          <p:spPr>
+            <a:xfrm>
+              <a:off x="5543445" y="4536296"/>
+              <a:ext cx="1358232" cy="1440000"/>
+            </a:xfrm>
+            <a:prstGeom prst="rect">
+              <a:avLst/>
+            </a:prstGeom>
+          </p:spPr>
+        </p:pic>
+      </p:grpSp>
+      <p:grpSp>
+        <p:nvGrpSpPr>
+          <p:cNvPr id="110" name="Groupe 109">
+            <a:extLst>
+              <a:ext uri="{FF2B5EF4-FFF2-40B4-BE49-F238E27FC236}">
+                <a16:creationId xmlns:a16="http://schemas.microsoft.com/office/drawing/2014/main" id="{AEECE30E-5EC9-C47F-8CF7-61819D8C5E6E}"/>
+              </a:ext>
+            </a:extLst>
+          </p:cNvPr>
+          <p:cNvGrpSpPr/>
+          <p:nvPr/>
+        </p:nvGrpSpPr>
+        <p:grpSpPr>
+          <a:xfrm>
+            <a:off x="676749" y="2886765"/>
+            <a:ext cx="720000" cy="720000"/>
+            <a:chOff x="8493814" y="3375317"/>
+            <a:chExt cx="1800000" cy="1800000"/>
+          </a:xfrm>
+        </p:grpSpPr>
+        <p:sp>
+          <p:nvSpPr>
+            <p:cNvPr id="111" name="Ellipse 110">
+              <a:extLst>
+                <a:ext uri="{FF2B5EF4-FFF2-40B4-BE49-F238E27FC236}">
+                  <a16:creationId xmlns:a16="http://schemas.microsoft.com/office/drawing/2014/main" id="{887675DA-5E4D-8EF3-E6FA-0884012A3D3C}"/>
+                </a:ext>
+              </a:extLst>
+            </p:cNvPr>
+            <p:cNvSpPr/>
+            <p:nvPr/>
+          </p:nvSpPr>
+          <p:spPr>
+            <a:xfrm>
+              <a:off x="8493814" y="3375317"/>
+              <a:ext cx="1800000" cy="1800000"/>
+            </a:xfrm>
+            <a:prstGeom prst="ellipse">
+              <a:avLst/>
+            </a:prstGeom>
+            <a:solidFill>
+              <a:srgbClr val="00517A"/>
+            </a:solidFill>
+            <a:ln>
+              <a:noFill/>
+            </a:ln>
+          </p:spPr>
+          <p:style>
+            <a:lnRef idx="2">
+              <a:schemeClr val="accent1">
+                <a:shade val="50000"/>
+              </a:schemeClr>
+            </a:lnRef>
+            <a:fillRef idx="1">
+              <a:schemeClr val="accent1"/>
+            </a:fillRef>
+            <a:effectRef idx="0">
+              <a:schemeClr val="accent1"/>
+            </a:effectRef>
+            <a:fontRef idx="minor">
+              <a:schemeClr val="lt1"/>
+            </a:fontRef>
+          </p:style>
+          <p:txBody>
+            <a:bodyPr rtlCol="0" anchor="ctr"/>
+            <a:lstStyle/>
+            <a:p>
+              <a:pPr algn="ctr"/>
+              <a:endParaRPr lang="fr-FR" dirty="0"/>
+            </a:p>
+          </p:txBody>
+        </p:sp>
+        <p:pic>
+          <p:nvPicPr>
+            <p:cNvPr id="112" name="Image 111">
+              <a:extLst>
+                <a:ext uri="{FF2B5EF4-FFF2-40B4-BE49-F238E27FC236}">
+                  <a16:creationId xmlns:a16="http://schemas.microsoft.com/office/drawing/2014/main" id="{2A35C3FA-2D08-0352-A1C0-2913B0CD02D5}"/>
+                </a:ext>
+              </a:extLst>
+            </p:cNvPr>
+            <p:cNvPicPr>
+              <a:picLocks noChangeAspect="1"/>
+            </p:cNvPicPr>
+            <p:nvPr/>
+          </p:nvPicPr>
+          <p:blipFill>
+            <a:blip r:embed="rId28"/>
+            <a:stretch>
+              <a:fillRect/>
+            </a:stretch>
+          </p:blipFill>
+          <p:spPr>
+            <a:xfrm>
+              <a:off x="8673814" y="3583777"/>
+              <a:ext cx="1440000" cy="1440000"/>
+            </a:xfrm>
+            <a:prstGeom prst="rect">
+              <a:avLst/>
+            </a:prstGeom>
+          </p:spPr>
+        </p:pic>
+      </p:grpSp>
+      <p:grpSp>
+        <p:nvGrpSpPr>
+          <p:cNvPr id="114" name="Groupe 113">
+            <a:extLst>
+              <a:ext uri="{FF2B5EF4-FFF2-40B4-BE49-F238E27FC236}">
+                <a16:creationId xmlns:a16="http://schemas.microsoft.com/office/drawing/2014/main" id="{E209092A-2F20-5BF4-34F5-879B5C7F7959}"/>
+              </a:ext>
+            </a:extLst>
+          </p:cNvPr>
+          <p:cNvGrpSpPr/>
+          <p:nvPr/>
+        </p:nvGrpSpPr>
+        <p:grpSpPr>
+          <a:xfrm>
+            <a:off x="3921816" y="1225872"/>
+            <a:ext cx="720000" cy="720000"/>
+            <a:chOff x="8709423" y="3666938"/>
+            <a:chExt cx="720000" cy="720000"/>
+          </a:xfrm>
+        </p:grpSpPr>
+        <p:sp>
+          <p:nvSpPr>
+            <p:cNvPr id="115" name="Ellipse 114">
+              <a:extLst>
+                <a:ext uri="{FF2B5EF4-FFF2-40B4-BE49-F238E27FC236}">
+                  <a16:creationId xmlns:a16="http://schemas.microsoft.com/office/drawing/2014/main" id="{5EE3D489-9939-FB63-490B-AC7684976919}"/>
+                </a:ext>
+              </a:extLst>
+            </p:cNvPr>
+            <p:cNvSpPr/>
+            <p:nvPr/>
+          </p:nvSpPr>
+          <p:spPr>
+            <a:xfrm>
+              <a:off x="8709423" y="3666938"/>
+              <a:ext cx="720000" cy="720000"/>
+            </a:xfrm>
+            <a:prstGeom prst="ellipse">
+              <a:avLst/>
+            </a:prstGeom>
+            <a:solidFill>
+              <a:srgbClr val="00517A"/>
+            </a:solidFill>
+            <a:ln>
+              <a:noFill/>
+            </a:ln>
+          </p:spPr>
+          <p:style>
+            <a:lnRef idx="2">
+              <a:schemeClr val="accent1">
+                <a:shade val="50000"/>
+              </a:schemeClr>
+            </a:lnRef>
+            <a:fillRef idx="1">
+              <a:schemeClr val="accent1"/>
+            </a:fillRef>
+            <a:effectRef idx="0">
+              <a:schemeClr val="accent1"/>
+            </a:effectRef>
+            <a:fontRef idx="minor">
+              <a:schemeClr val="lt1"/>
+            </a:fontRef>
+          </p:style>
+          <p:txBody>
+            <a:bodyPr rtlCol="0" anchor="ctr"/>
+            <a:lstStyle/>
+            <a:p>
+              <a:pPr algn="ctr"/>
+              <a:endParaRPr lang="fr-FR" dirty="0"/>
+            </a:p>
+          </p:txBody>
+        </p:sp>
+        <p:pic>
+          <p:nvPicPr>
+            <p:cNvPr id="116" name="Image 115">
+              <a:extLst>
+                <a:ext uri="{FF2B5EF4-FFF2-40B4-BE49-F238E27FC236}">
+                  <a16:creationId xmlns:a16="http://schemas.microsoft.com/office/drawing/2014/main" id="{72769896-E9ED-7BCA-43D7-F953258CFCD1}"/>
+                </a:ext>
+              </a:extLst>
+            </p:cNvPr>
+            <p:cNvPicPr>
+              <a:picLocks noChangeAspect="1"/>
+            </p:cNvPicPr>
+            <p:nvPr/>
+          </p:nvPicPr>
+          <p:blipFill>
+            <a:blip r:embed="rId29"/>
+            <a:stretch>
+              <a:fillRect/>
+            </a:stretch>
+          </p:blipFill>
+          <p:spPr>
+            <a:xfrm>
+              <a:off x="8817423" y="3774938"/>
+              <a:ext cx="504000" cy="504000"/>
+            </a:xfrm>
+            <a:prstGeom prst="rect">
+              <a:avLst/>
+            </a:prstGeom>
+          </p:spPr>
+        </p:pic>
+      </p:grpSp>
+      <p:pic>
+        <p:nvPicPr>
+          <p:cNvPr id="120" name="Image 119">
+            <a:extLst>
+              <a:ext uri="{FF2B5EF4-FFF2-40B4-BE49-F238E27FC236}">
+                <a16:creationId xmlns:a16="http://schemas.microsoft.com/office/drawing/2014/main" id="{ABB2610A-78E9-DF8C-F3D5-189537C6D190}"/>
+              </a:ext>
+            </a:extLst>
+          </p:cNvPr>
+          <p:cNvPicPr>
+            <a:picLocks noChangeAspect="1"/>
+          </p:cNvPicPr>
+          <p:nvPr/>
+        </p:nvPicPr>
+        <p:blipFill>
+          <a:blip r:embed="rId30"/>
+          <a:stretch>
+            <a:fillRect/>
+          </a:stretch>
+        </p:blipFill>
+        <p:spPr>
+          <a:xfrm>
+            <a:off x="2601542" y="4061546"/>
+            <a:ext cx="360000" cy="360000"/>
+          </a:xfrm>
+          <a:prstGeom prst="rect">
+            <a:avLst/>
+          </a:prstGeom>
+        </p:spPr>
+      </p:pic>
+      <p:pic>
+        <p:nvPicPr>
+          <p:cNvPr id="121" name="Image 120">
+            <a:extLst>
+              <a:ext uri="{FF2B5EF4-FFF2-40B4-BE49-F238E27FC236}">
+                <a16:creationId xmlns:a16="http://schemas.microsoft.com/office/drawing/2014/main" id="{A353A503-FDD5-7DFC-0298-F20AEB5646C6}"/>
+              </a:ext>
+            </a:extLst>
+          </p:cNvPr>
+          <p:cNvPicPr>
+            <a:picLocks noChangeAspect="1"/>
+          </p:cNvPicPr>
+          <p:nvPr/>
+        </p:nvPicPr>
+        <p:blipFill>
+          <a:blip r:embed="rId31"/>
+          <a:stretch>
+            <a:fillRect/>
+          </a:stretch>
+        </p:blipFill>
+        <p:spPr>
+          <a:xfrm>
+            <a:off x="2506977" y="4497653"/>
+            <a:ext cx="469092" cy="183239"/>
+          </a:xfrm>
+          <a:prstGeom prst="rect">
+            <a:avLst/>
+          </a:prstGeom>
+        </p:spPr>
+      </p:pic>
+      <p:grpSp>
+        <p:nvGrpSpPr>
+          <p:cNvPr id="122" name="Groupe 121">
+            <a:extLst>
+              <a:ext uri="{FF2B5EF4-FFF2-40B4-BE49-F238E27FC236}">
+                <a16:creationId xmlns:a16="http://schemas.microsoft.com/office/drawing/2014/main" id="{B553C732-EE6A-0A6B-E02A-A88C41970AC1}"/>
+              </a:ext>
+            </a:extLst>
+          </p:cNvPr>
+          <p:cNvGrpSpPr/>
+          <p:nvPr/>
+        </p:nvGrpSpPr>
+        <p:grpSpPr>
+          <a:xfrm>
+            <a:off x="8570935" y="1993037"/>
+            <a:ext cx="720000" cy="720000"/>
+            <a:chOff x="7851244" y="635246"/>
+            <a:chExt cx="1800000" cy="1800000"/>
+          </a:xfrm>
+        </p:grpSpPr>
+        <p:sp>
+          <p:nvSpPr>
+            <p:cNvPr id="123" name="Ellipse 122">
+              <a:extLst>
+                <a:ext uri="{FF2B5EF4-FFF2-40B4-BE49-F238E27FC236}">
+                  <a16:creationId xmlns:a16="http://schemas.microsoft.com/office/drawing/2014/main" id="{31A9BE80-8F5C-95FD-9F2D-53C2DA569919}"/>
+                </a:ext>
+              </a:extLst>
+            </p:cNvPr>
+            <p:cNvSpPr/>
+            <p:nvPr/>
+          </p:nvSpPr>
+          <p:spPr>
+            <a:xfrm>
+              <a:off x="7851244" y="635246"/>
+              <a:ext cx="1800000" cy="1800000"/>
+            </a:xfrm>
+            <a:prstGeom prst="ellipse">
+              <a:avLst/>
+            </a:prstGeom>
+            <a:solidFill>
+              <a:srgbClr val="08AF5E"/>
+            </a:solidFill>
+            <a:ln>
+              <a:noFill/>
+            </a:ln>
+          </p:spPr>
+          <p:style>
+            <a:lnRef idx="2">
+              <a:schemeClr val="accent1">
+                <a:shade val="50000"/>
+              </a:schemeClr>
+            </a:lnRef>
+            <a:fillRef idx="1">
+              <a:schemeClr val="accent1"/>
+            </a:fillRef>
+            <a:effectRef idx="0">
+              <a:schemeClr val="accent1"/>
+            </a:effectRef>
+            <a:fontRef idx="minor">
+              <a:schemeClr val="lt1"/>
+            </a:fontRef>
+          </p:style>
+          <p:txBody>
+            <a:bodyPr rtlCol="0" anchor="ctr"/>
+            <a:lstStyle/>
+            <a:p>
+              <a:pPr algn="ctr"/>
+              <a:endParaRPr lang="fr-FR" dirty="0"/>
+            </a:p>
+          </p:txBody>
+        </p:sp>
+        <p:pic>
+          <p:nvPicPr>
+            <p:cNvPr id="124" name="Image 123">
+              <a:extLst>
+                <a:ext uri="{FF2B5EF4-FFF2-40B4-BE49-F238E27FC236}">
+                  <a16:creationId xmlns:a16="http://schemas.microsoft.com/office/drawing/2014/main" id="{D6A6FFF9-03A7-36E5-2AFD-594EDC35C813}"/>
+                </a:ext>
+              </a:extLst>
+            </p:cNvPr>
+            <p:cNvPicPr>
+              <a:picLocks noChangeAspect="1"/>
+            </p:cNvPicPr>
+            <p:nvPr/>
+          </p:nvPicPr>
+          <p:blipFill>
+            <a:blip r:embed="rId32"/>
+            <a:stretch>
+              <a:fillRect/>
+            </a:stretch>
+          </p:blipFill>
+          <p:spPr>
+            <a:xfrm>
+              <a:off x="8074192" y="879141"/>
+              <a:ext cx="1337198" cy="1264070"/>
+            </a:xfrm>
+            <a:prstGeom prst="rect">
+              <a:avLst/>
+            </a:prstGeom>
+          </p:spPr>
+        </p:pic>
+      </p:grpSp>
+      <p:grpSp>
+        <p:nvGrpSpPr>
+          <p:cNvPr id="125" name="Groupe 124">
+            <a:extLst>
+              <a:ext uri="{FF2B5EF4-FFF2-40B4-BE49-F238E27FC236}">
+                <a16:creationId xmlns:a16="http://schemas.microsoft.com/office/drawing/2014/main" id="{180EA0FF-B5FE-3B01-D2FF-56872EF6296A}"/>
+              </a:ext>
+            </a:extLst>
+          </p:cNvPr>
+          <p:cNvGrpSpPr/>
+          <p:nvPr/>
+        </p:nvGrpSpPr>
+        <p:grpSpPr>
+          <a:xfrm>
+            <a:off x="7768787" y="1968522"/>
+            <a:ext cx="720000" cy="720000"/>
+            <a:chOff x="8097618" y="377340"/>
+            <a:chExt cx="1800000" cy="1800000"/>
+          </a:xfrm>
+        </p:grpSpPr>
+        <p:sp>
+          <p:nvSpPr>
+            <p:cNvPr id="126" name="Ellipse 125">
+              <a:extLst>
+                <a:ext uri="{FF2B5EF4-FFF2-40B4-BE49-F238E27FC236}">
+                  <a16:creationId xmlns:a16="http://schemas.microsoft.com/office/drawing/2014/main" id="{F2D9AD0D-F610-BD38-FA2E-C857441F62B0}"/>
+                </a:ext>
+              </a:extLst>
+            </p:cNvPr>
+            <p:cNvSpPr/>
+            <p:nvPr/>
+          </p:nvSpPr>
+          <p:spPr>
+            <a:xfrm>
+              <a:off x="8097618" y="377340"/>
+              <a:ext cx="1800000" cy="1800000"/>
+            </a:xfrm>
+            <a:prstGeom prst="ellipse">
+              <a:avLst/>
+            </a:prstGeom>
+            <a:solidFill>
+              <a:srgbClr val="08AF5E"/>
+            </a:solidFill>
+            <a:ln>
+              <a:noFill/>
+            </a:ln>
+          </p:spPr>
+          <p:style>
+            <a:lnRef idx="2">
+              <a:schemeClr val="accent1">
+                <a:shade val="50000"/>
+              </a:schemeClr>
+            </a:lnRef>
+            <a:fillRef idx="1">
+              <a:schemeClr val="accent1"/>
+            </a:fillRef>
+            <a:effectRef idx="0">
+              <a:schemeClr val="accent1"/>
+            </a:effectRef>
+            <a:fontRef idx="minor">
+              <a:schemeClr val="lt1"/>
+            </a:fontRef>
+          </p:style>
+          <p:txBody>
+            <a:bodyPr rtlCol="0" anchor="ctr"/>
+            <a:lstStyle/>
+            <a:p>
+              <a:pPr algn="ctr"/>
+              <a:endParaRPr lang="fr-FR" dirty="0"/>
+            </a:p>
+          </p:txBody>
+        </p:sp>
+        <p:pic>
+          <p:nvPicPr>
+            <p:cNvPr id="127" name="Image 126">
+              <a:extLst>
+                <a:ext uri="{FF2B5EF4-FFF2-40B4-BE49-F238E27FC236}">
+                  <a16:creationId xmlns:a16="http://schemas.microsoft.com/office/drawing/2014/main" id="{F7A1C425-2946-A7F7-944B-5C90872254BC}"/>
+                </a:ext>
+              </a:extLst>
+            </p:cNvPr>
+            <p:cNvPicPr>
+              <a:picLocks noChangeAspect="1"/>
+            </p:cNvPicPr>
+            <p:nvPr/>
+          </p:nvPicPr>
+          <p:blipFill>
+            <a:blip r:embed="rId33"/>
+            <a:stretch>
+              <a:fillRect/>
+            </a:stretch>
+          </p:blipFill>
+          <p:spPr>
+            <a:xfrm>
+              <a:off x="8477507" y="575912"/>
+              <a:ext cx="1008054" cy="1372668"/>
+            </a:xfrm>
+            <a:prstGeom prst="rect">
+              <a:avLst/>
+            </a:prstGeom>
+          </p:spPr>
+        </p:pic>
+      </p:grpSp>
+      <p:pic>
+        <p:nvPicPr>
+          <p:cNvPr id="131" name="Image 130">
+            <a:extLst>
+              <a:ext uri="{FF2B5EF4-FFF2-40B4-BE49-F238E27FC236}">
+                <a16:creationId xmlns:a16="http://schemas.microsoft.com/office/drawing/2014/main" id="{11C66256-3997-8FDD-2776-932039044F71}"/>
+              </a:ext>
+            </a:extLst>
+          </p:cNvPr>
+          <p:cNvPicPr>
+            <a:picLocks noChangeAspect="1"/>
+          </p:cNvPicPr>
+          <p:nvPr/>
+        </p:nvPicPr>
+        <p:blipFill>
+          <a:blip r:embed="rId34"/>
+          <a:stretch>
+            <a:fillRect/>
+          </a:stretch>
+        </p:blipFill>
+        <p:spPr>
+          <a:xfrm>
+            <a:off x="2375199" y="2298662"/>
+            <a:ext cx="720000" cy="720000"/>
+          </a:xfrm>
+          <a:prstGeom prst="rect">
+            <a:avLst/>
+          </a:prstGeom>
+        </p:spPr>
+      </p:pic>
+      <p:pic>
+        <p:nvPicPr>
+          <p:cNvPr id="132" name="Image 131">
+            <a:extLst>
+              <a:ext uri="{FF2B5EF4-FFF2-40B4-BE49-F238E27FC236}">
+                <a16:creationId xmlns:a16="http://schemas.microsoft.com/office/drawing/2014/main" id="{D12D6E10-CE83-427D-9E1B-2BA1EE389130}"/>
+              </a:ext>
+            </a:extLst>
+          </p:cNvPr>
+          <p:cNvPicPr>
+            <a:picLocks noChangeAspect="1"/>
+          </p:cNvPicPr>
+          <p:nvPr/>
+        </p:nvPicPr>
+        <p:blipFill>
+          <a:blip r:embed="rId35"/>
+          <a:stretch>
+            <a:fillRect/>
+          </a:stretch>
+        </p:blipFill>
+        <p:spPr>
+          <a:xfrm>
+            <a:off x="6766155" y="1702205"/>
+            <a:ext cx="289529" cy="289529"/>
+          </a:xfrm>
+          <a:prstGeom prst="rect">
+            <a:avLst/>
+          </a:prstGeom>
+        </p:spPr>
+      </p:pic>
+    </p:spTree>
+    <p:extLst>
+      <p:ext uri="{BB962C8B-B14F-4D97-AF65-F5344CB8AC3E}">
+        <p14:creationId xmlns:p14="http://schemas.microsoft.com/office/powerpoint/2010/main" val="2549105548"/>
       </p:ext>
     </p:extLst>
   </p:cSld>

--- a/ChaineFonctionnelle_V2.pptx
+++ b/ChaineFonctionnelle_V2.pptx
@@ -4734,58 +4734,6 @@
       </p:grpSp>
       <p:sp>
         <p:nvSpPr>
-          <p:cNvPr id="13" name="Ellipse 12">
-            <a:extLst>
-              <a:ext uri="{FF2B5EF4-FFF2-40B4-BE49-F238E27FC236}">
-                <a16:creationId xmlns:a16="http://schemas.microsoft.com/office/drawing/2014/main" id="{83067E59-5AE5-9CE8-711B-BCEC38E3A80C}"/>
-              </a:ext>
-            </a:extLst>
-          </p:cNvPr>
-          <p:cNvSpPr/>
-          <p:nvPr/>
-        </p:nvSpPr>
-        <p:spPr>
-          <a:xfrm>
-            <a:off x="3240009" y="-414207"/>
-            <a:ext cx="1800000" cy="1800000"/>
-          </a:xfrm>
-          <a:prstGeom prst="ellipse">
-            <a:avLst/>
-          </a:prstGeom>
-          <a:solidFill>
-            <a:srgbClr val="0C7391"/>
-          </a:solidFill>
-          <a:ln>
-            <a:noFill/>
-          </a:ln>
-        </p:spPr>
-        <p:style>
-          <a:lnRef idx="2">
-            <a:schemeClr val="accent1">
-              <a:shade val="50000"/>
-            </a:schemeClr>
-          </a:lnRef>
-          <a:fillRef idx="1">
-            <a:schemeClr val="accent1"/>
-          </a:fillRef>
-          <a:effectRef idx="0">
-            <a:schemeClr val="accent1"/>
-          </a:effectRef>
-          <a:fontRef idx="minor">
-            <a:schemeClr val="lt1"/>
-          </a:fontRef>
-        </p:style>
-        <p:txBody>
-          <a:bodyPr rtlCol="0" anchor="ctr"/>
-          <a:lstStyle/>
-          <a:p>
-            <a:pPr algn="ctr"/>
-            <a:endParaRPr lang="fr-FR"/>
-          </a:p>
-        </p:txBody>
-      </p:sp>
-      <p:sp>
-        <p:nvSpPr>
           <p:cNvPr id="14" name="Ellipse 13">
             <a:extLst>
               <a:ext uri="{FF2B5EF4-FFF2-40B4-BE49-F238E27FC236}">
@@ -4850,7 +4798,7 @@
         </p:nvSpPr>
         <p:spPr>
           <a:xfrm>
-            <a:off x="3178812" y="-537173"/>
+            <a:off x="3868124" y="1066002"/>
             <a:ext cx="1800000" cy="1800000"/>
           </a:xfrm>
           <a:prstGeom prst="ellipse">
@@ -8126,6 +8074,727 @@
           </a:prstGeom>
         </p:spPr>
       </p:pic>
+      <p:grpSp>
+        <p:nvGrpSpPr>
+          <p:cNvPr id="25" name="Groupe 24">
+            <a:extLst>
+              <a:ext uri="{FF2B5EF4-FFF2-40B4-BE49-F238E27FC236}">
+                <a16:creationId xmlns:a16="http://schemas.microsoft.com/office/drawing/2014/main" id="{850B6463-8B56-115B-A525-B195C91ECB33}"/>
+              </a:ext>
+            </a:extLst>
+          </p:cNvPr>
+          <p:cNvGrpSpPr/>
+          <p:nvPr/>
+        </p:nvGrpSpPr>
+        <p:grpSpPr>
+          <a:xfrm>
+            <a:off x="7522214" y="3518051"/>
+            <a:ext cx="720000" cy="720000"/>
+            <a:chOff x="7522214" y="3518051"/>
+            <a:chExt cx="1800000" cy="1800000"/>
+          </a:xfrm>
+        </p:grpSpPr>
+        <p:sp>
+          <p:nvSpPr>
+            <p:cNvPr id="13" name="Ellipse 12">
+              <a:extLst>
+                <a:ext uri="{FF2B5EF4-FFF2-40B4-BE49-F238E27FC236}">
+                  <a16:creationId xmlns:a16="http://schemas.microsoft.com/office/drawing/2014/main" id="{83067E59-5AE5-9CE8-711B-BCEC38E3A80C}"/>
+                </a:ext>
+              </a:extLst>
+            </p:cNvPr>
+            <p:cNvSpPr/>
+            <p:nvPr/>
+          </p:nvSpPr>
+          <p:spPr>
+            <a:xfrm>
+              <a:off x="7522214" y="3518051"/>
+              <a:ext cx="1800000" cy="1800000"/>
+            </a:xfrm>
+            <a:prstGeom prst="ellipse">
+              <a:avLst/>
+            </a:prstGeom>
+            <a:solidFill>
+              <a:srgbClr val="0C7391"/>
+            </a:solidFill>
+            <a:ln>
+              <a:noFill/>
+            </a:ln>
+          </p:spPr>
+          <p:style>
+            <a:lnRef idx="2">
+              <a:schemeClr val="accent1">
+                <a:shade val="50000"/>
+              </a:schemeClr>
+            </a:lnRef>
+            <a:fillRef idx="1">
+              <a:schemeClr val="accent1"/>
+            </a:fillRef>
+            <a:effectRef idx="0">
+              <a:schemeClr val="accent1"/>
+            </a:effectRef>
+            <a:fontRef idx="minor">
+              <a:schemeClr val="lt1"/>
+            </a:fontRef>
+          </p:style>
+          <p:txBody>
+            <a:bodyPr rtlCol="0" anchor="ctr"/>
+            <a:lstStyle/>
+            <a:p>
+              <a:pPr algn="ctr"/>
+              <a:endParaRPr lang="fr-FR"/>
+            </a:p>
+          </p:txBody>
+        </p:sp>
+        <p:pic>
+          <p:nvPicPr>
+            <p:cNvPr id="23" name="Image 22">
+              <a:extLst>
+                <a:ext uri="{FF2B5EF4-FFF2-40B4-BE49-F238E27FC236}">
+                  <a16:creationId xmlns:a16="http://schemas.microsoft.com/office/drawing/2014/main" id="{C8255592-5364-526D-AB04-03EA7D711B55}"/>
+                </a:ext>
+              </a:extLst>
+            </p:cNvPr>
+            <p:cNvPicPr>
+              <a:picLocks noChangeAspect="1"/>
+            </p:cNvPicPr>
+            <p:nvPr/>
+          </p:nvPicPr>
+          <p:blipFill>
+            <a:blip r:embed="rId37"/>
+            <a:stretch>
+              <a:fillRect/>
+            </a:stretch>
+          </p:blipFill>
+          <p:spPr>
+            <a:xfrm>
+              <a:off x="7717717" y="3713554"/>
+              <a:ext cx="1408994" cy="1408994"/>
+            </a:xfrm>
+            <a:prstGeom prst="rect">
+              <a:avLst/>
+            </a:prstGeom>
+          </p:spPr>
+        </p:pic>
+      </p:grpSp>
+      <p:grpSp>
+        <p:nvGrpSpPr>
+          <p:cNvPr id="34" name="Groupe 33">
+            <a:extLst>
+              <a:ext uri="{FF2B5EF4-FFF2-40B4-BE49-F238E27FC236}">
+                <a16:creationId xmlns:a16="http://schemas.microsoft.com/office/drawing/2014/main" id="{C3F21D98-1886-63FF-6BEC-3CC30A4306A0}"/>
+              </a:ext>
+            </a:extLst>
+          </p:cNvPr>
+          <p:cNvGrpSpPr/>
+          <p:nvPr/>
+        </p:nvGrpSpPr>
+        <p:grpSpPr>
+          <a:xfrm>
+            <a:off x="9090279" y="3613464"/>
+            <a:ext cx="720000" cy="720000"/>
+            <a:chOff x="8071648" y="3175137"/>
+            <a:chExt cx="1800000" cy="1800000"/>
+          </a:xfrm>
+        </p:grpSpPr>
+        <p:sp>
+          <p:nvSpPr>
+            <p:cNvPr id="28" name="Ellipse 27">
+              <a:extLst>
+                <a:ext uri="{FF2B5EF4-FFF2-40B4-BE49-F238E27FC236}">
+                  <a16:creationId xmlns:a16="http://schemas.microsoft.com/office/drawing/2014/main" id="{78F4577C-997A-DEBB-8307-1321C62A3F86}"/>
+                </a:ext>
+              </a:extLst>
+            </p:cNvPr>
+            <p:cNvSpPr/>
+            <p:nvPr/>
+          </p:nvSpPr>
+          <p:spPr>
+            <a:xfrm>
+              <a:off x="8071648" y="3175137"/>
+              <a:ext cx="1800000" cy="1800000"/>
+            </a:xfrm>
+            <a:prstGeom prst="ellipse">
+              <a:avLst/>
+            </a:prstGeom>
+            <a:solidFill>
+              <a:srgbClr val="00547F"/>
+            </a:solidFill>
+            <a:ln>
+              <a:noFill/>
+            </a:ln>
+          </p:spPr>
+          <p:style>
+            <a:lnRef idx="2">
+              <a:schemeClr val="accent1">
+                <a:shade val="50000"/>
+              </a:schemeClr>
+            </a:lnRef>
+            <a:fillRef idx="1">
+              <a:schemeClr val="accent1"/>
+            </a:fillRef>
+            <a:effectRef idx="0">
+              <a:schemeClr val="accent1"/>
+            </a:effectRef>
+            <a:fontRef idx="minor">
+              <a:schemeClr val="lt1"/>
+            </a:fontRef>
+          </p:style>
+          <p:txBody>
+            <a:bodyPr rtlCol="0" anchor="ctr"/>
+            <a:lstStyle/>
+            <a:p>
+              <a:pPr algn="ctr"/>
+              <a:endParaRPr lang="fr-FR"/>
+            </a:p>
+          </p:txBody>
+        </p:sp>
+        <p:pic>
+          <p:nvPicPr>
+            <p:cNvPr id="32" name="Image 31">
+              <a:extLst>
+                <a:ext uri="{FF2B5EF4-FFF2-40B4-BE49-F238E27FC236}">
+                  <a16:creationId xmlns:a16="http://schemas.microsoft.com/office/drawing/2014/main" id="{49B9B210-04DB-F1F2-C15D-AFFB80B95C98}"/>
+                </a:ext>
+              </a:extLst>
+            </p:cNvPr>
+            <p:cNvPicPr>
+              <a:picLocks noChangeAspect="1"/>
+            </p:cNvPicPr>
+            <p:nvPr/>
+          </p:nvPicPr>
+          <p:blipFill>
+            <a:blip r:embed="rId38"/>
+            <a:stretch>
+              <a:fillRect/>
+            </a:stretch>
+          </p:blipFill>
+          <p:spPr>
+            <a:xfrm>
+              <a:off x="8293105" y="3312420"/>
+              <a:ext cx="1357086" cy="1525434"/>
+            </a:xfrm>
+            <a:prstGeom prst="rect">
+              <a:avLst/>
+            </a:prstGeom>
+          </p:spPr>
+        </p:pic>
+      </p:grpSp>
+      <p:grpSp>
+        <p:nvGrpSpPr>
+          <p:cNvPr id="68" name="Groupe 67">
+            <a:extLst>
+              <a:ext uri="{FF2B5EF4-FFF2-40B4-BE49-F238E27FC236}">
+                <a16:creationId xmlns:a16="http://schemas.microsoft.com/office/drawing/2014/main" id="{E19CD602-A899-AEA2-6FF2-C3E000FDC4F8}"/>
+              </a:ext>
+            </a:extLst>
+          </p:cNvPr>
+          <p:cNvGrpSpPr/>
+          <p:nvPr/>
+        </p:nvGrpSpPr>
+        <p:grpSpPr>
+          <a:xfrm>
+            <a:off x="1874386" y="2691656"/>
+            <a:ext cx="720000" cy="720000"/>
+            <a:chOff x="10288921" y="4962102"/>
+            <a:chExt cx="1800000" cy="1800000"/>
+          </a:xfrm>
+        </p:grpSpPr>
+        <p:sp>
+          <p:nvSpPr>
+            <p:cNvPr id="51" name="Ellipse 50">
+              <a:extLst>
+                <a:ext uri="{FF2B5EF4-FFF2-40B4-BE49-F238E27FC236}">
+                  <a16:creationId xmlns:a16="http://schemas.microsoft.com/office/drawing/2014/main" id="{438DECF6-41D3-483E-51EE-924A42DBCD24}"/>
+                </a:ext>
+              </a:extLst>
+            </p:cNvPr>
+            <p:cNvSpPr/>
+            <p:nvPr/>
+          </p:nvSpPr>
+          <p:spPr>
+            <a:xfrm>
+              <a:off x="10288921" y="4962102"/>
+              <a:ext cx="1800000" cy="1800000"/>
+            </a:xfrm>
+            <a:prstGeom prst="ellipse">
+              <a:avLst/>
+            </a:prstGeom>
+            <a:solidFill>
+              <a:srgbClr val="68348B"/>
+            </a:solidFill>
+            <a:ln>
+              <a:noFill/>
+            </a:ln>
+          </p:spPr>
+          <p:style>
+            <a:lnRef idx="2">
+              <a:schemeClr val="accent1">
+                <a:shade val="50000"/>
+              </a:schemeClr>
+            </a:lnRef>
+            <a:fillRef idx="1">
+              <a:schemeClr val="accent1"/>
+            </a:fillRef>
+            <a:effectRef idx="0">
+              <a:schemeClr val="accent1"/>
+            </a:effectRef>
+            <a:fontRef idx="minor">
+              <a:schemeClr val="lt1"/>
+            </a:fontRef>
+          </p:style>
+          <p:txBody>
+            <a:bodyPr rtlCol="0" anchor="ctr"/>
+            <a:lstStyle/>
+            <a:p>
+              <a:pPr algn="ctr"/>
+              <a:endParaRPr lang="fr-FR"/>
+            </a:p>
+          </p:txBody>
+        </p:sp>
+        <p:pic>
+          <p:nvPicPr>
+            <p:cNvPr id="57" name="Image 56">
+              <a:extLst>
+                <a:ext uri="{FF2B5EF4-FFF2-40B4-BE49-F238E27FC236}">
+                  <a16:creationId xmlns:a16="http://schemas.microsoft.com/office/drawing/2014/main" id="{A6AA2953-BA0C-A1CF-C5AC-7DFCB40F7872}"/>
+                </a:ext>
+              </a:extLst>
+            </p:cNvPr>
+            <p:cNvPicPr>
+              <a:picLocks noChangeAspect="1"/>
+            </p:cNvPicPr>
+            <p:nvPr/>
+          </p:nvPicPr>
+          <p:blipFill>
+            <a:blip r:embed="rId39"/>
+            <a:stretch>
+              <a:fillRect/>
+            </a:stretch>
+          </p:blipFill>
+          <p:spPr>
+            <a:xfrm>
+              <a:off x="10628350" y="5172435"/>
+              <a:ext cx="1121142" cy="1332826"/>
+            </a:xfrm>
+            <a:prstGeom prst="rect">
+              <a:avLst/>
+            </a:prstGeom>
+          </p:spPr>
+        </p:pic>
+      </p:grpSp>
+      <p:grpSp>
+        <p:nvGrpSpPr>
+          <p:cNvPr id="82" name="Groupe 81">
+            <a:extLst>
+              <a:ext uri="{FF2B5EF4-FFF2-40B4-BE49-F238E27FC236}">
+                <a16:creationId xmlns:a16="http://schemas.microsoft.com/office/drawing/2014/main" id="{4463D102-3A69-ECC1-0672-3E39948E50CD}"/>
+              </a:ext>
+            </a:extLst>
+          </p:cNvPr>
+          <p:cNvGrpSpPr/>
+          <p:nvPr/>
+        </p:nvGrpSpPr>
+        <p:grpSpPr>
+          <a:xfrm>
+            <a:off x="9936161" y="2842323"/>
+            <a:ext cx="720000" cy="720000"/>
+            <a:chOff x="9936161" y="2842323"/>
+            <a:chExt cx="1800000" cy="1800000"/>
+          </a:xfrm>
+        </p:grpSpPr>
+        <p:sp>
+          <p:nvSpPr>
+            <p:cNvPr id="71" name="Ellipse 70">
+              <a:extLst>
+                <a:ext uri="{FF2B5EF4-FFF2-40B4-BE49-F238E27FC236}">
+                  <a16:creationId xmlns:a16="http://schemas.microsoft.com/office/drawing/2014/main" id="{4212C2B7-81D9-3584-FFD4-A57ED634FFE3}"/>
+                </a:ext>
+              </a:extLst>
+            </p:cNvPr>
+            <p:cNvSpPr/>
+            <p:nvPr/>
+          </p:nvSpPr>
+          <p:spPr>
+            <a:xfrm>
+              <a:off x="9936161" y="2842323"/>
+              <a:ext cx="1800000" cy="1800000"/>
+            </a:xfrm>
+            <a:prstGeom prst="ellipse">
+              <a:avLst/>
+            </a:prstGeom>
+            <a:solidFill>
+              <a:srgbClr val="00547F"/>
+            </a:solidFill>
+            <a:ln>
+              <a:noFill/>
+            </a:ln>
+          </p:spPr>
+          <p:style>
+            <a:lnRef idx="2">
+              <a:schemeClr val="accent1">
+                <a:shade val="50000"/>
+              </a:schemeClr>
+            </a:lnRef>
+            <a:fillRef idx="1">
+              <a:schemeClr val="accent1"/>
+            </a:fillRef>
+            <a:effectRef idx="0">
+              <a:schemeClr val="accent1"/>
+            </a:effectRef>
+            <a:fontRef idx="minor">
+              <a:schemeClr val="lt1"/>
+            </a:fontRef>
+          </p:style>
+          <p:txBody>
+            <a:bodyPr rtlCol="0" anchor="ctr"/>
+            <a:lstStyle/>
+            <a:p>
+              <a:pPr algn="ctr"/>
+              <a:endParaRPr lang="fr-FR"/>
+            </a:p>
+          </p:txBody>
+        </p:sp>
+        <p:pic>
+          <p:nvPicPr>
+            <p:cNvPr id="81" name="Image 80">
+              <a:extLst>
+                <a:ext uri="{FF2B5EF4-FFF2-40B4-BE49-F238E27FC236}">
+                  <a16:creationId xmlns:a16="http://schemas.microsoft.com/office/drawing/2014/main" id="{B08F2068-F32C-ACE7-5D97-4BDE53386FE1}"/>
+                </a:ext>
+              </a:extLst>
+            </p:cNvPr>
+            <p:cNvPicPr>
+              <a:picLocks noChangeAspect="1"/>
+            </p:cNvPicPr>
+            <p:nvPr/>
+          </p:nvPicPr>
+          <p:blipFill>
+            <a:blip r:embed="rId40"/>
+            <a:stretch>
+              <a:fillRect/>
+            </a:stretch>
+          </p:blipFill>
+          <p:spPr>
+            <a:xfrm>
+              <a:off x="10487410" y="3022323"/>
+              <a:ext cx="697502" cy="1440000"/>
+            </a:xfrm>
+            <a:prstGeom prst="rect">
+              <a:avLst/>
+            </a:prstGeom>
+          </p:spPr>
+        </p:pic>
+      </p:grpSp>
+      <p:grpSp>
+        <p:nvGrpSpPr>
+          <p:cNvPr id="84" name="Groupe 83">
+            <a:extLst>
+              <a:ext uri="{FF2B5EF4-FFF2-40B4-BE49-F238E27FC236}">
+                <a16:creationId xmlns:a16="http://schemas.microsoft.com/office/drawing/2014/main" id="{ED67AE63-65F1-5BD2-809C-B2978C38B24C}"/>
+              </a:ext>
+            </a:extLst>
+          </p:cNvPr>
+          <p:cNvGrpSpPr/>
+          <p:nvPr/>
+        </p:nvGrpSpPr>
+        <p:grpSpPr>
+          <a:xfrm>
+            <a:off x="7478651" y="4583025"/>
+            <a:ext cx="720000" cy="720000"/>
+            <a:chOff x="9936161" y="2842323"/>
+            <a:chExt cx="1800000" cy="1800000"/>
+          </a:xfrm>
+        </p:grpSpPr>
+        <p:sp>
+          <p:nvSpPr>
+            <p:cNvPr id="88" name="Ellipse 87">
+              <a:extLst>
+                <a:ext uri="{FF2B5EF4-FFF2-40B4-BE49-F238E27FC236}">
+                  <a16:creationId xmlns:a16="http://schemas.microsoft.com/office/drawing/2014/main" id="{C6B8D299-D702-A438-1DE3-0F8BB6FC4714}"/>
+                </a:ext>
+              </a:extLst>
+            </p:cNvPr>
+            <p:cNvSpPr/>
+            <p:nvPr/>
+          </p:nvSpPr>
+          <p:spPr>
+            <a:xfrm>
+              <a:off x="9936161" y="2842323"/>
+              <a:ext cx="1800000" cy="1800000"/>
+            </a:xfrm>
+            <a:prstGeom prst="ellipse">
+              <a:avLst/>
+            </a:prstGeom>
+            <a:solidFill>
+              <a:srgbClr val="00547F"/>
+            </a:solidFill>
+            <a:ln>
+              <a:noFill/>
+            </a:ln>
+          </p:spPr>
+          <p:style>
+            <a:lnRef idx="2">
+              <a:schemeClr val="accent1">
+                <a:shade val="50000"/>
+              </a:schemeClr>
+            </a:lnRef>
+            <a:fillRef idx="1">
+              <a:schemeClr val="accent1"/>
+            </a:fillRef>
+            <a:effectRef idx="0">
+              <a:schemeClr val="accent1"/>
+            </a:effectRef>
+            <a:fontRef idx="minor">
+              <a:schemeClr val="lt1"/>
+            </a:fontRef>
+          </p:style>
+          <p:txBody>
+            <a:bodyPr rtlCol="0" anchor="ctr"/>
+            <a:lstStyle/>
+            <a:p>
+              <a:pPr algn="ctr"/>
+              <a:endParaRPr lang="fr-FR"/>
+            </a:p>
+          </p:txBody>
+        </p:sp>
+        <p:pic>
+          <p:nvPicPr>
+            <p:cNvPr id="106" name="Image 105">
+              <a:extLst>
+                <a:ext uri="{FF2B5EF4-FFF2-40B4-BE49-F238E27FC236}">
+                  <a16:creationId xmlns:a16="http://schemas.microsoft.com/office/drawing/2014/main" id="{5ED30326-5CC3-5C38-C8C9-69B4B611A451}"/>
+                </a:ext>
+              </a:extLst>
+            </p:cNvPr>
+            <p:cNvPicPr>
+              <a:picLocks noChangeAspect="1"/>
+            </p:cNvPicPr>
+            <p:nvPr/>
+          </p:nvPicPr>
+          <p:blipFill>
+            <a:blip r:embed="rId40"/>
+            <a:stretch>
+              <a:fillRect/>
+            </a:stretch>
+          </p:blipFill>
+          <p:spPr>
+            <a:xfrm>
+              <a:off x="10487410" y="3022323"/>
+              <a:ext cx="697502" cy="1440000"/>
+            </a:xfrm>
+            <a:prstGeom prst="rect">
+              <a:avLst/>
+            </a:prstGeom>
+          </p:spPr>
+        </p:pic>
+      </p:grpSp>
+      <p:grpSp>
+        <p:nvGrpSpPr>
+          <p:cNvPr id="125" name="Groupe 124">
+            <a:extLst>
+              <a:ext uri="{FF2B5EF4-FFF2-40B4-BE49-F238E27FC236}">
+                <a16:creationId xmlns:a16="http://schemas.microsoft.com/office/drawing/2014/main" id="{DD46F74B-B69F-063A-B6A6-8C0A8CDB46B9}"/>
+              </a:ext>
+            </a:extLst>
+          </p:cNvPr>
+          <p:cNvGrpSpPr/>
+          <p:nvPr/>
+        </p:nvGrpSpPr>
+        <p:grpSpPr>
+          <a:xfrm>
+            <a:off x="9715662" y="4629628"/>
+            <a:ext cx="720000" cy="720000"/>
+            <a:chOff x="9715662" y="4629628"/>
+            <a:chExt cx="1800000" cy="1800000"/>
+          </a:xfrm>
+        </p:grpSpPr>
+        <p:sp>
+          <p:nvSpPr>
+            <p:cNvPr id="108" name="Ellipse 107">
+              <a:extLst>
+                <a:ext uri="{FF2B5EF4-FFF2-40B4-BE49-F238E27FC236}">
+                  <a16:creationId xmlns:a16="http://schemas.microsoft.com/office/drawing/2014/main" id="{60720F3B-AB7B-14C3-2BEA-B12558B76815}"/>
+                </a:ext>
+              </a:extLst>
+            </p:cNvPr>
+            <p:cNvSpPr/>
+            <p:nvPr/>
+          </p:nvSpPr>
+          <p:spPr>
+            <a:xfrm>
+              <a:off x="9715662" y="4629628"/>
+              <a:ext cx="1800000" cy="1800000"/>
+            </a:xfrm>
+            <a:prstGeom prst="ellipse">
+              <a:avLst/>
+            </a:prstGeom>
+            <a:solidFill>
+              <a:srgbClr val="00547F"/>
+            </a:solidFill>
+            <a:ln>
+              <a:noFill/>
+            </a:ln>
+          </p:spPr>
+          <p:style>
+            <a:lnRef idx="2">
+              <a:schemeClr val="accent1">
+                <a:shade val="50000"/>
+              </a:schemeClr>
+            </a:lnRef>
+            <a:fillRef idx="1">
+              <a:schemeClr val="accent1"/>
+            </a:fillRef>
+            <a:effectRef idx="0">
+              <a:schemeClr val="accent1"/>
+            </a:effectRef>
+            <a:fontRef idx="minor">
+              <a:schemeClr val="lt1"/>
+            </a:fontRef>
+          </p:style>
+          <p:txBody>
+            <a:bodyPr rtlCol="0" anchor="ctr"/>
+            <a:lstStyle/>
+            <a:p>
+              <a:pPr algn="ctr"/>
+              <a:endParaRPr lang="fr-FR"/>
+            </a:p>
+          </p:txBody>
+        </p:sp>
+        <p:pic>
+          <p:nvPicPr>
+            <p:cNvPr id="123" name="Image 122">
+              <a:extLst>
+                <a:ext uri="{FF2B5EF4-FFF2-40B4-BE49-F238E27FC236}">
+                  <a16:creationId xmlns:a16="http://schemas.microsoft.com/office/drawing/2014/main" id="{352AC070-5677-A574-7484-30B6935F0E9C}"/>
+                </a:ext>
+              </a:extLst>
+            </p:cNvPr>
+            <p:cNvPicPr>
+              <a:picLocks noChangeAspect="1"/>
+            </p:cNvPicPr>
+            <p:nvPr/>
+          </p:nvPicPr>
+          <p:blipFill>
+            <a:blip r:embed="rId41"/>
+            <a:stretch>
+              <a:fillRect/>
+            </a:stretch>
+          </p:blipFill>
+          <p:spPr>
+            <a:xfrm>
+              <a:off x="9967662" y="4881628"/>
+              <a:ext cx="1296000" cy="1296000"/>
+            </a:xfrm>
+            <a:prstGeom prst="rect">
+              <a:avLst/>
+            </a:prstGeom>
+          </p:spPr>
+        </p:pic>
+      </p:grpSp>
+      <p:grpSp>
+        <p:nvGrpSpPr>
+          <p:cNvPr id="131" name="Groupe 130">
+            <a:extLst>
+              <a:ext uri="{FF2B5EF4-FFF2-40B4-BE49-F238E27FC236}">
+                <a16:creationId xmlns:a16="http://schemas.microsoft.com/office/drawing/2014/main" id="{E973EF64-7F17-3F32-14CB-AB594B1A7E07}"/>
+              </a:ext>
+            </a:extLst>
+          </p:cNvPr>
+          <p:cNvGrpSpPr/>
+          <p:nvPr/>
+        </p:nvGrpSpPr>
+        <p:grpSpPr>
+          <a:xfrm>
+            <a:off x="7460346" y="2032587"/>
+            <a:ext cx="720000" cy="720000"/>
+            <a:chOff x="8191968" y="4749510"/>
+            <a:chExt cx="1800000" cy="1800000"/>
+          </a:xfrm>
+        </p:grpSpPr>
+        <p:sp>
+          <p:nvSpPr>
+            <p:cNvPr id="126" name="Ellipse 125">
+              <a:extLst>
+                <a:ext uri="{FF2B5EF4-FFF2-40B4-BE49-F238E27FC236}">
+                  <a16:creationId xmlns:a16="http://schemas.microsoft.com/office/drawing/2014/main" id="{C2B3541B-E8CB-8D81-D9DE-1E9D04A64679}"/>
+                </a:ext>
+              </a:extLst>
+            </p:cNvPr>
+            <p:cNvSpPr/>
+            <p:nvPr/>
+          </p:nvSpPr>
+          <p:spPr>
+            <a:xfrm>
+              <a:off x="8191968" y="4749510"/>
+              <a:ext cx="1800000" cy="1800000"/>
+            </a:xfrm>
+            <a:prstGeom prst="ellipse">
+              <a:avLst/>
+            </a:prstGeom>
+            <a:solidFill>
+              <a:srgbClr val="00547F"/>
+            </a:solidFill>
+            <a:ln>
+              <a:noFill/>
+            </a:ln>
+          </p:spPr>
+          <p:style>
+            <a:lnRef idx="2">
+              <a:schemeClr val="accent1">
+                <a:shade val="50000"/>
+              </a:schemeClr>
+            </a:lnRef>
+            <a:fillRef idx="1">
+              <a:schemeClr val="accent1"/>
+            </a:fillRef>
+            <a:effectRef idx="0">
+              <a:schemeClr val="accent1"/>
+            </a:effectRef>
+            <a:fontRef idx="minor">
+              <a:schemeClr val="lt1"/>
+            </a:fontRef>
+          </p:style>
+          <p:txBody>
+            <a:bodyPr rtlCol="0" anchor="ctr"/>
+            <a:lstStyle/>
+            <a:p>
+              <a:pPr algn="ctr"/>
+              <a:endParaRPr lang="fr-FR"/>
+            </a:p>
+          </p:txBody>
+        </p:sp>
+        <p:pic>
+          <p:nvPicPr>
+            <p:cNvPr id="129" name="Image 128">
+              <a:extLst>
+                <a:ext uri="{FF2B5EF4-FFF2-40B4-BE49-F238E27FC236}">
+                  <a16:creationId xmlns:a16="http://schemas.microsoft.com/office/drawing/2014/main" id="{7FF39DF7-FB26-FBDD-0784-AA9EED3FCF85}"/>
+                </a:ext>
+              </a:extLst>
+            </p:cNvPr>
+            <p:cNvPicPr>
+              <a:picLocks noChangeAspect="1"/>
+            </p:cNvPicPr>
+            <p:nvPr/>
+          </p:nvPicPr>
+          <p:blipFill>
+            <a:blip r:embed="rId42"/>
+            <a:stretch>
+              <a:fillRect/>
+            </a:stretch>
+          </p:blipFill>
+          <p:spPr>
+            <a:xfrm>
+              <a:off x="8414541" y="5141440"/>
+              <a:ext cx="1354854" cy="1016140"/>
+            </a:xfrm>
+            <a:prstGeom prst="rect">
+              <a:avLst/>
+            </a:prstGeom>
+          </p:spPr>
+        </p:pic>
+      </p:grpSp>
     </p:spTree>
     <p:extLst>
       <p:ext uri="{BB962C8B-B14F-4D97-AF65-F5344CB8AC3E}">
@@ -12301,6 +12970,418 @@
           </a:prstGeom>
         </p:spPr>
       </p:pic>
+      <p:grpSp>
+        <p:nvGrpSpPr>
+          <p:cNvPr id="2" name="Groupe 1">
+            <a:extLst>
+              <a:ext uri="{FF2B5EF4-FFF2-40B4-BE49-F238E27FC236}">
+                <a16:creationId xmlns:a16="http://schemas.microsoft.com/office/drawing/2014/main" id="{F414DCE3-266B-8BA4-44F5-8377B2EAF4AB}"/>
+              </a:ext>
+            </a:extLst>
+          </p:cNvPr>
+          <p:cNvGrpSpPr/>
+          <p:nvPr/>
+        </p:nvGrpSpPr>
+        <p:grpSpPr>
+          <a:xfrm>
+            <a:off x="6225590" y="6429678"/>
+            <a:ext cx="720000" cy="720000"/>
+            <a:chOff x="10288921" y="4962102"/>
+            <a:chExt cx="1800000" cy="1800000"/>
+          </a:xfrm>
+        </p:grpSpPr>
+        <p:sp>
+          <p:nvSpPr>
+            <p:cNvPr id="3" name="Ellipse 2">
+              <a:extLst>
+                <a:ext uri="{FF2B5EF4-FFF2-40B4-BE49-F238E27FC236}">
+                  <a16:creationId xmlns:a16="http://schemas.microsoft.com/office/drawing/2014/main" id="{4FEBC376-BA92-1B65-AA83-78C9955CD9BC}"/>
+                </a:ext>
+              </a:extLst>
+            </p:cNvPr>
+            <p:cNvSpPr/>
+            <p:nvPr/>
+          </p:nvSpPr>
+          <p:spPr>
+            <a:xfrm>
+              <a:off x="10288921" y="4962102"/>
+              <a:ext cx="1800000" cy="1800000"/>
+            </a:xfrm>
+            <a:prstGeom prst="ellipse">
+              <a:avLst/>
+            </a:prstGeom>
+            <a:solidFill>
+              <a:srgbClr val="68348B"/>
+            </a:solidFill>
+            <a:ln>
+              <a:noFill/>
+            </a:ln>
+          </p:spPr>
+          <p:style>
+            <a:lnRef idx="2">
+              <a:schemeClr val="accent1">
+                <a:shade val="50000"/>
+              </a:schemeClr>
+            </a:lnRef>
+            <a:fillRef idx="1">
+              <a:schemeClr val="accent1"/>
+            </a:fillRef>
+            <a:effectRef idx="0">
+              <a:schemeClr val="accent1"/>
+            </a:effectRef>
+            <a:fontRef idx="minor">
+              <a:schemeClr val="lt1"/>
+            </a:fontRef>
+          </p:style>
+          <p:txBody>
+            <a:bodyPr rtlCol="0" anchor="ctr"/>
+            <a:lstStyle/>
+            <a:p>
+              <a:pPr algn="ctr"/>
+              <a:endParaRPr lang="fr-FR"/>
+            </a:p>
+          </p:txBody>
+        </p:sp>
+        <p:pic>
+          <p:nvPicPr>
+            <p:cNvPr id="44" name="Image 43">
+              <a:extLst>
+                <a:ext uri="{FF2B5EF4-FFF2-40B4-BE49-F238E27FC236}">
+                  <a16:creationId xmlns:a16="http://schemas.microsoft.com/office/drawing/2014/main" id="{7A15C536-8C24-B259-ECA9-C6F4CA71E414}"/>
+                </a:ext>
+              </a:extLst>
+            </p:cNvPr>
+            <p:cNvPicPr>
+              <a:picLocks noChangeAspect="1"/>
+            </p:cNvPicPr>
+            <p:nvPr/>
+          </p:nvPicPr>
+          <p:blipFill>
+            <a:blip r:embed="rId36"/>
+            <a:stretch>
+              <a:fillRect/>
+            </a:stretch>
+          </p:blipFill>
+          <p:spPr>
+            <a:xfrm>
+              <a:off x="10628350" y="5172435"/>
+              <a:ext cx="1121142" cy="1332826"/>
+            </a:xfrm>
+            <a:prstGeom prst="rect">
+              <a:avLst/>
+            </a:prstGeom>
+          </p:spPr>
+        </p:pic>
+      </p:grpSp>
+      <p:grpSp>
+        <p:nvGrpSpPr>
+          <p:cNvPr id="45" name="Groupe 44">
+            <a:extLst>
+              <a:ext uri="{FF2B5EF4-FFF2-40B4-BE49-F238E27FC236}">
+                <a16:creationId xmlns:a16="http://schemas.microsoft.com/office/drawing/2014/main" id="{2D44B6EE-D066-E879-25C8-DAAF76AE3B47}"/>
+              </a:ext>
+            </a:extLst>
+          </p:cNvPr>
+          <p:cNvGrpSpPr/>
+          <p:nvPr/>
+        </p:nvGrpSpPr>
+        <p:grpSpPr>
+          <a:xfrm>
+            <a:off x="3101762" y="448460"/>
+            <a:ext cx="720000" cy="720000"/>
+            <a:chOff x="9936161" y="2842323"/>
+            <a:chExt cx="1800000" cy="1800000"/>
+          </a:xfrm>
+        </p:grpSpPr>
+        <p:sp>
+          <p:nvSpPr>
+            <p:cNvPr id="46" name="Ellipse 45">
+              <a:extLst>
+                <a:ext uri="{FF2B5EF4-FFF2-40B4-BE49-F238E27FC236}">
+                  <a16:creationId xmlns:a16="http://schemas.microsoft.com/office/drawing/2014/main" id="{B0B71467-2274-2E0F-52D1-52259E22EA0C}"/>
+                </a:ext>
+              </a:extLst>
+            </p:cNvPr>
+            <p:cNvSpPr/>
+            <p:nvPr/>
+          </p:nvSpPr>
+          <p:spPr>
+            <a:xfrm>
+              <a:off x="9936161" y="2842323"/>
+              <a:ext cx="1800000" cy="1800000"/>
+            </a:xfrm>
+            <a:prstGeom prst="ellipse">
+              <a:avLst/>
+            </a:prstGeom>
+            <a:solidFill>
+              <a:srgbClr val="00547F"/>
+            </a:solidFill>
+            <a:ln>
+              <a:noFill/>
+            </a:ln>
+          </p:spPr>
+          <p:style>
+            <a:lnRef idx="2">
+              <a:schemeClr val="accent1">
+                <a:shade val="50000"/>
+              </a:schemeClr>
+            </a:lnRef>
+            <a:fillRef idx="1">
+              <a:schemeClr val="accent1"/>
+            </a:fillRef>
+            <a:effectRef idx="0">
+              <a:schemeClr val="accent1"/>
+            </a:effectRef>
+            <a:fontRef idx="minor">
+              <a:schemeClr val="lt1"/>
+            </a:fontRef>
+          </p:style>
+          <p:txBody>
+            <a:bodyPr rtlCol="0" anchor="ctr"/>
+            <a:lstStyle/>
+            <a:p>
+              <a:pPr algn="ctr"/>
+              <a:endParaRPr lang="fr-FR"/>
+            </a:p>
+          </p:txBody>
+        </p:sp>
+        <p:pic>
+          <p:nvPicPr>
+            <p:cNvPr id="47" name="Image 46">
+              <a:extLst>
+                <a:ext uri="{FF2B5EF4-FFF2-40B4-BE49-F238E27FC236}">
+                  <a16:creationId xmlns:a16="http://schemas.microsoft.com/office/drawing/2014/main" id="{833BDB0E-E688-BEDD-1B8E-49A04DBB0B15}"/>
+                </a:ext>
+              </a:extLst>
+            </p:cNvPr>
+            <p:cNvPicPr>
+              <a:picLocks noChangeAspect="1"/>
+            </p:cNvPicPr>
+            <p:nvPr/>
+          </p:nvPicPr>
+          <p:blipFill>
+            <a:blip r:embed="rId37"/>
+            <a:stretch>
+              <a:fillRect/>
+            </a:stretch>
+          </p:blipFill>
+          <p:spPr>
+            <a:xfrm>
+              <a:off x="10487410" y="3022323"/>
+              <a:ext cx="697502" cy="1440000"/>
+            </a:xfrm>
+            <a:prstGeom prst="rect">
+              <a:avLst/>
+            </a:prstGeom>
+          </p:spPr>
+        </p:pic>
+      </p:grpSp>
+      <p:grpSp>
+        <p:nvGrpSpPr>
+          <p:cNvPr id="48" name="Groupe 47">
+            <a:extLst>
+              <a:ext uri="{FF2B5EF4-FFF2-40B4-BE49-F238E27FC236}">
+                <a16:creationId xmlns:a16="http://schemas.microsoft.com/office/drawing/2014/main" id="{F18DA339-A0E0-8EEA-09BE-D05F958B2726}"/>
+              </a:ext>
+            </a:extLst>
+          </p:cNvPr>
+          <p:cNvGrpSpPr/>
+          <p:nvPr/>
+        </p:nvGrpSpPr>
+        <p:grpSpPr>
+          <a:xfrm>
+            <a:off x="3914205" y="428192"/>
+            <a:ext cx="720000" cy="720000"/>
+            <a:chOff x="9715662" y="4629628"/>
+            <a:chExt cx="1800000" cy="1800000"/>
+          </a:xfrm>
+        </p:grpSpPr>
+        <p:sp>
+          <p:nvSpPr>
+            <p:cNvPr id="49" name="Ellipse 48">
+              <a:extLst>
+                <a:ext uri="{FF2B5EF4-FFF2-40B4-BE49-F238E27FC236}">
+                  <a16:creationId xmlns:a16="http://schemas.microsoft.com/office/drawing/2014/main" id="{35B8D14E-4517-D148-CA23-6C8ACD3DF6FA}"/>
+                </a:ext>
+              </a:extLst>
+            </p:cNvPr>
+            <p:cNvSpPr/>
+            <p:nvPr/>
+          </p:nvSpPr>
+          <p:spPr>
+            <a:xfrm>
+              <a:off x="9715662" y="4629628"/>
+              <a:ext cx="1800000" cy="1800000"/>
+            </a:xfrm>
+            <a:prstGeom prst="ellipse">
+              <a:avLst/>
+            </a:prstGeom>
+            <a:solidFill>
+              <a:srgbClr val="00547F"/>
+            </a:solidFill>
+            <a:ln>
+              <a:noFill/>
+            </a:ln>
+          </p:spPr>
+          <p:style>
+            <a:lnRef idx="2">
+              <a:schemeClr val="accent1">
+                <a:shade val="50000"/>
+              </a:schemeClr>
+            </a:lnRef>
+            <a:fillRef idx="1">
+              <a:schemeClr val="accent1"/>
+            </a:fillRef>
+            <a:effectRef idx="0">
+              <a:schemeClr val="accent1"/>
+            </a:effectRef>
+            <a:fontRef idx="minor">
+              <a:schemeClr val="lt1"/>
+            </a:fontRef>
+          </p:style>
+          <p:txBody>
+            <a:bodyPr rtlCol="0" anchor="ctr"/>
+            <a:lstStyle/>
+            <a:p>
+              <a:pPr algn="ctr"/>
+              <a:endParaRPr lang="fr-FR"/>
+            </a:p>
+          </p:txBody>
+        </p:sp>
+        <p:pic>
+          <p:nvPicPr>
+            <p:cNvPr id="50" name="Image 49">
+              <a:extLst>
+                <a:ext uri="{FF2B5EF4-FFF2-40B4-BE49-F238E27FC236}">
+                  <a16:creationId xmlns:a16="http://schemas.microsoft.com/office/drawing/2014/main" id="{8D149F6C-65AE-6F5B-EA20-EC108E82F25F}"/>
+                </a:ext>
+              </a:extLst>
+            </p:cNvPr>
+            <p:cNvPicPr>
+              <a:picLocks noChangeAspect="1"/>
+            </p:cNvPicPr>
+            <p:nvPr/>
+          </p:nvPicPr>
+          <p:blipFill>
+            <a:blip r:embed="rId38"/>
+            <a:stretch>
+              <a:fillRect/>
+            </a:stretch>
+          </p:blipFill>
+          <p:spPr>
+            <a:xfrm>
+              <a:off x="9967662" y="4881628"/>
+              <a:ext cx="1296000" cy="1296000"/>
+            </a:xfrm>
+            <a:prstGeom prst="rect">
+              <a:avLst/>
+            </a:prstGeom>
+          </p:spPr>
+        </p:pic>
+      </p:grpSp>
+      <p:grpSp>
+        <p:nvGrpSpPr>
+          <p:cNvPr id="51" name="Groupe 50">
+            <a:extLst>
+              <a:ext uri="{FF2B5EF4-FFF2-40B4-BE49-F238E27FC236}">
+                <a16:creationId xmlns:a16="http://schemas.microsoft.com/office/drawing/2014/main" id="{6E1E0887-AD6A-5610-6CB8-C6CF5A80048B}"/>
+              </a:ext>
+            </a:extLst>
+          </p:cNvPr>
+          <p:cNvGrpSpPr/>
+          <p:nvPr/>
+        </p:nvGrpSpPr>
+        <p:grpSpPr>
+          <a:xfrm>
+            <a:off x="1522326" y="406355"/>
+            <a:ext cx="720000" cy="720000"/>
+            <a:chOff x="8191968" y="4749510"/>
+            <a:chExt cx="1800000" cy="1800000"/>
+          </a:xfrm>
+        </p:grpSpPr>
+        <p:sp>
+          <p:nvSpPr>
+            <p:cNvPr id="52" name="Ellipse 51">
+              <a:extLst>
+                <a:ext uri="{FF2B5EF4-FFF2-40B4-BE49-F238E27FC236}">
+                  <a16:creationId xmlns:a16="http://schemas.microsoft.com/office/drawing/2014/main" id="{670250B2-C9CE-2371-5DAF-7A1D5A643D46}"/>
+                </a:ext>
+              </a:extLst>
+            </p:cNvPr>
+            <p:cNvSpPr/>
+            <p:nvPr/>
+          </p:nvSpPr>
+          <p:spPr>
+            <a:xfrm>
+              <a:off x="8191968" y="4749510"/>
+              <a:ext cx="1800000" cy="1800000"/>
+            </a:xfrm>
+            <a:prstGeom prst="ellipse">
+              <a:avLst/>
+            </a:prstGeom>
+            <a:solidFill>
+              <a:srgbClr val="00547F"/>
+            </a:solidFill>
+            <a:ln>
+              <a:noFill/>
+            </a:ln>
+          </p:spPr>
+          <p:style>
+            <a:lnRef idx="2">
+              <a:schemeClr val="accent1">
+                <a:shade val="50000"/>
+              </a:schemeClr>
+            </a:lnRef>
+            <a:fillRef idx="1">
+              <a:schemeClr val="accent1"/>
+            </a:fillRef>
+            <a:effectRef idx="0">
+              <a:schemeClr val="accent1"/>
+            </a:effectRef>
+            <a:fontRef idx="minor">
+              <a:schemeClr val="lt1"/>
+            </a:fontRef>
+          </p:style>
+          <p:txBody>
+            <a:bodyPr rtlCol="0" anchor="ctr"/>
+            <a:lstStyle/>
+            <a:p>
+              <a:pPr algn="ctr"/>
+              <a:endParaRPr lang="fr-FR"/>
+            </a:p>
+          </p:txBody>
+        </p:sp>
+        <p:pic>
+          <p:nvPicPr>
+            <p:cNvPr id="53" name="Image 52">
+              <a:extLst>
+                <a:ext uri="{FF2B5EF4-FFF2-40B4-BE49-F238E27FC236}">
+                  <a16:creationId xmlns:a16="http://schemas.microsoft.com/office/drawing/2014/main" id="{4CFD42EF-7F37-218C-D615-DC872C3DDEBB}"/>
+                </a:ext>
+              </a:extLst>
+            </p:cNvPr>
+            <p:cNvPicPr>
+              <a:picLocks noChangeAspect="1"/>
+            </p:cNvPicPr>
+            <p:nvPr/>
+          </p:nvPicPr>
+          <p:blipFill>
+            <a:blip r:embed="rId39"/>
+            <a:stretch>
+              <a:fillRect/>
+            </a:stretch>
+          </p:blipFill>
+          <p:spPr>
+            <a:xfrm>
+              <a:off x="8414541" y="5141440"/>
+              <a:ext cx="1354854" cy="1016140"/>
+            </a:xfrm>
+            <a:prstGeom prst="rect">
+              <a:avLst/>
+            </a:prstGeom>
+          </p:spPr>
+        </p:pic>
+      </p:grpSp>
     </p:spTree>
     <p:extLst>
       <p:ext uri="{BB962C8B-B14F-4D97-AF65-F5344CB8AC3E}">

--- a/ChaineFonctionnelle_V2.pptx
+++ b/ChaineFonctionnelle_V2.pptx
@@ -8,6 +8,7 @@
     <p:sldId id="256" r:id="rId2"/>
     <p:sldId id="257" r:id="rId3"/>
     <p:sldId id="258" r:id="rId4"/>
+    <p:sldId id="259" r:id="rId5"/>
   </p:sldIdLst>
   <p:sldSz cx="12192000" cy="6858000"/>
   <p:notesSz cx="6858000" cy="9144000"/>
@@ -272,7 +273,7 @@
           <a:p>
             <a:fld id="{CBBDF585-21ED-4D60-8F93-A9937640259B}" type="datetimeFigureOut">
               <a:rPr lang="fr-FR" smtClean="0"/>
-              <a:t>31/03/2023</a:t>
+              <a:t>01/04/2023</a:t>
             </a:fld>
             <a:endParaRPr lang="fr-FR"/>
           </a:p>
@@ -470,7 +471,7 @@
           <a:p>
             <a:fld id="{CBBDF585-21ED-4D60-8F93-A9937640259B}" type="datetimeFigureOut">
               <a:rPr lang="fr-FR" smtClean="0"/>
-              <a:t>31/03/2023</a:t>
+              <a:t>01/04/2023</a:t>
             </a:fld>
             <a:endParaRPr lang="fr-FR"/>
           </a:p>
@@ -678,7 +679,7 @@
           <a:p>
             <a:fld id="{CBBDF585-21ED-4D60-8F93-A9937640259B}" type="datetimeFigureOut">
               <a:rPr lang="fr-FR" smtClean="0"/>
-              <a:t>31/03/2023</a:t>
+              <a:t>01/04/2023</a:t>
             </a:fld>
             <a:endParaRPr lang="fr-FR"/>
           </a:p>
@@ -876,7 +877,7 @@
           <a:p>
             <a:fld id="{CBBDF585-21ED-4D60-8F93-A9937640259B}" type="datetimeFigureOut">
               <a:rPr lang="fr-FR" smtClean="0"/>
-              <a:t>31/03/2023</a:t>
+              <a:t>01/04/2023</a:t>
             </a:fld>
             <a:endParaRPr lang="fr-FR"/>
           </a:p>
@@ -1151,7 +1152,7 @@
           <a:p>
             <a:fld id="{CBBDF585-21ED-4D60-8F93-A9937640259B}" type="datetimeFigureOut">
               <a:rPr lang="fr-FR" smtClean="0"/>
-              <a:t>31/03/2023</a:t>
+              <a:t>01/04/2023</a:t>
             </a:fld>
             <a:endParaRPr lang="fr-FR"/>
           </a:p>
@@ -1416,7 +1417,7 @@
           <a:p>
             <a:fld id="{CBBDF585-21ED-4D60-8F93-A9937640259B}" type="datetimeFigureOut">
               <a:rPr lang="fr-FR" smtClean="0"/>
-              <a:t>31/03/2023</a:t>
+              <a:t>01/04/2023</a:t>
             </a:fld>
             <a:endParaRPr lang="fr-FR"/>
           </a:p>
@@ -1828,7 +1829,7 @@
           <a:p>
             <a:fld id="{CBBDF585-21ED-4D60-8F93-A9937640259B}" type="datetimeFigureOut">
               <a:rPr lang="fr-FR" smtClean="0"/>
-              <a:t>31/03/2023</a:t>
+              <a:t>01/04/2023</a:t>
             </a:fld>
             <a:endParaRPr lang="fr-FR"/>
           </a:p>
@@ -1969,7 +1970,7 @@
           <a:p>
             <a:fld id="{CBBDF585-21ED-4D60-8F93-A9937640259B}" type="datetimeFigureOut">
               <a:rPr lang="fr-FR" smtClean="0"/>
-              <a:t>31/03/2023</a:t>
+              <a:t>01/04/2023</a:t>
             </a:fld>
             <a:endParaRPr lang="fr-FR"/>
           </a:p>
@@ -2082,7 +2083,7 @@
           <a:p>
             <a:fld id="{CBBDF585-21ED-4D60-8F93-A9937640259B}" type="datetimeFigureOut">
               <a:rPr lang="fr-FR" smtClean="0"/>
-              <a:t>31/03/2023</a:t>
+              <a:t>01/04/2023</a:t>
             </a:fld>
             <a:endParaRPr lang="fr-FR"/>
           </a:p>
@@ -2393,7 +2394,7 @@
           <a:p>
             <a:fld id="{CBBDF585-21ED-4D60-8F93-A9937640259B}" type="datetimeFigureOut">
               <a:rPr lang="fr-FR" smtClean="0"/>
-              <a:t>31/03/2023</a:t>
+              <a:t>01/04/2023</a:t>
             </a:fld>
             <a:endParaRPr lang="fr-FR"/>
           </a:p>
@@ -2681,7 +2682,7 @@
           <a:p>
             <a:fld id="{CBBDF585-21ED-4D60-8F93-A9937640259B}" type="datetimeFigureOut">
               <a:rPr lang="fr-FR" smtClean="0"/>
-              <a:t>31/03/2023</a:t>
+              <a:t>01/04/2023</a:t>
             </a:fld>
             <a:endParaRPr lang="fr-FR"/>
           </a:p>
@@ -2922,7 +2923,7 @@
           <a:p>
             <a:fld id="{CBBDF585-21ED-4D60-8F93-A9937640259B}" type="datetimeFigureOut">
               <a:rPr lang="fr-FR" smtClean="0"/>
-              <a:t>31/03/2023</a:t>
+              <a:t>01/04/2023</a:t>
             </a:fld>
             <a:endParaRPr lang="fr-FR"/>
           </a:p>
@@ -7933,8 +7934,8 @@
         </p:blipFill>
         <p:spPr>
           <a:xfrm>
-            <a:off x="4453467" y="2764988"/>
-            <a:ext cx="720000" cy="720000"/>
+            <a:off x="3188486" y="1500007"/>
+            <a:ext cx="3249962" cy="3249962"/>
           </a:xfrm>
           <a:prstGeom prst="rect">
             <a:avLst/>
@@ -8788,6 +8789,109 @@
             <a:xfrm>
               <a:off x="8414541" y="5141440"/>
               <a:ext cx="1354854" cy="1016140"/>
+            </a:xfrm>
+            <a:prstGeom prst="rect">
+              <a:avLst/>
+            </a:prstGeom>
+          </p:spPr>
+        </p:pic>
+      </p:grpSp>
+      <p:grpSp>
+        <p:nvGrpSpPr>
+          <p:cNvPr id="43" name="Groupe 42">
+            <a:extLst>
+              <a:ext uri="{FF2B5EF4-FFF2-40B4-BE49-F238E27FC236}">
+                <a16:creationId xmlns:a16="http://schemas.microsoft.com/office/drawing/2014/main" id="{8D3294B5-E933-ACA8-AB34-85F6C91F87AC}"/>
+              </a:ext>
+            </a:extLst>
+          </p:cNvPr>
+          <p:cNvGrpSpPr/>
+          <p:nvPr/>
+        </p:nvGrpSpPr>
+        <p:grpSpPr>
+          <a:xfrm rot="19800000">
+            <a:off x="8213688" y="5214946"/>
+            <a:ext cx="720000" cy="720000"/>
+            <a:chOff x="8213688" y="5214946"/>
+            <a:chExt cx="1800000" cy="1800000"/>
+          </a:xfrm>
+        </p:grpSpPr>
+        <p:sp>
+          <p:nvSpPr>
+            <p:cNvPr id="12" name="Ellipse 11">
+              <a:extLst>
+                <a:ext uri="{FF2B5EF4-FFF2-40B4-BE49-F238E27FC236}">
+                  <a16:creationId xmlns:a16="http://schemas.microsoft.com/office/drawing/2014/main" id="{CD90FFBA-8563-98F3-880B-CA6654A7689B}"/>
+                </a:ext>
+              </a:extLst>
+            </p:cNvPr>
+            <p:cNvSpPr/>
+            <p:nvPr/>
+          </p:nvSpPr>
+          <p:spPr>
+            <a:xfrm>
+              <a:off x="8213688" y="5214946"/>
+              <a:ext cx="1800000" cy="1800000"/>
+            </a:xfrm>
+            <a:prstGeom prst="ellipse">
+              <a:avLst/>
+            </a:prstGeom>
+            <a:solidFill>
+              <a:srgbClr val="00547F"/>
+            </a:solidFill>
+            <a:ln>
+              <a:noFill/>
+            </a:ln>
+          </p:spPr>
+          <p:style>
+            <a:lnRef idx="2">
+              <a:schemeClr val="accent1">
+                <a:shade val="50000"/>
+              </a:schemeClr>
+            </a:lnRef>
+            <a:fillRef idx="1">
+              <a:schemeClr val="accent1"/>
+            </a:fillRef>
+            <a:effectRef idx="0">
+              <a:schemeClr val="accent1"/>
+            </a:effectRef>
+            <a:fontRef idx="minor">
+              <a:schemeClr val="lt1"/>
+            </a:fontRef>
+          </p:style>
+          <p:txBody>
+            <a:bodyPr rtlCol="0" anchor="ctr"/>
+            <a:lstStyle/>
+            <a:p>
+              <a:pPr algn="ctr"/>
+              <a:endParaRPr lang="fr-FR"/>
+            </a:p>
+          </p:txBody>
+        </p:sp>
+        <p:pic>
+          <p:nvPicPr>
+            <p:cNvPr id="36" name="Image 35">
+              <a:extLst>
+                <a:ext uri="{FF2B5EF4-FFF2-40B4-BE49-F238E27FC236}">
+                  <a16:creationId xmlns:a16="http://schemas.microsoft.com/office/drawing/2014/main" id="{F6175F9D-BE18-A337-BE36-D3796C3434C7}"/>
+                </a:ext>
+              </a:extLst>
+            </p:cNvPr>
+            <p:cNvPicPr>
+              <a:picLocks noChangeAspect="1"/>
+            </p:cNvPicPr>
+            <p:nvPr/>
+          </p:nvPicPr>
+          <p:blipFill>
+            <a:blip r:embed="rId43"/>
+            <a:stretch>
+              <a:fillRect/>
+            </a:stretch>
+          </p:blipFill>
+          <p:spPr>
+            <a:xfrm rot="2700000">
+              <a:off x="8411372" y="5412630"/>
+              <a:ext cx="1404633" cy="1404633"/>
             </a:xfrm>
             <a:prstGeom prst="rect">
               <a:avLst/>
@@ -13382,10 +13486,160 @@
           </p:spPr>
         </p:pic>
       </p:grpSp>
+      <p:pic>
+        <p:nvPicPr>
+          <p:cNvPr id="55" name="Image 54">
+            <a:extLst>
+              <a:ext uri="{FF2B5EF4-FFF2-40B4-BE49-F238E27FC236}">
+                <a16:creationId xmlns:a16="http://schemas.microsoft.com/office/drawing/2014/main" id="{4CFC8473-394A-8CAF-8627-497C06E0D21C}"/>
+              </a:ext>
+            </a:extLst>
+          </p:cNvPr>
+          <p:cNvPicPr>
+            <a:picLocks noChangeAspect="1"/>
+          </p:cNvPicPr>
+          <p:nvPr/>
+        </p:nvPicPr>
+        <p:blipFill>
+          <a:blip r:embed="rId40"/>
+          <a:stretch>
+            <a:fillRect/>
+          </a:stretch>
+        </p:blipFill>
+        <p:spPr>
+          <a:xfrm>
+            <a:off x="2410859" y="3089147"/>
+            <a:ext cx="720000" cy="251650"/>
+          </a:xfrm>
+          <a:prstGeom prst="rect">
+            <a:avLst/>
+          </a:prstGeom>
+        </p:spPr>
+      </p:pic>
     </p:spTree>
     <p:extLst>
       <p:ext uri="{BB962C8B-B14F-4D97-AF65-F5344CB8AC3E}">
         <p14:creationId xmlns:p14="http://schemas.microsoft.com/office/powerpoint/2010/main" val="2549105548"/>
+      </p:ext>
+    </p:extLst>
+  </p:cSld>
+  <p:clrMapOvr>
+    <a:masterClrMapping/>
+  </p:clrMapOvr>
+</p:sld>
+</file>
+
+<file path=ppt/slides/slide4.xml><?xml version="1.0" encoding="utf-8"?>
+<p:sld xmlns:a="http://schemas.openxmlformats.org/drawingml/2006/main" xmlns:r="http://schemas.openxmlformats.org/officeDocument/2006/relationships" xmlns:p="http://schemas.openxmlformats.org/presentationml/2006/main">
+  <p:cSld>
+    <p:spTree>
+      <p:nvGrpSpPr>
+        <p:cNvPr id="1" name=""/>
+        <p:cNvGrpSpPr/>
+        <p:nvPr/>
+      </p:nvGrpSpPr>
+      <p:grpSpPr>
+        <a:xfrm>
+          <a:off x="0" y="0"/>
+          <a:ext cx="0" cy="0"/>
+          <a:chOff x="0" y="0"/>
+          <a:chExt cx="0" cy="0"/>
+        </a:xfrm>
+      </p:grpSpPr>
+      <p:pic>
+        <p:nvPicPr>
+          <p:cNvPr id="4" name="Image 3">
+            <a:extLst>
+              <a:ext uri="{FF2B5EF4-FFF2-40B4-BE49-F238E27FC236}">
+                <a16:creationId xmlns:a16="http://schemas.microsoft.com/office/drawing/2014/main" id="{9013CBB3-058B-126D-776C-727976D2A563}"/>
+              </a:ext>
+            </a:extLst>
+          </p:cNvPr>
+          <p:cNvPicPr>
+            <a:picLocks noChangeAspect="1"/>
+          </p:cNvPicPr>
+          <p:nvPr/>
+        </p:nvPicPr>
+        <p:blipFill>
+          <a:blip r:embed="rId2"/>
+          <a:stretch>
+            <a:fillRect/>
+          </a:stretch>
+        </p:blipFill>
+        <p:spPr>
+          <a:xfrm>
+            <a:off x="299356" y="152636"/>
+            <a:ext cx="3600000" cy="3600000"/>
+          </a:xfrm>
+          <a:prstGeom prst="rect">
+            <a:avLst/>
+          </a:prstGeom>
+        </p:spPr>
+      </p:pic>
+      <p:pic>
+        <p:nvPicPr>
+          <p:cNvPr id="6" name="Image 5">
+            <a:extLst>
+              <a:ext uri="{FF2B5EF4-FFF2-40B4-BE49-F238E27FC236}">
+                <a16:creationId xmlns:a16="http://schemas.microsoft.com/office/drawing/2014/main" id="{9DCA4DB5-43A1-115F-5117-E2E6A6C12DC8}"/>
+              </a:ext>
+            </a:extLst>
+          </p:cNvPr>
+          <p:cNvPicPr>
+            <a:picLocks noChangeAspect="1"/>
+          </p:cNvPicPr>
+          <p:nvPr/>
+        </p:nvPicPr>
+        <p:blipFill>
+          <a:blip r:embed="rId3"/>
+          <a:stretch>
+            <a:fillRect/>
+          </a:stretch>
+        </p:blipFill>
+        <p:spPr>
+          <a:xfrm>
+            <a:off x="4692646" y="158428"/>
+            <a:ext cx="3600000" cy="3600000"/>
+          </a:xfrm>
+          <a:prstGeom prst="rect">
+            <a:avLst/>
+          </a:prstGeom>
+        </p:spPr>
+      </p:pic>
+      <p:pic>
+        <p:nvPicPr>
+          <p:cNvPr id="8" name="Image 7">
+            <a:extLst>
+              <a:ext uri="{FF2B5EF4-FFF2-40B4-BE49-F238E27FC236}">
+                <a16:creationId xmlns:a16="http://schemas.microsoft.com/office/drawing/2014/main" id="{95A14A9D-9332-CE89-1A51-8AB40DE9FD6E}"/>
+              </a:ext>
+            </a:extLst>
+          </p:cNvPr>
+          <p:cNvPicPr>
+            <a:picLocks noChangeAspect="1"/>
+          </p:cNvPicPr>
+          <p:nvPr/>
+        </p:nvPicPr>
+        <p:blipFill>
+          <a:blip r:embed="rId4"/>
+          <a:stretch>
+            <a:fillRect/>
+          </a:stretch>
+        </p:blipFill>
+        <p:spPr>
+          <a:xfrm>
+            <a:off x="7015844" y="1628800"/>
+            <a:ext cx="4876800" cy="4876800"/>
+          </a:xfrm>
+          <a:prstGeom prst="rect">
+            <a:avLst/>
+          </a:prstGeom>
+        </p:spPr>
+      </p:pic>
+    </p:spTree>
+    <p:extLst>
+      <p:ext uri="{BB962C8B-B14F-4D97-AF65-F5344CB8AC3E}">
+        <p14:creationId xmlns:p14="http://schemas.microsoft.com/office/powerpoint/2010/main" val="3087461575"/>
       </p:ext>
     </p:extLst>
   </p:cSld>

--- a/ChaineFonctionnelle_V2.pptx
+++ b/ChaineFonctionnelle_V2.pptx
@@ -115,7 +115,7 @@
             <a:srgbClr val="A4A3A4"/>
           </p15:clr>
         </p15:guide>
-        <p15:guide id="2" pos="3840" userDrawn="1">
+        <p15:guide id="2" pos="3863" userDrawn="1">
           <p15:clr>
             <a:srgbClr val="A4A3A4"/>
           </p15:clr>
@@ -273,7 +273,7 @@
           <a:p>
             <a:fld id="{CBBDF585-21ED-4D60-8F93-A9937640259B}" type="datetimeFigureOut">
               <a:rPr lang="fr-FR" smtClean="0"/>
-              <a:t>01/04/2023</a:t>
+              <a:t>02/04/2023</a:t>
             </a:fld>
             <a:endParaRPr lang="fr-FR"/>
           </a:p>
@@ -471,7 +471,7 @@
           <a:p>
             <a:fld id="{CBBDF585-21ED-4D60-8F93-A9937640259B}" type="datetimeFigureOut">
               <a:rPr lang="fr-FR" smtClean="0"/>
-              <a:t>01/04/2023</a:t>
+              <a:t>02/04/2023</a:t>
             </a:fld>
             <a:endParaRPr lang="fr-FR"/>
           </a:p>
@@ -679,7 +679,7 @@
           <a:p>
             <a:fld id="{CBBDF585-21ED-4D60-8F93-A9937640259B}" type="datetimeFigureOut">
               <a:rPr lang="fr-FR" smtClean="0"/>
-              <a:t>01/04/2023</a:t>
+              <a:t>02/04/2023</a:t>
             </a:fld>
             <a:endParaRPr lang="fr-FR"/>
           </a:p>
@@ -877,7 +877,7 @@
           <a:p>
             <a:fld id="{CBBDF585-21ED-4D60-8F93-A9937640259B}" type="datetimeFigureOut">
               <a:rPr lang="fr-FR" smtClean="0"/>
-              <a:t>01/04/2023</a:t>
+              <a:t>02/04/2023</a:t>
             </a:fld>
             <a:endParaRPr lang="fr-FR"/>
           </a:p>
@@ -1152,7 +1152,7 @@
           <a:p>
             <a:fld id="{CBBDF585-21ED-4D60-8F93-A9937640259B}" type="datetimeFigureOut">
               <a:rPr lang="fr-FR" smtClean="0"/>
-              <a:t>01/04/2023</a:t>
+              <a:t>02/04/2023</a:t>
             </a:fld>
             <a:endParaRPr lang="fr-FR"/>
           </a:p>
@@ -1417,7 +1417,7 @@
           <a:p>
             <a:fld id="{CBBDF585-21ED-4D60-8F93-A9937640259B}" type="datetimeFigureOut">
               <a:rPr lang="fr-FR" smtClean="0"/>
-              <a:t>01/04/2023</a:t>
+              <a:t>02/04/2023</a:t>
             </a:fld>
             <a:endParaRPr lang="fr-FR"/>
           </a:p>
@@ -1829,7 +1829,7 @@
           <a:p>
             <a:fld id="{CBBDF585-21ED-4D60-8F93-A9937640259B}" type="datetimeFigureOut">
               <a:rPr lang="fr-FR" smtClean="0"/>
-              <a:t>01/04/2023</a:t>
+              <a:t>02/04/2023</a:t>
             </a:fld>
             <a:endParaRPr lang="fr-FR"/>
           </a:p>
@@ -1970,7 +1970,7 @@
           <a:p>
             <a:fld id="{CBBDF585-21ED-4D60-8F93-A9937640259B}" type="datetimeFigureOut">
               <a:rPr lang="fr-FR" smtClean="0"/>
-              <a:t>01/04/2023</a:t>
+              <a:t>02/04/2023</a:t>
             </a:fld>
             <a:endParaRPr lang="fr-FR"/>
           </a:p>
@@ -2083,7 +2083,7 @@
           <a:p>
             <a:fld id="{CBBDF585-21ED-4D60-8F93-A9937640259B}" type="datetimeFigureOut">
               <a:rPr lang="fr-FR" smtClean="0"/>
-              <a:t>01/04/2023</a:t>
+              <a:t>02/04/2023</a:t>
             </a:fld>
             <a:endParaRPr lang="fr-FR"/>
           </a:p>
@@ -2394,7 +2394,7 @@
           <a:p>
             <a:fld id="{CBBDF585-21ED-4D60-8F93-A9937640259B}" type="datetimeFigureOut">
               <a:rPr lang="fr-FR" smtClean="0"/>
-              <a:t>01/04/2023</a:t>
+              <a:t>02/04/2023</a:t>
             </a:fld>
             <a:endParaRPr lang="fr-FR"/>
           </a:p>
@@ -2682,7 +2682,7 @@
           <a:p>
             <a:fld id="{CBBDF585-21ED-4D60-8F93-A9937640259B}" type="datetimeFigureOut">
               <a:rPr lang="fr-FR" smtClean="0"/>
-              <a:t>01/04/2023</a:t>
+              <a:t>02/04/2023</a:t>
             </a:fld>
             <a:endParaRPr lang="fr-FR"/>
           </a:p>
@@ -2923,7 +2923,7 @@
           <a:p>
             <a:fld id="{CBBDF585-21ED-4D60-8F93-A9937640259B}" type="datetimeFigureOut">
               <a:rPr lang="fr-FR" smtClean="0"/>
-              <a:t>01/04/2023</a:t>
+              <a:t>02/04/2023</a:t>
             </a:fld>
             <a:endParaRPr lang="fr-FR"/>
           </a:p>
@@ -8899,6 +8899,264 @@
           </p:spPr>
         </p:pic>
       </p:grpSp>
+      <p:sp>
+        <p:nvSpPr>
+          <p:cNvPr id="29" name="Ellipse 28">
+            <a:extLst>
+              <a:ext uri="{FF2B5EF4-FFF2-40B4-BE49-F238E27FC236}">
+                <a16:creationId xmlns:a16="http://schemas.microsoft.com/office/drawing/2014/main" id="{4F9CFFD4-82F7-5367-4235-F9C63EDD3934}"/>
+              </a:ext>
+            </a:extLst>
+          </p:cNvPr>
+          <p:cNvSpPr/>
+          <p:nvPr/>
+        </p:nvSpPr>
+        <p:spPr>
+          <a:xfrm>
+            <a:off x="8612196" y="3801520"/>
+            <a:ext cx="1800000" cy="1800000"/>
+          </a:xfrm>
+          <a:prstGeom prst="ellipse">
+            <a:avLst/>
+          </a:prstGeom>
+          <a:solidFill>
+            <a:srgbClr val="00547F"/>
+          </a:solidFill>
+          <a:ln>
+            <a:noFill/>
+          </a:ln>
+        </p:spPr>
+        <p:style>
+          <a:lnRef idx="2">
+            <a:schemeClr val="accent1">
+              <a:shade val="50000"/>
+            </a:schemeClr>
+          </a:lnRef>
+          <a:fillRef idx="1">
+            <a:schemeClr val="accent1"/>
+          </a:fillRef>
+          <a:effectRef idx="0">
+            <a:schemeClr val="accent1"/>
+          </a:effectRef>
+          <a:fontRef idx="minor">
+            <a:schemeClr val="lt1"/>
+          </a:fontRef>
+        </p:style>
+        <p:txBody>
+          <a:bodyPr rtlCol="0" anchor="ctr"/>
+          <a:lstStyle/>
+          <a:p>
+            <a:pPr algn="ctr"/>
+            <a:endParaRPr lang="fr-FR"/>
+          </a:p>
+        </p:txBody>
+      </p:sp>
+      <p:grpSp>
+        <p:nvGrpSpPr>
+          <p:cNvPr id="127" name="Groupe 126">
+            <a:extLst>
+              <a:ext uri="{FF2B5EF4-FFF2-40B4-BE49-F238E27FC236}">
+                <a16:creationId xmlns:a16="http://schemas.microsoft.com/office/drawing/2014/main" id="{E93099F9-46E5-42F6-C4E7-5151664D0C2B}"/>
+              </a:ext>
+            </a:extLst>
+          </p:cNvPr>
+          <p:cNvGrpSpPr/>
+          <p:nvPr/>
+        </p:nvGrpSpPr>
+        <p:grpSpPr>
+          <a:xfrm>
+            <a:off x="7489711" y="5414139"/>
+            <a:ext cx="720000" cy="720000"/>
+            <a:chOff x="10216711" y="4835236"/>
+            <a:chExt cx="1800000" cy="1800000"/>
+          </a:xfrm>
+        </p:grpSpPr>
+        <p:sp>
+          <p:nvSpPr>
+            <p:cNvPr id="53" name="Ellipse 52">
+              <a:extLst>
+                <a:ext uri="{FF2B5EF4-FFF2-40B4-BE49-F238E27FC236}">
+                  <a16:creationId xmlns:a16="http://schemas.microsoft.com/office/drawing/2014/main" id="{EA85CFF1-ABB7-FF3F-A573-523DB160517F}"/>
+                </a:ext>
+              </a:extLst>
+            </p:cNvPr>
+            <p:cNvSpPr/>
+            <p:nvPr/>
+          </p:nvSpPr>
+          <p:spPr>
+            <a:xfrm>
+              <a:off x="10216711" y="4835236"/>
+              <a:ext cx="1800000" cy="1800000"/>
+            </a:xfrm>
+            <a:prstGeom prst="ellipse">
+              <a:avLst/>
+            </a:prstGeom>
+            <a:solidFill>
+              <a:srgbClr val="00547F"/>
+            </a:solidFill>
+            <a:ln>
+              <a:noFill/>
+            </a:ln>
+          </p:spPr>
+          <p:style>
+            <a:lnRef idx="2">
+              <a:schemeClr val="accent1">
+                <a:shade val="50000"/>
+              </a:schemeClr>
+            </a:lnRef>
+            <a:fillRef idx="1">
+              <a:schemeClr val="accent1"/>
+            </a:fillRef>
+            <a:effectRef idx="0">
+              <a:schemeClr val="accent1"/>
+            </a:effectRef>
+            <a:fontRef idx="minor">
+              <a:schemeClr val="lt1"/>
+            </a:fontRef>
+          </p:style>
+          <p:txBody>
+            <a:bodyPr rtlCol="0" anchor="ctr"/>
+            <a:lstStyle/>
+            <a:p>
+              <a:pPr algn="ctr"/>
+              <a:endParaRPr lang="fr-FR"/>
+            </a:p>
+          </p:txBody>
+        </p:sp>
+        <p:pic>
+          <p:nvPicPr>
+            <p:cNvPr id="116" name="Image 115">
+              <a:extLst>
+                <a:ext uri="{FF2B5EF4-FFF2-40B4-BE49-F238E27FC236}">
+                  <a16:creationId xmlns:a16="http://schemas.microsoft.com/office/drawing/2014/main" id="{3FDF81F4-7F54-1F0D-C49E-3CBDD36A2514}"/>
+                </a:ext>
+              </a:extLst>
+            </p:cNvPr>
+            <p:cNvPicPr>
+              <a:picLocks noChangeAspect="1"/>
+            </p:cNvPicPr>
+            <p:nvPr/>
+          </p:nvPicPr>
+          <p:blipFill>
+            <a:blip r:embed="rId44"/>
+            <a:stretch>
+              <a:fillRect/>
+            </a:stretch>
+          </p:blipFill>
+          <p:spPr>
+            <a:xfrm flipH="1">
+              <a:off x="10382764" y="5000716"/>
+              <a:ext cx="1467894" cy="1467894"/>
+            </a:xfrm>
+            <a:prstGeom prst="rect">
+              <a:avLst/>
+            </a:prstGeom>
+          </p:spPr>
+        </p:pic>
+      </p:grpSp>
+      <p:grpSp>
+        <p:nvGrpSpPr>
+          <p:cNvPr id="138" name="Groupe 137">
+            <a:extLst>
+              <a:ext uri="{FF2B5EF4-FFF2-40B4-BE49-F238E27FC236}">
+                <a16:creationId xmlns:a16="http://schemas.microsoft.com/office/drawing/2014/main" id="{D2DC9C87-3365-4504-E92C-79D6992A51BB}"/>
+              </a:ext>
+            </a:extLst>
+          </p:cNvPr>
+          <p:cNvGrpSpPr/>
+          <p:nvPr/>
+        </p:nvGrpSpPr>
+        <p:grpSpPr>
+          <a:xfrm>
+            <a:off x="10405167" y="2322166"/>
+            <a:ext cx="1800000" cy="1800000"/>
+            <a:chOff x="10405167" y="2322166"/>
+            <a:chExt cx="1800000" cy="1800000"/>
+          </a:xfrm>
+        </p:grpSpPr>
+        <p:sp>
+          <p:nvSpPr>
+            <p:cNvPr id="133" name="Ellipse 132">
+              <a:extLst>
+                <a:ext uri="{FF2B5EF4-FFF2-40B4-BE49-F238E27FC236}">
+                  <a16:creationId xmlns:a16="http://schemas.microsoft.com/office/drawing/2014/main" id="{FF8C00D8-B92B-7F4E-1B57-A66249E8C1EB}"/>
+                </a:ext>
+              </a:extLst>
+            </p:cNvPr>
+            <p:cNvSpPr/>
+            <p:nvPr/>
+          </p:nvSpPr>
+          <p:spPr>
+            <a:xfrm>
+              <a:off x="10405167" y="2322166"/>
+              <a:ext cx="1800000" cy="1800000"/>
+            </a:xfrm>
+            <a:prstGeom prst="ellipse">
+              <a:avLst/>
+            </a:prstGeom>
+            <a:solidFill>
+              <a:srgbClr val="EF7268"/>
+            </a:solidFill>
+            <a:ln>
+              <a:noFill/>
+            </a:ln>
+          </p:spPr>
+          <p:style>
+            <a:lnRef idx="2">
+              <a:schemeClr val="accent1">
+                <a:shade val="50000"/>
+              </a:schemeClr>
+            </a:lnRef>
+            <a:fillRef idx="1">
+              <a:schemeClr val="accent1"/>
+            </a:fillRef>
+            <a:effectRef idx="0">
+              <a:schemeClr val="accent1"/>
+            </a:effectRef>
+            <a:fontRef idx="minor">
+              <a:schemeClr val="lt1"/>
+            </a:fontRef>
+          </p:style>
+          <p:txBody>
+            <a:bodyPr rtlCol="0" anchor="ctr"/>
+            <a:lstStyle/>
+            <a:p>
+              <a:pPr algn="ctr"/>
+              <a:endParaRPr lang="fr-FR" dirty="0"/>
+            </a:p>
+          </p:txBody>
+        </p:sp>
+        <p:pic>
+          <p:nvPicPr>
+            <p:cNvPr id="137" name="Image 136">
+              <a:extLst>
+                <a:ext uri="{FF2B5EF4-FFF2-40B4-BE49-F238E27FC236}">
+                  <a16:creationId xmlns:a16="http://schemas.microsoft.com/office/drawing/2014/main" id="{37134270-57BE-C349-A386-56C9BD9BA369}"/>
+                </a:ext>
+              </a:extLst>
+            </p:cNvPr>
+            <p:cNvPicPr>
+              <a:picLocks noChangeAspect="1"/>
+            </p:cNvPicPr>
+            <p:nvPr/>
+          </p:nvPicPr>
+          <p:blipFill>
+            <a:blip r:embed="rId45"/>
+            <a:stretch>
+              <a:fillRect/>
+            </a:stretch>
+          </p:blipFill>
+          <p:spPr>
+            <a:xfrm>
+              <a:off x="10546164" y="2642707"/>
+              <a:ext cx="1518007" cy="924719"/>
+            </a:xfrm>
+            <a:prstGeom prst="rect">
+              <a:avLst/>
+            </a:prstGeom>
+          </p:spPr>
+        </p:pic>
+      </p:grpSp>
     </p:spTree>
     <p:extLst>
       <p:ext uri="{BB962C8B-B14F-4D97-AF65-F5344CB8AC3E}">
@@ -13516,6 +13774,109 @@
           </a:prstGeom>
         </p:spPr>
       </p:pic>
+      <p:grpSp>
+        <p:nvGrpSpPr>
+          <p:cNvPr id="54" name="Groupe 53">
+            <a:extLst>
+              <a:ext uri="{FF2B5EF4-FFF2-40B4-BE49-F238E27FC236}">
+                <a16:creationId xmlns:a16="http://schemas.microsoft.com/office/drawing/2014/main" id="{21672DC6-03E2-A44F-D11C-C2CEF4DE71F7}"/>
+              </a:ext>
+            </a:extLst>
+          </p:cNvPr>
+          <p:cNvGrpSpPr/>
+          <p:nvPr/>
+        </p:nvGrpSpPr>
+        <p:grpSpPr>
+          <a:xfrm>
+            <a:off x="9301828" y="4115536"/>
+            <a:ext cx="720000" cy="720000"/>
+            <a:chOff x="10405167" y="2322166"/>
+            <a:chExt cx="1800000" cy="1800000"/>
+          </a:xfrm>
+        </p:grpSpPr>
+        <p:sp>
+          <p:nvSpPr>
+            <p:cNvPr id="113" name="Ellipse 112">
+              <a:extLst>
+                <a:ext uri="{FF2B5EF4-FFF2-40B4-BE49-F238E27FC236}">
+                  <a16:creationId xmlns:a16="http://schemas.microsoft.com/office/drawing/2014/main" id="{9B082404-3881-DCA8-2846-1D7BFA43C1F7}"/>
+                </a:ext>
+              </a:extLst>
+            </p:cNvPr>
+            <p:cNvSpPr/>
+            <p:nvPr/>
+          </p:nvSpPr>
+          <p:spPr>
+            <a:xfrm>
+              <a:off x="10405167" y="2322166"/>
+              <a:ext cx="1800000" cy="1800000"/>
+            </a:xfrm>
+            <a:prstGeom prst="ellipse">
+              <a:avLst/>
+            </a:prstGeom>
+            <a:solidFill>
+              <a:srgbClr val="EF7268"/>
+            </a:solidFill>
+            <a:ln>
+              <a:noFill/>
+            </a:ln>
+          </p:spPr>
+          <p:style>
+            <a:lnRef idx="2">
+              <a:schemeClr val="accent1">
+                <a:shade val="50000"/>
+              </a:schemeClr>
+            </a:lnRef>
+            <a:fillRef idx="1">
+              <a:schemeClr val="accent1"/>
+            </a:fillRef>
+            <a:effectRef idx="0">
+              <a:schemeClr val="accent1"/>
+            </a:effectRef>
+            <a:fontRef idx="minor">
+              <a:schemeClr val="lt1"/>
+            </a:fontRef>
+          </p:style>
+          <p:txBody>
+            <a:bodyPr rtlCol="0" anchor="ctr"/>
+            <a:lstStyle/>
+            <a:p>
+              <a:pPr algn="ctr"/>
+              <a:endParaRPr lang="fr-FR" dirty="0"/>
+            </a:p>
+          </p:txBody>
+        </p:sp>
+        <p:pic>
+          <p:nvPicPr>
+            <p:cNvPr id="117" name="Image 116">
+              <a:extLst>
+                <a:ext uri="{FF2B5EF4-FFF2-40B4-BE49-F238E27FC236}">
+                  <a16:creationId xmlns:a16="http://schemas.microsoft.com/office/drawing/2014/main" id="{21472C70-8D57-5549-B6E0-A872712D6540}"/>
+                </a:ext>
+              </a:extLst>
+            </p:cNvPr>
+            <p:cNvPicPr>
+              <a:picLocks noChangeAspect="1"/>
+            </p:cNvPicPr>
+            <p:nvPr/>
+          </p:nvPicPr>
+          <p:blipFill>
+            <a:blip r:embed="rId41"/>
+            <a:stretch>
+              <a:fillRect/>
+            </a:stretch>
+          </p:blipFill>
+          <p:spPr>
+            <a:xfrm>
+              <a:off x="10546164" y="2642707"/>
+              <a:ext cx="1518007" cy="924719"/>
+            </a:xfrm>
+            <a:prstGeom prst="rect">
+              <a:avLst/>
+            </a:prstGeom>
+          </p:spPr>
+        </p:pic>
+      </p:grpSp>
     </p:spTree>
     <p:extLst>
       <p:ext uri="{BB962C8B-B14F-4D97-AF65-F5344CB8AC3E}">

--- a/ChaineFonctionnelle_V2.pptx
+++ b/ChaineFonctionnelle_V2.pptx
@@ -273,7 +273,7 @@
           <a:p>
             <a:fld id="{CBBDF585-21ED-4D60-8F93-A9937640259B}" type="datetimeFigureOut">
               <a:rPr lang="fr-FR" smtClean="0"/>
-              <a:t>02/04/2023</a:t>
+              <a:t>04/04/2023</a:t>
             </a:fld>
             <a:endParaRPr lang="fr-FR"/>
           </a:p>
@@ -471,7 +471,7 @@
           <a:p>
             <a:fld id="{CBBDF585-21ED-4D60-8F93-A9937640259B}" type="datetimeFigureOut">
               <a:rPr lang="fr-FR" smtClean="0"/>
-              <a:t>02/04/2023</a:t>
+              <a:t>04/04/2023</a:t>
             </a:fld>
             <a:endParaRPr lang="fr-FR"/>
           </a:p>
@@ -679,7 +679,7 @@
           <a:p>
             <a:fld id="{CBBDF585-21ED-4D60-8F93-A9937640259B}" type="datetimeFigureOut">
               <a:rPr lang="fr-FR" smtClean="0"/>
-              <a:t>02/04/2023</a:t>
+              <a:t>04/04/2023</a:t>
             </a:fld>
             <a:endParaRPr lang="fr-FR"/>
           </a:p>
@@ -877,7 +877,7 @@
           <a:p>
             <a:fld id="{CBBDF585-21ED-4D60-8F93-A9937640259B}" type="datetimeFigureOut">
               <a:rPr lang="fr-FR" smtClean="0"/>
-              <a:t>02/04/2023</a:t>
+              <a:t>04/04/2023</a:t>
             </a:fld>
             <a:endParaRPr lang="fr-FR"/>
           </a:p>
@@ -1152,7 +1152,7 @@
           <a:p>
             <a:fld id="{CBBDF585-21ED-4D60-8F93-A9937640259B}" type="datetimeFigureOut">
               <a:rPr lang="fr-FR" smtClean="0"/>
-              <a:t>02/04/2023</a:t>
+              <a:t>04/04/2023</a:t>
             </a:fld>
             <a:endParaRPr lang="fr-FR"/>
           </a:p>
@@ -1417,7 +1417,7 @@
           <a:p>
             <a:fld id="{CBBDF585-21ED-4D60-8F93-A9937640259B}" type="datetimeFigureOut">
               <a:rPr lang="fr-FR" smtClean="0"/>
-              <a:t>02/04/2023</a:t>
+              <a:t>04/04/2023</a:t>
             </a:fld>
             <a:endParaRPr lang="fr-FR"/>
           </a:p>
@@ -1829,7 +1829,7 @@
           <a:p>
             <a:fld id="{CBBDF585-21ED-4D60-8F93-A9937640259B}" type="datetimeFigureOut">
               <a:rPr lang="fr-FR" smtClean="0"/>
-              <a:t>02/04/2023</a:t>
+              <a:t>04/04/2023</a:t>
             </a:fld>
             <a:endParaRPr lang="fr-FR"/>
           </a:p>
@@ -1970,7 +1970,7 @@
           <a:p>
             <a:fld id="{CBBDF585-21ED-4D60-8F93-A9937640259B}" type="datetimeFigureOut">
               <a:rPr lang="fr-FR" smtClean="0"/>
-              <a:t>02/04/2023</a:t>
+              <a:t>04/04/2023</a:t>
             </a:fld>
             <a:endParaRPr lang="fr-FR"/>
           </a:p>
@@ -2083,7 +2083,7 @@
           <a:p>
             <a:fld id="{CBBDF585-21ED-4D60-8F93-A9937640259B}" type="datetimeFigureOut">
               <a:rPr lang="fr-FR" smtClean="0"/>
-              <a:t>02/04/2023</a:t>
+              <a:t>04/04/2023</a:t>
             </a:fld>
             <a:endParaRPr lang="fr-FR"/>
           </a:p>
@@ -2394,7 +2394,7 @@
           <a:p>
             <a:fld id="{CBBDF585-21ED-4D60-8F93-A9937640259B}" type="datetimeFigureOut">
               <a:rPr lang="fr-FR" smtClean="0"/>
-              <a:t>02/04/2023</a:t>
+              <a:t>04/04/2023</a:t>
             </a:fld>
             <a:endParaRPr lang="fr-FR"/>
           </a:p>
@@ -2682,7 +2682,7 @@
           <a:p>
             <a:fld id="{CBBDF585-21ED-4D60-8F93-A9937640259B}" type="datetimeFigureOut">
               <a:rPr lang="fr-FR" smtClean="0"/>
-              <a:t>02/04/2023</a:t>
+              <a:t>04/04/2023</a:t>
             </a:fld>
             <a:endParaRPr lang="fr-FR"/>
           </a:p>
@@ -2923,7 +2923,7 @@
           <a:p>
             <a:fld id="{CBBDF585-21ED-4D60-8F93-A9937640259B}" type="datetimeFigureOut">
               <a:rPr lang="fr-FR" smtClean="0"/>
-              <a:t>02/04/2023</a:t>
+              <a:t>04/04/2023</a:t>
             </a:fld>
             <a:endParaRPr lang="fr-FR"/>
           </a:p>
@@ -4851,7 +4851,7 @@
         </p:nvSpPr>
         <p:spPr>
           <a:xfrm>
-            <a:off x="4462602" y="-813809"/>
+            <a:off x="4837606" y="-217423"/>
             <a:ext cx="1800000" cy="1800000"/>
           </a:xfrm>
           <a:prstGeom prst="ellipse">
@@ -7934,8 +7934,8 @@
         </p:blipFill>
         <p:spPr>
           <a:xfrm>
-            <a:off x="3188486" y="1500007"/>
-            <a:ext cx="3249962" cy="3249962"/>
+            <a:off x="-1628928" y="775705"/>
+            <a:ext cx="1219851" cy="1219851"/>
           </a:xfrm>
           <a:prstGeom prst="rect">
             <a:avLst/>
@@ -9157,6 +9157,109 @@
           </p:spPr>
         </p:pic>
       </p:grpSp>
+      <p:grpSp>
+        <p:nvGrpSpPr>
+          <p:cNvPr id="136" name="Groupe 135">
+            <a:extLst>
+              <a:ext uri="{FF2B5EF4-FFF2-40B4-BE49-F238E27FC236}">
+                <a16:creationId xmlns:a16="http://schemas.microsoft.com/office/drawing/2014/main" id="{82E2C759-DBCE-B8A6-BC1D-AA44988190B6}"/>
+              </a:ext>
+            </a:extLst>
+          </p:cNvPr>
+          <p:cNvGrpSpPr/>
+          <p:nvPr/>
+        </p:nvGrpSpPr>
+        <p:grpSpPr>
+          <a:xfrm>
+            <a:off x="10405167" y="4101988"/>
+            <a:ext cx="1800000" cy="1800000"/>
+            <a:chOff x="10405167" y="4101988"/>
+            <a:chExt cx="1800000" cy="1800000"/>
+          </a:xfrm>
+        </p:grpSpPr>
+        <p:sp>
+          <p:nvSpPr>
+            <p:cNvPr id="76" name="Ellipse 75">
+              <a:extLst>
+                <a:ext uri="{FF2B5EF4-FFF2-40B4-BE49-F238E27FC236}">
+                  <a16:creationId xmlns:a16="http://schemas.microsoft.com/office/drawing/2014/main" id="{D119BBE7-0256-5863-9169-62A1E47E273F}"/>
+                </a:ext>
+              </a:extLst>
+            </p:cNvPr>
+            <p:cNvSpPr/>
+            <p:nvPr/>
+          </p:nvSpPr>
+          <p:spPr>
+            <a:xfrm>
+              <a:off x="10405167" y="4101988"/>
+              <a:ext cx="1800000" cy="1800000"/>
+            </a:xfrm>
+            <a:prstGeom prst="ellipse">
+              <a:avLst/>
+            </a:prstGeom>
+            <a:solidFill>
+              <a:srgbClr val="08AF5E"/>
+            </a:solidFill>
+            <a:ln>
+              <a:noFill/>
+            </a:ln>
+          </p:spPr>
+          <p:style>
+            <a:lnRef idx="2">
+              <a:schemeClr val="accent1">
+                <a:shade val="50000"/>
+              </a:schemeClr>
+            </a:lnRef>
+            <a:fillRef idx="1">
+              <a:schemeClr val="accent1"/>
+            </a:fillRef>
+            <a:effectRef idx="0">
+              <a:schemeClr val="accent1"/>
+            </a:effectRef>
+            <a:fontRef idx="minor">
+              <a:schemeClr val="lt1"/>
+            </a:fontRef>
+          </p:style>
+          <p:txBody>
+            <a:bodyPr rtlCol="0" anchor="ctr"/>
+            <a:lstStyle/>
+            <a:p>
+              <a:pPr algn="ctr"/>
+              <a:endParaRPr lang="fr-FR" dirty="0"/>
+            </a:p>
+          </p:txBody>
+        </p:sp>
+        <p:pic>
+          <p:nvPicPr>
+            <p:cNvPr id="135" name="Image 134">
+              <a:extLst>
+                <a:ext uri="{FF2B5EF4-FFF2-40B4-BE49-F238E27FC236}">
+                  <a16:creationId xmlns:a16="http://schemas.microsoft.com/office/drawing/2014/main" id="{116A1C0B-29C4-FF38-F605-CE1A35A295A2}"/>
+                </a:ext>
+              </a:extLst>
+            </p:cNvPr>
+            <p:cNvPicPr>
+              <a:picLocks noChangeAspect="1"/>
+            </p:cNvPicPr>
+            <p:nvPr/>
+          </p:nvPicPr>
+          <p:blipFill>
+            <a:blip r:embed="rId46"/>
+            <a:stretch>
+              <a:fillRect/>
+            </a:stretch>
+          </p:blipFill>
+          <p:spPr>
+            <a:xfrm>
+              <a:off x="10456414" y="4137988"/>
+              <a:ext cx="1728000" cy="1728000"/>
+            </a:xfrm>
+            <a:prstGeom prst="rect">
+              <a:avLst/>
+            </a:prstGeom>
+          </p:spPr>
+        </p:pic>
+      </p:grpSp>
     </p:spTree>
     <p:extLst>
       <p:ext uri="{BB962C8B-B14F-4D97-AF65-F5344CB8AC3E}">
@@ -13870,6 +13973,418 @@
             <a:xfrm>
               <a:off x="10546164" y="2642707"/>
               <a:ext cx="1518007" cy="924719"/>
+            </a:xfrm>
+            <a:prstGeom prst="rect">
+              <a:avLst/>
+            </a:prstGeom>
+          </p:spPr>
+        </p:pic>
+      </p:grpSp>
+      <p:grpSp>
+        <p:nvGrpSpPr>
+          <p:cNvPr id="118" name="Groupe 117">
+            <a:extLst>
+              <a:ext uri="{FF2B5EF4-FFF2-40B4-BE49-F238E27FC236}">
+                <a16:creationId xmlns:a16="http://schemas.microsoft.com/office/drawing/2014/main" id="{1B16C636-3B9D-FCC9-07E5-9DE86B23835D}"/>
+              </a:ext>
+            </a:extLst>
+          </p:cNvPr>
+          <p:cNvGrpSpPr/>
+          <p:nvPr/>
+        </p:nvGrpSpPr>
+        <p:grpSpPr>
+          <a:xfrm>
+            <a:off x="9431573" y="2017775"/>
+            <a:ext cx="720000" cy="720000"/>
+            <a:chOff x="10405167" y="4101988"/>
+            <a:chExt cx="1800000" cy="1800000"/>
+          </a:xfrm>
+        </p:grpSpPr>
+        <p:sp>
+          <p:nvSpPr>
+            <p:cNvPr id="119" name="Ellipse 118">
+              <a:extLst>
+                <a:ext uri="{FF2B5EF4-FFF2-40B4-BE49-F238E27FC236}">
+                  <a16:creationId xmlns:a16="http://schemas.microsoft.com/office/drawing/2014/main" id="{3BB59B47-EB2B-A50D-C309-CC93FDC974A6}"/>
+                </a:ext>
+              </a:extLst>
+            </p:cNvPr>
+            <p:cNvSpPr/>
+            <p:nvPr/>
+          </p:nvSpPr>
+          <p:spPr>
+            <a:xfrm>
+              <a:off x="10405167" y="4101988"/>
+              <a:ext cx="1800000" cy="1800000"/>
+            </a:xfrm>
+            <a:prstGeom prst="ellipse">
+              <a:avLst/>
+            </a:prstGeom>
+            <a:solidFill>
+              <a:srgbClr val="08AF5E"/>
+            </a:solidFill>
+            <a:ln>
+              <a:noFill/>
+            </a:ln>
+          </p:spPr>
+          <p:style>
+            <a:lnRef idx="2">
+              <a:schemeClr val="accent1">
+                <a:shade val="50000"/>
+              </a:schemeClr>
+            </a:lnRef>
+            <a:fillRef idx="1">
+              <a:schemeClr val="accent1"/>
+            </a:fillRef>
+            <a:effectRef idx="0">
+              <a:schemeClr val="accent1"/>
+            </a:effectRef>
+            <a:fontRef idx="minor">
+              <a:schemeClr val="lt1"/>
+            </a:fontRef>
+          </p:style>
+          <p:txBody>
+            <a:bodyPr rtlCol="0" anchor="ctr"/>
+            <a:lstStyle/>
+            <a:p>
+              <a:pPr algn="ctr"/>
+              <a:endParaRPr lang="fr-FR" dirty="0"/>
+            </a:p>
+          </p:txBody>
+        </p:sp>
+        <p:pic>
+          <p:nvPicPr>
+            <p:cNvPr id="128" name="Image 127">
+              <a:extLst>
+                <a:ext uri="{FF2B5EF4-FFF2-40B4-BE49-F238E27FC236}">
+                  <a16:creationId xmlns:a16="http://schemas.microsoft.com/office/drawing/2014/main" id="{81B9017D-601C-2053-599B-D92ED643B5AE}"/>
+                </a:ext>
+              </a:extLst>
+            </p:cNvPr>
+            <p:cNvPicPr>
+              <a:picLocks noChangeAspect="1"/>
+            </p:cNvPicPr>
+            <p:nvPr/>
+          </p:nvPicPr>
+          <p:blipFill>
+            <a:blip r:embed="rId42"/>
+            <a:stretch>
+              <a:fillRect/>
+            </a:stretch>
+          </p:blipFill>
+          <p:spPr>
+            <a:xfrm>
+              <a:off x="10456414" y="4137988"/>
+              <a:ext cx="1728000" cy="1728000"/>
+            </a:xfrm>
+            <a:prstGeom prst="rect">
+              <a:avLst/>
+            </a:prstGeom>
+          </p:spPr>
+        </p:pic>
+      </p:grpSp>
+      <p:grpSp>
+        <p:nvGrpSpPr>
+          <p:cNvPr id="129" name="Groupe 128">
+            <a:extLst>
+              <a:ext uri="{FF2B5EF4-FFF2-40B4-BE49-F238E27FC236}">
+                <a16:creationId xmlns:a16="http://schemas.microsoft.com/office/drawing/2014/main" id="{0BF95655-5976-0D79-69C2-BAE0B9FD776B}"/>
+              </a:ext>
+            </a:extLst>
+          </p:cNvPr>
+          <p:cNvGrpSpPr/>
+          <p:nvPr/>
+        </p:nvGrpSpPr>
+        <p:grpSpPr>
+          <a:xfrm>
+            <a:off x="1507645" y="1271734"/>
+            <a:ext cx="720000" cy="720000"/>
+            <a:chOff x="10216711" y="4835236"/>
+            <a:chExt cx="1800000" cy="1800000"/>
+          </a:xfrm>
+        </p:grpSpPr>
+        <p:sp>
+          <p:nvSpPr>
+            <p:cNvPr id="130" name="Ellipse 129">
+              <a:extLst>
+                <a:ext uri="{FF2B5EF4-FFF2-40B4-BE49-F238E27FC236}">
+                  <a16:creationId xmlns:a16="http://schemas.microsoft.com/office/drawing/2014/main" id="{684D32A6-35AB-52A4-2099-3B5788B67FC4}"/>
+                </a:ext>
+              </a:extLst>
+            </p:cNvPr>
+            <p:cNvSpPr/>
+            <p:nvPr/>
+          </p:nvSpPr>
+          <p:spPr>
+            <a:xfrm>
+              <a:off x="10216711" y="4835236"/>
+              <a:ext cx="1800000" cy="1800000"/>
+            </a:xfrm>
+            <a:prstGeom prst="ellipse">
+              <a:avLst/>
+            </a:prstGeom>
+            <a:solidFill>
+              <a:srgbClr val="00547F"/>
+            </a:solidFill>
+            <a:ln>
+              <a:noFill/>
+            </a:ln>
+          </p:spPr>
+          <p:style>
+            <a:lnRef idx="2">
+              <a:schemeClr val="accent1">
+                <a:shade val="50000"/>
+              </a:schemeClr>
+            </a:lnRef>
+            <a:fillRef idx="1">
+              <a:schemeClr val="accent1"/>
+            </a:fillRef>
+            <a:effectRef idx="0">
+              <a:schemeClr val="accent1"/>
+            </a:effectRef>
+            <a:fontRef idx="minor">
+              <a:schemeClr val="lt1"/>
+            </a:fontRef>
+          </p:style>
+          <p:txBody>
+            <a:bodyPr rtlCol="0" anchor="ctr"/>
+            <a:lstStyle/>
+            <a:p>
+              <a:pPr algn="ctr"/>
+              <a:endParaRPr lang="fr-FR"/>
+            </a:p>
+          </p:txBody>
+        </p:sp>
+        <p:pic>
+          <p:nvPicPr>
+            <p:cNvPr id="133" name="Image 132">
+              <a:extLst>
+                <a:ext uri="{FF2B5EF4-FFF2-40B4-BE49-F238E27FC236}">
+                  <a16:creationId xmlns:a16="http://schemas.microsoft.com/office/drawing/2014/main" id="{BD71DA60-628E-A443-B908-5ABC6C0733CE}"/>
+                </a:ext>
+              </a:extLst>
+            </p:cNvPr>
+            <p:cNvPicPr>
+              <a:picLocks noChangeAspect="1"/>
+            </p:cNvPicPr>
+            <p:nvPr/>
+          </p:nvPicPr>
+          <p:blipFill>
+            <a:blip r:embed="rId43"/>
+            <a:stretch>
+              <a:fillRect/>
+            </a:stretch>
+          </p:blipFill>
+          <p:spPr>
+            <a:xfrm flipH="1">
+              <a:off x="10382764" y="5000716"/>
+              <a:ext cx="1467894" cy="1467894"/>
+            </a:xfrm>
+            <a:prstGeom prst="rect">
+              <a:avLst/>
+            </a:prstGeom>
+          </p:spPr>
+        </p:pic>
+      </p:grpSp>
+      <p:grpSp>
+        <p:nvGrpSpPr>
+          <p:cNvPr id="134" name="Groupe 133">
+            <a:extLst>
+              <a:ext uri="{FF2B5EF4-FFF2-40B4-BE49-F238E27FC236}">
+                <a16:creationId xmlns:a16="http://schemas.microsoft.com/office/drawing/2014/main" id="{DEA15609-56DD-D6BF-BA9D-D1E2911F7211}"/>
+              </a:ext>
+            </a:extLst>
+          </p:cNvPr>
+          <p:cNvGrpSpPr/>
+          <p:nvPr/>
+        </p:nvGrpSpPr>
+        <p:grpSpPr>
+          <a:xfrm rot="19800000">
+            <a:off x="686045" y="365605"/>
+            <a:ext cx="720000" cy="720000"/>
+            <a:chOff x="8213688" y="5214946"/>
+            <a:chExt cx="1800000" cy="1800000"/>
+          </a:xfrm>
+        </p:grpSpPr>
+        <p:sp>
+          <p:nvSpPr>
+            <p:cNvPr id="135" name="Ellipse 134">
+              <a:extLst>
+                <a:ext uri="{FF2B5EF4-FFF2-40B4-BE49-F238E27FC236}">
+                  <a16:creationId xmlns:a16="http://schemas.microsoft.com/office/drawing/2014/main" id="{DACDBD9E-4562-770F-D6B6-29A61A76A864}"/>
+                </a:ext>
+              </a:extLst>
+            </p:cNvPr>
+            <p:cNvSpPr/>
+            <p:nvPr/>
+          </p:nvSpPr>
+          <p:spPr>
+            <a:xfrm>
+              <a:off x="8213688" y="5214946"/>
+              <a:ext cx="1800000" cy="1800000"/>
+            </a:xfrm>
+            <a:prstGeom prst="ellipse">
+              <a:avLst/>
+            </a:prstGeom>
+            <a:solidFill>
+              <a:srgbClr val="00547F"/>
+            </a:solidFill>
+            <a:ln>
+              <a:noFill/>
+            </a:ln>
+          </p:spPr>
+          <p:style>
+            <a:lnRef idx="2">
+              <a:schemeClr val="accent1">
+                <a:shade val="50000"/>
+              </a:schemeClr>
+            </a:lnRef>
+            <a:fillRef idx="1">
+              <a:schemeClr val="accent1"/>
+            </a:fillRef>
+            <a:effectRef idx="0">
+              <a:schemeClr val="accent1"/>
+            </a:effectRef>
+            <a:fontRef idx="minor">
+              <a:schemeClr val="lt1"/>
+            </a:fontRef>
+          </p:style>
+          <p:txBody>
+            <a:bodyPr rtlCol="0" anchor="ctr"/>
+            <a:lstStyle/>
+            <a:p>
+              <a:pPr algn="ctr"/>
+              <a:endParaRPr lang="fr-FR"/>
+            </a:p>
+          </p:txBody>
+        </p:sp>
+        <p:pic>
+          <p:nvPicPr>
+            <p:cNvPr id="136" name="Image 135">
+              <a:extLst>
+                <a:ext uri="{FF2B5EF4-FFF2-40B4-BE49-F238E27FC236}">
+                  <a16:creationId xmlns:a16="http://schemas.microsoft.com/office/drawing/2014/main" id="{53D2D7F7-683B-3350-3A81-3BE0FC0B4ACC}"/>
+                </a:ext>
+              </a:extLst>
+            </p:cNvPr>
+            <p:cNvPicPr>
+              <a:picLocks noChangeAspect="1"/>
+            </p:cNvPicPr>
+            <p:nvPr/>
+          </p:nvPicPr>
+          <p:blipFill>
+            <a:blip r:embed="rId44"/>
+            <a:stretch>
+              <a:fillRect/>
+            </a:stretch>
+          </p:blipFill>
+          <p:spPr>
+            <a:xfrm rot="2700000">
+              <a:off x="8411372" y="5412630"/>
+              <a:ext cx="1404633" cy="1404633"/>
+            </a:xfrm>
+            <a:prstGeom prst="rect">
+              <a:avLst/>
+            </a:prstGeom>
+          </p:spPr>
+        </p:pic>
+      </p:grpSp>
+      <p:grpSp>
+        <p:nvGrpSpPr>
+          <p:cNvPr id="137" name="Groupe 136">
+            <a:extLst>
+              <a:ext uri="{FF2B5EF4-FFF2-40B4-BE49-F238E27FC236}">
+                <a16:creationId xmlns:a16="http://schemas.microsoft.com/office/drawing/2014/main" id="{D710C257-C46E-4D26-13B6-9067F3FCC231}"/>
+              </a:ext>
+            </a:extLst>
+          </p:cNvPr>
+          <p:cNvGrpSpPr/>
+          <p:nvPr/>
+        </p:nvGrpSpPr>
+        <p:grpSpPr>
+          <a:xfrm>
+            <a:off x="5722652" y="837354"/>
+            <a:ext cx="720000" cy="720000"/>
+            <a:chOff x="7522214" y="3518051"/>
+            <a:chExt cx="1800000" cy="1800000"/>
+          </a:xfrm>
+        </p:grpSpPr>
+        <p:sp>
+          <p:nvSpPr>
+            <p:cNvPr id="138" name="Ellipse 137">
+              <a:extLst>
+                <a:ext uri="{FF2B5EF4-FFF2-40B4-BE49-F238E27FC236}">
+                  <a16:creationId xmlns:a16="http://schemas.microsoft.com/office/drawing/2014/main" id="{9A57FBFB-9007-6F92-87A7-5CDECEAE2589}"/>
+                </a:ext>
+              </a:extLst>
+            </p:cNvPr>
+            <p:cNvSpPr/>
+            <p:nvPr/>
+          </p:nvSpPr>
+          <p:spPr>
+            <a:xfrm>
+              <a:off x="7522214" y="3518051"/>
+              <a:ext cx="1800000" cy="1800000"/>
+            </a:xfrm>
+            <a:prstGeom prst="ellipse">
+              <a:avLst/>
+            </a:prstGeom>
+            <a:solidFill>
+              <a:srgbClr val="0C7391"/>
+            </a:solidFill>
+            <a:ln>
+              <a:noFill/>
+            </a:ln>
+          </p:spPr>
+          <p:style>
+            <a:lnRef idx="2">
+              <a:schemeClr val="accent1">
+                <a:shade val="50000"/>
+              </a:schemeClr>
+            </a:lnRef>
+            <a:fillRef idx="1">
+              <a:schemeClr val="accent1"/>
+            </a:fillRef>
+            <a:effectRef idx="0">
+              <a:schemeClr val="accent1"/>
+            </a:effectRef>
+            <a:fontRef idx="minor">
+              <a:schemeClr val="lt1"/>
+            </a:fontRef>
+          </p:style>
+          <p:txBody>
+            <a:bodyPr rtlCol="0" anchor="ctr"/>
+            <a:lstStyle/>
+            <a:p>
+              <a:pPr algn="ctr"/>
+              <a:endParaRPr lang="fr-FR"/>
+            </a:p>
+          </p:txBody>
+        </p:sp>
+        <p:pic>
+          <p:nvPicPr>
+            <p:cNvPr id="139" name="Image 138">
+              <a:extLst>
+                <a:ext uri="{FF2B5EF4-FFF2-40B4-BE49-F238E27FC236}">
+                  <a16:creationId xmlns:a16="http://schemas.microsoft.com/office/drawing/2014/main" id="{4C148A9B-3279-F0B1-08DA-A280838F7802}"/>
+                </a:ext>
+              </a:extLst>
+            </p:cNvPr>
+            <p:cNvPicPr>
+              <a:picLocks noChangeAspect="1"/>
+            </p:cNvPicPr>
+            <p:nvPr/>
+          </p:nvPicPr>
+          <p:blipFill>
+            <a:blip r:embed="rId45"/>
+            <a:stretch>
+              <a:fillRect/>
+            </a:stretch>
+          </p:blipFill>
+          <p:spPr>
+            <a:xfrm>
+              <a:off x="7717717" y="3713554"/>
+              <a:ext cx="1408994" cy="1408994"/>
             </a:xfrm>
             <a:prstGeom prst="rect">
               <a:avLst/>
@@ -13991,6 +14506,36 @@
           <a:xfrm>
             <a:off x="7015844" y="1628800"/>
             <a:ext cx="4876800" cy="4876800"/>
+          </a:xfrm>
+          <a:prstGeom prst="rect">
+            <a:avLst/>
+          </a:prstGeom>
+        </p:spPr>
+      </p:pic>
+      <p:pic>
+        <p:nvPicPr>
+          <p:cNvPr id="3" name="Image 2">
+            <a:extLst>
+              <a:ext uri="{FF2B5EF4-FFF2-40B4-BE49-F238E27FC236}">
+                <a16:creationId xmlns:a16="http://schemas.microsoft.com/office/drawing/2014/main" id="{43FB47D2-658E-409F-FAF3-79F086CA1A95}"/>
+              </a:ext>
+            </a:extLst>
+          </p:cNvPr>
+          <p:cNvPicPr>
+            <a:picLocks noChangeAspect="1"/>
+          </p:cNvPicPr>
+          <p:nvPr/>
+        </p:nvPicPr>
+        <p:blipFill>
+          <a:blip r:embed="rId5"/>
+          <a:stretch>
+            <a:fillRect/>
+          </a:stretch>
+        </p:blipFill>
+        <p:spPr>
+          <a:xfrm>
+            <a:off x="3886200" y="2619375"/>
+            <a:ext cx="4419600" cy="1619250"/>
           </a:xfrm>
           <a:prstGeom prst="rect">
             <a:avLst/>

--- a/ChaineFonctionnelle_V2.pptx
+++ b/ChaineFonctionnelle_V2.pptx
@@ -273,7 +273,7 @@
           <a:p>
             <a:fld id="{CBBDF585-21ED-4D60-8F93-A9937640259B}" type="datetimeFigureOut">
               <a:rPr lang="fr-FR" smtClean="0"/>
-              <a:t>04/04/2023</a:t>
+              <a:t>05/04/2023</a:t>
             </a:fld>
             <a:endParaRPr lang="fr-FR"/>
           </a:p>
@@ -471,7 +471,7 @@
           <a:p>
             <a:fld id="{CBBDF585-21ED-4D60-8F93-A9937640259B}" type="datetimeFigureOut">
               <a:rPr lang="fr-FR" smtClean="0"/>
-              <a:t>04/04/2023</a:t>
+              <a:t>05/04/2023</a:t>
             </a:fld>
             <a:endParaRPr lang="fr-FR"/>
           </a:p>
@@ -679,7 +679,7 @@
           <a:p>
             <a:fld id="{CBBDF585-21ED-4D60-8F93-A9937640259B}" type="datetimeFigureOut">
               <a:rPr lang="fr-FR" smtClean="0"/>
-              <a:t>04/04/2023</a:t>
+              <a:t>05/04/2023</a:t>
             </a:fld>
             <a:endParaRPr lang="fr-FR"/>
           </a:p>
@@ -877,7 +877,7 @@
           <a:p>
             <a:fld id="{CBBDF585-21ED-4D60-8F93-A9937640259B}" type="datetimeFigureOut">
               <a:rPr lang="fr-FR" smtClean="0"/>
-              <a:t>04/04/2023</a:t>
+              <a:t>05/04/2023</a:t>
             </a:fld>
             <a:endParaRPr lang="fr-FR"/>
           </a:p>
@@ -1152,7 +1152,7 @@
           <a:p>
             <a:fld id="{CBBDF585-21ED-4D60-8F93-A9937640259B}" type="datetimeFigureOut">
               <a:rPr lang="fr-FR" smtClean="0"/>
-              <a:t>04/04/2023</a:t>
+              <a:t>05/04/2023</a:t>
             </a:fld>
             <a:endParaRPr lang="fr-FR"/>
           </a:p>
@@ -1417,7 +1417,7 @@
           <a:p>
             <a:fld id="{CBBDF585-21ED-4D60-8F93-A9937640259B}" type="datetimeFigureOut">
               <a:rPr lang="fr-FR" smtClean="0"/>
-              <a:t>04/04/2023</a:t>
+              <a:t>05/04/2023</a:t>
             </a:fld>
             <a:endParaRPr lang="fr-FR"/>
           </a:p>
@@ -1829,7 +1829,7 @@
           <a:p>
             <a:fld id="{CBBDF585-21ED-4D60-8F93-A9937640259B}" type="datetimeFigureOut">
               <a:rPr lang="fr-FR" smtClean="0"/>
-              <a:t>04/04/2023</a:t>
+              <a:t>05/04/2023</a:t>
             </a:fld>
             <a:endParaRPr lang="fr-FR"/>
           </a:p>
@@ -1970,7 +1970,7 @@
           <a:p>
             <a:fld id="{CBBDF585-21ED-4D60-8F93-A9937640259B}" type="datetimeFigureOut">
               <a:rPr lang="fr-FR" smtClean="0"/>
-              <a:t>04/04/2023</a:t>
+              <a:t>05/04/2023</a:t>
             </a:fld>
             <a:endParaRPr lang="fr-FR"/>
           </a:p>
@@ -2083,7 +2083,7 @@
           <a:p>
             <a:fld id="{CBBDF585-21ED-4D60-8F93-A9937640259B}" type="datetimeFigureOut">
               <a:rPr lang="fr-FR" smtClean="0"/>
-              <a:t>04/04/2023</a:t>
+              <a:t>05/04/2023</a:t>
             </a:fld>
             <a:endParaRPr lang="fr-FR"/>
           </a:p>
@@ -2394,7 +2394,7 @@
           <a:p>
             <a:fld id="{CBBDF585-21ED-4D60-8F93-A9937640259B}" type="datetimeFigureOut">
               <a:rPr lang="fr-FR" smtClean="0"/>
-              <a:t>04/04/2023</a:t>
+              <a:t>05/04/2023</a:t>
             </a:fld>
             <a:endParaRPr lang="fr-FR"/>
           </a:p>
@@ -2682,7 +2682,7 @@
           <a:p>
             <a:fld id="{CBBDF585-21ED-4D60-8F93-A9937640259B}" type="datetimeFigureOut">
               <a:rPr lang="fr-FR" smtClean="0"/>
-              <a:t>04/04/2023</a:t>
+              <a:t>05/04/2023</a:t>
             </a:fld>
             <a:endParaRPr lang="fr-FR"/>
           </a:p>
@@ -2923,7 +2923,7 @@
           <a:p>
             <a:fld id="{CBBDF585-21ED-4D60-8F93-A9937640259B}" type="datetimeFigureOut">
               <a:rPr lang="fr-FR" smtClean="0"/>
-              <a:t>04/04/2023</a:t>
+              <a:t>05/04/2023</a:t>
             </a:fld>
             <a:endParaRPr lang="fr-FR"/>
           </a:p>
@@ -8899,58 +8899,6 @@
           </p:spPr>
         </p:pic>
       </p:grpSp>
-      <p:sp>
-        <p:nvSpPr>
-          <p:cNvPr id="29" name="Ellipse 28">
-            <a:extLst>
-              <a:ext uri="{FF2B5EF4-FFF2-40B4-BE49-F238E27FC236}">
-                <a16:creationId xmlns:a16="http://schemas.microsoft.com/office/drawing/2014/main" id="{4F9CFFD4-82F7-5367-4235-F9C63EDD3934}"/>
-              </a:ext>
-            </a:extLst>
-          </p:cNvPr>
-          <p:cNvSpPr/>
-          <p:nvPr/>
-        </p:nvSpPr>
-        <p:spPr>
-          <a:xfrm>
-            <a:off x="8612196" y="3801520"/>
-            <a:ext cx="1800000" cy="1800000"/>
-          </a:xfrm>
-          <a:prstGeom prst="ellipse">
-            <a:avLst/>
-          </a:prstGeom>
-          <a:solidFill>
-            <a:srgbClr val="00547F"/>
-          </a:solidFill>
-          <a:ln>
-            <a:noFill/>
-          </a:ln>
-        </p:spPr>
-        <p:style>
-          <a:lnRef idx="2">
-            <a:schemeClr val="accent1">
-              <a:shade val="50000"/>
-            </a:schemeClr>
-          </a:lnRef>
-          <a:fillRef idx="1">
-            <a:schemeClr val="accent1"/>
-          </a:fillRef>
-          <a:effectRef idx="0">
-            <a:schemeClr val="accent1"/>
-          </a:effectRef>
-          <a:fontRef idx="minor">
-            <a:schemeClr val="lt1"/>
-          </a:fontRef>
-        </p:style>
-        <p:txBody>
-          <a:bodyPr rtlCol="0" anchor="ctr"/>
-          <a:lstStyle/>
-          <a:p>
-            <a:pPr algn="ctr"/>
-            <a:endParaRPr lang="fr-FR"/>
-          </a:p>
-        </p:txBody>
-      </p:sp>
       <p:grpSp>
         <p:nvGrpSpPr>
           <p:cNvPr id="127" name="Groupe 126">
@@ -9253,6 +9201,109 @@
             <a:xfrm>
               <a:off x="10456414" y="4137988"/>
               <a:ext cx="1728000" cy="1728000"/>
+            </a:xfrm>
+            <a:prstGeom prst="rect">
+              <a:avLst/>
+            </a:prstGeom>
+          </p:spPr>
+        </p:pic>
+      </p:grpSp>
+      <p:grpSp>
+        <p:nvGrpSpPr>
+          <p:cNvPr id="140" name="Groupe 139">
+            <a:extLst>
+              <a:ext uri="{FF2B5EF4-FFF2-40B4-BE49-F238E27FC236}">
+                <a16:creationId xmlns:a16="http://schemas.microsoft.com/office/drawing/2014/main" id="{93B89F63-D6A5-A717-6C70-E9FECB488A74}"/>
+              </a:ext>
+            </a:extLst>
+          </p:cNvPr>
+          <p:cNvGrpSpPr/>
+          <p:nvPr/>
+        </p:nvGrpSpPr>
+        <p:grpSpPr>
+          <a:xfrm>
+            <a:off x="8612196" y="3801520"/>
+            <a:ext cx="1800000" cy="1800000"/>
+            <a:chOff x="8612196" y="3801520"/>
+            <a:chExt cx="1800000" cy="1800000"/>
+          </a:xfrm>
+        </p:grpSpPr>
+        <p:sp>
+          <p:nvSpPr>
+            <p:cNvPr id="29" name="Ellipse 28">
+              <a:extLst>
+                <a:ext uri="{FF2B5EF4-FFF2-40B4-BE49-F238E27FC236}">
+                  <a16:creationId xmlns:a16="http://schemas.microsoft.com/office/drawing/2014/main" id="{4F9CFFD4-82F7-5367-4235-F9C63EDD3934}"/>
+                </a:ext>
+              </a:extLst>
+            </p:cNvPr>
+            <p:cNvSpPr/>
+            <p:nvPr/>
+          </p:nvSpPr>
+          <p:spPr>
+            <a:xfrm>
+              <a:off x="8612196" y="3801520"/>
+              <a:ext cx="1800000" cy="1800000"/>
+            </a:xfrm>
+            <a:prstGeom prst="ellipse">
+              <a:avLst/>
+            </a:prstGeom>
+            <a:solidFill>
+              <a:srgbClr val="00547F"/>
+            </a:solidFill>
+            <a:ln>
+              <a:noFill/>
+            </a:ln>
+          </p:spPr>
+          <p:style>
+            <a:lnRef idx="2">
+              <a:schemeClr val="accent1">
+                <a:shade val="50000"/>
+              </a:schemeClr>
+            </a:lnRef>
+            <a:fillRef idx="1">
+              <a:schemeClr val="accent1"/>
+            </a:fillRef>
+            <a:effectRef idx="0">
+              <a:schemeClr val="accent1"/>
+            </a:effectRef>
+            <a:fontRef idx="minor">
+              <a:schemeClr val="lt1"/>
+            </a:fontRef>
+          </p:style>
+          <p:txBody>
+            <a:bodyPr rtlCol="0" anchor="ctr"/>
+            <a:lstStyle/>
+            <a:p>
+              <a:pPr algn="ctr"/>
+              <a:endParaRPr lang="fr-FR"/>
+            </a:p>
+          </p:txBody>
+        </p:sp>
+        <p:pic>
+          <p:nvPicPr>
+            <p:cNvPr id="139" name="Image 138">
+              <a:extLst>
+                <a:ext uri="{FF2B5EF4-FFF2-40B4-BE49-F238E27FC236}">
+                  <a16:creationId xmlns:a16="http://schemas.microsoft.com/office/drawing/2014/main" id="{45E21FA8-6499-4FB7-D675-EA4C0F0DE325}"/>
+                </a:ext>
+              </a:extLst>
+            </p:cNvPr>
+            <p:cNvPicPr>
+              <a:picLocks noChangeAspect="1"/>
+            </p:cNvPicPr>
+            <p:nvPr/>
+          </p:nvPicPr>
+          <p:blipFill>
+            <a:blip r:embed="rId47"/>
+            <a:stretch>
+              <a:fillRect/>
+            </a:stretch>
+          </p:blipFill>
+          <p:spPr>
+            <a:xfrm>
+              <a:off x="8696428" y="3885752"/>
+              <a:ext cx="1631536" cy="1631536"/>
             </a:xfrm>
             <a:prstGeom prst="rect">
               <a:avLst/>
@@ -14385,6 +14436,109 @@
             <a:xfrm>
               <a:off x="7717717" y="3713554"/>
               <a:ext cx="1408994" cy="1408994"/>
+            </a:xfrm>
+            <a:prstGeom prst="rect">
+              <a:avLst/>
+            </a:prstGeom>
+          </p:spPr>
+        </p:pic>
+      </p:grpSp>
+      <p:grpSp>
+        <p:nvGrpSpPr>
+          <p:cNvPr id="140" name="Groupe 139">
+            <a:extLst>
+              <a:ext uri="{FF2B5EF4-FFF2-40B4-BE49-F238E27FC236}">
+                <a16:creationId xmlns:a16="http://schemas.microsoft.com/office/drawing/2014/main" id="{15FD8A4A-1E7E-EBA0-4582-08506DB03336}"/>
+              </a:ext>
+            </a:extLst>
+          </p:cNvPr>
+          <p:cNvGrpSpPr/>
+          <p:nvPr/>
+        </p:nvGrpSpPr>
+        <p:grpSpPr>
+          <a:xfrm>
+            <a:off x="673612" y="3755536"/>
+            <a:ext cx="720000" cy="720000"/>
+            <a:chOff x="8612196" y="3801520"/>
+            <a:chExt cx="1800000" cy="1800000"/>
+          </a:xfrm>
+        </p:grpSpPr>
+        <p:sp>
+          <p:nvSpPr>
+            <p:cNvPr id="141" name="Ellipse 140">
+              <a:extLst>
+                <a:ext uri="{FF2B5EF4-FFF2-40B4-BE49-F238E27FC236}">
+                  <a16:creationId xmlns:a16="http://schemas.microsoft.com/office/drawing/2014/main" id="{7C5E956A-916C-CFC4-DC6D-C75125D974C5}"/>
+                </a:ext>
+              </a:extLst>
+            </p:cNvPr>
+            <p:cNvSpPr/>
+            <p:nvPr/>
+          </p:nvSpPr>
+          <p:spPr>
+            <a:xfrm>
+              <a:off x="8612196" y="3801520"/>
+              <a:ext cx="1800000" cy="1800000"/>
+            </a:xfrm>
+            <a:prstGeom prst="ellipse">
+              <a:avLst/>
+            </a:prstGeom>
+            <a:solidFill>
+              <a:srgbClr val="00547F"/>
+            </a:solidFill>
+            <a:ln>
+              <a:noFill/>
+            </a:ln>
+          </p:spPr>
+          <p:style>
+            <a:lnRef idx="2">
+              <a:schemeClr val="accent1">
+                <a:shade val="50000"/>
+              </a:schemeClr>
+            </a:lnRef>
+            <a:fillRef idx="1">
+              <a:schemeClr val="accent1"/>
+            </a:fillRef>
+            <a:effectRef idx="0">
+              <a:schemeClr val="accent1"/>
+            </a:effectRef>
+            <a:fontRef idx="minor">
+              <a:schemeClr val="lt1"/>
+            </a:fontRef>
+          </p:style>
+          <p:txBody>
+            <a:bodyPr rtlCol="0" anchor="ctr"/>
+            <a:lstStyle/>
+            <a:p>
+              <a:pPr algn="ctr"/>
+              <a:endParaRPr lang="fr-FR"/>
+            </a:p>
+          </p:txBody>
+        </p:sp>
+        <p:pic>
+          <p:nvPicPr>
+            <p:cNvPr id="142" name="Image 141">
+              <a:extLst>
+                <a:ext uri="{FF2B5EF4-FFF2-40B4-BE49-F238E27FC236}">
+                  <a16:creationId xmlns:a16="http://schemas.microsoft.com/office/drawing/2014/main" id="{B5A9F6B3-0EB3-362B-F98C-FEFF4F52045D}"/>
+                </a:ext>
+              </a:extLst>
+            </p:cNvPr>
+            <p:cNvPicPr>
+              <a:picLocks noChangeAspect="1"/>
+            </p:cNvPicPr>
+            <p:nvPr/>
+          </p:nvPicPr>
+          <p:blipFill>
+            <a:blip r:embed="rId46"/>
+            <a:stretch>
+              <a:fillRect/>
+            </a:stretch>
+          </p:blipFill>
+          <p:spPr>
+            <a:xfrm>
+              <a:off x="8696428" y="3885752"/>
+              <a:ext cx="1631536" cy="1631536"/>
             </a:xfrm>
             <a:prstGeom prst="rect">
               <a:avLst/>

--- a/ChaineFonctionnelle_V2.pptx
+++ b/ChaineFonctionnelle_V2.pptx
@@ -9311,6 +9311,212 @@
           </p:spPr>
         </p:pic>
       </p:grpSp>
+      <p:grpSp>
+        <p:nvGrpSpPr>
+          <p:cNvPr id="143" name="Groupe 142">
+            <a:extLst>
+              <a:ext uri="{FF2B5EF4-FFF2-40B4-BE49-F238E27FC236}">
+                <a16:creationId xmlns:a16="http://schemas.microsoft.com/office/drawing/2014/main" id="{4DB92DA6-30E6-58C9-041C-6D060A0469B0}"/>
+              </a:ext>
+            </a:extLst>
+          </p:cNvPr>
+          <p:cNvGrpSpPr/>
+          <p:nvPr/>
+        </p:nvGrpSpPr>
+        <p:grpSpPr>
+          <a:xfrm>
+            <a:off x="6054233" y="4960569"/>
+            <a:ext cx="1800000" cy="1800000"/>
+            <a:chOff x="6054233" y="4960569"/>
+            <a:chExt cx="1800000" cy="1800000"/>
+          </a:xfrm>
+        </p:grpSpPr>
+        <p:sp>
+          <p:nvSpPr>
+            <p:cNvPr id="134" name="Ellipse 133">
+              <a:extLst>
+                <a:ext uri="{FF2B5EF4-FFF2-40B4-BE49-F238E27FC236}">
+                  <a16:creationId xmlns:a16="http://schemas.microsoft.com/office/drawing/2014/main" id="{8DCB6038-5BB9-3F9F-B93E-17F7FD216D8F}"/>
+                </a:ext>
+              </a:extLst>
+            </p:cNvPr>
+            <p:cNvSpPr/>
+            <p:nvPr/>
+          </p:nvSpPr>
+          <p:spPr>
+            <a:xfrm>
+              <a:off x="6054233" y="4960569"/>
+              <a:ext cx="1800000" cy="1800000"/>
+            </a:xfrm>
+            <a:prstGeom prst="ellipse">
+              <a:avLst/>
+            </a:prstGeom>
+            <a:solidFill>
+              <a:srgbClr val="00547F"/>
+            </a:solidFill>
+            <a:ln>
+              <a:noFill/>
+            </a:ln>
+          </p:spPr>
+          <p:style>
+            <a:lnRef idx="2">
+              <a:schemeClr val="accent1">
+                <a:shade val="50000"/>
+              </a:schemeClr>
+            </a:lnRef>
+            <a:fillRef idx="1">
+              <a:schemeClr val="accent1"/>
+            </a:fillRef>
+            <a:effectRef idx="0">
+              <a:schemeClr val="accent1"/>
+            </a:effectRef>
+            <a:fontRef idx="minor">
+              <a:schemeClr val="lt1"/>
+            </a:fontRef>
+          </p:style>
+          <p:txBody>
+            <a:bodyPr rtlCol="0" anchor="ctr"/>
+            <a:lstStyle/>
+            <a:p>
+              <a:pPr algn="ctr"/>
+              <a:endParaRPr lang="fr-FR"/>
+            </a:p>
+          </p:txBody>
+        </p:sp>
+        <p:pic>
+          <p:nvPicPr>
+            <p:cNvPr id="142" name="Image 141">
+              <a:extLst>
+                <a:ext uri="{FF2B5EF4-FFF2-40B4-BE49-F238E27FC236}">
+                  <a16:creationId xmlns:a16="http://schemas.microsoft.com/office/drawing/2014/main" id="{5291531C-F249-D78A-C2AA-32CE329576A4}"/>
+                </a:ext>
+              </a:extLst>
+            </p:cNvPr>
+            <p:cNvPicPr>
+              <a:picLocks noChangeAspect="1"/>
+            </p:cNvPicPr>
+            <p:nvPr/>
+          </p:nvPicPr>
+          <p:blipFill>
+            <a:blip r:embed="rId48"/>
+            <a:stretch>
+              <a:fillRect/>
+            </a:stretch>
+          </p:blipFill>
+          <p:spPr>
+            <a:xfrm>
+              <a:off x="6298697" y="5322283"/>
+              <a:ext cx="1311072" cy="1076572"/>
+            </a:xfrm>
+            <a:prstGeom prst="rect">
+              <a:avLst/>
+            </a:prstGeom>
+          </p:spPr>
+        </p:pic>
+      </p:grpSp>
+      <p:grpSp>
+        <p:nvGrpSpPr>
+          <p:cNvPr id="147" name="Groupe 146">
+            <a:extLst>
+              <a:ext uri="{FF2B5EF4-FFF2-40B4-BE49-F238E27FC236}">
+                <a16:creationId xmlns:a16="http://schemas.microsoft.com/office/drawing/2014/main" id="{A6FF745E-8A99-4C70-977A-CF83DE903C85}"/>
+              </a:ext>
+            </a:extLst>
+          </p:cNvPr>
+          <p:cNvGrpSpPr/>
+          <p:nvPr/>
+        </p:nvGrpSpPr>
+        <p:grpSpPr>
+          <a:xfrm>
+            <a:off x="7698044" y="3453428"/>
+            <a:ext cx="1800000" cy="1800000"/>
+            <a:chOff x="7698044" y="3453428"/>
+            <a:chExt cx="1800000" cy="1800000"/>
+          </a:xfrm>
+        </p:grpSpPr>
+        <p:sp>
+          <p:nvSpPr>
+            <p:cNvPr id="144" name="Ellipse 143">
+              <a:extLst>
+                <a:ext uri="{FF2B5EF4-FFF2-40B4-BE49-F238E27FC236}">
+                  <a16:creationId xmlns:a16="http://schemas.microsoft.com/office/drawing/2014/main" id="{E3BB07B8-6BFC-E0D4-CE64-0305113A9586}"/>
+                </a:ext>
+              </a:extLst>
+            </p:cNvPr>
+            <p:cNvSpPr/>
+            <p:nvPr/>
+          </p:nvSpPr>
+          <p:spPr>
+            <a:xfrm>
+              <a:off x="7698044" y="3453428"/>
+              <a:ext cx="1800000" cy="1800000"/>
+            </a:xfrm>
+            <a:prstGeom prst="ellipse">
+              <a:avLst/>
+            </a:prstGeom>
+            <a:solidFill>
+              <a:srgbClr val="00547F"/>
+            </a:solidFill>
+            <a:ln>
+              <a:noFill/>
+            </a:ln>
+          </p:spPr>
+          <p:style>
+            <a:lnRef idx="2">
+              <a:schemeClr val="accent1">
+                <a:shade val="50000"/>
+              </a:schemeClr>
+            </a:lnRef>
+            <a:fillRef idx="1">
+              <a:schemeClr val="accent1"/>
+            </a:fillRef>
+            <a:effectRef idx="0">
+              <a:schemeClr val="accent1"/>
+            </a:effectRef>
+            <a:fontRef idx="minor">
+              <a:schemeClr val="lt1"/>
+            </a:fontRef>
+          </p:style>
+          <p:txBody>
+            <a:bodyPr rtlCol="0" anchor="ctr"/>
+            <a:lstStyle/>
+            <a:p>
+              <a:pPr algn="ctr"/>
+              <a:endParaRPr lang="fr-FR"/>
+            </a:p>
+          </p:txBody>
+        </p:sp>
+        <p:pic>
+          <p:nvPicPr>
+            <p:cNvPr id="146" name="Image 145">
+              <a:extLst>
+                <a:ext uri="{FF2B5EF4-FFF2-40B4-BE49-F238E27FC236}">
+                  <a16:creationId xmlns:a16="http://schemas.microsoft.com/office/drawing/2014/main" id="{3CE5DEDC-1CA0-D9FE-7A43-5BAF7E10EA96}"/>
+                </a:ext>
+              </a:extLst>
+            </p:cNvPr>
+            <p:cNvPicPr>
+              <a:picLocks noChangeAspect="1"/>
+            </p:cNvPicPr>
+            <p:nvPr/>
+          </p:nvPicPr>
+          <p:blipFill>
+            <a:blip r:embed="rId49"/>
+            <a:stretch>
+              <a:fillRect/>
+            </a:stretch>
+          </p:blipFill>
+          <p:spPr>
+            <a:xfrm>
+              <a:off x="7939554" y="3812716"/>
+              <a:ext cx="1316981" cy="1081424"/>
+            </a:xfrm>
+            <a:prstGeom prst="rect">
+              <a:avLst/>
+            </a:prstGeom>
+          </p:spPr>
+        </p:pic>
+      </p:grpSp>
     </p:spTree>
     <p:extLst>
       <p:ext uri="{BB962C8B-B14F-4D97-AF65-F5344CB8AC3E}">
@@ -14539,6 +14745,212 @@
             <a:xfrm>
               <a:off x="8696428" y="3885752"/>
               <a:ext cx="1631536" cy="1631536"/>
+            </a:xfrm>
+            <a:prstGeom prst="rect">
+              <a:avLst/>
+            </a:prstGeom>
+          </p:spPr>
+        </p:pic>
+      </p:grpSp>
+      <p:grpSp>
+        <p:nvGrpSpPr>
+          <p:cNvPr id="143" name="Groupe 142">
+            <a:extLst>
+              <a:ext uri="{FF2B5EF4-FFF2-40B4-BE49-F238E27FC236}">
+                <a16:creationId xmlns:a16="http://schemas.microsoft.com/office/drawing/2014/main" id="{F67D81B7-BCAF-AB36-83A8-5D496AAC4477}"/>
+              </a:ext>
+            </a:extLst>
+          </p:cNvPr>
+          <p:cNvGrpSpPr/>
+          <p:nvPr/>
+        </p:nvGrpSpPr>
+        <p:grpSpPr>
+          <a:xfrm>
+            <a:off x="658510" y="4626241"/>
+            <a:ext cx="720000" cy="720000"/>
+            <a:chOff x="6054233" y="4960569"/>
+            <a:chExt cx="1800000" cy="1800000"/>
+          </a:xfrm>
+        </p:grpSpPr>
+        <p:sp>
+          <p:nvSpPr>
+            <p:cNvPr id="144" name="Ellipse 143">
+              <a:extLst>
+                <a:ext uri="{FF2B5EF4-FFF2-40B4-BE49-F238E27FC236}">
+                  <a16:creationId xmlns:a16="http://schemas.microsoft.com/office/drawing/2014/main" id="{56E30121-4FAF-A757-98A6-E14A64C0C48E}"/>
+                </a:ext>
+              </a:extLst>
+            </p:cNvPr>
+            <p:cNvSpPr/>
+            <p:nvPr/>
+          </p:nvSpPr>
+          <p:spPr>
+            <a:xfrm>
+              <a:off x="6054233" y="4960569"/>
+              <a:ext cx="1800000" cy="1800000"/>
+            </a:xfrm>
+            <a:prstGeom prst="ellipse">
+              <a:avLst/>
+            </a:prstGeom>
+            <a:solidFill>
+              <a:srgbClr val="00547F"/>
+            </a:solidFill>
+            <a:ln>
+              <a:noFill/>
+            </a:ln>
+          </p:spPr>
+          <p:style>
+            <a:lnRef idx="2">
+              <a:schemeClr val="accent1">
+                <a:shade val="50000"/>
+              </a:schemeClr>
+            </a:lnRef>
+            <a:fillRef idx="1">
+              <a:schemeClr val="accent1"/>
+            </a:fillRef>
+            <a:effectRef idx="0">
+              <a:schemeClr val="accent1"/>
+            </a:effectRef>
+            <a:fontRef idx="minor">
+              <a:schemeClr val="lt1"/>
+            </a:fontRef>
+          </p:style>
+          <p:txBody>
+            <a:bodyPr rtlCol="0" anchor="ctr"/>
+            <a:lstStyle/>
+            <a:p>
+              <a:pPr algn="ctr"/>
+              <a:endParaRPr lang="fr-FR"/>
+            </a:p>
+          </p:txBody>
+        </p:sp>
+        <p:pic>
+          <p:nvPicPr>
+            <p:cNvPr id="145" name="Image 144">
+              <a:extLst>
+                <a:ext uri="{FF2B5EF4-FFF2-40B4-BE49-F238E27FC236}">
+                  <a16:creationId xmlns:a16="http://schemas.microsoft.com/office/drawing/2014/main" id="{9E3BEA69-49F4-7494-60E1-D4F54D7CBA43}"/>
+                </a:ext>
+              </a:extLst>
+            </p:cNvPr>
+            <p:cNvPicPr>
+              <a:picLocks noChangeAspect="1"/>
+            </p:cNvPicPr>
+            <p:nvPr/>
+          </p:nvPicPr>
+          <p:blipFill>
+            <a:blip r:embed="rId47"/>
+            <a:stretch>
+              <a:fillRect/>
+            </a:stretch>
+          </p:blipFill>
+          <p:spPr>
+            <a:xfrm>
+              <a:off x="6298697" y="5322283"/>
+              <a:ext cx="1311072" cy="1076572"/>
+            </a:xfrm>
+            <a:prstGeom prst="rect">
+              <a:avLst/>
+            </a:prstGeom>
+          </p:spPr>
+        </p:pic>
+      </p:grpSp>
+      <p:grpSp>
+        <p:nvGrpSpPr>
+          <p:cNvPr id="146" name="Groupe 145">
+            <a:extLst>
+              <a:ext uri="{FF2B5EF4-FFF2-40B4-BE49-F238E27FC236}">
+                <a16:creationId xmlns:a16="http://schemas.microsoft.com/office/drawing/2014/main" id="{0A3B1DCC-838F-6920-CA44-5C5B349A1703}"/>
+              </a:ext>
+            </a:extLst>
+          </p:cNvPr>
+          <p:cNvGrpSpPr/>
+          <p:nvPr/>
+        </p:nvGrpSpPr>
+        <p:grpSpPr>
+          <a:xfrm>
+            <a:off x="681619" y="5456508"/>
+            <a:ext cx="720000" cy="720000"/>
+            <a:chOff x="7698044" y="3453428"/>
+            <a:chExt cx="1800000" cy="1800000"/>
+          </a:xfrm>
+        </p:grpSpPr>
+        <p:sp>
+          <p:nvSpPr>
+            <p:cNvPr id="147" name="Ellipse 146">
+              <a:extLst>
+                <a:ext uri="{FF2B5EF4-FFF2-40B4-BE49-F238E27FC236}">
+                  <a16:creationId xmlns:a16="http://schemas.microsoft.com/office/drawing/2014/main" id="{163C5995-EA4E-5519-F46C-29B83AFCCAC6}"/>
+                </a:ext>
+              </a:extLst>
+            </p:cNvPr>
+            <p:cNvSpPr/>
+            <p:nvPr/>
+          </p:nvSpPr>
+          <p:spPr>
+            <a:xfrm>
+              <a:off x="7698044" y="3453428"/>
+              <a:ext cx="1800000" cy="1800000"/>
+            </a:xfrm>
+            <a:prstGeom prst="ellipse">
+              <a:avLst/>
+            </a:prstGeom>
+            <a:solidFill>
+              <a:srgbClr val="00547F"/>
+            </a:solidFill>
+            <a:ln>
+              <a:noFill/>
+            </a:ln>
+          </p:spPr>
+          <p:style>
+            <a:lnRef idx="2">
+              <a:schemeClr val="accent1">
+                <a:shade val="50000"/>
+              </a:schemeClr>
+            </a:lnRef>
+            <a:fillRef idx="1">
+              <a:schemeClr val="accent1"/>
+            </a:fillRef>
+            <a:effectRef idx="0">
+              <a:schemeClr val="accent1"/>
+            </a:effectRef>
+            <a:fontRef idx="minor">
+              <a:schemeClr val="lt1"/>
+            </a:fontRef>
+          </p:style>
+          <p:txBody>
+            <a:bodyPr rtlCol="0" anchor="ctr"/>
+            <a:lstStyle/>
+            <a:p>
+              <a:pPr algn="ctr"/>
+              <a:endParaRPr lang="fr-FR"/>
+            </a:p>
+          </p:txBody>
+        </p:sp>
+        <p:pic>
+          <p:nvPicPr>
+            <p:cNvPr id="148" name="Image 147">
+              <a:extLst>
+                <a:ext uri="{FF2B5EF4-FFF2-40B4-BE49-F238E27FC236}">
+                  <a16:creationId xmlns:a16="http://schemas.microsoft.com/office/drawing/2014/main" id="{FA0B47E2-7114-C445-6BA1-D1670B02B8DB}"/>
+                </a:ext>
+              </a:extLst>
+            </p:cNvPr>
+            <p:cNvPicPr>
+              <a:picLocks noChangeAspect="1"/>
+            </p:cNvPicPr>
+            <p:nvPr/>
+          </p:nvPicPr>
+          <p:blipFill>
+            <a:blip r:embed="rId48"/>
+            <a:stretch>
+              <a:fillRect/>
+            </a:stretch>
+          </p:blipFill>
+          <p:spPr>
+            <a:xfrm>
+              <a:off x="7939554" y="3812716"/>
+              <a:ext cx="1316981" cy="1081424"/>
             </a:xfrm>
             <a:prstGeom prst="rect">
               <a:avLst/>

--- a/ChaineFonctionnelle_V2.pptx
+++ b/ChaineFonctionnelle_V2.pptx
@@ -4,6 +4,9 @@
   <p:sldMasterIdLst>
     <p:sldMasterId id="2147483648" r:id="rId1"/>
   </p:sldMasterIdLst>
+  <p:notesMasterIdLst>
+    <p:notesMasterId r:id="rId6"/>
+  </p:notesMasterIdLst>
   <p:sldIdLst>
     <p:sldId id="256" r:id="rId2"/>
     <p:sldId id="257" r:id="rId3"/>
@@ -124,6 +127,439 @@
     </p:ext>
   </p:extLst>
 </p:presentation>
+</file>
+
+<file path=ppt/notesMasters/notesMaster1.xml><?xml version="1.0" encoding="utf-8"?>
+<p:notesMaster xmlns:a="http://schemas.openxmlformats.org/drawingml/2006/main" xmlns:r="http://schemas.openxmlformats.org/officeDocument/2006/relationships" xmlns:p="http://schemas.openxmlformats.org/presentationml/2006/main">
+  <p:cSld>
+    <p:bg>
+      <p:bgRef idx="1001">
+        <a:schemeClr val="bg1"/>
+      </p:bgRef>
+    </p:bg>
+    <p:spTree>
+      <p:nvGrpSpPr>
+        <p:cNvPr id="1" name=""/>
+        <p:cNvGrpSpPr/>
+        <p:nvPr/>
+      </p:nvGrpSpPr>
+      <p:grpSpPr>
+        <a:xfrm>
+          <a:off x="0" y="0"/>
+          <a:ext cx="0" cy="0"/>
+          <a:chOff x="0" y="0"/>
+          <a:chExt cx="0" cy="0"/>
+        </a:xfrm>
+      </p:grpSpPr>
+      <p:sp>
+        <p:nvSpPr>
+          <p:cNvPr id="2" name="Espace réservé de l'en-tête 1"/>
+          <p:cNvSpPr>
+            <a:spLocks noGrp="1"/>
+          </p:cNvSpPr>
+          <p:nvPr>
+            <p:ph type="hdr" sz="quarter"/>
+          </p:nvPr>
+        </p:nvSpPr>
+        <p:spPr>
+          <a:xfrm>
+            <a:off x="0" y="0"/>
+            <a:ext cx="2971800" cy="458788"/>
+          </a:xfrm>
+          <a:prstGeom prst="rect">
+            <a:avLst/>
+          </a:prstGeom>
+        </p:spPr>
+        <p:txBody>
+          <a:bodyPr vert="horz" lIns="91440" tIns="45720" rIns="91440" bIns="45720" rtlCol="0"/>
+          <a:lstStyle>
+            <a:lvl1pPr algn="l">
+              <a:defRPr sz="1200"/>
+            </a:lvl1pPr>
+          </a:lstStyle>
+          <a:p>
+            <a:endParaRPr lang="fr-FR"/>
+          </a:p>
+        </p:txBody>
+      </p:sp>
+      <p:sp>
+        <p:nvSpPr>
+          <p:cNvPr id="3" name="Espace réservé de la date 2"/>
+          <p:cNvSpPr>
+            <a:spLocks noGrp="1"/>
+          </p:cNvSpPr>
+          <p:nvPr>
+            <p:ph type="dt" idx="1"/>
+          </p:nvPr>
+        </p:nvSpPr>
+        <p:spPr>
+          <a:xfrm>
+            <a:off x="3884613" y="0"/>
+            <a:ext cx="2971800" cy="458788"/>
+          </a:xfrm>
+          <a:prstGeom prst="rect">
+            <a:avLst/>
+          </a:prstGeom>
+        </p:spPr>
+        <p:txBody>
+          <a:bodyPr vert="horz" lIns="91440" tIns="45720" rIns="91440" bIns="45720" rtlCol="0"/>
+          <a:lstStyle>
+            <a:lvl1pPr algn="r">
+              <a:defRPr sz="1200"/>
+            </a:lvl1pPr>
+          </a:lstStyle>
+          <a:p>
+            <a:fld id="{302BE938-A2A1-499B-8D27-FFAE69A40805}" type="datetimeFigureOut">
+              <a:rPr lang="fr-FR" smtClean="0"/>
+              <a:t>05/04/2023</a:t>
+            </a:fld>
+            <a:endParaRPr lang="fr-FR"/>
+          </a:p>
+        </p:txBody>
+      </p:sp>
+      <p:sp>
+        <p:nvSpPr>
+          <p:cNvPr id="4" name="Espace réservé de l'image des diapositives 3"/>
+          <p:cNvSpPr>
+            <a:spLocks noGrp="1" noRot="1" noChangeAspect="1"/>
+          </p:cNvSpPr>
+          <p:nvPr>
+            <p:ph type="sldImg" idx="2"/>
+          </p:nvPr>
+        </p:nvSpPr>
+        <p:spPr>
+          <a:xfrm>
+            <a:off x="685800" y="1143000"/>
+            <a:ext cx="5486400" cy="3086100"/>
+          </a:xfrm>
+          <a:prstGeom prst="rect">
+            <a:avLst/>
+          </a:prstGeom>
+          <a:noFill/>
+          <a:ln w="12700">
+            <a:solidFill>
+              <a:prstClr val="black"/>
+            </a:solidFill>
+          </a:ln>
+        </p:spPr>
+        <p:txBody>
+          <a:bodyPr vert="horz" lIns="91440" tIns="45720" rIns="91440" bIns="45720" rtlCol="0" anchor="ctr"/>
+          <a:lstStyle/>
+          <a:p>
+            <a:endParaRPr lang="fr-FR"/>
+          </a:p>
+        </p:txBody>
+      </p:sp>
+      <p:sp>
+        <p:nvSpPr>
+          <p:cNvPr id="5" name="Espace réservé des notes 4"/>
+          <p:cNvSpPr>
+            <a:spLocks noGrp="1"/>
+          </p:cNvSpPr>
+          <p:nvPr>
+            <p:ph type="body" sz="quarter" idx="3"/>
+          </p:nvPr>
+        </p:nvSpPr>
+        <p:spPr>
+          <a:xfrm>
+            <a:off x="685800" y="4400550"/>
+            <a:ext cx="5486400" cy="3600450"/>
+          </a:xfrm>
+          <a:prstGeom prst="rect">
+            <a:avLst/>
+          </a:prstGeom>
+        </p:spPr>
+        <p:txBody>
+          <a:bodyPr vert="horz" lIns="91440" tIns="45720" rIns="91440" bIns="45720" rtlCol="0"/>
+          <a:lstStyle/>
+          <a:p>
+            <a:pPr lvl="0"/>
+            <a:r>
+              <a:rPr lang="fr-FR"/>
+              <a:t>Cliquez pour modifier les styles du texte du masque</a:t>
+            </a:r>
+          </a:p>
+          <a:p>
+            <a:pPr lvl="1"/>
+            <a:r>
+              <a:rPr lang="fr-FR"/>
+              <a:t>Deuxième niveau</a:t>
+            </a:r>
+          </a:p>
+          <a:p>
+            <a:pPr lvl="2"/>
+            <a:r>
+              <a:rPr lang="fr-FR"/>
+              <a:t>Troisième niveau</a:t>
+            </a:r>
+          </a:p>
+          <a:p>
+            <a:pPr lvl="3"/>
+            <a:r>
+              <a:rPr lang="fr-FR"/>
+              <a:t>Quatrième niveau</a:t>
+            </a:r>
+          </a:p>
+          <a:p>
+            <a:pPr lvl="4"/>
+            <a:r>
+              <a:rPr lang="fr-FR"/>
+              <a:t>Cinquième niveau</a:t>
+            </a:r>
+          </a:p>
+        </p:txBody>
+      </p:sp>
+      <p:sp>
+        <p:nvSpPr>
+          <p:cNvPr id="6" name="Espace réservé du pied de page 5"/>
+          <p:cNvSpPr>
+            <a:spLocks noGrp="1"/>
+          </p:cNvSpPr>
+          <p:nvPr>
+            <p:ph type="ftr" sz="quarter" idx="4"/>
+          </p:nvPr>
+        </p:nvSpPr>
+        <p:spPr>
+          <a:xfrm>
+            <a:off x="0" y="8685213"/>
+            <a:ext cx="2971800" cy="458787"/>
+          </a:xfrm>
+          <a:prstGeom prst="rect">
+            <a:avLst/>
+          </a:prstGeom>
+        </p:spPr>
+        <p:txBody>
+          <a:bodyPr vert="horz" lIns="91440" tIns="45720" rIns="91440" bIns="45720" rtlCol="0" anchor="b"/>
+          <a:lstStyle>
+            <a:lvl1pPr algn="l">
+              <a:defRPr sz="1200"/>
+            </a:lvl1pPr>
+          </a:lstStyle>
+          <a:p>
+            <a:endParaRPr lang="fr-FR"/>
+          </a:p>
+        </p:txBody>
+      </p:sp>
+      <p:sp>
+        <p:nvSpPr>
+          <p:cNvPr id="7" name="Espace réservé du numéro de diapositive 6"/>
+          <p:cNvSpPr>
+            <a:spLocks noGrp="1"/>
+          </p:cNvSpPr>
+          <p:nvPr>
+            <p:ph type="sldNum" sz="quarter" idx="5"/>
+          </p:nvPr>
+        </p:nvSpPr>
+        <p:spPr>
+          <a:xfrm>
+            <a:off x="3884613" y="8685213"/>
+            <a:ext cx="2971800" cy="458787"/>
+          </a:xfrm>
+          <a:prstGeom prst="rect">
+            <a:avLst/>
+          </a:prstGeom>
+        </p:spPr>
+        <p:txBody>
+          <a:bodyPr vert="horz" lIns="91440" tIns="45720" rIns="91440" bIns="45720" rtlCol="0" anchor="b"/>
+          <a:lstStyle>
+            <a:lvl1pPr algn="r">
+              <a:defRPr sz="1200"/>
+            </a:lvl1pPr>
+          </a:lstStyle>
+          <a:p>
+            <a:fld id="{57F3F931-F6EA-41F1-BD88-1A7C80CAA616}" type="slidenum">
+              <a:rPr lang="fr-FR" smtClean="0"/>
+              <a:t>‹N°›</a:t>
+            </a:fld>
+            <a:endParaRPr lang="fr-FR"/>
+          </a:p>
+        </p:txBody>
+      </p:sp>
+    </p:spTree>
+    <p:extLst>
+      <p:ext uri="{BB962C8B-B14F-4D97-AF65-F5344CB8AC3E}">
+        <p14:creationId xmlns:p14="http://schemas.microsoft.com/office/powerpoint/2010/main" val="2192511243"/>
+      </p:ext>
+    </p:extLst>
+  </p:cSld>
+  <p:clrMap bg1="lt1" tx1="dk1" bg2="lt2" tx2="dk2" accent1="accent1" accent2="accent2" accent3="accent3" accent4="accent4" accent5="accent5" accent6="accent6" hlink="hlink" folHlink="folHlink"/>
+  <p:notesStyle>
+    <a:lvl1pPr marL="0" algn="l" defTabSz="914400" rtl="0" eaLnBrk="1" latinLnBrk="0" hangingPunct="1">
+      <a:defRPr sz="1200" kern="1200">
+        <a:solidFill>
+          <a:schemeClr val="tx1"/>
+        </a:solidFill>
+        <a:latin typeface="+mn-lt"/>
+        <a:ea typeface="+mn-ea"/>
+        <a:cs typeface="+mn-cs"/>
+      </a:defRPr>
+    </a:lvl1pPr>
+    <a:lvl2pPr marL="457200" algn="l" defTabSz="914400" rtl="0" eaLnBrk="1" latinLnBrk="0" hangingPunct="1">
+      <a:defRPr sz="1200" kern="1200">
+        <a:solidFill>
+          <a:schemeClr val="tx1"/>
+        </a:solidFill>
+        <a:latin typeface="+mn-lt"/>
+        <a:ea typeface="+mn-ea"/>
+        <a:cs typeface="+mn-cs"/>
+      </a:defRPr>
+    </a:lvl2pPr>
+    <a:lvl3pPr marL="914400" algn="l" defTabSz="914400" rtl="0" eaLnBrk="1" latinLnBrk="0" hangingPunct="1">
+      <a:defRPr sz="1200" kern="1200">
+        <a:solidFill>
+          <a:schemeClr val="tx1"/>
+        </a:solidFill>
+        <a:latin typeface="+mn-lt"/>
+        <a:ea typeface="+mn-ea"/>
+        <a:cs typeface="+mn-cs"/>
+      </a:defRPr>
+    </a:lvl3pPr>
+    <a:lvl4pPr marL="1371600" algn="l" defTabSz="914400" rtl="0" eaLnBrk="1" latinLnBrk="0" hangingPunct="1">
+      <a:defRPr sz="1200" kern="1200">
+        <a:solidFill>
+          <a:schemeClr val="tx1"/>
+        </a:solidFill>
+        <a:latin typeface="+mn-lt"/>
+        <a:ea typeface="+mn-ea"/>
+        <a:cs typeface="+mn-cs"/>
+      </a:defRPr>
+    </a:lvl4pPr>
+    <a:lvl5pPr marL="1828800" algn="l" defTabSz="914400" rtl="0" eaLnBrk="1" latinLnBrk="0" hangingPunct="1">
+      <a:defRPr sz="1200" kern="1200">
+        <a:solidFill>
+          <a:schemeClr val="tx1"/>
+        </a:solidFill>
+        <a:latin typeface="+mn-lt"/>
+        <a:ea typeface="+mn-ea"/>
+        <a:cs typeface="+mn-cs"/>
+      </a:defRPr>
+    </a:lvl5pPr>
+    <a:lvl6pPr marL="2286000" algn="l" defTabSz="914400" rtl="0" eaLnBrk="1" latinLnBrk="0" hangingPunct="1">
+      <a:defRPr sz="1200" kern="1200">
+        <a:solidFill>
+          <a:schemeClr val="tx1"/>
+        </a:solidFill>
+        <a:latin typeface="+mn-lt"/>
+        <a:ea typeface="+mn-ea"/>
+        <a:cs typeface="+mn-cs"/>
+      </a:defRPr>
+    </a:lvl6pPr>
+    <a:lvl7pPr marL="2743200" algn="l" defTabSz="914400" rtl="0" eaLnBrk="1" latinLnBrk="0" hangingPunct="1">
+      <a:defRPr sz="1200" kern="1200">
+        <a:solidFill>
+          <a:schemeClr val="tx1"/>
+        </a:solidFill>
+        <a:latin typeface="+mn-lt"/>
+        <a:ea typeface="+mn-ea"/>
+        <a:cs typeface="+mn-cs"/>
+      </a:defRPr>
+    </a:lvl7pPr>
+    <a:lvl8pPr marL="3200400" algn="l" defTabSz="914400" rtl="0" eaLnBrk="1" latinLnBrk="0" hangingPunct="1">
+      <a:defRPr sz="1200" kern="1200">
+        <a:solidFill>
+          <a:schemeClr val="tx1"/>
+        </a:solidFill>
+        <a:latin typeface="+mn-lt"/>
+        <a:ea typeface="+mn-ea"/>
+        <a:cs typeface="+mn-cs"/>
+      </a:defRPr>
+    </a:lvl8pPr>
+    <a:lvl9pPr marL="3657600" algn="l" defTabSz="914400" rtl="0" eaLnBrk="1" latinLnBrk="0" hangingPunct="1">
+      <a:defRPr sz="1200" kern="1200">
+        <a:solidFill>
+          <a:schemeClr val="tx1"/>
+        </a:solidFill>
+        <a:latin typeface="+mn-lt"/>
+        <a:ea typeface="+mn-ea"/>
+        <a:cs typeface="+mn-cs"/>
+      </a:defRPr>
+    </a:lvl9pPr>
+  </p:notesStyle>
+</p:notesMaster>
+</file>
+
+<file path=ppt/notesSlides/notesSlide1.xml><?xml version="1.0" encoding="utf-8"?>
+<p:notes xmlns:a="http://schemas.openxmlformats.org/drawingml/2006/main" xmlns:r="http://schemas.openxmlformats.org/officeDocument/2006/relationships" xmlns:p="http://schemas.openxmlformats.org/presentationml/2006/main">
+  <p:cSld>
+    <p:spTree>
+      <p:nvGrpSpPr>
+        <p:cNvPr id="1" name=""/>
+        <p:cNvGrpSpPr/>
+        <p:nvPr/>
+      </p:nvGrpSpPr>
+      <p:grpSpPr>
+        <a:xfrm>
+          <a:off x="0" y="0"/>
+          <a:ext cx="0" cy="0"/>
+          <a:chOff x="0" y="0"/>
+          <a:chExt cx="0" cy="0"/>
+        </a:xfrm>
+      </p:grpSpPr>
+      <p:sp>
+        <p:nvSpPr>
+          <p:cNvPr id="2" name="Espace réservé de l'image des diapositives 1"/>
+          <p:cNvSpPr>
+            <a:spLocks noGrp="1" noRot="1" noChangeAspect="1"/>
+          </p:cNvSpPr>
+          <p:nvPr>
+            <p:ph type="sldImg"/>
+          </p:nvPr>
+        </p:nvSpPr>
+        <p:spPr/>
+      </p:sp>
+      <p:sp>
+        <p:nvSpPr>
+          <p:cNvPr id="3" name="Espace réservé des notes 2"/>
+          <p:cNvSpPr>
+            <a:spLocks noGrp="1"/>
+          </p:cNvSpPr>
+          <p:nvPr>
+            <p:ph type="body" idx="1"/>
+          </p:nvPr>
+        </p:nvSpPr>
+        <p:spPr/>
+        <p:txBody>
+          <a:bodyPr/>
+          <a:lstStyle/>
+          <a:p>
+            <a:endParaRPr lang="fr-FR" dirty="0"/>
+          </a:p>
+        </p:txBody>
+      </p:sp>
+      <p:sp>
+        <p:nvSpPr>
+          <p:cNvPr id="4" name="Espace réservé du numéro de diapositive 3"/>
+          <p:cNvSpPr>
+            <a:spLocks noGrp="1"/>
+          </p:cNvSpPr>
+          <p:nvPr>
+            <p:ph type="sldNum" sz="quarter" idx="5"/>
+          </p:nvPr>
+        </p:nvSpPr>
+        <p:spPr/>
+        <p:txBody>
+          <a:bodyPr/>
+          <a:lstStyle/>
+          <a:p>
+            <a:fld id="{57F3F931-F6EA-41F1-BD88-1A7C80CAA616}" type="slidenum">
+              <a:rPr lang="fr-FR" smtClean="0"/>
+              <a:t>3</a:t>
+            </a:fld>
+            <a:endParaRPr lang="fr-FR"/>
+          </a:p>
+        </p:txBody>
+      </p:sp>
+    </p:spTree>
+    <p:extLst>
+      <p:ext uri="{BB962C8B-B14F-4D97-AF65-F5344CB8AC3E}">
+        <p14:creationId xmlns:p14="http://schemas.microsoft.com/office/powerpoint/2010/main" val="3823956130"/>
+      </p:ext>
+    </p:extLst>
+  </p:cSld>
+  <p:clrMapOvr>
+    <a:masterClrMapping/>
+  </p:clrMapOvr>
+</p:notes>
 </file>
 
 <file path=ppt/slideLayouts/slideLayout1.xml><?xml version="1.0" encoding="utf-8"?>
@@ -4851,7 +5287,7 @@
         </p:nvSpPr>
         <p:spPr>
           <a:xfrm>
-            <a:off x="4837606" y="-217423"/>
+            <a:off x="7732385" y="125499"/>
             <a:ext cx="1800000" cy="1800000"/>
           </a:xfrm>
           <a:prstGeom prst="ellipse">
@@ -9517,6 +9953,212 @@
           </p:spPr>
         </p:pic>
       </p:grpSp>
+      <p:grpSp>
+        <p:nvGrpSpPr>
+          <p:cNvPr id="152" name="Groupe 151">
+            <a:extLst>
+              <a:ext uri="{FF2B5EF4-FFF2-40B4-BE49-F238E27FC236}">
+                <a16:creationId xmlns:a16="http://schemas.microsoft.com/office/drawing/2014/main" id="{A96588F9-A704-ED93-7774-D8910DCB222B}"/>
+              </a:ext>
+            </a:extLst>
+          </p:cNvPr>
+          <p:cNvGrpSpPr/>
+          <p:nvPr/>
+        </p:nvGrpSpPr>
+        <p:grpSpPr>
+          <a:xfrm>
+            <a:off x="5536762" y="189263"/>
+            <a:ext cx="1800000" cy="1800000"/>
+            <a:chOff x="5536762" y="189263"/>
+            <a:chExt cx="1800000" cy="1800000"/>
+          </a:xfrm>
+        </p:grpSpPr>
+        <p:sp>
+          <p:nvSpPr>
+            <p:cNvPr id="149" name="Ellipse 148">
+              <a:extLst>
+                <a:ext uri="{FF2B5EF4-FFF2-40B4-BE49-F238E27FC236}">
+                  <a16:creationId xmlns:a16="http://schemas.microsoft.com/office/drawing/2014/main" id="{AA4F845C-7CDB-A7DA-DCA9-A68894754CA6}"/>
+                </a:ext>
+              </a:extLst>
+            </p:cNvPr>
+            <p:cNvSpPr/>
+            <p:nvPr/>
+          </p:nvSpPr>
+          <p:spPr>
+            <a:xfrm>
+              <a:off x="5536762" y="189263"/>
+              <a:ext cx="1800000" cy="1800000"/>
+            </a:xfrm>
+            <a:prstGeom prst="ellipse">
+              <a:avLst/>
+            </a:prstGeom>
+            <a:solidFill>
+              <a:srgbClr val="08AF5E"/>
+            </a:solidFill>
+            <a:ln>
+              <a:noFill/>
+            </a:ln>
+          </p:spPr>
+          <p:style>
+            <a:lnRef idx="2">
+              <a:schemeClr val="accent1">
+                <a:shade val="50000"/>
+              </a:schemeClr>
+            </a:lnRef>
+            <a:fillRef idx="1">
+              <a:schemeClr val="accent1"/>
+            </a:fillRef>
+            <a:effectRef idx="0">
+              <a:schemeClr val="accent1"/>
+            </a:effectRef>
+            <a:fontRef idx="minor">
+              <a:schemeClr val="lt1"/>
+            </a:fontRef>
+          </p:style>
+          <p:txBody>
+            <a:bodyPr rtlCol="0" anchor="ctr"/>
+            <a:lstStyle/>
+            <a:p>
+              <a:pPr algn="ctr"/>
+              <a:endParaRPr lang="fr-FR" dirty="0"/>
+            </a:p>
+          </p:txBody>
+        </p:sp>
+        <p:pic>
+          <p:nvPicPr>
+            <p:cNvPr id="151" name="Image 150">
+              <a:extLst>
+                <a:ext uri="{FF2B5EF4-FFF2-40B4-BE49-F238E27FC236}">
+                  <a16:creationId xmlns:a16="http://schemas.microsoft.com/office/drawing/2014/main" id="{281BDB86-1DA9-E23B-4B1B-833D429649A6}"/>
+                </a:ext>
+              </a:extLst>
+            </p:cNvPr>
+            <p:cNvPicPr>
+              <a:picLocks noChangeAspect="1"/>
+            </p:cNvPicPr>
+            <p:nvPr/>
+          </p:nvPicPr>
+          <p:blipFill>
+            <a:blip r:embed="rId50"/>
+            <a:stretch>
+              <a:fillRect/>
+            </a:stretch>
+          </p:blipFill>
+          <p:spPr>
+            <a:xfrm flipH="1">
+              <a:off x="5932385" y="285996"/>
+              <a:ext cx="1008754" cy="1606534"/>
+            </a:xfrm>
+            <a:prstGeom prst="rect">
+              <a:avLst/>
+            </a:prstGeom>
+          </p:spPr>
+        </p:pic>
+      </p:grpSp>
+      <p:grpSp>
+        <p:nvGrpSpPr>
+          <p:cNvPr id="156" name="Groupe 155">
+            <a:extLst>
+              <a:ext uri="{FF2B5EF4-FFF2-40B4-BE49-F238E27FC236}">
+                <a16:creationId xmlns:a16="http://schemas.microsoft.com/office/drawing/2014/main" id="{503995FD-F95D-B2A8-D22B-9C75B640446D}"/>
+              </a:ext>
+            </a:extLst>
+          </p:cNvPr>
+          <p:cNvGrpSpPr/>
+          <p:nvPr/>
+        </p:nvGrpSpPr>
+        <p:grpSpPr>
+          <a:xfrm>
+            <a:off x="8494276" y="748802"/>
+            <a:ext cx="1800000" cy="1800000"/>
+            <a:chOff x="8494276" y="748802"/>
+            <a:chExt cx="1800000" cy="1800000"/>
+          </a:xfrm>
+        </p:grpSpPr>
+        <p:sp>
+          <p:nvSpPr>
+            <p:cNvPr id="153" name="Ellipse 152">
+              <a:extLst>
+                <a:ext uri="{FF2B5EF4-FFF2-40B4-BE49-F238E27FC236}">
+                  <a16:creationId xmlns:a16="http://schemas.microsoft.com/office/drawing/2014/main" id="{C3A1202C-65A0-26A9-E60E-BCD65E487A3C}"/>
+                </a:ext>
+              </a:extLst>
+            </p:cNvPr>
+            <p:cNvSpPr/>
+            <p:nvPr/>
+          </p:nvSpPr>
+          <p:spPr>
+            <a:xfrm>
+              <a:off x="8494276" y="748802"/>
+              <a:ext cx="1800000" cy="1800000"/>
+            </a:xfrm>
+            <a:prstGeom prst="ellipse">
+              <a:avLst/>
+            </a:prstGeom>
+            <a:solidFill>
+              <a:srgbClr val="08AF5E"/>
+            </a:solidFill>
+            <a:ln>
+              <a:noFill/>
+            </a:ln>
+          </p:spPr>
+          <p:style>
+            <a:lnRef idx="2">
+              <a:schemeClr val="accent1">
+                <a:shade val="50000"/>
+              </a:schemeClr>
+            </a:lnRef>
+            <a:fillRef idx="1">
+              <a:schemeClr val="accent1"/>
+            </a:fillRef>
+            <a:effectRef idx="0">
+              <a:schemeClr val="accent1"/>
+            </a:effectRef>
+            <a:fontRef idx="minor">
+              <a:schemeClr val="lt1"/>
+            </a:fontRef>
+          </p:style>
+          <p:txBody>
+            <a:bodyPr rtlCol="0" anchor="ctr"/>
+            <a:lstStyle/>
+            <a:p>
+              <a:pPr algn="ctr"/>
+              <a:endParaRPr lang="fr-FR" dirty="0"/>
+            </a:p>
+          </p:txBody>
+        </p:sp>
+        <p:pic>
+          <p:nvPicPr>
+            <p:cNvPr id="155" name="Image 154">
+              <a:extLst>
+                <a:ext uri="{FF2B5EF4-FFF2-40B4-BE49-F238E27FC236}">
+                  <a16:creationId xmlns:a16="http://schemas.microsoft.com/office/drawing/2014/main" id="{28FE457E-C9D1-1949-2135-295B64678176}"/>
+                </a:ext>
+              </a:extLst>
+            </p:cNvPr>
+            <p:cNvPicPr>
+              <a:picLocks noChangeAspect="1"/>
+            </p:cNvPicPr>
+            <p:nvPr/>
+          </p:nvPicPr>
+          <p:blipFill>
+            <a:blip r:embed="rId51"/>
+            <a:stretch>
+              <a:fillRect/>
+            </a:stretch>
+          </p:blipFill>
+          <p:spPr>
+            <a:xfrm>
+              <a:off x="8943232" y="938192"/>
+              <a:ext cx="902088" cy="1440000"/>
+            </a:xfrm>
+            <a:prstGeom prst="rect">
+              <a:avLst/>
+            </a:prstGeom>
+          </p:spPr>
+        </p:pic>
+      </p:grpSp>
     </p:spTree>
     <p:extLst>
       <p:ext uri="{BB962C8B-B14F-4D97-AF65-F5344CB8AC3E}">
@@ -9561,7 +10203,7 @@
         </p:nvGrpSpPr>
         <p:grpSpPr>
           <a:xfrm>
-            <a:off x="9123188" y="4910301"/>
+            <a:off x="11026027" y="4494749"/>
             <a:ext cx="1010860" cy="720000"/>
             <a:chOff x="4476612" y="5880432"/>
             <a:chExt cx="1010860" cy="720000"/>
@@ -9634,7 +10276,7 @@
             <p:nvPr/>
           </p:nvPicPr>
           <p:blipFill>
-            <a:blip r:embed="rId2"/>
+            <a:blip r:embed="rId3"/>
             <a:stretch>
               <a:fillRect/>
             </a:stretch>
@@ -9652,10 +10294,10 @@
       </p:grpSp>
       <p:grpSp>
         <p:nvGrpSpPr>
-          <p:cNvPr id="18" name="Groupe 17">
-            <a:extLst>
-              <a:ext uri="{FF2B5EF4-FFF2-40B4-BE49-F238E27FC236}">
-                <a16:creationId xmlns:a16="http://schemas.microsoft.com/office/drawing/2014/main" id="{B92FC626-DF40-09C3-CA12-9C4FC0564F5D}"/>
+          <p:cNvPr id="163" name="Groupe 162">
+            <a:extLst>
+              <a:ext uri="{FF2B5EF4-FFF2-40B4-BE49-F238E27FC236}">
+                <a16:creationId xmlns:a16="http://schemas.microsoft.com/office/drawing/2014/main" id="{94E2A40E-ECA3-4EF4-6BD3-9FF38D28A285}"/>
               </a:ext>
             </a:extLst>
           </p:cNvPr>
@@ -9664,1027 +10306,978 @@
         </p:nvGrpSpPr>
         <p:grpSpPr>
           <a:xfrm>
-            <a:off x="3251684" y="2077375"/>
-            <a:ext cx="5915562" cy="2703249"/>
-            <a:chOff x="0" y="1"/>
-            <a:chExt cx="5915562" cy="2703249"/>
+            <a:off x="3590373" y="2064661"/>
+            <a:ext cx="5921075" cy="2699016"/>
+            <a:chOff x="3590373" y="2064661"/>
+            <a:chExt cx="5921075" cy="2699016"/>
           </a:xfrm>
         </p:grpSpPr>
-        <p:sp>
-          <p:nvSpPr>
-            <p:cNvPr id="4" name="Rectangle : coins arrondis 3">
+        <p:grpSp>
+          <p:nvGrpSpPr>
+            <p:cNvPr id="159" name="Groupe 158">
               <a:extLst>
                 <a:ext uri="{FF2B5EF4-FFF2-40B4-BE49-F238E27FC236}">
-                  <a16:creationId xmlns:a16="http://schemas.microsoft.com/office/drawing/2014/main" id="{207E4D52-D071-7D20-4438-F3C1510CA2C9}"/>
+                  <a16:creationId xmlns:a16="http://schemas.microsoft.com/office/drawing/2014/main" id="{A9B47BC2-DCFA-6AC2-DC17-8D97CD1E450F}"/>
                 </a:ext>
               </a:extLst>
             </p:cNvPr>
-            <p:cNvSpPr/>
-            <p:nvPr/>
-          </p:nvSpPr>
-          <p:spPr>
+            <p:cNvGrpSpPr/>
+            <p:nvPr/>
+          </p:nvGrpSpPr>
+          <p:grpSpPr>
             <a:xfrm>
-              <a:off x="1" y="1"/>
-              <a:ext cx="1365662" cy="534390"/>
-            </a:xfrm>
-            <a:prstGeom prst="roundRect">
-              <a:avLst>
-                <a:gd name="adj" fmla="val 11914"/>
-              </a:avLst>
-            </a:prstGeom>
-            <a:noFill/>
-            <a:ln w="19050">
+              <a:off x="3590373" y="2064661"/>
+              <a:ext cx="1365662" cy="2699016"/>
+              <a:chOff x="3590373" y="2064661"/>
+              <a:chExt cx="1365662" cy="2699016"/>
+            </a:xfrm>
+          </p:grpSpPr>
+          <p:sp>
+            <p:nvSpPr>
+              <p:cNvPr id="4" name="Rectangle : coins arrondis 3">
+                <a:extLst>
+                  <a:ext uri="{FF2B5EF4-FFF2-40B4-BE49-F238E27FC236}">
+                    <a16:creationId xmlns:a16="http://schemas.microsoft.com/office/drawing/2014/main" id="{207E4D52-D071-7D20-4438-F3C1510CA2C9}"/>
+                  </a:ext>
+                </a:extLst>
+              </p:cNvPr>
+              <p:cNvSpPr/>
+              <p:nvPr/>
+            </p:nvSpPr>
+            <p:spPr>
+              <a:xfrm>
+                <a:off x="3590373" y="2064661"/>
+                <a:ext cx="1365662" cy="534390"/>
+              </a:xfrm>
+              <a:prstGeom prst="roundRect">
+                <a:avLst>
+                  <a:gd name="adj" fmla="val 11914"/>
+                </a:avLst>
+              </a:prstGeom>
+              <a:noFill/>
+              <a:ln w="19050">
+                <a:solidFill>
+                  <a:srgbClr val="004F77"/>
+                </a:solidFill>
+              </a:ln>
+            </p:spPr>
+            <p:style>
+              <a:lnRef idx="2">
+                <a:schemeClr val="accent1">
+                  <a:shade val="50000"/>
+                </a:schemeClr>
+              </a:lnRef>
+              <a:fillRef idx="1">
+                <a:schemeClr val="accent1"/>
+              </a:fillRef>
+              <a:effectRef idx="0">
+                <a:schemeClr val="accent1"/>
+              </a:effectRef>
+              <a:fontRef idx="minor">
+                <a:schemeClr val="lt1"/>
+              </a:fontRef>
+            </p:style>
+            <p:txBody>
+              <a:bodyPr rtlCol="0" anchor="ctr"/>
+              <a:lstStyle/>
+              <a:p>
+                <a:pPr algn="ctr"/>
+                <a:r>
+                  <a:rPr lang="fr-FR" sz="1400" dirty="0">
+                    <a:solidFill>
+                      <a:srgbClr val="004F77"/>
+                    </a:solidFill>
+                    <a:latin typeface="Arial Nova" panose="020B0504020202020204" pitchFamily="34" charset="0"/>
+                  </a:rPr>
+                  <a:t>Acquérir</a:t>
+                </a:r>
+              </a:p>
+            </p:txBody>
+          </p:sp>
+          <p:sp>
+            <p:nvSpPr>
+              <p:cNvPr id="5" name="Rectangle : coins arrondis 4">
+                <a:extLst>
+                  <a:ext uri="{FF2B5EF4-FFF2-40B4-BE49-F238E27FC236}">
+                    <a16:creationId xmlns:a16="http://schemas.microsoft.com/office/drawing/2014/main" id="{48AE3C34-B371-9189-9498-158991B69CFC}"/>
+                  </a:ext>
+                </a:extLst>
+              </p:cNvPr>
+              <p:cNvSpPr/>
+              <p:nvPr/>
+            </p:nvSpPr>
+            <p:spPr>
+              <a:xfrm>
+                <a:off x="3590373" y="2708729"/>
+                <a:ext cx="1365662" cy="534390"/>
+              </a:xfrm>
+              <a:prstGeom prst="roundRect">
+                <a:avLst>
+                  <a:gd name="adj" fmla="val 11914"/>
+                </a:avLst>
+              </a:prstGeom>
               <a:solidFill>
-                <a:srgbClr val="004F77"/>
+                <a:srgbClr val="DFE3EB"/>
               </a:solidFill>
-            </a:ln>
-          </p:spPr>
-          <p:style>
-            <a:lnRef idx="2">
-              <a:schemeClr val="accent1">
-                <a:shade val="50000"/>
-              </a:schemeClr>
-            </a:lnRef>
-            <a:fillRef idx="1">
-              <a:schemeClr val="accent1"/>
-            </a:fillRef>
-            <a:effectRef idx="0">
-              <a:schemeClr val="accent1"/>
-            </a:effectRef>
-            <a:fontRef idx="minor">
-              <a:schemeClr val="lt1"/>
-            </a:fontRef>
-          </p:style>
-          <p:txBody>
-            <a:bodyPr rtlCol="0" anchor="ctr"/>
-            <a:lstStyle/>
-            <a:p>
-              <a:pPr algn="ctr"/>
-              <a:r>
-                <a:rPr lang="fr-FR" sz="1400" dirty="0">
-                  <a:solidFill>
-                    <a:srgbClr val="004F77"/>
-                  </a:solidFill>
-                  <a:latin typeface="Arial Nova" panose="020B0504020202020204" pitchFamily="34" charset="0"/>
-                </a:rPr>
-                <a:t>Acquérir</a:t>
-              </a:r>
-            </a:p>
-          </p:txBody>
-        </p:sp>
-        <p:sp>
-          <p:nvSpPr>
-            <p:cNvPr id="5" name="Rectangle : coins arrondis 4">
+              <a:ln w="19050">
+                <a:solidFill>
+                  <a:srgbClr val="DFE3EB"/>
+                </a:solidFill>
+              </a:ln>
+            </p:spPr>
+            <p:style>
+              <a:lnRef idx="2">
+                <a:schemeClr val="accent1">
+                  <a:shade val="50000"/>
+                </a:schemeClr>
+              </a:lnRef>
+              <a:fillRef idx="1">
+                <a:schemeClr val="accent1"/>
+              </a:fillRef>
+              <a:effectRef idx="0">
+                <a:schemeClr val="accent1"/>
+              </a:effectRef>
+              <a:fontRef idx="minor">
+                <a:schemeClr val="lt1"/>
+              </a:fontRef>
+            </p:style>
+            <p:txBody>
+              <a:bodyPr rtlCol="0" anchor="ctr"/>
+              <a:lstStyle/>
+              <a:p>
+                <a:pPr algn="ctr"/>
+                <a:r>
+                  <a:rPr lang="fr-FR" sz="1200" dirty="0">
+                    <a:solidFill>
+                      <a:srgbClr val="004F77"/>
+                    </a:solidFill>
+                    <a:latin typeface="Arial Nova" panose="020B0504020202020204" pitchFamily="34" charset="0"/>
+                  </a:rPr>
+                  <a:t>Acquérir</a:t>
+                </a:r>
+              </a:p>
+            </p:txBody>
+          </p:sp>
+          <p:sp>
+            <p:nvSpPr>
+              <p:cNvPr id="10" name="Rectangle : coins arrondis 9">
+                <a:extLst>
+                  <a:ext uri="{FF2B5EF4-FFF2-40B4-BE49-F238E27FC236}">
+                    <a16:creationId xmlns:a16="http://schemas.microsoft.com/office/drawing/2014/main" id="{9EC15D97-825E-F4E8-4583-BD2C4D238BB9}"/>
+                  </a:ext>
+                </a:extLst>
+              </p:cNvPr>
+              <p:cNvSpPr/>
+              <p:nvPr/>
+            </p:nvSpPr>
+            <p:spPr>
+              <a:xfrm>
+                <a:off x="3590373" y="3568887"/>
+                <a:ext cx="1365662" cy="534390"/>
+              </a:xfrm>
+              <a:prstGeom prst="roundRect">
+                <a:avLst>
+                  <a:gd name="adj" fmla="val 11914"/>
+                </a:avLst>
+              </a:prstGeom>
+              <a:noFill/>
+              <a:ln w="19050">
+                <a:solidFill>
+                  <a:srgbClr val="FDAD57"/>
+                </a:solidFill>
+              </a:ln>
+            </p:spPr>
+            <p:style>
+              <a:lnRef idx="2">
+                <a:schemeClr val="accent1">
+                  <a:shade val="50000"/>
+                </a:schemeClr>
+              </a:lnRef>
+              <a:fillRef idx="1">
+                <a:schemeClr val="accent1"/>
+              </a:fillRef>
+              <a:effectRef idx="0">
+                <a:schemeClr val="accent1"/>
+              </a:effectRef>
+              <a:fontRef idx="minor">
+                <a:schemeClr val="lt1"/>
+              </a:fontRef>
+            </p:style>
+            <p:txBody>
+              <a:bodyPr rtlCol="0" anchor="ctr"/>
+              <a:lstStyle/>
+              <a:p>
+                <a:pPr algn="ctr"/>
+                <a:r>
+                  <a:rPr lang="fr-FR" sz="1400" dirty="0">
+                    <a:solidFill>
+                      <a:srgbClr val="FDAD57"/>
+                    </a:solidFill>
+                    <a:latin typeface="Arial Nova" panose="020B0504020202020204" pitchFamily="34" charset="0"/>
+                  </a:rPr>
+                  <a:t>Alimenter</a:t>
+                </a:r>
+              </a:p>
+            </p:txBody>
+          </p:sp>
+          <p:sp>
+            <p:nvSpPr>
+              <p:cNvPr id="11" name="Rectangle : coins arrondis 10">
+                <a:extLst>
+                  <a:ext uri="{FF2B5EF4-FFF2-40B4-BE49-F238E27FC236}">
+                    <a16:creationId xmlns:a16="http://schemas.microsoft.com/office/drawing/2014/main" id="{B9C357FE-4547-F6B3-E829-F7876F063C15}"/>
+                  </a:ext>
+                </a:extLst>
+              </p:cNvPr>
+              <p:cNvSpPr/>
+              <p:nvPr/>
+            </p:nvSpPr>
+            <p:spPr>
+              <a:xfrm>
+                <a:off x="3590373" y="4229287"/>
+                <a:ext cx="1365662" cy="534390"/>
+              </a:xfrm>
+              <a:prstGeom prst="roundRect">
+                <a:avLst>
+                  <a:gd name="adj" fmla="val 11914"/>
+                </a:avLst>
+              </a:prstGeom>
+              <a:solidFill>
+                <a:srgbClr val="FEE6CC"/>
+              </a:solidFill>
+              <a:ln w="19050">
+                <a:solidFill>
+                  <a:srgbClr val="FEE6CC"/>
+                </a:solidFill>
+              </a:ln>
+            </p:spPr>
+            <p:style>
+              <a:lnRef idx="2">
+                <a:schemeClr val="accent1">
+                  <a:shade val="50000"/>
+                </a:schemeClr>
+              </a:lnRef>
+              <a:fillRef idx="1">
+                <a:schemeClr val="accent1"/>
+              </a:fillRef>
+              <a:effectRef idx="0">
+                <a:schemeClr val="accent1"/>
+              </a:effectRef>
+              <a:fontRef idx="minor">
+                <a:schemeClr val="lt1"/>
+              </a:fontRef>
+            </p:style>
+            <p:txBody>
+              <a:bodyPr rtlCol="0" anchor="ctr"/>
+              <a:lstStyle/>
+              <a:p>
+                <a:pPr algn="ctr"/>
+                <a:r>
+                  <a:rPr lang="fr-FR" sz="1200" dirty="0">
+                    <a:solidFill>
+                      <a:srgbClr val="FDAD57"/>
+                    </a:solidFill>
+                    <a:latin typeface="Arial Nova" panose="020B0504020202020204" pitchFamily="34" charset="0"/>
+                  </a:rPr>
+                  <a:t>Alimenter</a:t>
+                </a:r>
+              </a:p>
+            </p:txBody>
+          </p:sp>
+        </p:grpSp>
+        <p:grpSp>
+          <p:nvGrpSpPr>
+            <p:cNvPr id="160" name="Groupe 159">
               <a:extLst>
                 <a:ext uri="{FF2B5EF4-FFF2-40B4-BE49-F238E27FC236}">
-                  <a16:creationId xmlns:a16="http://schemas.microsoft.com/office/drawing/2014/main" id="{48AE3C34-B371-9189-9498-158991B69CFC}"/>
+                  <a16:creationId xmlns:a16="http://schemas.microsoft.com/office/drawing/2014/main" id="{24FA6BCC-2226-51D6-7AD9-7F73F2A5BC37}"/>
                 </a:ext>
               </a:extLst>
             </p:cNvPr>
-            <p:cNvSpPr/>
-            <p:nvPr/>
-          </p:nvSpPr>
-          <p:spPr>
+            <p:cNvGrpSpPr/>
+            <p:nvPr/>
+          </p:nvGrpSpPr>
+          <p:grpSpPr>
             <a:xfrm>
-              <a:off x="0" y="660401"/>
-              <a:ext cx="1365662" cy="534390"/>
-            </a:xfrm>
-            <a:prstGeom prst="roundRect">
-              <a:avLst>
-                <a:gd name="adj" fmla="val 11914"/>
-              </a:avLst>
-            </a:prstGeom>
-            <a:solidFill>
-              <a:srgbClr val="DFE3EB"/>
-            </a:solidFill>
-            <a:ln w="19050">
+              <a:off x="5108844" y="2064661"/>
+              <a:ext cx="1365662" cy="2699016"/>
+              <a:chOff x="5069702" y="2064661"/>
+              <a:chExt cx="1365662" cy="2699016"/>
+            </a:xfrm>
+          </p:grpSpPr>
+          <p:sp>
+            <p:nvSpPr>
+              <p:cNvPr id="6" name="Rectangle : coins arrondis 5">
+                <a:extLst>
+                  <a:ext uri="{FF2B5EF4-FFF2-40B4-BE49-F238E27FC236}">
+                    <a16:creationId xmlns:a16="http://schemas.microsoft.com/office/drawing/2014/main" id="{93383D4C-1BD3-EFAF-37C3-F1F4DAEA9FBB}"/>
+                  </a:ext>
+                </a:extLst>
+              </p:cNvPr>
+              <p:cNvSpPr/>
+              <p:nvPr/>
+            </p:nvSpPr>
+            <p:spPr>
+              <a:xfrm>
+                <a:off x="5069702" y="2064661"/>
+                <a:ext cx="1365662" cy="534390"/>
+              </a:xfrm>
+              <a:prstGeom prst="roundRect">
+                <a:avLst>
+                  <a:gd name="adj" fmla="val 11914"/>
+                </a:avLst>
+              </a:prstGeom>
+              <a:noFill/>
+              <a:ln w="19050">
+                <a:solidFill>
+                  <a:srgbClr val="004F77"/>
+                </a:solidFill>
+              </a:ln>
+            </p:spPr>
+            <p:style>
+              <a:lnRef idx="2">
+                <a:schemeClr val="accent1">
+                  <a:shade val="50000"/>
+                </a:schemeClr>
+              </a:lnRef>
+              <a:fillRef idx="1">
+                <a:schemeClr val="accent1"/>
+              </a:fillRef>
+              <a:effectRef idx="0">
+                <a:schemeClr val="accent1"/>
+              </a:effectRef>
+              <a:fontRef idx="minor">
+                <a:schemeClr val="lt1"/>
+              </a:fontRef>
+            </p:style>
+            <p:txBody>
+              <a:bodyPr rtlCol="0" anchor="ctr"/>
+              <a:lstStyle/>
+              <a:p>
+                <a:pPr algn="ctr"/>
+                <a:r>
+                  <a:rPr lang="fr-FR" sz="1400" dirty="0">
+                    <a:solidFill>
+                      <a:srgbClr val="0C7391"/>
+                    </a:solidFill>
+                    <a:latin typeface="Arial Nova" panose="020B0504020202020204" pitchFamily="34" charset="0"/>
+                  </a:rPr>
+                  <a:t>Traiter</a:t>
+                </a:r>
+              </a:p>
+            </p:txBody>
+          </p:sp>
+          <p:sp>
+            <p:nvSpPr>
+              <p:cNvPr id="7" name="Rectangle : coins arrondis 6">
+                <a:extLst>
+                  <a:ext uri="{FF2B5EF4-FFF2-40B4-BE49-F238E27FC236}">
+                    <a16:creationId xmlns:a16="http://schemas.microsoft.com/office/drawing/2014/main" id="{0DA3E12E-E38E-90F5-DE87-E17B9F7693BB}"/>
+                  </a:ext>
+                </a:extLst>
+              </p:cNvPr>
+              <p:cNvSpPr/>
+              <p:nvPr/>
+            </p:nvSpPr>
+            <p:spPr>
+              <a:xfrm>
+                <a:off x="5069702" y="2708729"/>
+                <a:ext cx="1365662" cy="534390"/>
+              </a:xfrm>
+              <a:prstGeom prst="roundRect">
+                <a:avLst>
+                  <a:gd name="adj" fmla="val 11914"/>
+                </a:avLst>
+              </a:prstGeom>
               <a:solidFill>
-                <a:srgbClr val="DFE3EB"/>
+                <a:srgbClr val="E4EBF0"/>
               </a:solidFill>
-            </a:ln>
-          </p:spPr>
-          <p:style>
-            <a:lnRef idx="2">
-              <a:schemeClr val="accent1">
-                <a:shade val="50000"/>
-              </a:schemeClr>
-            </a:lnRef>
-            <a:fillRef idx="1">
-              <a:schemeClr val="accent1"/>
-            </a:fillRef>
-            <a:effectRef idx="0">
-              <a:schemeClr val="accent1"/>
-            </a:effectRef>
-            <a:fontRef idx="minor">
-              <a:schemeClr val="lt1"/>
-            </a:fontRef>
-          </p:style>
-          <p:txBody>
-            <a:bodyPr rtlCol="0" anchor="ctr"/>
-            <a:lstStyle/>
-            <a:p>
-              <a:pPr algn="ctr"/>
-              <a:r>
-                <a:rPr lang="fr-FR" sz="1200" dirty="0">
-                  <a:solidFill>
-                    <a:srgbClr val="004F77"/>
-                  </a:solidFill>
-                  <a:latin typeface="Arial Nova" panose="020B0504020202020204" pitchFamily="34" charset="0"/>
-                </a:rPr>
-                <a:t>Acquérir</a:t>
-              </a:r>
-            </a:p>
-          </p:txBody>
-        </p:sp>
-        <p:sp>
-          <p:nvSpPr>
-            <p:cNvPr id="6" name="Rectangle : coins arrondis 5">
+              <a:ln w="19050">
+                <a:solidFill>
+                  <a:srgbClr val="E4EBF0"/>
+                </a:solidFill>
+              </a:ln>
+            </p:spPr>
+            <p:style>
+              <a:lnRef idx="2">
+                <a:schemeClr val="accent1">
+                  <a:shade val="50000"/>
+                </a:schemeClr>
+              </a:lnRef>
+              <a:fillRef idx="1">
+                <a:schemeClr val="accent1"/>
+              </a:fillRef>
+              <a:effectRef idx="0">
+                <a:schemeClr val="accent1"/>
+              </a:effectRef>
+              <a:fontRef idx="minor">
+                <a:schemeClr val="lt1"/>
+              </a:fontRef>
+            </p:style>
+            <p:txBody>
+              <a:bodyPr rtlCol="0" anchor="ctr"/>
+              <a:lstStyle/>
+              <a:p>
+                <a:pPr algn="ctr"/>
+                <a:r>
+                  <a:rPr lang="fr-FR" sz="1200" dirty="0">
+                    <a:solidFill>
+                      <a:srgbClr val="0C7391"/>
+                    </a:solidFill>
+                    <a:latin typeface="Arial Nova" panose="020B0504020202020204" pitchFamily="34" charset="0"/>
+                  </a:rPr>
+                  <a:t>Traiter</a:t>
+                </a:r>
+              </a:p>
+            </p:txBody>
+          </p:sp>
+          <p:sp>
+            <p:nvSpPr>
+              <p:cNvPr id="12" name="Rectangle : coins arrondis 11">
+                <a:extLst>
+                  <a:ext uri="{FF2B5EF4-FFF2-40B4-BE49-F238E27FC236}">
+                    <a16:creationId xmlns:a16="http://schemas.microsoft.com/office/drawing/2014/main" id="{C532E568-E4C1-57B3-820A-310C1B639740}"/>
+                  </a:ext>
+                </a:extLst>
+              </p:cNvPr>
+              <p:cNvSpPr/>
+              <p:nvPr/>
+            </p:nvSpPr>
+            <p:spPr>
+              <a:xfrm>
+                <a:off x="5069702" y="3568887"/>
+                <a:ext cx="1365662" cy="534390"/>
+              </a:xfrm>
+              <a:prstGeom prst="roundRect">
+                <a:avLst>
+                  <a:gd name="adj" fmla="val 11914"/>
+                </a:avLst>
+              </a:prstGeom>
+              <a:noFill/>
+              <a:ln w="19050">
+                <a:solidFill>
+                  <a:srgbClr val="0C7391"/>
+                </a:solidFill>
+              </a:ln>
+            </p:spPr>
+            <p:style>
+              <a:lnRef idx="2">
+                <a:schemeClr val="accent1">
+                  <a:shade val="50000"/>
+                </a:schemeClr>
+              </a:lnRef>
+              <a:fillRef idx="1">
+                <a:schemeClr val="accent1"/>
+              </a:fillRef>
+              <a:effectRef idx="0">
+                <a:schemeClr val="accent1"/>
+              </a:effectRef>
+              <a:fontRef idx="minor">
+                <a:schemeClr val="lt1"/>
+              </a:fontRef>
+            </p:style>
+            <p:txBody>
+              <a:bodyPr rtlCol="0" anchor="ctr"/>
+              <a:lstStyle/>
+              <a:p>
+                <a:pPr algn="ctr"/>
+                <a:r>
+                  <a:rPr lang="fr-FR" sz="1400" dirty="0">
+                    <a:solidFill>
+                      <a:srgbClr val="0C7391"/>
+                    </a:solidFill>
+                    <a:latin typeface="Arial Nova" panose="020B0504020202020204" pitchFamily="34" charset="0"/>
+                  </a:rPr>
+                  <a:t>Distribuer</a:t>
+                </a:r>
+              </a:p>
+            </p:txBody>
+          </p:sp>
+          <p:sp>
+            <p:nvSpPr>
+              <p:cNvPr id="13" name="Rectangle : coins arrondis 12">
+                <a:extLst>
+                  <a:ext uri="{FF2B5EF4-FFF2-40B4-BE49-F238E27FC236}">
+                    <a16:creationId xmlns:a16="http://schemas.microsoft.com/office/drawing/2014/main" id="{B6ABCE40-8398-CCC0-653D-DA536FDB17ED}"/>
+                  </a:ext>
+                </a:extLst>
+              </p:cNvPr>
+              <p:cNvSpPr/>
+              <p:nvPr/>
+            </p:nvSpPr>
+            <p:spPr>
+              <a:xfrm>
+                <a:off x="5069702" y="4229287"/>
+                <a:ext cx="1365662" cy="534390"/>
+              </a:xfrm>
+              <a:prstGeom prst="roundRect">
+                <a:avLst>
+                  <a:gd name="adj" fmla="val 11914"/>
+                </a:avLst>
+              </a:prstGeom>
+              <a:solidFill>
+                <a:srgbClr val="9EC7D3"/>
+              </a:solidFill>
+              <a:ln w="19050">
+                <a:solidFill>
+                  <a:srgbClr val="9EC7D3"/>
+                </a:solidFill>
+              </a:ln>
+            </p:spPr>
+            <p:style>
+              <a:lnRef idx="2">
+                <a:schemeClr val="accent1">
+                  <a:shade val="50000"/>
+                </a:schemeClr>
+              </a:lnRef>
+              <a:fillRef idx="1">
+                <a:schemeClr val="accent1"/>
+              </a:fillRef>
+              <a:effectRef idx="0">
+                <a:schemeClr val="accent1"/>
+              </a:effectRef>
+              <a:fontRef idx="minor">
+                <a:schemeClr val="lt1"/>
+              </a:fontRef>
+            </p:style>
+            <p:txBody>
+              <a:bodyPr rtlCol="0" anchor="ctr"/>
+              <a:lstStyle/>
+              <a:p>
+                <a:pPr algn="ctr"/>
+                <a:r>
+                  <a:rPr lang="fr-FR" sz="1200" dirty="0">
+                    <a:solidFill>
+                      <a:srgbClr val="0C7391"/>
+                    </a:solidFill>
+                    <a:latin typeface="Arial Nova" panose="020B0504020202020204" pitchFamily="34" charset="0"/>
+                  </a:rPr>
+                  <a:t>Distribuer</a:t>
+                </a:r>
+              </a:p>
+            </p:txBody>
+          </p:sp>
+        </p:grpSp>
+        <p:grpSp>
+          <p:nvGrpSpPr>
+            <p:cNvPr id="161" name="Groupe 160">
               <a:extLst>
                 <a:ext uri="{FF2B5EF4-FFF2-40B4-BE49-F238E27FC236}">
-                  <a16:creationId xmlns:a16="http://schemas.microsoft.com/office/drawing/2014/main" id="{93383D4C-1BD3-EFAF-37C3-F1F4DAEA9FBB}"/>
+                  <a16:creationId xmlns:a16="http://schemas.microsoft.com/office/drawing/2014/main" id="{8C536563-8DD3-70A2-5EA1-D1382E6956F5}"/>
                 </a:ext>
               </a:extLst>
             </p:cNvPr>
-            <p:cNvSpPr/>
-            <p:nvPr/>
-          </p:nvSpPr>
-          <p:spPr>
+            <p:cNvGrpSpPr/>
+            <p:nvPr/>
+          </p:nvGrpSpPr>
+          <p:grpSpPr>
             <a:xfrm>
-              <a:off x="1447801" y="8468"/>
-              <a:ext cx="1365662" cy="534390"/>
-            </a:xfrm>
-            <a:prstGeom prst="roundRect">
-              <a:avLst>
-                <a:gd name="adj" fmla="val 11914"/>
-              </a:avLst>
-            </a:prstGeom>
-            <a:noFill/>
-            <a:ln w="19050">
+              <a:off x="6627315" y="2064661"/>
+              <a:ext cx="1365662" cy="2699016"/>
+              <a:chOff x="6551852" y="2064661"/>
+              <a:chExt cx="1365662" cy="2699016"/>
+            </a:xfrm>
+          </p:grpSpPr>
+          <p:sp>
+            <p:nvSpPr>
+              <p:cNvPr id="8" name="Rectangle : coins arrondis 7">
+                <a:extLst>
+                  <a:ext uri="{FF2B5EF4-FFF2-40B4-BE49-F238E27FC236}">
+                    <a16:creationId xmlns:a16="http://schemas.microsoft.com/office/drawing/2014/main" id="{B98F2CA7-F57D-C45E-C4B3-A70690121413}"/>
+                  </a:ext>
+                </a:extLst>
+              </p:cNvPr>
+              <p:cNvSpPr/>
+              <p:nvPr/>
+            </p:nvSpPr>
+            <p:spPr>
+              <a:xfrm>
+                <a:off x="6551852" y="2064661"/>
+                <a:ext cx="1365662" cy="534390"/>
+              </a:xfrm>
+              <a:prstGeom prst="roundRect">
+                <a:avLst>
+                  <a:gd name="adj" fmla="val 11914"/>
+                </a:avLst>
+              </a:prstGeom>
+              <a:noFill/>
+              <a:ln w="19050">
+                <a:solidFill>
+                  <a:srgbClr val="08A559"/>
+                </a:solidFill>
+              </a:ln>
+            </p:spPr>
+            <p:style>
+              <a:lnRef idx="2">
+                <a:schemeClr val="accent1">
+                  <a:shade val="50000"/>
+                </a:schemeClr>
+              </a:lnRef>
+              <a:fillRef idx="1">
+                <a:schemeClr val="accent1"/>
+              </a:fillRef>
+              <a:effectRef idx="0">
+                <a:schemeClr val="accent1"/>
+              </a:effectRef>
+              <a:fontRef idx="minor">
+                <a:schemeClr val="lt1"/>
+              </a:fontRef>
+            </p:style>
+            <p:txBody>
+              <a:bodyPr rtlCol="0" anchor="ctr"/>
+              <a:lstStyle/>
+              <a:p>
+                <a:pPr algn="ctr"/>
+                <a:r>
+                  <a:rPr lang="fr-FR" sz="1400" dirty="0">
+                    <a:solidFill>
+                      <a:srgbClr val="08A559"/>
+                    </a:solidFill>
+                    <a:latin typeface="Arial Nova" panose="020B0504020202020204" pitchFamily="34" charset="0"/>
+                  </a:rPr>
+                  <a:t>Communiquer</a:t>
+                </a:r>
+              </a:p>
+            </p:txBody>
+          </p:sp>
+          <p:sp>
+            <p:nvSpPr>
+              <p:cNvPr id="9" name="Rectangle : coins arrondis 8">
+                <a:extLst>
+                  <a:ext uri="{FF2B5EF4-FFF2-40B4-BE49-F238E27FC236}">
+                    <a16:creationId xmlns:a16="http://schemas.microsoft.com/office/drawing/2014/main" id="{847BF0CB-5567-E271-A1A0-B2827B65710A}"/>
+                  </a:ext>
+                </a:extLst>
+              </p:cNvPr>
+              <p:cNvSpPr/>
+              <p:nvPr/>
+            </p:nvSpPr>
+            <p:spPr>
+              <a:xfrm>
+                <a:off x="6551852" y="2708729"/>
+                <a:ext cx="1365662" cy="534390"/>
+              </a:xfrm>
+              <a:prstGeom prst="roundRect">
+                <a:avLst>
+                  <a:gd name="adj" fmla="val 11914"/>
+                </a:avLst>
+              </a:prstGeom>
               <a:solidFill>
-                <a:srgbClr val="004F77"/>
+                <a:srgbClr val="E8F3E8"/>
               </a:solidFill>
-            </a:ln>
-          </p:spPr>
-          <p:style>
-            <a:lnRef idx="2">
-              <a:schemeClr val="accent1">
-                <a:shade val="50000"/>
-              </a:schemeClr>
-            </a:lnRef>
-            <a:fillRef idx="1">
-              <a:schemeClr val="accent1"/>
-            </a:fillRef>
-            <a:effectRef idx="0">
-              <a:schemeClr val="accent1"/>
-            </a:effectRef>
-            <a:fontRef idx="minor">
-              <a:schemeClr val="lt1"/>
-            </a:fontRef>
-          </p:style>
-          <p:txBody>
-            <a:bodyPr rtlCol="0" anchor="ctr"/>
-            <a:lstStyle/>
-            <a:p>
-              <a:pPr algn="ctr"/>
-              <a:r>
-                <a:rPr lang="fr-FR" sz="1400" dirty="0">
-                  <a:solidFill>
-                    <a:srgbClr val="0C7391"/>
-                  </a:solidFill>
-                  <a:latin typeface="Arial Nova" panose="020B0504020202020204" pitchFamily="34" charset="0"/>
-                </a:rPr>
-                <a:t>Traiter</a:t>
-              </a:r>
-            </a:p>
-          </p:txBody>
-        </p:sp>
-        <p:sp>
-          <p:nvSpPr>
-            <p:cNvPr id="7" name="Rectangle : coins arrondis 6">
+              <a:ln w="19050">
+                <a:solidFill>
+                  <a:srgbClr val="E8F3E8"/>
+                </a:solidFill>
+              </a:ln>
+            </p:spPr>
+            <p:style>
+              <a:lnRef idx="2">
+                <a:schemeClr val="accent1">
+                  <a:shade val="50000"/>
+                </a:schemeClr>
+              </a:lnRef>
+              <a:fillRef idx="1">
+                <a:schemeClr val="accent1"/>
+              </a:fillRef>
+              <a:effectRef idx="0">
+                <a:schemeClr val="accent1"/>
+              </a:effectRef>
+              <a:fontRef idx="minor">
+                <a:schemeClr val="lt1"/>
+              </a:fontRef>
+            </p:style>
+            <p:txBody>
+              <a:bodyPr rtlCol="0" anchor="ctr"/>
+              <a:lstStyle/>
+              <a:p>
+                <a:pPr algn="ctr"/>
+                <a:r>
+                  <a:rPr lang="fr-FR" sz="1200" dirty="0">
+                    <a:solidFill>
+                      <a:srgbClr val="08A559"/>
+                    </a:solidFill>
+                    <a:latin typeface="Arial Nova" panose="020B0504020202020204" pitchFamily="34" charset="0"/>
+                  </a:rPr>
+                  <a:t>Communiquer</a:t>
+                </a:r>
+              </a:p>
+            </p:txBody>
+          </p:sp>
+          <p:sp>
+            <p:nvSpPr>
+              <p:cNvPr id="14" name="Rectangle : coins arrondis 13">
+                <a:extLst>
+                  <a:ext uri="{FF2B5EF4-FFF2-40B4-BE49-F238E27FC236}">
+                    <a16:creationId xmlns:a16="http://schemas.microsoft.com/office/drawing/2014/main" id="{83F93949-A308-1F9E-EE2D-A68889A4539E}"/>
+                  </a:ext>
+                </a:extLst>
+              </p:cNvPr>
+              <p:cNvSpPr/>
+              <p:nvPr/>
+            </p:nvSpPr>
+            <p:spPr>
+              <a:xfrm>
+                <a:off x="6551852" y="3568887"/>
+                <a:ext cx="1365662" cy="534390"/>
+              </a:xfrm>
+              <a:prstGeom prst="roundRect">
+                <a:avLst>
+                  <a:gd name="adj" fmla="val 11914"/>
+                </a:avLst>
+              </a:prstGeom>
+              <a:noFill/>
+              <a:ln w="19050">
+                <a:solidFill>
+                  <a:srgbClr val="68348B"/>
+                </a:solidFill>
+              </a:ln>
+            </p:spPr>
+            <p:style>
+              <a:lnRef idx="2">
+                <a:schemeClr val="accent1">
+                  <a:shade val="50000"/>
+                </a:schemeClr>
+              </a:lnRef>
+              <a:fillRef idx="1">
+                <a:schemeClr val="accent1"/>
+              </a:fillRef>
+              <a:effectRef idx="0">
+                <a:schemeClr val="accent1"/>
+              </a:effectRef>
+              <a:fontRef idx="minor">
+                <a:schemeClr val="lt1"/>
+              </a:fontRef>
+            </p:style>
+            <p:txBody>
+              <a:bodyPr rtlCol="0" anchor="ctr"/>
+              <a:lstStyle/>
+              <a:p>
+                <a:pPr algn="ctr"/>
+                <a:r>
+                  <a:rPr lang="fr-FR" sz="1400" dirty="0">
+                    <a:solidFill>
+                      <a:srgbClr val="68348B"/>
+                    </a:solidFill>
+                    <a:latin typeface="Arial Nova" panose="020B0504020202020204" pitchFamily="34" charset="0"/>
+                  </a:rPr>
+                  <a:t>Convertir</a:t>
+                </a:r>
+              </a:p>
+            </p:txBody>
+          </p:sp>
+          <p:sp>
+            <p:nvSpPr>
+              <p:cNvPr id="15" name="Rectangle : coins arrondis 14">
+                <a:extLst>
+                  <a:ext uri="{FF2B5EF4-FFF2-40B4-BE49-F238E27FC236}">
+                    <a16:creationId xmlns:a16="http://schemas.microsoft.com/office/drawing/2014/main" id="{B7F1D5E6-74A8-EBC1-64FC-712C0B36AD34}"/>
+                  </a:ext>
+                </a:extLst>
+              </p:cNvPr>
+              <p:cNvSpPr/>
+              <p:nvPr/>
+            </p:nvSpPr>
+            <p:spPr>
+              <a:xfrm>
+                <a:off x="6551852" y="4229287"/>
+                <a:ext cx="1365662" cy="534390"/>
+              </a:xfrm>
+              <a:prstGeom prst="roundRect">
+                <a:avLst>
+                  <a:gd name="adj" fmla="val 11914"/>
+                </a:avLst>
+              </a:prstGeom>
+              <a:solidFill>
+                <a:srgbClr val="C3AED1"/>
+              </a:solidFill>
+              <a:ln w="19050">
+                <a:solidFill>
+                  <a:srgbClr val="C3AED1"/>
+                </a:solidFill>
+              </a:ln>
+            </p:spPr>
+            <p:style>
+              <a:lnRef idx="2">
+                <a:schemeClr val="accent1">
+                  <a:shade val="50000"/>
+                </a:schemeClr>
+              </a:lnRef>
+              <a:fillRef idx="1">
+                <a:schemeClr val="accent1"/>
+              </a:fillRef>
+              <a:effectRef idx="0">
+                <a:schemeClr val="accent1"/>
+              </a:effectRef>
+              <a:fontRef idx="minor">
+                <a:schemeClr val="lt1"/>
+              </a:fontRef>
+            </p:style>
+            <p:txBody>
+              <a:bodyPr rtlCol="0" anchor="ctr"/>
+              <a:lstStyle/>
+              <a:p>
+                <a:pPr algn="ctr"/>
+                <a:r>
+                  <a:rPr lang="fr-FR" sz="1200" dirty="0">
+                    <a:solidFill>
+                      <a:srgbClr val="68348B"/>
+                    </a:solidFill>
+                    <a:latin typeface="Arial Nova" panose="020B0504020202020204" pitchFamily="34" charset="0"/>
+                  </a:rPr>
+                  <a:t>Convertir</a:t>
+                </a:r>
+              </a:p>
+            </p:txBody>
+          </p:sp>
+        </p:grpSp>
+        <p:grpSp>
+          <p:nvGrpSpPr>
+            <p:cNvPr id="162" name="Groupe 161">
               <a:extLst>
                 <a:ext uri="{FF2B5EF4-FFF2-40B4-BE49-F238E27FC236}">
-                  <a16:creationId xmlns:a16="http://schemas.microsoft.com/office/drawing/2014/main" id="{0DA3E12E-E38E-90F5-DE87-E17B9F7693BB}"/>
+                  <a16:creationId xmlns:a16="http://schemas.microsoft.com/office/drawing/2014/main" id="{C24AC3FC-B22B-D894-0937-3D032DDAE089}"/>
                 </a:ext>
               </a:extLst>
             </p:cNvPr>
-            <p:cNvSpPr/>
-            <p:nvPr/>
-          </p:nvSpPr>
-          <p:spPr>
+            <p:cNvGrpSpPr/>
+            <p:nvPr/>
+          </p:nvGrpSpPr>
+          <p:grpSpPr>
             <a:xfrm>
-              <a:off x="1439334" y="635001"/>
-              <a:ext cx="1365662" cy="534390"/>
-            </a:xfrm>
-            <a:prstGeom prst="roundRect">
-              <a:avLst>
-                <a:gd name="adj" fmla="val 11914"/>
-              </a:avLst>
-            </a:prstGeom>
-            <a:solidFill>
-              <a:srgbClr val="E4EBF0"/>
-            </a:solidFill>
-            <a:ln w="19050">
-              <a:solidFill>
-                <a:srgbClr val="E4EBF0"/>
-              </a:solidFill>
-            </a:ln>
-          </p:spPr>
-          <p:style>
-            <a:lnRef idx="2">
-              <a:schemeClr val="accent1">
-                <a:shade val="50000"/>
-              </a:schemeClr>
-            </a:lnRef>
-            <a:fillRef idx="1">
-              <a:schemeClr val="accent1"/>
-            </a:fillRef>
-            <a:effectRef idx="0">
-              <a:schemeClr val="accent1"/>
-            </a:effectRef>
-            <a:fontRef idx="minor">
-              <a:schemeClr val="lt1"/>
-            </a:fontRef>
-          </p:style>
-          <p:txBody>
-            <a:bodyPr rtlCol="0" anchor="ctr"/>
-            <a:lstStyle/>
-            <a:p>
-              <a:pPr algn="ctr"/>
-              <a:r>
-                <a:rPr lang="fr-FR" sz="1200" dirty="0">
-                  <a:solidFill>
-                    <a:srgbClr val="0C7391"/>
-                  </a:solidFill>
-                  <a:latin typeface="Arial Nova" panose="020B0504020202020204" pitchFamily="34" charset="0"/>
-                </a:rPr>
-                <a:t>Traiter</a:t>
-              </a:r>
-            </a:p>
-          </p:txBody>
-        </p:sp>
-        <p:sp>
-          <p:nvSpPr>
-            <p:cNvPr id="8" name="Rectangle : coins arrondis 7">
-              <a:extLst>
-                <a:ext uri="{FF2B5EF4-FFF2-40B4-BE49-F238E27FC236}">
-                  <a16:creationId xmlns:a16="http://schemas.microsoft.com/office/drawing/2014/main" id="{B98F2CA7-F57D-C45E-C4B3-A70690121413}"/>
-                </a:ext>
-              </a:extLst>
-            </p:cNvPr>
-            <p:cNvSpPr/>
-            <p:nvPr/>
-          </p:nvSpPr>
-          <p:spPr>
-            <a:xfrm>
-              <a:off x="2999656" y="1"/>
-              <a:ext cx="1365662" cy="534390"/>
-            </a:xfrm>
-            <a:prstGeom prst="roundRect">
-              <a:avLst>
-                <a:gd name="adj" fmla="val 11914"/>
-              </a:avLst>
-            </a:prstGeom>
-            <a:noFill/>
-            <a:ln w="19050">
-              <a:solidFill>
-                <a:srgbClr val="08A559"/>
-              </a:solidFill>
-            </a:ln>
-          </p:spPr>
-          <p:style>
-            <a:lnRef idx="2">
-              <a:schemeClr val="accent1">
-                <a:shade val="50000"/>
-              </a:schemeClr>
-            </a:lnRef>
-            <a:fillRef idx="1">
-              <a:schemeClr val="accent1"/>
-            </a:fillRef>
-            <a:effectRef idx="0">
-              <a:schemeClr val="accent1"/>
-            </a:effectRef>
-            <a:fontRef idx="minor">
-              <a:schemeClr val="lt1"/>
-            </a:fontRef>
-          </p:style>
-          <p:txBody>
-            <a:bodyPr rtlCol="0" anchor="ctr"/>
-            <a:lstStyle/>
-            <a:p>
-              <a:pPr algn="ctr"/>
-              <a:r>
-                <a:rPr lang="fr-FR" sz="1400" dirty="0">
-                  <a:solidFill>
-                    <a:srgbClr val="08A559"/>
-                  </a:solidFill>
-                  <a:latin typeface="Arial Nova" panose="020B0504020202020204" pitchFamily="34" charset="0"/>
-                </a:rPr>
-                <a:t>Communiquer</a:t>
-              </a:r>
-            </a:p>
-          </p:txBody>
-        </p:sp>
-        <p:sp>
-          <p:nvSpPr>
-            <p:cNvPr id="9" name="Rectangle : coins arrondis 8">
-              <a:extLst>
-                <a:ext uri="{FF2B5EF4-FFF2-40B4-BE49-F238E27FC236}">
-                  <a16:creationId xmlns:a16="http://schemas.microsoft.com/office/drawing/2014/main" id="{847BF0CB-5567-E271-A1A0-B2827B65710A}"/>
-                </a:ext>
-              </a:extLst>
-            </p:cNvPr>
-            <p:cNvSpPr/>
-            <p:nvPr/>
-          </p:nvSpPr>
-          <p:spPr>
-            <a:xfrm>
-              <a:off x="3011075" y="635001"/>
-              <a:ext cx="1365662" cy="534390"/>
-            </a:xfrm>
-            <a:prstGeom prst="roundRect">
-              <a:avLst>
-                <a:gd name="adj" fmla="val 11914"/>
-              </a:avLst>
-            </a:prstGeom>
-            <a:solidFill>
-              <a:srgbClr val="E8F3E8"/>
-            </a:solidFill>
-            <a:ln w="19050">
-              <a:solidFill>
-                <a:srgbClr val="E8F3E8"/>
-              </a:solidFill>
-            </a:ln>
-          </p:spPr>
-          <p:style>
-            <a:lnRef idx="2">
-              <a:schemeClr val="accent1">
-                <a:shade val="50000"/>
-              </a:schemeClr>
-            </a:lnRef>
-            <a:fillRef idx="1">
-              <a:schemeClr val="accent1"/>
-            </a:fillRef>
-            <a:effectRef idx="0">
-              <a:schemeClr val="accent1"/>
-            </a:effectRef>
-            <a:fontRef idx="minor">
-              <a:schemeClr val="lt1"/>
-            </a:fontRef>
-          </p:style>
-          <p:txBody>
-            <a:bodyPr rtlCol="0" anchor="ctr"/>
-            <a:lstStyle/>
-            <a:p>
-              <a:pPr algn="ctr"/>
-              <a:r>
-                <a:rPr lang="fr-FR" sz="1200" dirty="0">
-                  <a:solidFill>
-                    <a:srgbClr val="08A559"/>
-                  </a:solidFill>
-                  <a:latin typeface="Arial Nova" panose="020B0504020202020204" pitchFamily="34" charset="0"/>
-                </a:rPr>
-                <a:t>Communiquer</a:t>
-              </a:r>
-            </a:p>
-          </p:txBody>
-        </p:sp>
-        <p:sp>
-          <p:nvSpPr>
-            <p:cNvPr id="10" name="Rectangle : coins arrondis 9">
-              <a:extLst>
-                <a:ext uri="{FF2B5EF4-FFF2-40B4-BE49-F238E27FC236}">
-                  <a16:creationId xmlns:a16="http://schemas.microsoft.com/office/drawing/2014/main" id="{9EC15D97-825E-F4E8-4583-BD2C4D238BB9}"/>
-                </a:ext>
-              </a:extLst>
-            </p:cNvPr>
-            <p:cNvSpPr/>
-            <p:nvPr/>
-          </p:nvSpPr>
-          <p:spPr>
-            <a:xfrm>
-              <a:off x="1" y="1508460"/>
-              <a:ext cx="1365662" cy="534390"/>
-            </a:xfrm>
-            <a:prstGeom prst="roundRect">
-              <a:avLst>
-                <a:gd name="adj" fmla="val 11914"/>
-              </a:avLst>
-            </a:prstGeom>
-            <a:noFill/>
-            <a:ln w="19050">
-              <a:solidFill>
-                <a:srgbClr val="FDAD57"/>
-              </a:solidFill>
-            </a:ln>
-          </p:spPr>
-          <p:style>
-            <a:lnRef idx="2">
-              <a:schemeClr val="accent1">
-                <a:shade val="50000"/>
-              </a:schemeClr>
-            </a:lnRef>
-            <a:fillRef idx="1">
-              <a:schemeClr val="accent1"/>
-            </a:fillRef>
-            <a:effectRef idx="0">
-              <a:schemeClr val="accent1"/>
-            </a:effectRef>
-            <a:fontRef idx="minor">
-              <a:schemeClr val="lt1"/>
-            </a:fontRef>
-          </p:style>
-          <p:txBody>
-            <a:bodyPr rtlCol="0" anchor="ctr"/>
-            <a:lstStyle/>
-            <a:p>
-              <a:pPr algn="ctr"/>
-              <a:r>
-                <a:rPr lang="fr-FR" sz="1400" dirty="0">
-                  <a:solidFill>
-                    <a:srgbClr val="FDAD57"/>
-                  </a:solidFill>
-                  <a:latin typeface="Arial Nova" panose="020B0504020202020204" pitchFamily="34" charset="0"/>
-                </a:rPr>
-                <a:t>Alimenter</a:t>
-              </a:r>
-            </a:p>
-          </p:txBody>
-        </p:sp>
-        <p:sp>
-          <p:nvSpPr>
-            <p:cNvPr id="11" name="Rectangle : coins arrondis 10">
-              <a:extLst>
-                <a:ext uri="{FF2B5EF4-FFF2-40B4-BE49-F238E27FC236}">
-                  <a16:creationId xmlns:a16="http://schemas.microsoft.com/office/drawing/2014/main" id="{B9C357FE-4547-F6B3-E829-F7876F063C15}"/>
-                </a:ext>
-              </a:extLst>
-            </p:cNvPr>
-            <p:cNvSpPr/>
-            <p:nvPr/>
-          </p:nvSpPr>
-          <p:spPr>
-            <a:xfrm>
-              <a:off x="0" y="2168860"/>
-              <a:ext cx="1365662" cy="534390"/>
-            </a:xfrm>
-            <a:prstGeom prst="roundRect">
-              <a:avLst>
-                <a:gd name="adj" fmla="val 11914"/>
-              </a:avLst>
-            </a:prstGeom>
-            <a:solidFill>
-              <a:srgbClr val="FEE6CC"/>
-            </a:solidFill>
-            <a:ln w="19050">
-              <a:solidFill>
-                <a:srgbClr val="FEE6CC"/>
-              </a:solidFill>
-            </a:ln>
-          </p:spPr>
-          <p:style>
-            <a:lnRef idx="2">
-              <a:schemeClr val="accent1">
-                <a:shade val="50000"/>
-              </a:schemeClr>
-            </a:lnRef>
-            <a:fillRef idx="1">
-              <a:schemeClr val="accent1"/>
-            </a:fillRef>
-            <a:effectRef idx="0">
-              <a:schemeClr val="accent1"/>
-            </a:effectRef>
-            <a:fontRef idx="minor">
-              <a:schemeClr val="lt1"/>
-            </a:fontRef>
-          </p:style>
-          <p:txBody>
-            <a:bodyPr rtlCol="0" anchor="ctr"/>
-            <a:lstStyle/>
-            <a:p>
-              <a:pPr algn="ctr"/>
-              <a:r>
-                <a:rPr lang="fr-FR" sz="1200" dirty="0">
-                  <a:solidFill>
-                    <a:srgbClr val="FDAD57"/>
-                  </a:solidFill>
-                  <a:latin typeface="Arial Nova" panose="020B0504020202020204" pitchFamily="34" charset="0"/>
-                </a:rPr>
-                <a:t>Alimenter</a:t>
-              </a:r>
-            </a:p>
-          </p:txBody>
-        </p:sp>
-        <p:sp>
-          <p:nvSpPr>
-            <p:cNvPr id="12" name="Rectangle : coins arrondis 11">
-              <a:extLst>
-                <a:ext uri="{FF2B5EF4-FFF2-40B4-BE49-F238E27FC236}">
-                  <a16:creationId xmlns:a16="http://schemas.microsoft.com/office/drawing/2014/main" id="{C532E568-E4C1-57B3-820A-310C1B639740}"/>
-                </a:ext>
-              </a:extLst>
-            </p:cNvPr>
-            <p:cNvSpPr/>
-            <p:nvPr/>
-          </p:nvSpPr>
-          <p:spPr>
-            <a:xfrm>
-              <a:off x="1447802" y="1508460"/>
-              <a:ext cx="1365662" cy="534390"/>
-            </a:xfrm>
-            <a:prstGeom prst="roundRect">
-              <a:avLst>
-                <a:gd name="adj" fmla="val 11914"/>
-              </a:avLst>
-            </a:prstGeom>
-            <a:noFill/>
-            <a:ln w="19050">
-              <a:solidFill>
-                <a:srgbClr val="0C7391"/>
-              </a:solidFill>
-            </a:ln>
-          </p:spPr>
-          <p:style>
-            <a:lnRef idx="2">
-              <a:schemeClr val="accent1">
-                <a:shade val="50000"/>
-              </a:schemeClr>
-            </a:lnRef>
-            <a:fillRef idx="1">
-              <a:schemeClr val="accent1"/>
-            </a:fillRef>
-            <a:effectRef idx="0">
-              <a:schemeClr val="accent1"/>
-            </a:effectRef>
-            <a:fontRef idx="minor">
-              <a:schemeClr val="lt1"/>
-            </a:fontRef>
-          </p:style>
-          <p:txBody>
-            <a:bodyPr rtlCol="0" anchor="ctr"/>
-            <a:lstStyle/>
-            <a:p>
-              <a:pPr algn="ctr"/>
-              <a:r>
-                <a:rPr lang="fr-FR" sz="1400" dirty="0">
-                  <a:solidFill>
-                    <a:srgbClr val="0C7391"/>
-                  </a:solidFill>
-                  <a:latin typeface="Arial Nova" panose="020B0504020202020204" pitchFamily="34" charset="0"/>
-                </a:rPr>
-                <a:t>Distribuer</a:t>
-              </a:r>
-            </a:p>
-          </p:txBody>
-        </p:sp>
-        <p:sp>
-          <p:nvSpPr>
-            <p:cNvPr id="13" name="Rectangle : coins arrondis 12">
-              <a:extLst>
-                <a:ext uri="{FF2B5EF4-FFF2-40B4-BE49-F238E27FC236}">
-                  <a16:creationId xmlns:a16="http://schemas.microsoft.com/office/drawing/2014/main" id="{B6ABCE40-8398-CCC0-653D-DA536FDB17ED}"/>
-                </a:ext>
-              </a:extLst>
-            </p:cNvPr>
-            <p:cNvSpPr/>
-            <p:nvPr/>
-          </p:nvSpPr>
-          <p:spPr>
-            <a:xfrm>
-              <a:off x="1447801" y="2168860"/>
-              <a:ext cx="1365662" cy="534390"/>
-            </a:xfrm>
-            <a:prstGeom prst="roundRect">
-              <a:avLst>
-                <a:gd name="adj" fmla="val 11914"/>
-              </a:avLst>
-            </a:prstGeom>
-            <a:solidFill>
-              <a:srgbClr val="9EC7D3"/>
-            </a:solidFill>
-            <a:ln w="19050">
-              <a:solidFill>
-                <a:srgbClr val="9EC7D3"/>
-              </a:solidFill>
-            </a:ln>
-          </p:spPr>
-          <p:style>
-            <a:lnRef idx="2">
-              <a:schemeClr val="accent1">
-                <a:shade val="50000"/>
-              </a:schemeClr>
-            </a:lnRef>
-            <a:fillRef idx="1">
-              <a:schemeClr val="accent1"/>
-            </a:fillRef>
-            <a:effectRef idx="0">
-              <a:schemeClr val="accent1"/>
-            </a:effectRef>
-            <a:fontRef idx="minor">
-              <a:schemeClr val="lt1"/>
-            </a:fontRef>
-          </p:style>
-          <p:txBody>
-            <a:bodyPr rtlCol="0" anchor="ctr"/>
-            <a:lstStyle/>
-            <a:p>
-              <a:pPr algn="ctr"/>
-              <a:r>
-                <a:rPr lang="fr-FR" sz="1200" dirty="0">
-                  <a:solidFill>
-                    <a:srgbClr val="0C7391"/>
-                  </a:solidFill>
-                  <a:latin typeface="Arial Nova" panose="020B0504020202020204" pitchFamily="34" charset="0"/>
-                </a:rPr>
-                <a:t>Distribuer</a:t>
-              </a:r>
-            </a:p>
-          </p:txBody>
-        </p:sp>
-        <p:sp>
-          <p:nvSpPr>
-            <p:cNvPr id="14" name="Rectangle : coins arrondis 13">
-              <a:extLst>
-                <a:ext uri="{FF2B5EF4-FFF2-40B4-BE49-F238E27FC236}">
-                  <a16:creationId xmlns:a16="http://schemas.microsoft.com/office/drawing/2014/main" id="{83F93949-A308-1F9E-EE2D-A68889A4539E}"/>
-                </a:ext>
-              </a:extLst>
-            </p:cNvPr>
-            <p:cNvSpPr/>
-            <p:nvPr/>
-          </p:nvSpPr>
-          <p:spPr>
-            <a:xfrm>
-              <a:off x="2912276" y="1508460"/>
-              <a:ext cx="1365662" cy="534390"/>
-            </a:xfrm>
-            <a:prstGeom prst="roundRect">
-              <a:avLst>
-                <a:gd name="adj" fmla="val 11914"/>
-              </a:avLst>
-            </a:prstGeom>
-            <a:noFill/>
-            <a:ln w="19050">
-              <a:solidFill>
-                <a:srgbClr val="68348B"/>
-              </a:solidFill>
-            </a:ln>
-          </p:spPr>
-          <p:style>
-            <a:lnRef idx="2">
-              <a:schemeClr val="accent1">
-                <a:shade val="50000"/>
-              </a:schemeClr>
-            </a:lnRef>
-            <a:fillRef idx="1">
-              <a:schemeClr val="accent1"/>
-            </a:fillRef>
-            <a:effectRef idx="0">
-              <a:schemeClr val="accent1"/>
-            </a:effectRef>
-            <a:fontRef idx="minor">
-              <a:schemeClr val="lt1"/>
-            </a:fontRef>
-          </p:style>
-          <p:txBody>
-            <a:bodyPr rtlCol="0" anchor="ctr"/>
-            <a:lstStyle/>
-            <a:p>
-              <a:pPr algn="ctr"/>
-              <a:r>
-                <a:rPr lang="fr-FR" sz="1400" dirty="0">
-                  <a:solidFill>
-                    <a:srgbClr val="68348B"/>
-                  </a:solidFill>
-                  <a:latin typeface="Arial Nova" panose="020B0504020202020204" pitchFamily="34" charset="0"/>
-                </a:rPr>
-                <a:t>Convertir</a:t>
-              </a:r>
-            </a:p>
-          </p:txBody>
-        </p:sp>
-        <p:sp>
-          <p:nvSpPr>
-            <p:cNvPr id="15" name="Rectangle : coins arrondis 14">
-              <a:extLst>
-                <a:ext uri="{FF2B5EF4-FFF2-40B4-BE49-F238E27FC236}">
-                  <a16:creationId xmlns:a16="http://schemas.microsoft.com/office/drawing/2014/main" id="{B7F1D5E6-74A8-EBC1-64FC-712C0B36AD34}"/>
-                </a:ext>
-              </a:extLst>
-            </p:cNvPr>
-            <p:cNvSpPr/>
-            <p:nvPr/>
-          </p:nvSpPr>
-          <p:spPr>
-            <a:xfrm>
-              <a:off x="2912275" y="2168860"/>
-              <a:ext cx="1365662" cy="534390"/>
-            </a:xfrm>
-            <a:prstGeom prst="roundRect">
-              <a:avLst>
-                <a:gd name="adj" fmla="val 11914"/>
-              </a:avLst>
-            </a:prstGeom>
-            <a:solidFill>
-              <a:srgbClr val="C3AED1"/>
-            </a:solidFill>
-            <a:ln w="19050">
-              <a:solidFill>
-                <a:srgbClr val="C3AED1"/>
-              </a:solidFill>
-            </a:ln>
-          </p:spPr>
-          <p:style>
-            <a:lnRef idx="2">
-              <a:schemeClr val="accent1">
-                <a:shade val="50000"/>
-              </a:schemeClr>
-            </a:lnRef>
-            <a:fillRef idx="1">
-              <a:schemeClr val="accent1"/>
-            </a:fillRef>
-            <a:effectRef idx="0">
-              <a:schemeClr val="accent1"/>
-            </a:effectRef>
-            <a:fontRef idx="minor">
-              <a:schemeClr val="lt1"/>
-            </a:fontRef>
-          </p:style>
-          <p:txBody>
-            <a:bodyPr rtlCol="0" anchor="ctr"/>
-            <a:lstStyle/>
-            <a:p>
-              <a:pPr algn="ctr"/>
-              <a:r>
-                <a:rPr lang="fr-FR" sz="1200" dirty="0">
-                  <a:solidFill>
-                    <a:srgbClr val="68348B"/>
-                  </a:solidFill>
-                  <a:latin typeface="Arial Nova" panose="020B0504020202020204" pitchFamily="34" charset="0"/>
-                </a:rPr>
-                <a:t>Convertir</a:t>
-              </a:r>
-            </a:p>
-          </p:txBody>
-        </p:sp>
-        <p:sp>
-          <p:nvSpPr>
-            <p:cNvPr id="16" name="Rectangle : coins arrondis 15">
-              <a:extLst>
-                <a:ext uri="{FF2B5EF4-FFF2-40B4-BE49-F238E27FC236}">
-                  <a16:creationId xmlns:a16="http://schemas.microsoft.com/office/drawing/2014/main" id="{D0EB77B0-8070-EBA1-8985-40B887053056}"/>
-                </a:ext>
-              </a:extLst>
-            </p:cNvPr>
-            <p:cNvSpPr/>
-            <p:nvPr/>
-          </p:nvSpPr>
-          <p:spPr>
-            <a:xfrm>
-              <a:off x="4549900" y="1503772"/>
-              <a:ext cx="1365662" cy="534390"/>
-            </a:xfrm>
-            <a:prstGeom prst="roundRect">
-              <a:avLst>
-                <a:gd name="adj" fmla="val 11914"/>
-              </a:avLst>
-            </a:prstGeom>
-            <a:noFill/>
-            <a:ln w="19050">
-              <a:solidFill>
-                <a:srgbClr val="EE685D"/>
-              </a:solidFill>
-            </a:ln>
-          </p:spPr>
-          <p:style>
-            <a:lnRef idx="2">
-              <a:schemeClr val="accent1">
-                <a:shade val="50000"/>
-              </a:schemeClr>
-            </a:lnRef>
-            <a:fillRef idx="1">
-              <a:schemeClr val="accent1"/>
-            </a:fillRef>
-            <a:effectRef idx="0">
-              <a:schemeClr val="accent1"/>
-            </a:effectRef>
-            <a:fontRef idx="minor">
-              <a:schemeClr val="lt1"/>
-            </a:fontRef>
-          </p:style>
-          <p:txBody>
-            <a:bodyPr rtlCol="0" anchor="ctr"/>
-            <a:lstStyle/>
-            <a:p>
-              <a:pPr algn="ctr"/>
-              <a:r>
-                <a:rPr lang="fr-FR" sz="1400" dirty="0">
-                  <a:solidFill>
-                    <a:srgbClr val="EE685D"/>
-                  </a:solidFill>
-                  <a:latin typeface="Arial Nova" panose="020B0504020202020204" pitchFamily="34" charset="0"/>
-                </a:rPr>
-                <a:t>Transmettre</a:t>
-              </a:r>
-            </a:p>
-          </p:txBody>
-        </p:sp>
-        <p:sp>
-          <p:nvSpPr>
-            <p:cNvPr id="17" name="Rectangle : coins arrondis 16">
-              <a:extLst>
-                <a:ext uri="{FF2B5EF4-FFF2-40B4-BE49-F238E27FC236}">
-                  <a16:creationId xmlns:a16="http://schemas.microsoft.com/office/drawing/2014/main" id="{6D1E7D27-93DE-A22D-A03E-86BCA6916E6A}"/>
-                </a:ext>
-              </a:extLst>
-            </p:cNvPr>
-            <p:cNvSpPr/>
-            <p:nvPr/>
-          </p:nvSpPr>
-          <p:spPr>
-            <a:xfrm>
-              <a:off x="4549899" y="2164172"/>
-              <a:ext cx="1365662" cy="534390"/>
-            </a:xfrm>
-            <a:prstGeom prst="roundRect">
-              <a:avLst>
-                <a:gd name="adj" fmla="val 11914"/>
-              </a:avLst>
-            </a:prstGeom>
-            <a:solidFill>
-              <a:srgbClr val="F7B8B3"/>
-            </a:solidFill>
-            <a:ln w="19050">
+              <a:off x="8145786" y="3564199"/>
+              <a:ext cx="1365662" cy="1194790"/>
+              <a:chOff x="8145786" y="3564199"/>
+              <a:chExt cx="1365662" cy="1194790"/>
+            </a:xfrm>
+          </p:grpSpPr>
+          <p:sp>
+            <p:nvSpPr>
+              <p:cNvPr id="16" name="Rectangle : coins arrondis 15">
+                <a:extLst>
+                  <a:ext uri="{FF2B5EF4-FFF2-40B4-BE49-F238E27FC236}">
+                    <a16:creationId xmlns:a16="http://schemas.microsoft.com/office/drawing/2014/main" id="{D0EB77B0-8070-EBA1-8985-40B887053056}"/>
+                  </a:ext>
+                </a:extLst>
+              </p:cNvPr>
+              <p:cNvSpPr/>
+              <p:nvPr/>
+            </p:nvSpPr>
+            <p:spPr>
+              <a:xfrm>
+                <a:off x="8145786" y="3564199"/>
+                <a:ext cx="1365662" cy="534390"/>
+              </a:xfrm>
+              <a:prstGeom prst="roundRect">
+                <a:avLst>
+                  <a:gd name="adj" fmla="val 11914"/>
+                </a:avLst>
+              </a:prstGeom>
+              <a:noFill/>
+              <a:ln w="19050">
+                <a:solidFill>
+                  <a:srgbClr val="EE685D"/>
+                </a:solidFill>
+              </a:ln>
+            </p:spPr>
+            <p:style>
+              <a:lnRef idx="2">
+                <a:schemeClr val="accent1">
+                  <a:shade val="50000"/>
+                </a:schemeClr>
+              </a:lnRef>
+              <a:fillRef idx="1">
+                <a:schemeClr val="accent1"/>
+              </a:fillRef>
+              <a:effectRef idx="0">
+                <a:schemeClr val="accent1"/>
+              </a:effectRef>
+              <a:fontRef idx="minor">
+                <a:schemeClr val="lt1"/>
+              </a:fontRef>
+            </p:style>
+            <p:txBody>
+              <a:bodyPr rtlCol="0" anchor="ctr"/>
+              <a:lstStyle/>
+              <a:p>
+                <a:pPr algn="ctr"/>
+                <a:r>
+                  <a:rPr lang="fr-FR" sz="1400" dirty="0">
+                    <a:solidFill>
+                      <a:srgbClr val="EE685D"/>
+                    </a:solidFill>
+                    <a:latin typeface="Arial Nova" panose="020B0504020202020204" pitchFamily="34" charset="0"/>
+                  </a:rPr>
+                  <a:t>Transmettre</a:t>
+                </a:r>
+              </a:p>
+            </p:txBody>
+          </p:sp>
+          <p:sp>
+            <p:nvSpPr>
+              <p:cNvPr id="17" name="Rectangle : coins arrondis 16">
+                <a:extLst>
+                  <a:ext uri="{FF2B5EF4-FFF2-40B4-BE49-F238E27FC236}">
+                    <a16:creationId xmlns:a16="http://schemas.microsoft.com/office/drawing/2014/main" id="{6D1E7D27-93DE-A22D-A03E-86BCA6916E6A}"/>
+                  </a:ext>
+                </a:extLst>
+              </p:cNvPr>
+              <p:cNvSpPr/>
+              <p:nvPr/>
+            </p:nvSpPr>
+            <p:spPr>
+              <a:xfrm>
+                <a:off x="8145786" y="4224599"/>
+                <a:ext cx="1365662" cy="534390"/>
+              </a:xfrm>
+              <a:prstGeom prst="roundRect">
+                <a:avLst>
+                  <a:gd name="adj" fmla="val 11914"/>
+                </a:avLst>
+              </a:prstGeom>
               <a:solidFill>
                 <a:srgbClr val="F7B8B3"/>
               </a:solidFill>
-            </a:ln>
-          </p:spPr>
-          <p:style>
-            <a:lnRef idx="2">
-              <a:schemeClr val="accent1">
-                <a:shade val="50000"/>
-              </a:schemeClr>
-            </a:lnRef>
-            <a:fillRef idx="1">
-              <a:schemeClr val="accent1"/>
-            </a:fillRef>
-            <a:effectRef idx="0">
-              <a:schemeClr val="accent1"/>
-            </a:effectRef>
-            <a:fontRef idx="minor">
-              <a:schemeClr val="lt1"/>
-            </a:fontRef>
-          </p:style>
-          <p:txBody>
-            <a:bodyPr rtlCol="0" anchor="ctr"/>
-            <a:lstStyle/>
-            <a:p>
-              <a:pPr algn="ctr"/>
-              <a:r>
-                <a:rPr lang="fr-FR" sz="1200" dirty="0">
-                  <a:solidFill>
-                    <a:srgbClr val="EE685D"/>
-                  </a:solidFill>
-                  <a:latin typeface="Arial Nova" panose="020B0504020202020204" pitchFamily="34" charset="0"/>
-                </a:rPr>
-                <a:t>Transmettre</a:t>
-              </a:r>
-            </a:p>
-          </p:txBody>
-        </p:sp>
-      </p:grpSp>
-      <p:grpSp>
-        <p:nvGrpSpPr>
-          <p:cNvPr id="19" name="Groupe 18">
-            <a:extLst>
-              <a:ext uri="{FF2B5EF4-FFF2-40B4-BE49-F238E27FC236}">
-                <a16:creationId xmlns:a16="http://schemas.microsoft.com/office/drawing/2014/main" id="{037407D3-C48C-300C-905C-B9AA94D607C7}"/>
-              </a:ext>
-            </a:extLst>
-          </p:cNvPr>
-          <p:cNvGrpSpPr/>
-          <p:nvPr/>
-        </p:nvGrpSpPr>
-        <p:grpSpPr>
-          <a:xfrm>
-            <a:off x="4691018" y="4929351"/>
-            <a:ext cx="720000" cy="720000"/>
-            <a:chOff x="6955958" y="3325976"/>
-            <a:chExt cx="1800000" cy="1800000"/>
-          </a:xfrm>
-        </p:grpSpPr>
-        <p:sp>
-          <p:nvSpPr>
-            <p:cNvPr id="20" name="Ellipse 19">
-              <a:extLst>
-                <a:ext uri="{FF2B5EF4-FFF2-40B4-BE49-F238E27FC236}">
-                  <a16:creationId xmlns:a16="http://schemas.microsoft.com/office/drawing/2014/main" id="{394690EB-E4D2-561A-79A6-4201192CA0D1}"/>
-                </a:ext>
-              </a:extLst>
-            </p:cNvPr>
-            <p:cNvSpPr/>
-            <p:nvPr/>
-          </p:nvSpPr>
-          <p:spPr>
-            <a:xfrm>
-              <a:off x="6955958" y="3325976"/>
-              <a:ext cx="1800000" cy="1800000"/>
-            </a:xfrm>
-            <a:prstGeom prst="ellipse">
-              <a:avLst/>
-            </a:prstGeom>
-            <a:solidFill>
-              <a:srgbClr val="0C7391"/>
-            </a:solidFill>
-            <a:ln>
-              <a:noFill/>
-            </a:ln>
-          </p:spPr>
-          <p:style>
-            <a:lnRef idx="2">
-              <a:schemeClr val="accent1">
-                <a:shade val="50000"/>
-              </a:schemeClr>
-            </a:lnRef>
-            <a:fillRef idx="1">
-              <a:schemeClr val="accent1"/>
-            </a:fillRef>
-            <a:effectRef idx="0">
-              <a:schemeClr val="accent1"/>
-            </a:effectRef>
-            <a:fontRef idx="minor">
-              <a:schemeClr val="lt1"/>
-            </a:fontRef>
-          </p:style>
-          <p:txBody>
-            <a:bodyPr rtlCol="0" anchor="ctr"/>
-            <a:lstStyle/>
-            <a:p>
-              <a:pPr algn="ctr"/>
-              <a:endParaRPr lang="fr-FR" dirty="0"/>
-            </a:p>
-          </p:txBody>
-        </p:sp>
-        <p:pic>
-          <p:nvPicPr>
-            <p:cNvPr id="21" name="Image 20">
-              <a:extLst>
-                <a:ext uri="{FF2B5EF4-FFF2-40B4-BE49-F238E27FC236}">
-                  <a16:creationId xmlns:a16="http://schemas.microsoft.com/office/drawing/2014/main" id="{81D9785C-7111-629F-8100-53F4CD4F012E}"/>
-                </a:ext>
-              </a:extLst>
-            </p:cNvPr>
-            <p:cNvPicPr>
-              <a:picLocks noChangeAspect="1"/>
-            </p:cNvPicPr>
-            <p:nvPr/>
-          </p:nvPicPr>
-          <p:blipFill>
-            <a:blip r:embed="rId3"/>
-            <a:stretch>
-              <a:fillRect/>
-            </a:stretch>
-          </p:blipFill>
-          <p:spPr>
-            <a:xfrm>
-              <a:off x="7212124" y="3645024"/>
-              <a:ext cx="1394286" cy="1161904"/>
-            </a:xfrm>
-            <a:prstGeom prst="rect">
-              <a:avLst/>
-            </a:prstGeom>
-          </p:spPr>
-        </p:pic>
-        <p:pic>
-          <p:nvPicPr>
-            <p:cNvPr id="22" name="Image 21">
-              <a:extLst>
-                <a:ext uri="{FF2B5EF4-FFF2-40B4-BE49-F238E27FC236}">
-                  <a16:creationId xmlns:a16="http://schemas.microsoft.com/office/drawing/2014/main" id="{DE265B8A-38FA-03AC-EB21-676171E87976}"/>
-                </a:ext>
-              </a:extLst>
-            </p:cNvPr>
-            <p:cNvPicPr>
-              <a:picLocks noChangeAspect="1"/>
-            </p:cNvPicPr>
-            <p:nvPr/>
-          </p:nvPicPr>
-          <p:blipFill>
-            <a:blip r:embed="rId4"/>
-            <a:stretch>
-              <a:fillRect/>
-            </a:stretch>
-          </p:blipFill>
-          <p:spPr>
-            <a:xfrm>
-              <a:off x="7909267" y="4072626"/>
-              <a:ext cx="246640" cy="173418"/>
-            </a:xfrm>
-            <a:prstGeom prst="rect">
-              <a:avLst/>
-            </a:prstGeom>
-          </p:spPr>
-        </p:pic>
+              <a:ln w="19050">
+                <a:solidFill>
+                  <a:srgbClr val="F7B8B3"/>
+                </a:solidFill>
+              </a:ln>
+            </p:spPr>
+            <p:style>
+              <a:lnRef idx="2">
+                <a:schemeClr val="accent1">
+                  <a:shade val="50000"/>
+                </a:schemeClr>
+              </a:lnRef>
+              <a:fillRef idx="1">
+                <a:schemeClr val="accent1"/>
+              </a:fillRef>
+              <a:effectRef idx="0">
+                <a:schemeClr val="accent1"/>
+              </a:effectRef>
+              <a:fontRef idx="minor">
+                <a:schemeClr val="lt1"/>
+              </a:fontRef>
+            </p:style>
+            <p:txBody>
+              <a:bodyPr rtlCol="0" anchor="ctr"/>
+              <a:lstStyle/>
+              <a:p>
+                <a:pPr algn="ctr"/>
+                <a:r>
+                  <a:rPr lang="fr-FR" sz="1200" dirty="0">
+                    <a:solidFill>
+                      <a:srgbClr val="EE685D"/>
+                    </a:solidFill>
+                    <a:latin typeface="Arial Nova" panose="020B0504020202020204" pitchFamily="34" charset="0"/>
+                  </a:rPr>
+                  <a:t>Transmettre</a:t>
+                </a:r>
+              </a:p>
+            </p:txBody>
+          </p:sp>
+        </p:grpSp>
       </p:grpSp>
       <p:grpSp>
         <p:nvGrpSpPr>
@@ -10702,7 +11295,7 @@
         </p:nvGrpSpPr>
         <p:grpSpPr>
           <a:xfrm>
-            <a:off x="4691018" y="5669269"/>
+            <a:off x="4368216" y="5804215"/>
             <a:ext cx="720000" cy="730124"/>
             <a:chOff x="5015880" y="2240648"/>
             <a:chExt cx="1800000" cy="1825309"/>
@@ -10775,7 +11368,7 @@
             <p:nvPr/>
           </p:nvPicPr>
           <p:blipFill>
-            <a:blip r:embed="rId5"/>
+            <a:blip r:embed="rId4"/>
             <a:stretch>
               <a:fillRect/>
             </a:stretch>
@@ -10805,7 +11398,7 @@
         </p:nvGrpSpPr>
         <p:grpSpPr>
           <a:xfrm>
-            <a:off x="5469860" y="5674331"/>
+            <a:off x="5141014" y="5791154"/>
             <a:ext cx="720000" cy="720000"/>
             <a:chOff x="5536549" y="4214211"/>
             <a:chExt cx="1800000" cy="1800000"/>
@@ -10878,7 +11471,7 @@
             <p:nvPr/>
           </p:nvPicPr>
           <p:blipFill>
-            <a:blip r:embed="rId6"/>
+            <a:blip r:embed="rId5"/>
             <a:stretch>
               <a:fillRect/>
             </a:stretch>
@@ -10896,10 +11489,10 @@
       </p:grpSp>
       <p:grpSp>
         <p:nvGrpSpPr>
-          <p:cNvPr id="29" name="Groupe 28">
-            <a:extLst>
-              <a:ext uri="{FF2B5EF4-FFF2-40B4-BE49-F238E27FC236}">
-                <a16:creationId xmlns:a16="http://schemas.microsoft.com/office/drawing/2014/main" id="{B7E200A7-3127-A5B2-37D2-8FE588EDD78D}"/>
+          <p:cNvPr id="167" name="Groupe 166">
+            <a:extLst>
+              <a:ext uri="{FF2B5EF4-FFF2-40B4-BE49-F238E27FC236}">
+                <a16:creationId xmlns:a16="http://schemas.microsoft.com/office/drawing/2014/main" id="{0B31E088-14B5-A126-9339-5CDDE9268B68}"/>
               </a:ext>
             </a:extLst>
           </p:cNvPr>
@@ -10908,94 +11501,248 @@
         </p:nvGrpSpPr>
         <p:grpSpPr>
           <a:xfrm>
-            <a:off x="5433520" y="4932480"/>
-            <a:ext cx="720000" cy="720000"/>
-            <a:chOff x="7487041" y="2971639"/>
-            <a:chExt cx="1800000" cy="1800000"/>
+            <a:off x="4368216" y="5030277"/>
+            <a:ext cx="1462502" cy="720000"/>
+            <a:chOff x="3474086" y="5371197"/>
+            <a:chExt cx="1462502" cy="720000"/>
           </a:xfrm>
         </p:grpSpPr>
-        <p:sp>
-          <p:nvSpPr>
-            <p:cNvPr id="30" name="Ellipse 29">
+        <p:grpSp>
+          <p:nvGrpSpPr>
+            <p:cNvPr id="19" name="Groupe 18">
               <a:extLst>
                 <a:ext uri="{FF2B5EF4-FFF2-40B4-BE49-F238E27FC236}">
-                  <a16:creationId xmlns:a16="http://schemas.microsoft.com/office/drawing/2014/main" id="{17151A77-9981-1644-16D7-1194A71D9432}"/>
+                  <a16:creationId xmlns:a16="http://schemas.microsoft.com/office/drawing/2014/main" id="{037407D3-C48C-300C-905C-B9AA94D607C7}"/>
                 </a:ext>
               </a:extLst>
             </p:cNvPr>
-            <p:cNvSpPr/>
-            <p:nvPr/>
-          </p:nvSpPr>
-          <p:spPr>
+            <p:cNvGrpSpPr/>
+            <p:nvPr/>
+          </p:nvGrpSpPr>
+          <p:grpSpPr>
             <a:xfrm>
-              <a:off x="7487041" y="2971639"/>
-              <a:ext cx="1800000" cy="1800000"/>
-            </a:xfrm>
-            <a:prstGeom prst="ellipse">
-              <a:avLst/>
-            </a:prstGeom>
-            <a:solidFill>
-              <a:srgbClr val="0C7391"/>
-            </a:solidFill>
-            <a:ln>
-              <a:noFill/>
-            </a:ln>
-          </p:spPr>
-          <p:style>
-            <a:lnRef idx="2">
-              <a:schemeClr val="accent1">
-                <a:shade val="50000"/>
-              </a:schemeClr>
-            </a:lnRef>
-            <a:fillRef idx="1">
-              <a:schemeClr val="accent1"/>
-            </a:fillRef>
-            <a:effectRef idx="0">
-              <a:schemeClr val="accent1"/>
-            </a:effectRef>
-            <a:fontRef idx="minor">
-              <a:schemeClr val="lt1"/>
-            </a:fontRef>
-          </p:style>
-          <p:txBody>
-            <a:bodyPr rtlCol="0" anchor="ctr"/>
-            <a:lstStyle/>
-            <a:p>
-              <a:pPr algn="ctr"/>
-              <a:endParaRPr lang="fr-FR"/>
-            </a:p>
-          </p:txBody>
-        </p:sp>
-        <p:pic>
-          <p:nvPicPr>
-            <p:cNvPr id="31" name="Image 30">
+              <a:off x="3474086" y="5371197"/>
+              <a:ext cx="720000" cy="720000"/>
+              <a:chOff x="6955958" y="3325976"/>
+              <a:chExt cx="1800000" cy="1800000"/>
+            </a:xfrm>
+          </p:grpSpPr>
+          <p:sp>
+            <p:nvSpPr>
+              <p:cNvPr id="20" name="Ellipse 19">
+                <a:extLst>
+                  <a:ext uri="{FF2B5EF4-FFF2-40B4-BE49-F238E27FC236}">
+                    <a16:creationId xmlns:a16="http://schemas.microsoft.com/office/drawing/2014/main" id="{394690EB-E4D2-561A-79A6-4201192CA0D1}"/>
+                  </a:ext>
+                </a:extLst>
+              </p:cNvPr>
+              <p:cNvSpPr/>
+              <p:nvPr/>
+            </p:nvSpPr>
+            <p:spPr>
+              <a:xfrm>
+                <a:off x="6955958" y="3325976"/>
+                <a:ext cx="1800000" cy="1800000"/>
+              </a:xfrm>
+              <a:prstGeom prst="ellipse">
+                <a:avLst/>
+              </a:prstGeom>
+              <a:solidFill>
+                <a:srgbClr val="0C7391"/>
+              </a:solidFill>
+              <a:ln>
+                <a:noFill/>
+              </a:ln>
+            </p:spPr>
+            <p:style>
+              <a:lnRef idx="2">
+                <a:schemeClr val="accent1">
+                  <a:shade val="50000"/>
+                </a:schemeClr>
+              </a:lnRef>
+              <a:fillRef idx="1">
+                <a:schemeClr val="accent1"/>
+              </a:fillRef>
+              <a:effectRef idx="0">
+                <a:schemeClr val="accent1"/>
+              </a:effectRef>
+              <a:fontRef idx="minor">
+                <a:schemeClr val="lt1"/>
+              </a:fontRef>
+            </p:style>
+            <p:txBody>
+              <a:bodyPr rtlCol="0" anchor="ctr"/>
+              <a:lstStyle/>
+              <a:p>
+                <a:pPr algn="ctr"/>
+                <a:endParaRPr lang="fr-FR" dirty="0"/>
+              </a:p>
+            </p:txBody>
+          </p:sp>
+          <p:pic>
+            <p:nvPicPr>
+              <p:cNvPr id="21" name="Image 20">
+                <a:extLst>
+                  <a:ext uri="{FF2B5EF4-FFF2-40B4-BE49-F238E27FC236}">
+                    <a16:creationId xmlns:a16="http://schemas.microsoft.com/office/drawing/2014/main" id="{81D9785C-7111-629F-8100-53F4CD4F012E}"/>
+                  </a:ext>
+                </a:extLst>
+              </p:cNvPr>
+              <p:cNvPicPr>
+                <a:picLocks noChangeAspect="1"/>
+              </p:cNvPicPr>
+              <p:nvPr/>
+            </p:nvPicPr>
+            <p:blipFill>
+              <a:blip r:embed="rId6"/>
+              <a:stretch>
+                <a:fillRect/>
+              </a:stretch>
+            </p:blipFill>
+            <p:spPr>
+              <a:xfrm>
+                <a:off x="7212124" y="3645024"/>
+                <a:ext cx="1394286" cy="1161904"/>
+              </a:xfrm>
+              <a:prstGeom prst="rect">
+                <a:avLst/>
+              </a:prstGeom>
+            </p:spPr>
+          </p:pic>
+          <p:pic>
+            <p:nvPicPr>
+              <p:cNvPr id="22" name="Image 21">
+                <a:extLst>
+                  <a:ext uri="{FF2B5EF4-FFF2-40B4-BE49-F238E27FC236}">
+                    <a16:creationId xmlns:a16="http://schemas.microsoft.com/office/drawing/2014/main" id="{DE265B8A-38FA-03AC-EB21-676171E87976}"/>
+                  </a:ext>
+                </a:extLst>
+              </p:cNvPr>
+              <p:cNvPicPr>
+                <a:picLocks noChangeAspect="1"/>
+              </p:cNvPicPr>
+              <p:nvPr/>
+            </p:nvPicPr>
+            <p:blipFill>
+              <a:blip r:embed="rId7"/>
+              <a:stretch>
+                <a:fillRect/>
+              </a:stretch>
+            </p:blipFill>
+            <p:spPr>
+              <a:xfrm>
+                <a:off x="7909267" y="4072626"/>
+                <a:ext cx="246640" cy="173418"/>
+              </a:xfrm>
+              <a:prstGeom prst="rect">
+                <a:avLst/>
+              </a:prstGeom>
+            </p:spPr>
+          </p:pic>
+        </p:grpSp>
+        <p:grpSp>
+          <p:nvGrpSpPr>
+            <p:cNvPr id="29" name="Groupe 28">
               <a:extLst>
                 <a:ext uri="{FF2B5EF4-FFF2-40B4-BE49-F238E27FC236}">
-                  <a16:creationId xmlns:a16="http://schemas.microsoft.com/office/drawing/2014/main" id="{A5C72E0E-BD93-C7A4-A9D9-C99077C5A4BB}"/>
+                  <a16:creationId xmlns:a16="http://schemas.microsoft.com/office/drawing/2014/main" id="{B7E200A7-3127-A5B2-37D2-8FE588EDD78D}"/>
                 </a:ext>
               </a:extLst>
             </p:cNvPr>
-            <p:cNvPicPr>
-              <a:picLocks noChangeAspect="1"/>
-            </p:cNvPicPr>
-            <p:nvPr/>
-          </p:nvPicPr>
-          <p:blipFill>
-            <a:blip r:embed="rId7"/>
-            <a:stretch>
-              <a:fillRect/>
-            </a:stretch>
-          </p:blipFill>
-          <p:spPr>
+            <p:cNvGrpSpPr/>
+            <p:nvPr/>
+          </p:nvGrpSpPr>
+          <p:grpSpPr>
             <a:xfrm>
-              <a:off x="7571666" y="3483365"/>
-              <a:ext cx="1630750" cy="776548"/>
-            </a:xfrm>
-            <a:prstGeom prst="rect">
-              <a:avLst/>
-            </a:prstGeom>
-          </p:spPr>
-        </p:pic>
+              <a:off x="4216588" y="5371197"/>
+              <a:ext cx="720000" cy="720000"/>
+              <a:chOff x="7487041" y="2971639"/>
+              <a:chExt cx="1800000" cy="1800000"/>
+            </a:xfrm>
+          </p:grpSpPr>
+          <p:sp>
+            <p:nvSpPr>
+              <p:cNvPr id="30" name="Ellipse 29">
+                <a:extLst>
+                  <a:ext uri="{FF2B5EF4-FFF2-40B4-BE49-F238E27FC236}">
+                    <a16:creationId xmlns:a16="http://schemas.microsoft.com/office/drawing/2014/main" id="{17151A77-9981-1644-16D7-1194A71D9432}"/>
+                  </a:ext>
+                </a:extLst>
+              </p:cNvPr>
+              <p:cNvSpPr/>
+              <p:nvPr/>
+            </p:nvSpPr>
+            <p:spPr>
+              <a:xfrm>
+                <a:off x="7487041" y="2971639"/>
+                <a:ext cx="1800000" cy="1800000"/>
+              </a:xfrm>
+              <a:prstGeom prst="ellipse">
+                <a:avLst/>
+              </a:prstGeom>
+              <a:solidFill>
+                <a:srgbClr val="0C7391"/>
+              </a:solidFill>
+              <a:ln>
+                <a:noFill/>
+              </a:ln>
+            </p:spPr>
+            <p:style>
+              <a:lnRef idx="2">
+                <a:schemeClr val="accent1">
+                  <a:shade val="50000"/>
+                </a:schemeClr>
+              </a:lnRef>
+              <a:fillRef idx="1">
+                <a:schemeClr val="accent1"/>
+              </a:fillRef>
+              <a:effectRef idx="0">
+                <a:schemeClr val="accent1"/>
+              </a:effectRef>
+              <a:fontRef idx="minor">
+                <a:schemeClr val="lt1"/>
+              </a:fontRef>
+            </p:style>
+            <p:txBody>
+              <a:bodyPr rtlCol="0" anchor="ctr"/>
+              <a:lstStyle/>
+              <a:p>
+                <a:pPr algn="ctr"/>
+                <a:endParaRPr lang="fr-FR"/>
+              </a:p>
+            </p:txBody>
+          </p:sp>
+          <p:pic>
+            <p:nvPicPr>
+              <p:cNvPr id="31" name="Image 30">
+                <a:extLst>
+                  <a:ext uri="{FF2B5EF4-FFF2-40B4-BE49-F238E27FC236}">
+                    <a16:creationId xmlns:a16="http://schemas.microsoft.com/office/drawing/2014/main" id="{A5C72E0E-BD93-C7A4-A9D9-C99077C5A4BB}"/>
+                  </a:ext>
+                </a:extLst>
+              </p:cNvPr>
+              <p:cNvPicPr>
+                <a:picLocks noChangeAspect="1"/>
+              </p:cNvPicPr>
+              <p:nvPr/>
+            </p:nvPicPr>
+            <p:blipFill>
+              <a:blip r:embed="rId8"/>
+              <a:stretch>
+                <a:fillRect/>
+              </a:stretch>
+            </p:blipFill>
+            <p:spPr>
+              <a:xfrm>
+                <a:off x="7571666" y="3483365"/>
+                <a:ext cx="1630750" cy="776548"/>
+              </a:xfrm>
+              <a:prstGeom prst="rect">
+                <a:avLst/>
+              </a:prstGeom>
+            </p:spPr>
+          </p:pic>
+        </p:grpSp>
       </p:grpSp>
       <p:grpSp>
         <p:nvGrpSpPr>
@@ -11011,7 +11758,7 @@
         </p:nvGrpSpPr>
         <p:grpSpPr>
           <a:xfrm>
-            <a:off x="6214171" y="4944377"/>
+            <a:off x="6214171" y="4938428"/>
             <a:ext cx="720000" cy="720000"/>
             <a:chOff x="1055440" y="3471646"/>
             <a:chExt cx="1800000" cy="1800000"/>
@@ -11084,7 +11831,7 @@
             <p:nvPr/>
           </p:nvPicPr>
           <p:blipFill>
-            <a:blip r:embed="rId4"/>
+            <a:blip r:embed="rId7"/>
             <a:stretch>
               <a:fillRect/>
             </a:stretch>
@@ -11114,7 +11861,7 @@
         </p:nvGrpSpPr>
         <p:grpSpPr>
           <a:xfrm>
-            <a:off x="6988650" y="4932480"/>
+            <a:off x="6976734" y="4938428"/>
             <a:ext cx="720000" cy="720000"/>
             <a:chOff x="5775745" y="3144183"/>
             <a:chExt cx="1800000" cy="1800000"/>
@@ -11187,7 +11934,7 @@
             <p:nvPr/>
           </p:nvPicPr>
           <p:blipFill>
-            <a:blip r:embed="rId8"/>
+            <a:blip r:embed="rId9"/>
             <a:stretch>
               <a:fillRect/>
             </a:stretch>
@@ -11205,10 +11952,10 @@
       </p:grpSp>
       <p:grpSp>
         <p:nvGrpSpPr>
-          <p:cNvPr id="38" name="Groupe 37">
-            <a:extLst>
-              <a:ext uri="{FF2B5EF4-FFF2-40B4-BE49-F238E27FC236}">
-                <a16:creationId xmlns:a16="http://schemas.microsoft.com/office/drawing/2014/main" id="{21D1DE82-6E57-58FB-EC35-832B21D0590C}"/>
+          <p:cNvPr id="166" name="Groupe 165">
+            <a:extLst>
+              <a:ext uri="{FF2B5EF4-FFF2-40B4-BE49-F238E27FC236}">
+                <a16:creationId xmlns:a16="http://schemas.microsoft.com/office/drawing/2014/main" id="{BD54BEC9-FB2D-3A2D-178F-799F6CFBED8D}"/>
               </a:ext>
             </a:extLst>
           </p:cNvPr>
@@ -11217,101 +11964,225 @@
         </p:nvGrpSpPr>
         <p:grpSpPr>
           <a:xfrm>
-            <a:off x="6248702" y="5674331"/>
-            <a:ext cx="720000" cy="720000"/>
-            <a:chOff x="5889610" y="2521193"/>
-            <a:chExt cx="1800000" cy="1800000"/>
+            <a:off x="6210006" y="5684235"/>
+            <a:ext cx="1483299" cy="720000"/>
+            <a:chOff x="6210006" y="5684235"/>
+            <a:chExt cx="1483299" cy="720000"/>
           </a:xfrm>
         </p:grpSpPr>
-        <p:sp>
-          <p:nvSpPr>
-            <p:cNvPr id="39" name="Ellipse 38">
+        <p:grpSp>
+          <p:nvGrpSpPr>
+            <p:cNvPr id="38" name="Groupe 37">
               <a:extLst>
                 <a:ext uri="{FF2B5EF4-FFF2-40B4-BE49-F238E27FC236}">
-                  <a16:creationId xmlns:a16="http://schemas.microsoft.com/office/drawing/2014/main" id="{9E9CBEAD-CB7A-8FB6-9A5F-B463E93F9C0E}"/>
+                  <a16:creationId xmlns:a16="http://schemas.microsoft.com/office/drawing/2014/main" id="{21D1DE82-6E57-58FB-EC35-832B21D0590C}"/>
                 </a:ext>
               </a:extLst>
             </p:cNvPr>
-            <p:cNvSpPr/>
-            <p:nvPr/>
-          </p:nvSpPr>
-          <p:spPr>
+            <p:cNvGrpSpPr/>
+            <p:nvPr/>
+          </p:nvGrpSpPr>
+          <p:grpSpPr>
             <a:xfrm>
-              <a:off x="5889610" y="2521193"/>
-              <a:ext cx="1800000" cy="1800000"/>
-            </a:xfrm>
-            <a:prstGeom prst="ellipse">
-              <a:avLst/>
-            </a:prstGeom>
-            <a:solidFill>
-              <a:srgbClr val="68348B"/>
-            </a:solidFill>
-            <a:ln>
-              <a:noFill/>
-            </a:ln>
-          </p:spPr>
-          <p:style>
-            <a:lnRef idx="2">
-              <a:schemeClr val="accent1">
-                <a:shade val="50000"/>
-              </a:schemeClr>
-            </a:lnRef>
-            <a:fillRef idx="1">
-              <a:schemeClr val="accent1"/>
-            </a:fillRef>
-            <a:effectRef idx="0">
-              <a:schemeClr val="accent1"/>
-            </a:effectRef>
-            <a:fontRef idx="minor">
-              <a:schemeClr val="lt1"/>
-            </a:fontRef>
-          </p:style>
-          <p:txBody>
-            <a:bodyPr rtlCol="0" anchor="ctr"/>
-            <a:lstStyle/>
-            <a:p>
-              <a:pPr algn="ctr"/>
-              <a:endParaRPr lang="fr-FR"/>
-            </a:p>
-          </p:txBody>
-        </p:sp>
-        <p:pic>
-          <p:nvPicPr>
-            <p:cNvPr id="40" name="Image 39">
+              <a:off x="6210006" y="5684235"/>
+              <a:ext cx="720000" cy="720000"/>
+              <a:chOff x="5889610" y="2521193"/>
+              <a:chExt cx="1800000" cy="1800000"/>
+            </a:xfrm>
+          </p:grpSpPr>
+          <p:sp>
+            <p:nvSpPr>
+              <p:cNvPr id="39" name="Ellipse 38">
+                <a:extLst>
+                  <a:ext uri="{FF2B5EF4-FFF2-40B4-BE49-F238E27FC236}">
+                    <a16:creationId xmlns:a16="http://schemas.microsoft.com/office/drawing/2014/main" id="{9E9CBEAD-CB7A-8FB6-9A5F-B463E93F9C0E}"/>
+                  </a:ext>
+                </a:extLst>
+              </p:cNvPr>
+              <p:cNvSpPr/>
+              <p:nvPr/>
+            </p:nvSpPr>
+            <p:spPr>
+              <a:xfrm>
+                <a:off x="5889610" y="2521193"/>
+                <a:ext cx="1800000" cy="1800000"/>
+              </a:xfrm>
+              <a:prstGeom prst="ellipse">
+                <a:avLst/>
+              </a:prstGeom>
+              <a:solidFill>
+                <a:srgbClr val="68348B"/>
+              </a:solidFill>
+              <a:ln>
+                <a:noFill/>
+              </a:ln>
+            </p:spPr>
+            <p:style>
+              <a:lnRef idx="2">
+                <a:schemeClr val="accent1">
+                  <a:shade val="50000"/>
+                </a:schemeClr>
+              </a:lnRef>
+              <a:fillRef idx="1">
+                <a:schemeClr val="accent1"/>
+              </a:fillRef>
+              <a:effectRef idx="0">
+                <a:schemeClr val="accent1"/>
+              </a:effectRef>
+              <a:fontRef idx="minor">
+                <a:schemeClr val="lt1"/>
+              </a:fontRef>
+            </p:style>
+            <p:txBody>
+              <a:bodyPr rtlCol="0" anchor="ctr"/>
+              <a:lstStyle/>
+              <a:p>
+                <a:pPr algn="ctr"/>
+                <a:endParaRPr lang="fr-FR"/>
+              </a:p>
+            </p:txBody>
+          </p:sp>
+          <p:pic>
+            <p:nvPicPr>
+              <p:cNvPr id="40" name="Image 39">
+                <a:extLst>
+                  <a:ext uri="{FF2B5EF4-FFF2-40B4-BE49-F238E27FC236}">
+                    <a16:creationId xmlns:a16="http://schemas.microsoft.com/office/drawing/2014/main" id="{EC40791B-B833-96BF-9EE8-1BF3972B6BC2}"/>
+                  </a:ext>
+                </a:extLst>
+              </p:cNvPr>
+              <p:cNvPicPr>
+                <a:picLocks noChangeAspect="1"/>
+              </p:cNvPicPr>
+              <p:nvPr/>
+            </p:nvPicPr>
+            <p:blipFill>
+              <a:blip r:embed="rId10"/>
+              <a:stretch>
+                <a:fillRect/>
+              </a:stretch>
+            </p:blipFill>
+            <p:spPr>
+              <a:xfrm>
+                <a:off x="6406987" y="2821142"/>
+                <a:ext cx="981469" cy="1215716"/>
+              </a:xfrm>
+              <a:prstGeom prst="rect">
+                <a:avLst/>
+              </a:prstGeom>
+            </p:spPr>
+          </p:pic>
+        </p:grpSp>
+        <p:grpSp>
+          <p:nvGrpSpPr>
+            <p:cNvPr id="41" name="Groupe 40">
               <a:extLst>
                 <a:ext uri="{FF2B5EF4-FFF2-40B4-BE49-F238E27FC236}">
-                  <a16:creationId xmlns:a16="http://schemas.microsoft.com/office/drawing/2014/main" id="{EC40791B-B833-96BF-9EE8-1BF3972B6BC2}"/>
+                  <a16:creationId xmlns:a16="http://schemas.microsoft.com/office/drawing/2014/main" id="{CB228F47-F258-85AB-47DB-0EEF7DB2366F}"/>
                 </a:ext>
               </a:extLst>
             </p:cNvPr>
-            <p:cNvPicPr>
-              <a:picLocks noChangeAspect="1"/>
-            </p:cNvPicPr>
-            <p:nvPr/>
-          </p:nvPicPr>
-          <p:blipFill>
-            <a:blip r:embed="rId9"/>
-            <a:stretch>
-              <a:fillRect/>
-            </a:stretch>
-          </p:blipFill>
-          <p:spPr>
+            <p:cNvGrpSpPr/>
+            <p:nvPr/>
+          </p:nvGrpSpPr>
+          <p:grpSpPr>
             <a:xfrm>
-              <a:off x="6406987" y="2821142"/>
-              <a:ext cx="981469" cy="1215716"/>
-            </a:xfrm>
-            <a:prstGeom prst="rect">
-              <a:avLst/>
-            </a:prstGeom>
-          </p:spPr>
-        </p:pic>
+              <a:off x="6973305" y="5684235"/>
+              <a:ext cx="720000" cy="720000"/>
+              <a:chOff x="5440393" y="2720332"/>
+              <a:chExt cx="1284732" cy="1284732"/>
+            </a:xfrm>
+          </p:grpSpPr>
+          <p:sp>
+            <p:nvSpPr>
+              <p:cNvPr id="42" name="Ellipse 41">
+                <a:extLst>
+                  <a:ext uri="{FF2B5EF4-FFF2-40B4-BE49-F238E27FC236}">
+                    <a16:creationId xmlns:a16="http://schemas.microsoft.com/office/drawing/2014/main" id="{EF745F7A-C873-962F-DE40-FD09F9F6DA1A}"/>
+                  </a:ext>
+                </a:extLst>
+              </p:cNvPr>
+              <p:cNvSpPr/>
+              <p:nvPr/>
+            </p:nvSpPr>
+            <p:spPr>
+              <a:xfrm>
+                <a:off x="5440393" y="2720332"/>
+                <a:ext cx="1284732" cy="1284732"/>
+              </a:xfrm>
+              <a:prstGeom prst="ellipse">
+                <a:avLst/>
+              </a:prstGeom>
+              <a:solidFill>
+                <a:srgbClr val="68348B"/>
+              </a:solidFill>
+              <a:ln>
+                <a:noFill/>
+              </a:ln>
+            </p:spPr>
+            <p:style>
+              <a:lnRef idx="2">
+                <a:schemeClr val="accent1">
+                  <a:shade val="50000"/>
+                </a:schemeClr>
+              </a:lnRef>
+              <a:fillRef idx="1">
+                <a:schemeClr val="accent1"/>
+              </a:fillRef>
+              <a:effectRef idx="0">
+                <a:schemeClr val="accent1"/>
+              </a:effectRef>
+              <a:fontRef idx="minor">
+                <a:schemeClr val="lt1"/>
+              </a:fontRef>
+            </p:style>
+            <p:txBody>
+              <a:bodyPr rtlCol="0" anchor="ctr"/>
+              <a:lstStyle/>
+              <a:p>
+                <a:pPr algn="ctr"/>
+                <a:endParaRPr lang="fr-FR"/>
+              </a:p>
+            </p:txBody>
+          </p:sp>
+          <p:pic>
+            <p:nvPicPr>
+              <p:cNvPr id="43" name="Image 42">
+                <a:extLst>
+                  <a:ext uri="{FF2B5EF4-FFF2-40B4-BE49-F238E27FC236}">
+                    <a16:creationId xmlns:a16="http://schemas.microsoft.com/office/drawing/2014/main" id="{D7B3444F-DE13-4D7D-1D69-8FA450F3BFF1}"/>
+                  </a:ext>
+                </a:extLst>
+              </p:cNvPr>
+              <p:cNvPicPr>
+                <a:picLocks noChangeAspect="1"/>
+              </p:cNvPicPr>
+              <p:nvPr/>
+            </p:nvPicPr>
+            <p:blipFill>
+              <a:blip r:embed="rId11"/>
+              <a:stretch>
+                <a:fillRect/>
+              </a:stretch>
+            </p:blipFill>
+            <p:spPr>
+              <a:xfrm>
+                <a:off x="5510212" y="3076575"/>
+                <a:ext cx="1171575" cy="704850"/>
+              </a:xfrm>
+              <a:prstGeom prst="rect">
+                <a:avLst/>
+              </a:prstGeom>
+            </p:spPr>
+          </p:pic>
+        </p:grpSp>
       </p:grpSp>
       <p:grpSp>
         <p:nvGrpSpPr>
-          <p:cNvPr id="41" name="Groupe 40">
-            <a:extLst>
-              <a:ext uri="{FF2B5EF4-FFF2-40B4-BE49-F238E27FC236}">
-                <a16:creationId xmlns:a16="http://schemas.microsoft.com/office/drawing/2014/main" id="{CB228F47-F258-85AB-47DB-0EEF7DB2366F}"/>
+          <p:cNvPr id="56" name="Groupe 55">
+            <a:extLst>
+              <a:ext uri="{FF2B5EF4-FFF2-40B4-BE49-F238E27FC236}">
+                <a16:creationId xmlns:a16="http://schemas.microsoft.com/office/drawing/2014/main" id="{34EDC457-7EFE-088E-43B2-9A2823CC3DC4}"/>
               </a:ext>
             </a:extLst>
           </p:cNvPr>
@@ -11320,110 +12191,7 @@
         </p:nvGrpSpPr>
         <p:grpSpPr>
           <a:xfrm>
-            <a:off x="7027544" y="5674331"/>
-            <a:ext cx="720000" cy="720000"/>
-            <a:chOff x="5440393" y="2720332"/>
-            <a:chExt cx="1284732" cy="1284732"/>
-          </a:xfrm>
-        </p:grpSpPr>
-        <p:sp>
-          <p:nvSpPr>
-            <p:cNvPr id="42" name="Ellipse 41">
-              <a:extLst>
-                <a:ext uri="{FF2B5EF4-FFF2-40B4-BE49-F238E27FC236}">
-                  <a16:creationId xmlns:a16="http://schemas.microsoft.com/office/drawing/2014/main" id="{EF745F7A-C873-962F-DE40-FD09F9F6DA1A}"/>
-                </a:ext>
-              </a:extLst>
-            </p:cNvPr>
-            <p:cNvSpPr/>
-            <p:nvPr/>
-          </p:nvSpPr>
-          <p:spPr>
-            <a:xfrm>
-              <a:off x="5440393" y="2720332"/>
-              <a:ext cx="1284732" cy="1284732"/>
-            </a:xfrm>
-            <a:prstGeom prst="ellipse">
-              <a:avLst/>
-            </a:prstGeom>
-            <a:solidFill>
-              <a:srgbClr val="68348B"/>
-            </a:solidFill>
-            <a:ln>
-              <a:noFill/>
-            </a:ln>
-          </p:spPr>
-          <p:style>
-            <a:lnRef idx="2">
-              <a:schemeClr val="accent1">
-                <a:shade val="50000"/>
-              </a:schemeClr>
-            </a:lnRef>
-            <a:fillRef idx="1">
-              <a:schemeClr val="accent1"/>
-            </a:fillRef>
-            <a:effectRef idx="0">
-              <a:schemeClr val="accent1"/>
-            </a:effectRef>
-            <a:fontRef idx="minor">
-              <a:schemeClr val="lt1"/>
-            </a:fontRef>
-          </p:style>
-          <p:txBody>
-            <a:bodyPr rtlCol="0" anchor="ctr"/>
-            <a:lstStyle/>
-            <a:p>
-              <a:pPr algn="ctr"/>
-              <a:endParaRPr lang="fr-FR"/>
-            </a:p>
-          </p:txBody>
-        </p:sp>
-        <p:pic>
-          <p:nvPicPr>
-            <p:cNvPr id="43" name="Image 42">
-              <a:extLst>
-                <a:ext uri="{FF2B5EF4-FFF2-40B4-BE49-F238E27FC236}">
-                  <a16:creationId xmlns:a16="http://schemas.microsoft.com/office/drawing/2014/main" id="{D7B3444F-DE13-4D7D-1D69-8FA450F3BFF1}"/>
-                </a:ext>
-              </a:extLst>
-            </p:cNvPr>
-            <p:cNvPicPr>
-              <a:picLocks noChangeAspect="1"/>
-            </p:cNvPicPr>
-            <p:nvPr/>
-          </p:nvPicPr>
-          <p:blipFill>
-            <a:blip r:embed="rId10"/>
-            <a:stretch>
-              <a:fillRect/>
-            </a:stretch>
-          </p:blipFill>
-          <p:spPr>
-            <a:xfrm>
-              <a:off x="5510212" y="3076575"/>
-              <a:ext cx="1171575" cy="704850"/>
-            </a:xfrm>
-            <a:prstGeom prst="rect">
-              <a:avLst/>
-            </a:prstGeom>
-          </p:spPr>
-        </p:pic>
-      </p:grpSp>
-      <p:grpSp>
-        <p:nvGrpSpPr>
-          <p:cNvPr id="56" name="Groupe 55">
-            <a:extLst>
-              <a:ext uri="{FF2B5EF4-FFF2-40B4-BE49-F238E27FC236}">
-                <a16:creationId xmlns:a16="http://schemas.microsoft.com/office/drawing/2014/main" id="{34EDC457-7EFE-088E-43B2-9A2823CC3DC4}"/>
-              </a:ext>
-            </a:extLst>
-          </p:cNvPr>
-          <p:cNvGrpSpPr/>
-          <p:nvPr/>
-        </p:nvGrpSpPr>
-        <p:grpSpPr>
-          <a:xfrm>
-            <a:off x="7783784" y="4929351"/>
+            <a:off x="9686623" y="4513799"/>
             <a:ext cx="720000" cy="720000"/>
             <a:chOff x="4928860" y="800708"/>
             <a:chExt cx="1800000" cy="1800000"/>
@@ -11496,7 +12264,7 @@
             <p:nvPr/>
           </p:nvPicPr>
           <p:blipFill>
-            <a:blip r:embed="rId11"/>
+            <a:blip r:embed="rId12"/>
             <a:stretch>
               <a:fillRect/>
             </a:stretch>
@@ -11526,7 +12294,7 @@
         </p:nvGrpSpPr>
         <p:grpSpPr>
           <a:xfrm>
-            <a:off x="7806386" y="5674331"/>
+            <a:off x="9709225" y="5258779"/>
             <a:ext cx="720000" cy="720000"/>
             <a:chOff x="5447928" y="2816932"/>
             <a:chExt cx="1800000" cy="1800000"/>
@@ -11599,7 +12367,7 @@
             <p:nvPr/>
           </p:nvPicPr>
           <p:blipFill>
-            <a:blip r:embed="rId12"/>
+            <a:blip r:embed="rId13"/>
             <a:stretch>
               <a:fillRect/>
             </a:stretch>
@@ -11629,7 +12397,7 @@
         </p:nvGrpSpPr>
         <p:grpSpPr>
           <a:xfrm>
-            <a:off x="7807258" y="6456282"/>
+            <a:off x="9710097" y="6040730"/>
             <a:ext cx="720000" cy="720000"/>
             <a:chOff x="5375920" y="2931646"/>
             <a:chExt cx="1800000" cy="1800000"/>
@@ -11702,7 +12470,7 @@
             <p:nvPr/>
           </p:nvPicPr>
           <p:blipFill>
-            <a:blip r:embed="rId13"/>
+            <a:blip r:embed="rId14"/>
             <a:stretch>
               <a:fillRect/>
             </a:stretch>
@@ -11732,7 +12500,7 @@
         </p:nvGrpSpPr>
         <p:grpSpPr>
           <a:xfrm>
-            <a:off x="9365870" y="6469691"/>
+            <a:off x="11268709" y="6054139"/>
             <a:ext cx="720000" cy="720000"/>
             <a:chOff x="5537408" y="1765068"/>
             <a:chExt cx="1800000" cy="1800000"/>
@@ -11805,7 +12573,7 @@
             <p:nvPr/>
           </p:nvPicPr>
           <p:blipFill>
-            <a:blip r:embed="rId14"/>
+            <a:blip r:embed="rId15"/>
             <a:stretch>
               <a:fillRect/>
             </a:stretch>
@@ -11835,7 +12603,7 @@
         </p:nvGrpSpPr>
         <p:grpSpPr>
           <a:xfrm>
-            <a:off x="8539119" y="4902694"/>
+            <a:off x="10441958" y="4487142"/>
             <a:ext cx="720000" cy="720000"/>
             <a:chOff x="6192322" y="2195517"/>
             <a:chExt cx="1800000" cy="1800000"/>
@@ -11908,7 +12676,7 @@
             <p:nvPr/>
           </p:nvPicPr>
           <p:blipFill>
-            <a:blip r:embed="rId15"/>
+            <a:blip r:embed="rId16"/>
             <a:stretch>
               <a:fillRect/>
             </a:stretch>
@@ -11938,7 +12706,7 @@
         </p:nvGrpSpPr>
         <p:grpSpPr>
           <a:xfrm>
-            <a:off x="9364072" y="5674331"/>
+            <a:off x="11266911" y="5258779"/>
             <a:ext cx="720000" cy="720000"/>
             <a:chOff x="9216528" y="2114120"/>
             <a:chExt cx="1800000" cy="1800000"/>
@@ -12011,7 +12779,7 @@
             <p:nvPr/>
           </p:nvPicPr>
           <p:blipFill>
-            <a:blip r:embed="rId16"/>
+            <a:blip r:embed="rId17"/>
             <a:stretch>
               <a:fillRect/>
             </a:stretch>
@@ -12041,7 +12809,7 @@
         </p:nvGrpSpPr>
         <p:grpSpPr>
           <a:xfrm>
-            <a:off x="8585228" y="5674331"/>
+            <a:off x="10488067" y="5258779"/>
             <a:ext cx="720000" cy="720000"/>
             <a:chOff x="3533664" y="4396133"/>
             <a:chExt cx="1800000" cy="1800000"/>
@@ -12114,7 +12882,7 @@
             <p:nvPr/>
           </p:nvPicPr>
           <p:blipFill>
-            <a:blip r:embed="rId17"/>
+            <a:blip r:embed="rId18"/>
             <a:stretch>
               <a:fillRect/>
             </a:stretch>
@@ -12144,7 +12912,7 @@
         </p:nvGrpSpPr>
         <p:grpSpPr>
           <a:xfrm>
-            <a:off x="8594394" y="6456282"/>
+            <a:off x="10497233" y="6040730"/>
             <a:ext cx="720000" cy="720000"/>
             <a:chOff x="8032212" y="1081192"/>
             <a:chExt cx="1800000" cy="1800000"/>
@@ -12217,7 +12985,7 @@
             <p:nvPr/>
           </p:nvPicPr>
           <p:blipFill>
-            <a:blip r:embed="rId18"/>
+            <a:blip r:embed="rId19"/>
             <a:stretch>
               <a:fillRect/>
             </a:stretch>
@@ -12235,10 +13003,10 @@
       </p:grpSp>
       <p:grpSp>
         <p:nvGrpSpPr>
-          <p:cNvPr id="83" name="Groupe 82">
-            <a:extLst>
-              <a:ext uri="{FF2B5EF4-FFF2-40B4-BE49-F238E27FC236}">
-                <a16:creationId xmlns:a16="http://schemas.microsoft.com/office/drawing/2014/main" id="{63A2DF4B-5C4A-7766-7E8F-11E05088389B}"/>
+          <p:cNvPr id="165" name="Groupe 164">
+            <a:extLst>
+              <a:ext uri="{FF2B5EF4-FFF2-40B4-BE49-F238E27FC236}">
+                <a16:creationId xmlns:a16="http://schemas.microsoft.com/office/drawing/2014/main" id="{402697A3-0A25-BF56-E04F-0C6F0E9A3FCF}"/>
               </a:ext>
             </a:extLst>
           </p:cNvPr>
@@ -12247,18 +13015,245 @@
         </p:nvGrpSpPr>
         <p:grpSpPr>
           <a:xfrm>
-            <a:off x="3558070" y="4868011"/>
+            <a:off x="2161510" y="4821902"/>
+            <a:ext cx="1515448" cy="720000"/>
+            <a:chOff x="248950" y="5815380"/>
+            <a:chExt cx="1515448" cy="720000"/>
+          </a:xfrm>
+        </p:grpSpPr>
+        <p:grpSp>
+          <p:nvGrpSpPr>
+            <p:cNvPr id="83" name="Groupe 82">
+              <a:extLst>
+                <a:ext uri="{FF2B5EF4-FFF2-40B4-BE49-F238E27FC236}">
+                  <a16:creationId xmlns:a16="http://schemas.microsoft.com/office/drawing/2014/main" id="{63A2DF4B-5C4A-7766-7E8F-11E05088389B}"/>
+                </a:ext>
+              </a:extLst>
+            </p:cNvPr>
+            <p:cNvGrpSpPr/>
+            <p:nvPr/>
+          </p:nvGrpSpPr>
+          <p:grpSpPr>
+            <a:xfrm>
+              <a:off x="248950" y="5815380"/>
+              <a:ext cx="720000" cy="720000"/>
+              <a:chOff x="4197400" y="3547713"/>
+              <a:chExt cx="1800000" cy="1800000"/>
+            </a:xfrm>
+          </p:grpSpPr>
+          <p:sp>
+            <p:nvSpPr>
+              <p:cNvPr id="84" name="Ellipse 83">
+                <a:extLst>
+                  <a:ext uri="{FF2B5EF4-FFF2-40B4-BE49-F238E27FC236}">
+                    <a16:creationId xmlns:a16="http://schemas.microsoft.com/office/drawing/2014/main" id="{DBA668CF-E768-75B5-9EB1-7715BF599A07}"/>
+                  </a:ext>
+                </a:extLst>
+              </p:cNvPr>
+              <p:cNvSpPr/>
+              <p:nvPr/>
+            </p:nvSpPr>
+            <p:spPr>
+              <a:xfrm>
+                <a:off x="4197400" y="3547713"/>
+                <a:ext cx="1800000" cy="1800000"/>
+              </a:xfrm>
+              <a:prstGeom prst="ellipse">
+                <a:avLst/>
+              </a:prstGeom>
+              <a:solidFill>
+                <a:srgbClr val="FFB25A"/>
+              </a:solidFill>
+              <a:ln>
+                <a:noFill/>
+              </a:ln>
+            </p:spPr>
+            <p:style>
+              <a:lnRef idx="2">
+                <a:schemeClr val="accent1">
+                  <a:shade val="50000"/>
+                </a:schemeClr>
+              </a:lnRef>
+              <a:fillRef idx="1">
+                <a:schemeClr val="accent1"/>
+              </a:fillRef>
+              <a:effectRef idx="0">
+                <a:schemeClr val="accent1"/>
+              </a:effectRef>
+              <a:fontRef idx="minor">
+                <a:schemeClr val="lt1"/>
+              </a:fontRef>
+            </p:style>
+            <p:txBody>
+              <a:bodyPr rtlCol="0" anchor="ctr"/>
+              <a:lstStyle/>
+              <a:p>
+                <a:pPr algn="ctr"/>
+                <a:endParaRPr lang="fr-FR"/>
+              </a:p>
+            </p:txBody>
+          </p:sp>
+          <p:pic>
+            <p:nvPicPr>
+              <p:cNvPr id="85" name="Image 84">
+                <a:extLst>
+                  <a:ext uri="{FF2B5EF4-FFF2-40B4-BE49-F238E27FC236}">
+                    <a16:creationId xmlns:a16="http://schemas.microsoft.com/office/drawing/2014/main" id="{560332E7-C573-698E-2AEB-2353B41CF9E7}"/>
+                  </a:ext>
+                </a:extLst>
+              </p:cNvPr>
+              <p:cNvPicPr>
+                <a:picLocks noChangeAspect="1"/>
+              </p:cNvPicPr>
+              <p:nvPr/>
+            </p:nvPicPr>
+            <p:blipFill>
+              <a:blip r:embed="rId20"/>
+              <a:stretch>
+                <a:fillRect/>
+              </a:stretch>
+            </p:blipFill>
+            <p:spPr>
+              <a:xfrm>
+                <a:off x="4526157" y="3876470"/>
+                <a:ext cx="1142486" cy="1142486"/>
+              </a:xfrm>
+              <a:prstGeom prst="rect">
+                <a:avLst/>
+              </a:prstGeom>
+            </p:spPr>
+          </p:pic>
+        </p:grpSp>
+        <p:grpSp>
+          <p:nvGrpSpPr>
+            <p:cNvPr id="86" name="Groupe 85">
+              <a:extLst>
+                <a:ext uri="{FF2B5EF4-FFF2-40B4-BE49-F238E27FC236}">
+                  <a16:creationId xmlns:a16="http://schemas.microsoft.com/office/drawing/2014/main" id="{CE6C8CD0-94C2-4559-FD07-EFD1362FE27C}"/>
+                </a:ext>
+              </a:extLst>
+            </p:cNvPr>
+            <p:cNvGrpSpPr/>
+            <p:nvPr/>
+          </p:nvGrpSpPr>
+          <p:grpSpPr>
+            <a:xfrm>
+              <a:off x="1044398" y="5815380"/>
+              <a:ext cx="720000" cy="720000"/>
+              <a:chOff x="7678726" y="3872661"/>
+              <a:chExt cx="1800000" cy="1800000"/>
+            </a:xfrm>
+          </p:grpSpPr>
+          <p:sp>
+            <p:nvSpPr>
+              <p:cNvPr id="87" name="Ellipse 86">
+                <a:extLst>
+                  <a:ext uri="{FF2B5EF4-FFF2-40B4-BE49-F238E27FC236}">
+                    <a16:creationId xmlns:a16="http://schemas.microsoft.com/office/drawing/2014/main" id="{D2E1BE25-A86E-559D-1779-69D5B392C378}"/>
+                  </a:ext>
+                </a:extLst>
+              </p:cNvPr>
+              <p:cNvSpPr/>
+              <p:nvPr/>
+            </p:nvSpPr>
+            <p:spPr>
+              <a:xfrm>
+                <a:off x="7678726" y="3872661"/>
+                <a:ext cx="1800000" cy="1800000"/>
+              </a:xfrm>
+              <a:prstGeom prst="ellipse">
+                <a:avLst/>
+              </a:prstGeom>
+              <a:solidFill>
+                <a:srgbClr val="FFB25A"/>
+              </a:solidFill>
+              <a:ln>
+                <a:noFill/>
+              </a:ln>
+            </p:spPr>
+            <p:style>
+              <a:lnRef idx="2">
+                <a:schemeClr val="accent1">
+                  <a:shade val="50000"/>
+                </a:schemeClr>
+              </a:lnRef>
+              <a:fillRef idx="1">
+                <a:schemeClr val="accent1"/>
+              </a:fillRef>
+              <a:effectRef idx="0">
+                <a:schemeClr val="accent1"/>
+              </a:effectRef>
+              <a:fontRef idx="minor">
+                <a:schemeClr val="lt1"/>
+              </a:fontRef>
+            </p:style>
+            <p:txBody>
+              <a:bodyPr rtlCol="0" anchor="ctr"/>
+              <a:lstStyle/>
+              <a:p>
+                <a:pPr algn="ctr"/>
+                <a:endParaRPr lang="fr-FR" dirty="0"/>
+              </a:p>
+            </p:txBody>
+          </p:sp>
+          <p:pic>
+            <p:nvPicPr>
+              <p:cNvPr id="88" name="Image 87">
+                <a:extLst>
+                  <a:ext uri="{FF2B5EF4-FFF2-40B4-BE49-F238E27FC236}">
+                    <a16:creationId xmlns:a16="http://schemas.microsoft.com/office/drawing/2014/main" id="{E2AB309A-A433-0AC3-AC27-0D82EA85587C}"/>
+                  </a:ext>
+                </a:extLst>
+              </p:cNvPr>
+              <p:cNvPicPr>
+                <a:picLocks noChangeAspect="1"/>
+              </p:cNvPicPr>
+              <p:nvPr/>
+            </p:nvPicPr>
+            <p:blipFill>
+              <a:blip r:embed="rId21"/>
+              <a:stretch>
+                <a:fillRect/>
+              </a:stretch>
+            </p:blipFill>
+            <p:spPr>
+              <a:xfrm>
+                <a:off x="7878769" y="4372687"/>
+                <a:ext cx="1399914" cy="799950"/>
+              </a:xfrm>
+              <a:prstGeom prst="rect">
+                <a:avLst/>
+              </a:prstGeom>
+            </p:spPr>
+          </p:pic>
+        </p:grpSp>
+      </p:grpSp>
+      <p:grpSp>
+        <p:nvGrpSpPr>
+          <p:cNvPr id="95" name="Groupe 94">
+            <a:extLst>
+              <a:ext uri="{FF2B5EF4-FFF2-40B4-BE49-F238E27FC236}">
+                <a16:creationId xmlns:a16="http://schemas.microsoft.com/office/drawing/2014/main" id="{DDDE2C3A-F3E0-DAC0-B1B9-6C78F26EF5DF}"/>
+              </a:ext>
+            </a:extLst>
+          </p:cNvPr>
+          <p:cNvGrpSpPr/>
+          <p:nvPr/>
+        </p:nvGrpSpPr>
+        <p:grpSpPr>
+          <a:xfrm>
+            <a:off x="4072766" y="133118"/>
             <a:ext cx="720000" cy="720000"/>
-            <a:chOff x="4197400" y="3547713"/>
+            <a:chOff x="6138169" y="4069439"/>
             <a:chExt cx="1800000" cy="1800000"/>
           </a:xfrm>
         </p:grpSpPr>
         <p:sp>
           <p:nvSpPr>
-            <p:cNvPr id="84" name="Ellipse 83">
+            <p:cNvPr id="96" name="Ellipse 95">
               <a:extLst>
                 <a:ext uri="{FF2B5EF4-FFF2-40B4-BE49-F238E27FC236}">
-                  <a16:creationId xmlns:a16="http://schemas.microsoft.com/office/drawing/2014/main" id="{DBA668CF-E768-75B5-9EB1-7715BF599A07}"/>
+                  <a16:creationId xmlns:a16="http://schemas.microsoft.com/office/drawing/2014/main" id="{40EF35A4-B8C5-7FB7-2D9C-AFB3C0F25865}"/>
                 </a:ext>
               </a:extLst>
             </p:cNvPr>
@@ -12267,14 +13262,14 @@
           </p:nvSpPr>
           <p:spPr>
             <a:xfrm>
-              <a:off x="4197400" y="3547713"/>
+              <a:off x="6138169" y="4069439"/>
               <a:ext cx="1800000" cy="1800000"/>
             </a:xfrm>
             <a:prstGeom prst="ellipse">
               <a:avLst/>
             </a:prstGeom>
             <a:solidFill>
-              <a:srgbClr val="FFB25A"/>
+              <a:srgbClr val="0C7391"/>
             </a:solidFill>
             <a:ln>
               <a:noFill/>
@@ -12307,10 +13302,10 @@
         </p:sp>
         <p:pic>
           <p:nvPicPr>
-            <p:cNvPr id="85" name="Image 84">
+            <p:cNvPr id="97" name="Image 96">
               <a:extLst>
                 <a:ext uri="{FF2B5EF4-FFF2-40B4-BE49-F238E27FC236}">
-                  <a16:creationId xmlns:a16="http://schemas.microsoft.com/office/drawing/2014/main" id="{560332E7-C573-698E-2AEB-2353B41CF9E7}"/>
+                  <a16:creationId xmlns:a16="http://schemas.microsoft.com/office/drawing/2014/main" id="{C49B5F26-1D55-FFE4-DA8A-DF3D370B2ED0}"/>
                 </a:ext>
               </a:extLst>
             </p:cNvPr>
@@ -12320,15 +13315,15 @@
             <p:nvPr/>
           </p:nvPicPr>
           <p:blipFill>
-            <a:blip r:embed="rId19"/>
+            <a:blip r:embed="rId22"/>
             <a:stretch>
               <a:fillRect/>
             </a:stretch>
           </p:blipFill>
           <p:spPr>
             <a:xfrm>
-              <a:off x="4526157" y="3876470"/>
-              <a:ext cx="1142486" cy="1142486"/>
+              <a:off x="6243433" y="4174703"/>
+              <a:ext cx="1589472" cy="1589472"/>
             </a:xfrm>
             <a:prstGeom prst="rect">
               <a:avLst/>
@@ -12338,10 +13333,10 @@
       </p:grpSp>
       <p:grpSp>
         <p:nvGrpSpPr>
-          <p:cNvPr id="86" name="Groupe 85">
-            <a:extLst>
-              <a:ext uri="{FF2B5EF4-FFF2-40B4-BE49-F238E27FC236}">
-                <a16:creationId xmlns:a16="http://schemas.microsoft.com/office/drawing/2014/main" id="{CE6C8CD0-94C2-4559-FD07-EFD1362FE27C}"/>
+          <p:cNvPr id="98" name="Groupe 97">
+            <a:extLst>
+              <a:ext uri="{FF2B5EF4-FFF2-40B4-BE49-F238E27FC236}">
+                <a16:creationId xmlns:a16="http://schemas.microsoft.com/office/drawing/2014/main" id="{040B42E3-E3BD-0DCE-0FB8-7C98B63E5B70}"/>
               </a:ext>
             </a:extLst>
           </p:cNvPr>
@@ -12350,18 +13345,18 @@
         </p:nvGrpSpPr>
         <p:grpSpPr>
           <a:xfrm>
-            <a:off x="3570312" y="5709808"/>
+            <a:off x="4072766" y="932810"/>
             <a:ext cx="720000" cy="720000"/>
-            <a:chOff x="7678726" y="3872661"/>
+            <a:chOff x="5013689" y="3604429"/>
             <a:chExt cx="1800000" cy="1800000"/>
           </a:xfrm>
         </p:grpSpPr>
         <p:sp>
           <p:nvSpPr>
-            <p:cNvPr id="87" name="Ellipse 86">
+            <p:cNvPr id="99" name="Ellipse 98">
               <a:extLst>
                 <a:ext uri="{FF2B5EF4-FFF2-40B4-BE49-F238E27FC236}">
-                  <a16:creationId xmlns:a16="http://schemas.microsoft.com/office/drawing/2014/main" id="{D2E1BE25-A86E-559D-1779-69D5B392C378}"/>
+                  <a16:creationId xmlns:a16="http://schemas.microsoft.com/office/drawing/2014/main" id="{7BFA7E25-0B57-65B6-C299-2676CA932948}"/>
                 </a:ext>
               </a:extLst>
             </p:cNvPr>
@@ -12370,14 +13365,199 @@
           </p:nvSpPr>
           <p:spPr>
             <a:xfrm>
-              <a:off x="7678726" y="3872661"/>
+              <a:off x="5013689" y="3604429"/>
               <a:ext cx="1800000" cy="1800000"/>
             </a:xfrm>
             <a:prstGeom prst="ellipse">
               <a:avLst/>
             </a:prstGeom>
             <a:solidFill>
-              <a:srgbClr val="FFB25A"/>
+              <a:srgbClr val="0C7391"/>
+            </a:solidFill>
+            <a:ln>
+              <a:noFill/>
+            </a:ln>
+          </p:spPr>
+          <p:style>
+            <a:lnRef idx="2">
+              <a:schemeClr val="accent1">
+                <a:shade val="50000"/>
+              </a:schemeClr>
+            </a:lnRef>
+            <a:fillRef idx="1">
+              <a:schemeClr val="accent1"/>
+            </a:fillRef>
+            <a:effectRef idx="0">
+              <a:schemeClr val="accent1"/>
+            </a:effectRef>
+            <a:fontRef idx="minor">
+              <a:schemeClr val="lt1"/>
+            </a:fontRef>
+          </p:style>
+          <p:txBody>
+            <a:bodyPr rtlCol="0" anchor="ctr"/>
+            <a:lstStyle/>
+            <a:p>
+              <a:pPr algn="ctr"/>
+              <a:endParaRPr lang="fr-FR"/>
+            </a:p>
+          </p:txBody>
+        </p:sp>
+        <p:pic>
+          <p:nvPicPr>
+            <p:cNvPr id="100" name="Image 99">
+              <a:extLst>
+                <a:ext uri="{FF2B5EF4-FFF2-40B4-BE49-F238E27FC236}">
+                  <a16:creationId xmlns:a16="http://schemas.microsoft.com/office/drawing/2014/main" id="{8C6581D4-FAE4-7225-60FB-B12F284E9C91}"/>
+                </a:ext>
+              </a:extLst>
+            </p:cNvPr>
+            <p:cNvPicPr>
+              <a:picLocks noChangeAspect="1"/>
+            </p:cNvPicPr>
+            <p:nvPr/>
+          </p:nvPicPr>
+          <p:blipFill>
+            <a:blip r:embed="rId23"/>
+            <a:stretch>
+              <a:fillRect/>
+            </a:stretch>
+          </p:blipFill>
+          <p:spPr>
+            <a:xfrm>
+              <a:off x="5457424" y="3852621"/>
+              <a:ext cx="912531" cy="1303616"/>
+            </a:xfrm>
+            <a:prstGeom prst="rect">
+              <a:avLst/>
+            </a:prstGeom>
+          </p:spPr>
+        </p:pic>
+      </p:grpSp>
+      <p:sp>
+        <p:nvSpPr>
+          <p:cNvPr id="102" name="Ellipse 101">
+            <a:extLst>
+              <a:ext uri="{FF2B5EF4-FFF2-40B4-BE49-F238E27FC236}">
+                <a16:creationId xmlns:a16="http://schemas.microsoft.com/office/drawing/2014/main" id="{D6DB0FDD-AAE3-4CFB-AFCE-32E938485895}"/>
+              </a:ext>
+            </a:extLst>
+          </p:cNvPr>
+          <p:cNvSpPr/>
+          <p:nvPr/>
+        </p:nvSpPr>
+        <p:spPr>
+          <a:xfrm>
+            <a:off x="1856523" y="133118"/>
+            <a:ext cx="720000" cy="720000"/>
+          </a:xfrm>
+          <a:prstGeom prst="ellipse">
+            <a:avLst/>
+          </a:prstGeom>
+          <a:solidFill>
+            <a:srgbClr val="00517A"/>
+          </a:solidFill>
+          <a:ln>
+            <a:noFill/>
+          </a:ln>
+        </p:spPr>
+        <p:style>
+          <a:lnRef idx="2">
+            <a:schemeClr val="accent1">
+              <a:shade val="50000"/>
+            </a:schemeClr>
+          </a:lnRef>
+          <a:fillRef idx="1">
+            <a:schemeClr val="accent1"/>
+          </a:fillRef>
+          <a:effectRef idx="0">
+            <a:schemeClr val="accent1"/>
+          </a:effectRef>
+          <a:fontRef idx="minor">
+            <a:schemeClr val="lt1"/>
+          </a:fontRef>
+        </p:style>
+        <p:txBody>
+          <a:bodyPr rtlCol="0" anchor="ctr"/>
+          <a:lstStyle/>
+          <a:p>
+            <a:pPr algn="ctr"/>
+            <a:endParaRPr lang="fr-FR" dirty="0"/>
+          </a:p>
+        </p:txBody>
+      </p:sp>
+      <p:pic>
+        <p:nvPicPr>
+          <p:cNvPr id="103" name="Image 102">
+            <a:extLst>
+              <a:ext uri="{FF2B5EF4-FFF2-40B4-BE49-F238E27FC236}">
+                <a16:creationId xmlns:a16="http://schemas.microsoft.com/office/drawing/2014/main" id="{A22DFDFF-B08E-0981-059C-A4CF19C7D8B8}"/>
+              </a:ext>
+            </a:extLst>
+          </p:cNvPr>
+          <p:cNvPicPr>
+            <a:picLocks noChangeAspect="1"/>
+          </p:cNvPicPr>
+          <p:nvPr/>
+        </p:nvPicPr>
+        <p:blipFill>
+          <a:blip r:embed="rId24"/>
+          <a:stretch>
+            <a:fillRect/>
+          </a:stretch>
+        </p:blipFill>
+        <p:spPr>
+          <a:xfrm>
+            <a:off x="1955338" y="231933"/>
+            <a:ext cx="522371" cy="522371"/>
+          </a:xfrm>
+          <a:prstGeom prst="rect">
+            <a:avLst/>
+          </a:prstGeom>
+        </p:spPr>
+      </p:pic>
+      <p:grpSp>
+        <p:nvGrpSpPr>
+          <p:cNvPr id="110" name="Groupe 109">
+            <a:extLst>
+              <a:ext uri="{FF2B5EF4-FFF2-40B4-BE49-F238E27FC236}">
+                <a16:creationId xmlns:a16="http://schemas.microsoft.com/office/drawing/2014/main" id="{AEECE30E-5EC9-C47F-8CF7-61819D8C5E6E}"/>
+              </a:ext>
+            </a:extLst>
+          </p:cNvPr>
+          <p:cNvGrpSpPr/>
+          <p:nvPr/>
+        </p:nvGrpSpPr>
+        <p:grpSpPr>
+          <a:xfrm>
+            <a:off x="1890113" y="2644645"/>
+            <a:ext cx="720000" cy="720000"/>
+            <a:chOff x="8493814" y="3375317"/>
+            <a:chExt cx="1800000" cy="1800000"/>
+          </a:xfrm>
+        </p:grpSpPr>
+        <p:sp>
+          <p:nvSpPr>
+            <p:cNvPr id="111" name="Ellipse 110">
+              <a:extLst>
+                <a:ext uri="{FF2B5EF4-FFF2-40B4-BE49-F238E27FC236}">
+                  <a16:creationId xmlns:a16="http://schemas.microsoft.com/office/drawing/2014/main" id="{887675DA-5E4D-8EF3-E6FA-0884012A3D3C}"/>
+                </a:ext>
+              </a:extLst>
+            </p:cNvPr>
+            <p:cNvSpPr/>
+            <p:nvPr/>
+          </p:nvSpPr>
+          <p:spPr>
+            <a:xfrm>
+              <a:off x="8493814" y="3375317"/>
+              <a:ext cx="1800000" cy="1800000"/>
+            </a:xfrm>
+            <a:prstGeom prst="ellipse">
+              <a:avLst/>
+            </a:prstGeom>
+            <a:solidFill>
+              <a:srgbClr val="00517A"/>
             </a:solidFill>
             <a:ln>
               <a:noFill/>
@@ -12410,10 +13590,10 @@
         </p:sp>
         <p:pic>
           <p:nvPicPr>
-            <p:cNvPr id="88" name="Image 87">
+            <p:cNvPr id="112" name="Image 111">
               <a:extLst>
                 <a:ext uri="{FF2B5EF4-FFF2-40B4-BE49-F238E27FC236}">
-                  <a16:creationId xmlns:a16="http://schemas.microsoft.com/office/drawing/2014/main" id="{E2AB309A-A433-0AC3-AC27-0D82EA85587C}"/>
+                  <a16:creationId xmlns:a16="http://schemas.microsoft.com/office/drawing/2014/main" id="{2A35C3FA-2D08-0352-A1C0-2913B0CD02D5}"/>
                 </a:ext>
               </a:extLst>
             </p:cNvPr>
@@ -12423,15 +13603,1029 @@
             <p:nvPr/>
           </p:nvPicPr>
           <p:blipFill>
-            <a:blip r:embed="rId20"/>
+            <a:blip r:embed="rId25"/>
             <a:stretch>
               <a:fillRect/>
             </a:stretch>
           </p:blipFill>
           <p:spPr>
             <a:xfrm>
-              <a:off x="7878769" y="4372687"/>
-              <a:ext cx="1399914" cy="799950"/>
+              <a:off x="8673814" y="3583777"/>
+              <a:ext cx="1440000" cy="1440000"/>
+            </a:xfrm>
+            <a:prstGeom prst="rect">
+              <a:avLst/>
+            </a:prstGeom>
+          </p:spPr>
+        </p:pic>
+      </p:grpSp>
+      <p:sp>
+        <p:nvSpPr>
+          <p:cNvPr id="115" name="Ellipse 114">
+            <a:extLst>
+              <a:ext uri="{FF2B5EF4-FFF2-40B4-BE49-F238E27FC236}">
+                <a16:creationId xmlns:a16="http://schemas.microsoft.com/office/drawing/2014/main" id="{5EE3D489-9939-FB63-490B-AC7684976919}"/>
+              </a:ext>
+            </a:extLst>
+          </p:cNvPr>
+          <p:cNvSpPr/>
+          <p:nvPr/>
+        </p:nvSpPr>
+        <p:spPr>
+          <a:xfrm>
+            <a:off x="1051672" y="2643795"/>
+            <a:ext cx="720000" cy="720000"/>
+          </a:xfrm>
+          <a:prstGeom prst="ellipse">
+            <a:avLst/>
+          </a:prstGeom>
+          <a:solidFill>
+            <a:srgbClr val="00517A"/>
+          </a:solidFill>
+          <a:ln>
+            <a:noFill/>
+          </a:ln>
+        </p:spPr>
+        <p:style>
+          <a:lnRef idx="2">
+            <a:schemeClr val="accent1">
+              <a:shade val="50000"/>
+            </a:schemeClr>
+          </a:lnRef>
+          <a:fillRef idx="1">
+            <a:schemeClr val="accent1"/>
+          </a:fillRef>
+          <a:effectRef idx="0">
+            <a:schemeClr val="accent1"/>
+          </a:effectRef>
+          <a:fontRef idx="minor">
+            <a:schemeClr val="lt1"/>
+          </a:fontRef>
+        </p:style>
+        <p:txBody>
+          <a:bodyPr rtlCol="0" anchor="ctr"/>
+          <a:lstStyle/>
+          <a:p>
+            <a:pPr algn="ctr"/>
+            <a:endParaRPr lang="fr-FR" dirty="0"/>
+          </a:p>
+        </p:txBody>
+      </p:sp>
+      <p:pic>
+        <p:nvPicPr>
+          <p:cNvPr id="116" name="Image 115">
+            <a:extLst>
+              <a:ext uri="{FF2B5EF4-FFF2-40B4-BE49-F238E27FC236}">
+                <a16:creationId xmlns:a16="http://schemas.microsoft.com/office/drawing/2014/main" id="{72769896-E9ED-7BCA-43D7-F953258CFCD1}"/>
+              </a:ext>
+            </a:extLst>
+          </p:cNvPr>
+          <p:cNvPicPr>
+            <a:picLocks noChangeAspect="1"/>
+          </p:cNvPicPr>
+          <p:nvPr/>
+        </p:nvPicPr>
+        <p:blipFill>
+          <a:blip r:embed="rId26"/>
+          <a:stretch>
+            <a:fillRect/>
+          </a:stretch>
+        </p:blipFill>
+        <p:spPr>
+          <a:xfrm>
+            <a:off x="1159672" y="2751795"/>
+            <a:ext cx="504000" cy="504000"/>
+          </a:xfrm>
+          <a:prstGeom prst="rect">
+            <a:avLst/>
+          </a:prstGeom>
+        </p:spPr>
+      </p:pic>
+      <p:grpSp>
+        <p:nvGrpSpPr>
+          <p:cNvPr id="164" name="Groupe 163">
+            <a:extLst>
+              <a:ext uri="{FF2B5EF4-FFF2-40B4-BE49-F238E27FC236}">
+                <a16:creationId xmlns:a16="http://schemas.microsoft.com/office/drawing/2014/main" id="{C0F3CF82-2C63-6E1F-6200-2AD139566409}"/>
+              </a:ext>
+            </a:extLst>
+          </p:cNvPr>
+          <p:cNvGrpSpPr/>
+          <p:nvPr/>
+        </p:nvGrpSpPr>
+        <p:grpSpPr>
+          <a:xfrm>
+            <a:off x="2968472" y="3518527"/>
+            <a:ext cx="469092" cy="619346"/>
+            <a:chOff x="2506977" y="4061546"/>
+            <a:chExt cx="469092" cy="619346"/>
+          </a:xfrm>
+        </p:grpSpPr>
+        <p:pic>
+          <p:nvPicPr>
+            <p:cNvPr id="120" name="Image 119">
+              <a:extLst>
+                <a:ext uri="{FF2B5EF4-FFF2-40B4-BE49-F238E27FC236}">
+                  <a16:creationId xmlns:a16="http://schemas.microsoft.com/office/drawing/2014/main" id="{ABB2610A-78E9-DF8C-F3D5-189537C6D190}"/>
+                </a:ext>
+              </a:extLst>
+            </p:cNvPr>
+            <p:cNvPicPr>
+              <a:picLocks noChangeAspect="1"/>
+            </p:cNvPicPr>
+            <p:nvPr/>
+          </p:nvPicPr>
+          <p:blipFill>
+            <a:blip r:embed="rId27"/>
+            <a:stretch>
+              <a:fillRect/>
+            </a:stretch>
+          </p:blipFill>
+          <p:spPr>
+            <a:xfrm>
+              <a:off x="2561523" y="4061546"/>
+              <a:ext cx="360000" cy="360000"/>
+            </a:xfrm>
+            <a:prstGeom prst="rect">
+              <a:avLst/>
+            </a:prstGeom>
+          </p:spPr>
+        </p:pic>
+        <p:pic>
+          <p:nvPicPr>
+            <p:cNvPr id="121" name="Image 120">
+              <a:extLst>
+                <a:ext uri="{FF2B5EF4-FFF2-40B4-BE49-F238E27FC236}">
+                  <a16:creationId xmlns:a16="http://schemas.microsoft.com/office/drawing/2014/main" id="{A353A503-FDD5-7DFC-0298-F20AEB5646C6}"/>
+                </a:ext>
+              </a:extLst>
+            </p:cNvPr>
+            <p:cNvPicPr>
+              <a:picLocks noChangeAspect="1"/>
+            </p:cNvPicPr>
+            <p:nvPr/>
+          </p:nvPicPr>
+          <p:blipFill>
+            <a:blip r:embed="rId28"/>
+            <a:stretch>
+              <a:fillRect/>
+            </a:stretch>
+          </p:blipFill>
+          <p:spPr>
+            <a:xfrm>
+              <a:off x="2506977" y="4497653"/>
+              <a:ext cx="469092" cy="183239"/>
+            </a:xfrm>
+            <a:prstGeom prst="rect">
+              <a:avLst/>
+            </a:prstGeom>
+          </p:spPr>
+        </p:pic>
+      </p:grpSp>
+      <p:grpSp>
+        <p:nvGrpSpPr>
+          <p:cNvPr id="122" name="Groupe 121">
+            <a:extLst>
+              <a:ext uri="{FF2B5EF4-FFF2-40B4-BE49-F238E27FC236}">
+                <a16:creationId xmlns:a16="http://schemas.microsoft.com/office/drawing/2014/main" id="{B553C732-EE6A-0A6B-E02A-A88C41970AC1}"/>
+              </a:ext>
+            </a:extLst>
+          </p:cNvPr>
+          <p:cNvGrpSpPr/>
+          <p:nvPr/>
+        </p:nvGrpSpPr>
+        <p:grpSpPr>
+          <a:xfrm>
+            <a:off x="9028481" y="512708"/>
+            <a:ext cx="720000" cy="720000"/>
+            <a:chOff x="7851244" y="635246"/>
+            <a:chExt cx="1800000" cy="1800000"/>
+          </a:xfrm>
+        </p:grpSpPr>
+        <p:sp>
+          <p:nvSpPr>
+            <p:cNvPr id="123" name="Ellipse 122">
+              <a:extLst>
+                <a:ext uri="{FF2B5EF4-FFF2-40B4-BE49-F238E27FC236}">
+                  <a16:creationId xmlns:a16="http://schemas.microsoft.com/office/drawing/2014/main" id="{31A9BE80-8F5C-95FD-9F2D-53C2DA569919}"/>
+                </a:ext>
+              </a:extLst>
+            </p:cNvPr>
+            <p:cNvSpPr/>
+            <p:nvPr/>
+          </p:nvSpPr>
+          <p:spPr>
+            <a:xfrm>
+              <a:off x="7851244" y="635246"/>
+              <a:ext cx="1800000" cy="1800000"/>
+            </a:xfrm>
+            <a:prstGeom prst="ellipse">
+              <a:avLst/>
+            </a:prstGeom>
+            <a:solidFill>
+              <a:srgbClr val="08AF5E"/>
+            </a:solidFill>
+            <a:ln>
+              <a:noFill/>
+            </a:ln>
+          </p:spPr>
+          <p:style>
+            <a:lnRef idx="2">
+              <a:schemeClr val="accent1">
+                <a:shade val="50000"/>
+              </a:schemeClr>
+            </a:lnRef>
+            <a:fillRef idx="1">
+              <a:schemeClr val="accent1"/>
+            </a:fillRef>
+            <a:effectRef idx="0">
+              <a:schemeClr val="accent1"/>
+            </a:effectRef>
+            <a:fontRef idx="minor">
+              <a:schemeClr val="lt1"/>
+            </a:fontRef>
+          </p:style>
+          <p:txBody>
+            <a:bodyPr rtlCol="0" anchor="ctr"/>
+            <a:lstStyle/>
+            <a:p>
+              <a:pPr algn="ctr"/>
+              <a:endParaRPr lang="fr-FR" dirty="0"/>
+            </a:p>
+          </p:txBody>
+        </p:sp>
+        <p:pic>
+          <p:nvPicPr>
+            <p:cNvPr id="124" name="Image 123">
+              <a:extLst>
+                <a:ext uri="{FF2B5EF4-FFF2-40B4-BE49-F238E27FC236}">
+                  <a16:creationId xmlns:a16="http://schemas.microsoft.com/office/drawing/2014/main" id="{D6A6FFF9-03A7-36E5-2AFD-594EDC35C813}"/>
+                </a:ext>
+              </a:extLst>
+            </p:cNvPr>
+            <p:cNvPicPr>
+              <a:picLocks noChangeAspect="1"/>
+            </p:cNvPicPr>
+            <p:nvPr/>
+          </p:nvPicPr>
+          <p:blipFill>
+            <a:blip r:embed="rId29"/>
+            <a:stretch>
+              <a:fillRect/>
+            </a:stretch>
+          </p:blipFill>
+          <p:spPr>
+            <a:xfrm>
+              <a:off x="8074192" y="879141"/>
+              <a:ext cx="1337198" cy="1264070"/>
+            </a:xfrm>
+            <a:prstGeom prst="rect">
+              <a:avLst/>
+            </a:prstGeom>
+          </p:spPr>
+        </p:pic>
+      </p:grpSp>
+      <p:grpSp>
+        <p:nvGrpSpPr>
+          <p:cNvPr id="125" name="Groupe 124">
+            <a:extLst>
+              <a:ext uri="{FF2B5EF4-FFF2-40B4-BE49-F238E27FC236}">
+                <a16:creationId xmlns:a16="http://schemas.microsoft.com/office/drawing/2014/main" id="{180EA0FF-B5FE-3B01-D2FF-56872EF6296A}"/>
+              </a:ext>
+            </a:extLst>
+          </p:cNvPr>
+          <p:cNvGrpSpPr/>
+          <p:nvPr/>
+        </p:nvGrpSpPr>
+        <p:grpSpPr>
+          <a:xfrm>
+            <a:off x="8224868" y="518746"/>
+            <a:ext cx="720000" cy="720000"/>
+            <a:chOff x="8097618" y="377340"/>
+            <a:chExt cx="1800000" cy="1800000"/>
+          </a:xfrm>
+        </p:grpSpPr>
+        <p:sp>
+          <p:nvSpPr>
+            <p:cNvPr id="126" name="Ellipse 125">
+              <a:extLst>
+                <a:ext uri="{FF2B5EF4-FFF2-40B4-BE49-F238E27FC236}">
+                  <a16:creationId xmlns:a16="http://schemas.microsoft.com/office/drawing/2014/main" id="{F2D9AD0D-F610-BD38-FA2E-C857441F62B0}"/>
+                </a:ext>
+              </a:extLst>
+            </p:cNvPr>
+            <p:cNvSpPr/>
+            <p:nvPr/>
+          </p:nvSpPr>
+          <p:spPr>
+            <a:xfrm>
+              <a:off x="8097618" y="377340"/>
+              <a:ext cx="1800000" cy="1800000"/>
+            </a:xfrm>
+            <a:prstGeom prst="ellipse">
+              <a:avLst/>
+            </a:prstGeom>
+            <a:solidFill>
+              <a:srgbClr val="08AF5E"/>
+            </a:solidFill>
+            <a:ln>
+              <a:noFill/>
+            </a:ln>
+          </p:spPr>
+          <p:style>
+            <a:lnRef idx="2">
+              <a:schemeClr val="accent1">
+                <a:shade val="50000"/>
+              </a:schemeClr>
+            </a:lnRef>
+            <a:fillRef idx="1">
+              <a:schemeClr val="accent1"/>
+            </a:fillRef>
+            <a:effectRef idx="0">
+              <a:schemeClr val="accent1"/>
+            </a:effectRef>
+            <a:fontRef idx="minor">
+              <a:schemeClr val="lt1"/>
+            </a:fontRef>
+          </p:style>
+          <p:txBody>
+            <a:bodyPr rtlCol="0" anchor="ctr"/>
+            <a:lstStyle/>
+            <a:p>
+              <a:pPr algn="ctr"/>
+              <a:endParaRPr lang="fr-FR" dirty="0"/>
+            </a:p>
+          </p:txBody>
+        </p:sp>
+        <p:pic>
+          <p:nvPicPr>
+            <p:cNvPr id="127" name="Image 126">
+              <a:extLst>
+                <a:ext uri="{FF2B5EF4-FFF2-40B4-BE49-F238E27FC236}">
+                  <a16:creationId xmlns:a16="http://schemas.microsoft.com/office/drawing/2014/main" id="{F7A1C425-2946-A7F7-944B-5C90872254BC}"/>
+                </a:ext>
+              </a:extLst>
+            </p:cNvPr>
+            <p:cNvPicPr>
+              <a:picLocks noChangeAspect="1"/>
+            </p:cNvPicPr>
+            <p:nvPr/>
+          </p:nvPicPr>
+          <p:blipFill>
+            <a:blip r:embed="rId30"/>
+            <a:stretch>
+              <a:fillRect/>
+            </a:stretch>
+          </p:blipFill>
+          <p:spPr>
+            <a:xfrm>
+              <a:off x="8477507" y="575912"/>
+              <a:ext cx="1008054" cy="1372668"/>
+            </a:xfrm>
+            <a:prstGeom prst="rect">
+              <a:avLst/>
+            </a:prstGeom>
+          </p:spPr>
+        </p:pic>
+      </p:grpSp>
+      <p:pic>
+        <p:nvPicPr>
+          <p:cNvPr id="131" name="Image 130">
+            <a:extLst>
+              <a:ext uri="{FF2B5EF4-FFF2-40B4-BE49-F238E27FC236}">
+                <a16:creationId xmlns:a16="http://schemas.microsoft.com/office/drawing/2014/main" id="{11C66256-3997-8FDD-2776-932039044F71}"/>
+              </a:ext>
+            </a:extLst>
+          </p:cNvPr>
+          <p:cNvPicPr>
+            <a:picLocks noChangeAspect="1"/>
+          </p:cNvPicPr>
+          <p:nvPr/>
+        </p:nvPicPr>
+        <p:blipFill>
+          <a:blip r:embed="rId31"/>
+          <a:stretch>
+            <a:fillRect/>
+          </a:stretch>
+        </p:blipFill>
+        <p:spPr>
+          <a:xfrm>
+            <a:off x="1486539" y="3573929"/>
+            <a:ext cx="720000" cy="720000"/>
+          </a:xfrm>
+          <a:prstGeom prst="rect">
+            <a:avLst/>
+          </a:prstGeom>
+        </p:spPr>
+      </p:pic>
+      <p:pic>
+        <p:nvPicPr>
+          <p:cNvPr id="132" name="Image 131">
+            <a:extLst>
+              <a:ext uri="{FF2B5EF4-FFF2-40B4-BE49-F238E27FC236}">
+                <a16:creationId xmlns:a16="http://schemas.microsoft.com/office/drawing/2014/main" id="{D12D6E10-CE83-427D-9E1B-2BA1EE389130}"/>
+              </a:ext>
+            </a:extLst>
+          </p:cNvPr>
+          <p:cNvPicPr>
+            <a:picLocks noChangeAspect="1"/>
+          </p:cNvPicPr>
+          <p:nvPr/>
+        </p:nvPicPr>
+        <p:blipFill>
+          <a:blip r:embed="rId32"/>
+          <a:stretch>
+            <a:fillRect/>
+          </a:stretch>
+        </p:blipFill>
+        <p:spPr>
+          <a:xfrm>
+            <a:off x="8440103" y="2138268"/>
+            <a:ext cx="289529" cy="289529"/>
+          </a:xfrm>
+          <a:prstGeom prst="rect">
+            <a:avLst/>
+          </a:prstGeom>
+        </p:spPr>
+      </p:pic>
+      <p:grpSp>
+        <p:nvGrpSpPr>
+          <p:cNvPr id="2" name="Groupe 1">
+            <a:extLst>
+              <a:ext uri="{FF2B5EF4-FFF2-40B4-BE49-F238E27FC236}">
+                <a16:creationId xmlns:a16="http://schemas.microsoft.com/office/drawing/2014/main" id="{F414DCE3-266B-8BA4-44F5-8377B2EAF4AB}"/>
+              </a:ext>
+            </a:extLst>
+          </p:cNvPr>
+          <p:cNvGrpSpPr/>
+          <p:nvPr/>
+        </p:nvGrpSpPr>
+        <p:grpSpPr>
+          <a:xfrm>
+            <a:off x="7739298" y="4938428"/>
+            <a:ext cx="720000" cy="720000"/>
+            <a:chOff x="10288921" y="4962102"/>
+            <a:chExt cx="1800000" cy="1800000"/>
+          </a:xfrm>
+        </p:grpSpPr>
+        <p:sp>
+          <p:nvSpPr>
+            <p:cNvPr id="3" name="Ellipse 2">
+              <a:extLst>
+                <a:ext uri="{FF2B5EF4-FFF2-40B4-BE49-F238E27FC236}">
+                  <a16:creationId xmlns:a16="http://schemas.microsoft.com/office/drawing/2014/main" id="{4FEBC376-BA92-1B65-AA83-78C9955CD9BC}"/>
+                </a:ext>
+              </a:extLst>
+            </p:cNvPr>
+            <p:cNvSpPr/>
+            <p:nvPr/>
+          </p:nvSpPr>
+          <p:spPr>
+            <a:xfrm>
+              <a:off x="10288921" y="4962102"/>
+              <a:ext cx="1800000" cy="1800000"/>
+            </a:xfrm>
+            <a:prstGeom prst="ellipse">
+              <a:avLst/>
+            </a:prstGeom>
+            <a:solidFill>
+              <a:srgbClr val="68348B"/>
+            </a:solidFill>
+            <a:ln>
+              <a:noFill/>
+            </a:ln>
+          </p:spPr>
+          <p:style>
+            <a:lnRef idx="2">
+              <a:schemeClr val="accent1">
+                <a:shade val="50000"/>
+              </a:schemeClr>
+            </a:lnRef>
+            <a:fillRef idx="1">
+              <a:schemeClr val="accent1"/>
+            </a:fillRef>
+            <a:effectRef idx="0">
+              <a:schemeClr val="accent1"/>
+            </a:effectRef>
+            <a:fontRef idx="minor">
+              <a:schemeClr val="lt1"/>
+            </a:fontRef>
+          </p:style>
+          <p:txBody>
+            <a:bodyPr rtlCol="0" anchor="ctr"/>
+            <a:lstStyle/>
+            <a:p>
+              <a:pPr algn="ctr"/>
+              <a:endParaRPr lang="fr-FR"/>
+            </a:p>
+          </p:txBody>
+        </p:sp>
+        <p:pic>
+          <p:nvPicPr>
+            <p:cNvPr id="44" name="Image 43">
+              <a:extLst>
+                <a:ext uri="{FF2B5EF4-FFF2-40B4-BE49-F238E27FC236}">
+                  <a16:creationId xmlns:a16="http://schemas.microsoft.com/office/drawing/2014/main" id="{7A15C536-8C24-B259-ECA9-C6F4CA71E414}"/>
+                </a:ext>
+              </a:extLst>
+            </p:cNvPr>
+            <p:cNvPicPr>
+              <a:picLocks noChangeAspect="1"/>
+            </p:cNvPicPr>
+            <p:nvPr/>
+          </p:nvPicPr>
+          <p:blipFill>
+            <a:blip r:embed="rId33"/>
+            <a:stretch>
+              <a:fillRect/>
+            </a:stretch>
+          </p:blipFill>
+          <p:spPr>
+            <a:xfrm>
+              <a:off x="10628350" y="5172435"/>
+              <a:ext cx="1121142" cy="1332826"/>
+            </a:xfrm>
+            <a:prstGeom prst="rect">
+              <a:avLst/>
+            </a:prstGeom>
+          </p:spPr>
+        </p:pic>
+      </p:grpSp>
+      <p:sp>
+        <p:nvSpPr>
+          <p:cNvPr id="46" name="Ellipse 45">
+            <a:extLst>
+              <a:ext uri="{FF2B5EF4-FFF2-40B4-BE49-F238E27FC236}">
+                <a16:creationId xmlns:a16="http://schemas.microsoft.com/office/drawing/2014/main" id="{B0B71467-2274-2E0F-52D1-52259E22EA0C}"/>
+              </a:ext>
+            </a:extLst>
+          </p:cNvPr>
+          <p:cNvSpPr/>
+          <p:nvPr/>
+        </p:nvSpPr>
+        <p:spPr>
+          <a:xfrm>
+            <a:off x="2661375" y="133118"/>
+            <a:ext cx="720000" cy="720000"/>
+          </a:xfrm>
+          <a:prstGeom prst="ellipse">
+            <a:avLst/>
+          </a:prstGeom>
+          <a:solidFill>
+            <a:srgbClr val="00547F"/>
+          </a:solidFill>
+          <a:ln>
+            <a:noFill/>
+          </a:ln>
+        </p:spPr>
+        <p:style>
+          <a:lnRef idx="2">
+            <a:schemeClr val="accent1">
+              <a:shade val="50000"/>
+            </a:schemeClr>
+          </a:lnRef>
+          <a:fillRef idx="1">
+            <a:schemeClr val="accent1"/>
+          </a:fillRef>
+          <a:effectRef idx="0">
+            <a:schemeClr val="accent1"/>
+          </a:effectRef>
+          <a:fontRef idx="minor">
+            <a:schemeClr val="lt1"/>
+          </a:fontRef>
+        </p:style>
+        <p:txBody>
+          <a:bodyPr rtlCol="0" anchor="ctr"/>
+          <a:lstStyle/>
+          <a:p>
+            <a:pPr algn="ctr"/>
+            <a:endParaRPr lang="fr-FR"/>
+          </a:p>
+        </p:txBody>
+      </p:sp>
+      <p:pic>
+        <p:nvPicPr>
+          <p:cNvPr id="47" name="Image 46">
+            <a:extLst>
+              <a:ext uri="{FF2B5EF4-FFF2-40B4-BE49-F238E27FC236}">
+                <a16:creationId xmlns:a16="http://schemas.microsoft.com/office/drawing/2014/main" id="{833BDB0E-E688-BEDD-1B8E-49A04DBB0B15}"/>
+              </a:ext>
+            </a:extLst>
+          </p:cNvPr>
+          <p:cNvPicPr>
+            <a:picLocks noChangeAspect="1"/>
+          </p:cNvPicPr>
+          <p:nvPr/>
+        </p:nvPicPr>
+        <p:blipFill>
+          <a:blip r:embed="rId34"/>
+          <a:stretch>
+            <a:fillRect/>
+          </a:stretch>
+        </p:blipFill>
+        <p:spPr>
+          <a:xfrm>
+            <a:off x="2881875" y="205118"/>
+            <a:ext cx="279001" cy="576000"/>
+          </a:xfrm>
+          <a:prstGeom prst="rect">
+            <a:avLst/>
+          </a:prstGeom>
+        </p:spPr>
+      </p:pic>
+      <p:sp>
+        <p:nvSpPr>
+          <p:cNvPr id="49" name="Ellipse 48">
+            <a:extLst>
+              <a:ext uri="{FF2B5EF4-FFF2-40B4-BE49-F238E27FC236}">
+                <a16:creationId xmlns:a16="http://schemas.microsoft.com/office/drawing/2014/main" id="{35B8D14E-4517-D148-CA23-6C8ACD3DF6FA}"/>
+              </a:ext>
+            </a:extLst>
+          </p:cNvPr>
+          <p:cNvSpPr/>
+          <p:nvPr/>
+        </p:nvSpPr>
+        <p:spPr>
+          <a:xfrm>
+            <a:off x="262758" y="2633974"/>
+            <a:ext cx="720000" cy="720000"/>
+          </a:xfrm>
+          <a:prstGeom prst="ellipse">
+            <a:avLst/>
+          </a:prstGeom>
+          <a:solidFill>
+            <a:srgbClr val="00547F"/>
+          </a:solidFill>
+          <a:ln>
+            <a:noFill/>
+          </a:ln>
+        </p:spPr>
+        <p:style>
+          <a:lnRef idx="2">
+            <a:schemeClr val="accent1">
+              <a:shade val="50000"/>
+            </a:schemeClr>
+          </a:lnRef>
+          <a:fillRef idx="1">
+            <a:schemeClr val="accent1"/>
+          </a:fillRef>
+          <a:effectRef idx="0">
+            <a:schemeClr val="accent1"/>
+          </a:effectRef>
+          <a:fontRef idx="minor">
+            <a:schemeClr val="lt1"/>
+          </a:fontRef>
+        </p:style>
+        <p:txBody>
+          <a:bodyPr rtlCol="0" anchor="ctr"/>
+          <a:lstStyle/>
+          <a:p>
+            <a:pPr algn="ctr"/>
+            <a:endParaRPr lang="fr-FR"/>
+          </a:p>
+        </p:txBody>
+      </p:sp>
+      <p:pic>
+        <p:nvPicPr>
+          <p:cNvPr id="50" name="Image 49">
+            <a:extLst>
+              <a:ext uri="{FF2B5EF4-FFF2-40B4-BE49-F238E27FC236}">
+                <a16:creationId xmlns:a16="http://schemas.microsoft.com/office/drawing/2014/main" id="{8D149F6C-65AE-6F5B-EA20-EC108E82F25F}"/>
+              </a:ext>
+            </a:extLst>
+          </p:cNvPr>
+          <p:cNvPicPr>
+            <a:picLocks noChangeAspect="1"/>
+          </p:cNvPicPr>
+          <p:nvPr/>
+        </p:nvPicPr>
+        <p:blipFill>
+          <a:blip r:embed="rId35"/>
+          <a:stretch>
+            <a:fillRect/>
+          </a:stretch>
+        </p:blipFill>
+        <p:spPr>
+          <a:xfrm>
+            <a:off x="363558" y="2734774"/>
+            <a:ext cx="518400" cy="518400"/>
+          </a:xfrm>
+          <a:prstGeom prst="rect">
+            <a:avLst/>
+          </a:prstGeom>
+        </p:spPr>
+      </p:pic>
+      <p:sp>
+        <p:nvSpPr>
+          <p:cNvPr id="52" name="Ellipse 51">
+            <a:extLst>
+              <a:ext uri="{FF2B5EF4-FFF2-40B4-BE49-F238E27FC236}">
+                <a16:creationId xmlns:a16="http://schemas.microsoft.com/office/drawing/2014/main" id="{670250B2-C9CE-2371-5DAF-7A1D5A643D46}"/>
+              </a:ext>
+            </a:extLst>
+          </p:cNvPr>
+          <p:cNvSpPr/>
+          <p:nvPr/>
+        </p:nvSpPr>
+        <p:spPr>
+          <a:xfrm>
+            <a:off x="1051672" y="133118"/>
+            <a:ext cx="720000" cy="720000"/>
+          </a:xfrm>
+          <a:prstGeom prst="ellipse">
+            <a:avLst/>
+          </a:prstGeom>
+          <a:solidFill>
+            <a:srgbClr val="00547F"/>
+          </a:solidFill>
+          <a:ln>
+            <a:noFill/>
+          </a:ln>
+        </p:spPr>
+        <p:style>
+          <a:lnRef idx="2">
+            <a:schemeClr val="accent1">
+              <a:shade val="50000"/>
+            </a:schemeClr>
+          </a:lnRef>
+          <a:fillRef idx="1">
+            <a:schemeClr val="accent1"/>
+          </a:fillRef>
+          <a:effectRef idx="0">
+            <a:schemeClr val="accent1"/>
+          </a:effectRef>
+          <a:fontRef idx="minor">
+            <a:schemeClr val="lt1"/>
+          </a:fontRef>
+        </p:style>
+        <p:txBody>
+          <a:bodyPr rtlCol="0" anchor="ctr"/>
+          <a:lstStyle/>
+          <a:p>
+            <a:pPr algn="ctr"/>
+            <a:endParaRPr lang="fr-FR"/>
+          </a:p>
+        </p:txBody>
+      </p:sp>
+      <p:pic>
+        <p:nvPicPr>
+          <p:cNvPr id="53" name="Image 52">
+            <a:extLst>
+              <a:ext uri="{FF2B5EF4-FFF2-40B4-BE49-F238E27FC236}">
+                <a16:creationId xmlns:a16="http://schemas.microsoft.com/office/drawing/2014/main" id="{4CFD42EF-7F37-218C-D615-DC872C3DDEBB}"/>
+              </a:ext>
+            </a:extLst>
+          </p:cNvPr>
+          <p:cNvPicPr>
+            <a:picLocks noChangeAspect="1"/>
+          </p:cNvPicPr>
+          <p:nvPr/>
+        </p:nvPicPr>
+        <p:blipFill>
+          <a:blip r:embed="rId36"/>
+          <a:stretch>
+            <a:fillRect/>
+          </a:stretch>
+        </p:blipFill>
+        <p:spPr>
+          <a:xfrm>
+            <a:off x="1140701" y="289890"/>
+            <a:ext cx="541942" cy="406456"/>
+          </a:xfrm>
+          <a:prstGeom prst="rect">
+            <a:avLst/>
+          </a:prstGeom>
+        </p:spPr>
+      </p:pic>
+      <p:pic>
+        <p:nvPicPr>
+          <p:cNvPr id="55" name="Image 54">
+            <a:extLst>
+              <a:ext uri="{FF2B5EF4-FFF2-40B4-BE49-F238E27FC236}">
+                <a16:creationId xmlns:a16="http://schemas.microsoft.com/office/drawing/2014/main" id="{4CFC8473-394A-8CAF-8627-497C06E0D21C}"/>
+              </a:ext>
+            </a:extLst>
+          </p:cNvPr>
+          <p:cNvPicPr>
+            <a:picLocks noChangeAspect="1"/>
+          </p:cNvPicPr>
+          <p:nvPr/>
+        </p:nvPicPr>
+        <p:blipFill>
+          <a:blip r:embed="rId37"/>
+          <a:stretch>
+            <a:fillRect/>
+          </a:stretch>
+        </p:blipFill>
+        <p:spPr>
+          <a:xfrm>
+            <a:off x="691672" y="3873405"/>
+            <a:ext cx="720000" cy="251650"/>
+          </a:xfrm>
+          <a:prstGeom prst="rect">
+            <a:avLst/>
+          </a:prstGeom>
+        </p:spPr>
+      </p:pic>
+      <p:grpSp>
+        <p:nvGrpSpPr>
+          <p:cNvPr id="54" name="Groupe 53">
+            <a:extLst>
+              <a:ext uri="{FF2B5EF4-FFF2-40B4-BE49-F238E27FC236}">
+                <a16:creationId xmlns:a16="http://schemas.microsoft.com/office/drawing/2014/main" id="{21672DC6-03E2-A44F-D11C-C2CEF4DE71F7}"/>
+              </a:ext>
+            </a:extLst>
+          </p:cNvPr>
+          <p:cNvGrpSpPr/>
+          <p:nvPr/>
+        </p:nvGrpSpPr>
+        <p:grpSpPr>
+          <a:xfrm>
+            <a:off x="11204667" y="3699984"/>
+            <a:ext cx="720000" cy="720000"/>
+            <a:chOff x="10405167" y="2322166"/>
+            <a:chExt cx="1800000" cy="1800000"/>
+          </a:xfrm>
+        </p:grpSpPr>
+        <p:sp>
+          <p:nvSpPr>
+            <p:cNvPr id="113" name="Ellipse 112">
+              <a:extLst>
+                <a:ext uri="{FF2B5EF4-FFF2-40B4-BE49-F238E27FC236}">
+                  <a16:creationId xmlns:a16="http://schemas.microsoft.com/office/drawing/2014/main" id="{9B082404-3881-DCA8-2846-1D7BFA43C1F7}"/>
+                </a:ext>
+              </a:extLst>
+            </p:cNvPr>
+            <p:cNvSpPr/>
+            <p:nvPr/>
+          </p:nvSpPr>
+          <p:spPr>
+            <a:xfrm>
+              <a:off x="10405167" y="2322166"/>
+              <a:ext cx="1800000" cy="1800000"/>
+            </a:xfrm>
+            <a:prstGeom prst="ellipse">
+              <a:avLst/>
+            </a:prstGeom>
+            <a:solidFill>
+              <a:srgbClr val="EF7268"/>
+            </a:solidFill>
+            <a:ln>
+              <a:noFill/>
+            </a:ln>
+          </p:spPr>
+          <p:style>
+            <a:lnRef idx="2">
+              <a:schemeClr val="accent1">
+                <a:shade val="50000"/>
+              </a:schemeClr>
+            </a:lnRef>
+            <a:fillRef idx="1">
+              <a:schemeClr val="accent1"/>
+            </a:fillRef>
+            <a:effectRef idx="0">
+              <a:schemeClr val="accent1"/>
+            </a:effectRef>
+            <a:fontRef idx="minor">
+              <a:schemeClr val="lt1"/>
+            </a:fontRef>
+          </p:style>
+          <p:txBody>
+            <a:bodyPr rtlCol="0" anchor="ctr"/>
+            <a:lstStyle/>
+            <a:p>
+              <a:pPr algn="ctr"/>
+              <a:endParaRPr lang="fr-FR" dirty="0"/>
+            </a:p>
+          </p:txBody>
+        </p:sp>
+        <p:pic>
+          <p:nvPicPr>
+            <p:cNvPr id="117" name="Image 116">
+              <a:extLst>
+                <a:ext uri="{FF2B5EF4-FFF2-40B4-BE49-F238E27FC236}">
+                  <a16:creationId xmlns:a16="http://schemas.microsoft.com/office/drawing/2014/main" id="{21472C70-8D57-5549-B6E0-A872712D6540}"/>
+                </a:ext>
+              </a:extLst>
+            </p:cNvPr>
+            <p:cNvPicPr>
+              <a:picLocks noChangeAspect="1"/>
+            </p:cNvPicPr>
+            <p:nvPr/>
+          </p:nvPicPr>
+          <p:blipFill>
+            <a:blip r:embed="rId38"/>
+            <a:stretch>
+              <a:fillRect/>
+            </a:stretch>
+          </p:blipFill>
+          <p:spPr>
+            <a:xfrm>
+              <a:off x="10546164" y="2642707"/>
+              <a:ext cx="1518007" cy="924719"/>
+            </a:xfrm>
+            <a:prstGeom prst="rect">
+              <a:avLst/>
+            </a:prstGeom>
+          </p:spPr>
+        </p:pic>
+      </p:grpSp>
+      <p:grpSp>
+        <p:nvGrpSpPr>
+          <p:cNvPr id="118" name="Groupe 117">
+            <a:extLst>
+              <a:ext uri="{FF2B5EF4-FFF2-40B4-BE49-F238E27FC236}">
+                <a16:creationId xmlns:a16="http://schemas.microsoft.com/office/drawing/2014/main" id="{1B16C636-3B9D-FCC9-07E5-9DE86B23835D}"/>
+              </a:ext>
+            </a:extLst>
+          </p:cNvPr>
+          <p:cNvGrpSpPr/>
+          <p:nvPr/>
+        </p:nvGrpSpPr>
+        <p:grpSpPr>
+          <a:xfrm>
+            <a:off x="8224868" y="1276268"/>
+            <a:ext cx="720000" cy="720000"/>
+            <a:chOff x="10405167" y="4101988"/>
+            <a:chExt cx="1800000" cy="1800000"/>
+          </a:xfrm>
+        </p:grpSpPr>
+        <p:sp>
+          <p:nvSpPr>
+            <p:cNvPr id="119" name="Ellipse 118">
+              <a:extLst>
+                <a:ext uri="{FF2B5EF4-FFF2-40B4-BE49-F238E27FC236}">
+                  <a16:creationId xmlns:a16="http://schemas.microsoft.com/office/drawing/2014/main" id="{3BB59B47-EB2B-A50D-C309-CC93FDC974A6}"/>
+                </a:ext>
+              </a:extLst>
+            </p:cNvPr>
+            <p:cNvSpPr/>
+            <p:nvPr/>
+          </p:nvSpPr>
+          <p:spPr>
+            <a:xfrm>
+              <a:off x="10405167" y="4101988"/>
+              <a:ext cx="1800000" cy="1800000"/>
+            </a:xfrm>
+            <a:prstGeom prst="ellipse">
+              <a:avLst/>
+            </a:prstGeom>
+            <a:solidFill>
+              <a:srgbClr val="08AF5E"/>
+            </a:solidFill>
+            <a:ln>
+              <a:noFill/>
+            </a:ln>
+          </p:spPr>
+          <p:style>
+            <a:lnRef idx="2">
+              <a:schemeClr val="accent1">
+                <a:shade val="50000"/>
+              </a:schemeClr>
+            </a:lnRef>
+            <a:fillRef idx="1">
+              <a:schemeClr val="accent1"/>
+            </a:fillRef>
+            <a:effectRef idx="0">
+              <a:schemeClr val="accent1"/>
+            </a:effectRef>
+            <a:fontRef idx="minor">
+              <a:schemeClr val="lt1"/>
+            </a:fontRef>
+          </p:style>
+          <p:txBody>
+            <a:bodyPr rtlCol="0" anchor="ctr"/>
+            <a:lstStyle/>
+            <a:p>
+              <a:pPr algn="ctr"/>
+              <a:endParaRPr lang="fr-FR" dirty="0"/>
+            </a:p>
+          </p:txBody>
+        </p:sp>
+        <p:pic>
+          <p:nvPicPr>
+            <p:cNvPr id="128" name="Image 127">
+              <a:extLst>
+                <a:ext uri="{FF2B5EF4-FFF2-40B4-BE49-F238E27FC236}">
+                  <a16:creationId xmlns:a16="http://schemas.microsoft.com/office/drawing/2014/main" id="{81B9017D-601C-2053-599B-D92ED643B5AE}"/>
+                </a:ext>
+              </a:extLst>
+            </p:cNvPr>
+            <p:cNvPicPr>
+              <a:picLocks noChangeAspect="1"/>
+            </p:cNvPicPr>
+            <p:nvPr/>
+          </p:nvPicPr>
+          <p:blipFill>
+            <a:blip r:embed="rId39"/>
+            <a:stretch>
+              <a:fillRect/>
+            </a:stretch>
+          </p:blipFill>
+          <p:spPr>
+            <a:xfrm>
+              <a:off x="10456414" y="4137988"/>
+              <a:ext cx="1728000" cy="1728000"/>
             </a:xfrm>
             <a:prstGeom prst="rect">
               <a:avLst/>
@@ -12453,7 +14647,7 @@
         </p:nvGrpSpPr>
         <p:grpSpPr>
           <a:xfrm>
-            <a:off x="692813" y="1173121"/>
+            <a:off x="248950" y="956513"/>
             <a:ext cx="720000" cy="720000"/>
             <a:chOff x="5223986" y="2758228"/>
             <a:chExt cx="1800000" cy="1800000"/>
@@ -12526,7 +14720,7 @@
             <p:nvPr/>
           </p:nvPicPr>
           <p:blipFill>
-            <a:blip r:embed="rId21"/>
+            <a:blip r:embed="rId40"/>
             <a:stretch>
               <a:fillRect/>
             </a:stretch>
@@ -12535,418 +14729,6 @@
             <a:xfrm>
               <a:off x="5474001" y="3149783"/>
               <a:ext cx="1244000" cy="937860"/>
-            </a:xfrm>
-            <a:prstGeom prst="rect">
-              <a:avLst/>
-            </a:prstGeom>
-          </p:spPr>
-        </p:pic>
-      </p:grpSp>
-      <p:grpSp>
-        <p:nvGrpSpPr>
-          <p:cNvPr id="92" name="Groupe 91">
-            <a:extLst>
-              <a:ext uri="{FF2B5EF4-FFF2-40B4-BE49-F238E27FC236}">
-                <a16:creationId xmlns:a16="http://schemas.microsoft.com/office/drawing/2014/main" id="{3B94BDCA-E196-2EC9-249B-FAE5745DCA92}"/>
-              </a:ext>
-            </a:extLst>
-          </p:cNvPr>
-          <p:cNvGrpSpPr/>
-          <p:nvPr/>
-        </p:nvGrpSpPr>
-        <p:grpSpPr>
-          <a:xfrm>
-            <a:off x="676750" y="2077375"/>
-            <a:ext cx="720000" cy="720000"/>
-            <a:chOff x="6744981" y="188640"/>
-            <a:chExt cx="1800000" cy="1800000"/>
-          </a:xfrm>
-        </p:grpSpPr>
-        <p:sp>
-          <p:nvSpPr>
-            <p:cNvPr id="93" name="Ellipse 92">
-              <a:extLst>
-                <a:ext uri="{FF2B5EF4-FFF2-40B4-BE49-F238E27FC236}">
-                  <a16:creationId xmlns:a16="http://schemas.microsoft.com/office/drawing/2014/main" id="{FC41EC6E-5D90-0831-BA7A-C76BD60A8960}"/>
-                </a:ext>
-              </a:extLst>
-            </p:cNvPr>
-            <p:cNvSpPr/>
-            <p:nvPr/>
-          </p:nvSpPr>
-          <p:spPr>
-            <a:xfrm>
-              <a:off x="6744981" y="188640"/>
-              <a:ext cx="1800000" cy="1800000"/>
-            </a:xfrm>
-            <a:prstGeom prst="ellipse">
-              <a:avLst/>
-            </a:prstGeom>
-            <a:solidFill>
-              <a:srgbClr val="00517A"/>
-            </a:solidFill>
-            <a:ln>
-              <a:noFill/>
-            </a:ln>
-          </p:spPr>
-          <p:style>
-            <a:lnRef idx="2">
-              <a:schemeClr val="accent1">
-                <a:shade val="50000"/>
-              </a:schemeClr>
-            </a:lnRef>
-            <a:fillRef idx="1">
-              <a:schemeClr val="accent1"/>
-            </a:fillRef>
-            <a:effectRef idx="0">
-              <a:schemeClr val="accent1"/>
-            </a:effectRef>
-            <a:fontRef idx="minor">
-              <a:schemeClr val="lt1"/>
-            </a:fontRef>
-          </p:style>
-          <p:txBody>
-            <a:bodyPr rtlCol="0" anchor="ctr"/>
-            <a:lstStyle/>
-            <a:p>
-              <a:pPr algn="ctr"/>
-              <a:endParaRPr lang="fr-FR"/>
-            </a:p>
-          </p:txBody>
-        </p:sp>
-        <p:pic>
-          <p:nvPicPr>
-            <p:cNvPr id="94" name="Image 93">
-              <a:extLst>
-                <a:ext uri="{FF2B5EF4-FFF2-40B4-BE49-F238E27FC236}">
-                  <a16:creationId xmlns:a16="http://schemas.microsoft.com/office/drawing/2014/main" id="{C0387A09-7663-BBB7-F6ED-3B1C8A82B067}"/>
-                </a:ext>
-              </a:extLst>
-            </p:cNvPr>
-            <p:cNvPicPr>
-              <a:picLocks noChangeAspect="1"/>
-            </p:cNvPicPr>
-            <p:nvPr/>
-          </p:nvPicPr>
-          <p:blipFill>
-            <a:blip r:embed="rId22"/>
-            <a:stretch>
-              <a:fillRect/>
-            </a:stretch>
-          </p:blipFill>
-          <p:spPr>
-            <a:xfrm>
-              <a:off x="7068917" y="550319"/>
-              <a:ext cx="1152128" cy="1152128"/>
-            </a:xfrm>
-            <a:prstGeom prst="rect">
-              <a:avLst/>
-            </a:prstGeom>
-          </p:spPr>
-        </p:pic>
-      </p:grpSp>
-      <p:grpSp>
-        <p:nvGrpSpPr>
-          <p:cNvPr id="95" name="Groupe 94">
-            <a:extLst>
-              <a:ext uri="{FF2B5EF4-FFF2-40B4-BE49-F238E27FC236}">
-                <a16:creationId xmlns:a16="http://schemas.microsoft.com/office/drawing/2014/main" id="{DDDE2C3A-F3E0-DAC0-B1B9-6C78F26EF5DF}"/>
-              </a:ext>
-            </a:extLst>
-          </p:cNvPr>
-          <p:cNvGrpSpPr/>
-          <p:nvPr/>
-        </p:nvGrpSpPr>
-        <p:grpSpPr>
-          <a:xfrm>
-            <a:off x="5027131" y="448460"/>
-            <a:ext cx="720000" cy="720000"/>
-            <a:chOff x="6138169" y="4069439"/>
-            <a:chExt cx="1800000" cy="1800000"/>
-          </a:xfrm>
-        </p:grpSpPr>
-        <p:sp>
-          <p:nvSpPr>
-            <p:cNvPr id="96" name="Ellipse 95">
-              <a:extLst>
-                <a:ext uri="{FF2B5EF4-FFF2-40B4-BE49-F238E27FC236}">
-                  <a16:creationId xmlns:a16="http://schemas.microsoft.com/office/drawing/2014/main" id="{40EF35A4-B8C5-7FB7-2D9C-AFB3C0F25865}"/>
-                </a:ext>
-              </a:extLst>
-            </p:cNvPr>
-            <p:cNvSpPr/>
-            <p:nvPr/>
-          </p:nvSpPr>
-          <p:spPr>
-            <a:xfrm>
-              <a:off x="6138169" y="4069439"/>
-              <a:ext cx="1800000" cy="1800000"/>
-            </a:xfrm>
-            <a:prstGeom prst="ellipse">
-              <a:avLst/>
-            </a:prstGeom>
-            <a:solidFill>
-              <a:srgbClr val="00547F"/>
-            </a:solidFill>
-            <a:ln>
-              <a:noFill/>
-            </a:ln>
-          </p:spPr>
-          <p:style>
-            <a:lnRef idx="2">
-              <a:schemeClr val="accent1">
-                <a:shade val="50000"/>
-              </a:schemeClr>
-            </a:lnRef>
-            <a:fillRef idx="1">
-              <a:schemeClr val="accent1"/>
-            </a:fillRef>
-            <a:effectRef idx="0">
-              <a:schemeClr val="accent1"/>
-            </a:effectRef>
-            <a:fontRef idx="minor">
-              <a:schemeClr val="lt1"/>
-            </a:fontRef>
-          </p:style>
-          <p:txBody>
-            <a:bodyPr rtlCol="0" anchor="ctr"/>
-            <a:lstStyle/>
-            <a:p>
-              <a:pPr algn="ctr"/>
-              <a:endParaRPr lang="fr-FR"/>
-            </a:p>
-          </p:txBody>
-        </p:sp>
-        <p:pic>
-          <p:nvPicPr>
-            <p:cNvPr id="97" name="Image 96">
-              <a:extLst>
-                <a:ext uri="{FF2B5EF4-FFF2-40B4-BE49-F238E27FC236}">
-                  <a16:creationId xmlns:a16="http://schemas.microsoft.com/office/drawing/2014/main" id="{C49B5F26-1D55-FFE4-DA8A-DF3D370B2ED0}"/>
-                </a:ext>
-              </a:extLst>
-            </p:cNvPr>
-            <p:cNvPicPr>
-              <a:picLocks noChangeAspect="1"/>
-            </p:cNvPicPr>
-            <p:nvPr/>
-          </p:nvPicPr>
-          <p:blipFill>
-            <a:blip r:embed="rId23"/>
-            <a:stretch>
-              <a:fillRect/>
-            </a:stretch>
-          </p:blipFill>
-          <p:spPr>
-            <a:xfrm>
-              <a:off x="6243433" y="4174703"/>
-              <a:ext cx="1589472" cy="1589472"/>
-            </a:xfrm>
-            <a:prstGeom prst="rect">
-              <a:avLst/>
-            </a:prstGeom>
-          </p:spPr>
-        </p:pic>
-      </p:grpSp>
-      <p:grpSp>
-        <p:nvGrpSpPr>
-          <p:cNvPr id="98" name="Groupe 97">
-            <a:extLst>
-              <a:ext uri="{FF2B5EF4-FFF2-40B4-BE49-F238E27FC236}">
-                <a16:creationId xmlns:a16="http://schemas.microsoft.com/office/drawing/2014/main" id="{040B42E3-E3BD-0DCE-0FB8-7C98B63E5B70}"/>
-              </a:ext>
-            </a:extLst>
-          </p:cNvPr>
-          <p:cNvGrpSpPr/>
-          <p:nvPr/>
-        </p:nvGrpSpPr>
-        <p:grpSpPr>
-          <a:xfrm>
-            <a:off x="5022316" y="1226247"/>
-            <a:ext cx="720000" cy="720000"/>
-            <a:chOff x="5013689" y="3604429"/>
-            <a:chExt cx="1800000" cy="1800000"/>
-          </a:xfrm>
-        </p:grpSpPr>
-        <p:sp>
-          <p:nvSpPr>
-            <p:cNvPr id="99" name="Ellipse 98">
-              <a:extLst>
-                <a:ext uri="{FF2B5EF4-FFF2-40B4-BE49-F238E27FC236}">
-                  <a16:creationId xmlns:a16="http://schemas.microsoft.com/office/drawing/2014/main" id="{7BFA7E25-0B57-65B6-C299-2676CA932948}"/>
-                </a:ext>
-              </a:extLst>
-            </p:cNvPr>
-            <p:cNvSpPr/>
-            <p:nvPr/>
-          </p:nvSpPr>
-          <p:spPr>
-            <a:xfrm>
-              <a:off x="5013689" y="3604429"/>
-              <a:ext cx="1800000" cy="1800000"/>
-            </a:xfrm>
-            <a:prstGeom prst="ellipse">
-              <a:avLst/>
-            </a:prstGeom>
-            <a:solidFill>
-              <a:srgbClr val="00547F"/>
-            </a:solidFill>
-            <a:ln>
-              <a:noFill/>
-            </a:ln>
-          </p:spPr>
-          <p:style>
-            <a:lnRef idx="2">
-              <a:schemeClr val="accent1">
-                <a:shade val="50000"/>
-              </a:schemeClr>
-            </a:lnRef>
-            <a:fillRef idx="1">
-              <a:schemeClr val="accent1"/>
-            </a:fillRef>
-            <a:effectRef idx="0">
-              <a:schemeClr val="accent1"/>
-            </a:effectRef>
-            <a:fontRef idx="minor">
-              <a:schemeClr val="lt1"/>
-            </a:fontRef>
-          </p:style>
-          <p:txBody>
-            <a:bodyPr rtlCol="0" anchor="ctr"/>
-            <a:lstStyle/>
-            <a:p>
-              <a:pPr algn="ctr"/>
-              <a:endParaRPr lang="fr-FR"/>
-            </a:p>
-          </p:txBody>
-        </p:sp>
-        <p:pic>
-          <p:nvPicPr>
-            <p:cNvPr id="100" name="Image 99">
-              <a:extLst>
-                <a:ext uri="{FF2B5EF4-FFF2-40B4-BE49-F238E27FC236}">
-                  <a16:creationId xmlns:a16="http://schemas.microsoft.com/office/drawing/2014/main" id="{8C6581D4-FAE4-7225-60FB-B12F284E9C91}"/>
-                </a:ext>
-              </a:extLst>
-            </p:cNvPr>
-            <p:cNvPicPr>
-              <a:picLocks noChangeAspect="1"/>
-            </p:cNvPicPr>
-            <p:nvPr/>
-          </p:nvPicPr>
-          <p:blipFill>
-            <a:blip r:embed="rId24"/>
-            <a:stretch>
-              <a:fillRect/>
-            </a:stretch>
-          </p:blipFill>
-          <p:spPr>
-            <a:xfrm>
-              <a:off x="5457424" y="3852621"/>
-              <a:ext cx="912531" cy="1303616"/>
-            </a:xfrm>
-            <a:prstGeom prst="rect">
-              <a:avLst/>
-            </a:prstGeom>
-          </p:spPr>
-        </p:pic>
-      </p:grpSp>
-      <p:grpSp>
-        <p:nvGrpSpPr>
-          <p:cNvPr id="101" name="Groupe 100">
-            <a:extLst>
-              <a:ext uri="{FF2B5EF4-FFF2-40B4-BE49-F238E27FC236}">
-                <a16:creationId xmlns:a16="http://schemas.microsoft.com/office/drawing/2014/main" id="{32A58B3C-23CB-0CAF-3F1E-4CEF3C010222}"/>
-              </a:ext>
-            </a:extLst>
-          </p:cNvPr>
-          <p:cNvGrpSpPr/>
-          <p:nvPr/>
-        </p:nvGrpSpPr>
-        <p:grpSpPr>
-          <a:xfrm>
-            <a:off x="2312044" y="450971"/>
-            <a:ext cx="720000" cy="720000"/>
-            <a:chOff x="6669297" y="3242023"/>
-            <a:chExt cx="1800000" cy="1800000"/>
-          </a:xfrm>
-        </p:grpSpPr>
-        <p:sp>
-          <p:nvSpPr>
-            <p:cNvPr id="102" name="Ellipse 101">
-              <a:extLst>
-                <a:ext uri="{FF2B5EF4-FFF2-40B4-BE49-F238E27FC236}">
-                  <a16:creationId xmlns:a16="http://schemas.microsoft.com/office/drawing/2014/main" id="{D6DB0FDD-AAE3-4CFB-AFCE-32E938485895}"/>
-                </a:ext>
-              </a:extLst>
-            </p:cNvPr>
-            <p:cNvSpPr/>
-            <p:nvPr/>
-          </p:nvSpPr>
-          <p:spPr>
-            <a:xfrm>
-              <a:off x="6669297" y="3242023"/>
-              <a:ext cx="1800000" cy="1800000"/>
-            </a:xfrm>
-            <a:prstGeom prst="ellipse">
-              <a:avLst/>
-            </a:prstGeom>
-            <a:solidFill>
-              <a:srgbClr val="00517A"/>
-            </a:solidFill>
-            <a:ln>
-              <a:noFill/>
-            </a:ln>
-          </p:spPr>
-          <p:style>
-            <a:lnRef idx="2">
-              <a:schemeClr val="accent1">
-                <a:shade val="50000"/>
-              </a:schemeClr>
-            </a:lnRef>
-            <a:fillRef idx="1">
-              <a:schemeClr val="accent1"/>
-            </a:fillRef>
-            <a:effectRef idx="0">
-              <a:schemeClr val="accent1"/>
-            </a:effectRef>
-            <a:fontRef idx="minor">
-              <a:schemeClr val="lt1"/>
-            </a:fontRef>
-          </p:style>
-          <p:txBody>
-            <a:bodyPr rtlCol="0" anchor="ctr"/>
-            <a:lstStyle/>
-            <a:p>
-              <a:pPr algn="ctr"/>
-              <a:endParaRPr lang="fr-FR" dirty="0"/>
-            </a:p>
-          </p:txBody>
-        </p:sp>
-        <p:pic>
-          <p:nvPicPr>
-            <p:cNvPr id="103" name="Image 102">
-              <a:extLst>
-                <a:ext uri="{FF2B5EF4-FFF2-40B4-BE49-F238E27FC236}">
-                  <a16:creationId xmlns:a16="http://schemas.microsoft.com/office/drawing/2014/main" id="{A22DFDFF-B08E-0981-059C-A4CF19C7D8B8}"/>
-                </a:ext>
-              </a:extLst>
-            </p:cNvPr>
-            <p:cNvPicPr>
-              <a:picLocks noChangeAspect="1"/>
-            </p:cNvPicPr>
-            <p:nvPr/>
-          </p:nvPicPr>
-          <p:blipFill>
-            <a:blip r:embed="rId25"/>
-            <a:stretch>
-              <a:fillRect/>
-            </a:stretch>
-          </p:blipFill>
-          <p:spPr>
-            <a:xfrm>
-              <a:off x="6916334" y="3489060"/>
-              <a:ext cx="1305927" cy="1305927"/>
             </a:xfrm>
             <a:prstGeom prst="rect">
               <a:avLst/>
@@ -12968,7 +14750,7 @@
         </p:nvGrpSpPr>
         <p:grpSpPr>
           <a:xfrm>
-            <a:off x="3113069" y="1235578"/>
+            <a:off x="2658584" y="956513"/>
             <a:ext cx="720000" cy="720000"/>
             <a:chOff x="7467428" y="2677562"/>
             <a:chExt cx="1800000" cy="1800000"/>
@@ -13041,7 +14823,7 @@
             <p:nvPr/>
           </p:nvPicPr>
           <p:blipFill>
-            <a:blip r:embed="rId26"/>
+            <a:blip r:embed="rId41"/>
             <a:stretch>
               <a:fillRect/>
             </a:stretch>
@@ -13071,7 +14853,7 @@
         </p:nvGrpSpPr>
         <p:grpSpPr>
           <a:xfrm>
-            <a:off x="2312044" y="1226775"/>
+            <a:off x="1855372" y="956513"/>
             <a:ext cx="720000" cy="720000"/>
             <a:chOff x="5404964" y="4396133"/>
             <a:chExt cx="1800000" cy="1800000"/>
@@ -13144,7 +14926,7 @@
             <p:nvPr/>
           </p:nvPicPr>
           <p:blipFill>
-            <a:blip r:embed="rId27"/>
+            <a:blip r:embed="rId42"/>
             <a:stretch>
               <a:fillRect/>
             </a:stretch>
@@ -13153,1186 +14935,6 @@
             <a:xfrm>
               <a:off x="5543445" y="4536296"/>
               <a:ext cx="1358232" cy="1440000"/>
-            </a:xfrm>
-            <a:prstGeom prst="rect">
-              <a:avLst/>
-            </a:prstGeom>
-          </p:spPr>
-        </p:pic>
-      </p:grpSp>
-      <p:grpSp>
-        <p:nvGrpSpPr>
-          <p:cNvPr id="110" name="Groupe 109">
-            <a:extLst>
-              <a:ext uri="{FF2B5EF4-FFF2-40B4-BE49-F238E27FC236}">
-                <a16:creationId xmlns:a16="http://schemas.microsoft.com/office/drawing/2014/main" id="{AEECE30E-5EC9-C47F-8CF7-61819D8C5E6E}"/>
-              </a:ext>
-            </a:extLst>
-          </p:cNvPr>
-          <p:cNvGrpSpPr/>
-          <p:nvPr/>
-        </p:nvGrpSpPr>
-        <p:grpSpPr>
-          <a:xfrm>
-            <a:off x="676749" y="2886765"/>
-            <a:ext cx="720000" cy="720000"/>
-            <a:chOff x="8493814" y="3375317"/>
-            <a:chExt cx="1800000" cy="1800000"/>
-          </a:xfrm>
-        </p:grpSpPr>
-        <p:sp>
-          <p:nvSpPr>
-            <p:cNvPr id="111" name="Ellipse 110">
-              <a:extLst>
-                <a:ext uri="{FF2B5EF4-FFF2-40B4-BE49-F238E27FC236}">
-                  <a16:creationId xmlns:a16="http://schemas.microsoft.com/office/drawing/2014/main" id="{887675DA-5E4D-8EF3-E6FA-0884012A3D3C}"/>
-                </a:ext>
-              </a:extLst>
-            </p:cNvPr>
-            <p:cNvSpPr/>
-            <p:nvPr/>
-          </p:nvSpPr>
-          <p:spPr>
-            <a:xfrm>
-              <a:off x="8493814" y="3375317"/>
-              <a:ext cx="1800000" cy="1800000"/>
-            </a:xfrm>
-            <a:prstGeom prst="ellipse">
-              <a:avLst/>
-            </a:prstGeom>
-            <a:solidFill>
-              <a:srgbClr val="00517A"/>
-            </a:solidFill>
-            <a:ln>
-              <a:noFill/>
-            </a:ln>
-          </p:spPr>
-          <p:style>
-            <a:lnRef idx="2">
-              <a:schemeClr val="accent1">
-                <a:shade val="50000"/>
-              </a:schemeClr>
-            </a:lnRef>
-            <a:fillRef idx="1">
-              <a:schemeClr val="accent1"/>
-            </a:fillRef>
-            <a:effectRef idx="0">
-              <a:schemeClr val="accent1"/>
-            </a:effectRef>
-            <a:fontRef idx="minor">
-              <a:schemeClr val="lt1"/>
-            </a:fontRef>
-          </p:style>
-          <p:txBody>
-            <a:bodyPr rtlCol="0" anchor="ctr"/>
-            <a:lstStyle/>
-            <a:p>
-              <a:pPr algn="ctr"/>
-              <a:endParaRPr lang="fr-FR" dirty="0"/>
-            </a:p>
-          </p:txBody>
-        </p:sp>
-        <p:pic>
-          <p:nvPicPr>
-            <p:cNvPr id="112" name="Image 111">
-              <a:extLst>
-                <a:ext uri="{FF2B5EF4-FFF2-40B4-BE49-F238E27FC236}">
-                  <a16:creationId xmlns:a16="http://schemas.microsoft.com/office/drawing/2014/main" id="{2A35C3FA-2D08-0352-A1C0-2913B0CD02D5}"/>
-                </a:ext>
-              </a:extLst>
-            </p:cNvPr>
-            <p:cNvPicPr>
-              <a:picLocks noChangeAspect="1"/>
-            </p:cNvPicPr>
-            <p:nvPr/>
-          </p:nvPicPr>
-          <p:blipFill>
-            <a:blip r:embed="rId28"/>
-            <a:stretch>
-              <a:fillRect/>
-            </a:stretch>
-          </p:blipFill>
-          <p:spPr>
-            <a:xfrm>
-              <a:off x="8673814" y="3583777"/>
-              <a:ext cx="1440000" cy="1440000"/>
-            </a:xfrm>
-            <a:prstGeom prst="rect">
-              <a:avLst/>
-            </a:prstGeom>
-          </p:spPr>
-        </p:pic>
-      </p:grpSp>
-      <p:grpSp>
-        <p:nvGrpSpPr>
-          <p:cNvPr id="114" name="Groupe 113">
-            <a:extLst>
-              <a:ext uri="{FF2B5EF4-FFF2-40B4-BE49-F238E27FC236}">
-                <a16:creationId xmlns:a16="http://schemas.microsoft.com/office/drawing/2014/main" id="{E209092A-2F20-5BF4-34F5-879B5C7F7959}"/>
-              </a:ext>
-            </a:extLst>
-          </p:cNvPr>
-          <p:cNvGrpSpPr/>
-          <p:nvPr/>
-        </p:nvGrpSpPr>
-        <p:grpSpPr>
-          <a:xfrm>
-            <a:off x="3921816" y="1225872"/>
-            <a:ext cx="720000" cy="720000"/>
-            <a:chOff x="8709423" y="3666938"/>
-            <a:chExt cx="720000" cy="720000"/>
-          </a:xfrm>
-        </p:grpSpPr>
-        <p:sp>
-          <p:nvSpPr>
-            <p:cNvPr id="115" name="Ellipse 114">
-              <a:extLst>
-                <a:ext uri="{FF2B5EF4-FFF2-40B4-BE49-F238E27FC236}">
-                  <a16:creationId xmlns:a16="http://schemas.microsoft.com/office/drawing/2014/main" id="{5EE3D489-9939-FB63-490B-AC7684976919}"/>
-                </a:ext>
-              </a:extLst>
-            </p:cNvPr>
-            <p:cNvSpPr/>
-            <p:nvPr/>
-          </p:nvSpPr>
-          <p:spPr>
-            <a:xfrm>
-              <a:off x="8709423" y="3666938"/>
-              <a:ext cx="720000" cy="720000"/>
-            </a:xfrm>
-            <a:prstGeom prst="ellipse">
-              <a:avLst/>
-            </a:prstGeom>
-            <a:solidFill>
-              <a:srgbClr val="00517A"/>
-            </a:solidFill>
-            <a:ln>
-              <a:noFill/>
-            </a:ln>
-          </p:spPr>
-          <p:style>
-            <a:lnRef idx="2">
-              <a:schemeClr val="accent1">
-                <a:shade val="50000"/>
-              </a:schemeClr>
-            </a:lnRef>
-            <a:fillRef idx="1">
-              <a:schemeClr val="accent1"/>
-            </a:fillRef>
-            <a:effectRef idx="0">
-              <a:schemeClr val="accent1"/>
-            </a:effectRef>
-            <a:fontRef idx="minor">
-              <a:schemeClr val="lt1"/>
-            </a:fontRef>
-          </p:style>
-          <p:txBody>
-            <a:bodyPr rtlCol="0" anchor="ctr"/>
-            <a:lstStyle/>
-            <a:p>
-              <a:pPr algn="ctr"/>
-              <a:endParaRPr lang="fr-FR" dirty="0"/>
-            </a:p>
-          </p:txBody>
-        </p:sp>
-        <p:pic>
-          <p:nvPicPr>
-            <p:cNvPr id="116" name="Image 115">
-              <a:extLst>
-                <a:ext uri="{FF2B5EF4-FFF2-40B4-BE49-F238E27FC236}">
-                  <a16:creationId xmlns:a16="http://schemas.microsoft.com/office/drawing/2014/main" id="{72769896-E9ED-7BCA-43D7-F953258CFCD1}"/>
-                </a:ext>
-              </a:extLst>
-            </p:cNvPr>
-            <p:cNvPicPr>
-              <a:picLocks noChangeAspect="1"/>
-            </p:cNvPicPr>
-            <p:nvPr/>
-          </p:nvPicPr>
-          <p:blipFill>
-            <a:blip r:embed="rId29"/>
-            <a:stretch>
-              <a:fillRect/>
-            </a:stretch>
-          </p:blipFill>
-          <p:spPr>
-            <a:xfrm>
-              <a:off x="8817423" y="3774938"/>
-              <a:ext cx="504000" cy="504000"/>
-            </a:xfrm>
-            <a:prstGeom prst="rect">
-              <a:avLst/>
-            </a:prstGeom>
-          </p:spPr>
-        </p:pic>
-      </p:grpSp>
-      <p:pic>
-        <p:nvPicPr>
-          <p:cNvPr id="120" name="Image 119">
-            <a:extLst>
-              <a:ext uri="{FF2B5EF4-FFF2-40B4-BE49-F238E27FC236}">
-                <a16:creationId xmlns:a16="http://schemas.microsoft.com/office/drawing/2014/main" id="{ABB2610A-78E9-DF8C-F3D5-189537C6D190}"/>
-              </a:ext>
-            </a:extLst>
-          </p:cNvPr>
-          <p:cNvPicPr>
-            <a:picLocks noChangeAspect="1"/>
-          </p:cNvPicPr>
-          <p:nvPr/>
-        </p:nvPicPr>
-        <p:blipFill>
-          <a:blip r:embed="rId30"/>
-          <a:stretch>
-            <a:fillRect/>
-          </a:stretch>
-        </p:blipFill>
-        <p:spPr>
-          <a:xfrm>
-            <a:off x="2601542" y="4061546"/>
-            <a:ext cx="360000" cy="360000"/>
-          </a:xfrm>
-          <a:prstGeom prst="rect">
-            <a:avLst/>
-          </a:prstGeom>
-        </p:spPr>
-      </p:pic>
-      <p:pic>
-        <p:nvPicPr>
-          <p:cNvPr id="121" name="Image 120">
-            <a:extLst>
-              <a:ext uri="{FF2B5EF4-FFF2-40B4-BE49-F238E27FC236}">
-                <a16:creationId xmlns:a16="http://schemas.microsoft.com/office/drawing/2014/main" id="{A353A503-FDD5-7DFC-0298-F20AEB5646C6}"/>
-              </a:ext>
-            </a:extLst>
-          </p:cNvPr>
-          <p:cNvPicPr>
-            <a:picLocks noChangeAspect="1"/>
-          </p:cNvPicPr>
-          <p:nvPr/>
-        </p:nvPicPr>
-        <p:blipFill>
-          <a:blip r:embed="rId31"/>
-          <a:stretch>
-            <a:fillRect/>
-          </a:stretch>
-        </p:blipFill>
-        <p:spPr>
-          <a:xfrm>
-            <a:off x="2506977" y="4497653"/>
-            <a:ext cx="469092" cy="183239"/>
-          </a:xfrm>
-          <a:prstGeom prst="rect">
-            <a:avLst/>
-          </a:prstGeom>
-        </p:spPr>
-      </p:pic>
-      <p:grpSp>
-        <p:nvGrpSpPr>
-          <p:cNvPr id="122" name="Groupe 121">
-            <a:extLst>
-              <a:ext uri="{FF2B5EF4-FFF2-40B4-BE49-F238E27FC236}">
-                <a16:creationId xmlns:a16="http://schemas.microsoft.com/office/drawing/2014/main" id="{B553C732-EE6A-0A6B-E02A-A88C41970AC1}"/>
-              </a:ext>
-            </a:extLst>
-          </p:cNvPr>
-          <p:cNvGrpSpPr/>
-          <p:nvPr/>
-        </p:nvGrpSpPr>
-        <p:grpSpPr>
-          <a:xfrm>
-            <a:off x="8570935" y="1993037"/>
-            <a:ext cx="720000" cy="720000"/>
-            <a:chOff x="7851244" y="635246"/>
-            <a:chExt cx="1800000" cy="1800000"/>
-          </a:xfrm>
-        </p:grpSpPr>
-        <p:sp>
-          <p:nvSpPr>
-            <p:cNvPr id="123" name="Ellipse 122">
-              <a:extLst>
-                <a:ext uri="{FF2B5EF4-FFF2-40B4-BE49-F238E27FC236}">
-                  <a16:creationId xmlns:a16="http://schemas.microsoft.com/office/drawing/2014/main" id="{31A9BE80-8F5C-95FD-9F2D-53C2DA569919}"/>
-                </a:ext>
-              </a:extLst>
-            </p:cNvPr>
-            <p:cNvSpPr/>
-            <p:nvPr/>
-          </p:nvSpPr>
-          <p:spPr>
-            <a:xfrm>
-              <a:off x="7851244" y="635246"/>
-              <a:ext cx="1800000" cy="1800000"/>
-            </a:xfrm>
-            <a:prstGeom prst="ellipse">
-              <a:avLst/>
-            </a:prstGeom>
-            <a:solidFill>
-              <a:srgbClr val="08AF5E"/>
-            </a:solidFill>
-            <a:ln>
-              <a:noFill/>
-            </a:ln>
-          </p:spPr>
-          <p:style>
-            <a:lnRef idx="2">
-              <a:schemeClr val="accent1">
-                <a:shade val="50000"/>
-              </a:schemeClr>
-            </a:lnRef>
-            <a:fillRef idx="1">
-              <a:schemeClr val="accent1"/>
-            </a:fillRef>
-            <a:effectRef idx="0">
-              <a:schemeClr val="accent1"/>
-            </a:effectRef>
-            <a:fontRef idx="minor">
-              <a:schemeClr val="lt1"/>
-            </a:fontRef>
-          </p:style>
-          <p:txBody>
-            <a:bodyPr rtlCol="0" anchor="ctr"/>
-            <a:lstStyle/>
-            <a:p>
-              <a:pPr algn="ctr"/>
-              <a:endParaRPr lang="fr-FR" dirty="0"/>
-            </a:p>
-          </p:txBody>
-        </p:sp>
-        <p:pic>
-          <p:nvPicPr>
-            <p:cNvPr id="124" name="Image 123">
-              <a:extLst>
-                <a:ext uri="{FF2B5EF4-FFF2-40B4-BE49-F238E27FC236}">
-                  <a16:creationId xmlns:a16="http://schemas.microsoft.com/office/drawing/2014/main" id="{D6A6FFF9-03A7-36E5-2AFD-594EDC35C813}"/>
-                </a:ext>
-              </a:extLst>
-            </p:cNvPr>
-            <p:cNvPicPr>
-              <a:picLocks noChangeAspect="1"/>
-            </p:cNvPicPr>
-            <p:nvPr/>
-          </p:nvPicPr>
-          <p:blipFill>
-            <a:blip r:embed="rId32"/>
-            <a:stretch>
-              <a:fillRect/>
-            </a:stretch>
-          </p:blipFill>
-          <p:spPr>
-            <a:xfrm>
-              <a:off x="8074192" y="879141"/>
-              <a:ext cx="1337198" cy="1264070"/>
-            </a:xfrm>
-            <a:prstGeom prst="rect">
-              <a:avLst/>
-            </a:prstGeom>
-          </p:spPr>
-        </p:pic>
-      </p:grpSp>
-      <p:grpSp>
-        <p:nvGrpSpPr>
-          <p:cNvPr id="125" name="Groupe 124">
-            <a:extLst>
-              <a:ext uri="{FF2B5EF4-FFF2-40B4-BE49-F238E27FC236}">
-                <a16:creationId xmlns:a16="http://schemas.microsoft.com/office/drawing/2014/main" id="{180EA0FF-B5FE-3B01-D2FF-56872EF6296A}"/>
-              </a:ext>
-            </a:extLst>
-          </p:cNvPr>
-          <p:cNvGrpSpPr/>
-          <p:nvPr/>
-        </p:nvGrpSpPr>
-        <p:grpSpPr>
-          <a:xfrm>
-            <a:off x="7768787" y="1968522"/>
-            <a:ext cx="720000" cy="720000"/>
-            <a:chOff x="8097618" y="377340"/>
-            <a:chExt cx="1800000" cy="1800000"/>
-          </a:xfrm>
-        </p:grpSpPr>
-        <p:sp>
-          <p:nvSpPr>
-            <p:cNvPr id="126" name="Ellipse 125">
-              <a:extLst>
-                <a:ext uri="{FF2B5EF4-FFF2-40B4-BE49-F238E27FC236}">
-                  <a16:creationId xmlns:a16="http://schemas.microsoft.com/office/drawing/2014/main" id="{F2D9AD0D-F610-BD38-FA2E-C857441F62B0}"/>
-                </a:ext>
-              </a:extLst>
-            </p:cNvPr>
-            <p:cNvSpPr/>
-            <p:nvPr/>
-          </p:nvSpPr>
-          <p:spPr>
-            <a:xfrm>
-              <a:off x="8097618" y="377340"/>
-              <a:ext cx="1800000" cy="1800000"/>
-            </a:xfrm>
-            <a:prstGeom prst="ellipse">
-              <a:avLst/>
-            </a:prstGeom>
-            <a:solidFill>
-              <a:srgbClr val="08AF5E"/>
-            </a:solidFill>
-            <a:ln>
-              <a:noFill/>
-            </a:ln>
-          </p:spPr>
-          <p:style>
-            <a:lnRef idx="2">
-              <a:schemeClr val="accent1">
-                <a:shade val="50000"/>
-              </a:schemeClr>
-            </a:lnRef>
-            <a:fillRef idx="1">
-              <a:schemeClr val="accent1"/>
-            </a:fillRef>
-            <a:effectRef idx="0">
-              <a:schemeClr val="accent1"/>
-            </a:effectRef>
-            <a:fontRef idx="minor">
-              <a:schemeClr val="lt1"/>
-            </a:fontRef>
-          </p:style>
-          <p:txBody>
-            <a:bodyPr rtlCol="0" anchor="ctr"/>
-            <a:lstStyle/>
-            <a:p>
-              <a:pPr algn="ctr"/>
-              <a:endParaRPr lang="fr-FR" dirty="0"/>
-            </a:p>
-          </p:txBody>
-        </p:sp>
-        <p:pic>
-          <p:nvPicPr>
-            <p:cNvPr id="127" name="Image 126">
-              <a:extLst>
-                <a:ext uri="{FF2B5EF4-FFF2-40B4-BE49-F238E27FC236}">
-                  <a16:creationId xmlns:a16="http://schemas.microsoft.com/office/drawing/2014/main" id="{F7A1C425-2946-A7F7-944B-5C90872254BC}"/>
-                </a:ext>
-              </a:extLst>
-            </p:cNvPr>
-            <p:cNvPicPr>
-              <a:picLocks noChangeAspect="1"/>
-            </p:cNvPicPr>
-            <p:nvPr/>
-          </p:nvPicPr>
-          <p:blipFill>
-            <a:blip r:embed="rId33"/>
-            <a:stretch>
-              <a:fillRect/>
-            </a:stretch>
-          </p:blipFill>
-          <p:spPr>
-            <a:xfrm>
-              <a:off x="8477507" y="575912"/>
-              <a:ext cx="1008054" cy="1372668"/>
-            </a:xfrm>
-            <a:prstGeom prst="rect">
-              <a:avLst/>
-            </a:prstGeom>
-          </p:spPr>
-        </p:pic>
-      </p:grpSp>
-      <p:pic>
-        <p:nvPicPr>
-          <p:cNvPr id="131" name="Image 130">
-            <a:extLst>
-              <a:ext uri="{FF2B5EF4-FFF2-40B4-BE49-F238E27FC236}">
-                <a16:creationId xmlns:a16="http://schemas.microsoft.com/office/drawing/2014/main" id="{11C66256-3997-8FDD-2776-932039044F71}"/>
-              </a:ext>
-            </a:extLst>
-          </p:cNvPr>
-          <p:cNvPicPr>
-            <a:picLocks noChangeAspect="1"/>
-          </p:cNvPicPr>
-          <p:nvPr/>
-        </p:nvPicPr>
-        <p:blipFill>
-          <a:blip r:embed="rId34"/>
-          <a:stretch>
-            <a:fillRect/>
-          </a:stretch>
-        </p:blipFill>
-        <p:spPr>
-          <a:xfrm>
-            <a:off x="2375199" y="2298662"/>
-            <a:ext cx="720000" cy="720000"/>
-          </a:xfrm>
-          <a:prstGeom prst="rect">
-            <a:avLst/>
-          </a:prstGeom>
-        </p:spPr>
-      </p:pic>
-      <p:pic>
-        <p:nvPicPr>
-          <p:cNvPr id="132" name="Image 131">
-            <a:extLst>
-              <a:ext uri="{FF2B5EF4-FFF2-40B4-BE49-F238E27FC236}">
-                <a16:creationId xmlns:a16="http://schemas.microsoft.com/office/drawing/2014/main" id="{D12D6E10-CE83-427D-9E1B-2BA1EE389130}"/>
-              </a:ext>
-            </a:extLst>
-          </p:cNvPr>
-          <p:cNvPicPr>
-            <a:picLocks noChangeAspect="1"/>
-          </p:cNvPicPr>
-          <p:nvPr/>
-        </p:nvPicPr>
-        <p:blipFill>
-          <a:blip r:embed="rId35"/>
-          <a:stretch>
-            <a:fillRect/>
-          </a:stretch>
-        </p:blipFill>
-        <p:spPr>
-          <a:xfrm>
-            <a:off x="6766155" y="1702205"/>
-            <a:ext cx="289529" cy="289529"/>
-          </a:xfrm>
-          <a:prstGeom prst="rect">
-            <a:avLst/>
-          </a:prstGeom>
-        </p:spPr>
-      </p:pic>
-      <p:grpSp>
-        <p:nvGrpSpPr>
-          <p:cNvPr id="2" name="Groupe 1">
-            <a:extLst>
-              <a:ext uri="{FF2B5EF4-FFF2-40B4-BE49-F238E27FC236}">
-                <a16:creationId xmlns:a16="http://schemas.microsoft.com/office/drawing/2014/main" id="{F414DCE3-266B-8BA4-44F5-8377B2EAF4AB}"/>
-              </a:ext>
-            </a:extLst>
-          </p:cNvPr>
-          <p:cNvGrpSpPr/>
-          <p:nvPr/>
-        </p:nvGrpSpPr>
-        <p:grpSpPr>
-          <a:xfrm>
-            <a:off x="6225590" y="6429678"/>
-            <a:ext cx="720000" cy="720000"/>
-            <a:chOff x="10288921" y="4962102"/>
-            <a:chExt cx="1800000" cy="1800000"/>
-          </a:xfrm>
-        </p:grpSpPr>
-        <p:sp>
-          <p:nvSpPr>
-            <p:cNvPr id="3" name="Ellipse 2">
-              <a:extLst>
-                <a:ext uri="{FF2B5EF4-FFF2-40B4-BE49-F238E27FC236}">
-                  <a16:creationId xmlns:a16="http://schemas.microsoft.com/office/drawing/2014/main" id="{4FEBC376-BA92-1B65-AA83-78C9955CD9BC}"/>
-                </a:ext>
-              </a:extLst>
-            </p:cNvPr>
-            <p:cNvSpPr/>
-            <p:nvPr/>
-          </p:nvSpPr>
-          <p:spPr>
-            <a:xfrm>
-              <a:off x="10288921" y="4962102"/>
-              <a:ext cx="1800000" cy="1800000"/>
-            </a:xfrm>
-            <a:prstGeom prst="ellipse">
-              <a:avLst/>
-            </a:prstGeom>
-            <a:solidFill>
-              <a:srgbClr val="68348B"/>
-            </a:solidFill>
-            <a:ln>
-              <a:noFill/>
-            </a:ln>
-          </p:spPr>
-          <p:style>
-            <a:lnRef idx="2">
-              <a:schemeClr val="accent1">
-                <a:shade val="50000"/>
-              </a:schemeClr>
-            </a:lnRef>
-            <a:fillRef idx="1">
-              <a:schemeClr val="accent1"/>
-            </a:fillRef>
-            <a:effectRef idx="0">
-              <a:schemeClr val="accent1"/>
-            </a:effectRef>
-            <a:fontRef idx="minor">
-              <a:schemeClr val="lt1"/>
-            </a:fontRef>
-          </p:style>
-          <p:txBody>
-            <a:bodyPr rtlCol="0" anchor="ctr"/>
-            <a:lstStyle/>
-            <a:p>
-              <a:pPr algn="ctr"/>
-              <a:endParaRPr lang="fr-FR"/>
-            </a:p>
-          </p:txBody>
-        </p:sp>
-        <p:pic>
-          <p:nvPicPr>
-            <p:cNvPr id="44" name="Image 43">
-              <a:extLst>
-                <a:ext uri="{FF2B5EF4-FFF2-40B4-BE49-F238E27FC236}">
-                  <a16:creationId xmlns:a16="http://schemas.microsoft.com/office/drawing/2014/main" id="{7A15C536-8C24-B259-ECA9-C6F4CA71E414}"/>
-                </a:ext>
-              </a:extLst>
-            </p:cNvPr>
-            <p:cNvPicPr>
-              <a:picLocks noChangeAspect="1"/>
-            </p:cNvPicPr>
-            <p:nvPr/>
-          </p:nvPicPr>
-          <p:blipFill>
-            <a:blip r:embed="rId36"/>
-            <a:stretch>
-              <a:fillRect/>
-            </a:stretch>
-          </p:blipFill>
-          <p:spPr>
-            <a:xfrm>
-              <a:off x="10628350" y="5172435"/>
-              <a:ext cx="1121142" cy="1332826"/>
-            </a:xfrm>
-            <a:prstGeom prst="rect">
-              <a:avLst/>
-            </a:prstGeom>
-          </p:spPr>
-        </p:pic>
-      </p:grpSp>
-      <p:grpSp>
-        <p:nvGrpSpPr>
-          <p:cNvPr id="45" name="Groupe 44">
-            <a:extLst>
-              <a:ext uri="{FF2B5EF4-FFF2-40B4-BE49-F238E27FC236}">
-                <a16:creationId xmlns:a16="http://schemas.microsoft.com/office/drawing/2014/main" id="{2D44B6EE-D066-E879-25C8-DAAF76AE3B47}"/>
-              </a:ext>
-            </a:extLst>
-          </p:cNvPr>
-          <p:cNvGrpSpPr/>
-          <p:nvPr/>
-        </p:nvGrpSpPr>
-        <p:grpSpPr>
-          <a:xfrm>
-            <a:off x="3101762" y="448460"/>
-            <a:ext cx="720000" cy="720000"/>
-            <a:chOff x="9936161" y="2842323"/>
-            <a:chExt cx="1800000" cy="1800000"/>
-          </a:xfrm>
-        </p:grpSpPr>
-        <p:sp>
-          <p:nvSpPr>
-            <p:cNvPr id="46" name="Ellipse 45">
-              <a:extLst>
-                <a:ext uri="{FF2B5EF4-FFF2-40B4-BE49-F238E27FC236}">
-                  <a16:creationId xmlns:a16="http://schemas.microsoft.com/office/drawing/2014/main" id="{B0B71467-2274-2E0F-52D1-52259E22EA0C}"/>
-                </a:ext>
-              </a:extLst>
-            </p:cNvPr>
-            <p:cNvSpPr/>
-            <p:nvPr/>
-          </p:nvSpPr>
-          <p:spPr>
-            <a:xfrm>
-              <a:off x="9936161" y="2842323"/>
-              <a:ext cx="1800000" cy="1800000"/>
-            </a:xfrm>
-            <a:prstGeom prst="ellipse">
-              <a:avLst/>
-            </a:prstGeom>
-            <a:solidFill>
-              <a:srgbClr val="00547F"/>
-            </a:solidFill>
-            <a:ln>
-              <a:noFill/>
-            </a:ln>
-          </p:spPr>
-          <p:style>
-            <a:lnRef idx="2">
-              <a:schemeClr val="accent1">
-                <a:shade val="50000"/>
-              </a:schemeClr>
-            </a:lnRef>
-            <a:fillRef idx="1">
-              <a:schemeClr val="accent1"/>
-            </a:fillRef>
-            <a:effectRef idx="0">
-              <a:schemeClr val="accent1"/>
-            </a:effectRef>
-            <a:fontRef idx="minor">
-              <a:schemeClr val="lt1"/>
-            </a:fontRef>
-          </p:style>
-          <p:txBody>
-            <a:bodyPr rtlCol="0" anchor="ctr"/>
-            <a:lstStyle/>
-            <a:p>
-              <a:pPr algn="ctr"/>
-              <a:endParaRPr lang="fr-FR"/>
-            </a:p>
-          </p:txBody>
-        </p:sp>
-        <p:pic>
-          <p:nvPicPr>
-            <p:cNvPr id="47" name="Image 46">
-              <a:extLst>
-                <a:ext uri="{FF2B5EF4-FFF2-40B4-BE49-F238E27FC236}">
-                  <a16:creationId xmlns:a16="http://schemas.microsoft.com/office/drawing/2014/main" id="{833BDB0E-E688-BEDD-1B8E-49A04DBB0B15}"/>
-                </a:ext>
-              </a:extLst>
-            </p:cNvPr>
-            <p:cNvPicPr>
-              <a:picLocks noChangeAspect="1"/>
-            </p:cNvPicPr>
-            <p:nvPr/>
-          </p:nvPicPr>
-          <p:blipFill>
-            <a:blip r:embed="rId37"/>
-            <a:stretch>
-              <a:fillRect/>
-            </a:stretch>
-          </p:blipFill>
-          <p:spPr>
-            <a:xfrm>
-              <a:off x="10487410" y="3022323"/>
-              <a:ext cx="697502" cy="1440000"/>
-            </a:xfrm>
-            <a:prstGeom prst="rect">
-              <a:avLst/>
-            </a:prstGeom>
-          </p:spPr>
-        </p:pic>
-      </p:grpSp>
-      <p:grpSp>
-        <p:nvGrpSpPr>
-          <p:cNvPr id="48" name="Groupe 47">
-            <a:extLst>
-              <a:ext uri="{FF2B5EF4-FFF2-40B4-BE49-F238E27FC236}">
-                <a16:creationId xmlns:a16="http://schemas.microsoft.com/office/drawing/2014/main" id="{F18DA339-A0E0-8EEA-09BE-D05F958B2726}"/>
-              </a:ext>
-            </a:extLst>
-          </p:cNvPr>
-          <p:cNvGrpSpPr/>
-          <p:nvPr/>
-        </p:nvGrpSpPr>
-        <p:grpSpPr>
-          <a:xfrm>
-            <a:off x="3914205" y="428192"/>
-            <a:ext cx="720000" cy="720000"/>
-            <a:chOff x="9715662" y="4629628"/>
-            <a:chExt cx="1800000" cy="1800000"/>
-          </a:xfrm>
-        </p:grpSpPr>
-        <p:sp>
-          <p:nvSpPr>
-            <p:cNvPr id="49" name="Ellipse 48">
-              <a:extLst>
-                <a:ext uri="{FF2B5EF4-FFF2-40B4-BE49-F238E27FC236}">
-                  <a16:creationId xmlns:a16="http://schemas.microsoft.com/office/drawing/2014/main" id="{35B8D14E-4517-D148-CA23-6C8ACD3DF6FA}"/>
-                </a:ext>
-              </a:extLst>
-            </p:cNvPr>
-            <p:cNvSpPr/>
-            <p:nvPr/>
-          </p:nvSpPr>
-          <p:spPr>
-            <a:xfrm>
-              <a:off x="9715662" y="4629628"/>
-              <a:ext cx="1800000" cy="1800000"/>
-            </a:xfrm>
-            <a:prstGeom prst="ellipse">
-              <a:avLst/>
-            </a:prstGeom>
-            <a:solidFill>
-              <a:srgbClr val="00547F"/>
-            </a:solidFill>
-            <a:ln>
-              <a:noFill/>
-            </a:ln>
-          </p:spPr>
-          <p:style>
-            <a:lnRef idx="2">
-              <a:schemeClr val="accent1">
-                <a:shade val="50000"/>
-              </a:schemeClr>
-            </a:lnRef>
-            <a:fillRef idx="1">
-              <a:schemeClr val="accent1"/>
-            </a:fillRef>
-            <a:effectRef idx="0">
-              <a:schemeClr val="accent1"/>
-            </a:effectRef>
-            <a:fontRef idx="minor">
-              <a:schemeClr val="lt1"/>
-            </a:fontRef>
-          </p:style>
-          <p:txBody>
-            <a:bodyPr rtlCol="0" anchor="ctr"/>
-            <a:lstStyle/>
-            <a:p>
-              <a:pPr algn="ctr"/>
-              <a:endParaRPr lang="fr-FR"/>
-            </a:p>
-          </p:txBody>
-        </p:sp>
-        <p:pic>
-          <p:nvPicPr>
-            <p:cNvPr id="50" name="Image 49">
-              <a:extLst>
-                <a:ext uri="{FF2B5EF4-FFF2-40B4-BE49-F238E27FC236}">
-                  <a16:creationId xmlns:a16="http://schemas.microsoft.com/office/drawing/2014/main" id="{8D149F6C-65AE-6F5B-EA20-EC108E82F25F}"/>
-                </a:ext>
-              </a:extLst>
-            </p:cNvPr>
-            <p:cNvPicPr>
-              <a:picLocks noChangeAspect="1"/>
-            </p:cNvPicPr>
-            <p:nvPr/>
-          </p:nvPicPr>
-          <p:blipFill>
-            <a:blip r:embed="rId38"/>
-            <a:stretch>
-              <a:fillRect/>
-            </a:stretch>
-          </p:blipFill>
-          <p:spPr>
-            <a:xfrm>
-              <a:off x="9967662" y="4881628"/>
-              <a:ext cx="1296000" cy="1296000"/>
-            </a:xfrm>
-            <a:prstGeom prst="rect">
-              <a:avLst/>
-            </a:prstGeom>
-          </p:spPr>
-        </p:pic>
-      </p:grpSp>
-      <p:grpSp>
-        <p:nvGrpSpPr>
-          <p:cNvPr id="51" name="Groupe 50">
-            <a:extLst>
-              <a:ext uri="{FF2B5EF4-FFF2-40B4-BE49-F238E27FC236}">
-                <a16:creationId xmlns:a16="http://schemas.microsoft.com/office/drawing/2014/main" id="{6E1E0887-AD6A-5610-6CB8-C6CF5A80048B}"/>
-              </a:ext>
-            </a:extLst>
-          </p:cNvPr>
-          <p:cNvGrpSpPr/>
-          <p:nvPr/>
-        </p:nvGrpSpPr>
-        <p:grpSpPr>
-          <a:xfrm>
-            <a:off x="1522326" y="406355"/>
-            <a:ext cx="720000" cy="720000"/>
-            <a:chOff x="8191968" y="4749510"/>
-            <a:chExt cx="1800000" cy="1800000"/>
-          </a:xfrm>
-        </p:grpSpPr>
-        <p:sp>
-          <p:nvSpPr>
-            <p:cNvPr id="52" name="Ellipse 51">
-              <a:extLst>
-                <a:ext uri="{FF2B5EF4-FFF2-40B4-BE49-F238E27FC236}">
-                  <a16:creationId xmlns:a16="http://schemas.microsoft.com/office/drawing/2014/main" id="{670250B2-C9CE-2371-5DAF-7A1D5A643D46}"/>
-                </a:ext>
-              </a:extLst>
-            </p:cNvPr>
-            <p:cNvSpPr/>
-            <p:nvPr/>
-          </p:nvSpPr>
-          <p:spPr>
-            <a:xfrm>
-              <a:off x="8191968" y="4749510"/>
-              <a:ext cx="1800000" cy="1800000"/>
-            </a:xfrm>
-            <a:prstGeom prst="ellipse">
-              <a:avLst/>
-            </a:prstGeom>
-            <a:solidFill>
-              <a:srgbClr val="00547F"/>
-            </a:solidFill>
-            <a:ln>
-              <a:noFill/>
-            </a:ln>
-          </p:spPr>
-          <p:style>
-            <a:lnRef idx="2">
-              <a:schemeClr val="accent1">
-                <a:shade val="50000"/>
-              </a:schemeClr>
-            </a:lnRef>
-            <a:fillRef idx="1">
-              <a:schemeClr val="accent1"/>
-            </a:fillRef>
-            <a:effectRef idx="0">
-              <a:schemeClr val="accent1"/>
-            </a:effectRef>
-            <a:fontRef idx="minor">
-              <a:schemeClr val="lt1"/>
-            </a:fontRef>
-          </p:style>
-          <p:txBody>
-            <a:bodyPr rtlCol="0" anchor="ctr"/>
-            <a:lstStyle/>
-            <a:p>
-              <a:pPr algn="ctr"/>
-              <a:endParaRPr lang="fr-FR"/>
-            </a:p>
-          </p:txBody>
-        </p:sp>
-        <p:pic>
-          <p:nvPicPr>
-            <p:cNvPr id="53" name="Image 52">
-              <a:extLst>
-                <a:ext uri="{FF2B5EF4-FFF2-40B4-BE49-F238E27FC236}">
-                  <a16:creationId xmlns:a16="http://schemas.microsoft.com/office/drawing/2014/main" id="{4CFD42EF-7F37-218C-D615-DC872C3DDEBB}"/>
-                </a:ext>
-              </a:extLst>
-            </p:cNvPr>
-            <p:cNvPicPr>
-              <a:picLocks noChangeAspect="1"/>
-            </p:cNvPicPr>
-            <p:nvPr/>
-          </p:nvPicPr>
-          <p:blipFill>
-            <a:blip r:embed="rId39"/>
-            <a:stretch>
-              <a:fillRect/>
-            </a:stretch>
-          </p:blipFill>
-          <p:spPr>
-            <a:xfrm>
-              <a:off x="8414541" y="5141440"/>
-              <a:ext cx="1354854" cy="1016140"/>
-            </a:xfrm>
-            <a:prstGeom prst="rect">
-              <a:avLst/>
-            </a:prstGeom>
-          </p:spPr>
-        </p:pic>
-      </p:grpSp>
-      <p:pic>
-        <p:nvPicPr>
-          <p:cNvPr id="55" name="Image 54">
-            <a:extLst>
-              <a:ext uri="{FF2B5EF4-FFF2-40B4-BE49-F238E27FC236}">
-                <a16:creationId xmlns:a16="http://schemas.microsoft.com/office/drawing/2014/main" id="{4CFC8473-394A-8CAF-8627-497C06E0D21C}"/>
-              </a:ext>
-            </a:extLst>
-          </p:cNvPr>
-          <p:cNvPicPr>
-            <a:picLocks noChangeAspect="1"/>
-          </p:cNvPicPr>
-          <p:nvPr/>
-        </p:nvPicPr>
-        <p:blipFill>
-          <a:blip r:embed="rId40"/>
-          <a:stretch>
-            <a:fillRect/>
-          </a:stretch>
-        </p:blipFill>
-        <p:spPr>
-          <a:xfrm>
-            <a:off x="2410859" y="3089147"/>
-            <a:ext cx="720000" cy="251650"/>
-          </a:xfrm>
-          <a:prstGeom prst="rect">
-            <a:avLst/>
-          </a:prstGeom>
-        </p:spPr>
-      </p:pic>
-      <p:grpSp>
-        <p:nvGrpSpPr>
-          <p:cNvPr id="54" name="Groupe 53">
-            <a:extLst>
-              <a:ext uri="{FF2B5EF4-FFF2-40B4-BE49-F238E27FC236}">
-                <a16:creationId xmlns:a16="http://schemas.microsoft.com/office/drawing/2014/main" id="{21672DC6-03E2-A44F-D11C-C2CEF4DE71F7}"/>
-              </a:ext>
-            </a:extLst>
-          </p:cNvPr>
-          <p:cNvGrpSpPr/>
-          <p:nvPr/>
-        </p:nvGrpSpPr>
-        <p:grpSpPr>
-          <a:xfrm>
-            <a:off x="9301828" y="4115536"/>
-            <a:ext cx="720000" cy="720000"/>
-            <a:chOff x="10405167" y="2322166"/>
-            <a:chExt cx="1800000" cy="1800000"/>
-          </a:xfrm>
-        </p:grpSpPr>
-        <p:sp>
-          <p:nvSpPr>
-            <p:cNvPr id="113" name="Ellipse 112">
-              <a:extLst>
-                <a:ext uri="{FF2B5EF4-FFF2-40B4-BE49-F238E27FC236}">
-                  <a16:creationId xmlns:a16="http://schemas.microsoft.com/office/drawing/2014/main" id="{9B082404-3881-DCA8-2846-1D7BFA43C1F7}"/>
-                </a:ext>
-              </a:extLst>
-            </p:cNvPr>
-            <p:cNvSpPr/>
-            <p:nvPr/>
-          </p:nvSpPr>
-          <p:spPr>
-            <a:xfrm>
-              <a:off x="10405167" y="2322166"/>
-              <a:ext cx="1800000" cy="1800000"/>
-            </a:xfrm>
-            <a:prstGeom prst="ellipse">
-              <a:avLst/>
-            </a:prstGeom>
-            <a:solidFill>
-              <a:srgbClr val="EF7268"/>
-            </a:solidFill>
-            <a:ln>
-              <a:noFill/>
-            </a:ln>
-          </p:spPr>
-          <p:style>
-            <a:lnRef idx="2">
-              <a:schemeClr val="accent1">
-                <a:shade val="50000"/>
-              </a:schemeClr>
-            </a:lnRef>
-            <a:fillRef idx="1">
-              <a:schemeClr val="accent1"/>
-            </a:fillRef>
-            <a:effectRef idx="0">
-              <a:schemeClr val="accent1"/>
-            </a:effectRef>
-            <a:fontRef idx="minor">
-              <a:schemeClr val="lt1"/>
-            </a:fontRef>
-          </p:style>
-          <p:txBody>
-            <a:bodyPr rtlCol="0" anchor="ctr"/>
-            <a:lstStyle/>
-            <a:p>
-              <a:pPr algn="ctr"/>
-              <a:endParaRPr lang="fr-FR" dirty="0"/>
-            </a:p>
-          </p:txBody>
-        </p:sp>
-        <p:pic>
-          <p:nvPicPr>
-            <p:cNvPr id="117" name="Image 116">
-              <a:extLst>
-                <a:ext uri="{FF2B5EF4-FFF2-40B4-BE49-F238E27FC236}">
-                  <a16:creationId xmlns:a16="http://schemas.microsoft.com/office/drawing/2014/main" id="{21472C70-8D57-5549-B6E0-A872712D6540}"/>
-                </a:ext>
-              </a:extLst>
-            </p:cNvPr>
-            <p:cNvPicPr>
-              <a:picLocks noChangeAspect="1"/>
-            </p:cNvPicPr>
-            <p:nvPr/>
-          </p:nvPicPr>
-          <p:blipFill>
-            <a:blip r:embed="rId41"/>
-            <a:stretch>
-              <a:fillRect/>
-            </a:stretch>
-          </p:blipFill>
-          <p:spPr>
-            <a:xfrm>
-              <a:off x="10546164" y="2642707"/>
-              <a:ext cx="1518007" cy="924719"/>
-            </a:xfrm>
-            <a:prstGeom prst="rect">
-              <a:avLst/>
-            </a:prstGeom>
-          </p:spPr>
-        </p:pic>
-      </p:grpSp>
-      <p:grpSp>
-        <p:nvGrpSpPr>
-          <p:cNvPr id="118" name="Groupe 117">
-            <a:extLst>
-              <a:ext uri="{FF2B5EF4-FFF2-40B4-BE49-F238E27FC236}">
-                <a16:creationId xmlns:a16="http://schemas.microsoft.com/office/drawing/2014/main" id="{1B16C636-3B9D-FCC9-07E5-9DE86B23835D}"/>
-              </a:ext>
-            </a:extLst>
-          </p:cNvPr>
-          <p:cNvGrpSpPr/>
-          <p:nvPr/>
-        </p:nvGrpSpPr>
-        <p:grpSpPr>
-          <a:xfrm>
-            <a:off x="9431573" y="2017775"/>
-            <a:ext cx="720000" cy="720000"/>
-            <a:chOff x="10405167" y="4101988"/>
-            <a:chExt cx="1800000" cy="1800000"/>
-          </a:xfrm>
-        </p:grpSpPr>
-        <p:sp>
-          <p:nvSpPr>
-            <p:cNvPr id="119" name="Ellipse 118">
-              <a:extLst>
-                <a:ext uri="{FF2B5EF4-FFF2-40B4-BE49-F238E27FC236}">
-                  <a16:creationId xmlns:a16="http://schemas.microsoft.com/office/drawing/2014/main" id="{3BB59B47-EB2B-A50D-C309-CC93FDC974A6}"/>
-                </a:ext>
-              </a:extLst>
-            </p:cNvPr>
-            <p:cNvSpPr/>
-            <p:nvPr/>
-          </p:nvSpPr>
-          <p:spPr>
-            <a:xfrm>
-              <a:off x="10405167" y="4101988"/>
-              <a:ext cx="1800000" cy="1800000"/>
-            </a:xfrm>
-            <a:prstGeom prst="ellipse">
-              <a:avLst/>
-            </a:prstGeom>
-            <a:solidFill>
-              <a:srgbClr val="08AF5E"/>
-            </a:solidFill>
-            <a:ln>
-              <a:noFill/>
-            </a:ln>
-          </p:spPr>
-          <p:style>
-            <a:lnRef idx="2">
-              <a:schemeClr val="accent1">
-                <a:shade val="50000"/>
-              </a:schemeClr>
-            </a:lnRef>
-            <a:fillRef idx="1">
-              <a:schemeClr val="accent1"/>
-            </a:fillRef>
-            <a:effectRef idx="0">
-              <a:schemeClr val="accent1"/>
-            </a:effectRef>
-            <a:fontRef idx="minor">
-              <a:schemeClr val="lt1"/>
-            </a:fontRef>
-          </p:style>
-          <p:txBody>
-            <a:bodyPr rtlCol="0" anchor="ctr"/>
-            <a:lstStyle/>
-            <a:p>
-              <a:pPr algn="ctr"/>
-              <a:endParaRPr lang="fr-FR" dirty="0"/>
-            </a:p>
-          </p:txBody>
-        </p:sp>
-        <p:pic>
-          <p:nvPicPr>
-            <p:cNvPr id="128" name="Image 127">
-              <a:extLst>
-                <a:ext uri="{FF2B5EF4-FFF2-40B4-BE49-F238E27FC236}">
-                  <a16:creationId xmlns:a16="http://schemas.microsoft.com/office/drawing/2014/main" id="{81B9017D-601C-2053-599B-D92ED643B5AE}"/>
-                </a:ext>
-              </a:extLst>
-            </p:cNvPr>
-            <p:cNvPicPr>
-              <a:picLocks noChangeAspect="1"/>
-            </p:cNvPicPr>
-            <p:nvPr/>
-          </p:nvPicPr>
-          <p:blipFill>
-            <a:blip r:embed="rId42"/>
-            <a:stretch>
-              <a:fillRect/>
-            </a:stretch>
-          </p:blipFill>
-          <p:spPr>
-            <a:xfrm>
-              <a:off x="10456414" y="4137988"/>
-              <a:ext cx="1728000" cy="1728000"/>
             </a:xfrm>
             <a:prstGeom prst="rect">
               <a:avLst/>
@@ -14354,7 +14956,7 @@
         </p:nvGrpSpPr>
         <p:grpSpPr>
           <a:xfrm>
-            <a:off x="1507645" y="1271734"/>
+            <a:off x="1052161" y="956513"/>
             <a:ext cx="720000" cy="720000"/>
             <a:chOff x="10216711" y="4835236"/>
             <a:chExt cx="1800000" cy="1800000"/>
@@ -14443,109 +15045,88 @@
           </p:spPr>
         </p:pic>
       </p:grpSp>
-      <p:grpSp>
-        <p:nvGrpSpPr>
-          <p:cNvPr id="134" name="Groupe 133">
-            <a:extLst>
-              <a:ext uri="{FF2B5EF4-FFF2-40B4-BE49-F238E27FC236}">
-                <a16:creationId xmlns:a16="http://schemas.microsoft.com/office/drawing/2014/main" id="{DEA15609-56DD-D6BF-BA9D-D1E2911F7211}"/>
-              </a:ext>
-            </a:extLst>
-          </p:cNvPr>
-          <p:cNvGrpSpPr/>
+      <p:sp>
+        <p:nvSpPr>
+          <p:cNvPr id="135" name="Ellipse 134">
+            <a:extLst>
+              <a:ext uri="{FF2B5EF4-FFF2-40B4-BE49-F238E27FC236}">
+                <a16:creationId xmlns:a16="http://schemas.microsoft.com/office/drawing/2014/main" id="{DACDBD9E-4562-770F-D6B6-29A61A76A864}"/>
+              </a:ext>
+            </a:extLst>
+          </p:cNvPr>
+          <p:cNvSpPr/>
           <p:nvPr/>
-        </p:nvGrpSpPr>
-        <p:grpSpPr>
+        </p:nvSpPr>
+        <p:spPr>
           <a:xfrm rot="19800000">
-            <a:off x="686045" y="365605"/>
+            <a:off x="246821" y="133118"/>
             <a:ext cx="720000" cy="720000"/>
-            <a:chOff x="8213688" y="5214946"/>
-            <a:chExt cx="1800000" cy="1800000"/>
           </a:xfrm>
-        </p:grpSpPr>
-        <p:sp>
-          <p:nvSpPr>
-            <p:cNvPr id="135" name="Ellipse 134">
-              <a:extLst>
-                <a:ext uri="{FF2B5EF4-FFF2-40B4-BE49-F238E27FC236}">
-                  <a16:creationId xmlns:a16="http://schemas.microsoft.com/office/drawing/2014/main" id="{DACDBD9E-4562-770F-D6B6-29A61A76A864}"/>
-                </a:ext>
-              </a:extLst>
-            </p:cNvPr>
-            <p:cNvSpPr/>
-            <p:nvPr/>
-          </p:nvSpPr>
-          <p:spPr>
-            <a:xfrm>
-              <a:off x="8213688" y="5214946"/>
-              <a:ext cx="1800000" cy="1800000"/>
-            </a:xfrm>
-            <a:prstGeom prst="ellipse">
-              <a:avLst/>
-            </a:prstGeom>
-            <a:solidFill>
-              <a:srgbClr val="00547F"/>
-            </a:solidFill>
-            <a:ln>
-              <a:noFill/>
-            </a:ln>
-          </p:spPr>
-          <p:style>
-            <a:lnRef idx="2">
-              <a:schemeClr val="accent1">
-                <a:shade val="50000"/>
-              </a:schemeClr>
-            </a:lnRef>
-            <a:fillRef idx="1">
-              <a:schemeClr val="accent1"/>
-            </a:fillRef>
-            <a:effectRef idx="0">
-              <a:schemeClr val="accent1"/>
-            </a:effectRef>
-            <a:fontRef idx="minor">
-              <a:schemeClr val="lt1"/>
-            </a:fontRef>
-          </p:style>
-          <p:txBody>
-            <a:bodyPr rtlCol="0" anchor="ctr"/>
-            <a:lstStyle/>
-            <a:p>
-              <a:pPr algn="ctr"/>
-              <a:endParaRPr lang="fr-FR"/>
-            </a:p>
-          </p:txBody>
-        </p:sp>
-        <p:pic>
-          <p:nvPicPr>
-            <p:cNvPr id="136" name="Image 135">
-              <a:extLst>
-                <a:ext uri="{FF2B5EF4-FFF2-40B4-BE49-F238E27FC236}">
-                  <a16:creationId xmlns:a16="http://schemas.microsoft.com/office/drawing/2014/main" id="{53D2D7F7-683B-3350-3A81-3BE0FC0B4ACC}"/>
-                </a:ext>
-              </a:extLst>
-            </p:cNvPr>
-            <p:cNvPicPr>
-              <a:picLocks noChangeAspect="1"/>
-            </p:cNvPicPr>
-            <p:nvPr/>
-          </p:nvPicPr>
-          <p:blipFill>
-            <a:blip r:embed="rId44"/>
-            <a:stretch>
-              <a:fillRect/>
-            </a:stretch>
-          </p:blipFill>
-          <p:spPr>
-            <a:xfrm rot="2700000">
-              <a:off x="8411372" y="5412630"/>
-              <a:ext cx="1404633" cy="1404633"/>
-            </a:xfrm>
-            <a:prstGeom prst="rect">
-              <a:avLst/>
-            </a:prstGeom>
-          </p:spPr>
-        </p:pic>
-      </p:grpSp>
+          <a:prstGeom prst="ellipse">
+            <a:avLst/>
+          </a:prstGeom>
+          <a:solidFill>
+            <a:srgbClr val="00547F"/>
+          </a:solidFill>
+          <a:ln>
+            <a:noFill/>
+          </a:ln>
+        </p:spPr>
+        <p:style>
+          <a:lnRef idx="2">
+            <a:schemeClr val="accent1">
+              <a:shade val="50000"/>
+            </a:schemeClr>
+          </a:lnRef>
+          <a:fillRef idx="1">
+            <a:schemeClr val="accent1"/>
+          </a:fillRef>
+          <a:effectRef idx="0">
+            <a:schemeClr val="accent1"/>
+          </a:effectRef>
+          <a:fontRef idx="minor">
+            <a:schemeClr val="lt1"/>
+          </a:fontRef>
+        </p:style>
+        <p:txBody>
+          <a:bodyPr rtlCol="0" anchor="ctr"/>
+          <a:lstStyle/>
+          <a:p>
+            <a:pPr algn="ctr"/>
+            <a:endParaRPr lang="fr-FR"/>
+          </a:p>
+        </p:txBody>
+      </p:sp>
+      <p:pic>
+        <p:nvPicPr>
+          <p:cNvPr id="136" name="Image 135">
+            <a:extLst>
+              <a:ext uri="{FF2B5EF4-FFF2-40B4-BE49-F238E27FC236}">
+                <a16:creationId xmlns:a16="http://schemas.microsoft.com/office/drawing/2014/main" id="{53D2D7F7-683B-3350-3A81-3BE0FC0B4ACC}"/>
+              </a:ext>
+            </a:extLst>
+          </p:cNvPr>
+          <p:cNvPicPr>
+            <a:picLocks noChangeAspect="1"/>
+          </p:cNvPicPr>
+          <p:nvPr/>
+        </p:nvPicPr>
+        <p:blipFill>
+          <a:blip r:embed="rId44"/>
+          <a:stretch>
+            <a:fillRect/>
+          </a:stretch>
+        </p:blipFill>
+        <p:spPr>
+          <a:xfrm rot="900000">
+            <a:off x="325895" y="212191"/>
+            <a:ext cx="561853" cy="561853"/>
+          </a:xfrm>
+          <a:prstGeom prst="rect">
+            <a:avLst/>
+          </a:prstGeom>
+        </p:spPr>
+      </p:pic>
       <p:grpSp>
         <p:nvGrpSpPr>
           <p:cNvPr id="137" name="Groupe 136">
@@ -14560,7 +15141,7 @@
         </p:nvGrpSpPr>
         <p:grpSpPr>
           <a:xfrm>
-            <a:off x="5722652" y="837354"/>
+            <a:off x="4899783" y="149054"/>
             <a:ext cx="720000" cy="720000"/>
             <a:chOff x="7522214" y="3518051"/>
             <a:chExt cx="1800000" cy="1800000"/>
@@ -14651,10 +15232,10 @@
       </p:grpSp>
       <p:grpSp>
         <p:nvGrpSpPr>
-          <p:cNvPr id="140" name="Groupe 139">
-            <a:extLst>
-              <a:ext uri="{FF2B5EF4-FFF2-40B4-BE49-F238E27FC236}">
-                <a16:creationId xmlns:a16="http://schemas.microsoft.com/office/drawing/2014/main" id="{15FD8A4A-1E7E-EBA0-4582-08506DB03336}"/>
+          <p:cNvPr id="92" name="Groupe 91">
+            <a:extLst>
+              <a:ext uri="{FF2B5EF4-FFF2-40B4-BE49-F238E27FC236}">
+                <a16:creationId xmlns:a16="http://schemas.microsoft.com/office/drawing/2014/main" id="{3B94BDCA-E196-2EC9-249B-FAE5745DCA92}"/>
               </a:ext>
             </a:extLst>
           </p:cNvPr>
@@ -14663,7 +15244,110 @@
         </p:nvGrpSpPr>
         <p:grpSpPr>
           <a:xfrm>
-            <a:off x="673612" y="3755536"/>
+            <a:off x="250828" y="1800154"/>
+            <a:ext cx="720000" cy="720000"/>
+            <a:chOff x="6744981" y="188640"/>
+            <a:chExt cx="1800000" cy="1800000"/>
+          </a:xfrm>
+        </p:grpSpPr>
+        <p:sp>
+          <p:nvSpPr>
+            <p:cNvPr id="93" name="Ellipse 92">
+              <a:extLst>
+                <a:ext uri="{FF2B5EF4-FFF2-40B4-BE49-F238E27FC236}">
+                  <a16:creationId xmlns:a16="http://schemas.microsoft.com/office/drawing/2014/main" id="{FC41EC6E-5D90-0831-BA7A-C76BD60A8960}"/>
+                </a:ext>
+              </a:extLst>
+            </p:cNvPr>
+            <p:cNvSpPr/>
+            <p:nvPr/>
+          </p:nvSpPr>
+          <p:spPr>
+            <a:xfrm>
+              <a:off x="6744981" y="188640"/>
+              <a:ext cx="1800000" cy="1800000"/>
+            </a:xfrm>
+            <a:prstGeom prst="ellipse">
+              <a:avLst/>
+            </a:prstGeom>
+            <a:solidFill>
+              <a:srgbClr val="00517A"/>
+            </a:solidFill>
+            <a:ln>
+              <a:noFill/>
+            </a:ln>
+          </p:spPr>
+          <p:style>
+            <a:lnRef idx="2">
+              <a:schemeClr val="accent1">
+                <a:shade val="50000"/>
+              </a:schemeClr>
+            </a:lnRef>
+            <a:fillRef idx="1">
+              <a:schemeClr val="accent1"/>
+            </a:fillRef>
+            <a:effectRef idx="0">
+              <a:schemeClr val="accent1"/>
+            </a:effectRef>
+            <a:fontRef idx="minor">
+              <a:schemeClr val="lt1"/>
+            </a:fontRef>
+          </p:style>
+          <p:txBody>
+            <a:bodyPr rtlCol="0" anchor="ctr"/>
+            <a:lstStyle/>
+            <a:p>
+              <a:pPr algn="ctr"/>
+              <a:endParaRPr lang="fr-FR" b="1"/>
+            </a:p>
+          </p:txBody>
+        </p:sp>
+        <p:pic>
+          <p:nvPicPr>
+            <p:cNvPr id="94" name="Image 93">
+              <a:extLst>
+                <a:ext uri="{FF2B5EF4-FFF2-40B4-BE49-F238E27FC236}">
+                  <a16:creationId xmlns:a16="http://schemas.microsoft.com/office/drawing/2014/main" id="{C0387A09-7663-BBB7-F6ED-3B1C8A82B067}"/>
+                </a:ext>
+              </a:extLst>
+            </p:cNvPr>
+            <p:cNvPicPr>
+              <a:picLocks noChangeAspect="1"/>
+            </p:cNvPicPr>
+            <p:nvPr/>
+          </p:nvPicPr>
+          <p:blipFill>
+            <a:blip r:embed="rId46"/>
+            <a:stretch>
+              <a:fillRect/>
+            </a:stretch>
+          </p:blipFill>
+          <p:spPr>
+            <a:xfrm>
+              <a:off x="7068917" y="550319"/>
+              <a:ext cx="1152128" cy="1152128"/>
+            </a:xfrm>
+            <a:prstGeom prst="rect">
+              <a:avLst/>
+            </a:prstGeom>
+          </p:spPr>
+        </p:pic>
+      </p:grpSp>
+      <p:grpSp>
+        <p:nvGrpSpPr>
+          <p:cNvPr id="140" name="Groupe 139">
+            <a:extLst>
+              <a:ext uri="{FF2B5EF4-FFF2-40B4-BE49-F238E27FC236}">
+                <a16:creationId xmlns:a16="http://schemas.microsoft.com/office/drawing/2014/main" id="{15FD8A4A-1E7E-EBA0-4582-08506DB03336}"/>
+              </a:ext>
+            </a:extLst>
+          </p:cNvPr>
+          <p:cNvGrpSpPr/>
+          <p:nvPr/>
+        </p:nvGrpSpPr>
+        <p:grpSpPr>
+          <a:xfrm>
+            <a:off x="1057214" y="1800154"/>
             <a:ext cx="720000" cy="720000"/>
             <a:chOff x="8612196" y="3801520"/>
             <a:chExt cx="1800000" cy="1800000"/>
@@ -14717,7 +15401,7 @@
             <a:lstStyle/>
             <a:p>
               <a:pPr algn="ctr"/>
-              <a:endParaRPr lang="fr-FR"/>
+              <a:endParaRPr lang="fr-FR" b="1"/>
             </a:p>
           </p:txBody>
         </p:sp>
@@ -14736,7 +15420,7 @@
             <p:nvPr/>
           </p:nvPicPr>
           <p:blipFill>
-            <a:blip r:embed="rId46"/>
+            <a:blip r:embed="rId47"/>
             <a:stretch>
               <a:fillRect/>
             </a:stretch>
@@ -14766,7 +15450,7 @@
         </p:nvGrpSpPr>
         <p:grpSpPr>
           <a:xfrm>
-            <a:off x="658510" y="4626241"/>
+            <a:off x="1863600" y="1800154"/>
             <a:ext cx="720000" cy="720000"/>
             <a:chOff x="6054233" y="4960569"/>
             <a:chExt cx="1800000" cy="1800000"/>
@@ -14820,7 +15504,7 @@
             <a:lstStyle/>
             <a:p>
               <a:pPr algn="ctr"/>
-              <a:endParaRPr lang="fr-FR"/>
+              <a:endParaRPr lang="fr-FR" b="1"/>
             </a:p>
           </p:txBody>
         </p:sp>
@@ -14839,7 +15523,7 @@
             <p:nvPr/>
           </p:nvPicPr>
           <p:blipFill>
-            <a:blip r:embed="rId47"/>
+            <a:blip r:embed="rId48"/>
             <a:stretch>
               <a:fillRect/>
             </a:stretch>
@@ -14869,7 +15553,7 @@
         </p:nvGrpSpPr>
         <p:grpSpPr>
           <a:xfrm>
-            <a:off x="681619" y="5456508"/>
+            <a:off x="2669985" y="1800154"/>
             <a:ext cx="720000" cy="720000"/>
             <a:chOff x="7698044" y="3453428"/>
             <a:chExt cx="1800000" cy="1800000"/>
@@ -14923,7 +15607,7 @@
             <a:lstStyle/>
             <a:p>
               <a:pPr algn="ctr"/>
-              <a:endParaRPr lang="fr-FR"/>
+              <a:endParaRPr lang="fr-FR" b="1"/>
             </a:p>
           </p:txBody>
         </p:sp>
@@ -14942,7 +15626,7 @@
             <p:nvPr/>
           </p:nvPicPr>
           <p:blipFill>
-            <a:blip r:embed="rId48"/>
+            <a:blip r:embed="rId49"/>
             <a:stretch>
               <a:fillRect/>
             </a:stretch>
@@ -14958,6 +15642,169 @@
           </p:spPr>
         </p:pic>
       </p:grpSp>
+      <p:grpSp>
+        <p:nvGrpSpPr>
+          <p:cNvPr id="154" name="Groupe 153">
+            <a:extLst>
+              <a:ext uri="{FF2B5EF4-FFF2-40B4-BE49-F238E27FC236}">
+                <a16:creationId xmlns:a16="http://schemas.microsoft.com/office/drawing/2014/main" id="{58256B2F-3F5B-9174-CAE5-9C58C1737497}"/>
+              </a:ext>
+            </a:extLst>
+          </p:cNvPr>
+          <p:cNvGrpSpPr/>
+          <p:nvPr/>
+        </p:nvGrpSpPr>
+        <p:grpSpPr>
+          <a:xfrm>
+            <a:off x="9032546" y="1276268"/>
+            <a:ext cx="720000" cy="720000"/>
+            <a:chOff x="8494276" y="748802"/>
+            <a:chExt cx="1800000" cy="1800000"/>
+          </a:xfrm>
+        </p:grpSpPr>
+        <p:sp>
+          <p:nvSpPr>
+            <p:cNvPr id="155" name="Ellipse 154">
+              <a:extLst>
+                <a:ext uri="{FF2B5EF4-FFF2-40B4-BE49-F238E27FC236}">
+                  <a16:creationId xmlns:a16="http://schemas.microsoft.com/office/drawing/2014/main" id="{0FFDFA90-5F1E-BA9F-D38F-49792ADC5ACA}"/>
+                </a:ext>
+              </a:extLst>
+            </p:cNvPr>
+            <p:cNvSpPr/>
+            <p:nvPr/>
+          </p:nvSpPr>
+          <p:spPr>
+            <a:xfrm>
+              <a:off x="8494276" y="748802"/>
+              <a:ext cx="1800000" cy="1800000"/>
+            </a:xfrm>
+            <a:prstGeom prst="ellipse">
+              <a:avLst/>
+            </a:prstGeom>
+            <a:solidFill>
+              <a:srgbClr val="08AF5E"/>
+            </a:solidFill>
+            <a:ln>
+              <a:noFill/>
+            </a:ln>
+          </p:spPr>
+          <p:style>
+            <a:lnRef idx="2">
+              <a:schemeClr val="accent1">
+                <a:shade val="50000"/>
+              </a:schemeClr>
+            </a:lnRef>
+            <a:fillRef idx="1">
+              <a:schemeClr val="accent1"/>
+            </a:fillRef>
+            <a:effectRef idx="0">
+              <a:schemeClr val="accent1"/>
+            </a:effectRef>
+            <a:fontRef idx="minor">
+              <a:schemeClr val="lt1"/>
+            </a:fontRef>
+          </p:style>
+          <p:txBody>
+            <a:bodyPr rtlCol="0" anchor="ctr"/>
+            <a:lstStyle/>
+            <a:p>
+              <a:pPr algn="ctr"/>
+              <a:endParaRPr lang="fr-FR" dirty="0"/>
+            </a:p>
+          </p:txBody>
+        </p:sp>
+        <p:pic>
+          <p:nvPicPr>
+            <p:cNvPr id="156" name="Image 155">
+              <a:extLst>
+                <a:ext uri="{FF2B5EF4-FFF2-40B4-BE49-F238E27FC236}">
+                  <a16:creationId xmlns:a16="http://schemas.microsoft.com/office/drawing/2014/main" id="{0A3D4FCB-4A79-0B5D-FE3B-3E76079681A6}"/>
+                </a:ext>
+              </a:extLst>
+            </p:cNvPr>
+            <p:cNvPicPr>
+              <a:picLocks noChangeAspect="1"/>
+            </p:cNvPicPr>
+            <p:nvPr/>
+          </p:nvPicPr>
+          <p:blipFill>
+            <a:blip r:embed="rId50"/>
+            <a:stretch>
+              <a:fillRect/>
+            </a:stretch>
+          </p:blipFill>
+          <p:spPr>
+            <a:xfrm>
+              <a:off x="8943232" y="938192"/>
+              <a:ext cx="902088" cy="1440000"/>
+            </a:xfrm>
+            <a:prstGeom prst="rect">
+              <a:avLst/>
+            </a:prstGeom>
+          </p:spPr>
+        </p:pic>
+      </p:grpSp>
+      <p:pic>
+        <p:nvPicPr>
+          <p:cNvPr id="168" name="Image 167">
+            <a:extLst>
+              <a:ext uri="{FF2B5EF4-FFF2-40B4-BE49-F238E27FC236}">
+                <a16:creationId xmlns:a16="http://schemas.microsoft.com/office/drawing/2014/main" id="{3226BD3D-BFB9-377F-79C6-17CEDCD41445}"/>
+              </a:ext>
+            </a:extLst>
+          </p:cNvPr>
+          <p:cNvPicPr>
+            <a:picLocks noChangeAspect="1"/>
+          </p:cNvPicPr>
+          <p:nvPr/>
+        </p:nvPicPr>
+        <p:blipFill>
+          <a:blip r:embed="rId51"/>
+          <a:stretch>
+            <a:fillRect/>
+          </a:stretch>
+        </p:blipFill>
+        <p:spPr>
+          <a:xfrm>
+            <a:off x="8989225" y="2712728"/>
+            <a:ext cx="720000" cy="720000"/>
+          </a:xfrm>
+          <a:prstGeom prst="rect">
+            <a:avLst/>
+          </a:prstGeom>
+        </p:spPr>
+      </p:pic>
+      <p:pic>
+        <p:nvPicPr>
+          <p:cNvPr id="169" name="Image 168">
+            <a:extLst>
+              <a:ext uri="{FF2B5EF4-FFF2-40B4-BE49-F238E27FC236}">
+                <a16:creationId xmlns:a16="http://schemas.microsoft.com/office/drawing/2014/main" id="{E6A63A40-FC35-A62D-CD46-743B5AA4534D}"/>
+              </a:ext>
+            </a:extLst>
+          </p:cNvPr>
+          <p:cNvPicPr>
+            <a:picLocks noChangeAspect="1"/>
+          </p:cNvPicPr>
+          <p:nvPr/>
+        </p:nvPicPr>
+        <p:blipFill>
+          <a:blip r:embed="rId52"/>
+          <a:stretch>
+            <a:fillRect/>
+          </a:stretch>
+        </p:blipFill>
+        <p:spPr>
+          <a:xfrm>
+            <a:off x="8129680" y="3021701"/>
+            <a:ext cx="720000" cy="263790"/>
+          </a:xfrm>
+          <a:prstGeom prst="rect">
+            <a:avLst/>
+          </a:prstGeom>
+        </p:spPr>
+      </p:pic>
     </p:spTree>
     <p:extLst>
       <p:ext uri="{BB962C8B-B14F-4D97-AF65-F5344CB8AC3E}">
@@ -15042,66 +15889,6 @@
           <a:xfrm>
             <a:off x="4692646" y="158428"/>
             <a:ext cx="3600000" cy="3600000"/>
-          </a:xfrm>
-          <a:prstGeom prst="rect">
-            <a:avLst/>
-          </a:prstGeom>
-        </p:spPr>
-      </p:pic>
-      <p:pic>
-        <p:nvPicPr>
-          <p:cNvPr id="8" name="Image 7">
-            <a:extLst>
-              <a:ext uri="{FF2B5EF4-FFF2-40B4-BE49-F238E27FC236}">
-                <a16:creationId xmlns:a16="http://schemas.microsoft.com/office/drawing/2014/main" id="{95A14A9D-9332-CE89-1A51-8AB40DE9FD6E}"/>
-              </a:ext>
-            </a:extLst>
-          </p:cNvPr>
-          <p:cNvPicPr>
-            <a:picLocks noChangeAspect="1"/>
-          </p:cNvPicPr>
-          <p:nvPr/>
-        </p:nvPicPr>
-        <p:blipFill>
-          <a:blip r:embed="rId4"/>
-          <a:stretch>
-            <a:fillRect/>
-          </a:stretch>
-        </p:blipFill>
-        <p:spPr>
-          <a:xfrm>
-            <a:off x="7015844" y="1628800"/>
-            <a:ext cx="4876800" cy="4876800"/>
-          </a:xfrm>
-          <a:prstGeom prst="rect">
-            <a:avLst/>
-          </a:prstGeom>
-        </p:spPr>
-      </p:pic>
-      <p:pic>
-        <p:nvPicPr>
-          <p:cNvPr id="3" name="Image 2">
-            <a:extLst>
-              <a:ext uri="{FF2B5EF4-FFF2-40B4-BE49-F238E27FC236}">
-                <a16:creationId xmlns:a16="http://schemas.microsoft.com/office/drawing/2014/main" id="{43FB47D2-658E-409F-FAF3-79F086CA1A95}"/>
-              </a:ext>
-            </a:extLst>
-          </p:cNvPr>
-          <p:cNvPicPr>
-            <a:picLocks noChangeAspect="1"/>
-          </p:cNvPicPr>
-          <p:nvPr/>
-        </p:nvPicPr>
-        <p:blipFill>
-          <a:blip r:embed="rId5"/>
-          <a:stretch>
-            <a:fillRect/>
-          </a:stretch>
-        </p:blipFill>
-        <p:spPr>
-          <a:xfrm>
-            <a:off x="3886200" y="2619375"/>
-            <a:ext cx="4419600" cy="1619250"/>
           </a:xfrm>
           <a:prstGeom prst="rect">
             <a:avLst/>
@@ -15414,4 +16201,299 @@
     </a:ext>
   </a:extLst>
 </a:theme>
+</file>
+
+<file path=ppt/theme/theme2.xml><?xml version="1.0" encoding="utf-8"?>
+<a:theme xmlns:a="http://schemas.openxmlformats.org/drawingml/2006/main" name="Thème Office">
+  <a:themeElements>
+    <a:clrScheme name="Office">
+      <a:dk1>
+        <a:sysClr val="windowText" lastClr="000000"/>
+      </a:dk1>
+      <a:lt1>
+        <a:sysClr val="window" lastClr="FFFFFF"/>
+      </a:lt1>
+      <a:dk2>
+        <a:srgbClr val="44546A"/>
+      </a:dk2>
+      <a:lt2>
+        <a:srgbClr val="E7E6E6"/>
+      </a:lt2>
+      <a:accent1>
+        <a:srgbClr val="4472C4"/>
+      </a:accent1>
+      <a:accent2>
+        <a:srgbClr val="ED7D31"/>
+      </a:accent2>
+      <a:accent3>
+        <a:srgbClr val="A5A5A5"/>
+      </a:accent3>
+      <a:accent4>
+        <a:srgbClr val="FFC000"/>
+      </a:accent4>
+      <a:accent5>
+        <a:srgbClr val="5B9BD5"/>
+      </a:accent5>
+      <a:accent6>
+        <a:srgbClr val="70AD47"/>
+      </a:accent6>
+      <a:hlink>
+        <a:srgbClr val="0563C1"/>
+      </a:hlink>
+      <a:folHlink>
+        <a:srgbClr val="954F72"/>
+      </a:folHlink>
+    </a:clrScheme>
+    <a:fontScheme name="Office">
+      <a:majorFont>
+        <a:latin typeface="Calibri Light" panose="020F0302020204030204"/>
+        <a:ea typeface=""/>
+        <a:cs typeface=""/>
+        <a:font script="Jpan" typeface="游ゴシック Light"/>
+        <a:font script="Hang" typeface="맑은 고딕"/>
+        <a:font script="Hans" typeface="等线 Light"/>
+        <a:font script="Hant" typeface="新細明體"/>
+        <a:font script="Arab" typeface="Times New Roman"/>
+        <a:font script="Hebr" typeface="Times New Roman"/>
+        <a:font script="Thai" typeface="Angsana New"/>
+        <a:font script="Ethi" typeface="Nyala"/>
+        <a:font script="Beng" typeface="Vrinda"/>
+        <a:font script="Gujr" typeface="Shruti"/>
+        <a:font script="Khmr" typeface="MoolBoran"/>
+        <a:font script="Knda" typeface="Tunga"/>
+        <a:font script="Guru" typeface="Raavi"/>
+        <a:font script="Cans" typeface="Euphemia"/>
+        <a:font script="Cher" typeface="Plantagenet Cherokee"/>
+        <a:font script="Yiii" typeface="Microsoft Yi Baiti"/>
+        <a:font script="Tibt" typeface="Microsoft Himalaya"/>
+        <a:font script="Thaa" typeface="MV Boli"/>
+        <a:font script="Deva" typeface="Mangal"/>
+        <a:font script="Telu" typeface="Gautami"/>
+        <a:font script="Taml" typeface="Latha"/>
+        <a:font script="Syrc" typeface="Estrangelo Edessa"/>
+        <a:font script="Orya" typeface="Kalinga"/>
+        <a:font script="Mlym" typeface="Kartika"/>
+        <a:font script="Laoo" typeface="DokChampa"/>
+        <a:font script="Sinh" typeface="Iskoola Pota"/>
+        <a:font script="Mong" typeface="Mongolian Baiti"/>
+        <a:font script="Viet" typeface="Times New Roman"/>
+        <a:font script="Uigh" typeface="Microsoft Uighur"/>
+        <a:font script="Geor" typeface="Sylfaen"/>
+        <a:font script="Armn" typeface="Arial"/>
+        <a:font script="Bugi" typeface="Leelawadee UI"/>
+        <a:font script="Bopo" typeface="Microsoft JhengHei"/>
+        <a:font script="Java" typeface="Javanese Text"/>
+        <a:font script="Lisu" typeface="Segoe UI"/>
+        <a:font script="Mymr" typeface="Myanmar Text"/>
+        <a:font script="Nkoo" typeface="Ebrima"/>
+        <a:font script="Olck" typeface="Nirmala UI"/>
+        <a:font script="Osma" typeface="Ebrima"/>
+        <a:font script="Phag" typeface="Phagspa"/>
+        <a:font script="Syrn" typeface="Estrangelo Edessa"/>
+        <a:font script="Syrj" typeface="Estrangelo Edessa"/>
+        <a:font script="Syre" typeface="Estrangelo Edessa"/>
+        <a:font script="Sora" typeface="Nirmala UI"/>
+        <a:font script="Tale" typeface="Microsoft Tai Le"/>
+        <a:font script="Talu" typeface="Microsoft New Tai Lue"/>
+        <a:font script="Tfng" typeface="Ebrima"/>
+      </a:majorFont>
+      <a:minorFont>
+        <a:latin typeface="Calibri" panose="020F0502020204030204"/>
+        <a:ea typeface=""/>
+        <a:cs typeface=""/>
+        <a:font script="Jpan" typeface="游ゴシック"/>
+        <a:font script="Hang" typeface="맑은 고딕"/>
+        <a:font script="Hans" typeface="等线"/>
+        <a:font script="Hant" typeface="新細明體"/>
+        <a:font script="Arab" typeface="Arial"/>
+        <a:font script="Hebr" typeface="Arial"/>
+        <a:font script="Thai" typeface="Cordia New"/>
+        <a:font script="Ethi" typeface="Nyala"/>
+        <a:font script="Beng" typeface="Vrinda"/>
+        <a:font script="Gujr" typeface="Shruti"/>
+        <a:font script="Khmr" typeface="DaunPenh"/>
+        <a:font script="Knda" typeface="Tunga"/>
+        <a:font script="Guru" typeface="Raavi"/>
+        <a:font script="Cans" typeface="Euphemia"/>
+        <a:font script="Cher" typeface="Plantagenet Cherokee"/>
+        <a:font script="Yiii" typeface="Microsoft Yi Baiti"/>
+        <a:font script="Tibt" typeface="Microsoft Himalaya"/>
+        <a:font script="Thaa" typeface="MV Boli"/>
+        <a:font script="Deva" typeface="Mangal"/>
+        <a:font script="Telu" typeface="Gautami"/>
+        <a:font script="Taml" typeface="Latha"/>
+        <a:font script="Syrc" typeface="Estrangelo Edessa"/>
+        <a:font script="Orya" typeface="Kalinga"/>
+        <a:font script="Mlym" typeface="Kartika"/>
+        <a:font script="Laoo" typeface="DokChampa"/>
+        <a:font script="Sinh" typeface="Iskoola Pota"/>
+        <a:font script="Mong" typeface="Mongolian Baiti"/>
+        <a:font script="Viet" typeface="Arial"/>
+        <a:font script="Uigh" typeface="Microsoft Uighur"/>
+        <a:font script="Geor" typeface="Sylfaen"/>
+        <a:font script="Armn" typeface="Arial"/>
+        <a:font script="Bugi" typeface="Leelawadee UI"/>
+        <a:font script="Bopo" typeface="Microsoft JhengHei"/>
+        <a:font script="Java" typeface="Javanese Text"/>
+        <a:font script="Lisu" typeface="Segoe UI"/>
+        <a:font script="Mymr" typeface="Myanmar Text"/>
+        <a:font script="Nkoo" typeface="Ebrima"/>
+        <a:font script="Olck" typeface="Nirmala UI"/>
+        <a:font script="Osma" typeface="Ebrima"/>
+        <a:font script="Phag" typeface="Phagspa"/>
+        <a:font script="Syrn" typeface="Estrangelo Edessa"/>
+        <a:font script="Syrj" typeface="Estrangelo Edessa"/>
+        <a:font script="Syre" typeface="Estrangelo Edessa"/>
+        <a:font script="Sora" typeface="Nirmala UI"/>
+        <a:font script="Tale" typeface="Microsoft Tai Le"/>
+        <a:font script="Talu" typeface="Microsoft New Tai Lue"/>
+        <a:font script="Tfng" typeface="Ebrima"/>
+      </a:minorFont>
+    </a:fontScheme>
+    <a:fmtScheme name="Office">
+      <a:fillStyleLst>
+        <a:solidFill>
+          <a:schemeClr val="phClr"/>
+        </a:solidFill>
+        <a:gradFill rotWithShape="1">
+          <a:gsLst>
+            <a:gs pos="0">
+              <a:schemeClr val="phClr">
+                <a:lumMod val="110000"/>
+                <a:satMod val="105000"/>
+                <a:tint val="67000"/>
+              </a:schemeClr>
+            </a:gs>
+            <a:gs pos="50000">
+              <a:schemeClr val="phClr">
+                <a:lumMod val="105000"/>
+                <a:satMod val="103000"/>
+                <a:tint val="73000"/>
+              </a:schemeClr>
+            </a:gs>
+            <a:gs pos="100000">
+              <a:schemeClr val="phClr">
+                <a:lumMod val="105000"/>
+                <a:satMod val="109000"/>
+                <a:tint val="81000"/>
+              </a:schemeClr>
+            </a:gs>
+          </a:gsLst>
+          <a:lin ang="5400000" scaled="0"/>
+        </a:gradFill>
+        <a:gradFill rotWithShape="1">
+          <a:gsLst>
+            <a:gs pos="0">
+              <a:schemeClr val="phClr">
+                <a:satMod val="103000"/>
+                <a:lumMod val="102000"/>
+                <a:tint val="94000"/>
+              </a:schemeClr>
+            </a:gs>
+            <a:gs pos="50000">
+              <a:schemeClr val="phClr">
+                <a:satMod val="110000"/>
+                <a:lumMod val="100000"/>
+                <a:shade val="100000"/>
+              </a:schemeClr>
+            </a:gs>
+            <a:gs pos="100000">
+              <a:schemeClr val="phClr">
+                <a:lumMod val="99000"/>
+                <a:satMod val="120000"/>
+                <a:shade val="78000"/>
+              </a:schemeClr>
+            </a:gs>
+          </a:gsLst>
+          <a:lin ang="5400000" scaled="0"/>
+        </a:gradFill>
+      </a:fillStyleLst>
+      <a:lnStyleLst>
+        <a:ln w="6350" cap="flat" cmpd="sng" algn="ctr">
+          <a:solidFill>
+            <a:schemeClr val="phClr"/>
+          </a:solidFill>
+          <a:prstDash val="solid"/>
+          <a:miter lim="800000"/>
+        </a:ln>
+        <a:ln w="12700" cap="flat" cmpd="sng" algn="ctr">
+          <a:solidFill>
+            <a:schemeClr val="phClr"/>
+          </a:solidFill>
+          <a:prstDash val="solid"/>
+          <a:miter lim="800000"/>
+        </a:ln>
+        <a:ln w="19050" cap="flat" cmpd="sng" algn="ctr">
+          <a:solidFill>
+            <a:schemeClr val="phClr"/>
+          </a:solidFill>
+          <a:prstDash val="solid"/>
+          <a:miter lim="800000"/>
+        </a:ln>
+      </a:lnStyleLst>
+      <a:effectStyleLst>
+        <a:effectStyle>
+          <a:effectLst/>
+        </a:effectStyle>
+        <a:effectStyle>
+          <a:effectLst/>
+        </a:effectStyle>
+        <a:effectStyle>
+          <a:effectLst>
+            <a:outerShdw blurRad="57150" dist="19050" dir="5400000" algn="ctr" rotWithShape="0">
+              <a:srgbClr val="000000">
+                <a:alpha val="63000"/>
+              </a:srgbClr>
+            </a:outerShdw>
+          </a:effectLst>
+        </a:effectStyle>
+      </a:effectStyleLst>
+      <a:bgFillStyleLst>
+        <a:solidFill>
+          <a:schemeClr val="phClr"/>
+        </a:solidFill>
+        <a:solidFill>
+          <a:schemeClr val="phClr">
+            <a:tint val="95000"/>
+            <a:satMod val="170000"/>
+          </a:schemeClr>
+        </a:solidFill>
+        <a:gradFill rotWithShape="1">
+          <a:gsLst>
+            <a:gs pos="0">
+              <a:schemeClr val="phClr">
+                <a:tint val="93000"/>
+                <a:satMod val="150000"/>
+                <a:shade val="98000"/>
+                <a:lumMod val="102000"/>
+              </a:schemeClr>
+            </a:gs>
+            <a:gs pos="50000">
+              <a:schemeClr val="phClr">
+                <a:tint val="98000"/>
+                <a:satMod val="130000"/>
+                <a:shade val="90000"/>
+                <a:lumMod val="103000"/>
+              </a:schemeClr>
+            </a:gs>
+            <a:gs pos="100000">
+              <a:schemeClr val="phClr">
+                <a:shade val="63000"/>
+                <a:satMod val="120000"/>
+              </a:schemeClr>
+            </a:gs>
+          </a:gsLst>
+          <a:lin ang="5400000" scaled="0"/>
+        </a:gradFill>
+      </a:bgFillStyleLst>
+    </a:fmtScheme>
+  </a:themeElements>
+  <a:objectDefaults/>
+  <a:extraClrSchemeLst/>
+  <a:extLst>
+    <a:ext uri="{05A4C25C-085E-4340-85A3-A5531E510DB2}">
+      <thm15:themeFamily xmlns:thm15="http://schemas.microsoft.com/office/thememl/2012/main" name="Office Theme" id="{62F939B6-93AF-4DB8-9C6B-D6C7DFDC589F}" vid="{4A3C46E8-61CC-4603-A589-7422A47A8E4A}"/>
+    </a:ext>
+  </a:extLst>
+</a:theme>
 </file>
--- a/ChaineFonctionnelle_V2.pptx
+++ b/ChaineFonctionnelle_V2.pptx
@@ -11,7 +11,7 @@
     <p:sldId id="256" r:id="rId2"/>
     <p:sldId id="257" r:id="rId3"/>
     <p:sldId id="258" r:id="rId4"/>
-    <p:sldId id="259" r:id="rId5"/>
+    <p:sldId id="260" r:id="rId5"/>
   </p:sldIdLst>
   <p:sldSz cx="12192000" cy="6858000"/>
   <p:notesSz cx="6858000" cy="9144000"/>
@@ -15805,6 +15805,36 @@
           </a:prstGeom>
         </p:spPr>
       </p:pic>
+      <p:pic>
+        <p:nvPicPr>
+          <p:cNvPr id="18" name="Image 17">
+            <a:extLst>
+              <a:ext uri="{FF2B5EF4-FFF2-40B4-BE49-F238E27FC236}">
+                <a16:creationId xmlns:a16="http://schemas.microsoft.com/office/drawing/2014/main" id="{52E96551-8F2C-1928-4A93-786E71F001F6}"/>
+              </a:ext>
+            </a:extLst>
+          </p:cNvPr>
+          <p:cNvPicPr>
+            <a:picLocks noChangeAspect="1"/>
+          </p:cNvPicPr>
+          <p:nvPr/>
+        </p:nvPicPr>
+        <p:blipFill>
+          <a:blip r:embed="rId53"/>
+          <a:stretch>
+            <a:fillRect/>
+          </a:stretch>
+        </p:blipFill>
+        <p:spPr>
+          <a:xfrm>
+            <a:off x="8852128" y="2055776"/>
+            <a:ext cx="360000" cy="360000"/>
+          </a:xfrm>
+          <a:prstGeom prst="rect">
+            <a:avLst/>
+          </a:prstGeom>
+        </p:spPr>
+      </p:pic>
     </p:spTree>
     <p:extLst>
       <p:ext uri="{BB962C8B-B14F-4D97-AF65-F5344CB8AC3E}">
@@ -15835,42 +15865,1063 @@
           <a:chExt cx="0" cy="0"/>
         </a:xfrm>
       </p:grpSpPr>
+      <p:sp>
+        <p:nvSpPr>
+          <p:cNvPr id="4" name="Rectangle : coins arrondis 3">
+            <a:extLst>
+              <a:ext uri="{FF2B5EF4-FFF2-40B4-BE49-F238E27FC236}">
+                <a16:creationId xmlns:a16="http://schemas.microsoft.com/office/drawing/2014/main" id="{10D58EFB-025E-6631-9F01-F6F106DF8DC3}"/>
+              </a:ext>
+            </a:extLst>
+          </p:cNvPr>
+          <p:cNvSpPr/>
+          <p:nvPr/>
+        </p:nvSpPr>
+        <p:spPr>
+          <a:xfrm>
+            <a:off x="1056905" y="1444678"/>
+            <a:ext cx="1440000" cy="540000"/>
+          </a:xfrm>
+          <a:prstGeom prst="roundRect">
+            <a:avLst>
+              <a:gd name="adj" fmla="val 11914"/>
+            </a:avLst>
+          </a:prstGeom>
+          <a:noFill/>
+          <a:ln w="19050">
+            <a:solidFill>
+              <a:srgbClr val="004F77"/>
+            </a:solidFill>
+          </a:ln>
+        </p:spPr>
+        <p:style>
+          <a:lnRef idx="2">
+            <a:schemeClr val="accent1">
+              <a:shade val="50000"/>
+            </a:schemeClr>
+          </a:lnRef>
+          <a:fillRef idx="1">
+            <a:schemeClr val="accent1"/>
+          </a:fillRef>
+          <a:effectRef idx="0">
+            <a:schemeClr val="accent1"/>
+          </a:effectRef>
+          <a:fontRef idx="minor">
+            <a:schemeClr val="lt1"/>
+          </a:fontRef>
+        </p:style>
+        <p:txBody>
+          <a:bodyPr rtlCol="0" anchor="ctr"/>
+          <a:lstStyle/>
+          <a:p>
+            <a:pPr algn="ctr"/>
+            <a:r>
+              <a:rPr lang="fr-FR" sz="1400" dirty="0">
+                <a:solidFill>
+                  <a:srgbClr val="004F77"/>
+                </a:solidFill>
+                <a:latin typeface="Arial Nova" panose="020B0504020202020204" pitchFamily="34" charset="0"/>
+              </a:rPr>
+              <a:t>Acquérir</a:t>
+            </a:r>
+          </a:p>
+        </p:txBody>
+      </p:sp>
+      <p:sp>
+        <p:nvSpPr>
+          <p:cNvPr id="5" name="Rectangle : coins arrondis 4">
+            <a:extLst>
+              <a:ext uri="{FF2B5EF4-FFF2-40B4-BE49-F238E27FC236}">
+                <a16:creationId xmlns:a16="http://schemas.microsoft.com/office/drawing/2014/main" id="{86F053BD-7630-9B95-B356-B430F64FC2FD}"/>
+              </a:ext>
+            </a:extLst>
+          </p:cNvPr>
+          <p:cNvSpPr/>
+          <p:nvPr/>
+        </p:nvSpPr>
+        <p:spPr>
+          <a:xfrm>
+            <a:off x="1056905" y="2219824"/>
+            <a:ext cx="1440000" cy="720000"/>
+          </a:xfrm>
+          <a:prstGeom prst="roundRect">
+            <a:avLst>
+              <a:gd name="adj" fmla="val 11914"/>
+            </a:avLst>
+          </a:prstGeom>
+          <a:solidFill>
+            <a:srgbClr val="DFE3EB"/>
+          </a:solidFill>
+          <a:ln w="19050">
+            <a:solidFill>
+              <a:srgbClr val="DFE3EB"/>
+            </a:solidFill>
+          </a:ln>
+        </p:spPr>
+        <p:style>
+          <a:lnRef idx="2">
+            <a:schemeClr val="accent1">
+              <a:shade val="50000"/>
+            </a:schemeClr>
+          </a:lnRef>
+          <a:fillRef idx="1">
+            <a:schemeClr val="accent1"/>
+          </a:fillRef>
+          <a:effectRef idx="0">
+            <a:schemeClr val="accent1"/>
+          </a:effectRef>
+          <a:fontRef idx="minor">
+            <a:schemeClr val="lt1"/>
+          </a:fontRef>
+        </p:style>
+        <p:txBody>
+          <a:bodyPr rtlCol="0" anchor="ctr"/>
+          <a:lstStyle/>
+          <a:p>
+            <a:pPr algn="ctr"/>
+            <a:r>
+              <a:rPr lang="fr-FR" sz="1050" dirty="0">
+                <a:solidFill>
+                  <a:srgbClr val="004F77"/>
+                </a:solidFill>
+                <a:latin typeface="Arial Nova" panose="020B0504020202020204" pitchFamily="34" charset="0"/>
+              </a:rPr>
+              <a:t>Codeur incrémental</a:t>
+            </a:r>
+          </a:p>
+          <a:p>
+            <a:pPr algn="ctr"/>
+            <a:r>
+              <a:rPr lang="fr-FR" sz="1050" dirty="0">
+                <a:solidFill>
+                  <a:srgbClr val="004F77"/>
+                </a:solidFill>
+                <a:latin typeface="Arial Nova" panose="020B0504020202020204" pitchFamily="34" charset="0"/>
+              </a:rPr>
+              <a:t>Détecteur à contact</a:t>
+            </a:r>
+          </a:p>
+        </p:txBody>
+      </p:sp>
+      <p:sp>
+        <p:nvSpPr>
+          <p:cNvPr id="6" name="Rectangle : coins arrondis 5">
+            <a:extLst>
+              <a:ext uri="{FF2B5EF4-FFF2-40B4-BE49-F238E27FC236}">
+                <a16:creationId xmlns:a16="http://schemas.microsoft.com/office/drawing/2014/main" id="{AECAC018-1AB7-F87C-C335-54883C51368B}"/>
+              </a:ext>
+            </a:extLst>
+          </p:cNvPr>
+          <p:cNvSpPr/>
+          <p:nvPr/>
+        </p:nvSpPr>
+        <p:spPr>
+          <a:xfrm>
+            <a:off x="3229319" y="1443142"/>
+            <a:ext cx="1440000" cy="540000"/>
+          </a:xfrm>
+          <a:prstGeom prst="roundRect">
+            <a:avLst>
+              <a:gd name="adj" fmla="val 11914"/>
+            </a:avLst>
+          </a:prstGeom>
+          <a:noFill/>
+          <a:ln w="19050">
+            <a:solidFill>
+              <a:srgbClr val="004F77"/>
+            </a:solidFill>
+          </a:ln>
+        </p:spPr>
+        <p:style>
+          <a:lnRef idx="2">
+            <a:schemeClr val="accent1">
+              <a:shade val="50000"/>
+            </a:schemeClr>
+          </a:lnRef>
+          <a:fillRef idx="1">
+            <a:schemeClr val="accent1"/>
+          </a:fillRef>
+          <a:effectRef idx="0">
+            <a:schemeClr val="accent1"/>
+          </a:effectRef>
+          <a:fontRef idx="minor">
+            <a:schemeClr val="lt1"/>
+          </a:fontRef>
+        </p:style>
+        <p:txBody>
+          <a:bodyPr rtlCol="0" anchor="ctr"/>
+          <a:lstStyle/>
+          <a:p>
+            <a:pPr algn="ctr"/>
+            <a:r>
+              <a:rPr lang="fr-FR" sz="1400" dirty="0">
+                <a:solidFill>
+                  <a:srgbClr val="0C7391"/>
+                </a:solidFill>
+                <a:latin typeface="Arial Nova" panose="020B0504020202020204" pitchFamily="34" charset="0"/>
+              </a:rPr>
+              <a:t>Traiter</a:t>
+            </a:r>
+          </a:p>
+        </p:txBody>
+      </p:sp>
+      <p:sp>
+        <p:nvSpPr>
+          <p:cNvPr id="7" name="Rectangle : coins arrondis 6">
+            <a:extLst>
+              <a:ext uri="{FF2B5EF4-FFF2-40B4-BE49-F238E27FC236}">
+                <a16:creationId xmlns:a16="http://schemas.microsoft.com/office/drawing/2014/main" id="{229334F3-F290-F36A-7A6F-9958386B80B1}"/>
+              </a:ext>
+            </a:extLst>
+          </p:cNvPr>
+          <p:cNvSpPr/>
+          <p:nvPr/>
+        </p:nvSpPr>
+        <p:spPr>
+          <a:xfrm>
+            <a:off x="3218894" y="2236003"/>
+            <a:ext cx="1440000" cy="540000"/>
+          </a:xfrm>
+          <a:prstGeom prst="roundRect">
+            <a:avLst>
+              <a:gd name="adj" fmla="val 11914"/>
+            </a:avLst>
+          </a:prstGeom>
+          <a:solidFill>
+            <a:srgbClr val="E4EBF0"/>
+          </a:solidFill>
+          <a:ln w="19050">
+            <a:solidFill>
+              <a:srgbClr val="E4EBF0"/>
+            </a:solidFill>
+          </a:ln>
+        </p:spPr>
+        <p:style>
+          <a:lnRef idx="2">
+            <a:schemeClr val="accent1">
+              <a:shade val="50000"/>
+            </a:schemeClr>
+          </a:lnRef>
+          <a:fillRef idx="1">
+            <a:schemeClr val="accent1"/>
+          </a:fillRef>
+          <a:effectRef idx="0">
+            <a:schemeClr val="accent1"/>
+          </a:effectRef>
+          <a:fontRef idx="minor">
+            <a:schemeClr val="lt1"/>
+          </a:fontRef>
+        </p:style>
+        <p:txBody>
+          <a:bodyPr rtlCol="0" anchor="ctr"/>
+          <a:lstStyle/>
+          <a:p>
+            <a:pPr algn="ctr"/>
+            <a:r>
+              <a:rPr lang="fr-FR" sz="1200" dirty="0">
+                <a:solidFill>
+                  <a:srgbClr val="0C7391"/>
+                </a:solidFill>
+                <a:latin typeface="Arial Nova" panose="020B0504020202020204" pitchFamily="34" charset="0"/>
+              </a:rPr>
+              <a:t>Microcontrôleur </a:t>
+            </a:r>
+            <a:r>
+              <a:rPr lang="fr-FR" sz="1200" dirty="0" err="1">
+                <a:solidFill>
+                  <a:srgbClr val="0C7391"/>
+                </a:solidFill>
+                <a:latin typeface="Arial Nova" panose="020B0504020202020204" pitchFamily="34" charset="0"/>
+              </a:rPr>
+              <a:t>myRIO</a:t>
+            </a:r>
+            <a:endParaRPr lang="fr-FR" sz="1200" dirty="0">
+              <a:solidFill>
+                <a:srgbClr val="0C7391"/>
+              </a:solidFill>
+              <a:latin typeface="Arial Nova" panose="020B0504020202020204" pitchFamily="34" charset="0"/>
+            </a:endParaRPr>
+          </a:p>
+        </p:txBody>
+      </p:sp>
+      <p:sp>
+        <p:nvSpPr>
+          <p:cNvPr id="8" name="Rectangle : coins arrondis 7">
+            <a:extLst>
+              <a:ext uri="{FF2B5EF4-FFF2-40B4-BE49-F238E27FC236}">
+                <a16:creationId xmlns:a16="http://schemas.microsoft.com/office/drawing/2014/main" id="{C0B47603-5326-4E60-0B7C-45CFB48A4548}"/>
+              </a:ext>
+            </a:extLst>
+          </p:cNvPr>
+          <p:cNvSpPr/>
+          <p:nvPr/>
+        </p:nvSpPr>
+        <p:spPr>
+          <a:xfrm>
+            <a:off x="5389319" y="1420801"/>
+            <a:ext cx="1440000" cy="576000"/>
+          </a:xfrm>
+          <a:prstGeom prst="roundRect">
+            <a:avLst>
+              <a:gd name="adj" fmla="val 11914"/>
+            </a:avLst>
+          </a:prstGeom>
+          <a:noFill/>
+          <a:ln w="19050">
+            <a:solidFill>
+              <a:srgbClr val="08A559"/>
+            </a:solidFill>
+          </a:ln>
+        </p:spPr>
+        <p:style>
+          <a:lnRef idx="2">
+            <a:schemeClr val="accent1">
+              <a:shade val="50000"/>
+            </a:schemeClr>
+          </a:lnRef>
+          <a:fillRef idx="1">
+            <a:schemeClr val="accent1"/>
+          </a:fillRef>
+          <a:effectRef idx="0">
+            <a:schemeClr val="accent1"/>
+          </a:effectRef>
+          <a:fontRef idx="minor">
+            <a:schemeClr val="lt1"/>
+          </a:fontRef>
+        </p:style>
+        <p:txBody>
+          <a:bodyPr rtlCol="0" anchor="ctr"/>
+          <a:lstStyle/>
+          <a:p>
+            <a:pPr algn="ctr"/>
+            <a:r>
+              <a:rPr lang="fr-FR" sz="1400" dirty="0">
+                <a:solidFill>
+                  <a:srgbClr val="08A559"/>
+                </a:solidFill>
+                <a:latin typeface="Arial Nova" panose="020B0504020202020204" pitchFamily="34" charset="0"/>
+              </a:rPr>
+              <a:t>Communiquer</a:t>
+            </a:r>
+          </a:p>
+        </p:txBody>
+      </p:sp>
+      <p:sp>
+        <p:nvSpPr>
+          <p:cNvPr id="9" name="Rectangle : coins arrondis 8">
+            <a:extLst>
+              <a:ext uri="{FF2B5EF4-FFF2-40B4-BE49-F238E27FC236}">
+                <a16:creationId xmlns:a16="http://schemas.microsoft.com/office/drawing/2014/main" id="{C536A53F-6DFE-B8A6-A622-1C25A0B107B1}"/>
+              </a:ext>
+            </a:extLst>
+          </p:cNvPr>
+          <p:cNvSpPr/>
+          <p:nvPr/>
+        </p:nvSpPr>
+        <p:spPr>
+          <a:xfrm>
+            <a:off x="5389319" y="2214770"/>
+            <a:ext cx="1406281" cy="534390"/>
+          </a:xfrm>
+          <a:prstGeom prst="roundRect">
+            <a:avLst>
+              <a:gd name="adj" fmla="val 11914"/>
+            </a:avLst>
+          </a:prstGeom>
+          <a:solidFill>
+            <a:srgbClr val="E8F3E8"/>
+          </a:solidFill>
+          <a:ln w="19050">
+            <a:solidFill>
+              <a:srgbClr val="E8F3E8"/>
+            </a:solidFill>
+          </a:ln>
+        </p:spPr>
+        <p:style>
+          <a:lnRef idx="2">
+            <a:schemeClr val="accent1">
+              <a:shade val="50000"/>
+            </a:schemeClr>
+          </a:lnRef>
+          <a:fillRef idx="1">
+            <a:schemeClr val="accent1"/>
+          </a:fillRef>
+          <a:effectRef idx="0">
+            <a:schemeClr val="accent1"/>
+          </a:effectRef>
+          <a:fontRef idx="minor">
+            <a:schemeClr val="lt1"/>
+          </a:fontRef>
+        </p:style>
+        <p:txBody>
+          <a:bodyPr rtlCol="0" anchor="ctr"/>
+          <a:lstStyle/>
+          <a:p>
+            <a:pPr algn="ctr"/>
+            <a:r>
+              <a:rPr lang="fr-FR" sz="1200" dirty="0">
+                <a:solidFill>
+                  <a:srgbClr val="08A559"/>
+                </a:solidFill>
+                <a:latin typeface="Arial Nova" panose="020B0504020202020204" pitchFamily="34" charset="0"/>
+              </a:rPr>
+              <a:t>Microcontrôleur </a:t>
+            </a:r>
+            <a:r>
+              <a:rPr lang="fr-FR" sz="1200" dirty="0" err="1">
+                <a:solidFill>
+                  <a:srgbClr val="08A559"/>
+                </a:solidFill>
+                <a:latin typeface="Arial Nova" panose="020B0504020202020204" pitchFamily="34" charset="0"/>
+              </a:rPr>
+              <a:t>myRIO</a:t>
+            </a:r>
+            <a:endParaRPr lang="fr-FR" sz="1200" dirty="0">
+              <a:solidFill>
+                <a:srgbClr val="08A559"/>
+              </a:solidFill>
+              <a:latin typeface="Arial Nova" panose="020B0504020202020204" pitchFamily="34" charset="0"/>
+            </a:endParaRPr>
+          </a:p>
+        </p:txBody>
+      </p:sp>
+      <p:sp>
+        <p:nvSpPr>
+          <p:cNvPr id="10" name="Rectangle : coins arrondis 9">
+            <a:extLst>
+              <a:ext uri="{FF2B5EF4-FFF2-40B4-BE49-F238E27FC236}">
+                <a16:creationId xmlns:a16="http://schemas.microsoft.com/office/drawing/2014/main" id="{02E616E4-6585-8EDB-3641-FB3892D27550}"/>
+              </a:ext>
+            </a:extLst>
+          </p:cNvPr>
+          <p:cNvSpPr/>
+          <p:nvPr/>
+        </p:nvSpPr>
+        <p:spPr>
+          <a:xfrm>
+            <a:off x="1056905" y="3437532"/>
+            <a:ext cx="1440000" cy="540000"/>
+          </a:xfrm>
+          <a:prstGeom prst="roundRect">
+            <a:avLst>
+              <a:gd name="adj" fmla="val 11914"/>
+            </a:avLst>
+          </a:prstGeom>
+          <a:noFill/>
+          <a:ln w="19050">
+            <a:solidFill>
+              <a:srgbClr val="FDAD57"/>
+            </a:solidFill>
+          </a:ln>
+        </p:spPr>
+        <p:style>
+          <a:lnRef idx="2">
+            <a:schemeClr val="accent1">
+              <a:shade val="50000"/>
+            </a:schemeClr>
+          </a:lnRef>
+          <a:fillRef idx="1">
+            <a:schemeClr val="accent1"/>
+          </a:fillRef>
+          <a:effectRef idx="0">
+            <a:schemeClr val="accent1"/>
+          </a:effectRef>
+          <a:fontRef idx="minor">
+            <a:schemeClr val="lt1"/>
+          </a:fontRef>
+        </p:style>
+        <p:txBody>
+          <a:bodyPr rtlCol="0" anchor="ctr"/>
+          <a:lstStyle/>
+          <a:p>
+            <a:pPr algn="ctr"/>
+            <a:r>
+              <a:rPr lang="fr-FR" sz="1400" dirty="0">
+                <a:solidFill>
+                  <a:srgbClr val="FDAD57"/>
+                </a:solidFill>
+                <a:latin typeface="Arial Nova" panose="020B0504020202020204" pitchFamily="34" charset="0"/>
+              </a:rPr>
+              <a:t>Alimenter</a:t>
+            </a:r>
+          </a:p>
+        </p:txBody>
+      </p:sp>
+      <p:sp>
+        <p:nvSpPr>
+          <p:cNvPr id="11" name="Rectangle : coins arrondis 10">
+            <a:extLst>
+              <a:ext uri="{FF2B5EF4-FFF2-40B4-BE49-F238E27FC236}">
+                <a16:creationId xmlns:a16="http://schemas.microsoft.com/office/drawing/2014/main" id="{54C8CE4F-8E49-A29B-84D6-230B2F42B7C8}"/>
+              </a:ext>
+            </a:extLst>
+          </p:cNvPr>
+          <p:cNvSpPr/>
+          <p:nvPr/>
+        </p:nvSpPr>
+        <p:spPr>
+          <a:xfrm>
+            <a:off x="1056905" y="4132287"/>
+            <a:ext cx="1440000" cy="540000"/>
+          </a:xfrm>
+          <a:prstGeom prst="roundRect">
+            <a:avLst>
+              <a:gd name="adj" fmla="val 11914"/>
+            </a:avLst>
+          </a:prstGeom>
+          <a:solidFill>
+            <a:srgbClr val="FEE6CC"/>
+          </a:solidFill>
+          <a:ln w="19050">
+            <a:solidFill>
+              <a:srgbClr val="FEE6CC"/>
+            </a:solidFill>
+          </a:ln>
+        </p:spPr>
+        <p:style>
+          <a:lnRef idx="2">
+            <a:schemeClr val="accent1">
+              <a:shade val="50000"/>
+            </a:schemeClr>
+          </a:lnRef>
+          <a:fillRef idx="1">
+            <a:schemeClr val="accent1"/>
+          </a:fillRef>
+          <a:effectRef idx="0">
+            <a:schemeClr val="accent1"/>
+          </a:effectRef>
+          <a:fontRef idx="minor">
+            <a:schemeClr val="lt1"/>
+          </a:fontRef>
+        </p:style>
+        <p:txBody>
+          <a:bodyPr rtlCol="0" anchor="ctr"/>
+          <a:lstStyle/>
+          <a:p>
+            <a:pPr algn="ctr"/>
+            <a:r>
+              <a:rPr lang="fr-FR" sz="1200" dirty="0">
+                <a:solidFill>
+                  <a:srgbClr val="FDAD57"/>
+                </a:solidFill>
+                <a:latin typeface="Arial Nova" panose="020B0504020202020204" pitchFamily="34" charset="0"/>
+              </a:rPr>
+              <a:t>Alimentation 24 V</a:t>
+            </a:r>
+          </a:p>
+        </p:txBody>
+      </p:sp>
+      <p:sp>
+        <p:nvSpPr>
+          <p:cNvPr id="12" name="Rectangle : coins arrondis 11">
+            <a:extLst>
+              <a:ext uri="{FF2B5EF4-FFF2-40B4-BE49-F238E27FC236}">
+                <a16:creationId xmlns:a16="http://schemas.microsoft.com/office/drawing/2014/main" id="{11F4350B-525A-AAC7-1718-1760F47B10C4}"/>
+              </a:ext>
+            </a:extLst>
+          </p:cNvPr>
+          <p:cNvSpPr/>
+          <p:nvPr/>
+        </p:nvSpPr>
+        <p:spPr>
+          <a:xfrm>
+            <a:off x="3218894" y="3432769"/>
+            <a:ext cx="1440000" cy="540000"/>
+          </a:xfrm>
+          <a:prstGeom prst="roundRect">
+            <a:avLst>
+              <a:gd name="adj" fmla="val 11914"/>
+            </a:avLst>
+          </a:prstGeom>
+          <a:noFill/>
+          <a:ln w="19050">
+            <a:solidFill>
+              <a:srgbClr val="0C7391"/>
+            </a:solidFill>
+          </a:ln>
+        </p:spPr>
+        <p:style>
+          <a:lnRef idx="2">
+            <a:schemeClr val="accent1">
+              <a:shade val="50000"/>
+            </a:schemeClr>
+          </a:lnRef>
+          <a:fillRef idx="1">
+            <a:schemeClr val="accent1"/>
+          </a:fillRef>
+          <a:effectRef idx="0">
+            <a:schemeClr val="accent1"/>
+          </a:effectRef>
+          <a:fontRef idx="minor">
+            <a:schemeClr val="lt1"/>
+          </a:fontRef>
+        </p:style>
+        <p:txBody>
+          <a:bodyPr rtlCol="0" anchor="ctr"/>
+          <a:lstStyle/>
+          <a:p>
+            <a:pPr algn="ctr"/>
+            <a:r>
+              <a:rPr lang="fr-FR" sz="1400" dirty="0">
+                <a:solidFill>
+                  <a:srgbClr val="0C7391"/>
+                </a:solidFill>
+                <a:latin typeface="Arial Nova" panose="020B0504020202020204" pitchFamily="34" charset="0"/>
+              </a:rPr>
+              <a:t>Distribuer</a:t>
+            </a:r>
+          </a:p>
+        </p:txBody>
+      </p:sp>
+      <p:sp>
+        <p:nvSpPr>
+          <p:cNvPr id="13" name="Rectangle : coins arrondis 12">
+            <a:extLst>
+              <a:ext uri="{FF2B5EF4-FFF2-40B4-BE49-F238E27FC236}">
+                <a16:creationId xmlns:a16="http://schemas.microsoft.com/office/drawing/2014/main" id="{DAF9948E-86FE-F7CD-BCE3-387099E8F8F2}"/>
+              </a:ext>
+            </a:extLst>
+          </p:cNvPr>
+          <p:cNvSpPr/>
+          <p:nvPr/>
+        </p:nvSpPr>
+        <p:spPr>
+          <a:xfrm>
+            <a:off x="3229319" y="4117990"/>
+            <a:ext cx="1440000" cy="540000"/>
+          </a:xfrm>
+          <a:prstGeom prst="roundRect">
+            <a:avLst>
+              <a:gd name="adj" fmla="val 11914"/>
+            </a:avLst>
+          </a:prstGeom>
+          <a:solidFill>
+            <a:srgbClr val="9EC7D3"/>
+          </a:solidFill>
+          <a:ln w="19050">
+            <a:solidFill>
+              <a:srgbClr val="9EC7D3"/>
+            </a:solidFill>
+          </a:ln>
+        </p:spPr>
+        <p:style>
+          <a:lnRef idx="2">
+            <a:schemeClr val="accent1">
+              <a:shade val="50000"/>
+            </a:schemeClr>
+          </a:lnRef>
+          <a:fillRef idx="1">
+            <a:schemeClr val="accent1"/>
+          </a:fillRef>
+          <a:effectRef idx="0">
+            <a:schemeClr val="accent1"/>
+          </a:effectRef>
+          <a:fontRef idx="minor">
+            <a:schemeClr val="lt1"/>
+          </a:fontRef>
+        </p:style>
+        <p:txBody>
+          <a:bodyPr rtlCol="0" anchor="ctr"/>
+          <a:lstStyle/>
+          <a:p>
+            <a:pPr algn="ctr"/>
+            <a:r>
+              <a:rPr lang="fr-FR" sz="1200" dirty="0">
+                <a:solidFill>
+                  <a:srgbClr val="0C7391"/>
+                </a:solidFill>
+                <a:latin typeface="Arial Nova" panose="020B0504020202020204" pitchFamily="34" charset="0"/>
+              </a:rPr>
+              <a:t>Hacheur </a:t>
+            </a:r>
+          </a:p>
+          <a:p>
+            <a:pPr algn="ctr"/>
+            <a:r>
+              <a:rPr lang="fr-FR" sz="1200" dirty="0">
+                <a:solidFill>
+                  <a:srgbClr val="0C7391"/>
+                </a:solidFill>
+                <a:latin typeface="Arial Nova" panose="020B0504020202020204" pitchFamily="34" charset="0"/>
+              </a:rPr>
+              <a:t>(Variateur)</a:t>
+            </a:r>
+          </a:p>
+        </p:txBody>
+      </p:sp>
+      <p:sp>
+        <p:nvSpPr>
+          <p:cNvPr id="14" name="Rectangle : coins arrondis 13">
+            <a:extLst>
+              <a:ext uri="{FF2B5EF4-FFF2-40B4-BE49-F238E27FC236}">
+                <a16:creationId xmlns:a16="http://schemas.microsoft.com/office/drawing/2014/main" id="{2CC496D5-A2DF-9F2E-598B-D02C0E3B8F06}"/>
+              </a:ext>
+            </a:extLst>
+          </p:cNvPr>
+          <p:cNvSpPr/>
+          <p:nvPr/>
+        </p:nvSpPr>
+        <p:spPr>
+          <a:xfrm>
+            <a:off x="5380883" y="3437532"/>
+            <a:ext cx="1440000" cy="540000"/>
+          </a:xfrm>
+          <a:prstGeom prst="roundRect">
+            <a:avLst>
+              <a:gd name="adj" fmla="val 11914"/>
+            </a:avLst>
+          </a:prstGeom>
+          <a:noFill/>
+          <a:ln w="19050">
+            <a:solidFill>
+              <a:srgbClr val="68348B"/>
+            </a:solidFill>
+          </a:ln>
+        </p:spPr>
+        <p:style>
+          <a:lnRef idx="2">
+            <a:schemeClr val="accent1">
+              <a:shade val="50000"/>
+            </a:schemeClr>
+          </a:lnRef>
+          <a:fillRef idx="1">
+            <a:schemeClr val="accent1"/>
+          </a:fillRef>
+          <a:effectRef idx="0">
+            <a:schemeClr val="accent1"/>
+          </a:effectRef>
+          <a:fontRef idx="minor">
+            <a:schemeClr val="lt1"/>
+          </a:fontRef>
+        </p:style>
+        <p:txBody>
+          <a:bodyPr rtlCol="0" anchor="ctr"/>
+          <a:lstStyle/>
+          <a:p>
+            <a:pPr algn="ctr"/>
+            <a:r>
+              <a:rPr lang="fr-FR" sz="1400" dirty="0">
+                <a:solidFill>
+                  <a:srgbClr val="68348B"/>
+                </a:solidFill>
+                <a:latin typeface="Arial Nova" panose="020B0504020202020204" pitchFamily="34" charset="0"/>
+              </a:rPr>
+              <a:t>Convertir</a:t>
+            </a:r>
+          </a:p>
+        </p:txBody>
+      </p:sp>
+      <p:sp>
+        <p:nvSpPr>
+          <p:cNvPr id="15" name="Rectangle : coins arrondis 14">
+            <a:extLst>
+              <a:ext uri="{FF2B5EF4-FFF2-40B4-BE49-F238E27FC236}">
+                <a16:creationId xmlns:a16="http://schemas.microsoft.com/office/drawing/2014/main" id="{EA2E9817-45BE-438F-3991-B8518149EB16}"/>
+              </a:ext>
+            </a:extLst>
+          </p:cNvPr>
+          <p:cNvSpPr/>
+          <p:nvPr/>
+        </p:nvSpPr>
+        <p:spPr>
+          <a:xfrm>
+            <a:off x="5389319" y="4117990"/>
+            <a:ext cx="1440000" cy="540000"/>
+          </a:xfrm>
+          <a:prstGeom prst="roundRect">
+            <a:avLst>
+              <a:gd name="adj" fmla="val 11914"/>
+            </a:avLst>
+          </a:prstGeom>
+          <a:solidFill>
+            <a:srgbClr val="C3AED1"/>
+          </a:solidFill>
+          <a:ln w="19050">
+            <a:solidFill>
+              <a:srgbClr val="C3AED1"/>
+            </a:solidFill>
+          </a:ln>
+        </p:spPr>
+        <p:style>
+          <a:lnRef idx="2">
+            <a:schemeClr val="accent1">
+              <a:shade val="50000"/>
+            </a:schemeClr>
+          </a:lnRef>
+          <a:fillRef idx="1">
+            <a:schemeClr val="accent1"/>
+          </a:fillRef>
+          <a:effectRef idx="0">
+            <a:schemeClr val="accent1"/>
+          </a:effectRef>
+          <a:fontRef idx="minor">
+            <a:schemeClr val="lt1"/>
+          </a:fontRef>
+        </p:style>
+        <p:txBody>
+          <a:bodyPr rtlCol="0" anchor="ctr"/>
+          <a:lstStyle/>
+          <a:p>
+            <a:pPr algn="ctr"/>
+            <a:r>
+              <a:rPr lang="fr-FR" sz="1200" dirty="0">
+                <a:solidFill>
+                  <a:srgbClr val="68348B"/>
+                </a:solidFill>
+                <a:latin typeface="Arial Nova" panose="020B0504020202020204" pitchFamily="34" charset="0"/>
+              </a:rPr>
+              <a:t>Moteur CC</a:t>
+            </a:r>
+          </a:p>
+        </p:txBody>
+      </p:sp>
+      <p:sp>
+        <p:nvSpPr>
+          <p:cNvPr id="16" name="Rectangle : coins arrondis 15">
+            <a:extLst>
+              <a:ext uri="{FF2B5EF4-FFF2-40B4-BE49-F238E27FC236}">
+                <a16:creationId xmlns:a16="http://schemas.microsoft.com/office/drawing/2014/main" id="{DA508BAB-BD61-C833-9445-B93FC99E55EE}"/>
+              </a:ext>
+            </a:extLst>
+          </p:cNvPr>
+          <p:cNvSpPr/>
+          <p:nvPr/>
+        </p:nvSpPr>
+        <p:spPr>
+          <a:xfrm>
+            <a:off x="7542872" y="3440639"/>
+            <a:ext cx="1365662" cy="534390"/>
+          </a:xfrm>
+          <a:prstGeom prst="roundRect">
+            <a:avLst>
+              <a:gd name="adj" fmla="val 11914"/>
+            </a:avLst>
+          </a:prstGeom>
+          <a:noFill/>
+          <a:ln w="19050">
+            <a:solidFill>
+              <a:srgbClr val="EE685D"/>
+            </a:solidFill>
+          </a:ln>
+        </p:spPr>
+        <p:style>
+          <a:lnRef idx="2">
+            <a:schemeClr val="accent1">
+              <a:shade val="50000"/>
+            </a:schemeClr>
+          </a:lnRef>
+          <a:fillRef idx="1">
+            <a:schemeClr val="accent1"/>
+          </a:fillRef>
+          <a:effectRef idx="0">
+            <a:schemeClr val="accent1"/>
+          </a:effectRef>
+          <a:fontRef idx="minor">
+            <a:schemeClr val="lt1"/>
+          </a:fontRef>
+        </p:style>
+        <p:txBody>
+          <a:bodyPr rtlCol="0" anchor="ctr"/>
+          <a:lstStyle/>
+          <a:p>
+            <a:pPr algn="ctr"/>
+            <a:r>
+              <a:rPr lang="fr-FR" sz="1400" dirty="0">
+                <a:solidFill>
+                  <a:srgbClr val="EE685D"/>
+                </a:solidFill>
+                <a:latin typeface="Arial Nova" panose="020B0504020202020204" pitchFamily="34" charset="0"/>
+              </a:rPr>
+              <a:t>Transmettre</a:t>
+            </a:r>
+          </a:p>
+        </p:txBody>
+      </p:sp>
+      <p:sp>
+        <p:nvSpPr>
+          <p:cNvPr id="17" name="Rectangle : coins arrondis 16">
+            <a:extLst>
+              <a:ext uri="{FF2B5EF4-FFF2-40B4-BE49-F238E27FC236}">
+                <a16:creationId xmlns:a16="http://schemas.microsoft.com/office/drawing/2014/main" id="{3490B18D-6E36-38FC-B025-3EBC7E2777A7}"/>
+              </a:ext>
+            </a:extLst>
+          </p:cNvPr>
+          <p:cNvSpPr/>
+          <p:nvPr/>
+        </p:nvSpPr>
+        <p:spPr>
+          <a:xfrm>
+            <a:off x="7549319" y="4097487"/>
+            <a:ext cx="1365662" cy="534390"/>
+          </a:xfrm>
+          <a:prstGeom prst="roundRect">
+            <a:avLst>
+              <a:gd name="adj" fmla="val 11914"/>
+            </a:avLst>
+          </a:prstGeom>
+          <a:solidFill>
+            <a:srgbClr val="F7B8B3"/>
+          </a:solidFill>
+          <a:ln w="19050">
+            <a:solidFill>
+              <a:srgbClr val="F7B8B3"/>
+            </a:solidFill>
+          </a:ln>
+        </p:spPr>
+        <p:style>
+          <a:lnRef idx="2">
+            <a:schemeClr val="accent1">
+              <a:shade val="50000"/>
+            </a:schemeClr>
+          </a:lnRef>
+          <a:fillRef idx="1">
+            <a:schemeClr val="accent1"/>
+          </a:fillRef>
+          <a:effectRef idx="0">
+            <a:schemeClr val="accent1"/>
+          </a:effectRef>
+          <a:fontRef idx="minor">
+            <a:schemeClr val="lt1"/>
+          </a:fontRef>
+        </p:style>
+        <p:txBody>
+          <a:bodyPr rtlCol="0" anchor="ctr"/>
+          <a:lstStyle/>
+          <a:p>
+            <a:pPr algn="ctr"/>
+            <a:r>
+              <a:rPr lang="fr-FR" sz="1100" dirty="0">
+                <a:solidFill>
+                  <a:srgbClr val="EE685D"/>
+                </a:solidFill>
+                <a:latin typeface="Arial Nova" panose="020B0504020202020204" pitchFamily="34" charset="0"/>
+              </a:rPr>
+              <a:t>Train épicycloïdal</a:t>
+            </a:r>
+          </a:p>
+          <a:p>
+            <a:pPr algn="ctr"/>
+            <a:r>
+              <a:rPr lang="fr-FR" sz="1100" dirty="0">
+                <a:solidFill>
+                  <a:srgbClr val="EE685D"/>
+                </a:solidFill>
+                <a:latin typeface="Arial Nova" panose="020B0504020202020204" pitchFamily="34" charset="0"/>
+              </a:rPr>
+              <a:t>+ Train simple</a:t>
+            </a:r>
+          </a:p>
+        </p:txBody>
+      </p:sp>
+      <p:grpSp>
+        <p:nvGrpSpPr>
+          <p:cNvPr id="18" name="Groupe 17">
+            <a:extLst>
+              <a:ext uri="{FF2B5EF4-FFF2-40B4-BE49-F238E27FC236}">
+                <a16:creationId xmlns:a16="http://schemas.microsoft.com/office/drawing/2014/main" id="{39B73902-081D-4F80-D568-98D692B2A01B}"/>
+              </a:ext>
+            </a:extLst>
+          </p:cNvPr>
+          <p:cNvGrpSpPr/>
+          <p:nvPr/>
+        </p:nvGrpSpPr>
+        <p:grpSpPr>
+          <a:xfrm>
+            <a:off x="1304511" y="1903819"/>
+            <a:ext cx="360000" cy="360000"/>
+            <a:chOff x="5404964" y="4396133"/>
+            <a:chExt cx="1800000" cy="1800000"/>
+          </a:xfrm>
+        </p:grpSpPr>
+        <p:sp>
+          <p:nvSpPr>
+            <p:cNvPr id="19" name="Ellipse 18">
+              <a:extLst>
+                <a:ext uri="{FF2B5EF4-FFF2-40B4-BE49-F238E27FC236}">
+                  <a16:creationId xmlns:a16="http://schemas.microsoft.com/office/drawing/2014/main" id="{16E6954B-5DCB-8A06-1F2B-7049303F5B83}"/>
+                </a:ext>
+              </a:extLst>
+            </p:cNvPr>
+            <p:cNvSpPr/>
+            <p:nvPr/>
+          </p:nvSpPr>
+          <p:spPr>
+            <a:xfrm>
+              <a:off x="5404964" y="4396133"/>
+              <a:ext cx="1800000" cy="1800000"/>
+            </a:xfrm>
+            <a:prstGeom prst="ellipse">
+              <a:avLst/>
+            </a:prstGeom>
+            <a:solidFill>
+              <a:srgbClr val="00517A"/>
+            </a:solidFill>
+            <a:ln>
+              <a:noFill/>
+            </a:ln>
+          </p:spPr>
+          <p:style>
+            <a:lnRef idx="2">
+              <a:schemeClr val="accent1">
+                <a:shade val="50000"/>
+              </a:schemeClr>
+            </a:lnRef>
+            <a:fillRef idx="1">
+              <a:schemeClr val="accent1"/>
+            </a:fillRef>
+            <a:effectRef idx="0">
+              <a:schemeClr val="accent1"/>
+            </a:effectRef>
+            <a:fontRef idx="minor">
+              <a:schemeClr val="lt1"/>
+            </a:fontRef>
+          </p:style>
+          <p:txBody>
+            <a:bodyPr rtlCol="0" anchor="ctr"/>
+            <a:lstStyle/>
+            <a:p>
+              <a:pPr algn="ctr"/>
+              <a:endParaRPr lang="fr-FR"/>
+            </a:p>
+          </p:txBody>
+        </p:sp>
+        <p:pic>
+          <p:nvPicPr>
+            <p:cNvPr id="20" name="Image 19">
+              <a:extLst>
+                <a:ext uri="{FF2B5EF4-FFF2-40B4-BE49-F238E27FC236}">
+                  <a16:creationId xmlns:a16="http://schemas.microsoft.com/office/drawing/2014/main" id="{B3827407-3BBC-08FF-4D78-583BE7FC8D72}"/>
+                </a:ext>
+              </a:extLst>
+            </p:cNvPr>
+            <p:cNvPicPr>
+              <a:picLocks noChangeAspect="1"/>
+            </p:cNvPicPr>
+            <p:nvPr/>
+          </p:nvPicPr>
+          <p:blipFill>
+            <a:blip r:embed="rId2"/>
+            <a:stretch>
+              <a:fillRect/>
+            </a:stretch>
+          </p:blipFill>
+          <p:spPr>
+            <a:xfrm>
+              <a:off x="5543445" y="4536296"/>
+              <a:ext cx="1358232" cy="1440000"/>
+            </a:xfrm>
+            <a:prstGeom prst="rect">
+              <a:avLst/>
+            </a:prstGeom>
+          </p:spPr>
+        </p:pic>
+      </p:grpSp>
       <p:pic>
         <p:nvPicPr>
-          <p:cNvPr id="4" name="Image 3">
-            <a:extLst>
-              <a:ext uri="{FF2B5EF4-FFF2-40B4-BE49-F238E27FC236}">
-                <a16:creationId xmlns:a16="http://schemas.microsoft.com/office/drawing/2014/main" id="{9013CBB3-058B-126D-776C-727976D2A563}"/>
-              </a:ext>
-            </a:extLst>
-          </p:cNvPr>
-          <p:cNvPicPr>
-            <a:picLocks noChangeAspect="1"/>
-          </p:cNvPicPr>
-          <p:nvPr/>
-        </p:nvPicPr>
-        <p:blipFill>
-          <a:blip r:embed="rId2"/>
-          <a:stretch>
-            <a:fillRect/>
-          </a:stretch>
-        </p:blipFill>
-        <p:spPr>
-          <a:xfrm>
-            <a:off x="299356" y="152636"/>
-            <a:ext cx="3600000" cy="3600000"/>
-          </a:xfrm>
-          <a:prstGeom prst="rect">
-            <a:avLst/>
-          </a:prstGeom>
-        </p:spPr>
-      </p:pic>
-      <p:pic>
-        <p:nvPicPr>
-          <p:cNvPr id="6" name="Image 5">
-            <a:extLst>
-              <a:ext uri="{FF2B5EF4-FFF2-40B4-BE49-F238E27FC236}">
-                <a16:creationId xmlns:a16="http://schemas.microsoft.com/office/drawing/2014/main" id="{9DCA4DB5-43A1-115F-5117-E2E6A6C12DC8}"/>
+          <p:cNvPr id="21" name="Image 20">
+            <a:extLst>
+              <a:ext uri="{FF2B5EF4-FFF2-40B4-BE49-F238E27FC236}">
+                <a16:creationId xmlns:a16="http://schemas.microsoft.com/office/drawing/2014/main" id="{476D4C05-D3B0-9CE5-A852-730C39D25A7E}"/>
               </a:ext>
             </a:extLst>
           </p:cNvPr>
@@ -15887,18 +16938,2361 @@
         </p:blipFill>
         <p:spPr>
           <a:xfrm>
-            <a:off x="4692646" y="158428"/>
-            <a:ext cx="3600000" cy="3600000"/>
+            <a:off x="2624826" y="1498649"/>
+            <a:ext cx="434918" cy="152010"/>
           </a:xfrm>
           <a:prstGeom prst="rect">
             <a:avLst/>
           </a:prstGeom>
         </p:spPr>
       </p:pic>
+      <p:cxnSp>
+        <p:nvCxnSpPr>
+          <p:cNvPr id="22" name="Connecteur droit avec flèche 21">
+            <a:extLst>
+              <a:ext uri="{FF2B5EF4-FFF2-40B4-BE49-F238E27FC236}">
+                <a16:creationId xmlns:a16="http://schemas.microsoft.com/office/drawing/2014/main" id="{DBCE8BA8-A316-8F13-A889-0AF0827CD973}"/>
+              </a:ext>
+            </a:extLst>
+          </p:cNvPr>
+          <p:cNvCxnSpPr>
+            <a:cxnSpLocks/>
+          </p:cNvCxnSpPr>
+          <p:nvPr/>
+        </p:nvCxnSpPr>
+        <p:spPr>
+          <a:xfrm flipV="1">
+            <a:off x="2496905" y="1722751"/>
+            <a:ext cx="720000" cy="1536"/>
+          </a:xfrm>
+          <a:prstGeom prst="straightConnector1">
+            <a:avLst/>
+          </a:prstGeom>
+          <a:ln w="25400" cap="rnd">
+            <a:solidFill>
+              <a:srgbClr val="004F77"/>
+            </a:solidFill>
+            <a:tailEnd type="triangle" w="med" len="lg"/>
+          </a:ln>
+        </p:spPr>
+        <p:style>
+          <a:lnRef idx="1">
+            <a:schemeClr val="accent1"/>
+          </a:lnRef>
+          <a:fillRef idx="0">
+            <a:schemeClr val="accent1"/>
+          </a:fillRef>
+          <a:effectRef idx="0">
+            <a:schemeClr val="accent1"/>
+          </a:effectRef>
+          <a:fontRef idx="minor">
+            <a:schemeClr val="tx1"/>
+          </a:fontRef>
+        </p:style>
+      </p:cxnSp>
+      <p:cxnSp>
+        <p:nvCxnSpPr>
+          <p:cNvPr id="23" name="Connecteur droit avec flèche 22">
+            <a:extLst>
+              <a:ext uri="{FF2B5EF4-FFF2-40B4-BE49-F238E27FC236}">
+                <a16:creationId xmlns:a16="http://schemas.microsoft.com/office/drawing/2014/main" id="{09F5F46C-0942-CF5D-269D-15340AD7A61D}"/>
+              </a:ext>
+            </a:extLst>
+          </p:cNvPr>
+          <p:cNvCxnSpPr/>
+          <p:nvPr/>
+        </p:nvCxnSpPr>
+        <p:spPr>
+          <a:xfrm flipV="1">
+            <a:off x="4669319" y="1708801"/>
+            <a:ext cx="720000" cy="1536"/>
+          </a:xfrm>
+          <a:prstGeom prst="straightConnector1">
+            <a:avLst/>
+          </a:prstGeom>
+          <a:ln w="25400" cap="rnd">
+            <a:solidFill>
+              <a:srgbClr val="004F77"/>
+            </a:solidFill>
+            <a:tailEnd type="triangle" w="med" len="lg"/>
+          </a:ln>
+        </p:spPr>
+        <p:style>
+          <a:lnRef idx="1">
+            <a:schemeClr val="accent1"/>
+          </a:lnRef>
+          <a:fillRef idx="0">
+            <a:schemeClr val="accent1"/>
+          </a:fillRef>
+          <a:effectRef idx="0">
+            <a:schemeClr val="accent1"/>
+          </a:effectRef>
+          <a:fontRef idx="minor">
+            <a:schemeClr val="tx1"/>
+          </a:fontRef>
+        </p:style>
+      </p:cxnSp>
+      <p:pic>
+        <p:nvPicPr>
+          <p:cNvPr id="24" name="Image 23">
+            <a:extLst>
+              <a:ext uri="{FF2B5EF4-FFF2-40B4-BE49-F238E27FC236}">
+                <a16:creationId xmlns:a16="http://schemas.microsoft.com/office/drawing/2014/main" id="{A8F99B85-9125-2E7C-9236-1284B6EFE2C8}"/>
+              </a:ext>
+            </a:extLst>
+          </p:cNvPr>
+          <p:cNvPicPr>
+            <a:picLocks noChangeAspect="1"/>
+          </p:cNvPicPr>
+          <p:nvPr/>
+        </p:nvPicPr>
+        <p:blipFill>
+          <a:blip r:embed="rId4"/>
+          <a:stretch>
+            <a:fillRect/>
+          </a:stretch>
+        </p:blipFill>
+        <p:spPr>
+          <a:xfrm>
+            <a:off x="4838894" y="1313442"/>
+            <a:ext cx="360000" cy="360000"/>
+          </a:xfrm>
+          <a:prstGeom prst="rect">
+            <a:avLst/>
+          </a:prstGeom>
+        </p:spPr>
+      </p:pic>
+      <p:cxnSp>
+        <p:nvCxnSpPr>
+          <p:cNvPr id="25" name="Connecteur droit avec flèche 24">
+            <a:extLst>
+              <a:ext uri="{FF2B5EF4-FFF2-40B4-BE49-F238E27FC236}">
+                <a16:creationId xmlns:a16="http://schemas.microsoft.com/office/drawing/2014/main" id="{FB219745-62E7-EE29-78F1-6119394D095F}"/>
+              </a:ext>
+            </a:extLst>
+          </p:cNvPr>
+          <p:cNvCxnSpPr>
+            <a:cxnSpLocks/>
+          </p:cNvCxnSpPr>
+          <p:nvPr/>
+        </p:nvCxnSpPr>
+        <p:spPr>
+          <a:xfrm flipV="1">
+            <a:off x="2509319" y="3705996"/>
+            <a:ext cx="720000" cy="1536"/>
+          </a:xfrm>
+          <a:prstGeom prst="straightConnector1">
+            <a:avLst/>
+          </a:prstGeom>
+          <a:ln w="25400" cap="rnd">
+            <a:solidFill>
+              <a:srgbClr val="FDAD57"/>
+            </a:solidFill>
+            <a:tailEnd type="triangle" w="med" len="lg"/>
+          </a:ln>
+        </p:spPr>
+        <p:style>
+          <a:lnRef idx="1">
+            <a:schemeClr val="accent1"/>
+          </a:lnRef>
+          <a:fillRef idx="0">
+            <a:schemeClr val="accent1"/>
+          </a:fillRef>
+          <a:effectRef idx="0">
+            <a:schemeClr val="accent1"/>
+          </a:effectRef>
+          <a:fontRef idx="minor">
+            <a:schemeClr val="tx1"/>
+          </a:fontRef>
+        </p:style>
+      </p:cxnSp>
+      <p:grpSp>
+        <p:nvGrpSpPr>
+          <p:cNvPr id="26" name="Groupe 25">
+            <a:extLst>
+              <a:ext uri="{FF2B5EF4-FFF2-40B4-BE49-F238E27FC236}">
+                <a16:creationId xmlns:a16="http://schemas.microsoft.com/office/drawing/2014/main" id="{C158AE61-4ABC-867F-AC05-B7D8A9263F3B}"/>
+              </a:ext>
+            </a:extLst>
+          </p:cNvPr>
+          <p:cNvGrpSpPr/>
+          <p:nvPr/>
+        </p:nvGrpSpPr>
+        <p:grpSpPr>
+          <a:xfrm>
+            <a:off x="1596905" y="3874910"/>
+            <a:ext cx="360000" cy="360000"/>
+            <a:chOff x="4197400" y="3547713"/>
+            <a:chExt cx="1800000" cy="1800000"/>
+          </a:xfrm>
+        </p:grpSpPr>
+        <p:sp>
+          <p:nvSpPr>
+            <p:cNvPr id="27" name="Ellipse 26">
+              <a:extLst>
+                <a:ext uri="{FF2B5EF4-FFF2-40B4-BE49-F238E27FC236}">
+                  <a16:creationId xmlns:a16="http://schemas.microsoft.com/office/drawing/2014/main" id="{4D80F8C4-FD4A-F00F-C722-EC65E60B0220}"/>
+                </a:ext>
+              </a:extLst>
+            </p:cNvPr>
+            <p:cNvSpPr/>
+            <p:nvPr/>
+          </p:nvSpPr>
+          <p:spPr>
+            <a:xfrm>
+              <a:off x="4197400" y="3547713"/>
+              <a:ext cx="1800000" cy="1800000"/>
+            </a:xfrm>
+            <a:prstGeom prst="ellipse">
+              <a:avLst/>
+            </a:prstGeom>
+            <a:solidFill>
+              <a:srgbClr val="FFB25A"/>
+            </a:solidFill>
+            <a:ln>
+              <a:noFill/>
+            </a:ln>
+          </p:spPr>
+          <p:style>
+            <a:lnRef idx="2">
+              <a:schemeClr val="accent1">
+                <a:shade val="50000"/>
+              </a:schemeClr>
+            </a:lnRef>
+            <a:fillRef idx="1">
+              <a:schemeClr val="accent1"/>
+            </a:fillRef>
+            <a:effectRef idx="0">
+              <a:schemeClr val="accent1"/>
+            </a:effectRef>
+            <a:fontRef idx="minor">
+              <a:schemeClr val="lt1"/>
+            </a:fontRef>
+          </p:style>
+          <p:txBody>
+            <a:bodyPr rtlCol="0" anchor="ctr"/>
+            <a:lstStyle/>
+            <a:p>
+              <a:pPr algn="ctr"/>
+              <a:endParaRPr lang="fr-FR"/>
+            </a:p>
+          </p:txBody>
+        </p:sp>
+        <p:pic>
+          <p:nvPicPr>
+            <p:cNvPr id="28" name="Image 27">
+              <a:extLst>
+                <a:ext uri="{FF2B5EF4-FFF2-40B4-BE49-F238E27FC236}">
+                  <a16:creationId xmlns:a16="http://schemas.microsoft.com/office/drawing/2014/main" id="{1B4E2BBA-7070-114D-0EAE-843513377DA2}"/>
+                </a:ext>
+              </a:extLst>
+            </p:cNvPr>
+            <p:cNvPicPr>
+              <a:picLocks noChangeAspect="1"/>
+            </p:cNvPicPr>
+            <p:nvPr/>
+          </p:nvPicPr>
+          <p:blipFill>
+            <a:blip r:embed="rId5"/>
+            <a:stretch>
+              <a:fillRect/>
+            </a:stretch>
+          </p:blipFill>
+          <p:spPr>
+            <a:xfrm>
+              <a:off x="4526157" y="3876470"/>
+              <a:ext cx="1142486" cy="1142486"/>
+            </a:xfrm>
+            <a:prstGeom prst="rect">
+              <a:avLst/>
+            </a:prstGeom>
+          </p:spPr>
+        </p:pic>
+      </p:grpSp>
+      <p:pic>
+        <p:nvPicPr>
+          <p:cNvPr id="29" name="Image 28">
+            <a:extLst>
+              <a:ext uri="{FF2B5EF4-FFF2-40B4-BE49-F238E27FC236}">
+                <a16:creationId xmlns:a16="http://schemas.microsoft.com/office/drawing/2014/main" id="{2A1C89F0-975F-0844-E9E7-B5E531B1D301}"/>
+              </a:ext>
+            </a:extLst>
+          </p:cNvPr>
+          <p:cNvPicPr>
+            <a:picLocks noChangeAspect="1"/>
+          </p:cNvPicPr>
+          <p:nvPr/>
+        </p:nvPicPr>
+        <p:blipFill>
+          <a:blip r:embed="rId6"/>
+          <a:stretch>
+            <a:fillRect/>
+          </a:stretch>
+        </p:blipFill>
+        <p:spPr>
+          <a:xfrm>
+            <a:off x="498044" y="3561065"/>
+            <a:ext cx="360000" cy="360000"/>
+          </a:xfrm>
+          <a:prstGeom prst="rect">
+            <a:avLst/>
+          </a:prstGeom>
+        </p:spPr>
+      </p:pic>
+      <p:pic>
+        <p:nvPicPr>
+          <p:cNvPr id="30" name="Image 29">
+            <a:extLst>
+              <a:ext uri="{FF2B5EF4-FFF2-40B4-BE49-F238E27FC236}">
+                <a16:creationId xmlns:a16="http://schemas.microsoft.com/office/drawing/2014/main" id="{717AD3B2-D17B-7A13-C318-897B93F4F544}"/>
+              </a:ext>
+            </a:extLst>
+          </p:cNvPr>
+          <p:cNvPicPr>
+            <a:picLocks noChangeAspect="1"/>
+          </p:cNvPicPr>
+          <p:nvPr/>
+        </p:nvPicPr>
+        <p:blipFill>
+          <a:blip r:embed="rId6"/>
+          <a:stretch>
+            <a:fillRect/>
+          </a:stretch>
+        </p:blipFill>
+        <p:spPr>
+          <a:xfrm>
+            <a:off x="2676905" y="3288253"/>
+            <a:ext cx="360000" cy="360000"/>
+          </a:xfrm>
+          <a:prstGeom prst="rect">
+            <a:avLst/>
+          </a:prstGeom>
+        </p:spPr>
+      </p:pic>
+      <p:grpSp>
+        <p:nvGrpSpPr>
+          <p:cNvPr id="31" name="Groupe 30">
+            <a:extLst>
+              <a:ext uri="{FF2B5EF4-FFF2-40B4-BE49-F238E27FC236}">
+                <a16:creationId xmlns:a16="http://schemas.microsoft.com/office/drawing/2014/main" id="{AE132412-8AA2-63D6-7459-1E971691CF69}"/>
+              </a:ext>
+            </a:extLst>
+          </p:cNvPr>
+          <p:cNvGrpSpPr/>
+          <p:nvPr/>
+        </p:nvGrpSpPr>
+        <p:grpSpPr>
+          <a:xfrm>
+            <a:off x="3769319" y="3882769"/>
+            <a:ext cx="360000" cy="360000"/>
+            <a:chOff x="6955958" y="3325976"/>
+            <a:chExt cx="1800000" cy="1800000"/>
+          </a:xfrm>
+        </p:grpSpPr>
+        <p:sp>
+          <p:nvSpPr>
+            <p:cNvPr id="32" name="Ellipse 31">
+              <a:extLst>
+                <a:ext uri="{FF2B5EF4-FFF2-40B4-BE49-F238E27FC236}">
+                  <a16:creationId xmlns:a16="http://schemas.microsoft.com/office/drawing/2014/main" id="{6F857A5D-0973-2932-6823-4D8036A44148}"/>
+                </a:ext>
+              </a:extLst>
+            </p:cNvPr>
+            <p:cNvSpPr/>
+            <p:nvPr/>
+          </p:nvSpPr>
+          <p:spPr>
+            <a:xfrm>
+              <a:off x="6955958" y="3325976"/>
+              <a:ext cx="1800000" cy="1800000"/>
+            </a:xfrm>
+            <a:prstGeom prst="ellipse">
+              <a:avLst/>
+            </a:prstGeom>
+            <a:solidFill>
+              <a:srgbClr val="0C7391"/>
+            </a:solidFill>
+            <a:ln>
+              <a:noFill/>
+            </a:ln>
+          </p:spPr>
+          <p:style>
+            <a:lnRef idx="2">
+              <a:schemeClr val="accent1">
+                <a:shade val="50000"/>
+              </a:schemeClr>
+            </a:lnRef>
+            <a:fillRef idx="1">
+              <a:schemeClr val="accent1"/>
+            </a:fillRef>
+            <a:effectRef idx="0">
+              <a:schemeClr val="accent1"/>
+            </a:effectRef>
+            <a:fontRef idx="minor">
+              <a:schemeClr val="lt1"/>
+            </a:fontRef>
+          </p:style>
+          <p:txBody>
+            <a:bodyPr rtlCol="0" anchor="ctr"/>
+            <a:lstStyle/>
+            <a:p>
+              <a:pPr algn="ctr"/>
+              <a:endParaRPr lang="fr-FR" dirty="0"/>
+            </a:p>
+          </p:txBody>
+        </p:sp>
+        <p:pic>
+          <p:nvPicPr>
+            <p:cNvPr id="33" name="Image 32">
+              <a:extLst>
+                <a:ext uri="{FF2B5EF4-FFF2-40B4-BE49-F238E27FC236}">
+                  <a16:creationId xmlns:a16="http://schemas.microsoft.com/office/drawing/2014/main" id="{13F3BFB4-6B18-C9C3-0A5B-A30E2B2BF564}"/>
+                </a:ext>
+              </a:extLst>
+            </p:cNvPr>
+            <p:cNvPicPr>
+              <a:picLocks noChangeAspect="1"/>
+            </p:cNvPicPr>
+            <p:nvPr/>
+          </p:nvPicPr>
+          <p:blipFill>
+            <a:blip r:embed="rId7"/>
+            <a:stretch>
+              <a:fillRect/>
+            </a:stretch>
+          </p:blipFill>
+          <p:spPr>
+            <a:xfrm>
+              <a:off x="7212124" y="3645024"/>
+              <a:ext cx="1394286" cy="1161904"/>
+            </a:xfrm>
+            <a:prstGeom prst="rect">
+              <a:avLst/>
+            </a:prstGeom>
+          </p:spPr>
+        </p:pic>
+        <p:pic>
+          <p:nvPicPr>
+            <p:cNvPr id="34" name="Image 33">
+              <a:extLst>
+                <a:ext uri="{FF2B5EF4-FFF2-40B4-BE49-F238E27FC236}">
+                  <a16:creationId xmlns:a16="http://schemas.microsoft.com/office/drawing/2014/main" id="{3A2B7DEE-7041-5F69-C3F8-600FB6CF6C2C}"/>
+                </a:ext>
+              </a:extLst>
+            </p:cNvPr>
+            <p:cNvPicPr>
+              <a:picLocks noChangeAspect="1"/>
+            </p:cNvPicPr>
+            <p:nvPr/>
+          </p:nvPicPr>
+          <p:blipFill>
+            <a:blip r:embed="rId8"/>
+            <a:stretch>
+              <a:fillRect/>
+            </a:stretch>
+          </p:blipFill>
+          <p:spPr>
+            <a:xfrm>
+              <a:off x="7909267" y="4072626"/>
+              <a:ext cx="246640" cy="173418"/>
+            </a:xfrm>
+            <a:prstGeom prst="rect">
+              <a:avLst/>
+            </a:prstGeom>
+          </p:spPr>
+        </p:pic>
+      </p:grpSp>
+      <p:cxnSp>
+        <p:nvCxnSpPr>
+          <p:cNvPr id="35" name="Connecteur droit avec flèche 34">
+            <a:extLst>
+              <a:ext uri="{FF2B5EF4-FFF2-40B4-BE49-F238E27FC236}">
+                <a16:creationId xmlns:a16="http://schemas.microsoft.com/office/drawing/2014/main" id="{21E5E62C-CBDF-79DB-EDB1-8D6427277EE2}"/>
+              </a:ext>
+            </a:extLst>
+          </p:cNvPr>
+          <p:cNvCxnSpPr>
+            <a:cxnSpLocks/>
+          </p:cNvCxnSpPr>
+          <p:nvPr/>
+        </p:nvCxnSpPr>
+        <p:spPr>
+          <a:xfrm flipV="1">
+            <a:off x="4669319" y="3693164"/>
+            <a:ext cx="720000" cy="1536"/>
+          </a:xfrm>
+          <a:prstGeom prst="straightConnector1">
+            <a:avLst/>
+          </a:prstGeom>
+          <a:ln w="25400" cap="rnd">
+            <a:solidFill>
+              <a:srgbClr val="0C7391"/>
+            </a:solidFill>
+            <a:tailEnd type="triangle" w="med" len="lg"/>
+          </a:ln>
+        </p:spPr>
+        <p:style>
+          <a:lnRef idx="1">
+            <a:schemeClr val="accent1"/>
+          </a:lnRef>
+          <a:fillRef idx="0">
+            <a:schemeClr val="accent1"/>
+          </a:fillRef>
+          <a:effectRef idx="0">
+            <a:schemeClr val="accent1"/>
+          </a:effectRef>
+          <a:fontRef idx="minor">
+            <a:schemeClr val="tx1"/>
+          </a:fontRef>
+        </p:style>
+      </p:cxnSp>
+      <p:pic>
+        <p:nvPicPr>
+          <p:cNvPr id="36" name="Image 35">
+            <a:extLst>
+              <a:ext uri="{FF2B5EF4-FFF2-40B4-BE49-F238E27FC236}">
+                <a16:creationId xmlns:a16="http://schemas.microsoft.com/office/drawing/2014/main" id="{80937B82-9E6B-3954-0226-74D703711172}"/>
+              </a:ext>
+            </a:extLst>
+          </p:cNvPr>
+          <p:cNvPicPr>
+            <a:picLocks noChangeAspect="1"/>
+          </p:cNvPicPr>
+          <p:nvPr/>
+        </p:nvPicPr>
+        <p:blipFill>
+          <a:blip r:embed="rId6"/>
+          <a:stretch>
+            <a:fillRect/>
+          </a:stretch>
+        </p:blipFill>
+        <p:spPr>
+          <a:xfrm>
+            <a:off x="4838894" y="3288253"/>
+            <a:ext cx="360000" cy="360000"/>
+          </a:xfrm>
+          <a:prstGeom prst="rect">
+            <a:avLst/>
+          </a:prstGeom>
+        </p:spPr>
+      </p:pic>
+      <p:grpSp>
+        <p:nvGrpSpPr>
+          <p:cNvPr id="37" name="Groupe 36">
+            <a:extLst>
+              <a:ext uri="{FF2B5EF4-FFF2-40B4-BE49-F238E27FC236}">
+                <a16:creationId xmlns:a16="http://schemas.microsoft.com/office/drawing/2014/main" id="{BA9B14FF-3E88-F532-0D45-8A4FA3CD5236}"/>
+              </a:ext>
+            </a:extLst>
+          </p:cNvPr>
+          <p:cNvGrpSpPr/>
+          <p:nvPr/>
+        </p:nvGrpSpPr>
+        <p:grpSpPr>
+          <a:xfrm>
+            <a:off x="5910458" y="3883180"/>
+            <a:ext cx="360000" cy="360000"/>
+            <a:chOff x="5775745" y="3144183"/>
+            <a:chExt cx="1800000" cy="1800000"/>
+          </a:xfrm>
+        </p:grpSpPr>
+        <p:sp>
+          <p:nvSpPr>
+            <p:cNvPr id="38" name="Ellipse 37">
+              <a:extLst>
+                <a:ext uri="{FF2B5EF4-FFF2-40B4-BE49-F238E27FC236}">
+                  <a16:creationId xmlns:a16="http://schemas.microsoft.com/office/drawing/2014/main" id="{A7187C8A-BF64-4F4A-29A7-D672904977BE}"/>
+                </a:ext>
+              </a:extLst>
+            </p:cNvPr>
+            <p:cNvSpPr/>
+            <p:nvPr/>
+          </p:nvSpPr>
+          <p:spPr>
+            <a:xfrm>
+              <a:off x="5775745" y="3144183"/>
+              <a:ext cx="1800000" cy="1800000"/>
+            </a:xfrm>
+            <a:prstGeom prst="ellipse">
+              <a:avLst/>
+            </a:prstGeom>
+            <a:solidFill>
+              <a:srgbClr val="68348B"/>
+            </a:solidFill>
+            <a:ln>
+              <a:noFill/>
+            </a:ln>
+          </p:spPr>
+          <p:style>
+            <a:lnRef idx="2">
+              <a:schemeClr val="accent1">
+                <a:shade val="50000"/>
+              </a:schemeClr>
+            </a:lnRef>
+            <a:fillRef idx="1">
+              <a:schemeClr val="accent1"/>
+            </a:fillRef>
+            <a:effectRef idx="0">
+              <a:schemeClr val="accent1"/>
+            </a:effectRef>
+            <a:fontRef idx="minor">
+              <a:schemeClr val="lt1"/>
+            </a:fontRef>
+          </p:style>
+          <p:txBody>
+            <a:bodyPr rtlCol="0" anchor="ctr"/>
+            <a:lstStyle/>
+            <a:p>
+              <a:pPr algn="ctr"/>
+              <a:endParaRPr lang="fr-FR"/>
+            </a:p>
+          </p:txBody>
+        </p:sp>
+        <p:pic>
+          <p:nvPicPr>
+            <p:cNvPr id="39" name="Image 38">
+              <a:extLst>
+                <a:ext uri="{FF2B5EF4-FFF2-40B4-BE49-F238E27FC236}">
+                  <a16:creationId xmlns:a16="http://schemas.microsoft.com/office/drawing/2014/main" id="{768675D5-02CE-BC85-A0E9-BAD176995999}"/>
+                </a:ext>
+              </a:extLst>
+            </p:cNvPr>
+            <p:cNvPicPr>
+              <a:picLocks noChangeAspect="1"/>
+            </p:cNvPicPr>
+            <p:nvPr/>
+          </p:nvPicPr>
+          <p:blipFill>
+            <a:blip r:embed="rId9"/>
+            <a:stretch>
+              <a:fillRect/>
+            </a:stretch>
+          </p:blipFill>
+          <p:spPr>
+            <a:xfrm>
+              <a:off x="5903821" y="3513485"/>
+              <a:ext cx="1543848" cy="1061396"/>
+            </a:xfrm>
+            <a:prstGeom prst="rect">
+              <a:avLst/>
+            </a:prstGeom>
+          </p:spPr>
+        </p:pic>
+      </p:grpSp>
+      <p:cxnSp>
+        <p:nvCxnSpPr>
+          <p:cNvPr id="40" name="Connecteur droit avec flèche 39">
+            <a:extLst>
+              <a:ext uri="{FF2B5EF4-FFF2-40B4-BE49-F238E27FC236}">
+                <a16:creationId xmlns:a16="http://schemas.microsoft.com/office/drawing/2014/main" id="{8487B0B5-4601-B315-08CE-F67636F0CF42}"/>
+              </a:ext>
+            </a:extLst>
+          </p:cNvPr>
+          <p:cNvCxnSpPr>
+            <a:cxnSpLocks/>
+          </p:cNvCxnSpPr>
+          <p:nvPr/>
+        </p:nvCxnSpPr>
+        <p:spPr>
+          <a:xfrm flipV="1">
+            <a:off x="6829319" y="3702769"/>
+            <a:ext cx="720000" cy="1536"/>
+          </a:xfrm>
+          <a:prstGeom prst="straightConnector1">
+            <a:avLst/>
+          </a:prstGeom>
+          <a:ln w="25400" cap="rnd">
+            <a:solidFill>
+              <a:srgbClr val="68348B"/>
+            </a:solidFill>
+            <a:tailEnd type="triangle" w="med" len="lg"/>
+          </a:ln>
+        </p:spPr>
+        <p:style>
+          <a:lnRef idx="1">
+            <a:schemeClr val="accent1"/>
+          </a:lnRef>
+          <a:fillRef idx="0">
+            <a:schemeClr val="accent1"/>
+          </a:fillRef>
+          <a:effectRef idx="0">
+            <a:schemeClr val="accent1"/>
+          </a:effectRef>
+          <a:fontRef idx="minor">
+            <a:schemeClr val="tx1"/>
+          </a:fontRef>
+        </p:style>
+      </p:cxnSp>
+      <p:grpSp>
+        <p:nvGrpSpPr>
+          <p:cNvPr id="41" name="Groupe 40">
+            <a:extLst>
+              <a:ext uri="{FF2B5EF4-FFF2-40B4-BE49-F238E27FC236}">
+                <a16:creationId xmlns:a16="http://schemas.microsoft.com/office/drawing/2014/main" id="{4C820987-660F-A302-AAF4-6FB962925C25}"/>
+              </a:ext>
+            </a:extLst>
+          </p:cNvPr>
+          <p:cNvGrpSpPr/>
+          <p:nvPr/>
+        </p:nvGrpSpPr>
+        <p:grpSpPr>
+          <a:xfrm>
+            <a:off x="8045703" y="3852099"/>
+            <a:ext cx="360000" cy="360000"/>
+            <a:chOff x="5447928" y="2816932"/>
+            <a:chExt cx="1800000" cy="1800000"/>
+          </a:xfrm>
+        </p:grpSpPr>
+        <p:sp>
+          <p:nvSpPr>
+            <p:cNvPr id="42" name="Ellipse 41">
+              <a:extLst>
+                <a:ext uri="{FF2B5EF4-FFF2-40B4-BE49-F238E27FC236}">
+                  <a16:creationId xmlns:a16="http://schemas.microsoft.com/office/drawing/2014/main" id="{5BD6D3E3-EDDF-C070-92C2-D6B68F76BF70}"/>
+                </a:ext>
+              </a:extLst>
+            </p:cNvPr>
+            <p:cNvSpPr/>
+            <p:nvPr/>
+          </p:nvSpPr>
+          <p:spPr>
+            <a:xfrm>
+              <a:off x="5447928" y="2816932"/>
+              <a:ext cx="1800000" cy="1800000"/>
+            </a:xfrm>
+            <a:prstGeom prst="ellipse">
+              <a:avLst/>
+            </a:prstGeom>
+            <a:solidFill>
+              <a:srgbClr val="EF7268"/>
+            </a:solidFill>
+            <a:ln>
+              <a:noFill/>
+            </a:ln>
+          </p:spPr>
+          <p:style>
+            <a:lnRef idx="2">
+              <a:schemeClr val="accent1">
+                <a:shade val="50000"/>
+              </a:schemeClr>
+            </a:lnRef>
+            <a:fillRef idx="1">
+              <a:schemeClr val="accent1"/>
+            </a:fillRef>
+            <a:effectRef idx="0">
+              <a:schemeClr val="accent1"/>
+            </a:effectRef>
+            <a:fontRef idx="minor">
+              <a:schemeClr val="lt1"/>
+            </a:fontRef>
+          </p:style>
+          <p:txBody>
+            <a:bodyPr rtlCol="0" anchor="ctr"/>
+            <a:lstStyle/>
+            <a:p>
+              <a:pPr algn="ctr"/>
+              <a:endParaRPr lang="fr-FR" dirty="0"/>
+            </a:p>
+          </p:txBody>
+        </p:sp>
+        <p:pic>
+          <p:nvPicPr>
+            <p:cNvPr id="43" name="Image 42">
+              <a:extLst>
+                <a:ext uri="{FF2B5EF4-FFF2-40B4-BE49-F238E27FC236}">
+                  <a16:creationId xmlns:a16="http://schemas.microsoft.com/office/drawing/2014/main" id="{4F69612A-C482-89E0-05A0-1E833FB52473}"/>
+                </a:ext>
+              </a:extLst>
+            </p:cNvPr>
+            <p:cNvPicPr>
+              <a:picLocks noChangeAspect="1"/>
+            </p:cNvPicPr>
+            <p:nvPr/>
+          </p:nvPicPr>
+          <p:blipFill>
+            <a:blip r:embed="rId10"/>
+            <a:stretch>
+              <a:fillRect/>
+            </a:stretch>
+          </p:blipFill>
+          <p:spPr>
+            <a:xfrm flipH="1">
+              <a:off x="5627848" y="2996852"/>
+              <a:ext cx="1440160" cy="1440160"/>
+            </a:xfrm>
+            <a:prstGeom prst="rect">
+              <a:avLst/>
+            </a:prstGeom>
+          </p:spPr>
+        </p:pic>
+      </p:grpSp>
+      <p:pic>
+        <p:nvPicPr>
+          <p:cNvPr id="44" name="Image 43">
+            <a:extLst>
+              <a:ext uri="{FF2B5EF4-FFF2-40B4-BE49-F238E27FC236}">
+                <a16:creationId xmlns:a16="http://schemas.microsoft.com/office/drawing/2014/main" id="{BCDA112A-C026-CBFC-C821-03B5B08E9425}"/>
+              </a:ext>
+            </a:extLst>
+          </p:cNvPr>
+          <p:cNvPicPr>
+            <a:picLocks noChangeAspect="1"/>
+          </p:cNvPicPr>
+          <p:nvPr/>
+        </p:nvPicPr>
+        <p:blipFill>
+          <a:blip r:embed="rId11"/>
+          <a:stretch>
+            <a:fillRect/>
+          </a:stretch>
+        </p:blipFill>
+        <p:spPr>
+          <a:xfrm>
+            <a:off x="6993108" y="3313520"/>
+            <a:ext cx="360000" cy="360000"/>
+          </a:xfrm>
+          <a:prstGeom prst="rect">
+            <a:avLst/>
+          </a:prstGeom>
+        </p:spPr>
+      </p:pic>
+      <p:cxnSp>
+        <p:nvCxnSpPr>
+          <p:cNvPr id="45" name="Connecteur : en angle 44">
+            <a:extLst>
+              <a:ext uri="{FF2B5EF4-FFF2-40B4-BE49-F238E27FC236}">
+                <a16:creationId xmlns:a16="http://schemas.microsoft.com/office/drawing/2014/main" id="{C4AB4FA5-76F6-E29C-D250-AA74E2B0DB63}"/>
+              </a:ext>
+            </a:extLst>
+          </p:cNvPr>
+          <p:cNvCxnSpPr>
+            <a:cxnSpLocks/>
+            <a:stCxn id="8" idx="3"/>
+            <a:endCxn id="46" idx="3"/>
+          </p:cNvCxnSpPr>
+          <p:nvPr/>
+        </p:nvCxnSpPr>
+        <p:spPr>
+          <a:xfrm flipH="1">
+            <a:off x="6795600" y="1708801"/>
+            <a:ext cx="33719" cy="1346496"/>
+          </a:xfrm>
+          <a:prstGeom prst="bentConnector3">
+            <a:avLst>
+              <a:gd name="adj1" fmla="val -1067152"/>
+            </a:avLst>
+          </a:prstGeom>
+          <a:ln w="25400">
+            <a:solidFill>
+              <a:srgbClr val="08A559"/>
+            </a:solidFill>
+            <a:headEnd type="none"/>
+            <a:tailEnd type="triangle"/>
+          </a:ln>
+        </p:spPr>
+        <p:style>
+          <a:lnRef idx="1">
+            <a:schemeClr val="accent1"/>
+          </a:lnRef>
+          <a:fillRef idx="0">
+            <a:schemeClr val="accent1"/>
+          </a:fillRef>
+          <a:effectRef idx="0">
+            <a:schemeClr val="accent1"/>
+          </a:effectRef>
+          <a:fontRef idx="minor">
+            <a:schemeClr val="tx1"/>
+          </a:fontRef>
+        </p:style>
+      </p:cxnSp>
+      <p:sp>
+        <p:nvSpPr>
+          <p:cNvPr id="46" name="Rectangle : coins arrondis 45">
+            <a:extLst>
+              <a:ext uri="{FF2B5EF4-FFF2-40B4-BE49-F238E27FC236}">
+                <a16:creationId xmlns:a16="http://schemas.microsoft.com/office/drawing/2014/main" id="{50A6A7B0-D75F-34D1-1D2A-5D181F72D5A9}"/>
+              </a:ext>
+            </a:extLst>
+          </p:cNvPr>
+          <p:cNvSpPr/>
+          <p:nvPr/>
+        </p:nvSpPr>
+        <p:spPr>
+          <a:xfrm>
+            <a:off x="5389319" y="2889618"/>
+            <a:ext cx="1406281" cy="331358"/>
+          </a:xfrm>
+          <a:prstGeom prst="roundRect">
+            <a:avLst>
+              <a:gd name="adj" fmla="val 11914"/>
+            </a:avLst>
+          </a:prstGeom>
+          <a:solidFill>
+            <a:srgbClr val="08A559"/>
+          </a:solidFill>
+          <a:ln w="19050">
+            <a:noFill/>
+          </a:ln>
+        </p:spPr>
+        <p:style>
+          <a:lnRef idx="2">
+            <a:schemeClr val="accent1">
+              <a:shade val="50000"/>
+            </a:schemeClr>
+          </a:lnRef>
+          <a:fillRef idx="1">
+            <a:schemeClr val="accent1"/>
+          </a:fillRef>
+          <a:effectRef idx="0">
+            <a:schemeClr val="accent1"/>
+          </a:effectRef>
+          <a:fontRef idx="minor">
+            <a:schemeClr val="lt1"/>
+          </a:fontRef>
+        </p:style>
+        <p:txBody>
+          <a:bodyPr rtlCol="0" anchor="ctr"/>
+          <a:lstStyle/>
+          <a:p>
+            <a:pPr algn="ctr"/>
+            <a:r>
+              <a:rPr lang="fr-FR" sz="1200" dirty="0">
+                <a:solidFill>
+                  <a:schemeClr val="bg1"/>
+                </a:solidFill>
+                <a:latin typeface="Arial Nova" panose="020B0504020202020204" pitchFamily="34" charset="0"/>
+              </a:rPr>
+              <a:t>Ordres (PWM)</a:t>
+            </a:r>
+          </a:p>
+        </p:txBody>
+      </p:sp>
+      <p:cxnSp>
+        <p:nvCxnSpPr>
+          <p:cNvPr id="47" name="Connecteur : en angle 46">
+            <a:extLst>
+              <a:ext uri="{FF2B5EF4-FFF2-40B4-BE49-F238E27FC236}">
+                <a16:creationId xmlns:a16="http://schemas.microsoft.com/office/drawing/2014/main" id="{E8703159-8B56-5021-4668-751E1D2F75C6}"/>
+              </a:ext>
+            </a:extLst>
+          </p:cNvPr>
+          <p:cNvCxnSpPr>
+            <a:cxnSpLocks/>
+            <a:stCxn id="46" idx="1"/>
+            <a:endCxn id="12" idx="0"/>
+          </p:cNvCxnSpPr>
+          <p:nvPr/>
+        </p:nvCxnSpPr>
+        <p:spPr>
+          <a:xfrm rot="10800000" flipV="1">
+            <a:off x="3938895" y="3055297"/>
+            <a:ext cx="1450425" cy="377472"/>
+          </a:xfrm>
+          <a:prstGeom prst="bentConnector2">
+            <a:avLst/>
+          </a:prstGeom>
+          <a:ln w="25400">
+            <a:solidFill>
+              <a:srgbClr val="08A559"/>
+            </a:solidFill>
+            <a:headEnd type="none"/>
+            <a:tailEnd type="triangle"/>
+          </a:ln>
+        </p:spPr>
+        <p:style>
+          <a:lnRef idx="1">
+            <a:schemeClr val="accent1"/>
+          </a:lnRef>
+          <a:fillRef idx="0">
+            <a:schemeClr val="accent1"/>
+          </a:fillRef>
+          <a:effectRef idx="0">
+            <a:schemeClr val="accent1"/>
+          </a:effectRef>
+          <a:fontRef idx="minor">
+            <a:schemeClr val="tx1"/>
+          </a:fontRef>
+        </p:style>
+      </p:cxnSp>
+      <p:pic>
+        <p:nvPicPr>
+          <p:cNvPr id="48" name="Image 47">
+            <a:extLst>
+              <a:ext uri="{FF2B5EF4-FFF2-40B4-BE49-F238E27FC236}">
+                <a16:creationId xmlns:a16="http://schemas.microsoft.com/office/drawing/2014/main" id="{65DDE296-73CF-CDAD-28DB-34197844EA45}"/>
+              </a:ext>
+            </a:extLst>
+          </p:cNvPr>
+          <p:cNvPicPr>
+            <a:picLocks noChangeAspect="1"/>
+          </p:cNvPicPr>
+          <p:nvPr/>
+        </p:nvPicPr>
+        <p:blipFill>
+          <a:blip r:embed="rId4"/>
+          <a:stretch>
+            <a:fillRect/>
+          </a:stretch>
+        </p:blipFill>
+        <p:spPr>
+          <a:xfrm>
+            <a:off x="6903108" y="2837764"/>
+            <a:ext cx="180000" cy="180000"/>
+          </a:xfrm>
+          <a:prstGeom prst="rect">
+            <a:avLst/>
+          </a:prstGeom>
+        </p:spPr>
+      </p:pic>
+      <p:pic>
+        <p:nvPicPr>
+          <p:cNvPr id="49" name="Image 48">
+            <a:extLst>
+              <a:ext uri="{FF2B5EF4-FFF2-40B4-BE49-F238E27FC236}">
+                <a16:creationId xmlns:a16="http://schemas.microsoft.com/office/drawing/2014/main" id="{F92FED91-21D4-2E20-8F58-C94742E61A4F}"/>
+              </a:ext>
+            </a:extLst>
+          </p:cNvPr>
+          <p:cNvPicPr>
+            <a:picLocks noChangeAspect="1"/>
+          </p:cNvPicPr>
+          <p:nvPr/>
+        </p:nvPicPr>
+        <p:blipFill>
+          <a:blip r:embed="rId4"/>
+          <a:stretch>
+            <a:fillRect/>
+          </a:stretch>
+        </p:blipFill>
+        <p:spPr>
+          <a:xfrm>
+            <a:off x="3705152" y="3113393"/>
+            <a:ext cx="180000" cy="180000"/>
+          </a:xfrm>
+          <a:prstGeom prst="rect">
+            <a:avLst/>
+          </a:prstGeom>
+        </p:spPr>
+      </p:pic>
+      <p:sp>
+        <p:nvSpPr>
+          <p:cNvPr id="50" name="Rectangle : coins arrondis 49">
+            <a:extLst>
+              <a:ext uri="{FF2B5EF4-FFF2-40B4-BE49-F238E27FC236}">
+                <a16:creationId xmlns:a16="http://schemas.microsoft.com/office/drawing/2014/main" id="{75F8D7C8-939A-E08C-525A-981E90D6F364}"/>
+              </a:ext>
+            </a:extLst>
+          </p:cNvPr>
+          <p:cNvSpPr/>
+          <p:nvPr/>
+        </p:nvSpPr>
+        <p:spPr>
+          <a:xfrm>
+            <a:off x="9634981" y="3429000"/>
+            <a:ext cx="1365662" cy="1194790"/>
+          </a:xfrm>
+          <a:prstGeom prst="roundRect">
+            <a:avLst>
+              <a:gd name="adj" fmla="val 11914"/>
+            </a:avLst>
+          </a:prstGeom>
+          <a:solidFill>
+            <a:srgbClr val="B2CAD6"/>
+          </a:solidFill>
+          <a:ln w="19050">
+            <a:solidFill>
+              <a:srgbClr val="B2CAD6"/>
+            </a:solidFill>
+          </a:ln>
+        </p:spPr>
+        <p:style>
+          <a:lnRef idx="2">
+            <a:schemeClr val="accent1">
+              <a:shade val="50000"/>
+            </a:schemeClr>
+          </a:lnRef>
+          <a:fillRef idx="1">
+            <a:schemeClr val="accent1"/>
+          </a:fillRef>
+          <a:effectRef idx="0">
+            <a:schemeClr val="accent1"/>
+          </a:effectRef>
+          <a:fontRef idx="minor">
+            <a:schemeClr val="lt1"/>
+          </a:fontRef>
+        </p:style>
+        <p:txBody>
+          <a:bodyPr rtlCol="0" anchor="ctr"/>
+          <a:lstStyle/>
+          <a:p>
+            <a:pPr algn="ctr"/>
+            <a:r>
+              <a:rPr lang="fr-FR" sz="1200" dirty="0">
+                <a:solidFill>
+                  <a:srgbClr val="0D587E"/>
+                </a:solidFill>
+                <a:latin typeface="Arial Nova" panose="020B0504020202020204" pitchFamily="34" charset="0"/>
+              </a:rPr>
+              <a:t>Axe de rotation R</a:t>
+            </a:r>
+          </a:p>
+        </p:txBody>
+      </p:sp>
+      <p:cxnSp>
+        <p:nvCxnSpPr>
+          <p:cNvPr id="51" name="Connecteur droit avec flèche 50">
+            <a:extLst>
+              <a:ext uri="{FF2B5EF4-FFF2-40B4-BE49-F238E27FC236}">
+                <a16:creationId xmlns:a16="http://schemas.microsoft.com/office/drawing/2014/main" id="{57A98D50-B5E1-7F1C-B167-86DDD8B5817C}"/>
+              </a:ext>
+            </a:extLst>
+          </p:cNvPr>
+          <p:cNvCxnSpPr>
+            <a:cxnSpLocks/>
+          </p:cNvCxnSpPr>
+          <p:nvPr/>
+        </p:nvCxnSpPr>
+        <p:spPr>
+          <a:xfrm flipV="1">
+            <a:off x="8911620" y="3702769"/>
+            <a:ext cx="720000" cy="1536"/>
+          </a:xfrm>
+          <a:prstGeom prst="straightConnector1">
+            <a:avLst/>
+          </a:prstGeom>
+          <a:ln w="25400" cap="rnd">
+            <a:solidFill>
+              <a:srgbClr val="68348B"/>
+            </a:solidFill>
+            <a:tailEnd type="triangle" w="med" len="lg"/>
+          </a:ln>
+        </p:spPr>
+        <p:style>
+          <a:lnRef idx="1">
+            <a:schemeClr val="accent1"/>
+          </a:lnRef>
+          <a:fillRef idx="0">
+            <a:schemeClr val="accent1"/>
+          </a:fillRef>
+          <a:effectRef idx="0">
+            <a:schemeClr val="accent1"/>
+          </a:effectRef>
+          <a:fontRef idx="minor">
+            <a:schemeClr val="tx1"/>
+          </a:fontRef>
+        </p:style>
+      </p:cxnSp>
+      <p:pic>
+        <p:nvPicPr>
+          <p:cNvPr id="52" name="Image 51">
+            <a:extLst>
+              <a:ext uri="{FF2B5EF4-FFF2-40B4-BE49-F238E27FC236}">
+                <a16:creationId xmlns:a16="http://schemas.microsoft.com/office/drawing/2014/main" id="{CBF104BE-7F07-5C42-A9F1-1955E0CC0B26}"/>
+              </a:ext>
+            </a:extLst>
+          </p:cNvPr>
+          <p:cNvPicPr>
+            <a:picLocks noChangeAspect="1"/>
+          </p:cNvPicPr>
+          <p:nvPr/>
+        </p:nvPicPr>
+        <p:blipFill>
+          <a:blip r:embed="rId11"/>
+          <a:stretch>
+            <a:fillRect/>
+          </a:stretch>
+        </p:blipFill>
+        <p:spPr>
+          <a:xfrm>
+            <a:off x="9075409" y="3313520"/>
+            <a:ext cx="360000" cy="360000"/>
+          </a:xfrm>
+          <a:prstGeom prst="rect">
+            <a:avLst/>
+          </a:prstGeom>
+        </p:spPr>
+      </p:pic>
+      <p:grpSp>
+        <p:nvGrpSpPr>
+          <p:cNvPr id="53" name="Groupe 52">
+            <a:extLst>
+              <a:ext uri="{FF2B5EF4-FFF2-40B4-BE49-F238E27FC236}">
+                <a16:creationId xmlns:a16="http://schemas.microsoft.com/office/drawing/2014/main" id="{F38D1146-175C-4897-2311-91CA60FAF08C}"/>
+              </a:ext>
+            </a:extLst>
+          </p:cNvPr>
+          <p:cNvGrpSpPr/>
+          <p:nvPr/>
+        </p:nvGrpSpPr>
+        <p:grpSpPr>
+          <a:xfrm>
+            <a:off x="3770117" y="1925231"/>
+            <a:ext cx="360000" cy="360000"/>
+            <a:chOff x="6138169" y="4069439"/>
+            <a:chExt cx="1800000" cy="1800000"/>
+          </a:xfrm>
+        </p:grpSpPr>
+        <p:sp>
+          <p:nvSpPr>
+            <p:cNvPr id="54" name="Ellipse 53">
+              <a:extLst>
+                <a:ext uri="{FF2B5EF4-FFF2-40B4-BE49-F238E27FC236}">
+                  <a16:creationId xmlns:a16="http://schemas.microsoft.com/office/drawing/2014/main" id="{5F320CC6-4FB5-9D6D-F5D9-B648F9D8CFFC}"/>
+                </a:ext>
+              </a:extLst>
+            </p:cNvPr>
+            <p:cNvSpPr/>
+            <p:nvPr/>
+          </p:nvSpPr>
+          <p:spPr>
+            <a:xfrm>
+              <a:off x="6138169" y="4069439"/>
+              <a:ext cx="1800000" cy="1800000"/>
+            </a:xfrm>
+            <a:prstGeom prst="ellipse">
+              <a:avLst/>
+            </a:prstGeom>
+            <a:solidFill>
+              <a:srgbClr val="00547F"/>
+            </a:solidFill>
+            <a:ln>
+              <a:noFill/>
+            </a:ln>
+          </p:spPr>
+          <p:style>
+            <a:lnRef idx="2">
+              <a:schemeClr val="accent1">
+                <a:shade val="50000"/>
+              </a:schemeClr>
+            </a:lnRef>
+            <a:fillRef idx="1">
+              <a:schemeClr val="accent1"/>
+            </a:fillRef>
+            <a:effectRef idx="0">
+              <a:schemeClr val="accent1"/>
+            </a:effectRef>
+            <a:fontRef idx="minor">
+              <a:schemeClr val="lt1"/>
+            </a:fontRef>
+          </p:style>
+          <p:txBody>
+            <a:bodyPr rtlCol="0" anchor="ctr"/>
+            <a:lstStyle/>
+            <a:p>
+              <a:pPr algn="ctr"/>
+              <a:endParaRPr lang="fr-FR"/>
+            </a:p>
+          </p:txBody>
+        </p:sp>
+        <p:pic>
+          <p:nvPicPr>
+            <p:cNvPr id="55" name="Image 54">
+              <a:extLst>
+                <a:ext uri="{FF2B5EF4-FFF2-40B4-BE49-F238E27FC236}">
+                  <a16:creationId xmlns:a16="http://schemas.microsoft.com/office/drawing/2014/main" id="{80E3334D-CE40-ED3F-0848-7271E103EC94}"/>
+                </a:ext>
+              </a:extLst>
+            </p:cNvPr>
+            <p:cNvPicPr>
+              <a:picLocks noChangeAspect="1"/>
+            </p:cNvPicPr>
+            <p:nvPr/>
+          </p:nvPicPr>
+          <p:blipFill>
+            <a:blip r:embed="rId12"/>
+            <a:stretch>
+              <a:fillRect/>
+            </a:stretch>
+          </p:blipFill>
+          <p:spPr>
+            <a:xfrm>
+              <a:off x="6243433" y="4174703"/>
+              <a:ext cx="1589472" cy="1589472"/>
+            </a:xfrm>
+            <a:prstGeom prst="rect">
+              <a:avLst/>
+            </a:prstGeom>
+          </p:spPr>
+        </p:pic>
+      </p:grpSp>
+      <p:cxnSp>
+        <p:nvCxnSpPr>
+          <p:cNvPr id="56" name="Connecteur droit avec flèche 55">
+            <a:extLst>
+              <a:ext uri="{FF2B5EF4-FFF2-40B4-BE49-F238E27FC236}">
+                <a16:creationId xmlns:a16="http://schemas.microsoft.com/office/drawing/2014/main" id="{4433F9D8-6146-7A5B-66C4-4FF6916FD78A}"/>
+              </a:ext>
+            </a:extLst>
+          </p:cNvPr>
+          <p:cNvCxnSpPr/>
+          <p:nvPr/>
+        </p:nvCxnSpPr>
+        <p:spPr>
+          <a:xfrm flipV="1">
+            <a:off x="6829319" y="1630730"/>
+            <a:ext cx="720000" cy="1536"/>
+          </a:xfrm>
+          <a:prstGeom prst="straightConnector1">
+            <a:avLst/>
+          </a:prstGeom>
+          <a:ln w="25400">
+            <a:solidFill>
+              <a:srgbClr val="08A559"/>
+            </a:solidFill>
+            <a:headEnd type="none"/>
+            <a:tailEnd type="triangle"/>
+          </a:ln>
+        </p:spPr>
+        <p:style>
+          <a:lnRef idx="1">
+            <a:schemeClr val="accent1"/>
+          </a:lnRef>
+          <a:fillRef idx="0">
+            <a:schemeClr val="accent1"/>
+          </a:fillRef>
+          <a:effectRef idx="0">
+            <a:schemeClr val="accent1"/>
+          </a:effectRef>
+          <a:fontRef idx="minor">
+            <a:schemeClr val="tx1"/>
+          </a:fontRef>
+        </p:style>
+      </p:cxnSp>
+      <p:grpSp>
+        <p:nvGrpSpPr>
+          <p:cNvPr id="57" name="Groupe 56">
+            <a:extLst>
+              <a:ext uri="{FF2B5EF4-FFF2-40B4-BE49-F238E27FC236}">
+                <a16:creationId xmlns:a16="http://schemas.microsoft.com/office/drawing/2014/main" id="{DD185444-403C-D66D-3F4E-DF1B9488337D}"/>
+              </a:ext>
+            </a:extLst>
+          </p:cNvPr>
+          <p:cNvGrpSpPr/>
+          <p:nvPr/>
+        </p:nvGrpSpPr>
+        <p:grpSpPr>
+          <a:xfrm>
+            <a:off x="7540883" y="1345899"/>
+            <a:ext cx="540000" cy="540000"/>
+            <a:chOff x="7851244" y="635246"/>
+            <a:chExt cx="1800000" cy="1800000"/>
+          </a:xfrm>
+        </p:grpSpPr>
+        <p:sp>
+          <p:nvSpPr>
+            <p:cNvPr id="58" name="Ellipse 57">
+              <a:extLst>
+                <a:ext uri="{FF2B5EF4-FFF2-40B4-BE49-F238E27FC236}">
+                  <a16:creationId xmlns:a16="http://schemas.microsoft.com/office/drawing/2014/main" id="{23A603EE-FEB5-FB37-0D21-86976EBA17BA}"/>
+                </a:ext>
+              </a:extLst>
+            </p:cNvPr>
+            <p:cNvSpPr/>
+            <p:nvPr/>
+          </p:nvSpPr>
+          <p:spPr>
+            <a:xfrm>
+              <a:off x="7851244" y="635246"/>
+              <a:ext cx="1800000" cy="1800000"/>
+            </a:xfrm>
+            <a:prstGeom prst="ellipse">
+              <a:avLst/>
+            </a:prstGeom>
+            <a:solidFill>
+              <a:srgbClr val="08AF5E"/>
+            </a:solidFill>
+            <a:ln>
+              <a:noFill/>
+            </a:ln>
+          </p:spPr>
+          <p:style>
+            <a:lnRef idx="2">
+              <a:schemeClr val="accent1">
+                <a:shade val="50000"/>
+              </a:schemeClr>
+            </a:lnRef>
+            <a:fillRef idx="1">
+              <a:schemeClr val="accent1"/>
+            </a:fillRef>
+            <a:effectRef idx="0">
+              <a:schemeClr val="accent1"/>
+            </a:effectRef>
+            <a:fontRef idx="minor">
+              <a:schemeClr val="lt1"/>
+            </a:fontRef>
+          </p:style>
+          <p:txBody>
+            <a:bodyPr rtlCol="0" anchor="ctr"/>
+            <a:lstStyle/>
+            <a:p>
+              <a:pPr algn="ctr"/>
+              <a:endParaRPr lang="fr-FR" dirty="0"/>
+            </a:p>
+          </p:txBody>
+        </p:sp>
+        <p:pic>
+          <p:nvPicPr>
+            <p:cNvPr id="59" name="Image 58">
+              <a:extLst>
+                <a:ext uri="{FF2B5EF4-FFF2-40B4-BE49-F238E27FC236}">
+                  <a16:creationId xmlns:a16="http://schemas.microsoft.com/office/drawing/2014/main" id="{29235CBD-E704-F417-3249-114621DBEB4C}"/>
+                </a:ext>
+              </a:extLst>
+            </p:cNvPr>
+            <p:cNvPicPr>
+              <a:picLocks noChangeAspect="1"/>
+            </p:cNvPicPr>
+            <p:nvPr/>
+          </p:nvPicPr>
+          <p:blipFill>
+            <a:blip r:embed="rId13"/>
+            <a:stretch>
+              <a:fillRect/>
+            </a:stretch>
+          </p:blipFill>
+          <p:spPr>
+            <a:xfrm>
+              <a:off x="8074192" y="879141"/>
+              <a:ext cx="1337198" cy="1264070"/>
+            </a:xfrm>
+            <a:prstGeom prst="rect">
+              <a:avLst/>
+            </a:prstGeom>
+          </p:spPr>
+        </p:pic>
+      </p:grpSp>
+      <p:pic>
+        <p:nvPicPr>
+          <p:cNvPr id="60" name="Image 59">
+            <a:extLst>
+              <a:ext uri="{FF2B5EF4-FFF2-40B4-BE49-F238E27FC236}">
+                <a16:creationId xmlns:a16="http://schemas.microsoft.com/office/drawing/2014/main" id="{C46DA940-52E7-841F-3C1F-9A71CB0BF462}"/>
+              </a:ext>
+            </a:extLst>
+          </p:cNvPr>
+          <p:cNvPicPr>
+            <a:picLocks noChangeAspect="1"/>
+          </p:cNvPicPr>
+          <p:nvPr/>
+        </p:nvPicPr>
+        <p:blipFill>
+          <a:blip r:embed="rId3"/>
+          <a:stretch>
+            <a:fillRect/>
+          </a:stretch>
+        </p:blipFill>
+        <p:spPr>
+          <a:xfrm>
+            <a:off x="6968637" y="3779927"/>
+            <a:ext cx="434918" cy="152010"/>
+          </a:xfrm>
+          <a:prstGeom prst="rect">
+            <a:avLst/>
+          </a:prstGeom>
+        </p:spPr>
+      </p:pic>
+      <p:grpSp>
+        <p:nvGrpSpPr>
+          <p:cNvPr id="61" name="Groupe 60">
+            <a:extLst>
+              <a:ext uri="{FF2B5EF4-FFF2-40B4-BE49-F238E27FC236}">
+                <a16:creationId xmlns:a16="http://schemas.microsoft.com/office/drawing/2014/main" id="{5DCB0321-6276-2D9F-7D27-236E362C50FC}"/>
+              </a:ext>
+            </a:extLst>
+          </p:cNvPr>
+          <p:cNvGrpSpPr/>
+          <p:nvPr/>
+        </p:nvGrpSpPr>
+        <p:grpSpPr>
+          <a:xfrm rot="5400000" flipV="1">
+            <a:off x="10181964" y="4049013"/>
+            <a:ext cx="835963" cy="1617775"/>
+            <a:chOff x="9150640" y="2423323"/>
+            <a:chExt cx="835963" cy="2135794"/>
+          </a:xfrm>
+        </p:grpSpPr>
+        <p:sp>
+          <p:nvSpPr>
+            <p:cNvPr id="62" name="Flèche : virage 61">
+              <a:extLst>
+                <a:ext uri="{FF2B5EF4-FFF2-40B4-BE49-F238E27FC236}">
+                  <a16:creationId xmlns:a16="http://schemas.microsoft.com/office/drawing/2014/main" id="{95339583-B136-85DD-9290-0DAAE1535F97}"/>
+                </a:ext>
+              </a:extLst>
+            </p:cNvPr>
+            <p:cNvSpPr/>
+            <p:nvPr/>
+          </p:nvSpPr>
+          <p:spPr>
+            <a:xfrm rot="5400000">
+              <a:off x="8500725" y="3073238"/>
+              <a:ext cx="2135794" cy="835963"/>
+            </a:xfrm>
+            <a:prstGeom prst="bentArrow">
+              <a:avLst>
+                <a:gd name="adj1" fmla="val 31434"/>
+                <a:gd name="adj2" fmla="val 25000"/>
+                <a:gd name="adj3" fmla="val 17852"/>
+                <a:gd name="adj4" fmla="val 20160"/>
+              </a:avLst>
+            </a:prstGeom>
+            <a:solidFill>
+              <a:srgbClr val="B2CAD6"/>
+            </a:solidFill>
+            <a:ln>
+              <a:noFill/>
+            </a:ln>
+          </p:spPr>
+          <p:style>
+            <a:lnRef idx="2">
+              <a:schemeClr val="accent1">
+                <a:shade val="50000"/>
+              </a:schemeClr>
+            </a:lnRef>
+            <a:fillRef idx="1">
+              <a:schemeClr val="accent1"/>
+            </a:fillRef>
+            <a:effectRef idx="0">
+              <a:schemeClr val="accent1"/>
+            </a:effectRef>
+            <a:fontRef idx="minor">
+              <a:schemeClr val="lt1"/>
+            </a:fontRef>
+          </p:style>
+          <p:txBody>
+            <a:bodyPr rtlCol="0" anchor="ctr"/>
+            <a:lstStyle/>
+            <a:p>
+              <a:pPr algn="ctr"/>
+              <a:endParaRPr lang="fr-FR" dirty="0">
+                <a:solidFill>
+                  <a:schemeClr val="tx1"/>
+                </a:solidFill>
+              </a:endParaRPr>
+            </a:p>
+          </p:txBody>
+        </p:sp>
+        <p:sp>
+          <p:nvSpPr>
+            <p:cNvPr id="63" name="ZoneTexte 62">
+              <a:extLst>
+                <a:ext uri="{FF2B5EF4-FFF2-40B4-BE49-F238E27FC236}">
+                  <a16:creationId xmlns:a16="http://schemas.microsoft.com/office/drawing/2014/main" id="{7C27A614-E320-082D-5239-B0EFD3AFEC85}"/>
+                </a:ext>
+              </a:extLst>
+            </p:cNvPr>
+            <p:cNvSpPr txBox="1"/>
+            <p:nvPr/>
+          </p:nvSpPr>
+          <p:spPr>
+            <a:xfrm rot="16200000">
+              <a:off x="8798745" y="3278541"/>
+              <a:ext cx="1918043" cy="307777"/>
+            </a:xfrm>
+            <a:prstGeom prst="rect">
+              <a:avLst/>
+            </a:prstGeom>
+            <a:noFill/>
+            <a:ln>
+              <a:noFill/>
+            </a:ln>
+          </p:spPr>
+          <p:txBody>
+            <a:bodyPr wrap="square" rtlCol="0">
+              <a:spAutoFit/>
+            </a:bodyPr>
+            <a:lstStyle/>
+            <a:p>
+              <a:r>
+                <a:rPr lang="fr-FR" sz="1400" dirty="0">
+                  <a:solidFill>
+                    <a:schemeClr val="bg1"/>
+                  </a:solidFill>
+                  <a:latin typeface="Arial Nova" panose="020B0504020202020204" pitchFamily="34" charset="0"/>
+                </a:rPr>
+                <a:t>Bras en rotation</a:t>
+              </a:r>
+            </a:p>
+          </p:txBody>
+        </p:sp>
+      </p:grpSp>
+      <p:grpSp>
+        <p:nvGrpSpPr>
+          <p:cNvPr id="64" name="Groupe 63">
+            <a:extLst>
+              <a:ext uri="{FF2B5EF4-FFF2-40B4-BE49-F238E27FC236}">
+                <a16:creationId xmlns:a16="http://schemas.microsoft.com/office/drawing/2014/main" id="{3A374177-B349-B0D4-75D2-AC9EEC05EB54}"/>
+              </a:ext>
+            </a:extLst>
+          </p:cNvPr>
+          <p:cNvGrpSpPr/>
+          <p:nvPr/>
+        </p:nvGrpSpPr>
+        <p:grpSpPr>
+          <a:xfrm>
+            <a:off x="8611878" y="2802701"/>
+            <a:ext cx="1549219" cy="611677"/>
+            <a:chOff x="9075408" y="2802701"/>
+            <a:chExt cx="1549219" cy="611677"/>
+          </a:xfrm>
+        </p:grpSpPr>
+        <p:sp>
+          <p:nvSpPr>
+            <p:cNvPr id="65" name="Flèche : virage 64">
+              <a:extLst>
+                <a:ext uri="{FF2B5EF4-FFF2-40B4-BE49-F238E27FC236}">
+                  <a16:creationId xmlns:a16="http://schemas.microsoft.com/office/drawing/2014/main" id="{200793C2-5E5E-684B-9AE1-72FDEDE7D747}"/>
+                </a:ext>
+              </a:extLst>
+            </p:cNvPr>
+            <p:cNvSpPr/>
+            <p:nvPr/>
+          </p:nvSpPr>
+          <p:spPr>
+            <a:xfrm rot="5400000">
+              <a:off x="9563593" y="2353345"/>
+              <a:ext cx="572849" cy="1549218"/>
+            </a:xfrm>
+            <a:prstGeom prst="bentArrow">
+              <a:avLst>
+                <a:gd name="adj1" fmla="val 38639"/>
+                <a:gd name="adj2" fmla="val 38302"/>
+                <a:gd name="adj3" fmla="val 16744"/>
+                <a:gd name="adj4" fmla="val 20160"/>
+              </a:avLst>
+            </a:prstGeom>
+            <a:solidFill>
+              <a:srgbClr val="B2CAD6"/>
+            </a:solidFill>
+            <a:ln>
+              <a:noFill/>
+            </a:ln>
+          </p:spPr>
+          <p:style>
+            <a:lnRef idx="2">
+              <a:schemeClr val="accent1">
+                <a:shade val="50000"/>
+              </a:schemeClr>
+            </a:lnRef>
+            <a:fillRef idx="1">
+              <a:schemeClr val="accent1"/>
+            </a:fillRef>
+            <a:effectRef idx="0">
+              <a:schemeClr val="accent1"/>
+            </a:effectRef>
+            <a:fontRef idx="minor">
+              <a:schemeClr val="lt1"/>
+            </a:fontRef>
+          </p:style>
+          <p:txBody>
+            <a:bodyPr rtlCol="0" anchor="ctr"/>
+            <a:lstStyle/>
+            <a:p>
+              <a:pPr algn="ctr"/>
+              <a:endParaRPr lang="fr-FR" dirty="0">
+                <a:solidFill>
+                  <a:schemeClr val="tx1"/>
+                </a:solidFill>
+              </a:endParaRPr>
+            </a:p>
+          </p:txBody>
+        </p:sp>
+        <p:sp>
+          <p:nvSpPr>
+            <p:cNvPr id="66" name="ZoneTexte 65">
+              <a:extLst>
+                <a:ext uri="{FF2B5EF4-FFF2-40B4-BE49-F238E27FC236}">
+                  <a16:creationId xmlns:a16="http://schemas.microsoft.com/office/drawing/2014/main" id="{BCA4AD5B-C2BB-BA10-A2B3-5D56647D9D30}"/>
+                </a:ext>
+              </a:extLst>
+            </p:cNvPr>
+            <p:cNvSpPr txBox="1"/>
+            <p:nvPr/>
+          </p:nvSpPr>
+          <p:spPr>
+            <a:xfrm>
+              <a:off x="9075408" y="2802701"/>
+              <a:ext cx="1473718" cy="307777"/>
+            </a:xfrm>
+            <a:prstGeom prst="rect">
+              <a:avLst/>
+            </a:prstGeom>
+            <a:noFill/>
+            <a:ln>
+              <a:noFill/>
+            </a:ln>
+          </p:spPr>
+          <p:txBody>
+            <a:bodyPr wrap="square" rtlCol="0">
+              <a:spAutoFit/>
+            </a:bodyPr>
+            <a:lstStyle/>
+            <a:p>
+              <a:r>
+                <a:rPr lang="fr-FR" sz="1400" dirty="0">
+                  <a:solidFill>
+                    <a:schemeClr val="bg1"/>
+                  </a:solidFill>
+                  <a:latin typeface="Arial Nova" panose="020B0504020202020204" pitchFamily="34" charset="0"/>
+                </a:rPr>
+                <a:t>Bras à l’arrêt</a:t>
+              </a:r>
+            </a:p>
+          </p:txBody>
+        </p:sp>
+      </p:grpSp>
+      <p:grpSp>
+        <p:nvGrpSpPr>
+          <p:cNvPr id="67" name="Groupe 66">
+            <a:extLst>
+              <a:ext uri="{FF2B5EF4-FFF2-40B4-BE49-F238E27FC236}">
+                <a16:creationId xmlns:a16="http://schemas.microsoft.com/office/drawing/2014/main" id="{E5A7627B-ED67-6E55-81E8-A1B34BCF7827}"/>
+              </a:ext>
+            </a:extLst>
+          </p:cNvPr>
+          <p:cNvGrpSpPr/>
+          <p:nvPr/>
+        </p:nvGrpSpPr>
+        <p:grpSpPr>
+          <a:xfrm>
+            <a:off x="1900107" y="1908524"/>
+            <a:ext cx="360000" cy="360000"/>
+            <a:chOff x="9715662" y="4629628"/>
+            <a:chExt cx="1800000" cy="1800000"/>
+          </a:xfrm>
+        </p:grpSpPr>
+        <p:sp>
+          <p:nvSpPr>
+            <p:cNvPr id="68" name="Ellipse 67">
+              <a:extLst>
+                <a:ext uri="{FF2B5EF4-FFF2-40B4-BE49-F238E27FC236}">
+                  <a16:creationId xmlns:a16="http://schemas.microsoft.com/office/drawing/2014/main" id="{93BA99A4-09CA-BBF4-9D95-D12BA5D7C0A8}"/>
+                </a:ext>
+              </a:extLst>
+            </p:cNvPr>
+            <p:cNvSpPr/>
+            <p:nvPr/>
+          </p:nvSpPr>
+          <p:spPr>
+            <a:xfrm>
+              <a:off x="9715662" y="4629628"/>
+              <a:ext cx="1800000" cy="1800000"/>
+            </a:xfrm>
+            <a:prstGeom prst="ellipse">
+              <a:avLst/>
+            </a:prstGeom>
+            <a:solidFill>
+              <a:srgbClr val="00547F"/>
+            </a:solidFill>
+            <a:ln>
+              <a:noFill/>
+            </a:ln>
+          </p:spPr>
+          <p:style>
+            <a:lnRef idx="2">
+              <a:schemeClr val="accent1">
+                <a:shade val="50000"/>
+              </a:schemeClr>
+            </a:lnRef>
+            <a:fillRef idx="1">
+              <a:schemeClr val="accent1"/>
+            </a:fillRef>
+            <a:effectRef idx="0">
+              <a:schemeClr val="accent1"/>
+            </a:effectRef>
+            <a:fontRef idx="minor">
+              <a:schemeClr val="lt1"/>
+            </a:fontRef>
+          </p:style>
+          <p:txBody>
+            <a:bodyPr rtlCol="0" anchor="ctr"/>
+            <a:lstStyle/>
+            <a:p>
+              <a:pPr algn="ctr"/>
+              <a:endParaRPr lang="fr-FR"/>
+            </a:p>
+          </p:txBody>
+        </p:sp>
+        <p:pic>
+          <p:nvPicPr>
+            <p:cNvPr id="69" name="Image 68">
+              <a:extLst>
+                <a:ext uri="{FF2B5EF4-FFF2-40B4-BE49-F238E27FC236}">
+                  <a16:creationId xmlns:a16="http://schemas.microsoft.com/office/drawing/2014/main" id="{A5E74058-1454-B56F-69C0-0737C4899FD9}"/>
+                </a:ext>
+              </a:extLst>
+            </p:cNvPr>
+            <p:cNvPicPr>
+              <a:picLocks noChangeAspect="1"/>
+            </p:cNvPicPr>
+            <p:nvPr/>
+          </p:nvPicPr>
+          <p:blipFill>
+            <a:blip r:embed="rId14"/>
+            <a:stretch>
+              <a:fillRect/>
+            </a:stretch>
+          </p:blipFill>
+          <p:spPr>
+            <a:xfrm>
+              <a:off x="9967662" y="4881628"/>
+              <a:ext cx="1296000" cy="1296000"/>
+            </a:xfrm>
+            <a:prstGeom prst="rect">
+              <a:avLst/>
+            </a:prstGeom>
+          </p:spPr>
+        </p:pic>
+      </p:grpSp>
+      <p:pic>
+        <p:nvPicPr>
+          <p:cNvPr id="70" name="Image 69">
+            <a:extLst>
+              <a:ext uri="{FF2B5EF4-FFF2-40B4-BE49-F238E27FC236}">
+                <a16:creationId xmlns:a16="http://schemas.microsoft.com/office/drawing/2014/main" id="{8CA2B42F-B562-5FB1-1C1E-D3366CC37F53}"/>
+              </a:ext>
+            </a:extLst>
+          </p:cNvPr>
+          <p:cNvPicPr>
+            <a:picLocks noChangeAspect="1"/>
+          </p:cNvPicPr>
+          <p:nvPr/>
+        </p:nvPicPr>
+        <p:blipFill>
+          <a:blip r:embed="rId3"/>
+          <a:stretch>
+            <a:fillRect/>
+          </a:stretch>
+        </p:blipFill>
+        <p:spPr>
+          <a:xfrm>
+            <a:off x="588545" y="1650659"/>
+            <a:ext cx="434918" cy="152010"/>
+          </a:xfrm>
+          <a:prstGeom prst="rect">
+            <a:avLst/>
+          </a:prstGeom>
+        </p:spPr>
+      </p:pic>
+      <p:grpSp>
+        <p:nvGrpSpPr>
+          <p:cNvPr id="71" name="Groupe 70">
+            <a:extLst>
+              <a:ext uri="{FF2B5EF4-FFF2-40B4-BE49-F238E27FC236}">
+                <a16:creationId xmlns:a16="http://schemas.microsoft.com/office/drawing/2014/main" id="{7B989405-C81F-97C2-19F4-4F4ECD5AF51E}"/>
+              </a:ext>
+            </a:extLst>
+          </p:cNvPr>
+          <p:cNvGrpSpPr/>
+          <p:nvPr/>
+        </p:nvGrpSpPr>
+        <p:grpSpPr>
+          <a:xfrm>
+            <a:off x="6452459" y="1931852"/>
+            <a:ext cx="360000" cy="360000"/>
+            <a:chOff x="10405167" y="4101988"/>
+            <a:chExt cx="1800000" cy="1800000"/>
+          </a:xfrm>
+        </p:grpSpPr>
+        <p:sp>
+          <p:nvSpPr>
+            <p:cNvPr id="72" name="Ellipse 71">
+              <a:extLst>
+                <a:ext uri="{FF2B5EF4-FFF2-40B4-BE49-F238E27FC236}">
+                  <a16:creationId xmlns:a16="http://schemas.microsoft.com/office/drawing/2014/main" id="{DAB2E7B4-E753-278A-8FEF-E68F7D1DF740}"/>
+                </a:ext>
+              </a:extLst>
+            </p:cNvPr>
+            <p:cNvSpPr/>
+            <p:nvPr/>
+          </p:nvSpPr>
+          <p:spPr>
+            <a:xfrm>
+              <a:off x="10405167" y="4101988"/>
+              <a:ext cx="1800000" cy="1800000"/>
+            </a:xfrm>
+            <a:prstGeom prst="ellipse">
+              <a:avLst/>
+            </a:prstGeom>
+            <a:solidFill>
+              <a:srgbClr val="08AF5E"/>
+            </a:solidFill>
+            <a:ln>
+              <a:noFill/>
+            </a:ln>
+          </p:spPr>
+          <p:style>
+            <a:lnRef idx="2">
+              <a:schemeClr val="accent1">
+                <a:shade val="50000"/>
+              </a:schemeClr>
+            </a:lnRef>
+            <a:fillRef idx="1">
+              <a:schemeClr val="accent1"/>
+            </a:fillRef>
+            <a:effectRef idx="0">
+              <a:schemeClr val="accent1"/>
+            </a:effectRef>
+            <a:fontRef idx="minor">
+              <a:schemeClr val="lt1"/>
+            </a:fontRef>
+          </p:style>
+          <p:txBody>
+            <a:bodyPr rtlCol="0" anchor="ctr"/>
+            <a:lstStyle/>
+            <a:p>
+              <a:pPr algn="ctr"/>
+              <a:endParaRPr lang="fr-FR" dirty="0"/>
+            </a:p>
+          </p:txBody>
+        </p:sp>
+        <p:pic>
+          <p:nvPicPr>
+            <p:cNvPr id="73" name="Image 72">
+              <a:extLst>
+                <a:ext uri="{FF2B5EF4-FFF2-40B4-BE49-F238E27FC236}">
+                  <a16:creationId xmlns:a16="http://schemas.microsoft.com/office/drawing/2014/main" id="{5D258DF4-4154-924D-2E00-EA95F15B7531}"/>
+                </a:ext>
+              </a:extLst>
+            </p:cNvPr>
+            <p:cNvPicPr>
+              <a:picLocks noChangeAspect="1"/>
+            </p:cNvPicPr>
+            <p:nvPr/>
+          </p:nvPicPr>
+          <p:blipFill>
+            <a:blip r:embed="rId15"/>
+            <a:stretch>
+              <a:fillRect/>
+            </a:stretch>
+          </p:blipFill>
+          <p:spPr>
+            <a:xfrm>
+              <a:off x="10456414" y="4137988"/>
+              <a:ext cx="1728000" cy="1728000"/>
+            </a:xfrm>
+            <a:prstGeom prst="rect">
+              <a:avLst/>
+            </a:prstGeom>
+          </p:spPr>
+        </p:pic>
+      </p:grpSp>
+      <p:grpSp>
+        <p:nvGrpSpPr>
+          <p:cNvPr id="74" name="Groupe 73">
+            <a:extLst>
+              <a:ext uri="{FF2B5EF4-FFF2-40B4-BE49-F238E27FC236}">
+                <a16:creationId xmlns:a16="http://schemas.microsoft.com/office/drawing/2014/main" id="{E5104D9B-25B7-461F-6115-0B05527D20E2}"/>
+              </a:ext>
+            </a:extLst>
+          </p:cNvPr>
+          <p:cNvGrpSpPr/>
+          <p:nvPr/>
+        </p:nvGrpSpPr>
+        <p:grpSpPr>
+          <a:xfrm>
+            <a:off x="6620033" y="4152769"/>
+            <a:ext cx="180000" cy="180000"/>
+            <a:chOff x="5404964" y="4396133"/>
+            <a:chExt cx="1800000" cy="1800000"/>
+          </a:xfrm>
+        </p:grpSpPr>
+        <p:sp>
+          <p:nvSpPr>
+            <p:cNvPr id="75" name="Ellipse 74">
+              <a:extLst>
+                <a:ext uri="{FF2B5EF4-FFF2-40B4-BE49-F238E27FC236}">
+                  <a16:creationId xmlns:a16="http://schemas.microsoft.com/office/drawing/2014/main" id="{2B2EEB95-FEBF-1AAE-43B8-30BFBBBC0CBB}"/>
+                </a:ext>
+              </a:extLst>
+            </p:cNvPr>
+            <p:cNvSpPr/>
+            <p:nvPr/>
+          </p:nvSpPr>
+          <p:spPr>
+            <a:xfrm>
+              <a:off x="5404964" y="4396133"/>
+              <a:ext cx="1800000" cy="1800000"/>
+            </a:xfrm>
+            <a:prstGeom prst="ellipse">
+              <a:avLst/>
+            </a:prstGeom>
+            <a:solidFill>
+              <a:srgbClr val="00517A"/>
+            </a:solidFill>
+            <a:ln>
+              <a:noFill/>
+            </a:ln>
+          </p:spPr>
+          <p:style>
+            <a:lnRef idx="2">
+              <a:schemeClr val="accent1">
+                <a:shade val="50000"/>
+              </a:schemeClr>
+            </a:lnRef>
+            <a:fillRef idx="1">
+              <a:schemeClr val="accent1"/>
+            </a:fillRef>
+            <a:effectRef idx="0">
+              <a:schemeClr val="accent1"/>
+            </a:effectRef>
+            <a:fontRef idx="minor">
+              <a:schemeClr val="lt1"/>
+            </a:fontRef>
+          </p:style>
+          <p:txBody>
+            <a:bodyPr rtlCol="0" anchor="ctr"/>
+            <a:lstStyle/>
+            <a:p>
+              <a:pPr algn="ctr"/>
+              <a:endParaRPr lang="fr-FR"/>
+            </a:p>
+          </p:txBody>
+        </p:sp>
+        <p:pic>
+          <p:nvPicPr>
+            <p:cNvPr id="76" name="Image 75">
+              <a:extLst>
+                <a:ext uri="{FF2B5EF4-FFF2-40B4-BE49-F238E27FC236}">
+                  <a16:creationId xmlns:a16="http://schemas.microsoft.com/office/drawing/2014/main" id="{C4D2A5C1-140A-68E3-B356-1067A6630219}"/>
+                </a:ext>
+              </a:extLst>
+            </p:cNvPr>
+            <p:cNvPicPr>
+              <a:picLocks noChangeAspect="1"/>
+            </p:cNvPicPr>
+            <p:nvPr/>
+          </p:nvPicPr>
+          <p:blipFill>
+            <a:blip r:embed="rId2"/>
+            <a:stretch>
+              <a:fillRect/>
+            </a:stretch>
+          </p:blipFill>
+          <p:spPr>
+            <a:xfrm>
+              <a:off x="5543445" y="4536296"/>
+              <a:ext cx="1358232" cy="1440000"/>
+            </a:xfrm>
+            <a:prstGeom prst="rect">
+              <a:avLst/>
+            </a:prstGeom>
+          </p:spPr>
+        </p:pic>
+      </p:grpSp>
+      <p:grpSp>
+        <p:nvGrpSpPr>
+          <p:cNvPr id="77" name="Groupe 76">
+            <a:extLst>
+              <a:ext uri="{FF2B5EF4-FFF2-40B4-BE49-F238E27FC236}">
+                <a16:creationId xmlns:a16="http://schemas.microsoft.com/office/drawing/2014/main" id="{5AF7E2D4-7F33-36D7-D138-A9F62B995D0D}"/>
+              </a:ext>
+            </a:extLst>
+          </p:cNvPr>
+          <p:cNvGrpSpPr/>
+          <p:nvPr/>
+        </p:nvGrpSpPr>
+        <p:grpSpPr>
+          <a:xfrm>
+            <a:off x="4256938" y="4184682"/>
+            <a:ext cx="360000" cy="360000"/>
+            <a:chOff x="5404964" y="4396133"/>
+            <a:chExt cx="1800000" cy="1800000"/>
+          </a:xfrm>
+        </p:grpSpPr>
+        <p:sp>
+          <p:nvSpPr>
+            <p:cNvPr id="78" name="Ellipse 77">
+              <a:extLst>
+                <a:ext uri="{FF2B5EF4-FFF2-40B4-BE49-F238E27FC236}">
+                  <a16:creationId xmlns:a16="http://schemas.microsoft.com/office/drawing/2014/main" id="{2E08B993-2B7A-4A11-280C-86CE3EADC505}"/>
+                </a:ext>
+              </a:extLst>
+            </p:cNvPr>
+            <p:cNvSpPr/>
+            <p:nvPr/>
+          </p:nvSpPr>
+          <p:spPr>
+            <a:xfrm>
+              <a:off x="5404964" y="4396133"/>
+              <a:ext cx="1800000" cy="1800000"/>
+            </a:xfrm>
+            <a:prstGeom prst="ellipse">
+              <a:avLst/>
+            </a:prstGeom>
+            <a:solidFill>
+              <a:srgbClr val="00517A"/>
+            </a:solidFill>
+            <a:ln>
+              <a:noFill/>
+            </a:ln>
+          </p:spPr>
+          <p:style>
+            <a:lnRef idx="2">
+              <a:schemeClr val="accent1">
+                <a:shade val="50000"/>
+              </a:schemeClr>
+            </a:lnRef>
+            <a:fillRef idx="1">
+              <a:schemeClr val="accent1"/>
+            </a:fillRef>
+            <a:effectRef idx="0">
+              <a:schemeClr val="accent1"/>
+            </a:effectRef>
+            <a:fontRef idx="minor">
+              <a:schemeClr val="lt1"/>
+            </a:fontRef>
+          </p:style>
+          <p:txBody>
+            <a:bodyPr rtlCol="0" anchor="ctr"/>
+            <a:lstStyle/>
+            <a:p>
+              <a:pPr algn="ctr"/>
+              <a:endParaRPr lang="fr-FR"/>
+            </a:p>
+          </p:txBody>
+        </p:sp>
+        <p:pic>
+          <p:nvPicPr>
+            <p:cNvPr id="79" name="Image 78">
+              <a:extLst>
+                <a:ext uri="{FF2B5EF4-FFF2-40B4-BE49-F238E27FC236}">
+                  <a16:creationId xmlns:a16="http://schemas.microsoft.com/office/drawing/2014/main" id="{95AD564C-6E3E-00C2-D987-DB0BB5EA2959}"/>
+                </a:ext>
+              </a:extLst>
+            </p:cNvPr>
+            <p:cNvPicPr>
+              <a:picLocks noChangeAspect="1"/>
+            </p:cNvPicPr>
+            <p:nvPr/>
+          </p:nvPicPr>
+          <p:blipFill>
+            <a:blip r:embed="rId2"/>
+            <a:stretch>
+              <a:fillRect/>
+            </a:stretch>
+          </p:blipFill>
+          <p:spPr>
+            <a:xfrm>
+              <a:off x="5543445" y="4536296"/>
+              <a:ext cx="1358232" cy="1440000"/>
+            </a:xfrm>
+            <a:prstGeom prst="rect">
+              <a:avLst/>
+            </a:prstGeom>
+          </p:spPr>
+        </p:pic>
+      </p:grpSp>
+      <p:grpSp>
+        <p:nvGrpSpPr>
+          <p:cNvPr id="80" name="Groupe 79">
+            <a:extLst>
+              <a:ext uri="{FF2B5EF4-FFF2-40B4-BE49-F238E27FC236}">
+                <a16:creationId xmlns:a16="http://schemas.microsoft.com/office/drawing/2014/main" id="{9D806A86-C9C7-A1FE-FAA7-65475FD3A239}"/>
+              </a:ext>
+            </a:extLst>
+          </p:cNvPr>
+          <p:cNvGrpSpPr/>
+          <p:nvPr/>
+        </p:nvGrpSpPr>
+        <p:grpSpPr>
+          <a:xfrm>
+            <a:off x="5722022" y="3972769"/>
+            <a:ext cx="360000" cy="360000"/>
+            <a:chOff x="5404964" y="4396133"/>
+            <a:chExt cx="1800000" cy="1800000"/>
+          </a:xfrm>
+        </p:grpSpPr>
+        <p:sp>
+          <p:nvSpPr>
+            <p:cNvPr id="81" name="Ellipse 80">
+              <a:extLst>
+                <a:ext uri="{FF2B5EF4-FFF2-40B4-BE49-F238E27FC236}">
+                  <a16:creationId xmlns:a16="http://schemas.microsoft.com/office/drawing/2014/main" id="{D4E68315-80A1-CA93-4BBD-072A7B76617B}"/>
+                </a:ext>
+              </a:extLst>
+            </p:cNvPr>
+            <p:cNvSpPr/>
+            <p:nvPr/>
+          </p:nvSpPr>
+          <p:spPr>
+            <a:xfrm>
+              <a:off x="5404964" y="4396133"/>
+              <a:ext cx="1800000" cy="1800000"/>
+            </a:xfrm>
+            <a:prstGeom prst="ellipse">
+              <a:avLst/>
+            </a:prstGeom>
+            <a:solidFill>
+              <a:srgbClr val="00517A"/>
+            </a:solidFill>
+            <a:ln>
+              <a:noFill/>
+            </a:ln>
+          </p:spPr>
+          <p:style>
+            <a:lnRef idx="2">
+              <a:schemeClr val="accent1">
+                <a:shade val="50000"/>
+              </a:schemeClr>
+            </a:lnRef>
+            <a:fillRef idx="1">
+              <a:schemeClr val="accent1"/>
+            </a:fillRef>
+            <a:effectRef idx="0">
+              <a:schemeClr val="accent1"/>
+            </a:effectRef>
+            <a:fontRef idx="minor">
+              <a:schemeClr val="lt1"/>
+            </a:fontRef>
+          </p:style>
+          <p:txBody>
+            <a:bodyPr rtlCol="0" anchor="ctr"/>
+            <a:lstStyle/>
+            <a:p>
+              <a:pPr algn="ctr"/>
+              <a:endParaRPr lang="fr-FR"/>
+            </a:p>
+          </p:txBody>
+        </p:sp>
+        <p:pic>
+          <p:nvPicPr>
+            <p:cNvPr id="82" name="Image 81">
+              <a:extLst>
+                <a:ext uri="{FF2B5EF4-FFF2-40B4-BE49-F238E27FC236}">
+                  <a16:creationId xmlns:a16="http://schemas.microsoft.com/office/drawing/2014/main" id="{4A0F208E-A3A0-5103-352F-A6D6CE78E9D6}"/>
+                </a:ext>
+              </a:extLst>
+            </p:cNvPr>
+            <p:cNvPicPr>
+              <a:picLocks noChangeAspect="1"/>
+            </p:cNvPicPr>
+            <p:nvPr/>
+          </p:nvPicPr>
+          <p:blipFill>
+            <a:blip r:embed="rId2"/>
+            <a:stretch>
+              <a:fillRect/>
+            </a:stretch>
+          </p:blipFill>
+          <p:spPr>
+            <a:xfrm>
+              <a:off x="5543445" y="4536296"/>
+              <a:ext cx="1358232" cy="1440000"/>
+            </a:xfrm>
+            <a:prstGeom prst="rect">
+              <a:avLst/>
+            </a:prstGeom>
+          </p:spPr>
+        </p:pic>
+      </p:grpSp>
+      <p:grpSp>
+        <p:nvGrpSpPr>
+          <p:cNvPr id="83" name="Groupe 82">
+            <a:extLst>
+              <a:ext uri="{FF2B5EF4-FFF2-40B4-BE49-F238E27FC236}">
+                <a16:creationId xmlns:a16="http://schemas.microsoft.com/office/drawing/2014/main" id="{C0001C8F-687F-FA5A-D8F7-90D828DB22D9}"/>
+              </a:ext>
+            </a:extLst>
+          </p:cNvPr>
+          <p:cNvGrpSpPr/>
+          <p:nvPr/>
+        </p:nvGrpSpPr>
+        <p:grpSpPr>
+          <a:xfrm>
+            <a:off x="7012093" y="3960992"/>
+            <a:ext cx="360000" cy="360000"/>
+            <a:chOff x="5404964" y="4396133"/>
+            <a:chExt cx="1800000" cy="1800000"/>
+          </a:xfrm>
+        </p:grpSpPr>
+        <p:sp>
+          <p:nvSpPr>
+            <p:cNvPr id="84" name="Ellipse 83">
+              <a:extLst>
+                <a:ext uri="{FF2B5EF4-FFF2-40B4-BE49-F238E27FC236}">
+                  <a16:creationId xmlns:a16="http://schemas.microsoft.com/office/drawing/2014/main" id="{25869531-99F0-CBD0-292F-CA06B7AD246B}"/>
+                </a:ext>
+              </a:extLst>
+            </p:cNvPr>
+            <p:cNvSpPr/>
+            <p:nvPr/>
+          </p:nvSpPr>
+          <p:spPr>
+            <a:xfrm>
+              <a:off x="5404964" y="4396133"/>
+              <a:ext cx="1800000" cy="1800000"/>
+            </a:xfrm>
+            <a:prstGeom prst="ellipse">
+              <a:avLst/>
+            </a:prstGeom>
+            <a:solidFill>
+              <a:srgbClr val="00517A"/>
+            </a:solidFill>
+            <a:ln>
+              <a:noFill/>
+            </a:ln>
+          </p:spPr>
+          <p:style>
+            <a:lnRef idx="2">
+              <a:schemeClr val="accent1">
+                <a:shade val="50000"/>
+              </a:schemeClr>
+            </a:lnRef>
+            <a:fillRef idx="1">
+              <a:schemeClr val="accent1"/>
+            </a:fillRef>
+            <a:effectRef idx="0">
+              <a:schemeClr val="accent1"/>
+            </a:effectRef>
+            <a:fontRef idx="minor">
+              <a:schemeClr val="lt1"/>
+            </a:fontRef>
+          </p:style>
+          <p:txBody>
+            <a:bodyPr rtlCol="0" anchor="ctr"/>
+            <a:lstStyle/>
+            <a:p>
+              <a:pPr algn="ctr"/>
+              <a:endParaRPr lang="fr-FR"/>
+            </a:p>
+          </p:txBody>
+        </p:sp>
+        <p:pic>
+          <p:nvPicPr>
+            <p:cNvPr id="85" name="Image 84">
+              <a:extLst>
+                <a:ext uri="{FF2B5EF4-FFF2-40B4-BE49-F238E27FC236}">
+                  <a16:creationId xmlns:a16="http://schemas.microsoft.com/office/drawing/2014/main" id="{76B7A53E-7608-3411-8CD5-85A665E178E4}"/>
+                </a:ext>
+              </a:extLst>
+            </p:cNvPr>
+            <p:cNvPicPr>
+              <a:picLocks noChangeAspect="1"/>
+            </p:cNvPicPr>
+            <p:nvPr/>
+          </p:nvPicPr>
+          <p:blipFill>
+            <a:blip r:embed="rId2"/>
+            <a:stretch>
+              <a:fillRect/>
+            </a:stretch>
+          </p:blipFill>
+          <p:spPr>
+            <a:xfrm>
+              <a:off x="5543445" y="4536296"/>
+              <a:ext cx="1358232" cy="1440000"/>
+            </a:xfrm>
+            <a:prstGeom prst="rect">
+              <a:avLst/>
+            </a:prstGeom>
+          </p:spPr>
+        </p:pic>
+      </p:grpSp>
     </p:spTree>
     <p:extLst>
       <p:ext uri="{BB962C8B-B14F-4D97-AF65-F5344CB8AC3E}">
-        <p14:creationId xmlns:p14="http://schemas.microsoft.com/office/powerpoint/2010/main" val="3087461575"/>
+        <p14:creationId xmlns:p14="http://schemas.microsoft.com/office/powerpoint/2010/main" val="819210448"/>
       </p:ext>
     </p:extLst>
   </p:cSld>

--- a/ChaineFonctionnelle_V2.pptx
+++ b/ChaineFonctionnelle_V2.pptx
@@ -211,7 +211,7 @@
           <a:p>
             <a:fld id="{302BE938-A2A1-499B-8D27-FFAE69A40805}" type="datetimeFigureOut">
               <a:rPr lang="fr-FR" smtClean="0"/>
-              <a:t>05/04/2023</a:t>
+              <a:t>06/04/2023</a:t>
             </a:fld>
             <a:endParaRPr lang="fr-FR"/>
           </a:p>
@@ -709,7 +709,7 @@
           <a:p>
             <a:fld id="{CBBDF585-21ED-4D60-8F93-A9937640259B}" type="datetimeFigureOut">
               <a:rPr lang="fr-FR" smtClean="0"/>
-              <a:t>05/04/2023</a:t>
+              <a:t>06/04/2023</a:t>
             </a:fld>
             <a:endParaRPr lang="fr-FR"/>
           </a:p>
@@ -907,7 +907,7 @@
           <a:p>
             <a:fld id="{CBBDF585-21ED-4D60-8F93-A9937640259B}" type="datetimeFigureOut">
               <a:rPr lang="fr-FR" smtClean="0"/>
-              <a:t>05/04/2023</a:t>
+              <a:t>06/04/2023</a:t>
             </a:fld>
             <a:endParaRPr lang="fr-FR"/>
           </a:p>
@@ -1115,7 +1115,7 @@
           <a:p>
             <a:fld id="{CBBDF585-21ED-4D60-8F93-A9937640259B}" type="datetimeFigureOut">
               <a:rPr lang="fr-FR" smtClean="0"/>
-              <a:t>05/04/2023</a:t>
+              <a:t>06/04/2023</a:t>
             </a:fld>
             <a:endParaRPr lang="fr-FR"/>
           </a:p>
@@ -1313,7 +1313,7 @@
           <a:p>
             <a:fld id="{CBBDF585-21ED-4D60-8F93-A9937640259B}" type="datetimeFigureOut">
               <a:rPr lang="fr-FR" smtClean="0"/>
-              <a:t>05/04/2023</a:t>
+              <a:t>06/04/2023</a:t>
             </a:fld>
             <a:endParaRPr lang="fr-FR"/>
           </a:p>
@@ -1588,7 +1588,7 @@
           <a:p>
             <a:fld id="{CBBDF585-21ED-4D60-8F93-A9937640259B}" type="datetimeFigureOut">
               <a:rPr lang="fr-FR" smtClean="0"/>
-              <a:t>05/04/2023</a:t>
+              <a:t>06/04/2023</a:t>
             </a:fld>
             <a:endParaRPr lang="fr-FR"/>
           </a:p>
@@ -1853,7 +1853,7 @@
           <a:p>
             <a:fld id="{CBBDF585-21ED-4D60-8F93-A9937640259B}" type="datetimeFigureOut">
               <a:rPr lang="fr-FR" smtClean="0"/>
-              <a:t>05/04/2023</a:t>
+              <a:t>06/04/2023</a:t>
             </a:fld>
             <a:endParaRPr lang="fr-FR"/>
           </a:p>
@@ -2265,7 +2265,7 @@
           <a:p>
             <a:fld id="{CBBDF585-21ED-4D60-8F93-A9937640259B}" type="datetimeFigureOut">
               <a:rPr lang="fr-FR" smtClean="0"/>
-              <a:t>05/04/2023</a:t>
+              <a:t>06/04/2023</a:t>
             </a:fld>
             <a:endParaRPr lang="fr-FR"/>
           </a:p>
@@ -2406,7 +2406,7 @@
           <a:p>
             <a:fld id="{CBBDF585-21ED-4D60-8F93-A9937640259B}" type="datetimeFigureOut">
               <a:rPr lang="fr-FR" smtClean="0"/>
-              <a:t>05/04/2023</a:t>
+              <a:t>06/04/2023</a:t>
             </a:fld>
             <a:endParaRPr lang="fr-FR"/>
           </a:p>
@@ -2519,7 +2519,7 @@
           <a:p>
             <a:fld id="{CBBDF585-21ED-4D60-8F93-A9937640259B}" type="datetimeFigureOut">
               <a:rPr lang="fr-FR" smtClean="0"/>
-              <a:t>05/04/2023</a:t>
+              <a:t>06/04/2023</a:t>
             </a:fld>
             <a:endParaRPr lang="fr-FR"/>
           </a:p>
@@ -2830,7 +2830,7 @@
           <a:p>
             <a:fld id="{CBBDF585-21ED-4D60-8F93-A9937640259B}" type="datetimeFigureOut">
               <a:rPr lang="fr-FR" smtClean="0"/>
-              <a:t>05/04/2023</a:t>
+              <a:t>06/04/2023</a:t>
             </a:fld>
             <a:endParaRPr lang="fr-FR"/>
           </a:p>
@@ -3118,7 +3118,7 @@
           <a:p>
             <a:fld id="{CBBDF585-21ED-4D60-8F93-A9937640259B}" type="datetimeFigureOut">
               <a:rPr lang="fr-FR" smtClean="0"/>
-              <a:t>05/04/2023</a:t>
+              <a:t>06/04/2023</a:t>
             </a:fld>
             <a:endParaRPr lang="fr-FR"/>
           </a:p>
@@ -3359,7 +3359,7 @@
           <a:p>
             <a:fld id="{CBBDF585-21ED-4D60-8F93-A9937640259B}" type="datetimeFigureOut">
               <a:rPr lang="fr-FR" smtClean="0"/>
-              <a:t>05/04/2023</a:t>
+              <a:t>06/04/2023</a:t>
             </a:fld>
             <a:endParaRPr lang="fr-FR"/>
           </a:p>
@@ -10159,6 +10159,109 @@
           </p:spPr>
         </p:pic>
       </p:grpSp>
+      <p:grpSp>
+        <p:nvGrpSpPr>
+          <p:cNvPr id="150" name="Groupe 149">
+            <a:extLst>
+              <a:ext uri="{FF2B5EF4-FFF2-40B4-BE49-F238E27FC236}">
+                <a16:creationId xmlns:a16="http://schemas.microsoft.com/office/drawing/2014/main" id="{0228CC11-469A-D0FE-65B9-C51C5B31C831}"/>
+              </a:ext>
+            </a:extLst>
+          </p:cNvPr>
+          <p:cNvGrpSpPr/>
+          <p:nvPr/>
+        </p:nvGrpSpPr>
+        <p:grpSpPr>
+          <a:xfrm>
+            <a:off x="2652926" y="537432"/>
+            <a:ext cx="1800000" cy="1800000"/>
+            <a:chOff x="2652926" y="537432"/>
+            <a:chExt cx="1800000" cy="1800000"/>
+          </a:xfrm>
+        </p:grpSpPr>
+        <p:sp>
+          <p:nvSpPr>
+            <p:cNvPr id="141" name="Ellipse 140">
+              <a:extLst>
+                <a:ext uri="{FF2B5EF4-FFF2-40B4-BE49-F238E27FC236}">
+                  <a16:creationId xmlns:a16="http://schemas.microsoft.com/office/drawing/2014/main" id="{B685E059-A870-75C6-40CF-5E75661DE9EC}"/>
+                </a:ext>
+              </a:extLst>
+            </p:cNvPr>
+            <p:cNvSpPr/>
+            <p:nvPr/>
+          </p:nvSpPr>
+          <p:spPr>
+            <a:xfrm>
+              <a:off x="2652926" y="537432"/>
+              <a:ext cx="1800000" cy="1800000"/>
+            </a:xfrm>
+            <a:prstGeom prst="ellipse">
+              <a:avLst/>
+            </a:prstGeom>
+            <a:solidFill>
+              <a:srgbClr val="00547F"/>
+            </a:solidFill>
+            <a:ln>
+              <a:noFill/>
+            </a:ln>
+          </p:spPr>
+          <p:style>
+            <a:lnRef idx="2">
+              <a:schemeClr val="accent1">
+                <a:shade val="50000"/>
+              </a:schemeClr>
+            </a:lnRef>
+            <a:fillRef idx="1">
+              <a:schemeClr val="accent1"/>
+            </a:fillRef>
+            <a:effectRef idx="0">
+              <a:schemeClr val="accent1"/>
+            </a:effectRef>
+            <a:fontRef idx="minor">
+              <a:schemeClr val="lt1"/>
+            </a:fontRef>
+          </p:style>
+          <p:txBody>
+            <a:bodyPr rtlCol="0" anchor="ctr"/>
+            <a:lstStyle/>
+            <a:p>
+              <a:pPr algn="ctr"/>
+              <a:endParaRPr lang="fr-FR"/>
+            </a:p>
+          </p:txBody>
+        </p:sp>
+        <p:pic>
+          <p:nvPicPr>
+            <p:cNvPr id="148" name="Image 147">
+              <a:extLst>
+                <a:ext uri="{FF2B5EF4-FFF2-40B4-BE49-F238E27FC236}">
+                  <a16:creationId xmlns:a16="http://schemas.microsoft.com/office/drawing/2014/main" id="{7BC2E5E9-0F3F-DFC7-B2CC-E402A4C01BD3}"/>
+                </a:ext>
+              </a:extLst>
+            </p:cNvPr>
+            <p:cNvPicPr>
+              <a:picLocks noChangeAspect="1"/>
+            </p:cNvPicPr>
+            <p:nvPr/>
+          </p:nvPicPr>
+          <p:blipFill>
+            <a:blip r:embed="rId52"/>
+            <a:stretch>
+              <a:fillRect/>
+            </a:stretch>
+          </p:blipFill>
+          <p:spPr>
+            <a:xfrm>
+              <a:off x="2963135" y="929882"/>
+              <a:ext cx="1179583" cy="1179583"/>
+            </a:xfrm>
+            <a:prstGeom prst="rect">
+              <a:avLst/>
+            </a:prstGeom>
+          </p:spPr>
+        </p:pic>
+      </p:grpSp>
     </p:spTree>
     <p:extLst>
       <p:ext uri="{BB962C8B-B14F-4D97-AF65-F5344CB8AC3E}">
@@ -14233,88 +14336,109 @@
           </a:prstGeom>
         </p:spPr>
       </p:pic>
-      <p:sp>
-        <p:nvSpPr>
-          <p:cNvPr id="49" name="Ellipse 48">
-            <a:extLst>
-              <a:ext uri="{FF2B5EF4-FFF2-40B4-BE49-F238E27FC236}">
-                <a16:creationId xmlns:a16="http://schemas.microsoft.com/office/drawing/2014/main" id="{35B8D14E-4517-D148-CA23-6C8ACD3DF6FA}"/>
-              </a:ext>
-            </a:extLst>
-          </p:cNvPr>
-          <p:cNvSpPr/>
+      <p:grpSp>
+        <p:nvGrpSpPr>
+          <p:cNvPr id="45" name="Groupe 44">
+            <a:extLst>
+              <a:ext uri="{FF2B5EF4-FFF2-40B4-BE49-F238E27FC236}">
+                <a16:creationId xmlns:a16="http://schemas.microsoft.com/office/drawing/2014/main" id="{2FC21480-46E3-F389-4E43-568F7DAB856D}"/>
+              </a:ext>
+            </a:extLst>
+          </p:cNvPr>
+          <p:cNvGrpSpPr/>
           <p:nvPr/>
-        </p:nvSpPr>
-        <p:spPr>
+        </p:nvGrpSpPr>
+        <p:grpSpPr>
           <a:xfrm>
             <a:off x="262758" y="2633974"/>
             <a:ext cx="720000" cy="720000"/>
-          </a:xfrm>
-          <a:prstGeom prst="ellipse">
-            <a:avLst/>
-          </a:prstGeom>
-          <a:solidFill>
-            <a:srgbClr val="00547F"/>
-          </a:solidFill>
-          <a:ln>
-            <a:noFill/>
-          </a:ln>
-        </p:spPr>
-        <p:style>
-          <a:lnRef idx="2">
-            <a:schemeClr val="accent1">
-              <a:shade val="50000"/>
-            </a:schemeClr>
-          </a:lnRef>
-          <a:fillRef idx="1">
-            <a:schemeClr val="accent1"/>
-          </a:fillRef>
-          <a:effectRef idx="0">
-            <a:schemeClr val="accent1"/>
-          </a:effectRef>
-          <a:fontRef idx="minor">
-            <a:schemeClr val="lt1"/>
-          </a:fontRef>
-        </p:style>
-        <p:txBody>
-          <a:bodyPr rtlCol="0" anchor="ctr"/>
-          <a:lstStyle/>
-          <a:p>
-            <a:pPr algn="ctr"/>
-            <a:endParaRPr lang="fr-FR"/>
-          </a:p>
-        </p:txBody>
-      </p:sp>
-      <p:pic>
-        <p:nvPicPr>
-          <p:cNvPr id="50" name="Image 49">
-            <a:extLst>
-              <a:ext uri="{FF2B5EF4-FFF2-40B4-BE49-F238E27FC236}">
-                <a16:creationId xmlns:a16="http://schemas.microsoft.com/office/drawing/2014/main" id="{8D149F6C-65AE-6F5B-EA20-EC108E82F25F}"/>
-              </a:ext>
-            </a:extLst>
-          </p:cNvPr>
-          <p:cNvPicPr>
-            <a:picLocks noChangeAspect="1"/>
-          </p:cNvPicPr>
-          <p:nvPr/>
-        </p:nvPicPr>
-        <p:blipFill>
-          <a:blip r:embed="rId35"/>
-          <a:stretch>
-            <a:fillRect/>
-          </a:stretch>
-        </p:blipFill>
-        <p:spPr>
-          <a:xfrm>
-            <a:off x="363558" y="2734774"/>
-            <a:ext cx="518400" cy="518400"/>
-          </a:xfrm>
-          <a:prstGeom prst="rect">
-            <a:avLst/>
-          </a:prstGeom>
-        </p:spPr>
-      </p:pic>
+            <a:chOff x="262758" y="2633974"/>
+            <a:chExt cx="720000" cy="720000"/>
+          </a:xfrm>
+        </p:grpSpPr>
+        <p:sp>
+          <p:nvSpPr>
+            <p:cNvPr id="49" name="Ellipse 48">
+              <a:extLst>
+                <a:ext uri="{FF2B5EF4-FFF2-40B4-BE49-F238E27FC236}">
+                  <a16:creationId xmlns:a16="http://schemas.microsoft.com/office/drawing/2014/main" id="{35B8D14E-4517-D148-CA23-6C8ACD3DF6FA}"/>
+                </a:ext>
+              </a:extLst>
+            </p:cNvPr>
+            <p:cNvSpPr/>
+            <p:nvPr/>
+          </p:nvSpPr>
+          <p:spPr>
+            <a:xfrm>
+              <a:off x="262758" y="2633974"/>
+              <a:ext cx="720000" cy="720000"/>
+            </a:xfrm>
+            <a:prstGeom prst="ellipse">
+              <a:avLst/>
+            </a:prstGeom>
+            <a:solidFill>
+              <a:srgbClr val="00547F"/>
+            </a:solidFill>
+            <a:ln>
+              <a:noFill/>
+            </a:ln>
+          </p:spPr>
+          <p:style>
+            <a:lnRef idx="2">
+              <a:schemeClr val="accent1">
+                <a:shade val="50000"/>
+              </a:schemeClr>
+            </a:lnRef>
+            <a:fillRef idx="1">
+              <a:schemeClr val="accent1"/>
+            </a:fillRef>
+            <a:effectRef idx="0">
+              <a:schemeClr val="accent1"/>
+            </a:effectRef>
+            <a:fontRef idx="minor">
+              <a:schemeClr val="lt1"/>
+            </a:fontRef>
+          </p:style>
+          <p:txBody>
+            <a:bodyPr rtlCol="0" anchor="ctr"/>
+            <a:lstStyle/>
+            <a:p>
+              <a:pPr algn="ctr"/>
+              <a:endParaRPr lang="fr-FR"/>
+            </a:p>
+          </p:txBody>
+        </p:sp>
+        <p:pic>
+          <p:nvPicPr>
+            <p:cNvPr id="50" name="Image 49">
+              <a:extLst>
+                <a:ext uri="{FF2B5EF4-FFF2-40B4-BE49-F238E27FC236}">
+                  <a16:creationId xmlns:a16="http://schemas.microsoft.com/office/drawing/2014/main" id="{8D149F6C-65AE-6F5B-EA20-EC108E82F25F}"/>
+                </a:ext>
+              </a:extLst>
+            </p:cNvPr>
+            <p:cNvPicPr>
+              <a:picLocks noChangeAspect="1"/>
+            </p:cNvPicPr>
+            <p:nvPr/>
+          </p:nvPicPr>
+          <p:blipFill>
+            <a:blip r:embed="rId35"/>
+            <a:stretch>
+              <a:fillRect/>
+            </a:stretch>
+          </p:blipFill>
+          <p:spPr>
+            <a:xfrm>
+              <a:off x="363558" y="2734774"/>
+              <a:ext cx="518400" cy="518400"/>
+            </a:xfrm>
+            <a:prstGeom prst="rect">
+              <a:avLst/>
+            </a:prstGeom>
+          </p:spPr>
+        </p:pic>
+      </p:grpSp>
       <p:sp>
         <p:nvSpPr>
           <p:cNvPr id="52" name="Ellipse 51">
@@ -15835,6 +15959,109 @@
           </a:prstGeom>
         </p:spPr>
       </p:pic>
+      <p:grpSp>
+        <p:nvGrpSpPr>
+          <p:cNvPr id="114" name="Groupe 113">
+            <a:extLst>
+              <a:ext uri="{FF2B5EF4-FFF2-40B4-BE49-F238E27FC236}">
+                <a16:creationId xmlns:a16="http://schemas.microsoft.com/office/drawing/2014/main" id="{D9EF01D1-C91F-C75A-242D-4D80BED11B8F}"/>
+              </a:ext>
+            </a:extLst>
+          </p:cNvPr>
+          <p:cNvGrpSpPr/>
+          <p:nvPr/>
+        </p:nvGrpSpPr>
+        <p:grpSpPr>
+          <a:xfrm>
+            <a:off x="10441958" y="3705191"/>
+            <a:ext cx="720000" cy="720000"/>
+            <a:chOff x="10441958" y="3705191"/>
+            <a:chExt cx="720000" cy="720000"/>
+          </a:xfrm>
+        </p:grpSpPr>
+        <p:sp>
+          <p:nvSpPr>
+            <p:cNvPr id="51" name="Ellipse 50">
+              <a:extLst>
+                <a:ext uri="{FF2B5EF4-FFF2-40B4-BE49-F238E27FC236}">
+                  <a16:creationId xmlns:a16="http://schemas.microsoft.com/office/drawing/2014/main" id="{EC0AC37B-E26A-4478-68CF-0BA720B99B25}"/>
+                </a:ext>
+              </a:extLst>
+            </p:cNvPr>
+            <p:cNvSpPr/>
+            <p:nvPr/>
+          </p:nvSpPr>
+          <p:spPr>
+            <a:xfrm>
+              <a:off x="10441958" y="3705191"/>
+              <a:ext cx="720000" cy="720000"/>
+            </a:xfrm>
+            <a:prstGeom prst="ellipse">
+              <a:avLst/>
+            </a:prstGeom>
+            <a:solidFill>
+              <a:srgbClr val="EF7268"/>
+            </a:solidFill>
+            <a:ln>
+              <a:noFill/>
+            </a:ln>
+          </p:spPr>
+          <p:style>
+            <a:lnRef idx="2">
+              <a:schemeClr val="accent1">
+                <a:shade val="50000"/>
+              </a:schemeClr>
+            </a:lnRef>
+            <a:fillRef idx="1">
+              <a:schemeClr val="accent1"/>
+            </a:fillRef>
+            <a:effectRef idx="0">
+              <a:schemeClr val="accent1"/>
+            </a:effectRef>
+            <a:fontRef idx="minor">
+              <a:schemeClr val="lt1"/>
+            </a:fontRef>
+          </p:style>
+          <p:txBody>
+            <a:bodyPr rtlCol="0" anchor="ctr"/>
+            <a:lstStyle/>
+            <a:p>
+              <a:pPr algn="ctr"/>
+              <a:endParaRPr lang="fr-FR" dirty="0"/>
+            </a:p>
+          </p:txBody>
+        </p:sp>
+        <p:pic>
+          <p:nvPicPr>
+            <p:cNvPr id="101" name="Image 100">
+              <a:extLst>
+                <a:ext uri="{FF2B5EF4-FFF2-40B4-BE49-F238E27FC236}">
+                  <a16:creationId xmlns:a16="http://schemas.microsoft.com/office/drawing/2014/main" id="{AD01D70A-74D2-2687-4B5D-5652318A696F}"/>
+                </a:ext>
+              </a:extLst>
+            </p:cNvPr>
+            <p:cNvPicPr>
+              <a:picLocks noChangeAspect="1"/>
+            </p:cNvPicPr>
+            <p:nvPr/>
+          </p:nvPicPr>
+          <p:blipFill>
+            <a:blip r:embed="rId54"/>
+            <a:stretch>
+              <a:fillRect/>
+            </a:stretch>
+          </p:blipFill>
+          <p:spPr>
+            <a:xfrm>
+              <a:off x="10566042" y="3862171"/>
+              <a:ext cx="471833" cy="471833"/>
+            </a:xfrm>
+            <a:prstGeom prst="rect">
+              <a:avLst/>
+            </a:prstGeom>
+          </p:spPr>
+        </p:pic>
+      </p:grpSp>
     </p:spTree>
     <p:extLst>
       <p:ext uri="{BB962C8B-B14F-4D97-AF65-F5344CB8AC3E}">

--- a/ChaineFonctionnelle_V2.pptx
+++ b/ChaineFonctionnelle_V2.pptx
@@ -5223,58 +5223,6 @@
       </p:sp>
       <p:sp>
         <p:nvSpPr>
-          <p:cNvPr id="15" name="Ellipse 14">
-            <a:extLst>
-              <a:ext uri="{FF2B5EF4-FFF2-40B4-BE49-F238E27FC236}">
-                <a16:creationId xmlns:a16="http://schemas.microsoft.com/office/drawing/2014/main" id="{C969A346-69CF-07F3-F417-1DB6AB047B73}"/>
-              </a:ext>
-            </a:extLst>
-          </p:cNvPr>
-          <p:cNvSpPr/>
-          <p:nvPr/>
-        </p:nvSpPr>
-        <p:spPr>
-          <a:xfrm>
-            <a:off x="3868124" y="1066002"/>
-            <a:ext cx="1800000" cy="1800000"/>
-          </a:xfrm>
-          <a:prstGeom prst="ellipse">
-            <a:avLst/>
-          </a:prstGeom>
-          <a:solidFill>
-            <a:srgbClr val="00547F"/>
-          </a:solidFill>
-          <a:ln>
-            <a:noFill/>
-          </a:ln>
-        </p:spPr>
-        <p:style>
-          <a:lnRef idx="2">
-            <a:schemeClr val="accent1">
-              <a:shade val="50000"/>
-            </a:schemeClr>
-          </a:lnRef>
-          <a:fillRef idx="1">
-            <a:schemeClr val="accent1"/>
-          </a:fillRef>
-          <a:effectRef idx="0">
-            <a:schemeClr val="accent1"/>
-          </a:effectRef>
-          <a:fontRef idx="minor">
-            <a:schemeClr val="lt1"/>
-          </a:fontRef>
-        </p:style>
-        <p:txBody>
-          <a:bodyPr rtlCol="0" anchor="ctr"/>
-          <a:lstStyle/>
-          <a:p>
-            <a:pPr algn="ctr"/>
-            <a:endParaRPr lang="fr-FR"/>
-          </a:p>
-        </p:txBody>
-      </p:sp>
-      <p:sp>
-        <p:nvSpPr>
           <p:cNvPr id="17" name="Ellipse 16">
             <a:extLst>
               <a:ext uri="{FF2B5EF4-FFF2-40B4-BE49-F238E27FC236}">
@@ -10255,6 +10203,109 @@
             <a:xfrm>
               <a:off x="2963135" y="929882"/>
               <a:ext cx="1179583" cy="1179583"/>
+            </a:xfrm>
+            <a:prstGeom prst="rect">
+              <a:avLst/>
+            </a:prstGeom>
+          </p:spPr>
+        </p:pic>
+      </p:grpSp>
+      <p:grpSp>
+        <p:nvGrpSpPr>
+          <p:cNvPr id="157" name="Groupe 156">
+            <a:extLst>
+              <a:ext uri="{FF2B5EF4-FFF2-40B4-BE49-F238E27FC236}">
+                <a16:creationId xmlns:a16="http://schemas.microsoft.com/office/drawing/2014/main" id="{542415A5-971A-A868-68F6-7E4D2FE35BF6}"/>
+              </a:ext>
+            </a:extLst>
+          </p:cNvPr>
+          <p:cNvGrpSpPr/>
+          <p:nvPr/>
+        </p:nvGrpSpPr>
+        <p:grpSpPr>
+          <a:xfrm>
+            <a:off x="-2063262" y="2086237"/>
+            <a:ext cx="1800000" cy="1800000"/>
+            <a:chOff x="-2063262" y="2086237"/>
+            <a:chExt cx="1800000" cy="1800000"/>
+          </a:xfrm>
+        </p:grpSpPr>
+        <p:sp>
+          <p:nvSpPr>
+            <p:cNvPr id="15" name="Ellipse 14">
+              <a:extLst>
+                <a:ext uri="{FF2B5EF4-FFF2-40B4-BE49-F238E27FC236}">
+                  <a16:creationId xmlns:a16="http://schemas.microsoft.com/office/drawing/2014/main" id="{C969A346-69CF-07F3-F417-1DB6AB047B73}"/>
+                </a:ext>
+              </a:extLst>
+            </p:cNvPr>
+            <p:cNvSpPr/>
+            <p:nvPr/>
+          </p:nvSpPr>
+          <p:spPr>
+            <a:xfrm>
+              <a:off x="-2063262" y="2086237"/>
+              <a:ext cx="1800000" cy="1800000"/>
+            </a:xfrm>
+            <a:prstGeom prst="ellipse">
+              <a:avLst/>
+            </a:prstGeom>
+            <a:solidFill>
+              <a:srgbClr val="00547F"/>
+            </a:solidFill>
+            <a:ln>
+              <a:noFill/>
+            </a:ln>
+          </p:spPr>
+          <p:style>
+            <a:lnRef idx="2">
+              <a:schemeClr val="accent1">
+                <a:shade val="50000"/>
+              </a:schemeClr>
+            </a:lnRef>
+            <a:fillRef idx="1">
+              <a:schemeClr val="accent1"/>
+            </a:fillRef>
+            <a:effectRef idx="0">
+              <a:schemeClr val="accent1"/>
+            </a:effectRef>
+            <a:fontRef idx="minor">
+              <a:schemeClr val="lt1"/>
+            </a:fontRef>
+          </p:style>
+          <p:txBody>
+            <a:bodyPr rtlCol="0" anchor="ctr"/>
+            <a:lstStyle/>
+            <a:p>
+              <a:pPr algn="ctr"/>
+              <a:endParaRPr lang="fr-FR"/>
+            </a:p>
+          </p:txBody>
+        </p:sp>
+        <p:pic>
+          <p:nvPicPr>
+            <p:cNvPr id="154" name="Image 153">
+              <a:extLst>
+                <a:ext uri="{FF2B5EF4-FFF2-40B4-BE49-F238E27FC236}">
+                  <a16:creationId xmlns:a16="http://schemas.microsoft.com/office/drawing/2014/main" id="{F777AEFA-E6A8-770A-BD22-575BEA96EFD9}"/>
+                </a:ext>
+              </a:extLst>
+            </p:cNvPr>
+            <p:cNvPicPr>
+              <a:picLocks noChangeAspect="1"/>
+            </p:cNvPicPr>
+            <p:nvPr/>
+          </p:nvPicPr>
+          <p:blipFill>
+            <a:blip r:embed="rId53"/>
+            <a:stretch>
+              <a:fillRect/>
+            </a:stretch>
+          </p:blipFill>
+          <p:spPr>
+            <a:xfrm>
+              <a:off x="-1609131" y="2149544"/>
+              <a:ext cx="891738" cy="1673385"/>
             </a:xfrm>
             <a:prstGeom prst="rect">
               <a:avLst/>
@@ -13345,7 +13396,7 @@
         </p:nvGrpSpPr>
         <p:grpSpPr>
           <a:xfrm>
-            <a:off x="4072766" y="133118"/>
+            <a:off x="4440971" y="133118"/>
             <a:ext cx="720000" cy="720000"/>
             <a:chOff x="6138169" y="4069439"/>
             <a:chExt cx="1800000" cy="1800000"/>
@@ -13448,7 +13499,7 @@
         </p:nvGrpSpPr>
         <p:grpSpPr>
           <a:xfrm>
-            <a:off x="4072766" y="932810"/>
+            <a:off x="4440971" y="932810"/>
             <a:ext cx="720000" cy="720000"/>
             <a:chOff x="5013689" y="3604429"/>
             <a:chExt cx="1800000" cy="1800000"/>
@@ -15265,7 +15316,7 @@
         </p:nvGrpSpPr>
         <p:grpSpPr>
           <a:xfrm>
-            <a:off x="4899783" y="149054"/>
+            <a:off x="5267988" y="149054"/>
             <a:ext cx="720000" cy="720000"/>
             <a:chOff x="7522214" y="3518051"/>
             <a:chExt cx="1800000" cy="1800000"/>
@@ -16055,6 +16106,109 @@
             <a:xfrm>
               <a:off x="10566042" y="3862171"/>
               <a:ext cx="471833" cy="471833"/>
+            </a:xfrm>
+            <a:prstGeom prst="rect">
+              <a:avLst/>
+            </a:prstGeom>
+          </p:spPr>
+        </p:pic>
+      </p:grpSp>
+      <p:grpSp>
+        <p:nvGrpSpPr>
+          <p:cNvPr id="48" name="Groupe 47">
+            <a:extLst>
+              <a:ext uri="{FF2B5EF4-FFF2-40B4-BE49-F238E27FC236}">
+                <a16:creationId xmlns:a16="http://schemas.microsoft.com/office/drawing/2014/main" id="{E147F9F5-7826-93B5-2767-01DE92A6C0CA}"/>
+              </a:ext>
+            </a:extLst>
+          </p:cNvPr>
+          <p:cNvGrpSpPr/>
+          <p:nvPr/>
+        </p:nvGrpSpPr>
+        <p:grpSpPr>
+          <a:xfrm>
+            <a:off x="3442488" y="111396"/>
+            <a:ext cx="720000" cy="720000"/>
+            <a:chOff x="-2063262" y="2086237"/>
+            <a:chExt cx="1800000" cy="1800000"/>
+          </a:xfrm>
+        </p:grpSpPr>
+        <p:sp>
+          <p:nvSpPr>
+            <p:cNvPr id="134" name="Ellipse 133">
+              <a:extLst>
+                <a:ext uri="{FF2B5EF4-FFF2-40B4-BE49-F238E27FC236}">
+                  <a16:creationId xmlns:a16="http://schemas.microsoft.com/office/drawing/2014/main" id="{55B435CE-F86F-A753-D327-6C98C0757FAF}"/>
+                </a:ext>
+              </a:extLst>
+            </p:cNvPr>
+            <p:cNvSpPr/>
+            <p:nvPr/>
+          </p:nvSpPr>
+          <p:spPr>
+            <a:xfrm>
+              <a:off x="-2063262" y="2086237"/>
+              <a:ext cx="1800000" cy="1800000"/>
+            </a:xfrm>
+            <a:prstGeom prst="ellipse">
+              <a:avLst/>
+            </a:prstGeom>
+            <a:solidFill>
+              <a:srgbClr val="00547F"/>
+            </a:solidFill>
+            <a:ln>
+              <a:noFill/>
+            </a:ln>
+          </p:spPr>
+          <p:style>
+            <a:lnRef idx="2">
+              <a:schemeClr val="accent1">
+                <a:shade val="50000"/>
+              </a:schemeClr>
+            </a:lnRef>
+            <a:fillRef idx="1">
+              <a:schemeClr val="accent1"/>
+            </a:fillRef>
+            <a:effectRef idx="0">
+              <a:schemeClr val="accent1"/>
+            </a:effectRef>
+            <a:fontRef idx="minor">
+              <a:schemeClr val="lt1"/>
+            </a:fontRef>
+          </p:style>
+          <p:txBody>
+            <a:bodyPr rtlCol="0" anchor="ctr"/>
+            <a:lstStyle/>
+            <a:p>
+              <a:pPr algn="ctr"/>
+              <a:endParaRPr lang="fr-FR"/>
+            </a:p>
+          </p:txBody>
+        </p:sp>
+        <p:pic>
+          <p:nvPicPr>
+            <p:cNvPr id="149" name="Image 148">
+              <a:extLst>
+                <a:ext uri="{FF2B5EF4-FFF2-40B4-BE49-F238E27FC236}">
+                  <a16:creationId xmlns:a16="http://schemas.microsoft.com/office/drawing/2014/main" id="{DE5D59B9-3768-06A1-E5FD-BE4197752714}"/>
+                </a:ext>
+              </a:extLst>
+            </p:cNvPr>
+            <p:cNvPicPr>
+              <a:picLocks noChangeAspect="1"/>
+            </p:cNvPicPr>
+            <p:nvPr/>
+          </p:nvPicPr>
+          <p:blipFill>
+            <a:blip r:embed="rId55"/>
+            <a:stretch>
+              <a:fillRect/>
+            </a:stretch>
+          </p:blipFill>
+          <p:spPr>
+            <a:xfrm>
+              <a:off x="-1609131" y="2149544"/>
+              <a:ext cx="891738" cy="1673385"/>
             </a:xfrm>
             <a:prstGeom prst="rect">
               <a:avLst/>

--- a/ChaineFonctionnelle_V2.pptx
+++ b/ChaineFonctionnelle_V2.pptx
@@ -211,7 +211,7 @@
           <a:p>
             <a:fld id="{302BE938-A2A1-499B-8D27-FFAE69A40805}" type="datetimeFigureOut">
               <a:rPr lang="fr-FR" smtClean="0"/>
-              <a:t>06/04/2023</a:t>
+              <a:t>07/04/2023</a:t>
             </a:fld>
             <a:endParaRPr lang="fr-FR"/>
           </a:p>
@@ -709,7 +709,7 @@
           <a:p>
             <a:fld id="{CBBDF585-21ED-4D60-8F93-A9937640259B}" type="datetimeFigureOut">
               <a:rPr lang="fr-FR" smtClean="0"/>
-              <a:t>06/04/2023</a:t>
+              <a:t>07/04/2023</a:t>
             </a:fld>
             <a:endParaRPr lang="fr-FR"/>
           </a:p>
@@ -907,7 +907,7 @@
           <a:p>
             <a:fld id="{CBBDF585-21ED-4D60-8F93-A9937640259B}" type="datetimeFigureOut">
               <a:rPr lang="fr-FR" smtClean="0"/>
-              <a:t>06/04/2023</a:t>
+              <a:t>07/04/2023</a:t>
             </a:fld>
             <a:endParaRPr lang="fr-FR"/>
           </a:p>
@@ -1115,7 +1115,7 @@
           <a:p>
             <a:fld id="{CBBDF585-21ED-4D60-8F93-A9937640259B}" type="datetimeFigureOut">
               <a:rPr lang="fr-FR" smtClean="0"/>
-              <a:t>06/04/2023</a:t>
+              <a:t>07/04/2023</a:t>
             </a:fld>
             <a:endParaRPr lang="fr-FR"/>
           </a:p>
@@ -1313,7 +1313,7 @@
           <a:p>
             <a:fld id="{CBBDF585-21ED-4D60-8F93-A9937640259B}" type="datetimeFigureOut">
               <a:rPr lang="fr-FR" smtClean="0"/>
-              <a:t>06/04/2023</a:t>
+              <a:t>07/04/2023</a:t>
             </a:fld>
             <a:endParaRPr lang="fr-FR"/>
           </a:p>
@@ -1588,7 +1588,7 @@
           <a:p>
             <a:fld id="{CBBDF585-21ED-4D60-8F93-A9937640259B}" type="datetimeFigureOut">
               <a:rPr lang="fr-FR" smtClean="0"/>
-              <a:t>06/04/2023</a:t>
+              <a:t>07/04/2023</a:t>
             </a:fld>
             <a:endParaRPr lang="fr-FR"/>
           </a:p>
@@ -1853,7 +1853,7 @@
           <a:p>
             <a:fld id="{CBBDF585-21ED-4D60-8F93-A9937640259B}" type="datetimeFigureOut">
               <a:rPr lang="fr-FR" smtClean="0"/>
-              <a:t>06/04/2023</a:t>
+              <a:t>07/04/2023</a:t>
             </a:fld>
             <a:endParaRPr lang="fr-FR"/>
           </a:p>
@@ -2265,7 +2265,7 @@
           <a:p>
             <a:fld id="{CBBDF585-21ED-4D60-8F93-A9937640259B}" type="datetimeFigureOut">
               <a:rPr lang="fr-FR" smtClean="0"/>
-              <a:t>06/04/2023</a:t>
+              <a:t>07/04/2023</a:t>
             </a:fld>
             <a:endParaRPr lang="fr-FR"/>
           </a:p>
@@ -2406,7 +2406,7 @@
           <a:p>
             <a:fld id="{CBBDF585-21ED-4D60-8F93-A9937640259B}" type="datetimeFigureOut">
               <a:rPr lang="fr-FR" smtClean="0"/>
-              <a:t>06/04/2023</a:t>
+              <a:t>07/04/2023</a:t>
             </a:fld>
             <a:endParaRPr lang="fr-FR"/>
           </a:p>
@@ -2519,7 +2519,7 @@
           <a:p>
             <a:fld id="{CBBDF585-21ED-4D60-8F93-A9937640259B}" type="datetimeFigureOut">
               <a:rPr lang="fr-FR" smtClean="0"/>
-              <a:t>06/04/2023</a:t>
+              <a:t>07/04/2023</a:t>
             </a:fld>
             <a:endParaRPr lang="fr-FR"/>
           </a:p>
@@ -2830,7 +2830,7 @@
           <a:p>
             <a:fld id="{CBBDF585-21ED-4D60-8F93-A9937640259B}" type="datetimeFigureOut">
               <a:rPr lang="fr-FR" smtClean="0"/>
-              <a:t>06/04/2023</a:t>
+              <a:t>07/04/2023</a:t>
             </a:fld>
             <a:endParaRPr lang="fr-FR"/>
           </a:p>
@@ -3118,7 +3118,7 @@
           <a:p>
             <a:fld id="{CBBDF585-21ED-4D60-8F93-A9937640259B}" type="datetimeFigureOut">
               <a:rPr lang="fr-FR" smtClean="0"/>
-              <a:t>06/04/2023</a:t>
+              <a:t>07/04/2023</a:t>
             </a:fld>
             <a:endParaRPr lang="fr-FR"/>
           </a:p>
@@ -3359,7 +3359,7 @@
           <a:p>
             <a:fld id="{CBBDF585-21ED-4D60-8F93-A9937640259B}" type="datetimeFigureOut">
               <a:rPr lang="fr-FR" smtClean="0"/>
-              <a:t>06/04/2023</a:t>
+              <a:t>07/04/2023</a:t>
             </a:fld>
             <a:endParaRPr lang="fr-FR"/>
           </a:p>
@@ -9709,8 +9709,8 @@
         </p:nvGrpSpPr>
         <p:grpSpPr>
           <a:xfrm>
-            <a:off x="6054233" y="4960569"/>
-            <a:ext cx="1800000" cy="1800000"/>
+            <a:off x="6040301" y="6013837"/>
+            <a:ext cx="746732" cy="746732"/>
             <a:chOff x="6054233" y="4960569"/>
             <a:chExt cx="1800000" cy="1800000"/>
           </a:xfrm>
@@ -9915,7 +9915,7 @@
         </p:nvGrpSpPr>
         <p:grpSpPr>
           <a:xfrm>
-            <a:off x="5536762" y="189263"/>
+            <a:off x="3408268" y="-338450"/>
             <a:ext cx="1800000" cy="1800000"/>
             <a:chOff x="5536762" y="189263"/>
             <a:chExt cx="1800000" cy="1800000"/>
@@ -10306,6 +10306,212 @@
             <a:xfrm>
               <a:off x="-1609131" y="2149544"/>
               <a:ext cx="891738" cy="1673385"/>
+            </a:xfrm>
+            <a:prstGeom prst="rect">
+              <a:avLst/>
+            </a:prstGeom>
+          </p:spPr>
+        </p:pic>
+      </p:grpSp>
+      <p:grpSp>
+        <p:nvGrpSpPr>
+          <p:cNvPr id="160" name="Groupe 159">
+            <a:extLst>
+              <a:ext uri="{FF2B5EF4-FFF2-40B4-BE49-F238E27FC236}">
+                <a16:creationId xmlns:a16="http://schemas.microsoft.com/office/drawing/2014/main" id="{44487600-26A0-B5B2-DBD8-8C331324E357}"/>
+              </a:ext>
+            </a:extLst>
+          </p:cNvPr>
+          <p:cNvGrpSpPr/>
+          <p:nvPr/>
+        </p:nvGrpSpPr>
+        <p:grpSpPr>
+          <a:xfrm>
+            <a:off x="1874386" y="1903024"/>
+            <a:ext cx="720000" cy="720000"/>
+            <a:chOff x="3860760" y="1901279"/>
+            <a:chExt cx="1800000" cy="1800000"/>
+          </a:xfrm>
+        </p:grpSpPr>
+        <p:sp>
+          <p:nvSpPr>
+            <p:cNvPr id="145" name="Ellipse 144">
+              <a:extLst>
+                <a:ext uri="{FF2B5EF4-FFF2-40B4-BE49-F238E27FC236}">
+                  <a16:creationId xmlns:a16="http://schemas.microsoft.com/office/drawing/2014/main" id="{8395B7F7-EC8C-CE21-D942-10B100AFE17E}"/>
+                </a:ext>
+              </a:extLst>
+            </p:cNvPr>
+            <p:cNvSpPr/>
+            <p:nvPr/>
+          </p:nvSpPr>
+          <p:spPr>
+            <a:xfrm>
+              <a:off x="3860760" y="1901279"/>
+              <a:ext cx="1800000" cy="1800000"/>
+            </a:xfrm>
+            <a:prstGeom prst="ellipse">
+              <a:avLst/>
+            </a:prstGeom>
+            <a:solidFill>
+              <a:srgbClr val="68348B"/>
+            </a:solidFill>
+            <a:ln>
+              <a:noFill/>
+            </a:ln>
+          </p:spPr>
+          <p:style>
+            <a:lnRef idx="2">
+              <a:schemeClr val="accent1">
+                <a:shade val="50000"/>
+              </a:schemeClr>
+            </a:lnRef>
+            <a:fillRef idx="1">
+              <a:schemeClr val="accent1"/>
+            </a:fillRef>
+            <a:effectRef idx="0">
+              <a:schemeClr val="accent1"/>
+            </a:effectRef>
+            <a:fontRef idx="minor">
+              <a:schemeClr val="lt1"/>
+            </a:fontRef>
+          </p:style>
+          <p:txBody>
+            <a:bodyPr rtlCol="0" anchor="ctr"/>
+            <a:lstStyle/>
+            <a:p>
+              <a:pPr algn="ctr"/>
+              <a:endParaRPr lang="fr-FR"/>
+            </a:p>
+          </p:txBody>
+        </p:sp>
+        <p:pic>
+          <p:nvPicPr>
+            <p:cNvPr id="159" name="Image 158">
+              <a:extLst>
+                <a:ext uri="{FF2B5EF4-FFF2-40B4-BE49-F238E27FC236}">
+                  <a16:creationId xmlns:a16="http://schemas.microsoft.com/office/drawing/2014/main" id="{32994BDD-D0DE-FB3D-60D6-A70877D8A49B}"/>
+                </a:ext>
+              </a:extLst>
+            </p:cNvPr>
+            <p:cNvPicPr>
+              <a:picLocks noChangeAspect="1"/>
+            </p:cNvPicPr>
+            <p:nvPr/>
+          </p:nvPicPr>
+          <p:blipFill>
+            <a:blip r:embed="rId54"/>
+            <a:stretch>
+              <a:fillRect/>
+            </a:stretch>
+          </p:blipFill>
+          <p:spPr>
+            <a:xfrm>
+              <a:off x="4141609" y="2182128"/>
+              <a:ext cx="1238302" cy="1238302"/>
+            </a:xfrm>
+            <a:prstGeom prst="rect">
+              <a:avLst/>
+            </a:prstGeom>
+          </p:spPr>
+        </p:pic>
+      </p:grpSp>
+      <p:grpSp>
+        <p:nvGrpSpPr>
+          <p:cNvPr id="165" name="Groupe 164">
+            <a:extLst>
+              <a:ext uri="{FF2B5EF4-FFF2-40B4-BE49-F238E27FC236}">
+                <a16:creationId xmlns:a16="http://schemas.microsoft.com/office/drawing/2014/main" id="{9C3839B0-BD76-ED9A-98EE-D944CEF4B178}"/>
+              </a:ext>
+            </a:extLst>
+          </p:cNvPr>
+          <p:cNvGrpSpPr/>
+          <p:nvPr/>
+        </p:nvGrpSpPr>
+        <p:grpSpPr>
+          <a:xfrm>
+            <a:off x="4235640" y="2696679"/>
+            <a:ext cx="1800000" cy="1800000"/>
+            <a:chOff x="4235640" y="2696679"/>
+            <a:chExt cx="1800000" cy="1800000"/>
+          </a:xfrm>
+        </p:grpSpPr>
+        <p:sp>
+          <p:nvSpPr>
+            <p:cNvPr id="162" name="Ellipse 161">
+              <a:extLst>
+                <a:ext uri="{FF2B5EF4-FFF2-40B4-BE49-F238E27FC236}">
+                  <a16:creationId xmlns:a16="http://schemas.microsoft.com/office/drawing/2014/main" id="{CE5EA4C6-08B4-0F18-B22D-93E8C7211264}"/>
+                </a:ext>
+              </a:extLst>
+            </p:cNvPr>
+            <p:cNvSpPr/>
+            <p:nvPr/>
+          </p:nvSpPr>
+          <p:spPr>
+            <a:xfrm>
+              <a:off x="4235640" y="2696679"/>
+              <a:ext cx="1800000" cy="1800000"/>
+            </a:xfrm>
+            <a:prstGeom prst="ellipse">
+              <a:avLst/>
+            </a:prstGeom>
+            <a:solidFill>
+              <a:srgbClr val="0C7391"/>
+            </a:solidFill>
+            <a:ln>
+              <a:noFill/>
+            </a:ln>
+          </p:spPr>
+          <p:style>
+            <a:lnRef idx="2">
+              <a:schemeClr val="accent1">
+                <a:shade val="50000"/>
+              </a:schemeClr>
+            </a:lnRef>
+            <a:fillRef idx="1">
+              <a:schemeClr val="accent1"/>
+            </a:fillRef>
+            <a:effectRef idx="0">
+              <a:schemeClr val="accent1"/>
+            </a:effectRef>
+            <a:fontRef idx="minor">
+              <a:schemeClr val="lt1"/>
+            </a:fontRef>
+          </p:style>
+          <p:txBody>
+            <a:bodyPr rtlCol="0" anchor="ctr"/>
+            <a:lstStyle/>
+            <a:p>
+              <a:pPr algn="ctr"/>
+              <a:endParaRPr lang="fr-FR" dirty="0"/>
+            </a:p>
+          </p:txBody>
+        </p:sp>
+        <p:pic>
+          <p:nvPicPr>
+            <p:cNvPr id="164" name="Image 163">
+              <a:extLst>
+                <a:ext uri="{FF2B5EF4-FFF2-40B4-BE49-F238E27FC236}">
+                  <a16:creationId xmlns:a16="http://schemas.microsoft.com/office/drawing/2014/main" id="{27FFA9C0-8EC3-1D3F-A935-61185FDBEB57}"/>
+                </a:ext>
+              </a:extLst>
+            </p:cNvPr>
+            <p:cNvPicPr>
+              <a:picLocks noChangeAspect="1"/>
+            </p:cNvPicPr>
+            <p:nvPr/>
+          </p:nvPicPr>
+          <p:blipFill>
+            <a:blip r:embed="rId55"/>
+            <a:stretch>
+              <a:fillRect/>
+            </a:stretch>
+          </p:blipFill>
+          <p:spPr>
+            <a:xfrm>
+              <a:off x="4451640" y="3100228"/>
+              <a:ext cx="1368000" cy="992903"/>
             </a:xfrm>
             <a:prstGeom prst="rect">
               <a:avLst/>
@@ -13588,88 +13794,109 @@
           </p:spPr>
         </p:pic>
       </p:grpSp>
-      <p:sp>
-        <p:nvSpPr>
-          <p:cNvPr id="102" name="Ellipse 101">
-            <a:extLst>
-              <a:ext uri="{FF2B5EF4-FFF2-40B4-BE49-F238E27FC236}">
-                <a16:creationId xmlns:a16="http://schemas.microsoft.com/office/drawing/2014/main" id="{D6DB0FDD-AAE3-4CFB-AFCE-32E938485895}"/>
-              </a:ext>
-            </a:extLst>
-          </p:cNvPr>
-          <p:cNvSpPr/>
+      <p:grpSp>
+        <p:nvGrpSpPr>
+          <p:cNvPr id="171" name="Groupe 170">
+            <a:extLst>
+              <a:ext uri="{FF2B5EF4-FFF2-40B4-BE49-F238E27FC236}">
+                <a16:creationId xmlns:a16="http://schemas.microsoft.com/office/drawing/2014/main" id="{F930EAE8-3BED-E3B6-B0D8-DAB5F8121529}"/>
+              </a:ext>
+            </a:extLst>
+          </p:cNvPr>
+          <p:cNvGrpSpPr/>
           <p:nvPr/>
-        </p:nvSpPr>
-        <p:spPr>
+        </p:nvGrpSpPr>
+        <p:grpSpPr>
           <a:xfrm>
             <a:off x="1856523" y="133118"/>
-            <a:ext cx="720000" cy="720000"/>
-          </a:xfrm>
-          <a:prstGeom prst="ellipse">
-            <a:avLst/>
-          </a:prstGeom>
-          <a:solidFill>
-            <a:srgbClr val="00517A"/>
-          </a:solidFill>
-          <a:ln>
-            <a:noFill/>
-          </a:ln>
-        </p:spPr>
-        <p:style>
-          <a:lnRef idx="2">
-            <a:schemeClr val="accent1">
-              <a:shade val="50000"/>
-            </a:schemeClr>
-          </a:lnRef>
-          <a:fillRef idx="1">
-            <a:schemeClr val="accent1"/>
-          </a:fillRef>
-          <a:effectRef idx="0">
-            <a:schemeClr val="accent1"/>
-          </a:effectRef>
-          <a:fontRef idx="minor">
-            <a:schemeClr val="lt1"/>
-          </a:fontRef>
-        </p:style>
-        <p:txBody>
-          <a:bodyPr rtlCol="0" anchor="ctr"/>
-          <a:lstStyle/>
-          <a:p>
-            <a:pPr algn="ctr"/>
-            <a:endParaRPr lang="fr-FR" dirty="0"/>
-          </a:p>
-        </p:txBody>
-      </p:sp>
-      <p:pic>
-        <p:nvPicPr>
-          <p:cNvPr id="103" name="Image 102">
-            <a:extLst>
-              <a:ext uri="{FF2B5EF4-FFF2-40B4-BE49-F238E27FC236}">
-                <a16:creationId xmlns:a16="http://schemas.microsoft.com/office/drawing/2014/main" id="{A22DFDFF-B08E-0981-059C-A4CF19C7D8B8}"/>
-              </a:ext>
-            </a:extLst>
-          </p:cNvPr>
-          <p:cNvPicPr>
-            <a:picLocks noChangeAspect="1"/>
-          </p:cNvPicPr>
-          <p:nvPr/>
-        </p:nvPicPr>
-        <p:blipFill>
-          <a:blip r:embed="rId24"/>
-          <a:stretch>
-            <a:fillRect/>
-          </a:stretch>
-        </p:blipFill>
-        <p:spPr>
-          <a:xfrm>
-            <a:off x="1955338" y="231933"/>
-            <a:ext cx="522371" cy="522371"/>
-          </a:xfrm>
-          <a:prstGeom prst="rect">
-            <a:avLst/>
-          </a:prstGeom>
-        </p:spPr>
-      </p:pic>
+            <a:ext cx="360000" cy="360000"/>
+            <a:chOff x="1856523" y="133118"/>
+            <a:chExt cx="720000" cy="720000"/>
+          </a:xfrm>
+        </p:grpSpPr>
+        <p:sp>
+          <p:nvSpPr>
+            <p:cNvPr id="102" name="Ellipse 101">
+              <a:extLst>
+                <a:ext uri="{FF2B5EF4-FFF2-40B4-BE49-F238E27FC236}">
+                  <a16:creationId xmlns:a16="http://schemas.microsoft.com/office/drawing/2014/main" id="{D6DB0FDD-AAE3-4CFB-AFCE-32E938485895}"/>
+                </a:ext>
+              </a:extLst>
+            </p:cNvPr>
+            <p:cNvSpPr/>
+            <p:nvPr/>
+          </p:nvSpPr>
+          <p:spPr>
+            <a:xfrm>
+              <a:off x="1856523" y="133118"/>
+              <a:ext cx="720000" cy="720000"/>
+            </a:xfrm>
+            <a:prstGeom prst="ellipse">
+              <a:avLst/>
+            </a:prstGeom>
+            <a:solidFill>
+              <a:srgbClr val="00517A"/>
+            </a:solidFill>
+            <a:ln>
+              <a:noFill/>
+            </a:ln>
+          </p:spPr>
+          <p:style>
+            <a:lnRef idx="2">
+              <a:schemeClr val="accent1">
+                <a:shade val="50000"/>
+              </a:schemeClr>
+            </a:lnRef>
+            <a:fillRef idx="1">
+              <a:schemeClr val="accent1"/>
+            </a:fillRef>
+            <a:effectRef idx="0">
+              <a:schemeClr val="accent1"/>
+            </a:effectRef>
+            <a:fontRef idx="minor">
+              <a:schemeClr val="lt1"/>
+            </a:fontRef>
+          </p:style>
+          <p:txBody>
+            <a:bodyPr rtlCol="0" anchor="ctr"/>
+            <a:lstStyle/>
+            <a:p>
+              <a:pPr algn="ctr"/>
+              <a:endParaRPr lang="fr-FR" dirty="0"/>
+            </a:p>
+          </p:txBody>
+        </p:sp>
+        <p:pic>
+          <p:nvPicPr>
+            <p:cNvPr id="103" name="Image 102">
+              <a:extLst>
+                <a:ext uri="{FF2B5EF4-FFF2-40B4-BE49-F238E27FC236}">
+                  <a16:creationId xmlns:a16="http://schemas.microsoft.com/office/drawing/2014/main" id="{A22DFDFF-B08E-0981-059C-A4CF19C7D8B8}"/>
+                </a:ext>
+              </a:extLst>
+            </p:cNvPr>
+            <p:cNvPicPr>
+              <a:picLocks noChangeAspect="1"/>
+            </p:cNvPicPr>
+            <p:nvPr/>
+          </p:nvPicPr>
+          <p:blipFill>
+            <a:blip r:embed="rId24"/>
+            <a:stretch>
+              <a:fillRect/>
+            </a:stretch>
+          </p:blipFill>
+          <p:spPr>
+            <a:xfrm>
+              <a:off x="1955338" y="231933"/>
+              <a:ext cx="522371" cy="522371"/>
+            </a:xfrm>
+            <a:prstGeom prst="rect">
+              <a:avLst/>
+            </a:prstGeom>
+          </p:spPr>
+        </p:pic>
+      </p:grpSp>
       <p:grpSp>
         <p:nvGrpSpPr>
           <p:cNvPr id="110" name="Groupe 109">
@@ -13685,7 +13912,7 @@
         <p:grpSpPr>
           <a:xfrm>
             <a:off x="1890113" y="2644645"/>
-            <a:ext cx="720000" cy="720000"/>
+            <a:ext cx="360000" cy="360000"/>
             <a:chOff x="8493814" y="3375317"/>
             <a:chExt cx="1800000" cy="1800000"/>
           </a:xfrm>
@@ -13773,88 +14000,109 @@
           </p:spPr>
         </p:pic>
       </p:grpSp>
-      <p:sp>
-        <p:nvSpPr>
-          <p:cNvPr id="115" name="Ellipse 114">
-            <a:extLst>
-              <a:ext uri="{FF2B5EF4-FFF2-40B4-BE49-F238E27FC236}">
-                <a16:creationId xmlns:a16="http://schemas.microsoft.com/office/drawing/2014/main" id="{5EE3D489-9939-FB63-490B-AC7684976919}"/>
-              </a:ext>
-            </a:extLst>
-          </p:cNvPr>
-          <p:cNvSpPr/>
+      <p:grpSp>
+        <p:nvGrpSpPr>
+          <p:cNvPr id="173" name="Groupe 172">
+            <a:extLst>
+              <a:ext uri="{FF2B5EF4-FFF2-40B4-BE49-F238E27FC236}">
+                <a16:creationId xmlns:a16="http://schemas.microsoft.com/office/drawing/2014/main" id="{8EE1462F-8B8B-FF79-B63B-455E27276C24}"/>
+              </a:ext>
+            </a:extLst>
+          </p:cNvPr>
+          <p:cNvGrpSpPr/>
           <p:nvPr/>
-        </p:nvSpPr>
-        <p:spPr>
+        </p:nvGrpSpPr>
+        <p:grpSpPr>
           <a:xfrm>
             <a:off x="1051672" y="2643795"/>
-            <a:ext cx="720000" cy="720000"/>
-          </a:xfrm>
-          <a:prstGeom prst="ellipse">
-            <a:avLst/>
-          </a:prstGeom>
-          <a:solidFill>
-            <a:srgbClr val="00517A"/>
-          </a:solidFill>
-          <a:ln>
-            <a:noFill/>
-          </a:ln>
-        </p:spPr>
-        <p:style>
-          <a:lnRef idx="2">
-            <a:schemeClr val="accent1">
-              <a:shade val="50000"/>
-            </a:schemeClr>
-          </a:lnRef>
-          <a:fillRef idx="1">
-            <a:schemeClr val="accent1"/>
-          </a:fillRef>
-          <a:effectRef idx="0">
-            <a:schemeClr val="accent1"/>
-          </a:effectRef>
-          <a:fontRef idx="minor">
-            <a:schemeClr val="lt1"/>
-          </a:fontRef>
-        </p:style>
-        <p:txBody>
-          <a:bodyPr rtlCol="0" anchor="ctr"/>
-          <a:lstStyle/>
-          <a:p>
-            <a:pPr algn="ctr"/>
-            <a:endParaRPr lang="fr-FR" dirty="0"/>
-          </a:p>
-        </p:txBody>
-      </p:sp>
-      <p:pic>
-        <p:nvPicPr>
-          <p:cNvPr id="116" name="Image 115">
-            <a:extLst>
-              <a:ext uri="{FF2B5EF4-FFF2-40B4-BE49-F238E27FC236}">
-                <a16:creationId xmlns:a16="http://schemas.microsoft.com/office/drawing/2014/main" id="{72769896-E9ED-7BCA-43D7-F953258CFCD1}"/>
-              </a:ext>
-            </a:extLst>
-          </p:cNvPr>
-          <p:cNvPicPr>
-            <a:picLocks noChangeAspect="1"/>
-          </p:cNvPicPr>
-          <p:nvPr/>
-        </p:nvPicPr>
-        <p:blipFill>
-          <a:blip r:embed="rId26"/>
-          <a:stretch>
-            <a:fillRect/>
-          </a:stretch>
-        </p:blipFill>
-        <p:spPr>
-          <a:xfrm>
-            <a:off x="1159672" y="2751795"/>
-            <a:ext cx="504000" cy="504000"/>
-          </a:xfrm>
-          <a:prstGeom prst="rect">
-            <a:avLst/>
-          </a:prstGeom>
-        </p:spPr>
-      </p:pic>
+            <a:ext cx="360000" cy="360000"/>
+            <a:chOff x="1051672" y="2643795"/>
+            <a:chExt cx="720000" cy="720000"/>
+          </a:xfrm>
+        </p:grpSpPr>
+        <p:sp>
+          <p:nvSpPr>
+            <p:cNvPr id="115" name="Ellipse 114">
+              <a:extLst>
+                <a:ext uri="{FF2B5EF4-FFF2-40B4-BE49-F238E27FC236}">
+                  <a16:creationId xmlns:a16="http://schemas.microsoft.com/office/drawing/2014/main" id="{5EE3D489-9939-FB63-490B-AC7684976919}"/>
+                </a:ext>
+              </a:extLst>
+            </p:cNvPr>
+            <p:cNvSpPr/>
+            <p:nvPr/>
+          </p:nvSpPr>
+          <p:spPr>
+            <a:xfrm>
+              <a:off x="1051672" y="2643795"/>
+              <a:ext cx="720000" cy="720000"/>
+            </a:xfrm>
+            <a:prstGeom prst="ellipse">
+              <a:avLst/>
+            </a:prstGeom>
+            <a:solidFill>
+              <a:srgbClr val="00517A"/>
+            </a:solidFill>
+            <a:ln>
+              <a:noFill/>
+            </a:ln>
+          </p:spPr>
+          <p:style>
+            <a:lnRef idx="2">
+              <a:schemeClr val="accent1">
+                <a:shade val="50000"/>
+              </a:schemeClr>
+            </a:lnRef>
+            <a:fillRef idx="1">
+              <a:schemeClr val="accent1"/>
+            </a:fillRef>
+            <a:effectRef idx="0">
+              <a:schemeClr val="accent1"/>
+            </a:effectRef>
+            <a:fontRef idx="minor">
+              <a:schemeClr val="lt1"/>
+            </a:fontRef>
+          </p:style>
+          <p:txBody>
+            <a:bodyPr rtlCol="0" anchor="ctr"/>
+            <a:lstStyle/>
+            <a:p>
+              <a:pPr algn="ctr"/>
+              <a:endParaRPr lang="fr-FR" dirty="0"/>
+            </a:p>
+          </p:txBody>
+        </p:sp>
+        <p:pic>
+          <p:nvPicPr>
+            <p:cNvPr id="116" name="Image 115">
+              <a:extLst>
+                <a:ext uri="{FF2B5EF4-FFF2-40B4-BE49-F238E27FC236}">
+                  <a16:creationId xmlns:a16="http://schemas.microsoft.com/office/drawing/2014/main" id="{72769896-E9ED-7BCA-43D7-F953258CFCD1}"/>
+                </a:ext>
+              </a:extLst>
+            </p:cNvPr>
+            <p:cNvPicPr>
+              <a:picLocks noChangeAspect="1"/>
+            </p:cNvPicPr>
+            <p:nvPr/>
+          </p:nvPicPr>
+          <p:blipFill>
+            <a:blip r:embed="rId26"/>
+            <a:stretch>
+              <a:fillRect/>
+            </a:stretch>
+          </p:blipFill>
+          <p:spPr>
+            <a:xfrm>
+              <a:off x="1159672" y="2751795"/>
+              <a:ext cx="504000" cy="504000"/>
+            </a:xfrm>
+            <a:prstGeom prst="rect">
+              <a:avLst/>
+            </a:prstGeom>
+          </p:spPr>
+        </p:pic>
+      </p:grpSp>
       <p:grpSp>
         <p:nvGrpSpPr>
           <p:cNvPr id="164" name="Groupe 163">
@@ -14305,88 +14553,109 @@
           </p:spPr>
         </p:pic>
       </p:grpSp>
-      <p:sp>
-        <p:nvSpPr>
-          <p:cNvPr id="46" name="Ellipse 45">
-            <a:extLst>
-              <a:ext uri="{FF2B5EF4-FFF2-40B4-BE49-F238E27FC236}">
-                <a16:creationId xmlns:a16="http://schemas.microsoft.com/office/drawing/2014/main" id="{B0B71467-2274-2E0F-52D1-52259E22EA0C}"/>
-              </a:ext>
-            </a:extLst>
-          </p:cNvPr>
-          <p:cNvSpPr/>
+      <p:grpSp>
+        <p:nvGrpSpPr>
+          <p:cNvPr id="172" name="Groupe 171">
+            <a:extLst>
+              <a:ext uri="{FF2B5EF4-FFF2-40B4-BE49-F238E27FC236}">
+                <a16:creationId xmlns:a16="http://schemas.microsoft.com/office/drawing/2014/main" id="{2662CB68-3165-2841-9FD6-33E77E1B0AF1}"/>
+              </a:ext>
+            </a:extLst>
+          </p:cNvPr>
+          <p:cNvGrpSpPr/>
           <p:nvPr/>
-        </p:nvSpPr>
-        <p:spPr>
+        </p:nvGrpSpPr>
+        <p:grpSpPr>
           <a:xfrm>
             <a:off x="2661375" y="133118"/>
-            <a:ext cx="720000" cy="720000"/>
-          </a:xfrm>
-          <a:prstGeom prst="ellipse">
-            <a:avLst/>
-          </a:prstGeom>
-          <a:solidFill>
-            <a:srgbClr val="00547F"/>
-          </a:solidFill>
-          <a:ln>
-            <a:noFill/>
-          </a:ln>
-        </p:spPr>
-        <p:style>
-          <a:lnRef idx="2">
-            <a:schemeClr val="accent1">
-              <a:shade val="50000"/>
-            </a:schemeClr>
-          </a:lnRef>
-          <a:fillRef idx="1">
-            <a:schemeClr val="accent1"/>
-          </a:fillRef>
-          <a:effectRef idx="0">
-            <a:schemeClr val="accent1"/>
-          </a:effectRef>
-          <a:fontRef idx="minor">
-            <a:schemeClr val="lt1"/>
-          </a:fontRef>
-        </p:style>
-        <p:txBody>
-          <a:bodyPr rtlCol="0" anchor="ctr"/>
-          <a:lstStyle/>
-          <a:p>
-            <a:pPr algn="ctr"/>
-            <a:endParaRPr lang="fr-FR"/>
-          </a:p>
-        </p:txBody>
-      </p:sp>
-      <p:pic>
-        <p:nvPicPr>
-          <p:cNvPr id="47" name="Image 46">
-            <a:extLst>
-              <a:ext uri="{FF2B5EF4-FFF2-40B4-BE49-F238E27FC236}">
-                <a16:creationId xmlns:a16="http://schemas.microsoft.com/office/drawing/2014/main" id="{833BDB0E-E688-BEDD-1B8E-49A04DBB0B15}"/>
-              </a:ext>
-            </a:extLst>
-          </p:cNvPr>
-          <p:cNvPicPr>
-            <a:picLocks noChangeAspect="1"/>
-          </p:cNvPicPr>
-          <p:nvPr/>
-        </p:nvPicPr>
-        <p:blipFill>
-          <a:blip r:embed="rId34"/>
-          <a:stretch>
-            <a:fillRect/>
-          </a:stretch>
-        </p:blipFill>
-        <p:spPr>
-          <a:xfrm>
-            <a:off x="2881875" y="205118"/>
-            <a:ext cx="279001" cy="576000"/>
-          </a:xfrm>
-          <a:prstGeom prst="rect">
-            <a:avLst/>
-          </a:prstGeom>
-        </p:spPr>
-      </p:pic>
+            <a:ext cx="360000" cy="360000"/>
+            <a:chOff x="2661375" y="133118"/>
+            <a:chExt cx="720000" cy="720000"/>
+          </a:xfrm>
+        </p:grpSpPr>
+        <p:sp>
+          <p:nvSpPr>
+            <p:cNvPr id="46" name="Ellipse 45">
+              <a:extLst>
+                <a:ext uri="{FF2B5EF4-FFF2-40B4-BE49-F238E27FC236}">
+                  <a16:creationId xmlns:a16="http://schemas.microsoft.com/office/drawing/2014/main" id="{B0B71467-2274-2E0F-52D1-52259E22EA0C}"/>
+                </a:ext>
+              </a:extLst>
+            </p:cNvPr>
+            <p:cNvSpPr/>
+            <p:nvPr/>
+          </p:nvSpPr>
+          <p:spPr>
+            <a:xfrm>
+              <a:off x="2661375" y="133118"/>
+              <a:ext cx="720000" cy="720000"/>
+            </a:xfrm>
+            <a:prstGeom prst="ellipse">
+              <a:avLst/>
+            </a:prstGeom>
+            <a:solidFill>
+              <a:srgbClr val="00547F"/>
+            </a:solidFill>
+            <a:ln>
+              <a:noFill/>
+            </a:ln>
+          </p:spPr>
+          <p:style>
+            <a:lnRef idx="2">
+              <a:schemeClr val="accent1">
+                <a:shade val="50000"/>
+              </a:schemeClr>
+            </a:lnRef>
+            <a:fillRef idx="1">
+              <a:schemeClr val="accent1"/>
+            </a:fillRef>
+            <a:effectRef idx="0">
+              <a:schemeClr val="accent1"/>
+            </a:effectRef>
+            <a:fontRef idx="minor">
+              <a:schemeClr val="lt1"/>
+            </a:fontRef>
+          </p:style>
+          <p:txBody>
+            <a:bodyPr rtlCol="0" anchor="ctr"/>
+            <a:lstStyle/>
+            <a:p>
+              <a:pPr algn="ctr"/>
+              <a:endParaRPr lang="fr-FR"/>
+            </a:p>
+          </p:txBody>
+        </p:sp>
+        <p:pic>
+          <p:nvPicPr>
+            <p:cNvPr id="47" name="Image 46">
+              <a:extLst>
+                <a:ext uri="{FF2B5EF4-FFF2-40B4-BE49-F238E27FC236}">
+                  <a16:creationId xmlns:a16="http://schemas.microsoft.com/office/drawing/2014/main" id="{833BDB0E-E688-BEDD-1B8E-49A04DBB0B15}"/>
+                </a:ext>
+              </a:extLst>
+            </p:cNvPr>
+            <p:cNvPicPr>
+              <a:picLocks noChangeAspect="1"/>
+            </p:cNvPicPr>
+            <p:nvPr/>
+          </p:nvPicPr>
+          <p:blipFill>
+            <a:blip r:embed="rId34"/>
+            <a:stretch>
+              <a:fillRect/>
+            </a:stretch>
+          </p:blipFill>
+          <p:spPr>
+            <a:xfrm>
+              <a:off x="2881875" y="205118"/>
+              <a:ext cx="279001" cy="576000"/>
+            </a:xfrm>
+            <a:prstGeom prst="rect">
+              <a:avLst/>
+            </a:prstGeom>
+          </p:spPr>
+        </p:pic>
+      </p:grpSp>
       <p:grpSp>
         <p:nvGrpSpPr>
           <p:cNvPr id="45" name="Groupe 44">
@@ -14402,7 +14671,7 @@
         <p:grpSpPr>
           <a:xfrm>
             <a:off x="262758" y="2633974"/>
-            <a:ext cx="720000" cy="720000"/>
+            <a:ext cx="360000" cy="360000"/>
             <a:chOff x="262758" y="2633974"/>
             <a:chExt cx="720000" cy="720000"/>
           </a:xfrm>
@@ -14490,88 +14759,108 @@
           </p:spPr>
         </p:pic>
       </p:grpSp>
-      <p:sp>
-        <p:nvSpPr>
-          <p:cNvPr id="52" name="Ellipse 51">
-            <a:extLst>
-              <a:ext uri="{FF2B5EF4-FFF2-40B4-BE49-F238E27FC236}">
-                <a16:creationId xmlns:a16="http://schemas.microsoft.com/office/drawing/2014/main" id="{670250B2-C9CE-2371-5DAF-7A1D5A643D46}"/>
-              </a:ext>
-            </a:extLst>
-          </p:cNvPr>
-          <p:cNvSpPr/>
+      <p:grpSp>
+        <p:nvGrpSpPr>
+          <p:cNvPr id="170" name="Groupe 169">
+            <a:extLst>
+              <a:ext uri="{FF2B5EF4-FFF2-40B4-BE49-F238E27FC236}">
+                <a16:creationId xmlns:a16="http://schemas.microsoft.com/office/drawing/2014/main" id="{FEF117C2-BA9B-2AFB-953C-A708BBFF2EAD}"/>
+              </a:ext>
+            </a:extLst>
+          </p:cNvPr>
+          <p:cNvGrpSpPr/>
           <p:nvPr/>
-        </p:nvSpPr>
-        <p:spPr>
+        </p:nvGrpSpPr>
+        <p:grpSpPr>
           <a:xfrm>
             <a:off x="1051672" y="133118"/>
-            <a:ext cx="720000" cy="720000"/>
-          </a:xfrm>
-          <a:prstGeom prst="ellipse">
-            <a:avLst/>
-          </a:prstGeom>
-          <a:solidFill>
-            <a:srgbClr val="00547F"/>
-          </a:solidFill>
-          <a:ln>
-            <a:noFill/>
-          </a:ln>
-        </p:spPr>
-        <p:style>
-          <a:lnRef idx="2">
-            <a:schemeClr val="accent1">
-              <a:shade val="50000"/>
-            </a:schemeClr>
-          </a:lnRef>
-          <a:fillRef idx="1">
-            <a:schemeClr val="accent1"/>
-          </a:fillRef>
-          <a:effectRef idx="0">
-            <a:schemeClr val="accent1"/>
-          </a:effectRef>
-          <a:fontRef idx="minor">
-            <a:schemeClr val="lt1"/>
-          </a:fontRef>
-        </p:style>
-        <p:txBody>
-          <a:bodyPr rtlCol="0" anchor="ctr"/>
-          <a:lstStyle/>
-          <a:p>
-            <a:pPr algn="ctr"/>
-            <a:endParaRPr lang="fr-FR"/>
-          </a:p>
-        </p:txBody>
-      </p:sp>
-      <p:pic>
-        <p:nvPicPr>
-          <p:cNvPr id="53" name="Image 52">
-            <a:extLst>
-              <a:ext uri="{FF2B5EF4-FFF2-40B4-BE49-F238E27FC236}">
-                <a16:creationId xmlns:a16="http://schemas.microsoft.com/office/drawing/2014/main" id="{4CFD42EF-7F37-218C-D615-DC872C3DDEBB}"/>
-              </a:ext>
-            </a:extLst>
-          </p:cNvPr>
-          <p:cNvPicPr>
-            <a:picLocks noChangeAspect="1"/>
-          </p:cNvPicPr>
-          <p:nvPr/>
-        </p:nvPicPr>
-        <p:blipFill>
-          <a:blip r:embed="rId36"/>
-          <a:stretch>
-            <a:fillRect/>
-          </a:stretch>
-        </p:blipFill>
-        <p:spPr>
-          <a:xfrm>
-            <a:off x="1140701" y="289890"/>
-            <a:ext cx="541942" cy="406456"/>
-          </a:xfrm>
-          <a:prstGeom prst="rect">
-            <a:avLst/>
-          </a:prstGeom>
-        </p:spPr>
-      </p:pic>
+            <a:ext cx="360000" cy="360000"/>
+            <a:chOff x="1051672" y="133118"/>
+            <a:chExt cx="720000" cy="720000"/>
+          </a:xfrm>
+        </p:grpSpPr>
+        <p:sp>
+          <p:nvSpPr>
+            <p:cNvPr id="52" name="Ellipse 51">
+              <a:extLst>
+                <a:ext uri="{FF2B5EF4-FFF2-40B4-BE49-F238E27FC236}">
+                  <a16:creationId xmlns:a16="http://schemas.microsoft.com/office/drawing/2014/main" id="{670250B2-C9CE-2371-5DAF-7A1D5A643D46}"/>
+                </a:ext>
+              </a:extLst>
+            </p:cNvPr>
+            <p:cNvSpPr/>
+            <p:nvPr/>
+          </p:nvSpPr>
+          <p:spPr>
+            <a:xfrm>
+              <a:off x="1051672" y="133118"/>
+              <a:ext cx="720000" cy="720000"/>
+            </a:xfrm>
+            <a:prstGeom prst="ellipse">
+              <a:avLst/>
+            </a:prstGeom>
+            <a:solidFill>
+              <a:srgbClr val="00547F"/>
+            </a:solidFill>
+            <a:ln>
+              <a:noFill/>
+            </a:ln>
+          </p:spPr>
+          <p:style>
+            <a:lnRef idx="2">
+              <a:schemeClr val="accent1">
+                <a:shade val="50000"/>
+              </a:schemeClr>
+            </a:lnRef>
+            <a:fillRef idx="1">
+              <a:schemeClr val="accent1"/>
+            </a:fillRef>
+            <a:effectRef idx="0">
+              <a:schemeClr val="accent1"/>
+            </a:effectRef>
+            <a:fontRef idx="minor">
+              <a:schemeClr val="lt1"/>
+            </a:fontRef>
+          </p:style>
+          <p:txBody>
+            <a:bodyPr rtlCol="0" anchor="ctr"/>
+            <a:lstStyle/>
+            <a:p>
+              <a:endParaRPr lang="fr-FR"/>
+            </a:p>
+          </p:txBody>
+        </p:sp>
+        <p:pic>
+          <p:nvPicPr>
+            <p:cNvPr id="53" name="Image 52">
+              <a:extLst>
+                <a:ext uri="{FF2B5EF4-FFF2-40B4-BE49-F238E27FC236}">
+                  <a16:creationId xmlns:a16="http://schemas.microsoft.com/office/drawing/2014/main" id="{4CFD42EF-7F37-218C-D615-DC872C3DDEBB}"/>
+                </a:ext>
+              </a:extLst>
+            </p:cNvPr>
+            <p:cNvPicPr>
+              <a:picLocks noChangeAspect="1"/>
+            </p:cNvPicPr>
+            <p:nvPr/>
+          </p:nvPicPr>
+          <p:blipFill>
+            <a:blip r:embed="rId36"/>
+            <a:stretch>
+              <a:fillRect/>
+            </a:stretch>
+          </p:blipFill>
+          <p:spPr>
+            <a:xfrm>
+              <a:off x="1140701" y="289890"/>
+              <a:ext cx="541942" cy="406456"/>
+            </a:xfrm>
+            <a:prstGeom prst="rect">
+              <a:avLst/>
+            </a:prstGeom>
+          </p:spPr>
+        </p:pic>
+      </p:grpSp>
       <p:pic>
         <p:nvPicPr>
           <p:cNvPr id="55" name="Image 54">
@@ -14823,7 +15112,7 @@
         <p:grpSpPr>
           <a:xfrm>
             <a:off x="248950" y="956513"/>
-            <a:ext cx="720000" cy="720000"/>
+            <a:ext cx="360000" cy="360000"/>
             <a:chOff x="5223986" y="2758228"/>
             <a:chExt cx="1800000" cy="1800000"/>
           </a:xfrm>
@@ -14926,7 +15215,7 @@
         <p:grpSpPr>
           <a:xfrm>
             <a:off x="2658584" y="956513"/>
-            <a:ext cx="720000" cy="720000"/>
+            <a:ext cx="360000" cy="360000"/>
             <a:chOff x="7467428" y="2677562"/>
             <a:chExt cx="1800000" cy="1800000"/>
           </a:xfrm>
@@ -15029,7 +15318,7 @@
         <p:grpSpPr>
           <a:xfrm>
             <a:off x="1855372" y="956513"/>
-            <a:ext cx="720000" cy="720000"/>
+            <a:ext cx="360000" cy="360000"/>
             <a:chOff x="5404964" y="4396133"/>
             <a:chExt cx="1800000" cy="1800000"/>
           </a:xfrm>
@@ -15132,7 +15421,7 @@
         <p:grpSpPr>
           <a:xfrm>
             <a:off x="1052161" y="956513"/>
-            <a:ext cx="720000" cy="720000"/>
+            <a:ext cx="360000" cy="360000"/>
             <a:chOff x="10216711" y="4835236"/>
             <a:chExt cx="1800000" cy="1800000"/>
           </a:xfrm>
@@ -15220,88 +15509,109 @@
           </p:spPr>
         </p:pic>
       </p:grpSp>
-      <p:sp>
-        <p:nvSpPr>
-          <p:cNvPr id="135" name="Ellipse 134">
-            <a:extLst>
-              <a:ext uri="{FF2B5EF4-FFF2-40B4-BE49-F238E27FC236}">
-                <a16:creationId xmlns:a16="http://schemas.microsoft.com/office/drawing/2014/main" id="{DACDBD9E-4562-770F-D6B6-29A61A76A864}"/>
-              </a:ext>
-            </a:extLst>
-          </p:cNvPr>
-          <p:cNvSpPr/>
+      <p:grpSp>
+        <p:nvGrpSpPr>
+          <p:cNvPr id="174" name="Groupe 173">
+            <a:extLst>
+              <a:ext uri="{FF2B5EF4-FFF2-40B4-BE49-F238E27FC236}">
+                <a16:creationId xmlns:a16="http://schemas.microsoft.com/office/drawing/2014/main" id="{EAAE13A5-B88E-0C66-052A-EBCB7BAA1BDC}"/>
+              </a:ext>
+            </a:extLst>
+          </p:cNvPr>
+          <p:cNvGrpSpPr/>
           <p:nvPr/>
-        </p:nvSpPr>
-        <p:spPr>
-          <a:xfrm rot="19800000">
-            <a:off x="246821" y="133118"/>
-            <a:ext cx="720000" cy="720000"/>
-          </a:xfrm>
-          <a:prstGeom prst="ellipse">
-            <a:avLst/>
-          </a:prstGeom>
-          <a:solidFill>
-            <a:srgbClr val="00547F"/>
-          </a:solidFill>
-          <a:ln>
-            <a:noFill/>
-          </a:ln>
-        </p:spPr>
-        <p:style>
-          <a:lnRef idx="2">
-            <a:schemeClr val="accent1">
-              <a:shade val="50000"/>
-            </a:schemeClr>
-          </a:lnRef>
-          <a:fillRef idx="1">
-            <a:schemeClr val="accent1"/>
-          </a:fillRef>
-          <a:effectRef idx="0">
-            <a:schemeClr val="accent1"/>
-          </a:effectRef>
-          <a:fontRef idx="minor">
-            <a:schemeClr val="lt1"/>
-          </a:fontRef>
-        </p:style>
-        <p:txBody>
-          <a:bodyPr rtlCol="0" anchor="ctr"/>
-          <a:lstStyle/>
-          <a:p>
-            <a:pPr algn="ctr"/>
-            <a:endParaRPr lang="fr-FR"/>
-          </a:p>
-        </p:txBody>
-      </p:sp>
-      <p:pic>
-        <p:nvPicPr>
-          <p:cNvPr id="136" name="Image 135">
-            <a:extLst>
-              <a:ext uri="{FF2B5EF4-FFF2-40B4-BE49-F238E27FC236}">
-                <a16:creationId xmlns:a16="http://schemas.microsoft.com/office/drawing/2014/main" id="{53D2D7F7-683B-3350-3A81-3BE0FC0B4ACC}"/>
-              </a:ext>
-            </a:extLst>
-          </p:cNvPr>
-          <p:cNvPicPr>
-            <a:picLocks noChangeAspect="1"/>
-          </p:cNvPicPr>
-          <p:nvPr/>
-        </p:nvPicPr>
-        <p:blipFill>
-          <a:blip r:embed="rId44"/>
-          <a:stretch>
-            <a:fillRect/>
-          </a:stretch>
-        </p:blipFill>
-        <p:spPr>
-          <a:xfrm rot="900000">
-            <a:off x="325895" y="212191"/>
-            <a:ext cx="561853" cy="561853"/>
-          </a:xfrm>
-          <a:prstGeom prst="rect">
-            <a:avLst/>
-          </a:prstGeom>
-        </p:spPr>
-      </p:pic>
+        </p:nvGrpSpPr>
+        <p:grpSpPr>
+          <a:xfrm>
+            <a:off x="180936" y="247233"/>
+            <a:ext cx="360000" cy="360000"/>
+            <a:chOff x="180936" y="247233"/>
+            <a:chExt cx="360000" cy="360000"/>
+          </a:xfrm>
+        </p:grpSpPr>
+        <p:sp>
+          <p:nvSpPr>
+            <p:cNvPr id="135" name="Ellipse 134">
+              <a:extLst>
+                <a:ext uri="{FF2B5EF4-FFF2-40B4-BE49-F238E27FC236}">
+                  <a16:creationId xmlns:a16="http://schemas.microsoft.com/office/drawing/2014/main" id="{DACDBD9E-4562-770F-D6B6-29A61A76A864}"/>
+                </a:ext>
+              </a:extLst>
+            </p:cNvPr>
+            <p:cNvSpPr/>
+            <p:nvPr/>
+          </p:nvSpPr>
+          <p:spPr>
+            <a:xfrm rot="19800000">
+              <a:off x="180936" y="247233"/>
+              <a:ext cx="360000" cy="360000"/>
+            </a:xfrm>
+            <a:prstGeom prst="ellipse">
+              <a:avLst/>
+            </a:prstGeom>
+            <a:solidFill>
+              <a:srgbClr val="00547F"/>
+            </a:solidFill>
+            <a:ln>
+              <a:noFill/>
+            </a:ln>
+          </p:spPr>
+          <p:style>
+            <a:lnRef idx="2">
+              <a:schemeClr val="accent1">
+                <a:shade val="50000"/>
+              </a:schemeClr>
+            </a:lnRef>
+            <a:fillRef idx="1">
+              <a:schemeClr val="accent1"/>
+            </a:fillRef>
+            <a:effectRef idx="0">
+              <a:schemeClr val="accent1"/>
+            </a:effectRef>
+            <a:fontRef idx="minor">
+              <a:schemeClr val="lt1"/>
+            </a:fontRef>
+          </p:style>
+          <p:txBody>
+            <a:bodyPr rtlCol="0" anchor="ctr"/>
+            <a:lstStyle/>
+            <a:p>
+              <a:pPr algn="ctr"/>
+              <a:endParaRPr lang="fr-FR"/>
+            </a:p>
+          </p:txBody>
+        </p:sp>
+        <p:pic>
+          <p:nvPicPr>
+            <p:cNvPr id="136" name="Image 135">
+              <a:extLst>
+                <a:ext uri="{FF2B5EF4-FFF2-40B4-BE49-F238E27FC236}">
+                  <a16:creationId xmlns:a16="http://schemas.microsoft.com/office/drawing/2014/main" id="{53D2D7F7-683B-3350-3A81-3BE0FC0B4ACC}"/>
+                </a:ext>
+              </a:extLst>
+            </p:cNvPr>
+            <p:cNvPicPr>
+              <a:picLocks noChangeAspect="1"/>
+            </p:cNvPicPr>
+            <p:nvPr/>
+          </p:nvPicPr>
+          <p:blipFill>
+            <a:blip r:embed="rId44"/>
+            <a:stretch>
+              <a:fillRect/>
+            </a:stretch>
+          </p:blipFill>
+          <p:spPr>
+            <a:xfrm rot="900000">
+              <a:off x="232831" y="299127"/>
+              <a:ext cx="256210" cy="256210"/>
+            </a:xfrm>
+            <a:prstGeom prst="rect">
+              <a:avLst/>
+            </a:prstGeom>
+          </p:spPr>
+        </p:pic>
+      </p:grpSp>
       <p:grpSp>
         <p:nvGrpSpPr>
           <p:cNvPr id="137" name="Groupe 136">
@@ -15420,7 +15730,7 @@
         <p:grpSpPr>
           <a:xfrm>
             <a:off x="250828" y="1800154"/>
-            <a:ext cx="720000" cy="720000"/>
+            <a:ext cx="360000" cy="360000"/>
             <a:chOff x="6744981" y="188640"/>
             <a:chExt cx="1800000" cy="1800000"/>
           </a:xfrm>
@@ -15522,8 +15832,8 @@
         </p:nvGrpSpPr>
         <p:grpSpPr>
           <a:xfrm>
-            <a:off x="1057214" y="1800154"/>
-            <a:ext cx="720000" cy="720000"/>
+            <a:off x="1118582" y="1878262"/>
+            <a:ext cx="360000" cy="360000"/>
             <a:chOff x="8612196" y="3801520"/>
             <a:chExt cx="1800000" cy="1800000"/>
           </a:xfrm>
@@ -15626,7 +15936,7 @@
         <p:grpSpPr>
           <a:xfrm>
             <a:off x="1863600" y="1800154"/>
-            <a:ext cx="720000" cy="720000"/>
+            <a:ext cx="360000" cy="360000"/>
             <a:chOff x="6054233" y="4960569"/>
             <a:chExt cx="1800000" cy="1800000"/>
           </a:xfrm>
@@ -15729,7 +16039,7 @@
         <p:grpSpPr>
           <a:xfrm>
             <a:off x="2669985" y="1800154"/>
-            <a:ext cx="720000" cy="720000"/>
+            <a:ext cx="360000" cy="360000"/>
             <a:chOff x="7698044" y="3453428"/>
             <a:chExt cx="1800000" cy="1800000"/>
           </a:xfrm>
@@ -16209,6 +16519,212 @@
             <a:xfrm>
               <a:off x="-1609131" y="2149544"/>
               <a:ext cx="891738" cy="1673385"/>
+            </a:xfrm>
+            <a:prstGeom prst="rect">
+              <a:avLst/>
+            </a:prstGeom>
+          </p:spPr>
+        </p:pic>
+      </p:grpSp>
+      <p:grpSp>
+        <p:nvGrpSpPr>
+          <p:cNvPr id="150" name="Groupe 149">
+            <a:extLst>
+              <a:ext uri="{FF2B5EF4-FFF2-40B4-BE49-F238E27FC236}">
+                <a16:creationId xmlns:a16="http://schemas.microsoft.com/office/drawing/2014/main" id="{A64D0261-6C20-9DDC-D57C-CD1CDA3B1FB6}"/>
+              </a:ext>
+            </a:extLst>
+          </p:cNvPr>
+          <p:cNvGrpSpPr/>
+          <p:nvPr/>
+        </p:nvGrpSpPr>
+        <p:grpSpPr>
+          <a:xfrm>
+            <a:off x="7745562" y="5717966"/>
+            <a:ext cx="720000" cy="720000"/>
+            <a:chOff x="3860760" y="1901279"/>
+            <a:chExt cx="1800000" cy="1800000"/>
+          </a:xfrm>
+        </p:grpSpPr>
+        <p:sp>
+          <p:nvSpPr>
+            <p:cNvPr id="151" name="Ellipse 150">
+              <a:extLst>
+                <a:ext uri="{FF2B5EF4-FFF2-40B4-BE49-F238E27FC236}">
+                  <a16:creationId xmlns:a16="http://schemas.microsoft.com/office/drawing/2014/main" id="{04386E74-2B2F-5872-91D1-9AFC8F87639D}"/>
+                </a:ext>
+              </a:extLst>
+            </p:cNvPr>
+            <p:cNvSpPr/>
+            <p:nvPr/>
+          </p:nvSpPr>
+          <p:spPr>
+            <a:xfrm>
+              <a:off x="3860760" y="1901279"/>
+              <a:ext cx="1800000" cy="1800000"/>
+            </a:xfrm>
+            <a:prstGeom prst="ellipse">
+              <a:avLst/>
+            </a:prstGeom>
+            <a:solidFill>
+              <a:srgbClr val="68348B"/>
+            </a:solidFill>
+            <a:ln>
+              <a:noFill/>
+            </a:ln>
+          </p:spPr>
+          <p:style>
+            <a:lnRef idx="2">
+              <a:schemeClr val="accent1">
+                <a:shade val="50000"/>
+              </a:schemeClr>
+            </a:lnRef>
+            <a:fillRef idx="1">
+              <a:schemeClr val="accent1"/>
+            </a:fillRef>
+            <a:effectRef idx="0">
+              <a:schemeClr val="accent1"/>
+            </a:effectRef>
+            <a:fontRef idx="minor">
+              <a:schemeClr val="lt1"/>
+            </a:fontRef>
+          </p:style>
+          <p:txBody>
+            <a:bodyPr rtlCol="0" anchor="ctr"/>
+            <a:lstStyle/>
+            <a:p>
+              <a:pPr algn="ctr"/>
+              <a:endParaRPr lang="fr-FR"/>
+            </a:p>
+          </p:txBody>
+        </p:sp>
+        <p:pic>
+          <p:nvPicPr>
+            <p:cNvPr id="152" name="Image 151">
+              <a:extLst>
+                <a:ext uri="{FF2B5EF4-FFF2-40B4-BE49-F238E27FC236}">
+                  <a16:creationId xmlns:a16="http://schemas.microsoft.com/office/drawing/2014/main" id="{096845B6-D37D-1387-7E17-25386BE227E2}"/>
+                </a:ext>
+              </a:extLst>
+            </p:cNvPr>
+            <p:cNvPicPr>
+              <a:picLocks noChangeAspect="1"/>
+            </p:cNvPicPr>
+            <p:nvPr/>
+          </p:nvPicPr>
+          <p:blipFill>
+            <a:blip r:embed="rId56"/>
+            <a:stretch>
+              <a:fillRect/>
+            </a:stretch>
+          </p:blipFill>
+          <p:spPr>
+            <a:xfrm>
+              <a:off x="4141609" y="2182128"/>
+              <a:ext cx="1238302" cy="1238302"/>
+            </a:xfrm>
+            <a:prstGeom prst="rect">
+              <a:avLst/>
+            </a:prstGeom>
+          </p:spPr>
+        </p:pic>
+      </p:grpSp>
+      <p:grpSp>
+        <p:nvGrpSpPr>
+          <p:cNvPr id="153" name="Groupe 152">
+            <a:extLst>
+              <a:ext uri="{FF2B5EF4-FFF2-40B4-BE49-F238E27FC236}">
+                <a16:creationId xmlns:a16="http://schemas.microsoft.com/office/drawing/2014/main" id="{1856ECE2-0F88-2722-9FB4-2DBB9344F75D}"/>
+              </a:ext>
+            </a:extLst>
+          </p:cNvPr>
+          <p:cNvGrpSpPr/>
+          <p:nvPr/>
+        </p:nvGrpSpPr>
+        <p:grpSpPr>
+          <a:xfrm>
+            <a:off x="3578225" y="5784631"/>
+            <a:ext cx="720000" cy="720000"/>
+            <a:chOff x="4235640" y="2696679"/>
+            <a:chExt cx="1800000" cy="1800000"/>
+          </a:xfrm>
+        </p:grpSpPr>
+        <p:sp>
+          <p:nvSpPr>
+            <p:cNvPr id="157" name="Ellipse 156">
+              <a:extLst>
+                <a:ext uri="{FF2B5EF4-FFF2-40B4-BE49-F238E27FC236}">
+                  <a16:creationId xmlns:a16="http://schemas.microsoft.com/office/drawing/2014/main" id="{38B6A0D3-1853-6D40-7E19-4F2B79804834}"/>
+                </a:ext>
+              </a:extLst>
+            </p:cNvPr>
+            <p:cNvSpPr/>
+            <p:nvPr/>
+          </p:nvSpPr>
+          <p:spPr>
+            <a:xfrm>
+              <a:off x="4235640" y="2696679"/>
+              <a:ext cx="1800000" cy="1800000"/>
+            </a:xfrm>
+            <a:prstGeom prst="ellipse">
+              <a:avLst/>
+            </a:prstGeom>
+            <a:solidFill>
+              <a:srgbClr val="0C7391"/>
+            </a:solidFill>
+            <a:ln>
+              <a:noFill/>
+            </a:ln>
+          </p:spPr>
+          <p:style>
+            <a:lnRef idx="2">
+              <a:schemeClr val="accent1">
+                <a:shade val="50000"/>
+              </a:schemeClr>
+            </a:lnRef>
+            <a:fillRef idx="1">
+              <a:schemeClr val="accent1"/>
+            </a:fillRef>
+            <a:effectRef idx="0">
+              <a:schemeClr val="accent1"/>
+            </a:effectRef>
+            <a:fontRef idx="minor">
+              <a:schemeClr val="lt1"/>
+            </a:fontRef>
+          </p:style>
+          <p:txBody>
+            <a:bodyPr rtlCol="0" anchor="ctr"/>
+            <a:lstStyle/>
+            <a:p>
+              <a:pPr algn="ctr"/>
+              <a:endParaRPr lang="fr-FR" dirty="0"/>
+            </a:p>
+          </p:txBody>
+        </p:sp>
+        <p:pic>
+          <p:nvPicPr>
+            <p:cNvPr id="158" name="Image 157">
+              <a:extLst>
+                <a:ext uri="{FF2B5EF4-FFF2-40B4-BE49-F238E27FC236}">
+                  <a16:creationId xmlns:a16="http://schemas.microsoft.com/office/drawing/2014/main" id="{3BF646B8-FF32-994D-6932-8A7BA5EC0496}"/>
+                </a:ext>
+              </a:extLst>
+            </p:cNvPr>
+            <p:cNvPicPr>
+              <a:picLocks noChangeAspect="1"/>
+            </p:cNvPicPr>
+            <p:nvPr/>
+          </p:nvPicPr>
+          <p:blipFill>
+            <a:blip r:embed="rId57"/>
+            <a:stretch>
+              <a:fillRect/>
+            </a:stretch>
+          </p:blipFill>
+          <p:spPr>
+            <a:xfrm>
+              <a:off x="4451640" y="3100228"/>
+              <a:ext cx="1368000" cy="992903"/>
             </a:xfrm>
             <a:prstGeom prst="rect">
               <a:avLst/>

--- a/ChaineFonctionnelle_V2.pptx
+++ b/ChaineFonctionnelle_V2.pptx
@@ -10563,8 +10563,8 @@
         </p:nvGrpSpPr>
         <p:grpSpPr>
           <a:xfrm>
-            <a:off x="11026027" y="4494749"/>
-            <a:ext cx="1010860" cy="720000"/>
+            <a:off x="8886040" y="6279742"/>
+            <a:ext cx="463240" cy="360000"/>
             <a:chOff x="4476612" y="5880432"/>
             <a:chExt cx="1010860" cy="720000"/>
           </a:xfrm>
@@ -12106,10 +12106,10 @@
       </p:grpSp>
       <p:grpSp>
         <p:nvGrpSpPr>
-          <p:cNvPr id="32" name="Groupe 31">
-            <a:extLst>
-              <a:ext uri="{FF2B5EF4-FFF2-40B4-BE49-F238E27FC236}">
-                <a16:creationId xmlns:a16="http://schemas.microsoft.com/office/drawing/2014/main" id="{CDE94BA7-0A7A-5DBD-C32A-C8E3710063A7}"/>
+          <p:cNvPr id="35" name="Groupe 34">
+            <a:extLst>
+              <a:ext uri="{FF2B5EF4-FFF2-40B4-BE49-F238E27FC236}">
+                <a16:creationId xmlns:a16="http://schemas.microsoft.com/office/drawing/2014/main" id="{E621096B-55D3-88BC-741B-C7A0BDF87AB7}"/>
               </a:ext>
             </a:extLst>
           </p:cNvPr>
@@ -12118,111 +12118,8 @@
         </p:nvGrpSpPr>
         <p:grpSpPr>
           <a:xfrm>
-            <a:off x="6214171" y="4938428"/>
-            <a:ext cx="720000" cy="720000"/>
-            <a:chOff x="1055440" y="3471646"/>
-            <a:chExt cx="1800000" cy="1800000"/>
-          </a:xfrm>
-        </p:grpSpPr>
-        <p:sp>
-          <p:nvSpPr>
-            <p:cNvPr id="33" name="Ellipse 32">
-              <a:extLst>
-                <a:ext uri="{FF2B5EF4-FFF2-40B4-BE49-F238E27FC236}">
-                  <a16:creationId xmlns:a16="http://schemas.microsoft.com/office/drawing/2014/main" id="{B7AA7628-4A21-FF6A-55E1-B89D1BDD4234}"/>
-                </a:ext>
-              </a:extLst>
-            </p:cNvPr>
-            <p:cNvSpPr/>
-            <p:nvPr/>
-          </p:nvSpPr>
-          <p:spPr>
-            <a:xfrm>
-              <a:off x="1055440" y="3471646"/>
-              <a:ext cx="1800000" cy="1800000"/>
-            </a:xfrm>
-            <a:prstGeom prst="ellipse">
-              <a:avLst/>
-            </a:prstGeom>
-            <a:solidFill>
-              <a:srgbClr val="68348B"/>
-            </a:solidFill>
-            <a:ln>
-              <a:noFill/>
-            </a:ln>
-          </p:spPr>
-          <p:style>
-            <a:lnRef idx="2">
-              <a:schemeClr val="accent1">
-                <a:shade val="50000"/>
-              </a:schemeClr>
-            </a:lnRef>
-            <a:fillRef idx="1">
-              <a:schemeClr val="accent1"/>
-            </a:fillRef>
-            <a:effectRef idx="0">
-              <a:schemeClr val="accent1"/>
-            </a:effectRef>
-            <a:fontRef idx="minor">
-              <a:schemeClr val="lt1"/>
-            </a:fontRef>
-          </p:style>
-          <p:txBody>
-            <a:bodyPr rtlCol="0" anchor="ctr"/>
-            <a:lstStyle/>
-            <a:p>
-              <a:pPr algn="ctr"/>
-              <a:endParaRPr lang="fr-FR"/>
-            </a:p>
-          </p:txBody>
-        </p:sp>
-        <p:pic>
-          <p:nvPicPr>
-            <p:cNvPr id="34" name="Image 33">
-              <a:extLst>
-                <a:ext uri="{FF2B5EF4-FFF2-40B4-BE49-F238E27FC236}">
-                  <a16:creationId xmlns:a16="http://schemas.microsoft.com/office/drawing/2014/main" id="{FE94FAB9-D4B3-9383-9438-8F92F685E115}"/>
-                </a:ext>
-              </a:extLst>
-            </p:cNvPr>
-            <p:cNvPicPr>
-              <a:picLocks noChangeAspect="1"/>
-            </p:cNvPicPr>
-            <p:nvPr/>
-          </p:nvPicPr>
-          <p:blipFill>
-            <a:blip r:embed="rId7"/>
-            <a:stretch>
-              <a:fillRect/>
-            </a:stretch>
-          </p:blipFill>
-          <p:spPr>
-            <a:xfrm>
-              <a:off x="1338842" y="3938101"/>
-              <a:ext cx="1233200" cy="867090"/>
-            </a:xfrm>
-            <a:prstGeom prst="rect">
-              <a:avLst/>
-            </a:prstGeom>
-          </p:spPr>
-        </p:pic>
-      </p:grpSp>
-      <p:grpSp>
-        <p:nvGrpSpPr>
-          <p:cNvPr id="35" name="Groupe 34">
-            <a:extLst>
-              <a:ext uri="{FF2B5EF4-FFF2-40B4-BE49-F238E27FC236}">
-                <a16:creationId xmlns:a16="http://schemas.microsoft.com/office/drawing/2014/main" id="{E621096B-55D3-88BC-741B-C7A0BDF87AB7}"/>
-              </a:ext>
-            </a:extLst>
-          </p:cNvPr>
-          <p:cNvGrpSpPr/>
-          <p:nvPr/>
-        </p:nvGrpSpPr>
-        <p:grpSpPr>
-          <a:xfrm>
-            <a:off x="6976734" y="4938428"/>
-            <a:ext cx="720000" cy="720000"/>
+            <a:off x="7080067" y="5405748"/>
+            <a:ext cx="360000" cy="360000"/>
             <a:chOff x="5775745" y="3144183"/>
             <a:chExt cx="1800000" cy="1800000"/>
           </a:xfrm>
@@ -12312,10 +12209,10 @@
       </p:grpSp>
       <p:grpSp>
         <p:nvGrpSpPr>
-          <p:cNvPr id="166" name="Groupe 165">
-            <a:extLst>
-              <a:ext uri="{FF2B5EF4-FFF2-40B4-BE49-F238E27FC236}">
-                <a16:creationId xmlns:a16="http://schemas.microsoft.com/office/drawing/2014/main" id="{BD54BEC9-FB2D-3A2D-178F-799F6CFBED8D}"/>
+          <p:cNvPr id="180" name="Groupe 179">
+            <a:extLst>
+              <a:ext uri="{FF2B5EF4-FFF2-40B4-BE49-F238E27FC236}">
+                <a16:creationId xmlns:a16="http://schemas.microsoft.com/office/drawing/2014/main" id="{6B2CDDA0-6DBE-D5E8-CEC4-5C8AA75C3A95}"/>
               </a:ext>
             </a:extLst>
           </p:cNvPr>
@@ -12324,18 +12221,18 @@
         </p:nvGrpSpPr>
         <p:grpSpPr>
           <a:xfrm>
-            <a:off x="6210006" y="5684235"/>
-            <a:ext cx="1483299" cy="720000"/>
-            <a:chOff x="6210006" y="5684235"/>
-            <a:chExt cx="1483299" cy="720000"/>
+            <a:off x="6622309" y="4985374"/>
+            <a:ext cx="1299805" cy="360000"/>
+            <a:chOff x="6622309" y="4985374"/>
+            <a:chExt cx="1299805" cy="360000"/>
           </a:xfrm>
         </p:grpSpPr>
         <p:grpSp>
           <p:nvGrpSpPr>
-            <p:cNvPr id="38" name="Groupe 37">
-              <a:extLst>
-                <a:ext uri="{FF2B5EF4-FFF2-40B4-BE49-F238E27FC236}">
-                  <a16:creationId xmlns:a16="http://schemas.microsoft.com/office/drawing/2014/main" id="{21D1DE82-6E57-58FB-EC35-832B21D0590C}"/>
+            <p:cNvPr id="32" name="Groupe 31">
+              <a:extLst>
+                <a:ext uri="{FF2B5EF4-FFF2-40B4-BE49-F238E27FC236}">
+                  <a16:creationId xmlns:a16="http://schemas.microsoft.com/office/drawing/2014/main" id="{CDE94BA7-0A7A-5DBD-C32A-C8E3710063A7}"/>
                 </a:ext>
               </a:extLst>
             </p:cNvPr>
@@ -12344,8 +12241,111 @@
           </p:nvGrpSpPr>
           <p:grpSpPr>
             <a:xfrm>
-              <a:off x="6210006" y="5684235"/>
-              <a:ext cx="720000" cy="720000"/>
+              <a:off x="6622309" y="4985374"/>
+              <a:ext cx="360000" cy="360000"/>
+              <a:chOff x="1055440" y="3471646"/>
+              <a:chExt cx="1800000" cy="1800000"/>
+            </a:xfrm>
+          </p:grpSpPr>
+          <p:sp>
+            <p:nvSpPr>
+              <p:cNvPr id="33" name="Ellipse 32">
+                <a:extLst>
+                  <a:ext uri="{FF2B5EF4-FFF2-40B4-BE49-F238E27FC236}">
+                    <a16:creationId xmlns:a16="http://schemas.microsoft.com/office/drawing/2014/main" id="{B7AA7628-4A21-FF6A-55E1-B89D1BDD4234}"/>
+                  </a:ext>
+                </a:extLst>
+              </p:cNvPr>
+              <p:cNvSpPr/>
+              <p:nvPr/>
+            </p:nvSpPr>
+            <p:spPr>
+              <a:xfrm>
+                <a:off x="1055440" y="3471646"/>
+                <a:ext cx="1800000" cy="1800000"/>
+              </a:xfrm>
+              <a:prstGeom prst="ellipse">
+                <a:avLst/>
+              </a:prstGeom>
+              <a:solidFill>
+                <a:srgbClr val="68348B"/>
+              </a:solidFill>
+              <a:ln>
+                <a:noFill/>
+              </a:ln>
+            </p:spPr>
+            <p:style>
+              <a:lnRef idx="2">
+                <a:schemeClr val="accent1">
+                  <a:shade val="50000"/>
+                </a:schemeClr>
+              </a:lnRef>
+              <a:fillRef idx="1">
+                <a:schemeClr val="accent1"/>
+              </a:fillRef>
+              <a:effectRef idx="0">
+                <a:schemeClr val="accent1"/>
+              </a:effectRef>
+              <a:fontRef idx="minor">
+                <a:schemeClr val="lt1"/>
+              </a:fontRef>
+            </p:style>
+            <p:txBody>
+              <a:bodyPr rtlCol="0" anchor="ctr"/>
+              <a:lstStyle/>
+              <a:p>
+                <a:pPr algn="ctr"/>
+                <a:endParaRPr lang="fr-FR"/>
+              </a:p>
+            </p:txBody>
+          </p:sp>
+          <p:pic>
+            <p:nvPicPr>
+              <p:cNvPr id="34" name="Image 33">
+                <a:extLst>
+                  <a:ext uri="{FF2B5EF4-FFF2-40B4-BE49-F238E27FC236}">
+                    <a16:creationId xmlns:a16="http://schemas.microsoft.com/office/drawing/2014/main" id="{FE94FAB9-D4B3-9383-9438-8F92F685E115}"/>
+                  </a:ext>
+                </a:extLst>
+              </p:cNvPr>
+              <p:cNvPicPr>
+                <a:picLocks noChangeAspect="1"/>
+              </p:cNvPicPr>
+              <p:nvPr/>
+            </p:nvPicPr>
+            <p:blipFill>
+              <a:blip r:embed="rId7"/>
+              <a:stretch>
+                <a:fillRect/>
+              </a:stretch>
+            </p:blipFill>
+            <p:spPr>
+              <a:xfrm>
+                <a:off x="1338842" y="3938101"/>
+                <a:ext cx="1233200" cy="867090"/>
+              </a:xfrm>
+              <a:prstGeom prst="rect">
+                <a:avLst/>
+              </a:prstGeom>
+            </p:spPr>
+          </p:pic>
+        </p:grpSp>
+        <p:grpSp>
+          <p:nvGrpSpPr>
+            <p:cNvPr id="38" name="Groupe 37">
+              <a:extLst>
+                <a:ext uri="{FF2B5EF4-FFF2-40B4-BE49-F238E27FC236}">
+                  <a16:creationId xmlns:a16="http://schemas.microsoft.com/office/drawing/2014/main" id="{21D1DE82-6E57-58FB-EC35-832B21D0590C}"/>
+                </a:ext>
+              </a:extLst>
+            </p:cNvPr>
+            <p:cNvGrpSpPr/>
+            <p:nvPr/>
+          </p:nvGrpSpPr>
+          <p:grpSpPr>
+            <a:xfrm>
+              <a:off x="7562114" y="4985374"/>
+              <a:ext cx="360000" cy="360000"/>
               <a:chOff x="5889610" y="2521193"/>
               <a:chExt cx="1800000" cy="1800000"/>
             </a:xfrm>
@@ -12447,8 +12447,8 @@
           </p:nvGrpSpPr>
           <p:grpSpPr>
             <a:xfrm>
-              <a:off x="6973305" y="5684235"/>
-              <a:ext cx="720000" cy="720000"/>
+              <a:off x="7092211" y="4985374"/>
+              <a:ext cx="360000" cy="360000"/>
               <a:chOff x="5440393" y="2720332"/>
               <a:chExt cx="1284732" cy="1284732"/>
             </a:xfrm>
@@ -12551,8 +12551,8 @@
         </p:nvGrpSpPr>
         <p:grpSpPr>
           <a:xfrm>
-            <a:off x="9686623" y="4513799"/>
-            <a:ext cx="720000" cy="720000"/>
+            <a:off x="8145786" y="4960625"/>
+            <a:ext cx="360000" cy="360000"/>
             <a:chOff x="4928860" y="800708"/>
             <a:chExt cx="1800000" cy="1800000"/>
           </a:xfrm>
@@ -12654,8 +12654,8 @@
         </p:nvGrpSpPr>
         <p:grpSpPr>
           <a:xfrm>
-            <a:off x="9709225" y="5258779"/>
-            <a:ext cx="720000" cy="720000"/>
+            <a:off x="8145525" y="5414647"/>
+            <a:ext cx="360000" cy="360000"/>
             <a:chOff x="5447928" y="2816932"/>
             <a:chExt cx="1800000" cy="1800000"/>
           </a:xfrm>
@@ -12757,8 +12757,8 @@
         </p:nvGrpSpPr>
         <p:grpSpPr>
           <a:xfrm>
-            <a:off x="9710097" y="6040730"/>
-            <a:ext cx="720000" cy="720000"/>
+            <a:off x="8148718" y="5829054"/>
+            <a:ext cx="360000" cy="360000"/>
             <a:chOff x="5375920" y="2931646"/>
             <a:chExt cx="1800000" cy="1800000"/>
           </a:xfrm>
@@ -12860,8 +12860,8 @@
         </p:nvGrpSpPr>
         <p:grpSpPr>
           <a:xfrm>
-            <a:off x="11268709" y="6054139"/>
-            <a:ext cx="720000" cy="720000"/>
+            <a:off x="9167396" y="5829054"/>
+            <a:ext cx="360000" cy="360000"/>
             <a:chOff x="5537408" y="1765068"/>
             <a:chExt cx="1800000" cy="1800000"/>
           </a:xfrm>
@@ -12963,8 +12963,8 @@
         </p:nvGrpSpPr>
         <p:grpSpPr>
           <a:xfrm>
-            <a:off x="10441958" y="4487142"/>
-            <a:ext cx="720000" cy="720000"/>
+            <a:off x="8376824" y="6283076"/>
+            <a:ext cx="360000" cy="360000"/>
             <a:chOff x="6192322" y="2195517"/>
             <a:chExt cx="1800000" cy="1800000"/>
           </a:xfrm>
@@ -13066,8 +13066,8 @@
         </p:nvGrpSpPr>
         <p:grpSpPr>
           <a:xfrm>
-            <a:off x="11266911" y="5258779"/>
-            <a:ext cx="720000" cy="720000"/>
+            <a:off x="9167396" y="5414647"/>
+            <a:ext cx="360000" cy="360000"/>
             <a:chOff x="9216528" y="2114120"/>
             <a:chExt cx="1800000" cy="1800000"/>
           </a:xfrm>
@@ -13169,8 +13169,8 @@
         </p:nvGrpSpPr>
         <p:grpSpPr>
           <a:xfrm>
-            <a:off x="10488067" y="5258779"/>
-            <a:ext cx="720000" cy="720000"/>
+            <a:off x="8656461" y="5414647"/>
+            <a:ext cx="360000" cy="360000"/>
             <a:chOff x="3533664" y="4396133"/>
             <a:chExt cx="1800000" cy="1800000"/>
           </a:xfrm>
@@ -13272,8 +13272,8 @@
         </p:nvGrpSpPr>
         <p:grpSpPr>
           <a:xfrm>
-            <a:off x="10497233" y="6040730"/>
-            <a:ext cx="720000" cy="720000"/>
+            <a:off x="8658057" y="5829054"/>
+            <a:ext cx="360000" cy="360000"/>
             <a:chOff x="8032212" y="1081192"/>
             <a:chExt cx="1800000" cy="1800000"/>
           </a:xfrm>
@@ -13796,10 +13796,10 @@
       </p:grpSp>
       <p:grpSp>
         <p:nvGrpSpPr>
-          <p:cNvPr id="171" name="Groupe 170">
-            <a:extLst>
-              <a:ext uri="{FF2B5EF4-FFF2-40B4-BE49-F238E27FC236}">
-                <a16:creationId xmlns:a16="http://schemas.microsoft.com/office/drawing/2014/main" id="{F930EAE8-3BED-E3B6-B0D8-DAB5F8121529}"/>
+          <p:cNvPr id="110" name="Groupe 109">
+            <a:extLst>
+              <a:ext uri="{FF2B5EF4-FFF2-40B4-BE49-F238E27FC236}">
+                <a16:creationId xmlns:a16="http://schemas.microsoft.com/office/drawing/2014/main" id="{AEECE30E-5EC9-C47F-8CF7-61819D8C5E6E}"/>
               </a:ext>
             </a:extLst>
           </p:cNvPr>
@@ -13808,7 +13808,2267 @@
         </p:nvGrpSpPr>
         <p:grpSpPr>
           <a:xfrm>
-            <a:off x="1856523" y="133118"/>
+            <a:off x="2354997" y="332708"/>
+            <a:ext cx="360000" cy="360000"/>
+            <a:chOff x="8493814" y="3375317"/>
+            <a:chExt cx="1800000" cy="1800000"/>
+          </a:xfrm>
+        </p:grpSpPr>
+        <p:sp>
+          <p:nvSpPr>
+            <p:cNvPr id="111" name="Ellipse 110">
+              <a:extLst>
+                <a:ext uri="{FF2B5EF4-FFF2-40B4-BE49-F238E27FC236}">
+                  <a16:creationId xmlns:a16="http://schemas.microsoft.com/office/drawing/2014/main" id="{887675DA-5E4D-8EF3-E6FA-0884012A3D3C}"/>
+                </a:ext>
+              </a:extLst>
+            </p:cNvPr>
+            <p:cNvSpPr/>
+            <p:nvPr/>
+          </p:nvSpPr>
+          <p:spPr>
+            <a:xfrm>
+              <a:off x="8493814" y="3375317"/>
+              <a:ext cx="1800000" cy="1800000"/>
+            </a:xfrm>
+            <a:prstGeom prst="ellipse">
+              <a:avLst/>
+            </a:prstGeom>
+            <a:solidFill>
+              <a:srgbClr val="00517A"/>
+            </a:solidFill>
+            <a:ln>
+              <a:noFill/>
+            </a:ln>
+          </p:spPr>
+          <p:style>
+            <a:lnRef idx="2">
+              <a:schemeClr val="accent1">
+                <a:shade val="50000"/>
+              </a:schemeClr>
+            </a:lnRef>
+            <a:fillRef idx="1">
+              <a:schemeClr val="accent1"/>
+            </a:fillRef>
+            <a:effectRef idx="0">
+              <a:schemeClr val="accent1"/>
+            </a:effectRef>
+            <a:fontRef idx="minor">
+              <a:schemeClr val="lt1"/>
+            </a:fontRef>
+          </p:style>
+          <p:txBody>
+            <a:bodyPr rtlCol="0" anchor="ctr"/>
+            <a:lstStyle/>
+            <a:p>
+              <a:pPr algn="ctr"/>
+              <a:endParaRPr lang="fr-FR" dirty="0"/>
+            </a:p>
+          </p:txBody>
+        </p:sp>
+        <p:pic>
+          <p:nvPicPr>
+            <p:cNvPr id="112" name="Image 111">
+              <a:extLst>
+                <a:ext uri="{FF2B5EF4-FFF2-40B4-BE49-F238E27FC236}">
+                  <a16:creationId xmlns:a16="http://schemas.microsoft.com/office/drawing/2014/main" id="{2A35C3FA-2D08-0352-A1C0-2913B0CD02D5}"/>
+                </a:ext>
+              </a:extLst>
+            </p:cNvPr>
+            <p:cNvPicPr>
+              <a:picLocks noChangeAspect="1"/>
+            </p:cNvPicPr>
+            <p:nvPr/>
+          </p:nvPicPr>
+          <p:blipFill>
+            <a:blip r:embed="rId24"/>
+            <a:stretch>
+              <a:fillRect/>
+            </a:stretch>
+          </p:blipFill>
+          <p:spPr>
+            <a:xfrm>
+              <a:off x="8673814" y="3583777"/>
+              <a:ext cx="1440000" cy="1440000"/>
+            </a:xfrm>
+            <a:prstGeom prst="rect">
+              <a:avLst/>
+            </a:prstGeom>
+          </p:spPr>
+        </p:pic>
+      </p:grpSp>
+      <p:grpSp>
+        <p:nvGrpSpPr>
+          <p:cNvPr id="164" name="Groupe 163">
+            <a:extLst>
+              <a:ext uri="{FF2B5EF4-FFF2-40B4-BE49-F238E27FC236}">
+                <a16:creationId xmlns:a16="http://schemas.microsoft.com/office/drawing/2014/main" id="{C0F3CF82-2C63-6E1F-6200-2AD139566409}"/>
+              </a:ext>
+            </a:extLst>
+          </p:cNvPr>
+          <p:cNvGrpSpPr/>
+          <p:nvPr/>
+        </p:nvGrpSpPr>
+        <p:grpSpPr>
+          <a:xfrm>
+            <a:off x="2968472" y="3518527"/>
+            <a:ext cx="469092" cy="619346"/>
+            <a:chOff x="2506977" y="4061546"/>
+            <a:chExt cx="469092" cy="619346"/>
+          </a:xfrm>
+        </p:grpSpPr>
+        <p:pic>
+          <p:nvPicPr>
+            <p:cNvPr id="120" name="Image 119">
+              <a:extLst>
+                <a:ext uri="{FF2B5EF4-FFF2-40B4-BE49-F238E27FC236}">
+                  <a16:creationId xmlns:a16="http://schemas.microsoft.com/office/drawing/2014/main" id="{ABB2610A-78E9-DF8C-F3D5-189537C6D190}"/>
+                </a:ext>
+              </a:extLst>
+            </p:cNvPr>
+            <p:cNvPicPr>
+              <a:picLocks noChangeAspect="1"/>
+            </p:cNvPicPr>
+            <p:nvPr/>
+          </p:nvPicPr>
+          <p:blipFill>
+            <a:blip r:embed="rId25"/>
+            <a:stretch>
+              <a:fillRect/>
+            </a:stretch>
+          </p:blipFill>
+          <p:spPr>
+            <a:xfrm>
+              <a:off x="2561523" y="4061546"/>
+              <a:ext cx="360000" cy="360000"/>
+            </a:xfrm>
+            <a:prstGeom prst="rect">
+              <a:avLst/>
+            </a:prstGeom>
+          </p:spPr>
+        </p:pic>
+        <p:pic>
+          <p:nvPicPr>
+            <p:cNvPr id="121" name="Image 120">
+              <a:extLst>
+                <a:ext uri="{FF2B5EF4-FFF2-40B4-BE49-F238E27FC236}">
+                  <a16:creationId xmlns:a16="http://schemas.microsoft.com/office/drawing/2014/main" id="{A353A503-FDD5-7DFC-0298-F20AEB5646C6}"/>
+                </a:ext>
+              </a:extLst>
+            </p:cNvPr>
+            <p:cNvPicPr>
+              <a:picLocks noChangeAspect="1"/>
+            </p:cNvPicPr>
+            <p:nvPr/>
+          </p:nvPicPr>
+          <p:blipFill>
+            <a:blip r:embed="rId26"/>
+            <a:stretch>
+              <a:fillRect/>
+            </a:stretch>
+          </p:blipFill>
+          <p:spPr>
+            <a:xfrm>
+              <a:off x="2506977" y="4497653"/>
+              <a:ext cx="469092" cy="183239"/>
+            </a:xfrm>
+            <a:prstGeom prst="rect">
+              <a:avLst/>
+            </a:prstGeom>
+          </p:spPr>
+        </p:pic>
+      </p:grpSp>
+      <p:grpSp>
+        <p:nvGrpSpPr>
+          <p:cNvPr id="122" name="Groupe 121">
+            <a:extLst>
+              <a:ext uri="{FF2B5EF4-FFF2-40B4-BE49-F238E27FC236}">
+                <a16:creationId xmlns:a16="http://schemas.microsoft.com/office/drawing/2014/main" id="{B553C732-EE6A-0A6B-E02A-A88C41970AC1}"/>
+              </a:ext>
+            </a:extLst>
+          </p:cNvPr>
+          <p:cNvGrpSpPr/>
+          <p:nvPr/>
+        </p:nvGrpSpPr>
+        <p:grpSpPr>
+          <a:xfrm>
+            <a:off x="9028481" y="512708"/>
+            <a:ext cx="720000" cy="720000"/>
+            <a:chOff x="7851244" y="635246"/>
+            <a:chExt cx="1800000" cy="1800000"/>
+          </a:xfrm>
+        </p:grpSpPr>
+        <p:sp>
+          <p:nvSpPr>
+            <p:cNvPr id="123" name="Ellipse 122">
+              <a:extLst>
+                <a:ext uri="{FF2B5EF4-FFF2-40B4-BE49-F238E27FC236}">
+                  <a16:creationId xmlns:a16="http://schemas.microsoft.com/office/drawing/2014/main" id="{31A9BE80-8F5C-95FD-9F2D-53C2DA569919}"/>
+                </a:ext>
+              </a:extLst>
+            </p:cNvPr>
+            <p:cNvSpPr/>
+            <p:nvPr/>
+          </p:nvSpPr>
+          <p:spPr>
+            <a:xfrm>
+              <a:off x="7851244" y="635246"/>
+              <a:ext cx="1800000" cy="1800000"/>
+            </a:xfrm>
+            <a:prstGeom prst="ellipse">
+              <a:avLst/>
+            </a:prstGeom>
+            <a:solidFill>
+              <a:srgbClr val="08AF5E"/>
+            </a:solidFill>
+            <a:ln>
+              <a:noFill/>
+            </a:ln>
+          </p:spPr>
+          <p:style>
+            <a:lnRef idx="2">
+              <a:schemeClr val="accent1">
+                <a:shade val="50000"/>
+              </a:schemeClr>
+            </a:lnRef>
+            <a:fillRef idx="1">
+              <a:schemeClr val="accent1"/>
+            </a:fillRef>
+            <a:effectRef idx="0">
+              <a:schemeClr val="accent1"/>
+            </a:effectRef>
+            <a:fontRef idx="minor">
+              <a:schemeClr val="lt1"/>
+            </a:fontRef>
+          </p:style>
+          <p:txBody>
+            <a:bodyPr rtlCol="0" anchor="ctr"/>
+            <a:lstStyle/>
+            <a:p>
+              <a:pPr algn="ctr"/>
+              <a:endParaRPr lang="fr-FR" dirty="0"/>
+            </a:p>
+          </p:txBody>
+        </p:sp>
+        <p:pic>
+          <p:nvPicPr>
+            <p:cNvPr id="124" name="Image 123">
+              <a:extLst>
+                <a:ext uri="{FF2B5EF4-FFF2-40B4-BE49-F238E27FC236}">
+                  <a16:creationId xmlns:a16="http://schemas.microsoft.com/office/drawing/2014/main" id="{D6A6FFF9-03A7-36E5-2AFD-594EDC35C813}"/>
+                </a:ext>
+              </a:extLst>
+            </p:cNvPr>
+            <p:cNvPicPr>
+              <a:picLocks noChangeAspect="1"/>
+            </p:cNvPicPr>
+            <p:nvPr/>
+          </p:nvPicPr>
+          <p:blipFill>
+            <a:blip r:embed="rId27"/>
+            <a:stretch>
+              <a:fillRect/>
+            </a:stretch>
+          </p:blipFill>
+          <p:spPr>
+            <a:xfrm>
+              <a:off x="8074192" y="879141"/>
+              <a:ext cx="1337198" cy="1264070"/>
+            </a:xfrm>
+            <a:prstGeom prst="rect">
+              <a:avLst/>
+            </a:prstGeom>
+          </p:spPr>
+        </p:pic>
+      </p:grpSp>
+      <p:grpSp>
+        <p:nvGrpSpPr>
+          <p:cNvPr id="125" name="Groupe 124">
+            <a:extLst>
+              <a:ext uri="{FF2B5EF4-FFF2-40B4-BE49-F238E27FC236}">
+                <a16:creationId xmlns:a16="http://schemas.microsoft.com/office/drawing/2014/main" id="{180EA0FF-B5FE-3B01-D2FF-56872EF6296A}"/>
+              </a:ext>
+            </a:extLst>
+          </p:cNvPr>
+          <p:cNvGrpSpPr/>
+          <p:nvPr/>
+        </p:nvGrpSpPr>
+        <p:grpSpPr>
+          <a:xfrm>
+            <a:off x="8224868" y="518746"/>
+            <a:ext cx="720000" cy="720000"/>
+            <a:chOff x="8097618" y="377340"/>
+            <a:chExt cx="1800000" cy="1800000"/>
+          </a:xfrm>
+        </p:grpSpPr>
+        <p:sp>
+          <p:nvSpPr>
+            <p:cNvPr id="126" name="Ellipse 125">
+              <a:extLst>
+                <a:ext uri="{FF2B5EF4-FFF2-40B4-BE49-F238E27FC236}">
+                  <a16:creationId xmlns:a16="http://schemas.microsoft.com/office/drawing/2014/main" id="{F2D9AD0D-F610-BD38-FA2E-C857441F62B0}"/>
+                </a:ext>
+              </a:extLst>
+            </p:cNvPr>
+            <p:cNvSpPr/>
+            <p:nvPr/>
+          </p:nvSpPr>
+          <p:spPr>
+            <a:xfrm>
+              <a:off x="8097618" y="377340"/>
+              <a:ext cx="1800000" cy="1800000"/>
+            </a:xfrm>
+            <a:prstGeom prst="ellipse">
+              <a:avLst/>
+            </a:prstGeom>
+            <a:solidFill>
+              <a:srgbClr val="08AF5E"/>
+            </a:solidFill>
+            <a:ln>
+              <a:noFill/>
+            </a:ln>
+          </p:spPr>
+          <p:style>
+            <a:lnRef idx="2">
+              <a:schemeClr val="accent1">
+                <a:shade val="50000"/>
+              </a:schemeClr>
+            </a:lnRef>
+            <a:fillRef idx="1">
+              <a:schemeClr val="accent1"/>
+            </a:fillRef>
+            <a:effectRef idx="0">
+              <a:schemeClr val="accent1"/>
+            </a:effectRef>
+            <a:fontRef idx="minor">
+              <a:schemeClr val="lt1"/>
+            </a:fontRef>
+          </p:style>
+          <p:txBody>
+            <a:bodyPr rtlCol="0" anchor="ctr"/>
+            <a:lstStyle/>
+            <a:p>
+              <a:pPr algn="ctr"/>
+              <a:endParaRPr lang="fr-FR" dirty="0"/>
+            </a:p>
+          </p:txBody>
+        </p:sp>
+        <p:pic>
+          <p:nvPicPr>
+            <p:cNvPr id="127" name="Image 126">
+              <a:extLst>
+                <a:ext uri="{FF2B5EF4-FFF2-40B4-BE49-F238E27FC236}">
+                  <a16:creationId xmlns:a16="http://schemas.microsoft.com/office/drawing/2014/main" id="{F7A1C425-2946-A7F7-944B-5C90872254BC}"/>
+                </a:ext>
+              </a:extLst>
+            </p:cNvPr>
+            <p:cNvPicPr>
+              <a:picLocks noChangeAspect="1"/>
+            </p:cNvPicPr>
+            <p:nvPr/>
+          </p:nvPicPr>
+          <p:blipFill>
+            <a:blip r:embed="rId28"/>
+            <a:stretch>
+              <a:fillRect/>
+            </a:stretch>
+          </p:blipFill>
+          <p:spPr>
+            <a:xfrm>
+              <a:off x="8477507" y="575912"/>
+              <a:ext cx="1008054" cy="1372668"/>
+            </a:xfrm>
+            <a:prstGeom prst="rect">
+              <a:avLst/>
+            </a:prstGeom>
+          </p:spPr>
+        </p:pic>
+      </p:grpSp>
+      <p:pic>
+        <p:nvPicPr>
+          <p:cNvPr id="131" name="Image 130">
+            <a:extLst>
+              <a:ext uri="{FF2B5EF4-FFF2-40B4-BE49-F238E27FC236}">
+                <a16:creationId xmlns:a16="http://schemas.microsoft.com/office/drawing/2014/main" id="{11C66256-3997-8FDD-2776-932039044F71}"/>
+              </a:ext>
+            </a:extLst>
+          </p:cNvPr>
+          <p:cNvPicPr>
+            <a:picLocks noChangeAspect="1"/>
+          </p:cNvPicPr>
+          <p:nvPr/>
+        </p:nvPicPr>
+        <p:blipFill>
+          <a:blip r:embed="rId29"/>
+          <a:stretch>
+            <a:fillRect/>
+          </a:stretch>
+        </p:blipFill>
+        <p:spPr>
+          <a:xfrm>
+            <a:off x="1486539" y="3573929"/>
+            <a:ext cx="720000" cy="720000"/>
+          </a:xfrm>
+          <a:prstGeom prst="rect">
+            <a:avLst/>
+          </a:prstGeom>
+        </p:spPr>
+      </p:pic>
+      <p:pic>
+        <p:nvPicPr>
+          <p:cNvPr id="132" name="Image 131">
+            <a:extLst>
+              <a:ext uri="{FF2B5EF4-FFF2-40B4-BE49-F238E27FC236}">
+                <a16:creationId xmlns:a16="http://schemas.microsoft.com/office/drawing/2014/main" id="{D12D6E10-CE83-427D-9E1B-2BA1EE389130}"/>
+              </a:ext>
+            </a:extLst>
+          </p:cNvPr>
+          <p:cNvPicPr>
+            <a:picLocks noChangeAspect="1"/>
+          </p:cNvPicPr>
+          <p:nvPr/>
+        </p:nvPicPr>
+        <p:blipFill>
+          <a:blip r:embed="rId30"/>
+          <a:stretch>
+            <a:fillRect/>
+          </a:stretch>
+        </p:blipFill>
+        <p:spPr>
+          <a:xfrm>
+            <a:off x="8440103" y="2138268"/>
+            <a:ext cx="289529" cy="289529"/>
+          </a:xfrm>
+          <a:prstGeom prst="rect">
+            <a:avLst/>
+          </a:prstGeom>
+        </p:spPr>
+      </p:pic>
+      <p:grpSp>
+        <p:nvGrpSpPr>
+          <p:cNvPr id="2" name="Groupe 1">
+            <a:extLst>
+              <a:ext uri="{FF2B5EF4-FFF2-40B4-BE49-F238E27FC236}">
+                <a16:creationId xmlns:a16="http://schemas.microsoft.com/office/drawing/2014/main" id="{F414DCE3-266B-8BA4-44F5-8377B2EAF4AB}"/>
+              </a:ext>
+            </a:extLst>
+          </p:cNvPr>
+          <p:cNvGrpSpPr/>
+          <p:nvPr/>
+        </p:nvGrpSpPr>
+        <p:grpSpPr>
+          <a:xfrm>
+            <a:off x="6618175" y="5410399"/>
+            <a:ext cx="360000" cy="360000"/>
+            <a:chOff x="10288921" y="4962102"/>
+            <a:chExt cx="1800000" cy="1800000"/>
+          </a:xfrm>
+        </p:grpSpPr>
+        <p:sp>
+          <p:nvSpPr>
+            <p:cNvPr id="3" name="Ellipse 2">
+              <a:extLst>
+                <a:ext uri="{FF2B5EF4-FFF2-40B4-BE49-F238E27FC236}">
+                  <a16:creationId xmlns:a16="http://schemas.microsoft.com/office/drawing/2014/main" id="{4FEBC376-BA92-1B65-AA83-78C9955CD9BC}"/>
+                </a:ext>
+              </a:extLst>
+            </p:cNvPr>
+            <p:cNvSpPr/>
+            <p:nvPr/>
+          </p:nvSpPr>
+          <p:spPr>
+            <a:xfrm>
+              <a:off x="10288921" y="4962102"/>
+              <a:ext cx="1800000" cy="1800000"/>
+            </a:xfrm>
+            <a:prstGeom prst="ellipse">
+              <a:avLst/>
+            </a:prstGeom>
+            <a:solidFill>
+              <a:srgbClr val="68348B"/>
+            </a:solidFill>
+            <a:ln>
+              <a:noFill/>
+            </a:ln>
+          </p:spPr>
+          <p:style>
+            <a:lnRef idx="2">
+              <a:schemeClr val="accent1">
+                <a:shade val="50000"/>
+              </a:schemeClr>
+            </a:lnRef>
+            <a:fillRef idx="1">
+              <a:schemeClr val="accent1"/>
+            </a:fillRef>
+            <a:effectRef idx="0">
+              <a:schemeClr val="accent1"/>
+            </a:effectRef>
+            <a:fontRef idx="minor">
+              <a:schemeClr val="lt1"/>
+            </a:fontRef>
+          </p:style>
+          <p:txBody>
+            <a:bodyPr rtlCol="0" anchor="ctr"/>
+            <a:lstStyle/>
+            <a:p>
+              <a:pPr algn="ctr"/>
+              <a:endParaRPr lang="fr-FR"/>
+            </a:p>
+          </p:txBody>
+        </p:sp>
+        <p:pic>
+          <p:nvPicPr>
+            <p:cNvPr id="44" name="Image 43">
+              <a:extLst>
+                <a:ext uri="{FF2B5EF4-FFF2-40B4-BE49-F238E27FC236}">
+                  <a16:creationId xmlns:a16="http://schemas.microsoft.com/office/drawing/2014/main" id="{7A15C536-8C24-B259-ECA9-C6F4CA71E414}"/>
+                </a:ext>
+              </a:extLst>
+            </p:cNvPr>
+            <p:cNvPicPr>
+              <a:picLocks noChangeAspect="1"/>
+            </p:cNvPicPr>
+            <p:nvPr/>
+          </p:nvPicPr>
+          <p:blipFill>
+            <a:blip r:embed="rId31"/>
+            <a:stretch>
+              <a:fillRect/>
+            </a:stretch>
+          </p:blipFill>
+          <p:spPr>
+            <a:xfrm>
+              <a:off x="10628350" y="5172435"/>
+              <a:ext cx="1121142" cy="1332826"/>
+            </a:xfrm>
+            <a:prstGeom prst="rect">
+              <a:avLst/>
+            </a:prstGeom>
+          </p:spPr>
+        </p:pic>
+      </p:grpSp>
+      <p:pic>
+        <p:nvPicPr>
+          <p:cNvPr id="55" name="Image 54">
+            <a:extLst>
+              <a:ext uri="{FF2B5EF4-FFF2-40B4-BE49-F238E27FC236}">
+                <a16:creationId xmlns:a16="http://schemas.microsoft.com/office/drawing/2014/main" id="{4CFC8473-394A-8CAF-8627-497C06E0D21C}"/>
+              </a:ext>
+            </a:extLst>
+          </p:cNvPr>
+          <p:cNvPicPr>
+            <a:picLocks noChangeAspect="1"/>
+          </p:cNvPicPr>
+          <p:nvPr/>
+        </p:nvPicPr>
+        <p:blipFill>
+          <a:blip r:embed="rId32"/>
+          <a:stretch>
+            <a:fillRect/>
+          </a:stretch>
+        </p:blipFill>
+        <p:spPr>
+          <a:xfrm>
+            <a:off x="691672" y="3873405"/>
+            <a:ext cx="720000" cy="251650"/>
+          </a:xfrm>
+          <a:prstGeom prst="rect">
+            <a:avLst/>
+          </a:prstGeom>
+        </p:spPr>
+      </p:pic>
+      <p:grpSp>
+        <p:nvGrpSpPr>
+          <p:cNvPr id="54" name="Groupe 53">
+            <a:extLst>
+              <a:ext uri="{FF2B5EF4-FFF2-40B4-BE49-F238E27FC236}">
+                <a16:creationId xmlns:a16="http://schemas.microsoft.com/office/drawing/2014/main" id="{21672DC6-03E2-A44F-D11C-C2CEF4DE71F7}"/>
+              </a:ext>
+            </a:extLst>
+          </p:cNvPr>
+          <p:cNvGrpSpPr/>
+          <p:nvPr/>
+        </p:nvGrpSpPr>
+        <p:grpSpPr>
+          <a:xfrm>
+            <a:off x="9167396" y="4960625"/>
+            <a:ext cx="360000" cy="360000"/>
+            <a:chOff x="10405167" y="2322166"/>
+            <a:chExt cx="1800000" cy="1800000"/>
+          </a:xfrm>
+        </p:grpSpPr>
+        <p:sp>
+          <p:nvSpPr>
+            <p:cNvPr id="113" name="Ellipse 112">
+              <a:extLst>
+                <a:ext uri="{FF2B5EF4-FFF2-40B4-BE49-F238E27FC236}">
+                  <a16:creationId xmlns:a16="http://schemas.microsoft.com/office/drawing/2014/main" id="{9B082404-3881-DCA8-2846-1D7BFA43C1F7}"/>
+                </a:ext>
+              </a:extLst>
+            </p:cNvPr>
+            <p:cNvSpPr/>
+            <p:nvPr/>
+          </p:nvSpPr>
+          <p:spPr>
+            <a:xfrm>
+              <a:off x="10405167" y="2322166"/>
+              <a:ext cx="1800000" cy="1800000"/>
+            </a:xfrm>
+            <a:prstGeom prst="ellipse">
+              <a:avLst/>
+            </a:prstGeom>
+            <a:solidFill>
+              <a:srgbClr val="EF7268"/>
+            </a:solidFill>
+            <a:ln>
+              <a:noFill/>
+            </a:ln>
+          </p:spPr>
+          <p:style>
+            <a:lnRef idx="2">
+              <a:schemeClr val="accent1">
+                <a:shade val="50000"/>
+              </a:schemeClr>
+            </a:lnRef>
+            <a:fillRef idx="1">
+              <a:schemeClr val="accent1"/>
+            </a:fillRef>
+            <a:effectRef idx="0">
+              <a:schemeClr val="accent1"/>
+            </a:effectRef>
+            <a:fontRef idx="minor">
+              <a:schemeClr val="lt1"/>
+            </a:fontRef>
+          </p:style>
+          <p:txBody>
+            <a:bodyPr rtlCol="0" anchor="ctr"/>
+            <a:lstStyle/>
+            <a:p>
+              <a:pPr algn="ctr"/>
+              <a:endParaRPr lang="fr-FR" dirty="0"/>
+            </a:p>
+          </p:txBody>
+        </p:sp>
+        <p:pic>
+          <p:nvPicPr>
+            <p:cNvPr id="117" name="Image 116">
+              <a:extLst>
+                <a:ext uri="{FF2B5EF4-FFF2-40B4-BE49-F238E27FC236}">
+                  <a16:creationId xmlns:a16="http://schemas.microsoft.com/office/drawing/2014/main" id="{21472C70-8D57-5549-B6E0-A872712D6540}"/>
+                </a:ext>
+              </a:extLst>
+            </p:cNvPr>
+            <p:cNvPicPr>
+              <a:picLocks noChangeAspect="1"/>
+            </p:cNvPicPr>
+            <p:nvPr/>
+          </p:nvPicPr>
+          <p:blipFill>
+            <a:blip r:embed="rId33"/>
+            <a:stretch>
+              <a:fillRect/>
+            </a:stretch>
+          </p:blipFill>
+          <p:spPr>
+            <a:xfrm>
+              <a:off x="10546164" y="2642707"/>
+              <a:ext cx="1518007" cy="924719"/>
+            </a:xfrm>
+            <a:prstGeom prst="rect">
+              <a:avLst/>
+            </a:prstGeom>
+          </p:spPr>
+        </p:pic>
+      </p:grpSp>
+      <p:grpSp>
+        <p:nvGrpSpPr>
+          <p:cNvPr id="118" name="Groupe 117">
+            <a:extLst>
+              <a:ext uri="{FF2B5EF4-FFF2-40B4-BE49-F238E27FC236}">
+                <a16:creationId xmlns:a16="http://schemas.microsoft.com/office/drawing/2014/main" id="{1B16C636-3B9D-FCC9-07E5-9DE86B23835D}"/>
+              </a:ext>
+            </a:extLst>
+          </p:cNvPr>
+          <p:cNvGrpSpPr/>
+          <p:nvPr/>
+        </p:nvGrpSpPr>
+        <p:grpSpPr>
+          <a:xfrm>
+            <a:off x="8224868" y="1276268"/>
+            <a:ext cx="720000" cy="720000"/>
+            <a:chOff x="10405167" y="4101988"/>
+            <a:chExt cx="1800000" cy="1800000"/>
+          </a:xfrm>
+        </p:grpSpPr>
+        <p:sp>
+          <p:nvSpPr>
+            <p:cNvPr id="119" name="Ellipse 118">
+              <a:extLst>
+                <a:ext uri="{FF2B5EF4-FFF2-40B4-BE49-F238E27FC236}">
+                  <a16:creationId xmlns:a16="http://schemas.microsoft.com/office/drawing/2014/main" id="{3BB59B47-EB2B-A50D-C309-CC93FDC974A6}"/>
+                </a:ext>
+              </a:extLst>
+            </p:cNvPr>
+            <p:cNvSpPr/>
+            <p:nvPr/>
+          </p:nvSpPr>
+          <p:spPr>
+            <a:xfrm>
+              <a:off x="10405167" y="4101988"/>
+              <a:ext cx="1800000" cy="1800000"/>
+            </a:xfrm>
+            <a:prstGeom prst="ellipse">
+              <a:avLst/>
+            </a:prstGeom>
+            <a:solidFill>
+              <a:srgbClr val="08AF5E"/>
+            </a:solidFill>
+            <a:ln>
+              <a:noFill/>
+            </a:ln>
+          </p:spPr>
+          <p:style>
+            <a:lnRef idx="2">
+              <a:schemeClr val="accent1">
+                <a:shade val="50000"/>
+              </a:schemeClr>
+            </a:lnRef>
+            <a:fillRef idx="1">
+              <a:schemeClr val="accent1"/>
+            </a:fillRef>
+            <a:effectRef idx="0">
+              <a:schemeClr val="accent1"/>
+            </a:effectRef>
+            <a:fontRef idx="minor">
+              <a:schemeClr val="lt1"/>
+            </a:fontRef>
+          </p:style>
+          <p:txBody>
+            <a:bodyPr rtlCol="0" anchor="ctr"/>
+            <a:lstStyle/>
+            <a:p>
+              <a:pPr algn="ctr"/>
+              <a:endParaRPr lang="fr-FR" dirty="0"/>
+            </a:p>
+          </p:txBody>
+        </p:sp>
+        <p:pic>
+          <p:nvPicPr>
+            <p:cNvPr id="128" name="Image 127">
+              <a:extLst>
+                <a:ext uri="{FF2B5EF4-FFF2-40B4-BE49-F238E27FC236}">
+                  <a16:creationId xmlns:a16="http://schemas.microsoft.com/office/drawing/2014/main" id="{81B9017D-601C-2053-599B-D92ED643B5AE}"/>
+                </a:ext>
+              </a:extLst>
+            </p:cNvPr>
+            <p:cNvPicPr>
+              <a:picLocks noChangeAspect="1"/>
+            </p:cNvPicPr>
+            <p:nvPr/>
+          </p:nvPicPr>
+          <p:blipFill>
+            <a:blip r:embed="rId34"/>
+            <a:stretch>
+              <a:fillRect/>
+            </a:stretch>
+          </p:blipFill>
+          <p:spPr>
+            <a:xfrm>
+              <a:off x="10456414" y="4137988"/>
+              <a:ext cx="1728000" cy="1728000"/>
+            </a:xfrm>
+            <a:prstGeom prst="rect">
+              <a:avLst/>
+            </a:prstGeom>
+          </p:spPr>
+        </p:pic>
+      </p:grpSp>
+      <p:grpSp>
+        <p:nvGrpSpPr>
+          <p:cNvPr id="137" name="Groupe 136">
+            <a:extLst>
+              <a:ext uri="{FF2B5EF4-FFF2-40B4-BE49-F238E27FC236}">
+                <a16:creationId xmlns:a16="http://schemas.microsoft.com/office/drawing/2014/main" id="{D710C257-C46E-4D26-13B6-9067F3FCC231}"/>
+              </a:ext>
+            </a:extLst>
+          </p:cNvPr>
+          <p:cNvGrpSpPr/>
+          <p:nvPr/>
+        </p:nvGrpSpPr>
+        <p:grpSpPr>
+          <a:xfrm>
+            <a:off x="5267988" y="149054"/>
+            <a:ext cx="720000" cy="720000"/>
+            <a:chOff x="7522214" y="3518051"/>
+            <a:chExt cx="1800000" cy="1800000"/>
+          </a:xfrm>
+        </p:grpSpPr>
+        <p:sp>
+          <p:nvSpPr>
+            <p:cNvPr id="138" name="Ellipse 137">
+              <a:extLst>
+                <a:ext uri="{FF2B5EF4-FFF2-40B4-BE49-F238E27FC236}">
+                  <a16:creationId xmlns:a16="http://schemas.microsoft.com/office/drawing/2014/main" id="{9A57FBFB-9007-6F92-87A7-5CDECEAE2589}"/>
+                </a:ext>
+              </a:extLst>
+            </p:cNvPr>
+            <p:cNvSpPr/>
+            <p:nvPr/>
+          </p:nvSpPr>
+          <p:spPr>
+            <a:xfrm>
+              <a:off x="7522214" y="3518051"/>
+              <a:ext cx="1800000" cy="1800000"/>
+            </a:xfrm>
+            <a:prstGeom prst="ellipse">
+              <a:avLst/>
+            </a:prstGeom>
+            <a:solidFill>
+              <a:srgbClr val="0C7391"/>
+            </a:solidFill>
+            <a:ln>
+              <a:noFill/>
+            </a:ln>
+          </p:spPr>
+          <p:style>
+            <a:lnRef idx="2">
+              <a:schemeClr val="accent1">
+                <a:shade val="50000"/>
+              </a:schemeClr>
+            </a:lnRef>
+            <a:fillRef idx="1">
+              <a:schemeClr val="accent1"/>
+            </a:fillRef>
+            <a:effectRef idx="0">
+              <a:schemeClr val="accent1"/>
+            </a:effectRef>
+            <a:fontRef idx="minor">
+              <a:schemeClr val="lt1"/>
+            </a:fontRef>
+          </p:style>
+          <p:txBody>
+            <a:bodyPr rtlCol="0" anchor="ctr"/>
+            <a:lstStyle/>
+            <a:p>
+              <a:pPr algn="ctr"/>
+              <a:endParaRPr lang="fr-FR"/>
+            </a:p>
+          </p:txBody>
+        </p:sp>
+        <p:pic>
+          <p:nvPicPr>
+            <p:cNvPr id="139" name="Image 138">
+              <a:extLst>
+                <a:ext uri="{FF2B5EF4-FFF2-40B4-BE49-F238E27FC236}">
+                  <a16:creationId xmlns:a16="http://schemas.microsoft.com/office/drawing/2014/main" id="{4C148A9B-3279-F0B1-08DA-A280838F7802}"/>
+                </a:ext>
+              </a:extLst>
+            </p:cNvPr>
+            <p:cNvPicPr>
+              <a:picLocks noChangeAspect="1"/>
+            </p:cNvPicPr>
+            <p:nvPr/>
+          </p:nvPicPr>
+          <p:blipFill>
+            <a:blip r:embed="rId35"/>
+            <a:stretch>
+              <a:fillRect/>
+            </a:stretch>
+          </p:blipFill>
+          <p:spPr>
+            <a:xfrm>
+              <a:off x="7717717" y="3713554"/>
+              <a:ext cx="1408994" cy="1408994"/>
+            </a:xfrm>
+            <a:prstGeom prst="rect">
+              <a:avLst/>
+            </a:prstGeom>
+          </p:spPr>
+        </p:pic>
+      </p:grpSp>
+      <p:grpSp>
+        <p:nvGrpSpPr>
+          <p:cNvPr id="175" name="Groupe 174">
+            <a:extLst>
+              <a:ext uri="{FF2B5EF4-FFF2-40B4-BE49-F238E27FC236}">
+                <a16:creationId xmlns:a16="http://schemas.microsoft.com/office/drawing/2014/main" id="{F2520C47-DA6E-E5FB-BEE2-44E7169BDF77}"/>
+              </a:ext>
+            </a:extLst>
+          </p:cNvPr>
+          <p:cNvGrpSpPr/>
+          <p:nvPr/>
+        </p:nvGrpSpPr>
+        <p:grpSpPr>
+          <a:xfrm>
+            <a:off x="178995" y="851142"/>
+            <a:ext cx="2114018" cy="360000"/>
+            <a:chOff x="178995" y="824020"/>
+            <a:chExt cx="2114018" cy="360000"/>
+          </a:xfrm>
+        </p:grpSpPr>
+        <p:grpSp>
+          <p:nvGrpSpPr>
+            <p:cNvPr id="89" name="Groupe 88">
+              <a:extLst>
+                <a:ext uri="{FF2B5EF4-FFF2-40B4-BE49-F238E27FC236}">
+                  <a16:creationId xmlns:a16="http://schemas.microsoft.com/office/drawing/2014/main" id="{996576B1-993F-251F-3D66-55CA81AEEFCD}"/>
+                </a:ext>
+              </a:extLst>
+            </p:cNvPr>
+            <p:cNvGrpSpPr/>
+            <p:nvPr/>
+          </p:nvGrpSpPr>
+          <p:grpSpPr>
+            <a:xfrm>
+              <a:off x="178995" y="824020"/>
+              <a:ext cx="360000" cy="360000"/>
+              <a:chOff x="5223986" y="2758228"/>
+              <a:chExt cx="1800000" cy="1800000"/>
+            </a:xfrm>
+          </p:grpSpPr>
+          <p:sp>
+            <p:nvSpPr>
+              <p:cNvPr id="90" name="Ellipse 89">
+                <a:extLst>
+                  <a:ext uri="{FF2B5EF4-FFF2-40B4-BE49-F238E27FC236}">
+                    <a16:creationId xmlns:a16="http://schemas.microsoft.com/office/drawing/2014/main" id="{9167A067-C551-B01A-9020-F1B26310D1FD}"/>
+                  </a:ext>
+                </a:extLst>
+              </p:cNvPr>
+              <p:cNvSpPr/>
+              <p:nvPr/>
+            </p:nvSpPr>
+            <p:spPr>
+              <a:xfrm>
+                <a:off x="5223986" y="2758228"/>
+                <a:ext cx="1800000" cy="1800000"/>
+              </a:xfrm>
+              <a:prstGeom prst="ellipse">
+                <a:avLst/>
+              </a:prstGeom>
+              <a:solidFill>
+                <a:srgbClr val="00517A"/>
+              </a:solidFill>
+              <a:ln>
+                <a:noFill/>
+              </a:ln>
+            </p:spPr>
+            <p:style>
+              <a:lnRef idx="2">
+                <a:schemeClr val="accent1">
+                  <a:shade val="50000"/>
+                </a:schemeClr>
+              </a:lnRef>
+              <a:fillRef idx="1">
+                <a:schemeClr val="accent1"/>
+              </a:fillRef>
+              <a:effectRef idx="0">
+                <a:schemeClr val="accent1"/>
+              </a:effectRef>
+              <a:fontRef idx="minor">
+                <a:schemeClr val="lt1"/>
+              </a:fontRef>
+            </p:style>
+            <p:txBody>
+              <a:bodyPr rtlCol="0" anchor="ctr"/>
+              <a:lstStyle/>
+              <a:p>
+                <a:pPr algn="ctr"/>
+                <a:endParaRPr lang="fr-FR"/>
+              </a:p>
+            </p:txBody>
+          </p:sp>
+          <p:pic>
+            <p:nvPicPr>
+              <p:cNvPr id="91" name="Image 90">
+                <a:extLst>
+                  <a:ext uri="{FF2B5EF4-FFF2-40B4-BE49-F238E27FC236}">
+                    <a16:creationId xmlns:a16="http://schemas.microsoft.com/office/drawing/2014/main" id="{EB5AF55F-DE7A-158B-A1DD-ADE126201E6E}"/>
+                  </a:ext>
+                </a:extLst>
+              </p:cNvPr>
+              <p:cNvPicPr>
+                <a:picLocks noChangeAspect="1"/>
+              </p:cNvPicPr>
+              <p:nvPr/>
+            </p:nvPicPr>
+            <p:blipFill>
+              <a:blip r:embed="rId36"/>
+              <a:stretch>
+                <a:fillRect/>
+              </a:stretch>
+            </p:blipFill>
+            <p:spPr>
+              <a:xfrm>
+                <a:off x="5474001" y="3149783"/>
+                <a:ext cx="1244000" cy="937860"/>
+              </a:xfrm>
+              <a:prstGeom prst="rect">
+                <a:avLst/>
+              </a:prstGeom>
+            </p:spPr>
+          </p:pic>
+        </p:grpSp>
+        <p:grpSp>
+          <p:nvGrpSpPr>
+            <p:cNvPr id="104" name="Groupe 103">
+              <a:extLst>
+                <a:ext uri="{FF2B5EF4-FFF2-40B4-BE49-F238E27FC236}">
+                  <a16:creationId xmlns:a16="http://schemas.microsoft.com/office/drawing/2014/main" id="{E583D5AF-4882-1A42-CAC4-040B77ACC4CF}"/>
+                </a:ext>
+              </a:extLst>
+            </p:cNvPr>
+            <p:cNvGrpSpPr/>
+            <p:nvPr/>
+          </p:nvGrpSpPr>
+          <p:grpSpPr>
+            <a:xfrm>
+              <a:off x="1494510" y="824020"/>
+              <a:ext cx="360000" cy="360000"/>
+              <a:chOff x="7467428" y="2677562"/>
+              <a:chExt cx="1800000" cy="1800000"/>
+            </a:xfrm>
+          </p:grpSpPr>
+          <p:sp>
+            <p:nvSpPr>
+              <p:cNvPr id="105" name="Ellipse 104">
+                <a:extLst>
+                  <a:ext uri="{FF2B5EF4-FFF2-40B4-BE49-F238E27FC236}">
+                    <a16:creationId xmlns:a16="http://schemas.microsoft.com/office/drawing/2014/main" id="{CD8752AC-9DCA-40FC-0087-6C8585D70296}"/>
+                  </a:ext>
+                </a:extLst>
+              </p:cNvPr>
+              <p:cNvSpPr/>
+              <p:nvPr/>
+            </p:nvSpPr>
+            <p:spPr>
+              <a:xfrm>
+                <a:off x="7467428" y="2677562"/>
+                <a:ext cx="1800000" cy="1800000"/>
+              </a:xfrm>
+              <a:prstGeom prst="ellipse">
+                <a:avLst/>
+              </a:prstGeom>
+              <a:solidFill>
+                <a:srgbClr val="00517A"/>
+              </a:solidFill>
+              <a:ln>
+                <a:noFill/>
+              </a:ln>
+            </p:spPr>
+            <p:style>
+              <a:lnRef idx="2">
+                <a:schemeClr val="accent1">
+                  <a:shade val="50000"/>
+                </a:schemeClr>
+              </a:lnRef>
+              <a:fillRef idx="1">
+                <a:schemeClr val="accent1"/>
+              </a:fillRef>
+              <a:effectRef idx="0">
+                <a:schemeClr val="accent1"/>
+              </a:effectRef>
+              <a:fontRef idx="minor">
+                <a:schemeClr val="lt1"/>
+              </a:fontRef>
+            </p:style>
+            <p:txBody>
+              <a:bodyPr rtlCol="0" anchor="ctr"/>
+              <a:lstStyle/>
+              <a:p>
+                <a:pPr algn="ctr"/>
+                <a:endParaRPr lang="fr-FR" dirty="0"/>
+              </a:p>
+            </p:txBody>
+          </p:sp>
+          <p:pic>
+            <p:nvPicPr>
+              <p:cNvPr id="106" name="Image 105">
+                <a:extLst>
+                  <a:ext uri="{FF2B5EF4-FFF2-40B4-BE49-F238E27FC236}">
+                    <a16:creationId xmlns:a16="http://schemas.microsoft.com/office/drawing/2014/main" id="{F9BC39F6-4D34-C8F4-B52D-570245D36BB1}"/>
+                  </a:ext>
+                </a:extLst>
+              </p:cNvPr>
+              <p:cNvPicPr>
+                <a:picLocks noChangeAspect="1"/>
+              </p:cNvPicPr>
+              <p:nvPr/>
+            </p:nvPicPr>
+            <p:blipFill>
+              <a:blip r:embed="rId37"/>
+              <a:stretch>
+                <a:fillRect/>
+              </a:stretch>
+            </p:blipFill>
+            <p:spPr>
+              <a:xfrm>
+                <a:off x="7567027" y="2784504"/>
+                <a:ext cx="1592444" cy="1592444"/>
+              </a:xfrm>
+              <a:prstGeom prst="rect">
+                <a:avLst/>
+              </a:prstGeom>
+            </p:spPr>
+          </p:pic>
+        </p:grpSp>
+        <p:grpSp>
+          <p:nvGrpSpPr>
+            <p:cNvPr id="107" name="Groupe 106">
+              <a:extLst>
+                <a:ext uri="{FF2B5EF4-FFF2-40B4-BE49-F238E27FC236}">
+                  <a16:creationId xmlns:a16="http://schemas.microsoft.com/office/drawing/2014/main" id="{20281016-D4B8-57DC-4DE6-F2919D06B7A2}"/>
+                </a:ext>
+              </a:extLst>
+            </p:cNvPr>
+            <p:cNvGrpSpPr/>
+            <p:nvPr/>
+          </p:nvGrpSpPr>
+          <p:grpSpPr>
+            <a:xfrm>
+              <a:off x="1056005" y="824020"/>
+              <a:ext cx="360000" cy="360000"/>
+              <a:chOff x="5404964" y="4396133"/>
+              <a:chExt cx="1800000" cy="1800000"/>
+            </a:xfrm>
+          </p:grpSpPr>
+          <p:sp>
+            <p:nvSpPr>
+              <p:cNvPr id="108" name="Ellipse 107">
+                <a:extLst>
+                  <a:ext uri="{FF2B5EF4-FFF2-40B4-BE49-F238E27FC236}">
+                    <a16:creationId xmlns:a16="http://schemas.microsoft.com/office/drawing/2014/main" id="{A7526B61-6D27-E510-6A33-2645E30BB671}"/>
+                  </a:ext>
+                </a:extLst>
+              </p:cNvPr>
+              <p:cNvSpPr/>
+              <p:nvPr/>
+            </p:nvSpPr>
+            <p:spPr>
+              <a:xfrm>
+                <a:off x="5404964" y="4396133"/>
+                <a:ext cx="1800000" cy="1800000"/>
+              </a:xfrm>
+              <a:prstGeom prst="ellipse">
+                <a:avLst/>
+              </a:prstGeom>
+              <a:solidFill>
+                <a:srgbClr val="00517A"/>
+              </a:solidFill>
+              <a:ln>
+                <a:noFill/>
+              </a:ln>
+            </p:spPr>
+            <p:style>
+              <a:lnRef idx="2">
+                <a:schemeClr val="accent1">
+                  <a:shade val="50000"/>
+                </a:schemeClr>
+              </a:lnRef>
+              <a:fillRef idx="1">
+                <a:schemeClr val="accent1"/>
+              </a:fillRef>
+              <a:effectRef idx="0">
+                <a:schemeClr val="accent1"/>
+              </a:effectRef>
+              <a:fontRef idx="minor">
+                <a:schemeClr val="lt1"/>
+              </a:fontRef>
+            </p:style>
+            <p:txBody>
+              <a:bodyPr rtlCol="0" anchor="ctr"/>
+              <a:lstStyle/>
+              <a:p>
+                <a:pPr algn="ctr"/>
+                <a:endParaRPr lang="fr-FR"/>
+              </a:p>
+            </p:txBody>
+          </p:sp>
+          <p:pic>
+            <p:nvPicPr>
+              <p:cNvPr id="109" name="Image 108">
+                <a:extLst>
+                  <a:ext uri="{FF2B5EF4-FFF2-40B4-BE49-F238E27FC236}">
+                    <a16:creationId xmlns:a16="http://schemas.microsoft.com/office/drawing/2014/main" id="{49983C91-B251-BD88-2FB4-492261589B43}"/>
+                  </a:ext>
+                </a:extLst>
+              </p:cNvPr>
+              <p:cNvPicPr>
+                <a:picLocks noChangeAspect="1"/>
+              </p:cNvPicPr>
+              <p:nvPr/>
+            </p:nvPicPr>
+            <p:blipFill>
+              <a:blip r:embed="rId38"/>
+              <a:stretch>
+                <a:fillRect/>
+              </a:stretch>
+            </p:blipFill>
+            <p:spPr>
+              <a:xfrm>
+                <a:off x="5543445" y="4536296"/>
+                <a:ext cx="1358232" cy="1440000"/>
+              </a:xfrm>
+              <a:prstGeom prst="rect">
+                <a:avLst/>
+              </a:prstGeom>
+            </p:spPr>
+          </p:pic>
+        </p:grpSp>
+        <p:grpSp>
+          <p:nvGrpSpPr>
+            <p:cNvPr id="129" name="Groupe 128">
+              <a:extLst>
+                <a:ext uri="{FF2B5EF4-FFF2-40B4-BE49-F238E27FC236}">
+                  <a16:creationId xmlns:a16="http://schemas.microsoft.com/office/drawing/2014/main" id="{0BF95655-5976-0D79-69C2-BAE0B9FD776B}"/>
+                </a:ext>
+              </a:extLst>
+            </p:cNvPr>
+            <p:cNvGrpSpPr/>
+            <p:nvPr/>
+          </p:nvGrpSpPr>
+          <p:grpSpPr>
+            <a:xfrm>
+              <a:off x="617500" y="824020"/>
+              <a:ext cx="360000" cy="360000"/>
+              <a:chOff x="10216711" y="4835236"/>
+              <a:chExt cx="1800000" cy="1800000"/>
+            </a:xfrm>
+          </p:grpSpPr>
+          <p:sp>
+            <p:nvSpPr>
+              <p:cNvPr id="130" name="Ellipse 129">
+                <a:extLst>
+                  <a:ext uri="{FF2B5EF4-FFF2-40B4-BE49-F238E27FC236}">
+                    <a16:creationId xmlns:a16="http://schemas.microsoft.com/office/drawing/2014/main" id="{684D32A6-35AB-52A4-2099-3B5788B67FC4}"/>
+                  </a:ext>
+                </a:extLst>
+              </p:cNvPr>
+              <p:cNvSpPr/>
+              <p:nvPr/>
+            </p:nvSpPr>
+            <p:spPr>
+              <a:xfrm>
+                <a:off x="10216711" y="4835236"/>
+                <a:ext cx="1800000" cy="1800000"/>
+              </a:xfrm>
+              <a:prstGeom prst="ellipse">
+                <a:avLst/>
+              </a:prstGeom>
+              <a:solidFill>
+                <a:srgbClr val="00547F"/>
+              </a:solidFill>
+              <a:ln>
+                <a:noFill/>
+              </a:ln>
+            </p:spPr>
+            <p:style>
+              <a:lnRef idx="2">
+                <a:schemeClr val="accent1">
+                  <a:shade val="50000"/>
+                </a:schemeClr>
+              </a:lnRef>
+              <a:fillRef idx="1">
+                <a:schemeClr val="accent1"/>
+              </a:fillRef>
+              <a:effectRef idx="0">
+                <a:schemeClr val="accent1"/>
+              </a:effectRef>
+              <a:fontRef idx="minor">
+                <a:schemeClr val="lt1"/>
+              </a:fontRef>
+            </p:style>
+            <p:txBody>
+              <a:bodyPr rtlCol="0" anchor="ctr"/>
+              <a:lstStyle/>
+              <a:p>
+                <a:pPr algn="ctr"/>
+                <a:endParaRPr lang="fr-FR"/>
+              </a:p>
+            </p:txBody>
+          </p:sp>
+          <p:pic>
+            <p:nvPicPr>
+              <p:cNvPr id="133" name="Image 132">
+                <a:extLst>
+                  <a:ext uri="{FF2B5EF4-FFF2-40B4-BE49-F238E27FC236}">
+                    <a16:creationId xmlns:a16="http://schemas.microsoft.com/office/drawing/2014/main" id="{BD71DA60-628E-A443-B908-5ABC6C0733CE}"/>
+                  </a:ext>
+                </a:extLst>
+              </p:cNvPr>
+              <p:cNvPicPr>
+                <a:picLocks noChangeAspect="1"/>
+              </p:cNvPicPr>
+              <p:nvPr/>
+            </p:nvPicPr>
+            <p:blipFill>
+              <a:blip r:embed="rId39"/>
+              <a:stretch>
+                <a:fillRect/>
+              </a:stretch>
+            </p:blipFill>
+            <p:spPr>
+              <a:xfrm flipH="1">
+                <a:off x="10382764" y="5000716"/>
+                <a:ext cx="1467894" cy="1467894"/>
+              </a:xfrm>
+              <a:prstGeom prst="rect">
+                <a:avLst/>
+              </a:prstGeom>
+            </p:spPr>
+          </p:pic>
+        </p:grpSp>
+        <p:grpSp>
+          <p:nvGrpSpPr>
+            <p:cNvPr id="143" name="Groupe 142">
+              <a:extLst>
+                <a:ext uri="{FF2B5EF4-FFF2-40B4-BE49-F238E27FC236}">
+                  <a16:creationId xmlns:a16="http://schemas.microsoft.com/office/drawing/2014/main" id="{F67D81B7-BCAF-AB36-83A8-5D496AAC4477}"/>
+                </a:ext>
+              </a:extLst>
+            </p:cNvPr>
+            <p:cNvGrpSpPr/>
+            <p:nvPr/>
+          </p:nvGrpSpPr>
+          <p:grpSpPr>
+            <a:xfrm>
+              <a:off x="1933013" y="824020"/>
+              <a:ext cx="360000" cy="360000"/>
+              <a:chOff x="6054233" y="4960569"/>
+              <a:chExt cx="1800000" cy="1800000"/>
+            </a:xfrm>
+          </p:grpSpPr>
+          <p:sp>
+            <p:nvSpPr>
+              <p:cNvPr id="144" name="Ellipse 143">
+                <a:extLst>
+                  <a:ext uri="{FF2B5EF4-FFF2-40B4-BE49-F238E27FC236}">
+                    <a16:creationId xmlns:a16="http://schemas.microsoft.com/office/drawing/2014/main" id="{56E30121-4FAF-A757-98A6-E14A64C0C48E}"/>
+                  </a:ext>
+                </a:extLst>
+              </p:cNvPr>
+              <p:cNvSpPr/>
+              <p:nvPr/>
+            </p:nvSpPr>
+            <p:spPr>
+              <a:xfrm>
+                <a:off x="6054233" y="4960569"/>
+                <a:ext cx="1800000" cy="1800000"/>
+              </a:xfrm>
+              <a:prstGeom prst="ellipse">
+                <a:avLst/>
+              </a:prstGeom>
+              <a:solidFill>
+                <a:srgbClr val="00547F"/>
+              </a:solidFill>
+              <a:ln>
+                <a:noFill/>
+              </a:ln>
+            </p:spPr>
+            <p:style>
+              <a:lnRef idx="2">
+                <a:schemeClr val="accent1">
+                  <a:shade val="50000"/>
+                </a:schemeClr>
+              </a:lnRef>
+              <a:fillRef idx="1">
+                <a:schemeClr val="accent1"/>
+              </a:fillRef>
+              <a:effectRef idx="0">
+                <a:schemeClr val="accent1"/>
+              </a:effectRef>
+              <a:fontRef idx="minor">
+                <a:schemeClr val="lt1"/>
+              </a:fontRef>
+            </p:style>
+            <p:txBody>
+              <a:bodyPr rtlCol="0" anchor="ctr"/>
+              <a:lstStyle/>
+              <a:p>
+                <a:pPr algn="ctr"/>
+                <a:endParaRPr lang="fr-FR" b="1"/>
+              </a:p>
+            </p:txBody>
+          </p:sp>
+          <p:pic>
+            <p:nvPicPr>
+              <p:cNvPr id="145" name="Image 144">
+                <a:extLst>
+                  <a:ext uri="{FF2B5EF4-FFF2-40B4-BE49-F238E27FC236}">
+                    <a16:creationId xmlns:a16="http://schemas.microsoft.com/office/drawing/2014/main" id="{9E3BEA69-49F4-7494-60E1-D4F54D7CBA43}"/>
+                  </a:ext>
+                </a:extLst>
+              </p:cNvPr>
+              <p:cNvPicPr>
+                <a:picLocks noChangeAspect="1"/>
+              </p:cNvPicPr>
+              <p:nvPr/>
+            </p:nvPicPr>
+            <p:blipFill>
+              <a:blip r:embed="rId40"/>
+              <a:stretch>
+                <a:fillRect/>
+              </a:stretch>
+            </p:blipFill>
+            <p:spPr>
+              <a:xfrm>
+                <a:off x="6298697" y="5322283"/>
+                <a:ext cx="1311072" cy="1076572"/>
+              </a:xfrm>
+              <a:prstGeom prst="rect">
+                <a:avLst/>
+              </a:prstGeom>
+            </p:spPr>
+          </p:pic>
+        </p:grpSp>
+      </p:grpSp>
+      <p:grpSp>
+        <p:nvGrpSpPr>
+          <p:cNvPr id="176" name="Groupe 175">
+            <a:extLst>
+              <a:ext uri="{FF2B5EF4-FFF2-40B4-BE49-F238E27FC236}">
+                <a16:creationId xmlns:a16="http://schemas.microsoft.com/office/drawing/2014/main" id="{562A31CD-6C0A-CA9E-C5E4-B9A1D6E804B6}"/>
+              </a:ext>
+            </a:extLst>
+          </p:cNvPr>
+          <p:cNvGrpSpPr/>
+          <p:nvPr/>
+        </p:nvGrpSpPr>
+        <p:grpSpPr>
+          <a:xfrm>
+            <a:off x="173398" y="1377419"/>
+            <a:ext cx="2118008" cy="360000"/>
+            <a:chOff x="173398" y="1377419"/>
+            <a:chExt cx="2118008" cy="360000"/>
+          </a:xfrm>
+        </p:grpSpPr>
+        <p:grpSp>
+          <p:nvGrpSpPr>
+            <p:cNvPr id="173" name="Groupe 172">
+              <a:extLst>
+                <a:ext uri="{FF2B5EF4-FFF2-40B4-BE49-F238E27FC236}">
+                  <a16:creationId xmlns:a16="http://schemas.microsoft.com/office/drawing/2014/main" id="{8EE1462F-8B8B-FF79-B63B-455E27276C24}"/>
+                </a:ext>
+              </a:extLst>
+            </p:cNvPr>
+            <p:cNvGrpSpPr/>
+            <p:nvPr/>
+          </p:nvGrpSpPr>
+          <p:grpSpPr>
+            <a:xfrm>
+              <a:off x="1491904" y="1377419"/>
+              <a:ext cx="360000" cy="360000"/>
+              <a:chOff x="1051672" y="2643795"/>
+              <a:chExt cx="720000" cy="720000"/>
+            </a:xfrm>
+          </p:grpSpPr>
+          <p:sp>
+            <p:nvSpPr>
+              <p:cNvPr id="115" name="Ellipse 114">
+                <a:extLst>
+                  <a:ext uri="{FF2B5EF4-FFF2-40B4-BE49-F238E27FC236}">
+                    <a16:creationId xmlns:a16="http://schemas.microsoft.com/office/drawing/2014/main" id="{5EE3D489-9939-FB63-490B-AC7684976919}"/>
+                  </a:ext>
+                </a:extLst>
+              </p:cNvPr>
+              <p:cNvSpPr/>
+              <p:nvPr/>
+            </p:nvSpPr>
+            <p:spPr>
+              <a:xfrm>
+                <a:off x="1051672" y="2643795"/>
+                <a:ext cx="720000" cy="720000"/>
+              </a:xfrm>
+              <a:prstGeom prst="ellipse">
+                <a:avLst/>
+              </a:prstGeom>
+              <a:solidFill>
+                <a:srgbClr val="00517A"/>
+              </a:solidFill>
+              <a:ln>
+                <a:noFill/>
+              </a:ln>
+            </p:spPr>
+            <p:style>
+              <a:lnRef idx="2">
+                <a:schemeClr val="accent1">
+                  <a:shade val="50000"/>
+                </a:schemeClr>
+              </a:lnRef>
+              <a:fillRef idx="1">
+                <a:schemeClr val="accent1"/>
+              </a:fillRef>
+              <a:effectRef idx="0">
+                <a:schemeClr val="accent1"/>
+              </a:effectRef>
+              <a:fontRef idx="minor">
+                <a:schemeClr val="lt1"/>
+              </a:fontRef>
+            </p:style>
+            <p:txBody>
+              <a:bodyPr rtlCol="0" anchor="ctr"/>
+              <a:lstStyle/>
+              <a:p>
+                <a:pPr algn="ctr"/>
+                <a:endParaRPr lang="fr-FR" dirty="0"/>
+              </a:p>
+            </p:txBody>
+          </p:sp>
+          <p:pic>
+            <p:nvPicPr>
+              <p:cNvPr id="116" name="Image 115">
+                <a:extLst>
+                  <a:ext uri="{FF2B5EF4-FFF2-40B4-BE49-F238E27FC236}">
+                    <a16:creationId xmlns:a16="http://schemas.microsoft.com/office/drawing/2014/main" id="{72769896-E9ED-7BCA-43D7-F953258CFCD1}"/>
+                  </a:ext>
+                </a:extLst>
+              </p:cNvPr>
+              <p:cNvPicPr>
+                <a:picLocks noChangeAspect="1"/>
+              </p:cNvPicPr>
+              <p:nvPr/>
+            </p:nvPicPr>
+            <p:blipFill>
+              <a:blip r:embed="rId41"/>
+              <a:stretch>
+                <a:fillRect/>
+              </a:stretch>
+            </p:blipFill>
+            <p:spPr>
+              <a:xfrm>
+                <a:off x="1159672" y="2751795"/>
+                <a:ext cx="504000" cy="504000"/>
+              </a:xfrm>
+              <a:prstGeom prst="rect">
+                <a:avLst/>
+              </a:prstGeom>
+            </p:spPr>
+          </p:pic>
+        </p:grpSp>
+        <p:grpSp>
+          <p:nvGrpSpPr>
+            <p:cNvPr id="45" name="Groupe 44">
+              <a:extLst>
+                <a:ext uri="{FF2B5EF4-FFF2-40B4-BE49-F238E27FC236}">
+                  <a16:creationId xmlns:a16="http://schemas.microsoft.com/office/drawing/2014/main" id="{2FC21480-46E3-F389-4E43-568F7DAB856D}"/>
+                </a:ext>
+              </a:extLst>
+            </p:cNvPr>
+            <p:cNvGrpSpPr/>
+            <p:nvPr/>
+          </p:nvGrpSpPr>
+          <p:grpSpPr>
+            <a:xfrm>
+              <a:off x="1052402" y="1377419"/>
+              <a:ext cx="360000" cy="360000"/>
+              <a:chOff x="262758" y="2633974"/>
+              <a:chExt cx="720000" cy="720000"/>
+            </a:xfrm>
+          </p:grpSpPr>
+          <p:sp>
+            <p:nvSpPr>
+              <p:cNvPr id="49" name="Ellipse 48">
+                <a:extLst>
+                  <a:ext uri="{FF2B5EF4-FFF2-40B4-BE49-F238E27FC236}">
+                    <a16:creationId xmlns:a16="http://schemas.microsoft.com/office/drawing/2014/main" id="{35B8D14E-4517-D148-CA23-6C8ACD3DF6FA}"/>
+                  </a:ext>
+                </a:extLst>
+              </p:cNvPr>
+              <p:cNvSpPr/>
+              <p:nvPr/>
+            </p:nvSpPr>
+            <p:spPr>
+              <a:xfrm>
+                <a:off x="262758" y="2633974"/>
+                <a:ext cx="720000" cy="720000"/>
+              </a:xfrm>
+              <a:prstGeom prst="ellipse">
+                <a:avLst/>
+              </a:prstGeom>
+              <a:solidFill>
+                <a:srgbClr val="00547F"/>
+              </a:solidFill>
+              <a:ln>
+                <a:noFill/>
+              </a:ln>
+            </p:spPr>
+            <p:style>
+              <a:lnRef idx="2">
+                <a:schemeClr val="accent1">
+                  <a:shade val="50000"/>
+                </a:schemeClr>
+              </a:lnRef>
+              <a:fillRef idx="1">
+                <a:schemeClr val="accent1"/>
+              </a:fillRef>
+              <a:effectRef idx="0">
+                <a:schemeClr val="accent1"/>
+              </a:effectRef>
+              <a:fontRef idx="minor">
+                <a:schemeClr val="lt1"/>
+              </a:fontRef>
+            </p:style>
+            <p:txBody>
+              <a:bodyPr rtlCol="0" anchor="ctr"/>
+              <a:lstStyle/>
+              <a:p>
+                <a:pPr algn="ctr"/>
+                <a:endParaRPr lang="fr-FR"/>
+              </a:p>
+            </p:txBody>
+          </p:sp>
+          <p:pic>
+            <p:nvPicPr>
+              <p:cNvPr id="50" name="Image 49">
+                <a:extLst>
+                  <a:ext uri="{FF2B5EF4-FFF2-40B4-BE49-F238E27FC236}">
+                    <a16:creationId xmlns:a16="http://schemas.microsoft.com/office/drawing/2014/main" id="{8D149F6C-65AE-6F5B-EA20-EC108E82F25F}"/>
+                  </a:ext>
+                </a:extLst>
+              </p:cNvPr>
+              <p:cNvPicPr>
+                <a:picLocks noChangeAspect="1"/>
+              </p:cNvPicPr>
+              <p:nvPr/>
+            </p:nvPicPr>
+            <p:blipFill>
+              <a:blip r:embed="rId42"/>
+              <a:stretch>
+                <a:fillRect/>
+              </a:stretch>
+            </p:blipFill>
+            <p:spPr>
+              <a:xfrm>
+                <a:off x="363558" y="2734774"/>
+                <a:ext cx="518400" cy="518400"/>
+              </a:xfrm>
+              <a:prstGeom prst="rect">
+                <a:avLst/>
+              </a:prstGeom>
+            </p:spPr>
+          </p:pic>
+        </p:grpSp>
+        <p:grpSp>
+          <p:nvGrpSpPr>
+            <p:cNvPr id="92" name="Groupe 91">
+              <a:extLst>
+                <a:ext uri="{FF2B5EF4-FFF2-40B4-BE49-F238E27FC236}">
+                  <a16:creationId xmlns:a16="http://schemas.microsoft.com/office/drawing/2014/main" id="{3B94BDCA-E196-2EC9-249B-FAE5745DCA92}"/>
+                </a:ext>
+              </a:extLst>
+            </p:cNvPr>
+            <p:cNvGrpSpPr/>
+            <p:nvPr/>
+          </p:nvGrpSpPr>
+          <p:grpSpPr>
+            <a:xfrm>
+              <a:off x="173398" y="1377419"/>
+              <a:ext cx="360000" cy="360000"/>
+              <a:chOff x="6744981" y="188640"/>
+              <a:chExt cx="1800000" cy="1800000"/>
+            </a:xfrm>
+          </p:grpSpPr>
+          <p:sp>
+            <p:nvSpPr>
+              <p:cNvPr id="93" name="Ellipse 92">
+                <a:extLst>
+                  <a:ext uri="{FF2B5EF4-FFF2-40B4-BE49-F238E27FC236}">
+                    <a16:creationId xmlns:a16="http://schemas.microsoft.com/office/drawing/2014/main" id="{FC41EC6E-5D90-0831-BA7A-C76BD60A8960}"/>
+                  </a:ext>
+                </a:extLst>
+              </p:cNvPr>
+              <p:cNvSpPr/>
+              <p:nvPr/>
+            </p:nvSpPr>
+            <p:spPr>
+              <a:xfrm>
+                <a:off x="6744981" y="188640"/>
+                <a:ext cx="1800000" cy="1800000"/>
+              </a:xfrm>
+              <a:prstGeom prst="ellipse">
+                <a:avLst/>
+              </a:prstGeom>
+              <a:solidFill>
+                <a:srgbClr val="00517A"/>
+              </a:solidFill>
+              <a:ln>
+                <a:noFill/>
+              </a:ln>
+            </p:spPr>
+            <p:style>
+              <a:lnRef idx="2">
+                <a:schemeClr val="accent1">
+                  <a:shade val="50000"/>
+                </a:schemeClr>
+              </a:lnRef>
+              <a:fillRef idx="1">
+                <a:schemeClr val="accent1"/>
+              </a:fillRef>
+              <a:effectRef idx="0">
+                <a:schemeClr val="accent1"/>
+              </a:effectRef>
+              <a:fontRef idx="minor">
+                <a:schemeClr val="lt1"/>
+              </a:fontRef>
+            </p:style>
+            <p:txBody>
+              <a:bodyPr rtlCol="0" anchor="ctr"/>
+              <a:lstStyle/>
+              <a:p>
+                <a:pPr algn="ctr"/>
+                <a:endParaRPr lang="fr-FR" b="1"/>
+              </a:p>
+            </p:txBody>
+          </p:sp>
+          <p:pic>
+            <p:nvPicPr>
+              <p:cNvPr id="94" name="Image 93">
+                <a:extLst>
+                  <a:ext uri="{FF2B5EF4-FFF2-40B4-BE49-F238E27FC236}">
+                    <a16:creationId xmlns:a16="http://schemas.microsoft.com/office/drawing/2014/main" id="{C0387A09-7663-BBB7-F6ED-3B1C8A82B067}"/>
+                  </a:ext>
+                </a:extLst>
+              </p:cNvPr>
+              <p:cNvPicPr>
+                <a:picLocks noChangeAspect="1"/>
+              </p:cNvPicPr>
+              <p:nvPr/>
+            </p:nvPicPr>
+            <p:blipFill>
+              <a:blip r:embed="rId43"/>
+              <a:stretch>
+                <a:fillRect/>
+              </a:stretch>
+            </p:blipFill>
+            <p:spPr>
+              <a:xfrm>
+                <a:off x="7068917" y="550319"/>
+                <a:ext cx="1152128" cy="1152128"/>
+              </a:xfrm>
+              <a:prstGeom prst="rect">
+                <a:avLst/>
+              </a:prstGeom>
+            </p:spPr>
+          </p:pic>
+        </p:grpSp>
+        <p:grpSp>
+          <p:nvGrpSpPr>
+            <p:cNvPr id="140" name="Groupe 139">
+              <a:extLst>
+                <a:ext uri="{FF2B5EF4-FFF2-40B4-BE49-F238E27FC236}">
+                  <a16:creationId xmlns:a16="http://schemas.microsoft.com/office/drawing/2014/main" id="{15FD8A4A-1E7E-EBA0-4582-08506DB03336}"/>
+                </a:ext>
+              </a:extLst>
+            </p:cNvPr>
+            <p:cNvGrpSpPr/>
+            <p:nvPr/>
+          </p:nvGrpSpPr>
+          <p:grpSpPr>
+            <a:xfrm>
+              <a:off x="612900" y="1377419"/>
+              <a:ext cx="360000" cy="360000"/>
+              <a:chOff x="8612196" y="3801520"/>
+              <a:chExt cx="1800000" cy="1800000"/>
+            </a:xfrm>
+          </p:grpSpPr>
+          <p:sp>
+            <p:nvSpPr>
+              <p:cNvPr id="141" name="Ellipse 140">
+                <a:extLst>
+                  <a:ext uri="{FF2B5EF4-FFF2-40B4-BE49-F238E27FC236}">
+                    <a16:creationId xmlns:a16="http://schemas.microsoft.com/office/drawing/2014/main" id="{7C5E956A-916C-CFC4-DC6D-C75125D974C5}"/>
+                  </a:ext>
+                </a:extLst>
+              </p:cNvPr>
+              <p:cNvSpPr/>
+              <p:nvPr/>
+            </p:nvSpPr>
+            <p:spPr>
+              <a:xfrm>
+                <a:off x="8612196" y="3801520"/>
+                <a:ext cx="1800000" cy="1800000"/>
+              </a:xfrm>
+              <a:prstGeom prst="ellipse">
+                <a:avLst/>
+              </a:prstGeom>
+              <a:solidFill>
+                <a:srgbClr val="00547F"/>
+              </a:solidFill>
+              <a:ln>
+                <a:noFill/>
+              </a:ln>
+            </p:spPr>
+            <p:style>
+              <a:lnRef idx="2">
+                <a:schemeClr val="accent1">
+                  <a:shade val="50000"/>
+                </a:schemeClr>
+              </a:lnRef>
+              <a:fillRef idx="1">
+                <a:schemeClr val="accent1"/>
+              </a:fillRef>
+              <a:effectRef idx="0">
+                <a:schemeClr val="accent1"/>
+              </a:effectRef>
+              <a:fontRef idx="minor">
+                <a:schemeClr val="lt1"/>
+              </a:fontRef>
+            </p:style>
+            <p:txBody>
+              <a:bodyPr rtlCol="0" anchor="ctr"/>
+              <a:lstStyle/>
+              <a:p>
+                <a:pPr algn="ctr"/>
+                <a:endParaRPr lang="fr-FR" b="1"/>
+              </a:p>
+            </p:txBody>
+          </p:sp>
+          <p:pic>
+            <p:nvPicPr>
+              <p:cNvPr id="142" name="Image 141">
+                <a:extLst>
+                  <a:ext uri="{FF2B5EF4-FFF2-40B4-BE49-F238E27FC236}">
+                    <a16:creationId xmlns:a16="http://schemas.microsoft.com/office/drawing/2014/main" id="{B5A9F6B3-0EB3-362B-F98C-FEFF4F52045D}"/>
+                  </a:ext>
+                </a:extLst>
+              </p:cNvPr>
+              <p:cNvPicPr>
+                <a:picLocks noChangeAspect="1"/>
+              </p:cNvPicPr>
+              <p:nvPr/>
+            </p:nvPicPr>
+            <p:blipFill>
+              <a:blip r:embed="rId44"/>
+              <a:stretch>
+                <a:fillRect/>
+              </a:stretch>
+            </p:blipFill>
+            <p:spPr>
+              <a:xfrm>
+                <a:off x="8696428" y="3885752"/>
+                <a:ext cx="1631536" cy="1631536"/>
+              </a:xfrm>
+              <a:prstGeom prst="rect">
+                <a:avLst/>
+              </a:prstGeom>
+            </p:spPr>
+          </p:pic>
+        </p:grpSp>
+        <p:grpSp>
+          <p:nvGrpSpPr>
+            <p:cNvPr id="146" name="Groupe 145">
+              <a:extLst>
+                <a:ext uri="{FF2B5EF4-FFF2-40B4-BE49-F238E27FC236}">
+                  <a16:creationId xmlns:a16="http://schemas.microsoft.com/office/drawing/2014/main" id="{0A3B1DCC-838F-6920-CA44-5C5B349A1703}"/>
+                </a:ext>
+              </a:extLst>
+            </p:cNvPr>
+            <p:cNvGrpSpPr/>
+            <p:nvPr/>
+          </p:nvGrpSpPr>
+          <p:grpSpPr>
+            <a:xfrm>
+              <a:off x="1931406" y="1377419"/>
+              <a:ext cx="360000" cy="360000"/>
+              <a:chOff x="7698044" y="3453428"/>
+              <a:chExt cx="1800000" cy="1800000"/>
+            </a:xfrm>
+          </p:grpSpPr>
+          <p:sp>
+            <p:nvSpPr>
+              <p:cNvPr id="147" name="Ellipse 146">
+                <a:extLst>
+                  <a:ext uri="{FF2B5EF4-FFF2-40B4-BE49-F238E27FC236}">
+                    <a16:creationId xmlns:a16="http://schemas.microsoft.com/office/drawing/2014/main" id="{163C5995-EA4E-5519-F46C-29B83AFCCAC6}"/>
+                  </a:ext>
+                </a:extLst>
+              </p:cNvPr>
+              <p:cNvSpPr/>
+              <p:nvPr/>
+            </p:nvSpPr>
+            <p:spPr>
+              <a:xfrm>
+                <a:off x="7698044" y="3453428"/>
+                <a:ext cx="1800000" cy="1800000"/>
+              </a:xfrm>
+              <a:prstGeom prst="ellipse">
+                <a:avLst/>
+              </a:prstGeom>
+              <a:solidFill>
+                <a:srgbClr val="00547F"/>
+              </a:solidFill>
+              <a:ln>
+                <a:noFill/>
+              </a:ln>
+            </p:spPr>
+            <p:style>
+              <a:lnRef idx="2">
+                <a:schemeClr val="accent1">
+                  <a:shade val="50000"/>
+                </a:schemeClr>
+              </a:lnRef>
+              <a:fillRef idx="1">
+                <a:schemeClr val="accent1"/>
+              </a:fillRef>
+              <a:effectRef idx="0">
+                <a:schemeClr val="accent1"/>
+              </a:effectRef>
+              <a:fontRef idx="minor">
+                <a:schemeClr val="lt1"/>
+              </a:fontRef>
+            </p:style>
+            <p:txBody>
+              <a:bodyPr rtlCol="0" anchor="ctr"/>
+              <a:lstStyle/>
+              <a:p>
+                <a:pPr algn="ctr"/>
+                <a:endParaRPr lang="fr-FR" b="1"/>
+              </a:p>
+            </p:txBody>
+          </p:sp>
+          <p:pic>
+            <p:nvPicPr>
+              <p:cNvPr id="148" name="Image 147">
+                <a:extLst>
+                  <a:ext uri="{FF2B5EF4-FFF2-40B4-BE49-F238E27FC236}">
+                    <a16:creationId xmlns:a16="http://schemas.microsoft.com/office/drawing/2014/main" id="{FA0B47E2-7114-C445-6BA1-D1670B02B8DB}"/>
+                  </a:ext>
+                </a:extLst>
+              </p:cNvPr>
+              <p:cNvPicPr>
+                <a:picLocks noChangeAspect="1"/>
+              </p:cNvPicPr>
+              <p:nvPr/>
+            </p:nvPicPr>
+            <p:blipFill>
+              <a:blip r:embed="rId45"/>
+              <a:stretch>
+                <a:fillRect/>
+              </a:stretch>
+            </p:blipFill>
+            <p:spPr>
+              <a:xfrm>
+                <a:off x="7939554" y="3812716"/>
+                <a:ext cx="1316981" cy="1081424"/>
+              </a:xfrm>
+              <a:prstGeom prst="rect">
+                <a:avLst/>
+              </a:prstGeom>
+            </p:spPr>
+          </p:pic>
+        </p:grpSp>
+      </p:grpSp>
+      <p:grpSp>
+        <p:nvGrpSpPr>
+          <p:cNvPr id="154" name="Groupe 153">
+            <a:extLst>
+              <a:ext uri="{FF2B5EF4-FFF2-40B4-BE49-F238E27FC236}">
+                <a16:creationId xmlns:a16="http://schemas.microsoft.com/office/drawing/2014/main" id="{58256B2F-3F5B-9174-CAE5-9C58C1737497}"/>
+              </a:ext>
+            </a:extLst>
+          </p:cNvPr>
+          <p:cNvGrpSpPr/>
+          <p:nvPr/>
+        </p:nvGrpSpPr>
+        <p:grpSpPr>
+          <a:xfrm>
+            <a:off x="9032546" y="1276268"/>
+            <a:ext cx="720000" cy="720000"/>
+            <a:chOff x="8494276" y="748802"/>
+            <a:chExt cx="1800000" cy="1800000"/>
+          </a:xfrm>
+        </p:grpSpPr>
+        <p:sp>
+          <p:nvSpPr>
+            <p:cNvPr id="155" name="Ellipse 154">
+              <a:extLst>
+                <a:ext uri="{FF2B5EF4-FFF2-40B4-BE49-F238E27FC236}">
+                  <a16:creationId xmlns:a16="http://schemas.microsoft.com/office/drawing/2014/main" id="{0FFDFA90-5F1E-BA9F-D38F-49792ADC5ACA}"/>
+                </a:ext>
+              </a:extLst>
+            </p:cNvPr>
+            <p:cNvSpPr/>
+            <p:nvPr/>
+          </p:nvSpPr>
+          <p:spPr>
+            <a:xfrm>
+              <a:off x="8494276" y="748802"/>
+              <a:ext cx="1800000" cy="1800000"/>
+            </a:xfrm>
+            <a:prstGeom prst="ellipse">
+              <a:avLst/>
+            </a:prstGeom>
+            <a:solidFill>
+              <a:srgbClr val="08AF5E"/>
+            </a:solidFill>
+            <a:ln>
+              <a:noFill/>
+            </a:ln>
+          </p:spPr>
+          <p:style>
+            <a:lnRef idx="2">
+              <a:schemeClr val="accent1">
+                <a:shade val="50000"/>
+              </a:schemeClr>
+            </a:lnRef>
+            <a:fillRef idx="1">
+              <a:schemeClr val="accent1"/>
+            </a:fillRef>
+            <a:effectRef idx="0">
+              <a:schemeClr val="accent1"/>
+            </a:effectRef>
+            <a:fontRef idx="minor">
+              <a:schemeClr val="lt1"/>
+            </a:fontRef>
+          </p:style>
+          <p:txBody>
+            <a:bodyPr rtlCol="0" anchor="ctr"/>
+            <a:lstStyle/>
+            <a:p>
+              <a:pPr algn="ctr"/>
+              <a:endParaRPr lang="fr-FR" dirty="0"/>
+            </a:p>
+          </p:txBody>
+        </p:sp>
+        <p:pic>
+          <p:nvPicPr>
+            <p:cNvPr id="156" name="Image 155">
+              <a:extLst>
+                <a:ext uri="{FF2B5EF4-FFF2-40B4-BE49-F238E27FC236}">
+                  <a16:creationId xmlns:a16="http://schemas.microsoft.com/office/drawing/2014/main" id="{0A3D4FCB-4A79-0B5D-FE3B-3E76079681A6}"/>
+                </a:ext>
+              </a:extLst>
+            </p:cNvPr>
+            <p:cNvPicPr>
+              <a:picLocks noChangeAspect="1"/>
+            </p:cNvPicPr>
+            <p:nvPr/>
+          </p:nvPicPr>
+          <p:blipFill>
+            <a:blip r:embed="rId46"/>
+            <a:stretch>
+              <a:fillRect/>
+            </a:stretch>
+          </p:blipFill>
+          <p:spPr>
+            <a:xfrm>
+              <a:off x="8943232" y="938192"/>
+              <a:ext cx="902088" cy="1440000"/>
+            </a:xfrm>
+            <a:prstGeom prst="rect">
+              <a:avLst/>
+            </a:prstGeom>
+          </p:spPr>
+        </p:pic>
+      </p:grpSp>
+      <p:pic>
+        <p:nvPicPr>
+          <p:cNvPr id="168" name="Image 167">
+            <a:extLst>
+              <a:ext uri="{FF2B5EF4-FFF2-40B4-BE49-F238E27FC236}">
+                <a16:creationId xmlns:a16="http://schemas.microsoft.com/office/drawing/2014/main" id="{3226BD3D-BFB9-377F-79C6-17CEDCD41445}"/>
+              </a:ext>
+            </a:extLst>
+          </p:cNvPr>
+          <p:cNvPicPr>
+            <a:picLocks noChangeAspect="1"/>
+          </p:cNvPicPr>
+          <p:nvPr/>
+        </p:nvPicPr>
+        <p:blipFill>
+          <a:blip r:embed="rId47"/>
+          <a:stretch>
+            <a:fillRect/>
+          </a:stretch>
+        </p:blipFill>
+        <p:spPr>
+          <a:xfrm>
+            <a:off x="8989225" y="2712728"/>
+            <a:ext cx="720000" cy="720000"/>
+          </a:xfrm>
+          <a:prstGeom prst="rect">
+            <a:avLst/>
+          </a:prstGeom>
+        </p:spPr>
+      </p:pic>
+      <p:pic>
+        <p:nvPicPr>
+          <p:cNvPr id="169" name="Image 168">
+            <a:extLst>
+              <a:ext uri="{FF2B5EF4-FFF2-40B4-BE49-F238E27FC236}">
+                <a16:creationId xmlns:a16="http://schemas.microsoft.com/office/drawing/2014/main" id="{E6A63A40-FC35-A62D-CD46-743B5AA4534D}"/>
+              </a:ext>
+            </a:extLst>
+          </p:cNvPr>
+          <p:cNvPicPr>
+            <a:picLocks noChangeAspect="1"/>
+          </p:cNvPicPr>
+          <p:nvPr/>
+        </p:nvPicPr>
+        <p:blipFill>
+          <a:blip r:embed="rId48"/>
+          <a:stretch>
+            <a:fillRect/>
+          </a:stretch>
+        </p:blipFill>
+        <p:spPr>
+          <a:xfrm>
+            <a:off x="8129680" y="3021701"/>
+            <a:ext cx="720000" cy="263790"/>
+          </a:xfrm>
+          <a:prstGeom prst="rect">
+            <a:avLst/>
+          </a:prstGeom>
+        </p:spPr>
+      </p:pic>
+      <p:pic>
+        <p:nvPicPr>
+          <p:cNvPr id="18" name="Image 17">
+            <a:extLst>
+              <a:ext uri="{FF2B5EF4-FFF2-40B4-BE49-F238E27FC236}">
+                <a16:creationId xmlns:a16="http://schemas.microsoft.com/office/drawing/2014/main" id="{52E96551-8F2C-1928-4A93-786E71F001F6}"/>
+              </a:ext>
+            </a:extLst>
+          </p:cNvPr>
+          <p:cNvPicPr>
+            <a:picLocks noChangeAspect="1"/>
+          </p:cNvPicPr>
+          <p:nvPr/>
+        </p:nvPicPr>
+        <p:blipFill>
+          <a:blip r:embed="rId49"/>
+          <a:stretch>
+            <a:fillRect/>
+          </a:stretch>
+        </p:blipFill>
+        <p:spPr>
+          <a:xfrm>
+            <a:off x="8852128" y="2055776"/>
+            <a:ext cx="360000" cy="360000"/>
+          </a:xfrm>
+          <a:prstGeom prst="rect">
+            <a:avLst/>
+          </a:prstGeom>
+        </p:spPr>
+      </p:pic>
+      <p:grpSp>
+        <p:nvGrpSpPr>
+          <p:cNvPr id="114" name="Groupe 113">
+            <a:extLst>
+              <a:ext uri="{FF2B5EF4-FFF2-40B4-BE49-F238E27FC236}">
+                <a16:creationId xmlns:a16="http://schemas.microsoft.com/office/drawing/2014/main" id="{D9EF01D1-C91F-C75A-242D-4D80BED11B8F}"/>
+              </a:ext>
+            </a:extLst>
+          </p:cNvPr>
+          <p:cNvGrpSpPr/>
+          <p:nvPr/>
+        </p:nvGrpSpPr>
+        <p:grpSpPr>
+          <a:xfrm>
+            <a:off x="8656591" y="4960625"/>
+            <a:ext cx="360000" cy="360000"/>
+            <a:chOff x="10441958" y="3705191"/>
+            <a:chExt cx="720000" cy="720000"/>
+          </a:xfrm>
+        </p:grpSpPr>
+        <p:sp>
+          <p:nvSpPr>
+            <p:cNvPr id="51" name="Ellipse 50">
+              <a:extLst>
+                <a:ext uri="{FF2B5EF4-FFF2-40B4-BE49-F238E27FC236}">
+                  <a16:creationId xmlns:a16="http://schemas.microsoft.com/office/drawing/2014/main" id="{EC0AC37B-E26A-4478-68CF-0BA720B99B25}"/>
+                </a:ext>
+              </a:extLst>
+            </p:cNvPr>
+            <p:cNvSpPr/>
+            <p:nvPr/>
+          </p:nvSpPr>
+          <p:spPr>
+            <a:xfrm>
+              <a:off x="10441958" y="3705191"/>
+              <a:ext cx="720000" cy="720000"/>
+            </a:xfrm>
+            <a:prstGeom prst="ellipse">
+              <a:avLst/>
+            </a:prstGeom>
+            <a:solidFill>
+              <a:srgbClr val="EF7268"/>
+            </a:solidFill>
+            <a:ln>
+              <a:noFill/>
+            </a:ln>
+          </p:spPr>
+          <p:style>
+            <a:lnRef idx="2">
+              <a:schemeClr val="accent1">
+                <a:shade val="50000"/>
+              </a:schemeClr>
+            </a:lnRef>
+            <a:fillRef idx="1">
+              <a:schemeClr val="accent1"/>
+            </a:fillRef>
+            <a:effectRef idx="0">
+              <a:schemeClr val="accent1"/>
+            </a:effectRef>
+            <a:fontRef idx="minor">
+              <a:schemeClr val="lt1"/>
+            </a:fontRef>
+          </p:style>
+          <p:txBody>
+            <a:bodyPr rtlCol="0" anchor="ctr"/>
+            <a:lstStyle/>
+            <a:p>
+              <a:pPr algn="ctr"/>
+              <a:endParaRPr lang="fr-FR" dirty="0"/>
+            </a:p>
+          </p:txBody>
+        </p:sp>
+        <p:pic>
+          <p:nvPicPr>
+            <p:cNvPr id="101" name="Image 100">
+              <a:extLst>
+                <a:ext uri="{FF2B5EF4-FFF2-40B4-BE49-F238E27FC236}">
+                  <a16:creationId xmlns:a16="http://schemas.microsoft.com/office/drawing/2014/main" id="{AD01D70A-74D2-2687-4B5D-5652318A696F}"/>
+                </a:ext>
+              </a:extLst>
+            </p:cNvPr>
+            <p:cNvPicPr>
+              <a:picLocks noChangeAspect="1"/>
+            </p:cNvPicPr>
+            <p:nvPr/>
+          </p:nvPicPr>
+          <p:blipFill>
+            <a:blip r:embed="rId50"/>
+            <a:stretch>
+              <a:fillRect/>
+            </a:stretch>
+          </p:blipFill>
+          <p:spPr>
+            <a:xfrm>
+              <a:off x="10566042" y="3862171"/>
+              <a:ext cx="471833" cy="471833"/>
+            </a:xfrm>
+            <a:prstGeom prst="rect">
+              <a:avLst/>
+            </a:prstGeom>
+          </p:spPr>
+        </p:pic>
+      </p:grpSp>
+      <p:grpSp>
+        <p:nvGrpSpPr>
+          <p:cNvPr id="171" name="Groupe 170">
+            <a:extLst>
+              <a:ext uri="{FF2B5EF4-FFF2-40B4-BE49-F238E27FC236}">
+                <a16:creationId xmlns:a16="http://schemas.microsoft.com/office/drawing/2014/main" id="{F930EAE8-3BED-E3B6-B0D8-DAB5F8121529}"/>
+              </a:ext>
+            </a:extLst>
+          </p:cNvPr>
+          <p:cNvGrpSpPr/>
+          <p:nvPr/>
+        </p:nvGrpSpPr>
+        <p:grpSpPr>
+          <a:xfrm>
+            <a:off x="1056974" y="324865"/>
             <a:ext cx="360000" cy="360000"/>
             <a:chOff x="1856523" y="133118"/>
             <a:chExt cx="720000" cy="720000"/>
@@ -13881,7 +16141,7 @@
             <p:nvPr/>
           </p:nvPicPr>
           <p:blipFill>
-            <a:blip r:embed="rId24"/>
+            <a:blip r:embed="rId51"/>
             <a:stretch>
               <a:fillRect/>
             </a:stretch>
@@ -13890,662 +16150,6 @@
             <a:xfrm>
               <a:off x="1955338" y="231933"/>
               <a:ext cx="522371" cy="522371"/>
-            </a:xfrm>
-            <a:prstGeom prst="rect">
-              <a:avLst/>
-            </a:prstGeom>
-          </p:spPr>
-        </p:pic>
-      </p:grpSp>
-      <p:grpSp>
-        <p:nvGrpSpPr>
-          <p:cNvPr id="110" name="Groupe 109">
-            <a:extLst>
-              <a:ext uri="{FF2B5EF4-FFF2-40B4-BE49-F238E27FC236}">
-                <a16:creationId xmlns:a16="http://schemas.microsoft.com/office/drawing/2014/main" id="{AEECE30E-5EC9-C47F-8CF7-61819D8C5E6E}"/>
-              </a:ext>
-            </a:extLst>
-          </p:cNvPr>
-          <p:cNvGrpSpPr/>
-          <p:nvPr/>
-        </p:nvGrpSpPr>
-        <p:grpSpPr>
-          <a:xfrm>
-            <a:off x="1890113" y="2644645"/>
-            <a:ext cx="360000" cy="360000"/>
-            <a:chOff x="8493814" y="3375317"/>
-            <a:chExt cx="1800000" cy="1800000"/>
-          </a:xfrm>
-        </p:grpSpPr>
-        <p:sp>
-          <p:nvSpPr>
-            <p:cNvPr id="111" name="Ellipse 110">
-              <a:extLst>
-                <a:ext uri="{FF2B5EF4-FFF2-40B4-BE49-F238E27FC236}">
-                  <a16:creationId xmlns:a16="http://schemas.microsoft.com/office/drawing/2014/main" id="{887675DA-5E4D-8EF3-E6FA-0884012A3D3C}"/>
-                </a:ext>
-              </a:extLst>
-            </p:cNvPr>
-            <p:cNvSpPr/>
-            <p:nvPr/>
-          </p:nvSpPr>
-          <p:spPr>
-            <a:xfrm>
-              <a:off x="8493814" y="3375317"/>
-              <a:ext cx="1800000" cy="1800000"/>
-            </a:xfrm>
-            <a:prstGeom prst="ellipse">
-              <a:avLst/>
-            </a:prstGeom>
-            <a:solidFill>
-              <a:srgbClr val="00517A"/>
-            </a:solidFill>
-            <a:ln>
-              <a:noFill/>
-            </a:ln>
-          </p:spPr>
-          <p:style>
-            <a:lnRef idx="2">
-              <a:schemeClr val="accent1">
-                <a:shade val="50000"/>
-              </a:schemeClr>
-            </a:lnRef>
-            <a:fillRef idx="1">
-              <a:schemeClr val="accent1"/>
-            </a:fillRef>
-            <a:effectRef idx="0">
-              <a:schemeClr val="accent1"/>
-            </a:effectRef>
-            <a:fontRef idx="minor">
-              <a:schemeClr val="lt1"/>
-            </a:fontRef>
-          </p:style>
-          <p:txBody>
-            <a:bodyPr rtlCol="0" anchor="ctr"/>
-            <a:lstStyle/>
-            <a:p>
-              <a:pPr algn="ctr"/>
-              <a:endParaRPr lang="fr-FR" dirty="0"/>
-            </a:p>
-          </p:txBody>
-        </p:sp>
-        <p:pic>
-          <p:nvPicPr>
-            <p:cNvPr id="112" name="Image 111">
-              <a:extLst>
-                <a:ext uri="{FF2B5EF4-FFF2-40B4-BE49-F238E27FC236}">
-                  <a16:creationId xmlns:a16="http://schemas.microsoft.com/office/drawing/2014/main" id="{2A35C3FA-2D08-0352-A1C0-2913B0CD02D5}"/>
-                </a:ext>
-              </a:extLst>
-            </p:cNvPr>
-            <p:cNvPicPr>
-              <a:picLocks noChangeAspect="1"/>
-            </p:cNvPicPr>
-            <p:nvPr/>
-          </p:nvPicPr>
-          <p:blipFill>
-            <a:blip r:embed="rId25"/>
-            <a:stretch>
-              <a:fillRect/>
-            </a:stretch>
-          </p:blipFill>
-          <p:spPr>
-            <a:xfrm>
-              <a:off x="8673814" y="3583777"/>
-              <a:ext cx="1440000" cy="1440000"/>
-            </a:xfrm>
-            <a:prstGeom prst="rect">
-              <a:avLst/>
-            </a:prstGeom>
-          </p:spPr>
-        </p:pic>
-      </p:grpSp>
-      <p:grpSp>
-        <p:nvGrpSpPr>
-          <p:cNvPr id="173" name="Groupe 172">
-            <a:extLst>
-              <a:ext uri="{FF2B5EF4-FFF2-40B4-BE49-F238E27FC236}">
-                <a16:creationId xmlns:a16="http://schemas.microsoft.com/office/drawing/2014/main" id="{8EE1462F-8B8B-FF79-B63B-455E27276C24}"/>
-              </a:ext>
-            </a:extLst>
-          </p:cNvPr>
-          <p:cNvGrpSpPr/>
-          <p:nvPr/>
-        </p:nvGrpSpPr>
-        <p:grpSpPr>
-          <a:xfrm>
-            <a:off x="1051672" y="2643795"/>
-            <a:ext cx="360000" cy="360000"/>
-            <a:chOff x="1051672" y="2643795"/>
-            <a:chExt cx="720000" cy="720000"/>
-          </a:xfrm>
-        </p:grpSpPr>
-        <p:sp>
-          <p:nvSpPr>
-            <p:cNvPr id="115" name="Ellipse 114">
-              <a:extLst>
-                <a:ext uri="{FF2B5EF4-FFF2-40B4-BE49-F238E27FC236}">
-                  <a16:creationId xmlns:a16="http://schemas.microsoft.com/office/drawing/2014/main" id="{5EE3D489-9939-FB63-490B-AC7684976919}"/>
-                </a:ext>
-              </a:extLst>
-            </p:cNvPr>
-            <p:cNvSpPr/>
-            <p:nvPr/>
-          </p:nvSpPr>
-          <p:spPr>
-            <a:xfrm>
-              <a:off x="1051672" y="2643795"/>
-              <a:ext cx="720000" cy="720000"/>
-            </a:xfrm>
-            <a:prstGeom prst="ellipse">
-              <a:avLst/>
-            </a:prstGeom>
-            <a:solidFill>
-              <a:srgbClr val="00517A"/>
-            </a:solidFill>
-            <a:ln>
-              <a:noFill/>
-            </a:ln>
-          </p:spPr>
-          <p:style>
-            <a:lnRef idx="2">
-              <a:schemeClr val="accent1">
-                <a:shade val="50000"/>
-              </a:schemeClr>
-            </a:lnRef>
-            <a:fillRef idx="1">
-              <a:schemeClr val="accent1"/>
-            </a:fillRef>
-            <a:effectRef idx="0">
-              <a:schemeClr val="accent1"/>
-            </a:effectRef>
-            <a:fontRef idx="minor">
-              <a:schemeClr val="lt1"/>
-            </a:fontRef>
-          </p:style>
-          <p:txBody>
-            <a:bodyPr rtlCol="0" anchor="ctr"/>
-            <a:lstStyle/>
-            <a:p>
-              <a:pPr algn="ctr"/>
-              <a:endParaRPr lang="fr-FR" dirty="0"/>
-            </a:p>
-          </p:txBody>
-        </p:sp>
-        <p:pic>
-          <p:nvPicPr>
-            <p:cNvPr id="116" name="Image 115">
-              <a:extLst>
-                <a:ext uri="{FF2B5EF4-FFF2-40B4-BE49-F238E27FC236}">
-                  <a16:creationId xmlns:a16="http://schemas.microsoft.com/office/drawing/2014/main" id="{72769896-E9ED-7BCA-43D7-F953258CFCD1}"/>
-                </a:ext>
-              </a:extLst>
-            </p:cNvPr>
-            <p:cNvPicPr>
-              <a:picLocks noChangeAspect="1"/>
-            </p:cNvPicPr>
-            <p:nvPr/>
-          </p:nvPicPr>
-          <p:blipFill>
-            <a:blip r:embed="rId26"/>
-            <a:stretch>
-              <a:fillRect/>
-            </a:stretch>
-          </p:blipFill>
-          <p:spPr>
-            <a:xfrm>
-              <a:off x="1159672" y="2751795"/>
-              <a:ext cx="504000" cy="504000"/>
-            </a:xfrm>
-            <a:prstGeom prst="rect">
-              <a:avLst/>
-            </a:prstGeom>
-          </p:spPr>
-        </p:pic>
-      </p:grpSp>
-      <p:grpSp>
-        <p:nvGrpSpPr>
-          <p:cNvPr id="164" name="Groupe 163">
-            <a:extLst>
-              <a:ext uri="{FF2B5EF4-FFF2-40B4-BE49-F238E27FC236}">
-                <a16:creationId xmlns:a16="http://schemas.microsoft.com/office/drawing/2014/main" id="{C0F3CF82-2C63-6E1F-6200-2AD139566409}"/>
-              </a:ext>
-            </a:extLst>
-          </p:cNvPr>
-          <p:cNvGrpSpPr/>
-          <p:nvPr/>
-        </p:nvGrpSpPr>
-        <p:grpSpPr>
-          <a:xfrm>
-            <a:off x="2968472" y="3518527"/>
-            <a:ext cx="469092" cy="619346"/>
-            <a:chOff x="2506977" y="4061546"/>
-            <a:chExt cx="469092" cy="619346"/>
-          </a:xfrm>
-        </p:grpSpPr>
-        <p:pic>
-          <p:nvPicPr>
-            <p:cNvPr id="120" name="Image 119">
-              <a:extLst>
-                <a:ext uri="{FF2B5EF4-FFF2-40B4-BE49-F238E27FC236}">
-                  <a16:creationId xmlns:a16="http://schemas.microsoft.com/office/drawing/2014/main" id="{ABB2610A-78E9-DF8C-F3D5-189537C6D190}"/>
-                </a:ext>
-              </a:extLst>
-            </p:cNvPr>
-            <p:cNvPicPr>
-              <a:picLocks noChangeAspect="1"/>
-            </p:cNvPicPr>
-            <p:nvPr/>
-          </p:nvPicPr>
-          <p:blipFill>
-            <a:blip r:embed="rId27"/>
-            <a:stretch>
-              <a:fillRect/>
-            </a:stretch>
-          </p:blipFill>
-          <p:spPr>
-            <a:xfrm>
-              <a:off x="2561523" y="4061546"/>
-              <a:ext cx="360000" cy="360000"/>
-            </a:xfrm>
-            <a:prstGeom prst="rect">
-              <a:avLst/>
-            </a:prstGeom>
-          </p:spPr>
-        </p:pic>
-        <p:pic>
-          <p:nvPicPr>
-            <p:cNvPr id="121" name="Image 120">
-              <a:extLst>
-                <a:ext uri="{FF2B5EF4-FFF2-40B4-BE49-F238E27FC236}">
-                  <a16:creationId xmlns:a16="http://schemas.microsoft.com/office/drawing/2014/main" id="{A353A503-FDD5-7DFC-0298-F20AEB5646C6}"/>
-                </a:ext>
-              </a:extLst>
-            </p:cNvPr>
-            <p:cNvPicPr>
-              <a:picLocks noChangeAspect="1"/>
-            </p:cNvPicPr>
-            <p:nvPr/>
-          </p:nvPicPr>
-          <p:blipFill>
-            <a:blip r:embed="rId28"/>
-            <a:stretch>
-              <a:fillRect/>
-            </a:stretch>
-          </p:blipFill>
-          <p:spPr>
-            <a:xfrm>
-              <a:off x="2506977" y="4497653"/>
-              <a:ext cx="469092" cy="183239"/>
-            </a:xfrm>
-            <a:prstGeom prst="rect">
-              <a:avLst/>
-            </a:prstGeom>
-          </p:spPr>
-        </p:pic>
-      </p:grpSp>
-      <p:grpSp>
-        <p:nvGrpSpPr>
-          <p:cNvPr id="122" name="Groupe 121">
-            <a:extLst>
-              <a:ext uri="{FF2B5EF4-FFF2-40B4-BE49-F238E27FC236}">
-                <a16:creationId xmlns:a16="http://schemas.microsoft.com/office/drawing/2014/main" id="{B553C732-EE6A-0A6B-E02A-A88C41970AC1}"/>
-              </a:ext>
-            </a:extLst>
-          </p:cNvPr>
-          <p:cNvGrpSpPr/>
-          <p:nvPr/>
-        </p:nvGrpSpPr>
-        <p:grpSpPr>
-          <a:xfrm>
-            <a:off x="9028481" y="512708"/>
-            <a:ext cx="720000" cy="720000"/>
-            <a:chOff x="7851244" y="635246"/>
-            <a:chExt cx="1800000" cy="1800000"/>
-          </a:xfrm>
-        </p:grpSpPr>
-        <p:sp>
-          <p:nvSpPr>
-            <p:cNvPr id="123" name="Ellipse 122">
-              <a:extLst>
-                <a:ext uri="{FF2B5EF4-FFF2-40B4-BE49-F238E27FC236}">
-                  <a16:creationId xmlns:a16="http://schemas.microsoft.com/office/drawing/2014/main" id="{31A9BE80-8F5C-95FD-9F2D-53C2DA569919}"/>
-                </a:ext>
-              </a:extLst>
-            </p:cNvPr>
-            <p:cNvSpPr/>
-            <p:nvPr/>
-          </p:nvSpPr>
-          <p:spPr>
-            <a:xfrm>
-              <a:off x="7851244" y="635246"/>
-              <a:ext cx="1800000" cy="1800000"/>
-            </a:xfrm>
-            <a:prstGeom prst="ellipse">
-              <a:avLst/>
-            </a:prstGeom>
-            <a:solidFill>
-              <a:srgbClr val="08AF5E"/>
-            </a:solidFill>
-            <a:ln>
-              <a:noFill/>
-            </a:ln>
-          </p:spPr>
-          <p:style>
-            <a:lnRef idx="2">
-              <a:schemeClr val="accent1">
-                <a:shade val="50000"/>
-              </a:schemeClr>
-            </a:lnRef>
-            <a:fillRef idx="1">
-              <a:schemeClr val="accent1"/>
-            </a:fillRef>
-            <a:effectRef idx="0">
-              <a:schemeClr val="accent1"/>
-            </a:effectRef>
-            <a:fontRef idx="minor">
-              <a:schemeClr val="lt1"/>
-            </a:fontRef>
-          </p:style>
-          <p:txBody>
-            <a:bodyPr rtlCol="0" anchor="ctr"/>
-            <a:lstStyle/>
-            <a:p>
-              <a:pPr algn="ctr"/>
-              <a:endParaRPr lang="fr-FR" dirty="0"/>
-            </a:p>
-          </p:txBody>
-        </p:sp>
-        <p:pic>
-          <p:nvPicPr>
-            <p:cNvPr id="124" name="Image 123">
-              <a:extLst>
-                <a:ext uri="{FF2B5EF4-FFF2-40B4-BE49-F238E27FC236}">
-                  <a16:creationId xmlns:a16="http://schemas.microsoft.com/office/drawing/2014/main" id="{D6A6FFF9-03A7-36E5-2AFD-594EDC35C813}"/>
-                </a:ext>
-              </a:extLst>
-            </p:cNvPr>
-            <p:cNvPicPr>
-              <a:picLocks noChangeAspect="1"/>
-            </p:cNvPicPr>
-            <p:nvPr/>
-          </p:nvPicPr>
-          <p:blipFill>
-            <a:blip r:embed="rId29"/>
-            <a:stretch>
-              <a:fillRect/>
-            </a:stretch>
-          </p:blipFill>
-          <p:spPr>
-            <a:xfrm>
-              <a:off x="8074192" y="879141"/>
-              <a:ext cx="1337198" cy="1264070"/>
-            </a:xfrm>
-            <a:prstGeom prst="rect">
-              <a:avLst/>
-            </a:prstGeom>
-          </p:spPr>
-        </p:pic>
-      </p:grpSp>
-      <p:grpSp>
-        <p:nvGrpSpPr>
-          <p:cNvPr id="125" name="Groupe 124">
-            <a:extLst>
-              <a:ext uri="{FF2B5EF4-FFF2-40B4-BE49-F238E27FC236}">
-                <a16:creationId xmlns:a16="http://schemas.microsoft.com/office/drawing/2014/main" id="{180EA0FF-B5FE-3B01-D2FF-56872EF6296A}"/>
-              </a:ext>
-            </a:extLst>
-          </p:cNvPr>
-          <p:cNvGrpSpPr/>
-          <p:nvPr/>
-        </p:nvGrpSpPr>
-        <p:grpSpPr>
-          <a:xfrm>
-            <a:off x="8224868" y="518746"/>
-            <a:ext cx="720000" cy="720000"/>
-            <a:chOff x="8097618" y="377340"/>
-            <a:chExt cx="1800000" cy="1800000"/>
-          </a:xfrm>
-        </p:grpSpPr>
-        <p:sp>
-          <p:nvSpPr>
-            <p:cNvPr id="126" name="Ellipse 125">
-              <a:extLst>
-                <a:ext uri="{FF2B5EF4-FFF2-40B4-BE49-F238E27FC236}">
-                  <a16:creationId xmlns:a16="http://schemas.microsoft.com/office/drawing/2014/main" id="{F2D9AD0D-F610-BD38-FA2E-C857441F62B0}"/>
-                </a:ext>
-              </a:extLst>
-            </p:cNvPr>
-            <p:cNvSpPr/>
-            <p:nvPr/>
-          </p:nvSpPr>
-          <p:spPr>
-            <a:xfrm>
-              <a:off x="8097618" y="377340"/>
-              <a:ext cx="1800000" cy="1800000"/>
-            </a:xfrm>
-            <a:prstGeom prst="ellipse">
-              <a:avLst/>
-            </a:prstGeom>
-            <a:solidFill>
-              <a:srgbClr val="08AF5E"/>
-            </a:solidFill>
-            <a:ln>
-              <a:noFill/>
-            </a:ln>
-          </p:spPr>
-          <p:style>
-            <a:lnRef idx="2">
-              <a:schemeClr val="accent1">
-                <a:shade val="50000"/>
-              </a:schemeClr>
-            </a:lnRef>
-            <a:fillRef idx="1">
-              <a:schemeClr val="accent1"/>
-            </a:fillRef>
-            <a:effectRef idx="0">
-              <a:schemeClr val="accent1"/>
-            </a:effectRef>
-            <a:fontRef idx="minor">
-              <a:schemeClr val="lt1"/>
-            </a:fontRef>
-          </p:style>
-          <p:txBody>
-            <a:bodyPr rtlCol="0" anchor="ctr"/>
-            <a:lstStyle/>
-            <a:p>
-              <a:pPr algn="ctr"/>
-              <a:endParaRPr lang="fr-FR" dirty="0"/>
-            </a:p>
-          </p:txBody>
-        </p:sp>
-        <p:pic>
-          <p:nvPicPr>
-            <p:cNvPr id="127" name="Image 126">
-              <a:extLst>
-                <a:ext uri="{FF2B5EF4-FFF2-40B4-BE49-F238E27FC236}">
-                  <a16:creationId xmlns:a16="http://schemas.microsoft.com/office/drawing/2014/main" id="{F7A1C425-2946-A7F7-944B-5C90872254BC}"/>
-                </a:ext>
-              </a:extLst>
-            </p:cNvPr>
-            <p:cNvPicPr>
-              <a:picLocks noChangeAspect="1"/>
-            </p:cNvPicPr>
-            <p:nvPr/>
-          </p:nvPicPr>
-          <p:blipFill>
-            <a:blip r:embed="rId30"/>
-            <a:stretch>
-              <a:fillRect/>
-            </a:stretch>
-          </p:blipFill>
-          <p:spPr>
-            <a:xfrm>
-              <a:off x="8477507" y="575912"/>
-              <a:ext cx="1008054" cy="1372668"/>
-            </a:xfrm>
-            <a:prstGeom prst="rect">
-              <a:avLst/>
-            </a:prstGeom>
-          </p:spPr>
-        </p:pic>
-      </p:grpSp>
-      <p:pic>
-        <p:nvPicPr>
-          <p:cNvPr id="131" name="Image 130">
-            <a:extLst>
-              <a:ext uri="{FF2B5EF4-FFF2-40B4-BE49-F238E27FC236}">
-                <a16:creationId xmlns:a16="http://schemas.microsoft.com/office/drawing/2014/main" id="{11C66256-3997-8FDD-2776-932039044F71}"/>
-              </a:ext>
-            </a:extLst>
-          </p:cNvPr>
-          <p:cNvPicPr>
-            <a:picLocks noChangeAspect="1"/>
-          </p:cNvPicPr>
-          <p:nvPr/>
-        </p:nvPicPr>
-        <p:blipFill>
-          <a:blip r:embed="rId31"/>
-          <a:stretch>
-            <a:fillRect/>
-          </a:stretch>
-        </p:blipFill>
-        <p:spPr>
-          <a:xfrm>
-            <a:off x="1486539" y="3573929"/>
-            <a:ext cx="720000" cy="720000"/>
-          </a:xfrm>
-          <a:prstGeom prst="rect">
-            <a:avLst/>
-          </a:prstGeom>
-        </p:spPr>
-      </p:pic>
-      <p:pic>
-        <p:nvPicPr>
-          <p:cNvPr id="132" name="Image 131">
-            <a:extLst>
-              <a:ext uri="{FF2B5EF4-FFF2-40B4-BE49-F238E27FC236}">
-                <a16:creationId xmlns:a16="http://schemas.microsoft.com/office/drawing/2014/main" id="{D12D6E10-CE83-427D-9E1B-2BA1EE389130}"/>
-              </a:ext>
-            </a:extLst>
-          </p:cNvPr>
-          <p:cNvPicPr>
-            <a:picLocks noChangeAspect="1"/>
-          </p:cNvPicPr>
-          <p:nvPr/>
-        </p:nvPicPr>
-        <p:blipFill>
-          <a:blip r:embed="rId32"/>
-          <a:stretch>
-            <a:fillRect/>
-          </a:stretch>
-        </p:blipFill>
-        <p:spPr>
-          <a:xfrm>
-            <a:off x="8440103" y="2138268"/>
-            <a:ext cx="289529" cy="289529"/>
-          </a:xfrm>
-          <a:prstGeom prst="rect">
-            <a:avLst/>
-          </a:prstGeom>
-        </p:spPr>
-      </p:pic>
-      <p:grpSp>
-        <p:nvGrpSpPr>
-          <p:cNvPr id="2" name="Groupe 1">
-            <a:extLst>
-              <a:ext uri="{FF2B5EF4-FFF2-40B4-BE49-F238E27FC236}">
-                <a16:creationId xmlns:a16="http://schemas.microsoft.com/office/drawing/2014/main" id="{F414DCE3-266B-8BA4-44F5-8377B2EAF4AB}"/>
-              </a:ext>
-            </a:extLst>
-          </p:cNvPr>
-          <p:cNvGrpSpPr/>
-          <p:nvPr/>
-        </p:nvGrpSpPr>
-        <p:grpSpPr>
-          <a:xfrm>
-            <a:off x="7739298" y="4938428"/>
-            <a:ext cx="720000" cy="720000"/>
-            <a:chOff x="10288921" y="4962102"/>
-            <a:chExt cx="1800000" cy="1800000"/>
-          </a:xfrm>
-        </p:grpSpPr>
-        <p:sp>
-          <p:nvSpPr>
-            <p:cNvPr id="3" name="Ellipse 2">
-              <a:extLst>
-                <a:ext uri="{FF2B5EF4-FFF2-40B4-BE49-F238E27FC236}">
-                  <a16:creationId xmlns:a16="http://schemas.microsoft.com/office/drawing/2014/main" id="{4FEBC376-BA92-1B65-AA83-78C9955CD9BC}"/>
-                </a:ext>
-              </a:extLst>
-            </p:cNvPr>
-            <p:cNvSpPr/>
-            <p:nvPr/>
-          </p:nvSpPr>
-          <p:spPr>
-            <a:xfrm>
-              <a:off x="10288921" y="4962102"/>
-              <a:ext cx="1800000" cy="1800000"/>
-            </a:xfrm>
-            <a:prstGeom prst="ellipse">
-              <a:avLst/>
-            </a:prstGeom>
-            <a:solidFill>
-              <a:srgbClr val="68348B"/>
-            </a:solidFill>
-            <a:ln>
-              <a:noFill/>
-            </a:ln>
-          </p:spPr>
-          <p:style>
-            <a:lnRef idx="2">
-              <a:schemeClr val="accent1">
-                <a:shade val="50000"/>
-              </a:schemeClr>
-            </a:lnRef>
-            <a:fillRef idx="1">
-              <a:schemeClr val="accent1"/>
-            </a:fillRef>
-            <a:effectRef idx="0">
-              <a:schemeClr val="accent1"/>
-            </a:effectRef>
-            <a:fontRef idx="minor">
-              <a:schemeClr val="lt1"/>
-            </a:fontRef>
-          </p:style>
-          <p:txBody>
-            <a:bodyPr rtlCol="0" anchor="ctr"/>
-            <a:lstStyle/>
-            <a:p>
-              <a:pPr algn="ctr"/>
-              <a:endParaRPr lang="fr-FR"/>
-            </a:p>
-          </p:txBody>
-        </p:sp>
-        <p:pic>
-          <p:nvPicPr>
-            <p:cNvPr id="44" name="Image 43">
-              <a:extLst>
-                <a:ext uri="{FF2B5EF4-FFF2-40B4-BE49-F238E27FC236}">
-                  <a16:creationId xmlns:a16="http://schemas.microsoft.com/office/drawing/2014/main" id="{7A15C536-8C24-B259-ECA9-C6F4CA71E414}"/>
-                </a:ext>
-              </a:extLst>
-            </p:cNvPr>
-            <p:cNvPicPr>
-              <a:picLocks noChangeAspect="1"/>
-            </p:cNvPicPr>
-            <p:nvPr/>
-          </p:nvPicPr>
-          <p:blipFill>
-            <a:blip r:embed="rId33"/>
-            <a:stretch>
-              <a:fillRect/>
-            </a:stretch>
-          </p:blipFill>
-          <p:spPr>
-            <a:xfrm>
-              <a:off x="10628350" y="5172435"/>
-              <a:ext cx="1121142" cy="1332826"/>
             </a:xfrm>
             <a:prstGeom prst="rect">
               <a:avLst/>
@@ -14567,7 +16171,7 @@
         </p:nvGrpSpPr>
         <p:grpSpPr>
           <a:xfrm>
-            <a:off x="2661375" y="133118"/>
+            <a:off x="1494993" y="324865"/>
             <a:ext cx="360000" cy="360000"/>
             <a:chOff x="2661375" y="133118"/>
             <a:chExt cx="720000" cy="720000"/>
@@ -14640,7 +16244,7 @@
             <p:nvPr/>
           </p:nvPicPr>
           <p:blipFill>
-            <a:blip r:embed="rId34"/>
+            <a:blip r:embed="rId52"/>
             <a:stretch>
               <a:fillRect/>
             </a:stretch>
@@ -14649,109 +16253,6 @@
             <a:xfrm>
               <a:off x="2881875" y="205118"/>
               <a:ext cx="279001" cy="576000"/>
-            </a:xfrm>
-            <a:prstGeom prst="rect">
-              <a:avLst/>
-            </a:prstGeom>
-          </p:spPr>
-        </p:pic>
-      </p:grpSp>
-      <p:grpSp>
-        <p:nvGrpSpPr>
-          <p:cNvPr id="45" name="Groupe 44">
-            <a:extLst>
-              <a:ext uri="{FF2B5EF4-FFF2-40B4-BE49-F238E27FC236}">
-                <a16:creationId xmlns:a16="http://schemas.microsoft.com/office/drawing/2014/main" id="{2FC21480-46E3-F389-4E43-568F7DAB856D}"/>
-              </a:ext>
-            </a:extLst>
-          </p:cNvPr>
-          <p:cNvGrpSpPr/>
-          <p:nvPr/>
-        </p:nvGrpSpPr>
-        <p:grpSpPr>
-          <a:xfrm>
-            <a:off x="262758" y="2633974"/>
-            <a:ext cx="360000" cy="360000"/>
-            <a:chOff x="262758" y="2633974"/>
-            <a:chExt cx="720000" cy="720000"/>
-          </a:xfrm>
-        </p:grpSpPr>
-        <p:sp>
-          <p:nvSpPr>
-            <p:cNvPr id="49" name="Ellipse 48">
-              <a:extLst>
-                <a:ext uri="{FF2B5EF4-FFF2-40B4-BE49-F238E27FC236}">
-                  <a16:creationId xmlns:a16="http://schemas.microsoft.com/office/drawing/2014/main" id="{35B8D14E-4517-D148-CA23-6C8ACD3DF6FA}"/>
-                </a:ext>
-              </a:extLst>
-            </p:cNvPr>
-            <p:cNvSpPr/>
-            <p:nvPr/>
-          </p:nvSpPr>
-          <p:spPr>
-            <a:xfrm>
-              <a:off x="262758" y="2633974"/>
-              <a:ext cx="720000" cy="720000"/>
-            </a:xfrm>
-            <a:prstGeom prst="ellipse">
-              <a:avLst/>
-            </a:prstGeom>
-            <a:solidFill>
-              <a:srgbClr val="00547F"/>
-            </a:solidFill>
-            <a:ln>
-              <a:noFill/>
-            </a:ln>
-          </p:spPr>
-          <p:style>
-            <a:lnRef idx="2">
-              <a:schemeClr val="accent1">
-                <a:shade val="50000"/>
-              </a:schemeClr>
-            </a:lnRef>
-            <a:fillRef idx="1">
-              <a:schemeClr val="accent1"/>
-            </a:fillRef>
-            <a:effectRef idx="0">
-              <a:schemeClr val="accent1"/>
-            </a:effectRef>
-            <a:fontRef idx="minor">
-              <a:schemeClr val="lt1"/>
-            </a:fontRef>
-          </p:style>
-          <p:txBody>
-            <a:bodyPr rtlCol="0" anchor="ctr"/>
-            <a:lstStyle/>
-            <a:p>
-              <a:pPr algn="ctr"/>
-              <a:endParaRPr lang="fr-FR"/>
-            </a:p>
-          </p:txBody>
-        </p:sp>
-        <p:pic>
-          <p:nvPicPr>
-            <p:cNvPr id="50" name="Image 49">
-              <a:extLst>
-                <a:ext uri="{FF2B5EF4-FFF2-40B4-BE49-F238E27FC236}">
-                  <a16:creationId xmlns:a16="http://schemas.microsoft.com/office/drawing/2014/main" id="{8D149F6C-65AE-6F5B-EA20-EC108E82F25F}"/>
-                </a:ext>
-              </a:extLst>
-            </p:cNvPr>
-            <p:cNvPicPr>
-              <a:picLocks noChangeAspect="1"/>
-            </p:cNvPicPr>
-            <p:nvPr/>
-          </p:nvPicPr>
-          <p:blipFill>
-            <a:blip r:embed="rId35"/>
-            <a:stretch>
-              <a:fillRect/>
-            </a:stretch>
-          </p:blipFill>
-          <p:spPr>
-            <a:xfrm>
-              <a:off x="363558" y="2734774"/>
-              <a:ext cx="518400" cy="518400"/>
             </a:xfrm>
             <a:prstGeom prst="rect">
               <a:avLst/>
@@ -14773,7 +16274,7 @@
         </p:nvGrpSpPr>
         <p:grpSpPr>
           <a:xfrm>
-            <a:off x="1051672" y="133118"/>
+            <a:off x="618955" y="324865"/>
             <a:ext cx="360000" cy="360000"/>
             <a:chOff x="1051672" y="133118"/>
             <a:chExt cx="720000" cy="720000"/>
@@ -14845,7 +16346,7 @@
             <p:nvPr/>
           </p:nvPicPr>
           <p:blipFill>
-            <a:blip r:embed="rId36"/>
+            <a:blip r:embed="rId53"/>
             <a:stretch>
               <a:fillRect/>
             </a:stretch>
@@ -14854,654 +16355,6 @@
             <a:xfrm>
               <a:off x="1140701" y="289890"/>
               <a:ext cx="541942" cy="406456"/>
-            </a:xfrm>
-            <a:prstGeom prst="rect">
-              <a:avLst/>
-            </a:prstGeom>
-          </p:spPr>
-        </p:pic>
-      </p:grpSp>
-      <p:pic>
-        <p:nvPicPr>
-          <p:cNvPr id="55" name="Image 54">
-            <a:extLst>
-              <a:ext uri="{FF2B5EF4-FFF2-40B4-BE49-F238E27FC236}">
-                <a16:creationId xmlns:a16="http://schemas.microsoft.com/office/drawing/2014/main" id="{4CFC8473-394A-8CAF-8627-497C06E0D21C}"/>
-              </a:ext>
-            </a:extLst>
-          </p:cNvPr>
-          <p:cNvPicPr>
-            <a:picLocks noChangeAspect="1"/>
-          </p:cNvPicPr>
-          <p:nvPr/>
-        </p:nvPicPr>
-        <p:blipFill>
-          <a:blip r:embed="rId37"/>
-          <a:stretch>
-            <a:fillRect/>
-          </a:stretch>
-        </p:blipFill>
-        <p:spPr>
-          <a:xfrm>
-            <a:off x="691672" y="3873405"/>
-            <a:ext cx="720000" cy="251650"/>
-          </a:xfrm>
-          <a:prstGeom prst="rect">
-            <a:avLst/>
-          </a:prstGeom>
-        </p:spPr>
-      </p:pic>
-      <p:grpSp>
-        <p:nvGrpSpPr>
-          <p:cNvPr id="54" name="Groupe 53">
-            <a:extLst>
-              <a:ext uri="{FF2B5EF4-FFF2-40B4-BE49-F238E27FC236}">
-                <a16:creationId xmlns:a16="http://schemas.microsoft.com/office/drawing/2014/main" id="{21672DC6-03E2-A44F-D11C-C2CEF4DE71F7}"/>
-              </a:ext>
-            </a:extLst>
-          </p:cNvPr>
-          <p:cNvGrpSpPr/>
-          <p:nvPr/>
-        </p:nvGrpSpPr>
-        <p:grpSpPr>
-          <a:xfrm>
-            <a:off x="11204667" y="3699984"/>
-            <a:ext cx="720000" cy="720000"/>
-            <a:chOff x="10405167" y="2322166"/>
-            <a:chExt cx="1800000" cy="1800000"/>
-          </a:xfrm>
-        </p:grpSpPr>
-        <p:sp>
-          <p:nvSpPr>
-            <p:cNvPr id="113" name="Ellipse 112">
-              <a:extLst>
-                <a:ext uri="{FF2B5EF4-FFF2-40B4-BE49-F238E27FC236}">
-                  <a16:creationId xmlns:a16="http://schemas.microsoft.com/office/drawing/2014/main" id="{9B082404-3881-DCA8-2846-1D7BFA43C1F7}"/>
-                </a:ext>
-              </a:extLst>
-            </p:cNvPr>
-            <p:cNvSpPr/>
-            <p:nvPr/>
-          </p:nvSpPr>
-          <p:spPr>
-            <a:xfrm>
-              <a:off x="10405167" y="2322166"/>
-              <a:ext cx="1800000" cy="1800000"/>
-            </a:xfrm>
-            <a:prstGeom prst="ellipse">
-              <a:avLst/>
-            </a:prstGeom>
-            <a:solidFill>
-              <a:srgbClr val="EF7268"/>
-            </a:solidFill>
-            <a:ln>
-              <a:noFill/>
-            </a:ln>
-          </p:spPr>
-          <p:style>
-            <a:lnRef idx="2">
-              <a:schemeClr val="accent1">
-                <a:shade val="50000"/>
-              </a:schemeClr>
-            </a:lnRef>
-            <a:fillRef idx="1">
-              <a:schemeClr val="accent1"/>
-            </a:fillRef>
-            <a:effectRef idx="0">
-              <a:schemeClr val="accent1"/>
-            </a:effectRef>
-            <a:fontRef idx="minor">
-              <a:schemeClr val="lt1"/>
-            </a:fontRef>
-          </p:style>
-          <p:txBody>
-            <a:bodyPr rtlCol="0" anchor="ctr"/>
-            <a:lstStyle/>
-            <a:p>
-              <a:pPr algn="ctr"/>
-              <a:endParaRPr lang="fr-FR" dirty="0"/>
-            </a:p>
-          </p:txBody>
-        </p:sp>
-        <p:pic>
-          <p:nvPicPr>
-            <p:cNvPr id="117" name="Image 116">
-              <a:extLst>
-                <a:ext uri="{FF2B5EF4-FFF2-40B4-BE49-F238E27FC236}">
-                  <a16:creationId xmlns:a16="http://schemas.microsoft.com/office/drawing/2014/main" id="{21472C70-8D57-5549-B6E0-A872712D6540}"/>
-                </a:ext>
-              </a:extLst>
-            </p:cNvPr>
-            <p:cNvPicPr>
-              <a:picLocks noChangeAspect="1"/>
-            </p:cNvPicPr>
-            <p:nvPr/>
-          </p:nvPicPr>
-          <p:blipFill>
-            <a:blip r:embed="rId38"/>
-            <a:stretch>
-              <a:fillRect/>
-            </a:stretch>
-          </p:blipFill>
-          <p:spPr>
-            <a:xfrm>
-              <a:off x="10546164" y="2642707"/>
-              <a:ext cx="1518007" cy="924719"/>
-            </a:xfrm>
-            <a:prstGeom prst="rect">
-              <a:avLst/>
-            </a:prstGeom>
-          </p:spPr>
-        </p:pic>
-      </p:grpSp>
-      <p:grpSp>
-        <p:nvGrpSpPr>
-          <p:cNvPr id="118" name="Groupe 117">
-            <a:extLst>
-              <a:ext uri="{FF2B5EF4-FFF2-40B4-BE49-F238E27FC236}">
-                <a16:creationId xmlns:a16="http://schemas.microsoft.com/office/drawing/2014/main" id="{1B16C636-3B9D-FCC9-07E5-9DE86B23835D}"/>
-              </a:ext>
-            </a:extLst>
-          </p:cNvPr>
-          <p:cNvGrpSpPr/>
-          <p:nvPr/>
-        </p:nvGrpSpPr>
-        <p:grpSpPr>
-          <a:xfrm>
-            <a:off x="8224868" y="1276268"/>
-            <a:ext cx="720000" cy="720000"/>
-            <a:chOff x="10405167" y="4101988"/>
-            <a:chExt cx="1800000" cy="1800000"/>
-          </a:xfrm>
-        </p:grpSpPr>
-        <p:sp>
-          <p:nvSpPr>
-            <p:cNvPr id="119" name="Ellipse 118">
-              <a:extLst>
-                <a:ext uri="{FF2B5EF4-FFF2-40B4-BE49-F238E27FC236}">
-                  <a16:creationId xmlns:a16="http://schemas.microsoft.com/office/drawing/2014/main" id="{3BB59B47-EB2B-A50D-C309-CC93FDC974A6}"/>
-                </a:ext>
-              </a:extLst>
-            </p:cNvPr>
-            <p:cNvSpPr/>
-            <p:nvPr/>
-          </p:nvSpPr>
-          <p:spPr>
-            <a:xfrm>
-              <a:off x="10405167" y="4101988"/>
-              <a:ext cx="1800000" cy="1800000"/>
-            </a:xfrm>
-            <a:prstGeom prst="ellipse">
-              <a:avLst/>
-            </a:prstGeom>
-            <a:solidFill>
-              <a:srgbClr val="08AF5E"/>
-            </a:solidFill>
-            <a:ln>
-              <a:noFill/>
-            </a:ln>
-          </p:spPr>
-          <p:style>
-            <a:lnRef idx="2">
-              <a:schemeClr val="accent1">
-                <a:shade val="50000"/>
-              </a:schemeClr>
-            </a:lnRef>
-            <a:fillRef idx="1">
-              <a:schemeClr val="accent1"/>
-            </a:fillRef>
-            <a:effectRef idx="0">
-              <a:schemeClr val="accent1"/>
-            </a:effectRef>
-            <a:fontRef idx="minor">
-              <a:schemeClr val="lt1"/>
-            </a:fontRef>
-          </p:style>
-          <p:txBody>
-            <a:bodyPr rtlCol="0" anchor="ctr"/>
-            <a:lstStyle/>
-            <a:p>
-              <a:pPr algn="ctr"/>
-              <a:endParaRPr lang="fr-FR" dirty="0"/>
-            </a:p>
-          </p:txBody>
-        </p:sp>
-        <p:pic>
-          <p:nvPicPr>
-            <p:cNvPr id="128" name="Image 127">
-              <a:extLst>
-                <a:ext uri="{FF2B5EF4-FFF2-40B4-BE49-F238E27FC236}">
-                  <a16:creationId xmlns:a16="http://schemas.microsoft.com/office/drawing/2014/main" id="{81B9017D-601C-2053-599B-D92ED643B5AE}"/>
-                </a:ext>
-              </a:extLst>
-            </p:cNvPr>
-            <p:cNvPicPr>
-              <a:picLocks noChangeAspect="1"/>
-            </p:cNvPicPr>
-            <p:nvPr/>
-          </p:nvPicPr>
-          <p:blipFill>
-            <a:blip r:embed="rId39"/>
-            <a:stretch>
-              <a:fillRect/>
-            </a:stretch>
-          </p:blipFill>
-          <p:spPr>
-            <a:xfrm>
-              <a:off x="10456414" y="4137988"/>
-              <a:ext cx="1728000" cy="1728000"/>
-            </a:xfrm>
-            <a:prstGeom prst="rect">
-              <a:avLst/>
-            </a:prstGeom>
-          </p:spPr>
-        </p:pic>
-      </p:grpSp>
-      <p:grpSp>
-        <p:nvGrpSpPr>
-          <p:cNvPr id="89" name="Groupe 88">
-            <a:extLst>
-              <a:ext uri="{FF2B5EF4-FFF2-40B4-BE49-F238E27FC236}">
-                <a16:creationId xmlns:a16="http://schemas.microsoft.com/office/drawing/2014/main" id="{996576B1-993F-251F-3D66-55CA81AEEFCD}"/>
-              </a:ext>
-            </a:extLst>
-          </p:cNvPr>
-          <p:cNvGrpSpPr/>
-          <p:nvPr/>
-        </p:nvGrpSpPr>
-        <p:grpSpPr>
-          <a:xfrm>
-            <a:off x="248950" y="956513"/>
-            <a:ext cx="360000" cy="360000"/>
-            <a:chOff x="5223986" y="2758228"/>
-            <a:chExt cx="1800000" cy="1800000"/>
-          </a:xfrm>
-        </p:grpSpPr>
-        <p:sp>
-          <p:nvSpPr>
-            <p:cNvPr id="90" name="Ellipse 89">
-              <a:extLst>
-                <a:ext uri="{FF2B5EF4-FFF2-40B4-BE49-F238E27FC236}">
-                  <a16:creationId xmlns:a16="http://schemas.microsoft.com/office/drawing/2014/main" id="{9167A067-C551-B01A-9020-F1B26310D1FD}"/>
-                </a:ext>
-              </a:extLst>
-            </p:cNvPr>
-            <p:cNvSpPr/>
-            <p:nvPr/>
-          </p:nvSpPr>
-          <p:spPr>
-            <a:xfrm>
-              <a:off x="5223986" y="2758228"/>
-              <a:ext cx="1800000" cy="1800000"/>
-            </a:xfrm>
-            <a:prstGeom prst="ellipse">
-              <a:avLst/>
-            </a:prstGeom>
-            <a:solidFill>
-              <a:srgbClr val="00517A"/>
-            </a:solidFill>
-            <a:ln>
-              <a:noFill/>
-            </a:ln>
-          </p:spPr>
-          <p:style>
-            <a:lnRef idx="2">
-              <a:schemeClr val="accent1">
-                <a:shade val="50000"/>
-              </a:schemeClr>
-            </a:lnRef>
-            <a:fillRef idx="1">
-              <a:schemeClr val="accent1"/>
-            </a:fillRef>
-            <a:effectRef idx="0">
-              <a:schemeClr val="accent1"/>
-            </a:effectRef>
-            <a:fontRef idx="minor">
-              <a:schemeClr val="lt1"/>
-            </a:fontRef>
-          </p:style>
-          <p:txBody>
-            <a:bodyPr rtlCol="0" anchor="ctr"/>
-            <a:lstStyle/>
-            <a:p>
-              <a:pPr algn="ctr"/>
-              <a:endParaRPr lang="fr-FR"/>
-            </a:p>
-          </p:txBody>
-        </p:sp>
-        <p:pic>
-          <p:nvPicPr>
-            <p:cNvPr id="91" name="Image 90">
-              <a:extLst>
-                <a:ext uri="{FF2B5EF4-FFF2-40B4-BE49-F238E27FC236}">
-                  <a16:creationId xmlns:a16="http://schemas.microsoft.com/office/drawing/2014/main" id="{EB5AF55F-DE7A-158B-A1DD-ADE126201E6E}"/>
-                </a:ext>
-              </a:extLst>
-            </p:cNvPr>
-            <p:cNvPicPr>
-              <a:picLocks noChangeAspect="1"/>
-            </p:cNvPicPr>
-            <p:nvPr/>
-          </p:nvPicPr>
-          <p:blipFill>
-            <a:blip r:embed="rId40"/>
-            <a:stretch>
-              <a:fillRect/>
-            </a:stretch>
-          </p:blipFill>
-          <p:spPr>
-            <a:xfrm>
-              <a:off x="5474001" y="3149783"/>
-              <a:ext cx="1244000" cy="937860"/>
-            </a:xfrm>
-            <a:prstGeom prst="rect">
-              <a:avLst/>
-            </a:prstGeom>
-          </p:spPr>
-        </p:pic>
-      </p:grpSp>
-      <p:grpSp>
-        <p:nvGrpSpPr>
-          <p:cNvPr id="104" name="Groupe 103">
-            <a:extLst>
-              <a:ext uri="{FF2B5EF4-FFF2-40B4-BE49-F238E27FC236}">
-                <a16:creationId xmlns:a16="http://schemas.microsoft.com/office/drawing/2014/main" id="{E583D5AF-4882-1A42-CAC4-040B77ACC4CF}"/>
-              </a:ext>
-            </a:extLst>
-          </p:cNvPr>
-          <p:cNvGrpSpPr/>
-          <p:nvPr/>
-        </p:nvGrpSpPr>
-        <p:grpSpPr>
-          <a:xfrm>
-            <a:off x="2658584" y="956513"/>
-            <a:ext cx="360000" cy="360000"/>
-            <a:chOff x="7467428" y="2677562"/>
-            <a:chExt cx="1800000" cy="1800000"/>
-          </a:xfrm>
-        </p:grpSpPr>
-        <p:sp>
-          <p:nvSpPr>
-            <p:cNvPr id="105" name="Ellipse 104">
-              <a:extLst>
-                <a:ext uri="{FF2B5EF4-FFF2-40B4-BE49-F238E27FC236}">
-                  <a16:creationId xmlns:a16="http://schemas.microsoft.com/office/drawing/2014/main" id="{CD8752AC-9DCA-40FC-0087-6C8585D70296}"/>
-                </a:ext>
-              </a:extLst>
-            </p:cNvPr>
-            <p:cNvSpPr/>
-            <p:nvPr/>
-          </p:nvSpPr>
-          <p:spPr>
-            <a:xfrm>
-              <a:off x="7467428" y="2677562"/>
-              <a:ext cx="1800000" cy="1800000"/>
-            </a:xfrm>
-            <a:prstGeom prst="ellipse">
-              <a:avLst/>
-            </a:prstGeom>
-            <a:solidFill>
-              <a:srgbClr val="00517A"/>
-            </a:solidFill>
-            <a:ln>
-              <a:noFill/>
-            </a:ln>
-          </p:spPr>
-          <p:style>
-            <a:lnRef idx="2">
-              <a:schemeClr val="accent1">
-                <a:shade val="50000"/>
-              </a:schemeClr>
-            </a:lnRef>
-            <a:fillRef idx="1">
-              <a:schemeClr val="accent1"/>
-            </a:fillRef>
-            <a:effectRef idx="0">
-              <a:schemeClr val="accent1"/>
-            </a:effectRef>
-            <a:fontRef idx="minor">
-              <a:schemeClr val="lt1"/>
-            </a:fontRef>
-          </p:style>
-          <p:txBody>
-            <a:bodyPr rtlCol="0" anchor="ctr"/>
-            <a:lstStyle/>
-            <a:p>
-              <a:pPr algn="ctr"/>
-              <a:endParaRPr lang="fr-FR" dirty="0"/>
-            </a:p>
-          </p:txBody>
-        </p:sp>
-        <p:pic>
-          <p:nvPicPr>
-            <p:cNvPr id="106" name="Image 105">
-              <a:extLst>
-                <a:ext uri="{FF2B5EF4-FFF2-40B4-BE49-F238E27FC236}">
-                  <a16:creationId xmlns:a16="http://schemas.microsoft.com/office/drawing/2014/main" id="{F9BC39F6-4D34-C8F4-B52D-570245D36BB1}"/>
-                </a:ext>
-              </a:extLst>
-            </p:cNvPr>
-            <p:cNvPicPr>
-              <a:picLocks noChangeAspect="1"/>
-            </p:cNvPicPr>
-            <p:nvPr/>
-          </p:nvPicPr>
-          <p:blipFill>
-            <a:blip r:embed="rId41"/>
-            <a:stretch>
-              <a:fillRect/>
-            </a:stretch>
-          </p:blipFill>
-          <p:spPr>
-            <a:xfrm>
-              <a:off x="7567027" y="2784504"/>
-              <a:ext cx="1592444" cy="1592444"/>
-            </a:xfrm>
-            <a:prstGeom prst="rect">
-              <a:avLst/>
-            </a:prstGeom>
-          </p:spPr>
-        </p:pic>
-      </p:grpSp>
-      <p:grpSp>
-        <p:nvGrpSpPr>
-          <p:cNvPr id="107" name="Groupe 106">
-            <a:extLst>
-              <a:ext uri="{FF2B5EF4-FFF2-40B4-BE49-F238E27FC236}">
-                <a16:creationId xmlns:a16="http://schemas.microsoft.com/office/drawing/2014/main" id="{20281016-D4B8-57DC-4DE6-F2919D06B7A2}"/>
-              </a:ext>
-            </a:extLst>
-          </p:cNvPr>
-          <p:cNvGrpSpPr/>
-          <p:nvPr/>
-        </p:nvGrpSpPr>
-        <p:grpSpPr>
-          <a:xfrm>
-            <a:off x="1855372" y="956513"/>
-            <a:ext cx="360000" cy="360000"/>
-            <a:chOff x="5404964" y="4396133"/>
-            <a:chExt cx="1800000" cy="1800000"/>
-          </a:xfrm>
-        </p:grpSpPr>
-        <p:sp>
-          <p:nvSpPr>
-            <p:cNvPr id="108" name="Ellipse 107">
-              <a:extLst>
-                <a:ext uri="{FF2B5EF4-FFF2-40B4-BE49-F238E27FC236}">
-                  <a16:creationId xmlns:a16="http://schemas.microsoft.com/office/drawing/2014/main" id="{A7526B61-6D27-E510-6A33-2645E30BB671}"/>
-                </a:ext>
-              </a:extLst>
-            </p:cNvPr>
-            <p:cNvSpPr/>
-            <p:nvPr/>
-          </p:nvSpPr>
-          <p:spPr>
-            <a:xfrm>
-              <a:off x="5404964" y="4396133"/>
-              <a:ext cx="1800000" cy="1800000"/>
-            </a:xfrm>
-            <a:prstGeom prst="ellipse">
-              <a:avLst/>
-            </a:prstGeom>
-            <a:solidFill>
-              <a:srgbClr val="00517A"/>
-            </a:solidFill>
-            <a:ln>
-              <a:noFill/>
-            </a:ln>
-          </p:spPr>
-          <p:style>
-            <a:lnRef idx="2">
-              <a:schemeClr val="accent1">
-                <a:shade val="50000"/>
-              </a:schemeClr>
-            </a:lnRef>
-            <a:fillRef idx="1">
-              <a:schemeClr val="accent1"/>
-            </a:fillRef>
-            <a:effectRef idx="0">
-              <a:schemeClr val="accent1"/>
-            </a:effectRef>
-            <a:fontRef idx="minor">
-              <a:schemeClr val="lt1"/>
-            </a:fontRef>
-          </p:style>
-          <p:txBody>
-            <a:bodyPr rtlCol="0" anchor="ctr"/>
-            <a:lstStyle/>
-            <a:p>
-              <a:pPr algn="ctr"/>
-              <a:endParaRPr lang="fr-FR"/>
-            </a:p>
-          </p:txBody>
-        </p:sp>
-        <p:pic>
-          <p:nvPicPr>
-            <p:cNvPr id="109" name="Image 108">
-              <a:extLst>
-                <a:ext uri="{FF2B5EF4-FFF2-40B4-BE49-F238E27FC236}">
-                  <a16:creationId xmlns:a16="http://schemas.microsoft.com/office/drawing/2014/main" id="{49983C91-B251-BD88-2FB4-492261589B43}"/>
-                </a:ext>
-              </a:extLst>
-            </p:cNvPr>
-            <p:cNvPicPr>
-              <a:picLocks noChangeAspect="1"/>
-            </p:cNvPicPr>
-            <p:nvPr/>
-          </p:nvPicPr>
-          <p:blipFill>
-            <a:blip r:embed="rId42"/>
-            <a:stretch>
-              <a:fillRect/>
-            </a:stretch>
-          </p:blipFill>
-          <p:spPr>
-            <a:xfrm>
-              <a:off x="5543445" y="4536296"/>
-              <a:ext cx="1358232" cy="1440000"/>
-            </a:xfrm>
-            <a:prstGeom prst="rect">
-              <a:avLst/>
-            </a:prstGeom>
-          </p:spPr>
-        </p:pic>
-      </p:grpSp>
-      <p:grpSp>
-        <p:nvGrpSpPr>
-          <p:cNvPr id="129" name="Groupe 128">
-            <a:extLst>
-              <a:ext uri="{FF2B5EF4-FFF2-40B4-BE49-F238E27FC236}">
-                <a16:creationId xmlns:a16="http://schemas.microsoft.com/office/drawing/2014/main" id="{0BF95655-5976-0D79-69C2-BAE0B9FD776B}"/>
-              </a:ext>
-            </a:extLst>
-          </p:cNvPr>
-          <p:cNvGrpSpPr/>
-          <p:nvPr/>
-        </p:nvGrpSpPr>
-        <p:grpSpPr>
-          <a:xfrm>
-            <a:off x="1052161" y="956513"/>
-            <a:ext cx="360000" cy="360000"/>
-            <a:chOff x="10216711" y="4835236"/>
-            <a:chExt cx="1800000" cy="1800000"/>
-          </a:xfrm>
-        </p:grpSpPr>
-        <p:sp>
-          <p:nvSpPr>
-            <p:cNvPr id="130" name="Ellipse 129">
-              <a:extLst>
-                <a:ext uri="{FF2B5EF4-FFF2-40B4-BE49-F238E27FC236}">
-                  <a16:creationId xmlns:a16="http://schemas.microsoft.com/office/drawing/2014/main" id="{684D32A6-35AB-52A4-2099-3B5788B67FC4}"/>
-                </a:ext>
-              </a:extLst>
-            </p:cNvPr>
-            <p:cNvSpPr/>
-            <p:nvPr/>
-          </p:nvSpPr>
-          <p:spPr>
-            <a:xfrm>
-              <a:off x="10216711" y="4835236"/>
-              <a:ext cx="1800000" cy="1800000"/>
-            </a:xfrm>
-            <a:prstGeom prst="ellipse">
-              <a:avLst/>
-            </a:prstGeom>
-            <a:solidFill>
-              <a:srgbClr val="00547F"/>
-            </a:solidFill>
-            <a:ln>
-              <a:noFill/>
-            </a:ln>
-          </p:spPr>
-          <p:style>
-            <a:lnRef idx="2">
-              <a:schemeClr val="accent1">
-                <a:shade val="50000"/>
-              </a:schemeClr>
-            </a:lnRef>
-            <a:fillRef idx="1">
-              <a:schemeClr val="accent1"/>
-            </a:fillRef>
-            <a:effectRef idx="0">
-              <a:schemeClr val="accent1"/>
-            </a:effectRef>
-            <a:fontRef idx="minor">
-              <a:schemeClr val="lt1"/>
-            </a:fontRef>
-          </p:style>
-          <p:txBody>
-            <a:bodyPr rtlCol="0" anchor="ctr"/>
-            <a:lstStyle/>
-            <a:p>
-              <a:pPr algn="ctr"/>
-              <a:endParaRPr lang="fr-FR"/>
-            </a:p>
-          </p:txBody>
-        </p:sp>
-        <p:pic>
-          <p:nvPicPr>
-            <p:cNvPr id="133" name="Image 132">
-              <a:extLst>
-                <a:ext uri="{FF2B5EF4-FFF2-40B4-BE49-F238E27FC236}">
-                  <a16:creationId xmlns:a16="http://schemas.microsoft.com/office/drawing/2014/main" id="{BD71DA60-628E-A443-B908-5ABC6C0733CE}"/>
-                </a:ext>
-              </a:extLst>
-            </p:cNvPr>
-            <p:cNvPicPr>
-              <a:picLocks noChangeAspect="1"/>
-            </p:cNvPicPr>
-            <p:nvPr/>
-          </p:nvPicPr>
-          <p:blipFill>
-            <a:blip r:embed="rId43"/>
-            <a:stretch>
-              <a:fillRect/>
-            </a:stretch>
-          </p:blipFill>
-          <p:spPr>
-            <a:xfrm flipH="1">
-              <a:off x="10382764" y="5000716"/>
-              <a:ext cx="1467894" cy="1467894"/>
             </a:xfrm>
             <a:prstGeom prst="rect">
               <a:avLst/>
@@ -15523,7 +16376,7 @@
         </p:nvGrpSpPr>
         <p:grpSpPr>
           <a:xfrm>
-            <a:off x="180936" y="247233"/>
+            <a:off x="180936" y="324865"/>
             <a:ext cx="360000" cy="360000"/>
             <a:chOff x="180936" y="247233"/>
             <a:chExt cx="360000" cy="360000"/>
@@ -15596,7 +16449,7 @@
             <p:nvPr/>
           </p:nvPicPr>
           <p:blipFill>
-            <a:blip r:embed="rId44"/>
+            <a:blip r:embed="rId54"/>
             <a:stretch>
               <a:fillRect/>
             </a:stretch>
@@ -15605,817 +16458,6 @@
             <a:xfrm rot="900000">
               <a:off x="232831" y="299127"/>
               <a:ext cx="256210" cy="256210"/>
-            </a:xfrm>
-            <a:prstGeom prst="rect">
-              <a:avLst/>
-            </a:prstGeom>
-          </p:spPr>
-        </p:pic>
-      </p:grpSp>
-      <p:grpSp>
-        <p:nvGrpSpPr>
-          <p:cNvPr id="137" name="Groupe 136">
-            <a:extLst>
-              <a:ext uri="{FF2B5EF4-FFF2-40B4-BE49-F238E27FC236}">
-                <a16:creationId xmlns:a16="http://schemas.microsoft.com/office/drawing/2014/main" id="{D710C257-C46E-4D26-13B6-9067F3FCC231}"/>
-              </a:ext>
-            </a:extLst>
-          </p:cNvPr>
-          <p:cNvGrpSpPr/>
-          <p:nvPr/>
-        </p:nvGrpSpPr>
-        <p:grpSpPr>
-          <a:xfrm>
-            <a:off x="5267988" y="149054"/>
-            <a:ext cx="720000" cy="720000"/>
-            <a:chOff x="7522214" y="3518051"/>
-            <a:chExt cx="1800000" cy="1800000"/>
-          </a:xfrm>
-        </p:grpSpPr>
-        <p:sp>
-          <p:nvSpPr>
-            <p:cNvPr id="138" name="Ellipse 137">
-              <a:extLst>
-                <a:ext uri="{FF2B5EF4-FFF2-40B4-BE49-F238E27FC236}">
-                  <a16:creationId xmlns:a16="http://schemas.microsoft.com/office/drawing/2014/main" id="{9A57FBFB-9007-6F92-87A7-5CDECEAE2589}"/>
-                </a:ext>
-              </a:extLst>
-            </p:cNvPr>
-            <p:cNvSpPr/>
-            <p:nvPr/>
-          </p:nvSpPr>
-          <p:spPr>
-            <a:xfrm>
-              <a:off x="7522214" y="3518051"/>
-              <a:ext cx="1800000" cy="1800000"/>
-            </a:xfrm>
-            <a:prstGeom prst="ellipse">
-              <a:avLst/>
-            </a:prstGeom>
-            <a:solidFill>
-              <a:srgbClr val="0C7391"/>
-            </a:solidFill>
-            <a:ln>
-              <a:noFill/>
-            </a:ln>
-          </p:spPr>
-          <p:style>
-            <a:lnRef idx="2">
-              <a:schemeClr val="accent1">
-                <a:shade val="50000"/>
-              </a:schemeClr>
-            </a:lnRef>
-            <a:fillRef idx="1">
-              <a:schemeClr val="accent1"/>
-            </a:fillRef>
-            <a:effectRef idx="0">
-              <a:schemeClr val="accent1"/>
-            </a:effectRef>
-            <a:fontRef idx="minor">
-              <a:schemeClr val="lt1"/>
-            </a:fontRef>
-          </p:style>
-          <p:txBody>
-            <a:bodyPr rtlCol="0" anchor="ctr"/>
-            <a:lstStyle/>
-            <a:p>
-              <a:pPr algn="ctr"/>
-              <a:endParaRPr lang="fr-FR"/>
-            </a:p>
-          </p:txBody>
-        </p:sp>
-        <p:pic>
-          <p:nvPicPr>
-            <p:cNvPr id="139" name="Image 138">
-              <a:extLst>
-                <a:ext uri="{FF2B5EF4-FFF2-40B4-BE49-F238E27FC236}">
-                  <a16:creationId xmlns:a16="http://schemas.microsoft.com/office/drawing/2014/main" id="{4C148A9B-3279-F0B1-08DA-A280838F7802}"/>
-                </a:ext>
-              </a:extLst>
-            </p:cNvPr>
-            <p:cNvPicPr>
-              <a:picLocks noChangeAspect="1"/>
-            </p:cNvPicPr>
-            <p:nvPr/>
-          </p:nvPicPr>
-          <p:blipFill>
-            <a:blip r:embed="rId45"/>
-            <a:stretch>
-              <a:fillRect/>
-            </a:stretch>
-          </p:blipFill>
-          <p:spPr>
-            <a:xfrm>
-              <a:off x="7717717" y="3713554"/>
-              <a:ext cx="1408994" cy="1408994"/>
-            </a:xfrm>
-            <a:prstGeom prst="rect">
-              <a:avLst/>
-            </a:prstGeom>
-          </p:spPr>
-        </p:pic>
-      </p:grpSp>
-      <p:grpSp>
-        <p:nvGrpSpPr>
-          <p:cNvPr id="92" name="Groupe 91">
-            <a:extLst>
-              <a:ext uri="{FF2B5EF4-FFF2-40B4-BE49-F238E27FC236}">
-                <a16:creationId xmlns:a16="http://schemas.microsoft.com/office/drawing/2014/main" id="{3B94BDCA-E196-2EC9-249B-FAE5745DCA92}"/>
-              </a:ext>
-            </a:extLst>
-          </p:cNvPr>
-          <p:cNvGrpSpPr/>
-          <p:nvPr/>
-        </p:nvGrpSpPr>
-        <p:grpSpPr>
-          <a:xfrm>
-            <a:off x="250828" y="1800154"/>
-            <a:ext cx="360000" cy="360000"/>
-            <a:chOff x="6744981" y="188640"/>
-            <a:chExt cx="1800000" cy="1800000"/>
-          </a:xfrm>
-        </p:grpSpPr>
-        <p:sp>
-          <p:nvSpPr>
-            <p:cNvPr id="93" name="Ellipse 92">
-              <a:extLst>
-                <a:ext uri="{FF2B5EF4-FFF2-40B4-BE49-F238E27FC236}">
-                  <a16:creationId xmlns:a16="http://schemas.microsoft.com/office/drawing/2014/main" id="{FC41EC6E-5D90-0831-BA7A-C76BD60A8960}"/>
-                </a:ext>
-              </a:extLst>
-            </p:cNvPr>
-            <p:cNvSpPr/>
-            <p:nvPr/>
-          </p:nvSpPr>
-          <p:spPr>
-            <a:xfrm>
-              <a:off x="6744981" y="188640"/>
-              <a:ext cx="1800000" cy="1800000"/>
-            </a:xfrm>
-            <a:prstGeom prst="ellipse">
-              <a:avLst/>
-            </a:prstGeom>
-            <a:solidFill>
-              <a:srgbClr val="00517A"/>
-            </a:solidFill>
-            <a:ln>
-              <a:noFill/>
-            </a:ln>
-          </p:spPr>
-          <p:style>
-            <a:lnRef idx="2">
-              <a:schemeClr val="accent1">
-                <a:shade val="50000"/>
-              </a:schemeClr>
-            </a:lnRef>
-            <a:fillRef idx="1">
-              <a:schemeClr val="accent1"/>
-            </a:fillRef>
-            <a:effectRef idx="0">
-              <a:schemeClr val="accent1"/>
-            </a:effectRef>
-            <a:fontRef idx="minor">
-              <a:schemeClr val="lt1"/>
-            </a:fontRef>
-          </p:style>
-          <p:txBody>
-            <a:bodyPr rtlCol="0" anchor="ctr"/>
-            <a:lstStyle/>
-            <a:p>
-              <a:pPr algn="ctr"/>
-              <a:endParaRPr lang="fr-FR" b="1"/>
-            </a:p>
-          </p:txBody>
-        </p:sp>
-        <p:pic>
-          <p:nvPicPr>
-            <p:cNvPr id="94" name="Image 93">
-              <a:extLst>
-                <a:ext uri="{FF2B5EF4-FFF2-40B4-BE49-F238E27FC236}">
-                  <a16:creationId xmlns:a16="http://schemas.microsoft.com/office/drawing/2014/main" id="{C0387A09-7663-BBB7-F6ED-3B1C8A82B067}"/>
-                </a:ext>
-              </a:extLst>
-            </p:cNvPr>
-            <p:cNvPicPr>
-              <a:picLocks noChangeAspect="1"/>
-            </p:cNvPicPr>
-            <p:nvPr/>
-          </p:nvPicPr>
-          <p:blipFill>
-            <a:blip r:embed="rId46"/>
-            <a:stretch>
-              <a:fillRect/>
-            </a:stretch>
-          </p:blipFill>
-          <p:spPr>
-            <a:xfrm>
-              <a:off x="7068917" y="550319"/>
-              <a:ext cx="1152128" cy="1152128"/>
-            </a:xfrm>
-            <a:prstGeom prst="rect">
-              <a:avLst/>
-            </a:prstGeom>
-          </p:spPr>
-        </p:pic>
-      </p:grpSp>
-      <p:grpSp>
-        <p:nvGrpSpPr>
-          <p:cNvPr id="140" name="Groupe 139">
-            <a:extLst>
-              <a:ext uri="{FF2B5EF4-FFF2-40B4-BE49-F238E27FC236}">
-                <a16:creationId xmlns:a16="http://schemas.microsoft.com/office/drawing/2014/main" id="{15FD8A4A-1E7E-EBA0-4582-08506DB03336}"/>
-              </a:ext>
-            </a:extLst>
-          </p:cNvPr>
-          <p:cNvGrpSpPr/>
-          <p:nvPr/>
-        </p:nvGrpSpPr>
-        <p:grpSpPr>
-          <a:xfrm>
-            <a:off x="1118582" y="1878262"/>
-            <a:ext cx="360000" cy="360000"/>
-            <a:chOff x="8612196" y="3801520"/>
-            <a:chExt cx="1800000" cy="1800000"/>
-          </a:xfrm>
-        </p:grpSpPr>
-        <p:sp>
-          <p:nvSpPr>
-            <p:cNvPr id="141" name="Ellipse 140">
-              <a:extLst>
-                <a:ext uri="{FF2B5EF4-FFF2-40B4-BE49-F238E27FC236}">
-                  <a16:creationId xmlns:a16="http://schemas.microsoft.com/office/drawing/2014/main" id="{7C5E956A-916C-CFC4-DC6D-C75125D974C5}"/>
-                </a:ext>
-              </a:extLst>
-            </p:cNvPr>
-            <p:cNvSpPr/>
-            <p:nvPr/>
-          </p:nvSpPr>
-          <p:spPr>
-            <a:xfrm>
-              <a:off x="8612196" y="3801520"/>
-              <a:ext cx="1800000" cy="1800000"/>
-            </a:xfrm>
-            <a:prstGeom prst="ellipse">
-              <a:avLst/>
-            </a:prstGeom>
-            <a:solidFill>
-              <a:srgbClr val="00547F"/>
-            </a:solidFill>
-            <a:ln>
-              <a:noFill/>
-            </a:ln>
-          </p:spPr>
-          <p:style>
-            <a:lnRef idx="2">
-              <a:schemeClr val="accent1">
-                <a:shade val="50000"/>
-              </a:schemeClr>
-            </a:lnRef>
-            <a:fillRef idx="1">
-              <a:schemeClr val="accent1"/>
-            </a:fillRef>
-            <a:effectRef idx="0">
-              <a:schemeClr val="accent1"/>
-            </a:effectRef>
-            <a:fontRef idx="minor">
-              <a:schemeClr val="lt1"/>
-            </a:fontRef>
-          </p:style>
-          <p:txBody>
-            <a:bodyPr rtlCol="0" anchor="ctr"/>
-            <a:lstStyle/>
-            <a:p>
-              <a:pPr algn="ctr"/>
-              <a:endParaRPr lang="fr-FR" b="1"/>
-            </a:p>
-          </p:txBody>
-        </p:sp>
-        <p:pic>
-          <p:nvPicPr>
-            <p:cNvPr id="142" name="Image 141">
-              <a:extLst>
-                <a:ext uri="{FF2B5EF4-FFF2-40B4-BE49-F238E27FC236}">
-                  <a16:creationId xmlns:a16="http://schemas.microsoft.com/office/drawing/2014/main" id="{B5A9F6B3-0EB3-362B-F98C-FEFF4F52045D}"/>
-                </a:ext>
-              </a:extLst>
-            </p:cNvPr>
-            <p:cNvPicPr>
-              <a:picLocks noChangeAspect="1"/>
-            </p:cNvPicPr>
-            <p:nvPr/>
-          </p:nvPicPr>
-          <p:blipFill>
-            <a:blip r:embed="rId47"/>
-            <a:stretch>
-              <a:fillRect/>
-            </a:stretch>
-          </p:blipFill>
-          <p:spPr>
-            <a:xfrm>
-              <a:off x="8696428" y="3885752"/>
-              <a:ext cx="1631536" cy="1631536"/>
-            </a:xfrm>
-            <a:prstGeom prst="rect">
-              <a:avLst/>
-            </a:prstGeom>
-          </p:spPr>
-        </p:pic>
-      </p:grpSp>
-      <p:grpSp>
-        <p:nvGrpSpPr>
-          <p:cNvPr id="143" name="Groupe 142">
-            <a:extLst>
-              <a:ext uri="{FF2B5EF4-FFF2-40B4-BE49-F238E27FC236}">
-                <a16:creationId xmlns:a16="http://schemas.microsoft.com/office/drawing/2014/main" id="{F67D81B7-BCAF-AB36-83A8-5D496AAC4477}"/>
-              </a:ext>
-            </a:extLst>
-          </p:cNvPr>
-          <p:cNvGrpSpPr/>
-          <p:nvPr/>
-        </p:nvGrpSpPr>
-        <p:grpSpPr>
-          <a:xfrm>
-            <a:off x="1863600" y="1800154"/>
-            <a:ext cx="360000" cy="360000"/>
-            <a:chOff x="6054233" y="4960569"/>
-            <a:chExt cx="1800000" cy="1800000"/>
-          </a:xfrm>
-        </p:grpSpPr>
-        <p:sp>
-          <p:nvSpPr>
-            <p:cNvPr id="144" name="Ellipse 143">
-              <a:extLst>
-                <a:ext uri="{FF2B5EF4-FFF2-40B4-BE49-F238E27FC236}">
-                  <a16:creationId xmlns:a16="http://schemas.microsoft.com/office/drawing/2014/main" id="{56E30121-4FAF-A757-98A6-E14A64C0C48E}"/>
-                </a:ext>
-              </a:extLst>
-            </p:cNvPr>
-            <p:cNvSpPr/>
-            <p:nvPr/>
-          </p:nvSpPr>
-          <p:spPr>
-            <a:xfrm>
-              <a:off x="6054233" y="4960569"/>
-              <a:ext cx="1800000" cy="1800000"/>
-            </a:xfrm>
-            <a:prstGeom prst="ellipse">
-              <a:avLst/>
-            </a:prstGeom>
-            <a:solidFill>
-              <a:srgbClr val="00547F"/>
-            </a:solidFill>
-            <a:ln>
-              <a:noFill/>
-            </a:ln>
-          </p:spPr>
-          <p:style>
-            <a:lnRef idx="2">
-              <a:schemeClr val="accent1">
-                <a:shade val="50000"/>
-              </a:schemeClr>
-            </a:lnRef>
-            <a:fillRef idx="1">
-              <a:schemeClr val="accent1"/>
-            </a:fillRef>
-            <a:effectRef idx="0">
-              <a:schemeClr val="accent1"/>
-            </a:effectRef>
-            <a:fontRef idx="minor">
-              <a:schemeClr val="lt1"/>
-            </a:fontRef>
-          </p:style>
-          <p:txBody>
-            <a:bodyPr rtlCol="0" anchor="ctr"/>
-            <a:lstStyle/>
-            <a:p>
-              <a:pPr algn="ctr"/>
-              <a:endParaRPr lang="fr-FR" b="1"/>
-            </a:p>
-          </p:txBody>
-        </p:sp>
-        <p:pic>
-          <p:nvPicPr>
-            <p:cNvPr id="145" name="Image 144">
-              <a:extLst>
-                <a:ext uri="{FF2B5EF4-FFF2-40B4-BE49-F238E27FC236}">
-                  <a16:creationId xmlns:a16="http://schemas.microsoft.com/office/drawing/2014/main" id="{9E3BEA69-49F4-7494-60E1-D4F54D7CBA43}"/>
-                </a:ext>
-              </a:extLst>
-            </p:cNvPr>
-            <p:cNvPicPr>
-              <a:picLocks noChangeAspect="1"/>
-            </p:cNvPicPr>
-            <p:nvPr/>
-          </p:nvPicPr>
-          <p:blipFill>
-            <a:blip r:embed="rId48"/>
-            <a:stretch>
-              <a:fillRect/>
-            </a:stretch>
-          </p:blipFill>
-          <p:spPr>
-            <a:xfrm>
-              <a:off x="6298697" y="5322283"/>
-              <a:ext cx="1311072" cy="1076572"/>
-            </a:xfrm>
-            <a:prstGeom prst="rect">
-              <a:avLst/>
-            </a:prstGeom>
-          </p:spPr>
-        </p:pic>
-      </p:grpSp>
-      <p:grpSp>
-        <p:nvGrpSpPr>
-          <p:cNvPr id="146" name="Groupe 145">
-            <a:extLst>
-              <a:ext uri="{FF2B5EF4-FFF2-40B4-BE49-F238E27FC236}">
-                <a16:creationId xmlns:a16="http://schemas.microsoft.com/office/drawing/2014/main" id="{0A3B1DCC-838F-6920-CA44-5C5B349A1703}"/>
-              </a:ext>
-            </a:extLst>
-          </p:cNvPr>
-          <p:cNvGrpSpPr/>
-          <p:nvPr/>
-        </p:nvGrpSpPr>
-        <p:grpSpPr>
-          <a:xfrm>
-            <a:off x="2669985" y="1800154"/>
-            <a:ext cx="360000" cy="360000"/>
-            <a:chOff x="7698044" y="3453428"/>
-            <a:chExt cx="1800000" cy="1800000"/>
-          </a:xfrm>
-        </p:grpSpPr>
-        <p:sp>
-          <p:nvSpPr>
-            <p:cNvPr id="147" name="Ellipse 146">
-              <a:extLst>
-                <a:ext uri="{FF2B5EF4-FFF2-40B4-BE49-F238E27FC236}">
-                  <a16:creationId xmlns:a16="http://schemas.microsoft.com/office/drawing/2014/main" id="{163C5995-EA4E-5519-F46C-29B83AFCCAC6}"/>
-                </a:ext>
-              </a:extLst>
-            </p:cNvPr>
-            <p:cNvSpPr/>
-            <p:nvPr/>
-          </p:nvSpPr>
-          <p:spPr>
-            <a:xfrm>
-              <a:off x="7698044" y="3453428"/>
-              <a:ext cx="1800000" cy="1800000"/>
-            </a:xfrm>
-            <a:prstGeom prst="ellipse">
-              <a:avLst/>
-            </a:prstGeom>
-            <a:solidFill>
-              <a:srgbClr val="00547F"/>
-            </a:solidFill>
-            <a:ln>
-              <a:noFill/>
-            </a:ln>
-          </p:spPr>
-          <p:style>
-            <a:lnRef idx="2">
-              <a:schemeClr val="accent1">
-                <a:shade val="50000"/>
-              </a:schemeClr>
-            </a:lnRef>
-            <a:fillRef idx="1">
-              <a:schemeClr val="accent1"/>
-            </a:fillRef>
-            <a:effectRef idx="0">
-              <a:schemeClr val="accent1"/>
-            </a:effectRef>
-            <a:fontRef idx="minor">
-              <a:schemeClr val="lt1"/>
-            </a:fontRef>
-          </p:style>
-          <p:txBody>
-            <a:bodyPr rtlCol="0" anchor="ctr"/>
-            <a:lstStyle/>
-            <a:p>
-              <a:pPr algn="ctr"/>
-              <a:endParaRPr lang="fr-FR" b="1"/>
-            </a:p>
-          </p:txBody>
-        </p:sp>
-        <p:pic>
-          <p:nvPicPr>
-            <p:cNvPr id="148" name="Image 147">
-              <a:extLst>
-                <a:ext uri="{FF2B5EF4-FFF2-40B4-BE49-F238E27FC236}">
-                  <a16:creationId xmlns:a16="http://schemas.microsoft.com/office/drawing/2014/main" id="{FA0B47E2-7114-C445-6BA1-D1670B02B8DB}"/>
-                </a:ext>
-              </a:extLst>
-            </p:cNvPr>
-            <p:cNvPicPr>
-              <a:picLocks noChangeAspect="1"/>
-            </p:cNvPicPr>
-            <p:nvPr/>
-          </p:nvPicPr>
-          <p:blipFill>
-            <a:blip r:embed="rId49"/>
-            <a:stretch>
-              <a:fillRect/>
-            </a:stretch>
-          </p:blipFill>
-          <p:spPr>
-            <a:xfrm>
-              <a:off x="7939554" y="3812716"/>
-              <a:ext cx="1316981" cy="1081424"/>
-            </a:xfrm>
-            <a:prstGeom prst="rect">
-              <a:avLst/>
-            </a:prstGeom>
-          </p:spPr>
-        </p:pic>
-      </p:grpSp>
-      <p:grpSp>
-        <p:nvGrpSpPr>
-          <p:cNvPr id="154" name="Groupe 153">
-            <a:extLst>
-              <a:ext uri="{FF2B5EF4-FFF2-40B4-BE49-F238E27FC236}">
-                <a16:creationId xmlns:a16="http://schemas.microsoft.com/office/drawing/2014/main" id="{58256B2F-3F5B-9174-CAE5-9C58C1737497}"/>
-              </a:ext>
-            </a:extLst>
-          </p:cNvPr>
-          <p:cNvGrpSpPr/>
-          <p:nvPr/>
-        </p:nvGrpSpPr>
-        <p:grpSpPr>
-          <a:xfrm>
-            <a:off x="9032546" y="1276268"/>
-            <a:ext cx="720000" cy="720000"/>
-            <a:chOff x="8494276" y="748802"/>
-            <a:chExt cx="1800000" cy="1800000"/>
-          </a:xfrm>
-        </p:grpSpPr>
-        <p:sp>
-          <p:nvSpPr>
-            <p:cNvPr id="155" name="Ellipse 154">
-              <a:extLst>
-                <a:ext uri="{FF2B5EF4-FFF2-40B4-BE49-F238E27FC236}">
-                  <a16:creationId xmlns:a16="http://schemas.microsoft.com/office/drawing/2014/main" id="{0FFDFA90-5F1E-BA9F-D38F-49792ADC5ACA}"/>
-                </a:ext>
-              </a:extLst>
-            </p:cNvPr>
-            <p:cNvSpPr/>
-            <p:nvPr/>
-          </p:nvSpPr>
-          <p:spPr>
-            <a:xfrm>
-              <a:off x="8494276" y="748802"/>
-              <a:ext cx="1800000" cy="1800000"/>
-            </a:xfrm>
-            <a:prstGeom prst="ellipse">
-              <a:avLst/>
-            </a:prstGeom>
-            <a:solidFill>
-              <a:srgbClr val="08AF5E"/>
-            </a:solidFill>
-            <a:ln>
-              <a:noFill/>
-            </a:ln>
-          </p:spPr>
-          <p:style>
-            <a:lnRef idx="2">
-              <a:schemeClr val="accent1">
-                <a:shade val="50000"/>
-              </a:schemeClr>
-            </a:lnRef>
-            <a:fillRef idx="1">
-              <a:schemeClr val="accent1"/>
-            </a:fillRef>
-            <a:effectRef idx="0">
-              <a:schemeClr val="accent1"/>
-            </a:effectRef>
-            <a:fontRef idx="minor">
-              <a:schemeClr val="lt1"/>
-            </a:fontRef>
-          </p:style>
-          <p:txBody>
-            <a:bodyPr rtlCol="0" anchor="ctr"/>
-            <a:lstStyle/>
-            <a:p>
-              <a:pPr algn="ctr"/>
-              <a:endParaRPr lang="fr-FR" dirty="0"/>
-            </a:p>
-          </p:txBody>
-        </p:sp>
-        <p:pic>
-          <p:nvPicPr>
-            <p:cNvPr id="156" name="Image 155">
-              <a:extLst>
-                <a:ext uri="{FF2B5EF4-FFF2-40B4-BE49-F238E27FC236}">
-                  <a16:creationId xmlns:a16="http://schemas.microsoft.com/office/drawing/2014/main" id="{0A3D4FCB-4A79-0B5D-FE3B-3E76079681A6}"/>
-                </a:ext>
-              </a:extLst>
-            </p:cNvPr>
-            <p:cNvPicPr>
-              <a:picLocks noChangeAspect="1"/>
-            </p:cNvPicPr>
-            <p:nvPr/>
-          </p:nvPicPr>
-          <p:blipFill>
-            <a:blip r:embed="rId50"/>
-            <a:stretch>
-              <a:fillRect/>
-            </a:stretch>
-          </p:blipFill>
-          <p:spPr>
-            <a:xfrm>
-              <a:off x="8943232" y="938192"/>
-              <a:ext cx="902088" cy="1440000"/>
-            </a:xfrm>
-            <a:prstGeom prst="rect">
-              <a:avLst/>
-            </a:prstGeom>
-          </p:spPr>
-        </p:pic>
-      </p:grpSp>
-      <p:pic>
-        <p:nvPicPr>
-          <p:cNvPr id="168" name="Image 167">
-            <a:extLst>
-              <a:ext uri="{FF2B5EF4-FFF2-40B4-BE49-F238E27FC236}">
-                <a16:creationId xmlns:a16="http://schemas.microsoft.com/office/drawing/2014/main" id="{3226BD3D-BFB9-377F-79C6-17CEDCD41445}"/>
-              </a:ext>
-            </a:extLst>
-          </p:cNvPr>
-          <p:cNvPicPr>
-            <a:picLocks noChangeAspect="1"/>
-          </p:cNvPicPr>
-          <p:nvPr/>
-        </p:nvPicPr>
-        <p:blipFill>
-          <a:blip r:embed="rId51"/>
-          <a:stretch>
-            <a:fillRect/>
-          </a:stretch>
-        </p:blipFill>
-        <p:spPr>
-          <a:xfrm>
-            <a:off x="8989225" y="2712728"/>
-            <a:ext cx="720000" cy="720000"/>
-          </a:xfrm>
-          <a:prstGeom prst="rect">
-            <a:avLst/>
-          </a:prstGeom>
-        </p:spPr>
-      </p:pic>
-      <p:pic>
-        <p:nvPicPr>
-          <p:cNvPr id="169" name="Image 168">
-            <a:extLst>
-              <a:ext uri="{FF2B5EF4-FFF2-40B4-BE49-F238E27FC236}">
-                <a16:creationId xmlns:a16="http://schemas.microsoft.com/office/drawing/2014/main" id="{E6A63A40-FC35-A62D-CD46-743B5AA4534D}"/>
-              </a:ext>
-            </a:extLst>
-          </p:cNvPr>
-          <p:cNvPicPr>
-            <a:picLocks noChangeAspect="1"/>
-          </p:cNvPicPr>
-          <p:nvPr/>
-        </p:nvPicPr>
-        <p:blipFill>
-          <a:blip r:embed="rId52"/>
-          <a:stretch>
-            <a:fillRect/>
-          </a:stretch>
-        </p:blipFill>
-        <p:spPr>
-          <a:xfrm>
-            <a:off x="8129680" y="3021701"/>
-            <a:ext cx="720000" cy="263790"/>
-          </a:xfrm>
-          <a:prstGeom prst="rect">
-            <a:avLst/>
-          </a:prstGeom>
-        </p:spPr>
-      </p:pic>
-      <p:pic>
-        <p:nvPicPr>
-          <p:cNvPr id="18" name="Image 17">
-            <a:extLst>
-              <a:ext uri="{FF2B5EF4-FFF2-40B4-BE49-F238E27FC236}">
-                <a16:creationId xmlns:a16="http://schemas.microsoft.com/office/drawing/2014/main" id="{52E96551-8F2C-1928-4A93-786E71F001F6}"/>
-              </a:ext>
-            </a:extLst>
-          </p:cNvPr>
-          <p:cNvPicPr>
-            <a:picLocks noChangeAspect="1"/>
-          </p:cNvPicPr>
-          <p:nvPr/>
-        </p:nvPicPr>
-        <p:blipFill>
-          <a:blip r:embed="rId53"/>
-          <a:stretch>
-            <a:fillRect/>
-          </a:stretch>
-        </p:blipFill>
-        <p:spPr>
-          <a:xfrm>
-            <a:off x="8852128" y="2055776"/>
-            <a:ext cx="360000" cy="360000"/>
-          </a:xfrm>
-          <a:prstGeom prst="rect">
-            <a:avLst/>
-          </a:prstGeom>
-        </p:spPr>
-      </p:pic>
-      <p:grpSp>
-        <p:nvGrpSpPr>
-          <p:cNvPr id="114" name="Groupe 113">
-            <a:extLst>
-              <a:ext uri="{FF2B5EF4-FFF2-40B4-BE49-F238E27FC236}">
-                <a16:creationId xmlns:a16="http://schemas.microsoft.com/office/drawing/2014/main" id="{D9EF01D1-C91F-C75A-242D-4D80BED11B8F}"/>
-              </a:ext>
-            </a:extLst>
-          </p:cNvPr>
-          <p:cNvGrpSpPr/>
-          <p:nvPr/>
-        </p:nvGrpSpPr>
-        <p:grpSpPr>
-          <a:xfrm>
-            <a:off x="10441958" y="3705191"/>
-            <a:ext cx="720000" cy="720000"/>
-            <a:chOff x="10441958" y="3705191"/>
-            <a:chExt cx="720000" cy="720000"/>
-          </a:xfrm>
-        </p:grpSpPr>
-        <p:sp>
-          <p:nvSpPr>
-            <p:cNvPr id="51" name="Ellipse 50">
-              <a:extLst>
-                <a:ext uri="{FF2B5EF4-FFF2-40B4-BE49-F238E27FC236}">
-                  <a16:creationId xmlns:a16="http://schemas.microsoft.com/office/drawing/2014/main" id="{EC0AC37B-E26A-4478-68CF-0BA720B99B25}"/>
-                </a:ext>
-              </a:extLst>
-            </p:cNvPr>
-            <p:cNvSpPr/>
-            <p:nvPr/>
-          </p:nvSpPr>
-          <p:spPr>
-            <a:xfrm>
-              <a:off x="10441958" y="3705191"/>
-              <a:ext cx="720000" cy="720000"/>
-            </a:xfrm>
-            <a:prstGeom prst="ellipse">
-              <a:avLst/>
-            </a:prstGeom>
-            <a:solidFill>
-              <a:srgbClr val="EF7268"/>
-            </a:solidFill>
-            <a:ln>
-              <a:noFill/>
-            </a:ln>
-          </p:spPr>
-          <p:style>
-            <a:lnRef idx="2">
-              <a:schemeClr val="accent1">
-                <a:shade val="50000"/>
-              </a:schemeClr>
-            </a:lnRef>
-            <a:fillRef idx="1">
-              <a:schemeClr val="accent1"/>
-            </a:fillRef>
-            <a:effectRef idx="0">
-              <a:schemeClr val="accent1"/>
-            </a:effectRef>
-            <a:fontRef idx="minor">
-              <a:schemeClr val="lt1"/>
-            </a:fontRef>
-          </p:style>
-          <p:txBody>
-            <a:bodyPr rtlCol="0" anchor="ctr"/>
-            <a:lstStyle/>
-            <a:p>
-              <a:pPr algn="ctr"/>
-              <a:endParaRPr lang="fr-FR" dirty="0"/>
-            </a:p>
-          </p:txBody>
-        </p:sp>
-        <p:pic>
-          <p:nvPicPr>
-            <p:cNvPr id="101" name="Image 100">
-              <a:extLst>
-                <a:ext uri="{FF2B5EF4-FFF2-40B4-BE49-F238E27FC236}">
-                  <a16:creationId xmlns:a16="http://schemas.microsoft.com/office/drawing/2014/main" id="{AD01D70A-74D2-2687-4B5D-5652318A696F}"/>
-                </a:ext>
-              </a:extLst>
-            </p:cNvPr>
-            <p:cNvPicPr>
-              <a:picLocks noChangeAspect="1"/>
-            </p:cNvPicPr>
-            <p:nvPr/>
-          </p:nvPicPr>
-          <p:blipFill>
-            <a:blip r:embed="rId54"/>
-            <a:stretch>
-              <a:fillRect/>
-            </a:stretch>
-          </p:blipFill>
-          <p:spPr>
-            <a:xfrm>
-              <a:off x="10566042" y="3862171"/>
-              <a:ext cx="471833" cy="471833"/>
             </a:xfrm>
             <a:prstGeom prst="rect">
               <a:avLst/>
@@ -16437,8 +16479,8 @@
         </p:nvGrpSpPr>
         <p:grpSpPr>
           <a:xfrm>
-            <a:off x="3442488" y="111396"/>
-            <a:ext cx="720000" cy="720000"/>
+            <a:off x="1933013" y="324865"/>
+            <a:ext cx="360000" cy="360000"/>
             <a:chOff x="-2063262" y="2086237"/>
             <a:chExt cx="1800000" cy="1800000"/>
           </a:xfrm>
@@ -16540,8 +16582,8 @@
         </p:nvGrpSpPr>
         <p:grpSpPr>
           <a:xfrm>
-            <a:off x="7745562" y="5717966"/>
-            <a:ext cx="720000" cy="720000"/>
+            <a:off x="7579446" y="5396947"/>
+            <a:ext cx="360000" cy="360000"/>
             <a:chOff x="3860760" y="1901279"/>
             <a:chExt cx="1800000" cy="1800000"/>
           </a:xfrm>
@@ -16732,6 +16774,36 @@
           </p:spPr>
         </p:pic>
       </p:grpSp>
+      <p:pic>
+        <p:nvPicPr>
+          <p:cNvPr id="179" name="Image 178">
+            <a:extLst>
+              <a:ext uri="{FF2B5EF4-FFF2-40B4-BE49-F238E27FC236}">
+                <a16:creationId xmlns:a16="http://schemas.microsoft.com/office/drawing/2014/main" id="{CDBE79FC-9BCA-69B6-7276-FA155FB3F7E1}"/>
+              </a:ext>
+            </a:extLst>
+          </p:cNvPr>
+          <p:cNvPicPr>
+            <a:picLocks noChangeAspect="1"/>
+          </p:cNvPicPr>
+          <p:nvPr/>
+        </p:nvPicPr>
+        <p:blipFill>
+          <a:blip r:embed="rId58"/>
+          <a:stretch>
+            <a:fillRect/>
+          </a:stretch>
+        </p:blipFill>
+        <p:spPr>
+          <a:xfrm>
+            <a:off x="9826630" y="2712728"/>
+            <a:ext cx="349271" cy="720000"/>
+          </a:xfrm>
+          <a:prstGeom prst="rect">
+            <a:avLst/>
+          </a:prstGeom>
+        </p:spPr>
+      </p:pic>
     </p:spTree>
     <p:extLst>
       <p:ext uri="{BB962C8B-B14F-4D97-AF65-F5344CB8AC3E}">

--- a/ChaineFonctionnelle_V2.pptx
+++ b/ChaineFonctionnelle_V2.pptx
@@ -5,13 +5,14 @@
     <p:sldMasterId id="2147483648" r:id="rId1"/>
   </p:sldMasterIdLst>
   <p:notesMasterIdLst>
-    <p:notesMasterId r:id="rId6"/>
+    <p:notesMasterId r:id="rId7"/>
   </p:notesMasterIdLst>
   <p:sldIdLst>
     <p:sldId id="256" r:id="rId2"/>
     <p:sldId id="257" r:id="rId3"/>
-    <p:sldId id="258" r:id="rId4"/>
-    <p:sldId id="260" r:id="rId5"/>
+    <p:sldId id="261" r:id="rId4"/>
+    <p:sldId id="258" r:id="rId5"/>
+    <p:sldId id="260" r:id="rId6"/>
   </p:sldIdLst>
   <p:sldSz cx="12192000" cy="6858000"/>
   <p:notesSz cx="6858000" cy="9144000"/>
@@ -211,7 +212,7 @@
           <a:p>
             <a:fld id="{302BE938-A2A1-499B-8D27-FFAE69A40805}" type="datetimeFigureOut">
               <a:rPr lang="fr-FR" smtClean="0"/>
-              <a:t>07/04/2023</a:t>
+              <a:t>13/04/2023</a:t>
             </a:fld>
             <a:endParaRPr lang="fr-FR"/>
           </a:p>
@@ -543,7 +544,7 @@
           <a:p>
             <a:fld id="{57F3F931-F6EA-41F1-BD88-1A7C80CAA616}" type="slidenum">
               <a:rPr lang="fr-FR" smtClean="0"/>
-              <a:t>3</a:t>
+              <a:t>4</a:t>
             </a:fld>
             <a:endParaRPr lang="fr-FR"/>
           </a:p>
@@ -709,7 +710,7 @@
           <a:p>
             <a:fld id="{CBBDF585-21ED-4D60-8F93-A9937640259B}" type="datetimeFigureOut">
               <a:rPr lang="fr-FR" smtClean="0"/>
-              <a:t>07/04/2023</a:t>
+              <a:t>13/04/2023</a:t>
             </a:fld>
             <a:endParaRPr lang="fr-FR"/>
           </a:p>
@@ -907,7 +908,7 @@
           <a:p>
             <a:fld id="{CBBDF585-21ED-4D60-8F93-A9937640259B}" type="datetimeFigureOut">
               <a:rPr lang="fr-FR" smtClean="0"/>
-              <a:t>07/04/2023</a:t>
+              <a:t>13/04/2023</a:t>
             </a:fld>
             <a:endParaRPr lang="fr-FR"/>
           </a:p>
@@ -1115,7 +1116,7 @@
           <a:p>
             <a:fld id="{CBBDF585-21ED-4D60-8F93-A9937640259B}" type="datetimeFigureOut">
               <a:rPr lang="fr-FR" smtClean="0"/>
-              <a:t>07/04/2023</a:t>
+              <a:t>13/04/2023</a:t>
             </a:fld>
             <a:endParaRPr lang="fr-FR"/>
           </a:p>
@@ -1313,7 +1314,7 @@
           <a:p>
             <a:fld id="{CBBDF585-21ED-4D60-8F93-A9937640259B}" type="datetimeFigureOut">
               <a:rPr lang="fr-FR" smtClean="0"/>
-              <a:t>07/04/2023</a:t>
+              <a:t>13/04/2023</a:t>
             </a:fld>
             <a:endParaRPr lang="fr-FR"/>
           </a:p>
@@ -1588,7 +1589,7 @@
           <a:p>
             <a:fld id="{CBBDF585-21ED-4D60-8F93-A9937640259B}" type="datetimeFigureOut">
               <a:rPr lang="fr-FR" smtClean="0"/>
-              <a:t>07/04/2023</a:t>
+              <a:t>13/04/2023</a:t>
             </a:fld>
             <a:endParaRPr lang="fr-FR"/>
           </a:p>
@@ -1853,7 +1854,7 @@
           <a:p>
             <a:fld id="{CBBDF585-21ED-4D60-8F93-A9937640259B}" type="datetimeFigureOut">
               <a:rPr lang="fr-FR" smtClean="0"/>
-              <a:t>07/04/2023</a:t>
+              <a:t>13/04/2023</a:t>
             </a:fld>
             <a:endParaRPr lang="fr-FR"/>
           </a:p>
@@ -2265,7 +2266,7 @@
           <a:p>
             <a:fld id="{CBBDF585-21ED-4D60-8F93-A9937640259B}" type="datetimeFigureOut">
               <a:rPr lang="fr-FR" smtClean="0"/>
-              <a:t>07/04/2023</a:t>
+              <a:t>13/04/2023</a:t>
             </a:fld>
             <a:endParaRPr lang="fr-FR"/>
           </a:p>
@@ -2406,7 +2407,7 @@
           <a:p>
             <a:fld id="{CBBDF585-21ED-4D60-8F93-A9937640259B}" type="datetimeFigureOut">
               <a:rPr lang="fr-FR" smtClean="0"/>
-              <a:t>07/04/2023</a:t>
+              <a:t>13/04/2023</a:t>
             </a:fld>
             <a:endParaRPr lang="fr-FR"/>
           </a:p>
@@ -2519,7 +2520,7 @@
           <a:p>
             <a:fld id="{CBBDF585-21ED-4D60-8F93-A9937640259B}" type="datetimeFigureOut">
               <a:rPr lang="fr-FR" smtClean="0"/>
-              <a:t>07/04/2023</a:t>
+              <a:t>13/04/2023</a:t>
             </a:fld>
             <a:endParaRPr lang="fr-FR"/>
           </a:p>
@@ -2830,7 +2831,7 @@
           <a:p>
             <a:fld id="{CBBDF585-21ED-4D60-8F93-A9937640259B}" type="datetimeFigureOut">
               <a:rPr lang="fr-FR" smtClean="0"/>
-              <a:t>07/04/2023</a:t>
+              <a:t>13/04/2023</a:t>
             </a:fld>
             <a:endParaRPr lang="fr-FR"/>
           </a:p>
@@ -3118,7 +3119,7 @@
           <a:p>
             <a:fld id="{CBBDF585-21ED-4D60-8F93-A9937640259B}" type="datetimeFigureOut">
               <a:rPr lang="fr-FR" smtClean="0"/>
-              <a:t>07/04/2023</a:t>
+              <a:t>13/04/2023</a:t>
             </a:fld>
             <a:endParaRPr lang="fr-FR"/>
           </a:p>
@@ -3359,7 +3360,7 @@
           <a:p>
             <a:fld id="{CBBDF585-21ED-4D60-8F93-A9937640259B}" type="datetimeFigureOut">
               <a:rPr lang="fr-FR" smtClean="0"/>
-              <a:t>07/04/2023</a:t>
+              <a:t>13/04/2023</a:t>
             </a:fld>
             <a:endParaRPr lang="fr-FR"/>
           </a:p>
@@ -10551,10 +10552,10 @@
       </p:grpSpPr>
       <p:grpSp>
         <p:nvGrpSpPr>
-          <p:cNvPr id="77" name="Groupe 76">
-            <a:extLst>
-              <a:ext uri="{FF2B5EF4-FFF2-40B4-BE49-F238E27FC236}">
-                <a16:creationId xmlns:a16="http://schemas.microsoft.com/office/drawing/2014/main" id="{185287AF-6567-8D21-86E7-8DCC01273AC1}"/>
+          <p:cNvPr id="9" name="Groupe 8">
+            <a:extLst>
+              <a:ext uri="{FF2B5EF4-FFF2-40B4-BE49-F238E27FC236}">
+                <a16:creationId xmlns:a16="http://schemas.microsoft.com/office/drawing/2014/main" id="{B3ACD2AB-5C99-37A5-79E3-1E02D33B6B1D}"/>
               </a:ext>
             </a:extLst>
           </p:cNvPr>
@@ -10563,7 +10564,243 @@
         </p:nvGrpSpPr>
         <p:grpSpPr>
           <a:xfrm>
-            <a:off x="8886040" y="6279742"/>
+            <a:off x="-14097" y="1800000"/>
+            <a:ext cx="1800000" cy="1800000"/>
+            <a:chOff x="1957497" y="1868377"/>
+            <a:chExt cx="1800000" cy="1800000"/>
+          </a:xfrm>
+        </p:grpSpPr>
+        <p:sp>
+          <p:nvSpPr>
+            <p:cNvPr id="7" name="Ellipse 6">
+              <a:extLst>
+                <a:ext uri="{FF2B5EF4-FFF2-40B4-BE49-F238E27FC236}">
+                  <a16:creationId xmlns:a16="http://schemas.microsoft.com/office/drawing/2014/main" id="{8E2B7FD7-77A4-C811-D5F1-89A6AD56F6F8}"/>
+                </a:ext>
+              </a:extLst>
+            </p:cNvPr>
+            <p:cNvSpPr/>
+            <p:nvPr/>
+          </p:nvSpPr>
+          <p:spPr>
+            <a:xfrm>
+              <a:off x="1957497" y="1868377"/>
+              <a:ext cx="1800000" cy="1800000"/>
+            </a:xfrm>
+            <a:prstGeom prst="ellipse">
+              <a:avLst/>
+            </a:prstGeom>
+            <a:solidFill>
+              <a:srgbClr val="EF7268"/>
+            </a:solidFill>
+            <a:ln>
+              <a:noFill/>
+            </a:ln>
+          </p:spPr>
+          <p:style>
+            <a:lnRef idx="2">
+              <a:schemeClr val="accent1">
+                <a:shade val="50000"/>
+              </a:schemeClr>
+            </a:lnRef>
+            <a:fillRef idx="1">
+              <a:schemeClr val="accent1"/>
+            </a:fillRef>
+            <a:effectRef idx="0">
+              <a:schemeClr val="accent1"/>
+            </a:effectRef>
+            <a:fontRef idx="minor">
+              <a:schemeClr val="lt1"/>
+            </a:fontRef>
+          </p:style>
+          <p:txBody>
+            <a:bodyPr rtlCol="0" anchor="ctr"/>
+            <a:lstStyle/>
+            <a:p>
+              <a:pPr algn="ctr"/>
+              <a:endParaRPr lang="fr-FR" dirty="0"/>
+            </a:p>
+          </p:txBody>
+        </p:sp>
+        <p:pic>
+          <p:nvPicPr>
+            <p:cNvPr id="8" name="Image 7">
+              <a:extLst>
+                <a:ext uri="{FF2B5EF4-FFF2-40B4-BE49-F238E27FC236}">
+                  <a16:creationId xmlns:a16="http://schemas.microsoft.com/office/drawing/2014/main" id="{F0BBE330-495A-2FA3-E5C0-ADB532740955}"/>
+                </a:ext>
+              </a:extLst>
+            </p:cNvPr>
+            <p:cNvPicPr>
+              <a:picLocks noChangeAspect="1"/>
+            </p:cNvPicPr>
+            <p:nvPr/>
+          </p:nvPicPr>
+          <p:blipFill>
+            <a:blip r:embed="rId2"/>
+            <a:stretch>
+              <a:fillRect/>
+            </a:stretch>
+          </p:blipFill>
+          <p:spPr>
+            <a:xfrm>
+              <a:off x="2083411" y="2343878"/>
+              <a:ext cx="1548172" cy="848998"/>
+            </a:xfrm>
+            <a:prstGeom prst="rect">
+              <a:avLst/>
+            </a:prstGeom>
+          </p:spPr>
+        </p:pic>
+      </p:grpSp>
+      <p:grpSp>
+        <p:nvGrpSpPr>
+          <p:cNvPr id="14" name="Groupe 13">
+            <a:extLst>
+              <a:ext uri="{FF2B5EF4-FFF2-40B4-BE49-F238E27FC236}">
+                <a16:creationId xmlns:a16="http://schemas.microsoft.com/office/drawing/2014/main" id="{DE95D444-FB54-716D-031F-EF0234564E19}"/>
+              </a:ext>
+            </a:extLst>
+          </p:cNvPr>
+          <p:cNvGrpSpPr/>
+          <p:nvPr/>
+        </p:nvGrpSpPr>
+        <p:grpSpPr>
+          <a:xfrm>
+            <a:off x="0" y="0"/>
+            <a:ext cx="1800000" cy="1800000"/>
+            <a:chOff x="7534505" y="2636912"/>
+            <a:chExt cx="1800000" cy="1800000"/>
+          </a:xfrm>
+        </p:grpSpPr>
+        <p:sp>
+          <p:nvSpPr>
+            <p:cNvPr id="12" name="Ellipse 11">
+              <a:extLst>
+                <a:ext uri="{FF2B5EF4-FFF2-40B4-BE49-F238E27FC236}">
+                  <a16:creationId xmlns:a16="http://schemas.microsoft.com/office/drawing/2014/main" id="{06FFB4CD-24B8-BCFC-1F00-EEF8E53FF8AD}"/>
+                </a:ext>
+              </a:extLst>
+            </p:cNvPr>
+            <p:cNvSpPr/>
+            <p:nvPr/>
+          </p:nvSpPr>
+          <p:spPr>
+            <a:xfrm>
+              <a:off x="7534505" y="2636912"/>
+              <a:ext cx="1800000" cy="1800000"/>
+            </a:xfrm>
+            <a:prstGeom prst="ellipse">
+              <a:avLst/>
+            </a:prstGeom>
+            <a:solidFill>
+              <a:srgbClr val="EF7268"/>
+            </a:solidFill>
+            <a:ln>
+              <a:noFill/>
+            </a:ln>
+          </p:spPr>
+          <p:style>
+            <a:lnRef idx="2">
+              <a:schemeClr val="accent1">
+                <a:shade val="50000"/>
+              </a:schemeClr>
+            </a:lnRef>
+            <a:fillRef idx="1">
+              <a:schemeClr val="accent1"/>
+            </a:fillRef>
+            <a:effectRef idx="0">
+              <a:schemeClr val="accent1"/>
+            </a:effectRef>
+            <a:fontRef idx="minor">
+              <a:schemeClr val="lt1"/>
+            </a:fontRef>
+          </p:style>
+          <p:txBody>
+            <a:bodyPr rtlCol="0" anchor="ctr"/>
+            <a:lstStyle/>
+            <a:p>
+              <a:pPr algn="ctr"/>
+              <a:endParaRPr lang="fr-FR" dirty="0"/>
+            </a:p>
+          </p:txBody>
+        </p:sp>
+        <p:pic>
+          <p:nvPicPr>
+            <p:cNvPr id="13" name="Image 12">
+              <a:extLst>
+                <a:ext uri="{FF2B5EF4-FFF2-40B4-BE49-F238E27FC236}">
+                  <a16:creationId xmlns:a16="http://schemas.microsoft.com/office/drawing/2014/main" id="{31A0C486-09AA-6E58-6677-025341C5EC02}"/>
+                </a:ext>
+              </a:extLst>
+            </p:cNvPr>
+            <p:cNvPicPr>
+              <a:picLocks noChangeAspect="1"/>
+            </p:cNvPicPr>
+            <p:nvPr/>
+          </p:nvPicPr>
+          <p:blipFill>
+            <a:blip r:embed="rId3"/>
+            <a:stretch>
+              <a:fillRect/>
+            </a:stretch>
+          </p:blipFill>
+          <p:spPr>
+            <a:xfrm>
+              <a:off x="7630919" y="3092160"/>
+              <a:ext cx="1607172" cy="889504"/>
+            </a:xfrm>
+            <a:prstGeom prst="rect">
+              <a:avLst/>
+            </a:prstGeom>
+          </p:spPr>
+        </p:pic>
+      </p:grpSp>
+    </p:spTree>
+    <p:extLst>
+      <p:ext uri="{BB962C8B-B14F-4D97-AF65-F5344CB8AC3E}">
+        <p14:creationId xmlns:p14="http://schemas.microsoft.com/office/powerpoint/2010/main" val="2542040198"/>
+      </p:ext>
+    </p:extLst>
+  </p:cSld>
+  <p:clrMapOvr>
+    <a:masterClrMapping/>
+  </p:clrMapOvr>
+</p:sld>
+</file>
+
+<file path=ppt/slides/slide4.xml><?xml version="1.0" encoding="utf-8"?>
+<p:sld xmlns:a="http://schemas.openxmlformats.org/drawingml/2006/main" xmlns:r="http://schemas.openxmlformats.org/officeDocument/2006/relationships" xmlns:p="http://schemas.openxmlformats.org/presentationml/2006/main">
+  <p:cSld>
+    <p:spTree>
+      <p:nvGrpSpPr>
+        <p:cNvPr id="1" name=""/>
+        <p:cNvGrpSpPr/>
+        <p:nvPr/>
+      </p:nvGrpSpPr>
+      <p:grpSpPr>
+        <a:xfrm>
+          <a:off x="0" y="0"/>
+          <a:ext cx="0" cy="0"/>
+          <a:chOff x="0" y="0"/>
+          <a:chExt cx="0" cy="0"/>
+        </a:xfrm>
+      </p:grpSpPr>
+      <p:grpSp>
+        <p:nvGrpSpPr>
+          <p:cNvPr id="77" name="Groupe 76">
+            <a:extLst>
+              <a:ext uri="{FF2B5EF4-FFF2-40B4-BE49-F238E27FC236}">
+                <a16:creationId xmlns:a16="http://schemas.microsoft.com/office/drawing/2014/main" id="{185287AF-6567-8D21-86E7-8DCC01273AC1}"/>
+              </a:ext>
+            </a:extLst>
+          </p:cNvPr>
+          <p:cNvGrpSpPr/>
+          <p:nvPr/>
+        </p:nvGrpSpPr>
+        <p:grpSpPr>
+          <a:xfrm>
+            <a:off x="8586295" y="6278527"/>
             <a:ext cx="463240" cy="360000"/>
             <a:chOff x="4476612" y="5880432"/>
             <a:chExt cx="1010860" cy="720000"/>
@@ -12963,7 +13200,7 @@
         </p:nvGrpSpPr>
         <p:grpSpPr>
           <a:xfrm>
-            <a:off x="8376824" y="6283076"/>
+            <a:off x="8139651" y="6279742"/>
             <a:ext cx="360000" cy="360000"/>
             <a:chOff x="6192322" y="2195517"/>
             <a:chExt cx="1800000" cy="1800000"/>
@@ -14688,10 +14925,10 @@
       </p:grpSp>
       <p:grpSp>
         <p:nvGrpSpPr>
-          <p:cNvPr id="175" name="Groupe 174">
-            <a:extLst>
-              <a:ext uri="{FF2B5EF4-FFF2-40B4-BE49-F238E27FC236}">
-                <a16:creationId xmlns:a16="http://schemas.microsoft.com/office/drawing/2014/main" id="{F2520C47-DA6E-E5FB-BEE2-44E7169BDF77}"/>
+          <p:cNvPr id="89" name="Groupe 88">
+            <a:extLst>
+              <a:ext uri="{FF2B5EF4-FFF2-40B4-BE49-F238E27FC236}">
+                <a16:creationId xmlns:a16="http://schemas.microsoft.com/office/drawing/2014/main" id="{996576B1-993F-251F-3D66-55CA81AEEFCD}"/>
               </a:ext>
             </a:extLst>
           </p:cNvPr>
@@ -14701,533 +14938,718 @@
         <p:grpSpPr>
           <a:xfrm>
             <a:off x="178995" y="851142"/>
-            <a:ext cx="2114018" cy="360000"/>
-            <a:chOff x="178995" y="824020"/>
-            <a:chExt cx="2114018" cy="360000"/>
+            <a:ext cx="360000" cy="360000"/>
+            <a:chOff x="5223986" y="2758228"/>
+            <a:chExt cx="1800000" cy="1800000"/>
           </a:xfrm>
         </p:grpSpPr>
-        <p:grpSp>
-          <p:nvGrpSpPr>
-            <p:cNvPr id="89" name="Groupe 88">
-              <a:extLst>
-                <a:ext uri="{FF2B5EF4-FFF2-40B4-BE49-F238E27FC236}">
-                  <a16:creationId xmlns:a16="http://schemas.microsoft.com/office/drawing/2014/main" id="{996576B1-993F-251F-3D66-55CA81AEEFCD}"/>
-                </a:ext>
-              </a:extLst>
-            </p:cNvPr>
-            <p:cNvGrpSpPr/>
-            <p:nvPr/>
-          </p:nvGrpSpPr>
-          <p:grpSpPr>
-            <a:xfrm>
-              <a:off x="178995" y="824020"/>
-              <a:ext cx="360000" cy="360000"/>
-              <a:chOff x="5223986" y="2758228"/>
-              <a:chExt cx="1800000" cy="1800000"/>
-            </a:xfrm>
-          </p:grpSpPr>
-          <p:sp>
-            <p:nvSpPr>
-              <p:cNvPr id="90" name="Ellipse 89">
-                <a:extLst>
-                  <a:ext uri="{FF2B5EF4-FFF2-40B4-BE49-F238E27FC236}">
-                    <a16:creationId xmlns:a16="http://schemas.microsoft.com/office/drawing/2014/main" id="{9167A067-C551-B01A-9020-F1B26310D1FD}"/>
-                  </a:ext>
-                </a:extLst>
-              </p:cNvPr>
-              <p:cNvSpPr/>
-              <p:nvPr/>
-            </p:nvSpPr>
-            <p:spPr>
-              <a:xfrm>
-                <a:off x="5223986" y="2758228"/>
-                <a:ext cx="1800000" cy="1800000"/>
-              </a:xfrm>
-              <a:prstGeom prst="ellipse">
-                <a:avLst/>
-              </a:prstGeom>
-              <a:solidFill>
-                <a:srgbClr val="00517A"/>
-              </a:solidFill>
-              <a:ln>
-                <a:noFill/>
-              </a:ln>
-            </p:spPr>
-            <p:style>
-              <a:lnRef idx="2">
-                <a:schemeClr val="accent1">
-                  <a:shade val="50000"/>
-                </a:schemeClr>
-              </a:lnRef>
-              <a:fillRef idx="1">
-                <a:schemeClr val="accent1"/>
-              </a:fillRef>
-              <a:effectRef idx="0">
-                <a:schemeClr val="accent1"/>
-              </a:effectRef>
-              <a:fontRef idx="minor">
-                <a:schemeClr val="lt1"/>
-              </a:fontRef>
-            </p:style>
-            <p:txBody>
-              <a:bodyPr rtlCol="0" anchor="ctr"/>
-              <a:lstStyle/>
-              <a:p>
-                <a:pPr algn="ctr"/>
-                <a:endParaRPr lang="fr-FR"/>
-              </a:p>
-            </p:txBody>
-          </p:sp>
-          <p:pic>
-            <p:nvPicPr>
-              <p:cNvPr id="91" name="Image 90">
-                <a:extLst>
-                  <a:ext uri="{FF2B5EF4-FFF2-40B4-BE49-F238E27FC236}">
-                    <a16:creationId xmlns:a16="http://schemas.microsoft.com/office/drawing/2014/main" id="{EB5AF55F-DE7A-158B-A1DD-ADE126201E6E}"/>
-                  </a:ext>
-                </a:extLst>
-              </p:cNvPr>
-              <p:cNvPicPr>
-                <a:picLocks noChangeAspect="1"/>
-              </p:cNvPicPr>
-              <p:nvPr/>
-            </p:nvPicPr>
-            <p:blipFill>
-              <a:blip r:embed="rId36"/>
-              <a:stretch>
-                <a:fillRect/>
-              </a:stretch>
-            </p:blipFill>
-            <p:spPr>
-              <a:xfrm>
-                <a:off x="5474001" y="3149783"/>
-                <a:ext cx="1244000" cy="937860"/>
-              </a:xfrm>
-              <a:prstGeom prst="rect">
-                <a:avLst/>
-              </a:prstGeom>
-            </p:spPr>
-          </p:pic>
-        </p:grpSp>
-        <p:grpSp>
-          <p:nvGrpSpPr>
-            <p:cNvPr id="104" name="Groupe 103">
-              <a:extLst>
-                <a:ext uri="{FF2B5EF4-FFF2-40B4-BE49-F238E27FC236}">
-                  <a16:creationId xmlns:a16="http://schemas.microsoft.com/office/drawing/2014/main" id="{E583D5AF-4882-1A42-CAC4-040B77ACC4CF}"/>
-                </a:ext>
-              </a:extLst>
-            </p:cNvPr>
-            <p:cNvGrpSpPr/>
-            <p:nvPr/>
-          </p:nvGrpSpPr>
-          <p:grpSpPr>
-            <a:xfrm>
-              <a:off x="1494510" y="824020"/>
-              <a:ext cx="360000" cy="360000"/>
-              <a:chOff x="7467428" y="2677562"/>
-              <a:chExt cx="1800000" cy="1800000"/>
-            </a:xfrm>
-          </p:grpSpPr>
-          <p:sp>
-            <p:nvSpPr>
-              <p:cNvPr id="105" name="Ellipse 104">
-                <a:extLst>
-                  <a:ext uri="{FF2B5EF4-FFF2-40B4-BE49-F238E27FC236}">
-                    <a16:creationId xmlns:a16="http://schemas.microsoft.com/office/drawing/2014/main" id="{CD8752AC-9DCA-40FC-0087-6C8585D70296}"/>
-                  </a:ext>
-                </a:extLst>
-              </p:cNvPr>
-              <p:cNvSpPr/>
-              <p:nvPr/>
-            </p:nvSpPr>
-            <p:spPr>
-              <a:xfrm>
-                <a:off x="7467428" y="2677562"/>
-                <a:ext cx="1800000" cy="1800000"/>
-              </a:xfrm>
-              <a:prstGeom prst="ellipse">
-                <a:avLst/>
-              </a:prstGeom>
-              <a:solidFill>
-                <a:srgbClr val="00517A"/>
-              </a:solidFill>
-              <a:ln>
-                <a:noFill/>
-              </a:ln>
-            </p:spPr>
-            <p:style>
-              <a:lnRef idx="2">
-                <a:schemeClr val="accent1">
-                  <a:shade val="50000"/>
-                </a:schemeClr>
-              </a:lnRef>
-              <a:fillRef idx="1">
-                <a:schemeClr val="accent1"/>
-              </a:fillRef>
-              <a:effectRef idx="0">
-                <a:schemeClr val="accent1"/>
-              </a:effectRef>
-              <a:fontRef idx="minor">
-                <a:schemeClr val="lt1"/>
-              </a:fontRef>
-            </p:style>
-            <p:txBody>
-              <a:bodyPr rtlCol="0" anchor="ctr"/>
-              <a:lstStyle/>
-              <a:p>
-                <a:pPr algn="ctr"/>
-                <a:endParaRPr lang="fr-FR" dirty="0"/>
-              </a:p>
-            </p:txBody>
-          </p:sp>
-          <p:pic>
-            <p:nvPicPr>
-              <p:cNvPr id="106" name="Image 105">
-                <a:extLst>
-                  <a:ext uri="{FF2B5EF4-FFF2-40B4-BE49-F238E27FC236}">
-                    <a16:creationId xmlns:a16="http://schemas.microsoft.com/office/drawing/2014/main" id="{F9BC39F6-4D34-C8F4-B52D-570245D36BB1}"/>
-                  </a:ext>
-                </a:extLst>
-              </p:cNvPr>
-              <p:cNvPicPr>
-                <a:picLocks noChangeAspect="1"/>
-              </p:cNvPicPr>
-              <p:nvPr/>
-            </p:nvPicPr>
-            <p:blipFill>
-              <a:blip r:embed="rId37"/>
-              <a:stretch>
-                <a:fillRect/>
-              </a:stretch>
-            </p:blipFill>
-            <p:spPr>
-              <a:xfrm>
-                <a:off x="7567027" y="2784504"/>
-                <a:ext cx="1592444" cy="1592444"/>
-              </a:xfrm>
-              <a:prstGeom prst="rect">
-                <a:avLst/>
-              </a:prstGeom>
-            </p:spPr>
-          </p:pic>
-        </p:grpSp>
-        <p:grpSp>
-          <p:nvGrpSpPr>
-            <p:cNvPr id="107" name="Groupe 106">
-              <a:extLst>
-                <a:ext uri="{FF2B5EF4-FFF2-40B4-BE49-F238E27FC236}">
-                  <a16:creationId xmlns:a16="http://schemas.microsoft.com/office/drawing/2014/main" id="{20281016-D4B8-57DC-4DE6-F2919D06B7A2}"/>
-                </a:ext>
-              </a:extLst>
-            </p:cNvPr>
-            <p:cNvGrpSpPr/>
-            <p:nvPr/>
-          </p:nvGrpSpPr>
-          <p:grpSpPr>
-            <a:xfrm>
-              <a:off x="1056005" y="824020"/>
-              <a:ext cx="360000" cy="360000"/>
-              <a:chOff x="5404964" y="4396133"/>
-              <a:chExt cx="1800000" cy="1800000"/>
-            </a:xfrm>
-          </p:grpSpPr>
-          <p:sp>
-            <p:nvSpPr>
-              <p:cNvPr id="108" name="Ellipse 107">
-                <a:extLst>
-                  <a:ext uri="{FF2B5EF4-FFF2-40B4-BE49-F238E27FC236}">
-                    <a16:creationId xmlns:a16="http://schemas.microsoft.com/office/drawing/2014/main" id="{A7526B61-6D27-E510-6A33-2645E30BB671}"/>
-                  </a:ext>
-                </a:extLst>
-              </p:cNvPr>
-              <p:cNvSpPr/>
-              <p:nvPr/>
-            </p:nvSpPr>
-            <p:spPr>
-              <a:xfrm>
-                <a:off x="5404964" y="4396133"/>
-                <a:ext cx="1800000" cy="1800000"/>
-              </a:xfrm>
-              <a:prstGeom prst="ellipse">
-                <a:avLst/>
-              </a:prstGeom>
-              <a:solidFill>
-                <a:srgbClr val="00517A"/>
-              </a:solidFill>
-              <a:ln>
-                <a:noFill/>
-              </a:ln>
-            </p:spPr>
-            <p:style>
-              <a:lnRef idx="2">
-                <a:schemeClr val="accent1">
-                  <a:shade val="50000"/>
-                </a:schemeClr>
-              </a:lnRef>
-              <a:fillRef idx="1">
-                <a:schemeClr val="accent1"/>
-              </a:fillRef>
-              <a:effectRef idx="0">
-                <a:schemeClr val="accent1"/>
-              </a:effectRef>
-              <a:fontRef idx="minor">
-                <a:schemeClr val="lt1"/>
-              </a:fontRef>
-            </p:style>
-            <p:txBody>
-              <a:bodyPr rtlCol="0" anchor="ctr"/>
-              <a:lstStyle/>
-              <a:p>
-                <a:pPr algn="ctr"/>
-                <a:endParaRPr lang="fr-FR"/>
-              </a:p>
-            </p:txBody>
-          </p:sp>
-          <p:pic>
-            <p:nvPicPr>
-              <p:cNvPr id="109" name="Image 108">
-                <a:extLst>
-                  <a:ext uri="{FF2B5EF4-FFF2-40B4-BE49-F238E27FC236}">
-                    <a16:creationId xmlns:a16="http://schemas.microsoft.com/office/drawing/2014/main" id="{49983C91-B251-BD88-2FB4-492261589B43}"/>
-                  </a:ext>
-                </a:extLst>
-              </p:cNvPr>
-              <p:cNvPicPr>
-                <a:picLocks noChangeAspect="1"/>
-              </p:cNvPicPr>
-              <p:nvPr/>
-            </p:nvPicPr>
-            <p:blipFill>
-              <a:blip r:embed="rId38"/>
-              <a:stretch>
-                <a:fillRect/>
-              </a:stretch>
-            </p:blipFill>
-            <p:spPr>
-              <a:xfrm>
-                <a:off x="5543445" y="4536296"/>
-                <a:ext cx="1358232" cy="1440000"/>
-              </a:xfrm>
-              <a:prstGeom prst="rect">
-                <a:avLst/>
-              </a:prstGeom>
-            </p:spPr>
-          </p:pic>
-        </p:grpSp>
-        <p:grpSp>
-          <p:nvGrpSpPr>
-            <p:cNvPr id="129" name="Groupe 128">
-              <a:extLst>
-                <a:ext uri="{FF2B5EF4-FFF2-40B4-BE49-F238E27FC236}">
-                  <a16:creationId xmlns:a16="http://schemas.microsoft.com/office/drawing/2014/main" id="{0BF95655-5976-0D79-69C2-BAE0B9FD776B}"/>
-                </a:ext>
-              </a:extLst>
-            </p:cNvPr>
-            <p:cNvGrpSpPr/>
-            <p:nvPr/>
-          </p:nvGrpSpPr>
-          <p:grpSpPr>
-            <a:xfrm>
-              <a:off x="617500" y="824020"/>
-              <a:ext cx="360000" cy="360000"/>
-              <a:chOff x="10216711" y="4835236"/>
-              <a:chExt cx="1800000" cy="1800000"/>
-            </a:xfrm>
-          </p:grpSpPr>
-          <p:sp>
-            <p:nvSpPr>
-              <p:cNvPr id="130" name="Ellipse 129">
-                <a:extLst>
-                  <a:ext uri="{FF2B5EF4-FFF2-40B4-BE49-F238E27FC236}">
-                    <a16:creationId xmlns:a16="http://schemas.microsoft.com/office/drawing/2014/main" id="{684D32A6-35AB-52A4-2099-3B5788B67FC4}"/>
-                  </a:ext>
-                </a:extLst>
-              </p:cNvPr>
-              <p:cNvSpPr/>
-              <p:nvPr/>
-            </p:nvSpPr>
-            <p:spPr>
-              <a:xfrm>
-                <a:off x="10216711" y="4835236"/>
-                <a:ext cx="1800000" cy="1800000"/>
-              </a:xfrm>
-              <a:prstGeom prst="ellipse">
-                <a:avLst/>
-              </a:prstGeom>
-              <a:solidFill>
-                <a:srgbClr val="00547F"/>
-              </a:solidFill>
-              <a:ln>
-                <a:noFill/>
-              </a:ln>
-            </p:spPr>
-            <p:style>
-              <a:lnRef idx="2">
-                <a:schemeClr val="accent1">
-                  <a:shade val="50000"/>
-                </a:schemeClr>
-              </a:lnRef>
-              <a:fillRef idx="1">
-                <a:schemeClr val="accent1"/>
-              </a:fillRef>
-              <a:effectRef idx="0">
-                <a:schemeClr val="accent1"/>
-              </a:effectRef>
-              <a:fontRef idx="minor">
-                <a:schemeClr val="lt1"/>
-              </a:fontRef>
-            </p:style>
-            <p:txBody>
-              <a:bodyPr rtlCol="0" anchor="ctr"/>
-              <a:lstStyle/>
-              <a:p>
-                <a:pPr algn="ctr"/>
-                <a:endParaRPr lang="fr-FR"/>
-              </a:p>
-            </p:txBody>
-          </p:sp>
-          <p:pic>
-            <p:nvPicPr>
-              <p:cNvPr id="133" name="Image 132">
-                <a:extLst>
-                  <a:ext uri="{FF2B5EF4-FFF2-40B4-BE49-F238E27FC236}">
-                    <a16:creationId xmlns:a16="http://schemas.microsoft.com/office/drawing/2014/main" id="{BD71DA60-628E-A443-B908-5ABC6C0733CE}"/>
-                  </a:ext>
-                </a:extLst>
-              </p:cNvPr>
-              <p:cNvPicPr>
-                <a:picLocks noChangeAspect="1"/>
-              </p:cNvPicPr>
-              <p:nvPr/>
-            </p:nvPicPr>
-            <p:blipFill>
-              <a:blip r:embed="rId39"/>
-              <a:stretch>
-                <a:fillRect/>
-              </a:stretch>
-            </p:blipFill>
-            <p:spPr>
-              <a:xfrm flipH="1">
-                <a:off x="10382764" y="5000716"/>
-                <a:ext cx="1467894" cy="1467894"/>
-              </a:xfrm>
-              <a:prstGeom prst="rect">
-                <a:avLst/>
-              </a:prstGeom>
-            </p:spPr>
-          </p:pic>
-        </p:grpSp>
-        <p:grpSp>
-          <p:nvGrpSpPr>
-            <p:cNvPr id="143" name="Groupe 142">
-              <a:extLst>
-                <a:ext uri="{FF2B5EF4-FFF2-40B4-BE49-F238E27FC236}">
-                  <a16:creationId xmlns:a16="http://schemas.microsoft.com/office/drawing/2014/main" id="{F67D81B7-BCAF-AB36-83A8-5D496AAC4477}"/>
-                </a:ext>
-              </a:extLst>
-            </p:cNvPr>
-            <p:cNvGrpSpPr/>
-            <p:nvPr/>
-          </p:nvGrpSpPr>
-          <p:grpSpPr>
-            <a:xfrm>
-              <a:off x="1933013" y="824020"/>
-              <a:ext cx="360000" cy="360000"/>
-              <a:chOff x="6054233" y="4960569"/>
-              <a:chExt cx="1800000" cy="1800000"/>
-            </a:xfrm>
-          </p:grpSpPr>
-          <p:sp>
-            <p:nvSpPr>
-              <p:cNvPr id="144" name="Ellipse 143">
-                <a:extLst>
-                  <a:ext uri="{FF2B5EF4-FFF2-40B4-BE49-F238E27FC236}">
-                    <a16:creationId xmlns:a16="http://schemas.microsoft.com/office/drawing/2014/main" id="{56E30121-4FAF-A757-98A6-E14A64C0C48E}"/>
-                  </a:ext>
-                </a:extLst>
-              </p:cNvPr>
-              <p:cNvSpPr/>
-              <p:nvPr/>
-            </p:nvSpPr>
-            <p:spPr>
-              <a:xfrm>
-                <a:off x="6054233" y="4960569"/>
-                <a:ext cx="1800000" cy="1800000"/>
-              </a:xfrm>
-              <a:prstGeom prst="ellipse">
-                <a:avLst/>
-              </a:prstGeom>
-              <a:solidFill>
-                <a:srgbClr val="00547F"/>
-              </a:solidFill>
-              <a:ln>
-                <a:noFill/>
-              </a:ln>
-            </p:spPr>
-            <p:style>
-              <a:lnRef idx="2">
-                <a:schemeClr val="accent1">
-                  <a:shade val="50000"/>
-                </a:schemeClr>
-              </a:lnRef>
-              <a:fillRef idx="1">
-                <a:schemeClr val="accent1"/>
-              </a:fillRef>
-              <a:effectRef idx="0">
-                <a:schemeClr val="accent1"/>
-              </a:effectRef>
-              <a:fontRef idx="minor">
-                <a:schemeClr val="lt1"/>
-              </a:fontRef>
-            </p:style>
-            <p:txBody>
-              <a:bodyPr rtlCol="0" anchor="ctr"/>
-              <a:lstStyle/>
-              <a:p>
-                <a:pPr algn="ctr"/>
-                <a:endParaRPr lang="fr-FR" b="1"/>
-              </a:p>
-            </p:txBody>
-          </p:sp>
-          <p:pic>
-            <p:nvPicPr>
-              <p:cNvPr id="145" name="Image 144">
-                <a:extLst>
-                  <a:ext uri="{FF2B5EF4-FFF2-40B4-BE49-F238E27FC236}">
-                    <a16:creationId xmlns:a16="http://schemas.microsoft.com/office/drawing/2014/main" id="{9E3BEA69-49F4-7494-60E1-D4F54D7CBA43}"/>
-                  </a:ext>
-                </a:extLst>
-              </p:cNvPr>
-              <p:cNvPicPr>
-                <a:picLocks noChangeAspect="1"/>
-              </p:cNvPicPr>
-              <p:nvPr/>
-            </p:nvPicPr>
-            <p:blipFill>
-              <a:blip r:embed="rId40"/>
-              <a:stretch>
-                <a:fillRect/>
-              </a:stretch>
-            </p:blipFill>
-            <p:spPr>
-              <a:xfrm>
-                <a:off x="6298697" y="5322283"/>
-                <a:ext cx="1311072" cy="1076572"/>
-              </a:xfrm>
-              <a:prstGeom prst="rect">
-                <a:avLst/>
-              </a:prstGeom>
-            </p:spPr>
-          </p:pic>
-        </p:grpSp>
+        <p:sp>
+          <p:nvSpPr>
+            <p:cNvPr id="90" name="Ellipse 89">
+              <a:extLst>
+                <a:ext uri="{FF2B5EF4-FFF2-40B4-BE49-F238E27FC236}">
+                  <a16:creationId xmlns:a16="http://schemas.microsoft.com/office/drawing/2014/main" id="{9167A067-C551-B01A-9020-F1B26310D1FD}"/>
+                </a:ext>
+              </a:extLst>
+            </p:cNvPr>
+            <p:cNvSpPr/>
+            <p:nvPr/>
+          </p:nvSpPr>
+          <p:spPr>
+            <a:xfrm>
+              <a:off x="5223986" y="2758228"/>
+              <a:ext cx="1800000" cy="1800000"/>
+            </a:xfrm>
+            <a:prstGeom prst="ellipse">
+              <a:avLst/>
+            </a:prstGeom>
+            <a:solidFill>
+              <a:srgbClr val="00517A"/>
+            </a:solidFill>
+            <a:ln>
+              <a:noFill/>
+            </a:ln>
+          </p:spPr>
+          <p:style>
+            <a:lnRef idx="2">
+              <a:schemeClr val="accent1">
+                <a:shade val="50000"/>
+              </a:schemeClr>
+            </a:lnRef>
+            <a:fillRef idx="1">
+              <a:schemeClr val="accent1"/>
+            </a:fillRef>
+            <a:effectRef idx="0">
+              <a:schemeClr val="accent1"/>
+            </a:effectRef>
+            <a:fontRef idx="minor">
+              <a:schemeClr val="lt1"/>
+            </a:fontRef>
+          </p:style>
+          <p:txBody>
+            <a:bodyPr rtlCol="0" anchor="ctr"/>
+            <a:lstStyle/>
+            <a:p>
+              <a:pPr algn="ctr"/>
+              <a:endParaRPr lang="fr-FR"/>
+            </a:p>
+          </p:txBody>
+        </p:sp>
+        <p:pic>
+          <p:nvPicPr>
+            <p:cNvPr id="91" name="Image 90">
+              <a:extLst>
+                <a:ext uri="{FF2B5EF4-FFF2-40B4-BE49-F238E27FC236}">
+                  <a16:creationId xmlns:a16="http://schemas.microsoft.com/office/drawing/2014/main" id="{EB5AF55F-DE7A-158B-A1DD-ADE126201E6E}"/>
+                </a:ext>
+              </a:extLst>
+            </p:cNvPr>
+            <p:cNvPicPr>
+              <a:picLocks noChangeAspect="1"/>
+            </p:cNvPicPr>
+            <p:nvPr/>
+          </p:nvPicPr>
+          <p:blipFill>
+            <a:blip r:embed="rId36"/>
+            <a:stretch>
+              <a:fillRect/>
+            </a:stretch>
+          </p:blipFill>
+          <p:spPr>
+            <a:xfrm>
+              <a:off x="5474001" y="3149783"/>
+              <a:ext cx="1244000" cy="937860"/>
+            </a:xfrm>
+            <a:prstGeom prst="rect">
+              <a:avLst/>
+            </a:prstGeom>
+          </p:spPr>
+        </p:pic>
       </p:grpSp>
       <p:grpSp>
         <p:nvGrpSpPr>
-          <p:cNvPr id="176" name="Groupe 175">
-            <a:extLst>
-              <a:ext uri="{FF2B5EF4-FFF2-40B4-BE49-F238E27FC236}">
-                <a16:creationId xmlns:a16="http://schemas.microsoft.com/office/drawing/2014/main" id="{562A31CD-6C0A-CA9E-C5E4-B9A1D6E804B6}"/>
+          <p:cNvPr id="104" name="Groupe 103">
+            <a:extLst>
+              <a:ext uri="{FF2B5EF4-FFF2-40B4-BE49-F238E27FC236}">
+                <a16:creationId xmlns:a16="http://schemas.microsoft.com/office/drawing/2014/main" id="{E583D5AF-4882-1A42-CAC4-040B77ACC4CF}"/>
+              </a:ext>
+            </a:extLst>
+          </p:cNvPr>
+          <p:cNvGrpSpPr/>
+          <p:nvPr/>
+        </p:nvGrpSpPr>
+        <p:grpSpPr>
+          <a:xfrm>
+            <a:off x="1494510" y="851142"/>
+            <a:ext cx="360000" cy="360000"/>
+            <a:chOff x="7467428" y="2677562"/>
+            <a:chExt cx="1800000" cy="1800000"/>
+          </a:xfrm>
+        </p:grpSpPr>
+        <p:sp>
+          <p:nvSpPr>
+            <p:cNvPr id="105" name="Ellipse 104">
+              <a:extLst>
+                <a:ext uri="{FF2B5EF4-FFF2-40B4-BE49-F238E27FC236}">
+                  <a16:creationId xmlns:a16="http://schemas.microsoft.com/office/drawing/2014/main" id="{CD8752AC-9DCA-40FC-0087-6C8585D70296}"/>
+                </a:ext>
+              </a:extLst>
+            </p:cNvPr>
+            <p:cNvSpPr/>
+            <p:nvPr/>
+          </p:nvSpPr>
+          <p:spPr>
+            <a:xfrm>
+              <a:off x="7467428" y="2677562"/>
+              <a:ext cx="1800000" cy="1800000"/>
+            </a:xfrm>
+            <a:prstGeom prst="ellipse">
+              <a:avLst/>
+            </a:prstGeom>
+            <a:solidFill>
+              <a:srgbClr val="00517A"/>
+            </a:solidFill>
+            <a:ln>
+              <a:noFill/>
+            </a:ln>
+          </p:spPr>
+          <p:style>
+            <a:lnRef idx="2">
+              <a:schemeClr val="accent1">
+                <a:shade val="50000"/>
+              </a:schemeClr>
+            </a:lnRef>
+            <a:fillRef idx="1">
+              <a:schemeClr val="accent1"/>
+            </a:fillRef>
+            <a:effectRef idx="0">
+              <a:schemeClr val="accent1"/>
+            </a:effectRef>
+            <a:fontRef idx="minor">
+              <a:schemeClr val="lt1"/>
+            </a:fontRef>
+          </p:style>
+          <p:txBody>
+            <a:bodyPr rtlCol="0" anchor="ctr"/>
+            <a:lstStyle/>
+            <a:p>
+              <a:pPr algn="ctr"/>
+              <a:endParaRPr lang="fr-FR" dirty="0"/>
+            </a:p>
+          </p:txBody>
+        </p:sp>
+        <p:pic>
+          <p:nvPicPr>
+            <p:cNvPr id="106" name="Image 105">
+              <a:extLst>
+                <a:ext uri="{FF2B5EF4-FFF2-40B4-BE49-F238E27FC236}">
+                  <a16:creationId xmlns:a16="http://schemas.microsoft.com/office/drawing/2014/main" id="{F9BC39F6-4D34-C8F4-B52D-570245D36BB1}"/>
+                </a:ext>
+              </a:extLst>
+            </p:cNvPr>
+            <p:cNvPicPr>
+              <a:picLocks noChangeAspect="1"/>
+            </p:cNvPicPr>
+            <p:nvPr/>
+          </p:nvPicPr>
+          <p:blipFill>
+            <a:blip r:embed="rId37"/>
+            <a:stretch>
+              <a:fillRect/>
+            </a:stretch>
+          </p:blipFill>
+          <p:spPr>
+            <a:xfrm>
+              <a:off x="7567027" y="2784504"/>
+              <a:ext cx="1592444" cy="1592444"/>
+            </a:xfrm>
+            <a:prstGeom prst="rect">
+              <a:avLst/>
+            </a:prstGeom>
+          </p:spPr>
+        </p:pic>
+      </p:grpSp>
+      <p:grpSp>
+        <p:nvGrpSpPr>
+          <p:cNvPr id="107" name="Groupe 106">
+            <a:extLst>
+              <a:ext uri="{FF2B5EF4-FFF2-40B4-BE49-F238E27FC236}">
+                <a16:creationId xmlns:a16="http://schemas.microsoft.com/office/drawing/2014/main" id="{20281016-D4B8-57DC-4DE6-F2919D06B7A2}"/>
+              </a:ext>
+            </a:extLst>
+          </p:cNvPr>
+          <p:cNvGrpSpPr/>
+          <p:nvPr/>
+        </p:nvGrpSpPr>
+        <p:grpSpPr>
+          <a:xfrm>
+            <a:off x="1056005" y="851142"/>
+            <a:ext cx="360000" cy="360000"/>
+            <a:chOff x="5404964" y="4396133"/>
+            <a:chExt cx="1800000" cy="1800000"/>
+          </a:xfrm>
+        </p:grpSpPr>
+        <p:sp>
+          <p:nvSpPr>
+            <p:cNvPr id="108" name="Ellipse 107">
+              <a:extLst>
+                <a:ext uri="{FF2B5EF4-FFF2-40B4-BE49-F238E27FC236}">
+                  <a16:creationId xmlns:a16="http://schemas.microsoft.com/office/drawing/2014/main" id="{A7526B61-6D27-E510-6A33-2645E30BB671}"/>
+                </a:ext>
+              </a:extLst>
+            </p:cNvPr>
+            <p:cNvSpPr/>
+            <p:nvPr/>
+          </p:nvSpPr>
+          <p:spPr>
+            <a:xfrm>
+              <a:off x="5404964" y="4396133"/>
+              <a:ext cx="1800000" cy="1800000"/>
+            </a:xfrm>
+            <a:prstGeom prst="ellipse">
+              <a:avLst/>
+            </a:prstGeom>
+            <a:solidFill>
+              <a:srgbClr val="00517A"/>
+            </a:solidFill>
+            <a:ln>
+              <a:noFill/>
+            </a:ln>
+          </p:spPr>
+          <p:style>
+            <a:lnRef idx="2">
+              <a:schemeClr val="accent1">
+                <a:shade val="50000"/>
+              </a:schemeClr>
+            </a:lnRef>
+            <a:fillRef idx="1">
+              <a:schemeClr val="accent1"/>
+            </a:fillRef>
+            <a:effectRef idx="0">
+              <a:schemeClr val="accent1"/>
+            </a:effectRef>
+            <a:fontRef idx="minor">
+              <a:schemeClr val="lt1"/>
+            </a:fontRef>
+          </p:style>
+          <p:txBody>
+            <a:bodyPr rtlCol="0" anchor="ctr"/>
+            <a:lstStyle/>
+            <a:p>
+              <a:pPr algn="ctr"/>
+              <a:endParaRPr lang="fr-FR"/>
+            </a:p>
+          </p:txBody>
+        </p:sp>
+        <p:pic>
+          <p:nvPicPr>
+            <p:cNvPr id="109" name="Image 108">
+              <a:extLst>
+                <a:ext uri="{FF2B5EF4-FFF2-40B4-BE49-F238E27FC236}">
+                  <a16:creationId xmlns:a16="http://schemas.microsoft.com/office/drawing/2014/main" id="{49983C91-B251-BD88-2FB4-492261589B43}"/>
+                </a:ext>
+              </a:extLst>
+            </p:cNvPr>
+            <p:cNvPicPr>
+              <a:picLocks noChangeAspect="1"/>
+            </p:cNvPicPr>
+            <p:nvPr/>
+          </p:nvPicPr>
+          <p:blipFill>
+            <a:blip r:embed="rId38"/>
+            <a:stretch>
+              <a:fillRect/>
+            </a:stretch>
+          </p:blipFill>
+          <p:spPr>
+            <a:xfrm>
+              <a:off x="5543445" y="4536296"/>
+              <a:ext cx="1358232" cy="1440000"/>
+            </a:xfrm>
+            <a:prstGeom prst="rect">
+              <a:avLst/>
+            </a:prstGeom>
+          </p:spPr>
+        </p:pic>
+      </p:grpSp>
+      <p:grpSp>
+        <p:nvGrpSpPr>
+          <p:cNvPr id="129" name="Groupe 128">
+            <a:extLst>
+              <a:ext uri="{FF2B5EF4-FFF2-40B4-BE49-F238E27FC236}">
+                <a16:creationId xmlns:a16="http://schemas.microsoft.com/office/drawing/2014/main" id="{0BF95655-5976-0D79-69C2-BAE0B9FD776B}"/>
+              </a:ext>
+            </a:extLst>
+          </p:cNvPr>
+          <p:cNvGrpSpPr/>
+          <p:nvPr/>
+        </p:nvGrpSpPr>
+        <p:grpSpPr>
+          <a:xfrm>
+            <a:off x="617500" y="851142"/>
+            <a:ext cx="360000" cy="360000"/>
+            <a:chOff x="10216711" y="4835236"/>
+            <a:chExt cx="1800000" cy="1800000"/>
+          </a:xfrm>
+        </p:grpSpPr>
+        <p:sp>
+          <p:nvSpPr>
+            <p:cNvPr id="130" name="Ellipse 129">
+              <a:extLst>
+                <a:ext uri="{FF2B5EF4-FFF2-40B4-BE49-F238E27FC236}">
+                  <a16:creationId xmlns:a16="http://schemas.microsoft.com/office/drawing/2014/main" id="{684D32A6-35AB-52A4-2099-3B5788B67FC4}"/>
+                </a:ext>
+              </a:extLst>
+            </p:cNvPr>
+            <p:cNvSpPr/>
+            <p:nvPr/>
+          </p:nvSpPr>
+          <p:spPr>
+            <a:xfrm>
+              <a:off x="10216711" y="4835236"/>
+              <a:ext cx="1800000" cy="1800000"/>
+            </a:xfrm>
+            <a:prstGeom prst="ellipse">
+              <a:avLst/>
+            </a:prstGeom>
+            <a:solidFill>
+              <a:srgbClr val="00547F"/>
+            </a:solidFill>
+            <a:ln>
+              <a:noFill/>
+            </a:ln>
+          </p:spPr>
+          <p:style>
+            <a:lnRef idx="2">
+              <a:schemeClr val="accent1">
+                <a:shade val="50000"/>
+              </a:schemeClr>
+            </a:lnRef>
+            <a:fillRef idx="1">
+              <a:schemeClr val="accent1"/>
+            </a:fillRef>
+            <a:effectRef idx="0">
+              <a:schemeClr val="accent1"/>
+            </a:effectRef>
+            <a:fontRef idx="minor">
+              <a:schemeClr val="lt1"/>
+            </a:fontRef>
+          </p:style>
+          <p:txBody>
+            <a:bodyPr rtlCol="0" anchor="ctr"/>
+            <a:lstStyle/>
+            <a:p>
+              <a:pPr algn="ctr"/>
+              <a:endParaRPr lang="fr-FR"/>
+            </a:p>
+          </p:txBody>
+        </p:sp>
+        <p:pic>
+          <p:nvPicPr>
+            <p:cNvPr id="133" name="Image 132">
+              <a:extLst>
+                <a:ext uri="{FF2B5EF4-FFF2-40B4-BE49-F238E27FC236}">
+                  <a16:creationId xmlns:a16="http://schemas.microsoft.com/office/drawing/2014/main" id="{BD71DA60-628E-A443-B908-5ABC6C0733CE}"/>
+                </a:ext>
+              </a:extLst>
+            </p:cNvPr>
+            <p:cNvPicPr>
+              <a:picLocks noChangeAspect="1"/>
+            </p:cNvPicPr>
+            <p:nvPr/>
+          </p:nvPicPr>
+          <p:blipFill>
+            <a:blip r:embed="rId39"/>
+            <a:stretch>
+              <a:fillRect/>
+            </a:stretch>
+          </p:blipFill>
+          <p:spPr>
+            <a:xfrm flipH="1">
+              <a:off x="10382764" y="5000716"/>
+              <a:ext cx="1467894" cy="1467894"/>
+            </a:xfrm>
+            <a:prstGeom prst="rect">
+              <a:avLst/>
+            </a:prstGeom>
+          </p:spPr>
+        </p:pic>
+      </p:grpSp>
+      <p:grpSp>
+        <p:nvGrpSpPr>
+          <p:cNvPr id="143" name="Groupe 142">
+            <a:extLst>
+              <a:ext uri="{FF2B5EF4-FFF2-40B4-BE49-F238E27FC236}">
+                <a16:creationId xmlns:a16="http://schemas.microsoft.com/office/drawing/2014/main" id="{F67D81B7-BCAF-AB36-83A8-5D496AAC4477}"/>
+              </a:ext>
+            </a:extLst>
+          </p:cNvPr>
+          <p:cNvGrpSpPr/>
+          <p:nvPr/>
+        </p:nvGrpSpPr>
+        <p:grpSpPr>
+          <a:xfrm>
+            <a:off x="1933013" y="851142"/>
+            <a:ext cx="360000" cy="360000"/>
+            <a:chOff x="6054233" y="4960569"/>
+            <a:chExt cx="1800000" cy="1800000"/>
+          </a:xfrm>
+        </p:grpSpPr>
+        <p:sp>
+          <p:nvSpPr>
+            <p:cNvPr id="144" name="Ellipse 143">
+              <a:extLst>
+                <a:ext uri="{FF2B5EF4-FFF2-40B4-BE49-F238E27FC236}">
+                  <a16:creationId xmlns:a16="http://schemas.microsoft.com/office/drawing/2014/main" id="{56E30121-4FAF-A757-98A6-E14A64C0C48E}"/>
+                </a:ext>
+              </a:extLst>
+            </p:cNvPr>
+            <p:cNvSpPr/>
+            <p:nvPr/>
+          </p:nvSpPr>
+          <p:spPr>
+            <a:xfrm>
+              <a:off x="6054233" y="4960569"/>
+              <a:ext cx="1800000" cy="1800000"/>
+            </a:xfrm>
+            <a:prstGeom prst="ellipse">
+              <a:avLst/>
+            </a:prstGeom>
+            <a:solidFill>
+              <a:srgbClr val="00547F"/>
+            </a:solidFill>
+            <a:ln>
+              <a:noFill/>
+            </a:ln>
+          </p:spPr>
+          <p:style>
+            <a:lnRef idx="2">
+              <a:schemeClr val="accent1">
+                <a:shade val="50000"/>
+              </a:schemeClr>
+            </a:lnRef>
+            <a:fillRef idx="1">
+              <a:schemeClr val="accent1"/>
+            </a:fillRef>
+            <a:effectRef idx="0">
+              <a:schemeClr val="accent1"/>
+            </a:effectRef>
+            <a:fontRef idx="minor">
+              <a:schemeClr val="lt1"/>
+            </a:fontRef>
+          </p:style>
+          <p:txBody>
+            <a:bodyPr rtlCol="0" anchor="ctr"/>
+            <a:lstStyle/>
+            <a:p>
+              <a:pPr algn="ctr"/>
+              <a:endParaRPr lang="fr-FR" b="1"/>
+            </a:p>
+          </p:txBody>
+        </p:sp>
+        <p:pic>
+          <p:nvPicPr>
+            <p:cNvPr id="145" name="Image 144">
+              <a:extLst>
+                <a:ext uri="{FF2B5EF4-FFF2-40B4-BE49-F238E27FC236}">
+                  <a16:creationId xmlns:a16="http://schemas.microsoft.com/office/drawing/2014/main" id="{9E3BEA69-49F4-7494-60E1-D4F54D7CBA43}"/>
+                </a:ext>
+              </a:extLst>
+            </p:cNvPr>
+            <p:cNvPicPr>
+              <a:picLocks noChangeAspect="1"/>
+            </p:cNvPicPr>
+            <p:nvPr/>
+          </p:nvPicPr>
+          <p:blipFill>
+            <a:blip r:embed="rId40"/>
+            <a:stretch>
+              <a:fillRect/>
+            </a:stretch>
+          </p:blipFill>
+          <p:spPr>
+            <a:xfrm>
+              <a:off x="6298697" y="5322283"/>
+              <a:ext cx="1311072" cy="1076572"/>
+            </a:xfrm>
+            <a:prstGeom prst="rect">
+              <a:avLst/>
+            </a:prstGeom>
+          </p:spPr>
+        </p:pic>
+      </p:grpSp>
+      <p:grpSp>
+        <p:nvGrpSpPr>
+          <p:cNvPr id="173" name="Groupe 172">
+            <a:extLst>
+              <a:ext uri="{FF2B5EF4-FFF2-40B4-BE49-F238E27FC236}">
+                <a16:creationId xmlns:a16="http://schemas.microsoft.com/office/drawing/2014/main" id="{8EE1462F-8B8B-FF79-B63B-455E27276C24}"/>
+              </a:ext>
+            </a:extLst>
+          </p:cNvPr>
+          <p:cNvGrpSpPr/>
+          <p:nvPr/>
+        </p:nvGrpSpPr>
+        <p:grpSpPr>
+          <a:xfrm>
+            <a:off x="1491904" y="1377419"/>
+            <a:ext cx="360000" cy="360000"/>
+            <a:chOff x="1051672" y="2643795"/>
+            <a:chExt cx="720000" cy="720000"/>
+          </a:xfrm>
+        </p:grpSpPr>
+        <p:sp>
+          <p:nvSpPr>
+            <p:cNvPr id="115" name="Ellipse 114">
+              <a:extLst>
+                <a:ext uri="{FF2B5EF4-FFF2-40B4-BE49-F238E27FC236}">
+                  <a16:creationId xmlns:a16="http://schemas.microsoft.com/office/drawing/2014/main" id="{5EE3D489-9939-FB63-490B-AC7684976919}"/>
+                </a:ext>
+              </a:extLst>
+            </p:cNvPr>
+            <p:cNvSpPr/>
+            <p:nvPr/>
+          </p:nvSpPr>
+          <p:spPr>
+            <a:xfrm>
+              <a:off x="1051672" y="2643795"/>
+              <a:ext cx="720000" cy="720000"/>
+            </a:xfrm>
+            <a:prstGeom prst="ellipse">
+              <a:avLst/>
+            </a:prstGeom>
+            <a:solidFill>
+              <a:srgbClr val="00517A"/>
+            </a:solidFill>
+            <a:ln>
+              <a:noFill/>
+            </a:ln>
+          </p:spPr>
+          <p:style>
+            <a:lnRef idx="2">
+              <a:schemeClr val="accent1">
+                <a:shade val="50000"/>
+              </a:schemeClr>
+            </a:lnRef>
+            <a:fillRef idx="1">
+              <a:schemeClr val="accent1"/>
+            </a:fillRef>
+            <a:effectRef idx="0">
+              <a:schemeClr val="accent1"/>
+            </a:effectRef>
+            <a:fontRef idx="minor">
+              <a:schemeClr val="lt1"/>
+            </a:fontRef>
+          </p:style>
+          <p:txBody>
+            <a:bodyPr rtlCol="0" anchor="ctr"/>
+            <a:lstStyle/>
+            <a:p>
+              <a:pPr algn="ctr"/>
+              <a:endParaRPr lang="fr-FR" dirty="0"/>
+            </a:p>
+          </p:txBody>
+        </p:sp>
+        <p:pic>
+          <p:nvPicPr>
+            <p:cNvPr id="116" name="Image 115">
+              <a:extLst>
+                <a:ext uri="{FF2B5EF4-FFF2-40B4-BE49-F238E27FC236}">
+                  <a16:creationId xmlns:a16="http://schemas.microsoft.com/office/drawing/2014/main" id="{72769896-E9ED-7BCA-43D7-F953258CFCD1}"/>
+                </a:ext>
+              </a:extLst>
+            </p:cNvPr>
+            <p:cNvPicPr>
+              <a:picLocks noChangeAspect="1"/>
+            </p:cNvPicPr>
+            <p:nvPr/>
+          </p:nvPicPr>
+          <p:blipFill>
+            <a:blip r:embed="rId41"/>
+            <a:stretch>
+              <a:fillRect/>
+            </a:stretch>
+          </p:blipFill>
+          <p:spPr>
+            <a:xfrm>
+              <a:off x="1159672" y="2751795"/>
+              <a:ext cx="504000" cy="504000"/>
+            </a:xfrm>
+            <a:prstGeom prst="rect">
+              <a:avLst/>
+            </a:prstGeom>
+          </p:spPr>
+        </p:pic>
+      </p:grpSp>
+      <p:grpSp>
+        <p:nvGrpSpPr>
+          <p:cNvPr id="45" name="Groupe 44">
+            <a:extLst>
+              <a:ext uri="{FF2B5EF4-FFF2-40B4-BE49-F238E27FC236}">
+                <a16:creationId xmlns:a16="http://schemas.microsoft.com/office/drawing/2014/main" id="{2FC21480-46E3-F389-4E43-568F7DAB856D}"/>
+              </a:ext>
+            </a:extLst>
+          </p:cNvPr>
+          <p:cNvGrpSpPr/>
+          <p:nvPr/>
+        </p:nvGrpSpPr>
+        <p:grpSpPr>
+          <a:xfrm>
+            <a:off x="1052402" y="1377419"/>
+            <a:ext cx="360000" cy="360000"/>
+            <a:chOff x="262758" y="2633974"/>
+            <a:chExt cx="720000" cy="720000"/>
+          </a:xfrm>
+        </p:grpSpPr>
+        <p:sp>
+          <p:nvSpPr>
+            <p:cNvPr id="49" name="Ellipse 48">
+              <a:extLst>
+                <a:ext uri="{FF2B5EF4-FFF2-40B4-BE49-F238E27FC236}">
+                  <a16:creationId xmlns:a16="http://schemas.microsoft.com/office/drawing/2014/main" id="{35B8D14E-4517-D148-CA23-6C8ACD3DF6FA}"/>
+                </a:ext>
+              </a:extLst>
+            </p:cNvPr>
+            <p:cNvSpPr/>
+            <p:nvPr/>
+          </p:nvSpPr>
+          <p:spPr>
+            <a:xfrm>
+              <a:off x="262758" y="2633974"/>
+              <a:ext cx="720000" cy="720000"/>
+            </a:xfrm>
+            <a:prstGeom prst="ellipse">
+              <a:avLst/>
+            </a:prstGeom>
+            <a:solidFill>
+              <a:srgbClr val="00547F"/>
+            </a:solidFill>
+            <a:ln>
+              <a:noFill/>
+            </a:ln>
+          </p:spPr>
+          <p:style>
+            <a:lnRef idx="2">
+              <a:schemeClr val="accent1">
+                <a:shade val="50000"/>
+              </a:schemeClr>
+            </a:lnRef>
+            <a:fillRef idx="1">
+              <a:schemeClr val="accent1"/>
+            </a:fillRef>
+            <a:effectRef idx="0">
+              <a:schemeClr val="accent1"/>
+            </a:effectRef>
+            <a:fontRef idx="minor">
+              <a:schemeClr val="lt1"/>
+            </a:fontRef>
+          </p:style>
+          <p:txBody>
+            <a:bodyPr rtlCol="0" anchor="ctr"/>
+            <a:lstStyle/>
+            <a:p>
+              <a:pPr algn="ctr"/>
+              <a:endParaRPr lang="fr-FR"/>
+            </a:p>
+          </p:txBody>
+        </p:sp>
+        <p:pic>
+          <p:nvPicPr>
+            <p:cNvPr id="50" name="Image 49">
+              <a:extLst>
+                <a:ext uri="{FF2B5EF4-FFF2-40B4-BE49-F238E27FC236}">
+                  <a16:creationId xmlns:a16="http://schemas.microsoft.com/office/drawing/2014/main" id="{8D149F6C-65AE-6F5B-EA20-EC108E82F25F}"/>
+                </a:ext>
+              </a:extLst>
+            </p:cNvPr>
+            <p:cNvPicPr>
+              <a:picLocks noChangeAspect="1"/>
+            </p:cNvPicPr>
+            <p:nvPr/>
+          </p:nvPicPr>
+          <p:blipFill>
+            <a:blip r:embed="rId42"/>
+            <a:stretch>
+              <a:fillRect/>
+            </a:stretch>
+          </p:blipFill>
+          <p:spPr>
+            <a:xfrm>
+              <a:off x="363558" y="2734774"/>
+              <a:ext cx="518400" cy="518400"/>
+            </a:xfrm>
+            <a:prstGeom prst="rect">
+              <a:avLst/>
+            </a:prstGeom>
+          </p:spPr>
+        </p:pic>
+      </p:grpSp>
+      <p:grpSp>
+        <p:nvGrpSpPr>
+          <p:cNvPr id="92" name="Groupe 91">
+            <a:extLst>
+              <a:ext uri="{FF2B5EF4-FFF2-40B4-BE49-F238E27FC236}">
+                <a16:creationId xmlns:a16="http://schemas.microsoft.com/office/drawing/2014/main" id="{3B94BDCA-E196-2EC9-249B-FAE5745DCA92}"/>
               </a:ext>
             </a:extLst>
           </p:cNvPr>
@@ -15237,526 +15659,299 @@
         <p:grpSpPr>
           <a:xfrm>
             <a:off x="173398" y="1377419"/>
-            <a:ext cx="2118008" cy="360000"/>
-            <a:chOff x="173398" y="1377419"/>
-            <a:chExt cx="2118008" cy="360000"/>
+            <a:ext cx="360000" cy="360000"/>
+            <a:chOff x="6744981" y="188640"/>
+            <a:chExt cx="1800000" cy="1800000"/>
           </a:xfrm>
         </p:grpSpPr>
-        <p:grpSp>
-          <p:nvGrpSpPr>
-            <p:cNvPr id="173" name="Groupe 172">
-              <a:extLst>
-                <a:ext uri="{FF2B5EF4-FFF2-40B4-BE49-F238E27FC236}">
-                  <a16:creationId xmlns:a16="http://schemas.microsoft.com/office/drawing/2014/main" id="{8EE1462F-8B8B-FF79-B63B-455E27276C24}"/>
-                </a:ext>
-              </a:extLst>
-            </p:cNvPr>
-            <p:cNvGrpSpPr/>
-            <p:nvPr/>
-          </p:nvGrpSpPr>
-          <p:grpSpPr>
-            <a:xfrm>
-              <a:off x="1491904" y="1377419"/>
-              <a:ext cx="360000" cy="360000"/>
-              <a:chOff x="1051672" y="2643795"/>
-              <a:chExt cx="720000" cy="720000"/>
-            </a:xfrm>
-          </p:grpSpPr>
-          <p:sp>
-            <p:nvSpPr>
-              <p:cNvPr id="115" name="Ellipse 114">
-                <a:extLst>
-                  <a:ext uri="{FF2B5EF4-FFF2-40B4-BE49-F238E27FC236}">
-                    <a16:creationId xmlns:a16="http://schemas.microsoft.com/office/drawing/2014/main" id="{5EE3D489-9939-FB63-490B-AC7684976919}"/>
-                  </a:ext>
-                </a:extLst>
-              </p:cNvPr>
-              <p:cNvSpPr/>
-              <p:nvPr/>
-            </p:nvSpPr>
-            <p:spPr>
-              <a:xfrm>
-                <a:off x="1051672" y="2643795"/>
-                <a:ext cx="720000" cy="720000"/>
-              </a:xfrm>
-              <a:prstGeom prst="ellipse">
-                <a:avLst/>
-              </a:prstGeom>
-              <a:solidFill>
-                <a:srgbClr val="00517A"/>
-              </a:solidFill>
-              <a:ln>
-                <a:noFill/>
-              </a:ln>
-            </p:spPr>
-            <p:style>
-              <a:lnRef idx="2">
-                <a:schemeClr val="accent1">
-                  <a:shade val="50000"/>
-                </a:schemeClr>
-              </a:lnRef>
-              <a:fillRef idx="1">
-                <a:schemeClr val="accent1"/>
-              </a:fillRef>
-              <a:effectRef idx="0">
-                <a:schemeClr val="accent1"/>
-              </a:effectRef>
-              <a:fontRef idx="minor">
-                <a:schemeClr val="lt1"/>
-              </a:fontRef>
-            </p:style>
-            <p:txBody>
-              <a:bodyPr rtlCol="0" anchor="ctr"/>
-              <a:lstStyle/>
-              <a:p>
-                <a:pPr algn="ctr"/>
-                <a:endParaRPr lang="fr-FR" dirty="0"/>
-              </a:p>
-            </p:txBody>
-          </p:sp>
-          <p:pic>
-            <p:nvPicPr>
-              <p:cNvPr id="116" name="Image 115">
-                <a:extLst>
-                  <a:ext uri="{FF2B5EF4-FFF2-40B4-BE49-F238E27FC236}">
-                    <a16:creationId xmlns:a16="http://schemas.microsoft.com/office/drawing/2014/main" id="{72769896-E9ED-7BCA-43D7-F953258CFCD1}"/>
-                  </a:ext>
-                </a:extLst>
-              </p:cNvPr>
-              <p:cNvPicPr>
-                <a:picLocks noChangeAspect="1"/>
-              </p:cNvPicPr>
-              <p:nvPr/>
-            </p:nvPicPr>
-            <p:blipFill>
-              <a:blip r:embed="rId41"/>
-              <a:stretch>
-                <a:fillRect/>
-              </a:stretch>
-            </p:blipFill>
-            <p:spPr>
-              <a:xfrm>
-                <a:off x="1159672" y="2751795"/>
-                <a:ext cx="504000" cy="504000"/>
-              </a:xfrm>
-              <a:prstGeom prst="rect">
-                <a:avLst/>
-              </a:prstGeom>
-            </p:spPr>
-          </p:pic>
-        </p:grpSp>
-        <p:grpSp>
-          <p:nvGrpSpPr>
-            <p:cNvPr id="45" name="Groupe 44">
-              <a:extLst>
-                <a:ext uri="{FF2B5EF4-FFF2-40B4-BE49-F238E27FC236}">
-                  <a16:creationId xmlns:a16="http://schemas.microsoft.com/office/drawing/2014/main" id="{2FC21480-46E3-F389-4E43-568F7DAB856D}"/>
-                </a:ext>
-              </a:extLst>
-            </p:cNvPr>
-            <p:cNvGrpSpPr/>
-            <p:nvPr/>
-          </p:nvGrpSpPr>
-          <p:grpSpPr>
-            <a:xfrm>
-              <a:off x="1052402" y="1377419"/>
-              <a:ext cx="360000" cy="360000"/>
-              <a:chOff x="262758" y="2633974"/>
-              <a:chExt cx="720000" cy="720000"/>
-            </a:xfrm>
-          </p:grpSpPr>
-          <p:sp>
-            <p:nvSpPr>
-              <p:cNvPr id="49" name="Ellipse 48">
-                <a:extLst>
-                  <a:ext uri="{FF2B5EF4-FFF2-40B4-BE49-F238E27FC236}">
-                    <a16:creationId xmlns:a16="http://schemas.microsoft.com/office/drawing/2014/main" id="{35B8D14E-4517-D148-CA23-6C8ACD3DF6FA}"/>
-                  </a:ext>
-                </a:extLst>
-              </p:cNvPr>
-              <p:cNvSpPr/>
-              <p:nvPr/>
-            </p:nvSpPr>
-            <p:spPr>
-              <a:xfrm>
-                <a:off x="262758" y="2633974"/>
-                <a:ext cx="720000" cy="720000"/>
-              </a:xfrm>
-              <a:prstGeom prst="ellipse">
-                <a:avLst/>
-              </a:prstGeom>
-              <a:solidFill>
-                <a:srgbClr val="00547F"/>
-              </a:solidFill>
-              <a:ln>
-                <a:noFill/>
-              </a:ln>
-            </p:spPr>
-            <p:style>
-              <a:lnRef idx="2">
-                <a:schemeClr val="accent1">
-                  <a:shade val="50000"/>
-                </a:schemeClr>
-              </a:lnRef>
-              <a:fillRef idx="1">
-                <a:schemeClr val="accent1"/>
-              </a:fillRef>
-              <a:effectRef idx="0">
-                <a:schemeClr val="accent1"/>
-              </a:effectRef>
-              <a:fontRef idx="minor">
-                <a:schemeClr val="lt1"/>
-              </a:fontRef>
-            </p:style>
-            <p:txBody>
-              <a:bodyPr rtlCol="0" anchor="ctr"/>
-              <a:lstStyle/>
-              <a:p>
-                <a:pPr algn="ctr"/>
-                <a:endParaRPr lang="fr-FR"/>
-              </a:p>
-            </p:txBody>
-          </p:sp>
-          <p:pic>
-            <p:nvPicPr>
-              <p:cNvPr id="50" name="Image 49">
-                <a:extLst>
-                  <a:ext uri="{FF2B5EF4-FFF2-40B4-BE49-F238E27FC236}">
-                    <a16:creationId xmlns:a16="http://schemas.microsoft.com/office/drawing/2014/main" id="{8D149F6C-65AE-6F5B-EA20-EC108E82F25F}"/>
-                  </a:ext>
-                </a:extLst>
-              </p:cNvPr>
-              <p:cNvPicPr>
-                <a:picLocks noChangeAspect="1"/>
-              </p:cNvPicPr>
-              <p:nvPr/>
-            </p:nvPicPr>
-            <p:blipFill>
-              <a:blip r:embed="rId42"/>
-              <a:stretch>
-                <a:fillRect/>
-              </a:stretch>
-            </p:blipFill>
-            <p:spPr>
-              <a:xfrm>
-                <a:off x="363558" y="2734774"/>
-                <a:ext cx="518400" cy="518400"/>
-              </a:xfrm>
-              <a:prstGeom prst="rect">
-                <a:avLst/>
-              </a:prstGeom>
-            </p:spPr>
-          </p:pic>
-        </p:grpSp>
-        <p:grpSp>
-          <p:nvGrpSpPr>
-            <p:cNvPr id="92" name="Groupe 91">
-              <a:extLst>
-                <a:ext uri="{FF2B5EF4-FFF2-40B4-BE49-F238E27FC236}">
-                  <a16:creationId xmlns:a16="http://schemas.microsoft.com/office/drawing/2014/main" id="{3B94BDCA-E196-2EC9-249B-FAE5745DCA92}"/>
-                </a:ext>
-              </a:extLst>
-            </p:cNvPr>
-            <p:cNvGrpSpPr/>
-            <p:nvPr/>
-          </p:nvGrpSpPr>
-          <p:grpSpPr>
-            <a:xfrm>
-              <a:off x="173398" y="1377419"/>
-              <a:ext cx="360000" cy="360000"/>
-              <a:chOff x="6744981" y="188640"/>
-              <a:chExt cx="1800000" cy="1800000"/>
-            </a:xfrm>
-          </p:grpSpPr>
-          <p:sp>
-            <p:nvSpPr>
-              <p:cNvPr id="93" name="Ellipse 92">
-                <a:extLst>
-                  <a:ext uri="{FF2B5EF4-FFF2-40B4-BE49-F238E27FC236}">
-                    <a16:creationId xmlns:a16="http://schemas.microsoft.com/office/drawing/2014/main" id="{FC41EC6E-5D90-0831-BA7A-C76BD60A8960}"/>
-                  </a:ext>
-                </a:extLst>
-              </p:cNvPr>
-              <p:cNvSpPr/>
-              <p:nvPr/>
-            </p:nvSpPr>
-            <p:spPr>
-              <a:xfrm>
-                <a:off x="6744981" y="188640"/>
-                <a:ext cx="1800000" cy="1800000"/>
-              </a:xfrm>
-              <a:prstGeom prst="ellipse">
-                <a:avLst/>
-              </a:prstGeom>
-              <a:solidFill>
-                <a:srgbClr val="00517A"/>
-              </a:solidFill>
-              <a:ln>
-                <a:noFill/>
-              </a:ln>
-            </p:spPr>
-            <p:style>
-              <a:lnRef idx="2">
-                <a:schemeClr val="accent1">
-                  <a:shade val="50000"/>
-                </a:schemeClr>
-              </a:lnRef>
-              <a:fillRef idx="1">
-                <a:schemeClr val="accent1"/>
-              </a:fillRef>
-              <a:effectRef idx="0">
-                <a:schemeClr val="accent1"/>
-              </a:effectRef>
-              <a:fontRef idx="minor">
-                <a:schemeClr val="lt1"/>
-              </a:fontRef>
-            </p:style>
-            <p:txBody>
-              <a:bodyPr rtlCol="0" anchor="ctr"/>
-              <a:lstStyle/>
-              <a:p>
-                <a:pPr algn="ctr"/>
-                <a:endParaRPr lang="fr-FR" b="1"/>
-              </a:p>
-            </p:txBody>
-          </p:sp>
-          <p:pic>
-            <p:nvPicPr>
-              <p:cNvPr id="94" name="Image 93">
-                <a:extLst>
-                  <a:ext uri="{FF2B5EF4-FFF2-40B4-BE49-F238E27FC236}">
-                    <a16:creationId xmlns:a16="http://schemas.microsoft.com/office/drawing/2014/main" id="{C0387A09-7663-BBB7-F6ED-3B1C8A82B067}"/>
-                  </a:ext>
-                </a:extLst>
-              </p:cNvPr>
-              <p:cNvPicPr>
-                <a:picLocks noChangeAspect="1"/>
-              </p:cNvPicPr>
-              <p:nvPr/>
-            </p:nvPicPr>
-            <p:blipFill>
-              <a:blip r:embed="rId43"/>
-              <a:stretch>
-                <a:fillRect/>
-              </a:stretch>
-            </p:blipFill>
-            <p:spPr>
-              <a:xfrm>
-                <a:off x="7068917" y="550319"/>
-                <a:ext cx="1152128" cy="1152128"/>
-              </a:xfrm>
-              <a:prstGeom prst="rect">
-                <a:avLst/>
-              </a:prstGeom>
-            </p:spPr>
-          </p:pic>
-        </p:grpSp>
-        <p:grpSp>
-          <p:nvGrpSpPr>
-            <p:cNvPr id="140" name="Groupe 139">
-              <a:extLst>
-                <a:ext uri="{FF2B5EF4-FFF2-40B4-BE49-F238E27FC236}">
-                  <a16:creationId xmlns:a16="http://schemas.microsoft.com/office/drawing/2014/main" id="{15FD8A4A-1E7E-EBA0-4582-08506DB03336}"/>
-                </a:ext>
-              </a:extLst>
-            </p:cNvPr>
-            <p:cNvGrpSpPr/>
-            <p:nvPr/>
-          </p:nvGrpSpPr>
-          <p:grpSpPr>
-            <a:xfrm>
-              <a:off x="612900" y="1377419"/>
-              <a:ext cx="360000" cy="360000"/>
-              <a:chOff x="8612196" y="3801520"/>
-              <a:chExt cx="1800000" cy="1800000"/>
-            </a:xfrm>
-          </p:grpSpPr>
-          <p:sp>
-            <p:nvSpPr>
-              <p:cNvPr id="141" name="Ellipse 140">
-                <a:extLst>
-                  <a:ext uri="{FF2B5EF4-FFF2-40B4-BE49-F238E27FC236}">
-                    <a16:creationId xmlns:a16="http://schemas.microsoft.com/office/drawing/2014/main" id="{7C5E956A-916C-CFC4-DC6D-C75125D974C5}"/>
-                  </a:ext>
-                </a:extLst>
-              </p:cNvPr>
-              <p:cNvSpPr/>
-              <p:nvPr/>
-            </p:nvSpPr>
-            <p:spPr>
-              <a:xfrm>
-                <a:off x="8612196" y="3801520"/>
-                <a:ext cx="1800000" cy="1800000"/>
-              </a:xfrm>
-              <a:prstGeom prst="ellipse">
-                <a:avLst/>
-              </a:prstGeom>
-              <a:solidFill>
-                <a:srgbClr val="00547F"/>
-              </a:solidFill>
-              <a:ln>
-                <a:noFill/>
-              </a:ln>
-            </p:spPr>
-            <p:style>
-              <a:lnRef idx="2">
-                <a:schemeClr val="accent1">
-                  <a:shade val="50000"/>
-                </a:schemeClr>
-              </a:lnRef>
-              <a:fillRef idx="1">
-                <a:schemeClr val="accent1"/>
-              </a:fillRef>
-              <a:effectRef idx="0">
-                <a:schemeClr val="accent1"/>
-              </a:effectRef>
-              <a:fontRef idx="minor">
-                <a:schemeClr val="lt1"/>
-              </a:fontRef>
-            </p:style>
-            <p:txBody>
-              <a:bodyPr rtlCol="0" anchor="ctr"/>
-              <a:lstStyle/>
-              <a:p>
-                <a:pPr algn="ctr"/>
-                <a:endParaRPr lang="fr-FR" b="1"/>
-              </a:p>
-            </p:txBody>
-          </p:sp>
-          <p:pic>
-            <p:nvPicPr>
-              <p:cNvPr id="142" name="Image 141">
-                <a:extLst>
-                  <a:ext uri="{FF2B5EF4-FFF2-40B4-BE49-F238E27FC236}">
-                    <a16:creationId xmlns:a16="http://schemas.microsoft.com/office/drawing/2014/main" id="{B5A9F6B3-0EB3-362B-F98C-FEFF4F52045D}"/>
-                  </a:ext>
-                </a:extLst>
-              </p:cNvPr>
-              <p:cNvPicPr>
-                <a:picLocks noChangeAspect="1"/>
-              </p:cNvPicPr>
-              <p:nvPr/>
-            </p:nvPicPr>
-            <p:blipFill>
-              <a:blip r:embed="rId44"/>
-              <a:stretch>
-                <a:fillRect/>
-              </a:stretch>
-            </p:blipFill>
-            <p:spPr>
-              <a:xfrm>
-                <a:off x="8696428" y="3885752"/>
-                <a:ext cx="1631536" cy="1631536"/>
-              </a:xfrm>
-              <a:prstGeom prst="rect">
-                <a:avLst/>
-              </a:prstGeom>
-            </p:spPr>
-          </p:pic>
-        </p:grpSp>
-        <p:grpSp>
-          <p:nvGrpSpPr>
-            <p:cNvPr id="146" name="Groupe 145">
-              <a:extLst>
-                <a:ext uri="{FF2B5EF4-FFF2-40B4-BE49-F238E27FC236}">
-                  <a16:creationId xmlns:a16="http://schemas.microsoft.com/office/drawing/2014/main" id="{0A3B1DCC-838F-6920-CA44-5C5B349A1703}"/>
-                </a:ext>
-              </a:extLst>
-            </p:cNvPr>
-            <p:cNvGrpSpPr/>
-            <p:nvPr/>
-          </p:nvGrpSpPr>
-          <p:grpSpPr>
-            <a:xfrm>
-              <a:off x="1931406" y="1377419"/>
-              <a:ext cx="360000" cy="360000"/>
-              <a:chOff x="7698044" y="3453428"/>
-              <a:chExt cx="1800000" cy="1800000"/>
-            </a:xfrm>
-          </p:grpSpPr>
-          <p:sp>
-            <p:nvSpPr>
-              <p:cNvPr id="147" name="Ellipse 146">
-                <a:extLst>
-                  <a:ext uri="{FF2B5EF4-FFF2-40B4-BE49-F238E27FC236}">
-                    <a16:creationId xmlns:a16="http://schemas.microsoft.com/office/drawing/2014/main" id="{163C5995-EA4E-5519-F46C-29B83AFCCAC6}"/>
-                  </a:ext>
-                </a:extLst>
-              </p:cNvPr>
-              <p:cNvSpPr/>
-              <p:nvPr/>
-            </p:nvSpPr>
-            <p:spPr>
-              <a:xfrm>
-                <a:off x="7698044" y="3453428"/>
-                <a:ext cx="1800000" cy="1800000"/>
-              </a:xfrm>
-              <a:prstGeom prst="ellipse">
-                <a:avLst/>
-              </a:prstGeom>
-              <a:solidFill>
-                <a:srgbClr val="00547F"/>
-              </a:solidFill>
-              <a:ln>
-                <a:noFill/>
-              </a:ln>
-            </p:spPr>
-            <p:style>
-              <a:lnRef idx="2">
-                <a:schemeClr val="accent1">
-                  <a:shade val="50000"/>
-                </a:schemeClr>
-              </a:lnRef>
-              <a:fillRef idx="1">
-                <a:schemeClr val="accent1"/>
-              </a:fillRef>
-              <a:effectRef idx="0">
-                <a:schemeClr val="accent1"/>
-              </a:effectRef>
-              <a:fontRef idx="minor">
-                <a:schemeClr val="lt1"/>
-              </a:fontRef>
-            </p:style>
-            <p:txBody>
-              <a:bodyPr rtlCol="0" anchor="ctr"/>
-              <a:lstStyle/>
-              <a:p>
-                <a:pPr algn="ctr"/>
-                <a:endParaRPr lang="fr-FR" b="1"/>
-              </a:p>
-            </p:txBody>
-          </p:sp>
-          <p:pic>
-            <p:nvPicPr>
-              <p:cNvPr id="148" name="Image 147">
-                <a:extLst>
-                  <a:ext uri="{FF2B5EF4-FFF2-40B4-BE49-F238E27FC236}">
-                    <a16:creationId xmlns:a16="http://schemas.microsoft.com/office/drawing/2014/main" id="{FA0B47E2-7114-C445-6BA1-D1670B02B8DB}"/>
-                  </a:ext>
-                </a:extLst>
-              </p:cNvPr>
-              <p:cNvPicPr>
-                <a:picLocks noChangeAspect="1"/>
-              </p:cNvPicPr>
-              <p:nvPr/>
-            </p:nvPicPr>
-            <p:blipFill>
-              <a:blip r:embed="rId45"/>
-              <a:stretch>
-                <a:fillRect/>
-              </a:stretch>
-            </p:blipFill>
-            <p:spPr>
-              <a:xfrm>
-                <a:off x="7939554" y="3812716"/>
-                <a:ext cx="1316981" cy="1081424"/>
-              </a:xfrm>
-              <a:prstGeom prst="rect">
-                <a:avLst/>
-              </a:prstGeom>
-            </p:spPr>
-          </p:pic>
-        </p:grpSp>
+        <p:sp>
+          <p:nvSpPr>
+            <p:cNvPr id="93" name="Ellipse 92">
+              <a:extLst>
+                <a:ext uri="{FF2B5EF4-FFF2-40B4-BE49-F238E27FC236}">
+                  <a16:creationId xmlns:a16="http://schemas.microsoft.com/office/drawing/2014/main" id="{FC41EC6E-5D90-0831-BA7A-C76BD60A8960}"/>
+                </a:ext>
+              </a:extLst>
+            </p:cNvPr>
+            <p:cNvSpPr/>
+            <p:nvPr/>
+          </p:nvSpPr>
+          <p:spPr>
+            <a:xfrm>
+              <a:off x="6744981" y="188640"/>
+              <a:ext cx="1800000" cy="1800000"/>
+            </a:xfrm>
+            <a:prstGeom prst="ellipse">
+              <a:avLst/>
+            </a:prstGeom>
+            <a:solidFill>
+              <a:srgbClr val="00517A"/>
+            </a:solidFill>
+            <a:ln>
+              <a:noFill/>
+            </a:ln>
+          </p:spPr>
+          <p:style>
+            <a:lnRef idx="2">
+              <a:schemeClr val="accent1">
+                <a:shade val="50000"/>
+              </a:schemeClr>
+            </a:lnRef>
+            <a:fillRef idx="1">
+              <a:schemeClr val="accent1"/>
+            </a:fillRef>
+            <a:effectRef idx="0">
+              <a:schemeClr val="accent1"/>
+            </a:effectRef>
+            <a:fontRef idx="minor">
+              <a:schemeClr val="lt1"/>
+            </a:fontRef>
+          </p:style>
+          <p:txBody>
+            <a:bodyPr rtlCol="0" anchor="ctr"/>
+            <a:lstStyle/>
+            <a:p>
+              <a:pPr algn="ctr"/>
+              <a:endParaRPr lang="fr-FR" b="1"/>
+            </a:p>
+          </p:txBody>
+        </p:sp>
+        <p:pic>
+          <p:nvPicPr>
+            <p:cNvPr id="94" name="Image 93">
+              <a:extLst>
+                <a:ext uri="{FF2B5EF4-FFF2-40B4-BE49-F238E27FC236}">
+                  <a16:creationId xmlns:a16="http://schemas.microsoft.com/office/drawing/2014/main" id="{C0387A09-7663-BBB7-F6ED-3B1C8A82B067}"/>
+                </a:ext>
+              </a:extLst>
+            </p:cNvPr>
+            <p:cNvPicPr>
+              <a:picLocks noChangeAspect="1"/>
+            </p:cNvPicPr>
+            <p:nvPr/>
+          </p:nvPicPr>
+          <p:blipFill>
+            <a:blip r:embed="rId43"/>
+            <a:stretch>
+              <a:fillRect/>
+            </a:stretch>
+          </p:blipFill>
+          <p:spPr>
+            <a:xfrm>
+              <a:off x="7068917" y="550319"/>
+              <a:ext cx="1152128" cy="1152128"/>
+            </a:xfrm>
+            <a:prstGeom prst="rect">
+              <a:avLst/>
+            </a:prstGeom>
+          </p:spPr>
+        </p:pic>
+      </p:grpSp>
+      <p:grpSp>
+        <p:nvGrpSpPr>
+          <p:cNvPr id="140" name="Groupe 139">
+            <a:extLst>
+              <a:ext uri="{FF2B5EF4-FFF2-40B4-BE49-F238E27FC236}">
+                <a16:creationId xmlns:a16="http://schemas.microsoft.com/office/drawing/2014/main" id="{15FD8A4A-1E7E-EBA0-4582-08506DB03336}"/>
+              </a:ext>
+            </a:extLst>
+          </p:cNvPr>
+          <p:cNvGrpSpPr/>
+          <p:nvPr/>
+        </p:nvGrpSpPr>
+        <p:grpSpPr>
+          <a:xfrm>
+            <a:off x="612900" y="1377419"/>
+            <a:ext cx="360000" cy="360000"/>
+            <a:chOff x="8612196" y="3801520"/>
+            <a:chExt cx="1800000" cy="1800000"/>
+          </a:xfrm>
+        </p:grpSpPr>
+        <p:sp>
+          <p:nvSpPr>
+            <p:cNvPr id="141" name="Ellipse 140">
+              <a:extLst>
+                <a:ext uri="{FF2B5EF4-FFF2-40B4-BE49-F238E27FC236}">
+                  <a16:creationId xmlns:a16="http://schemas.microsoft.com/office/drawing/2014/main" id="{7C5E956A-916C-CFC4-DC6D-C75125D974C5}"/>
+                </a:ext>
+              </a:extLst>
+            </p:cNvPr>
+            <p:cNvSpPr/>
+            <p:nvPr/>
+          </p:nvSpPr>
+          <p:spPr>
+            <a:xfrm>
+              <a:off x="8612196" y="3801520"/>
+              <a:ext cx="1800000" cy="1800000"/>
+            </a:xfrm>
+            <a:prstGeom prst="ellipse">
+              <a:avLst/>
+            </a:prstGeom>
+            <a:solidFill>
+              <a:srgbClr val="00547F"/>
+            </a:solidFill>
+            <a:ln>
+              <a:noFill/>
+            </a:ln>
+          </p:spPr>
+          <p:style>
+            <a:lnRef idx="2">
+              <a:schemeClr val="accent1">
+                <a:shade val="50000"/>
+              </a:schemeClr>
+            </a:lnRef>
+            <a:fillRef idx="1">
+              <a:schemeClr val="accent1"/>
+            </a:fillRef>
+            <a:effectRef idx="0">
+              <a:schemeClr val="accent1"/>
+            </a:effectRef>
+            <a:fontRef idx="minor">
+              <a:schemeClr val="lt1"/>
+            </a:fontRef>
+          </p:style>
+          <p:txBody>
+            <a:bodyPr rtlCol="0" anchor="ctr"/>
+            <a:lstStyle/>
+            <a:p>
+              <a:pPr algn="ctr"/>
+              <a:endParaRPr lang="fr-FR" b="1"/>
+            </a:p>
+          </p:txBody>
+        </p:sp>
+        <p:pic>
+          <p:nvPicPr>
+            <p:cNvPr id="142" name="Image 141">
+              <a:extLst>
+                <a:ext uri="{FF2B5EF4-FFF2-40B4-BE49-F238E27FC236}">
+                  <a16:creationId xmlns:a16="http://schemas.microsoft.com/office/drawing/2014/main" id="{B5A9F6B3-0EB3-362B-F98C-FEFF4F52045D}"/>
+                </a:ext>
+              </a:extLst>
+            </p:cNvPr>
+            <p:cNvPicPr>
+              <a:picLocks noChangeAspect="1"/>
+            </p:cNvPicPr>
+            <p:nvPr/>
+          </p:nvPicPr>
+          <p:blipFill>
+            <a:blip r:embed="rId44"/>
+            <a:stretch>
+              <a:fillRect/>
+            </a:stretch>
+          </p:blipFill>
+          <p:spPr>
+            <a:xfrm>
+              <a:off x="8696428" y="3885752"/>
+              <a:ext cx="1631536" cy="1631536"/>
+            </a:xfrm>
+            <a:prstGeom prst="rect">
+              <a:avLst/>
+            </a:prstGeom>
+          </p:spPr>
+        </p:pic>
+      </p:grpSp>
+      <p:grpSp>
+        <p:nvGrpSpPr>
+          <p:cNvPr id="146" name="Groupe 145">
+            <a:extLst>
+              <a:ext uri="{FF2B5EF4-FFF2-40B4-BE49-F238E27FC236}">
+                <a16:creationId xmlns:a16="http://schemas.microsoft.com/office/drawing/2014/main" id="{0A3B1DCC-838F-6920-CA44-5C5B349A1703}"/>
+              </a:ext>
+            </a:extLst>
+          </p:cNvPr>
+          <p:cNvGrpSpPr/>
+          <p:nvPr/>
+        </p:nvGrpSpPr>
+        <p:grpSpPr>
+          <a:xfrm>
+            <a:off x="1931406" y="1377419"/>
+            <a:ext cx="360000" cy="360000"/>
+            <a:chOff x="7698044" y="3453428"/>
+            <a:chExt cx="1800000" cy="1800000"/>
+          </a:xfrm>
+        </p:grpSpPr>
+        <p:sp>
+          <p:nvSpPr>
+            <p:cNvPr id="147" name="Ellipse 146">
+              <a:extLst>
+                <a:ext uri="{FF2B5EF4-FFF2-40B4-BE49-F238E27FC236}">
+                  <a16:creationId xmlns:a16="http://schemas.microsoft.com/office/drawing/2014/main" id="{163C5995-EA4E-5519-F46C-29B83AFCCAC6}"/>
+                </a:ext>
+              </a:extLst>
+            </p:cNvPr>
+            <p:cNvSpPr/>
+            <p:nvPr/>
+          </p:nvSpPr>
+          <p:spPr>
+            <a:xfrm>
+              <a:off x="7698044" y="3453428"/>
+              <a:ext cx="1800000" cy="1800000"/>
+            </a:xfrm>
+            <a:prstGeom prst="ellipse">
+              <a:avLst/>
+            </a:prstGeom>
+            <a:solidFill>
+              <a:srgbClr val="00547F"/>
+            </a:solidFill>
+            <a:ln>
+              <a:noFill/>
+            </a:ln>
+          </p:spPr>
+          <p:style>
+            <a:lnRef idx="2">
+              <a:schemeClr val="accent1">
+                <a:shade val="50000"/>
+              </a:schemeClr>
+            </a:lnRef>
+            <a:fillRef idx="1">
+              <a:schemeClr val="accent1"/>
+            </a:fillRef>
+            <a:effectRef idx="0">
+              <a:schemeClr val="accent1"/>
+            </a:effectRef>
+            <a:fontRef idx="minor">
+              <a:schemeClr val="lt1"/>
+            </a:fontRef>
+          </p:style>
+          <p:txBody>
+            <a:bodyPr rtlCol="0" anchor="ctr"/>
+            <a:lstStyle/>
+            <a:p>
+              <a:pPr algn="ctr"/>
+              <a:endParaRPr lang="fr-FR" b="1"/>
+            </a:p>
+          </p:txBody>
+        </p:sp>
+        <p:pic>
+          <p:nvPicPr>
+            <p:cNvPr id="148" name="Image 147">
+              <a:extLst>
+                <a:ext uri="{FF2B5EF4-FFF2-40B4-BE49-F238E27FC236}">
+                  <a16:creationId xmlns:a16="http://schemas.microsoft.com/office/drawing/2014/main" id="{FA0B47E2-7114-C445-6BA1-D1670B02B8DB}"/>
+                </a:ext>
+              </a:extLst>
+            </p:cNvPr>
+            <p:cNvPicPr>
+              <a:picLocks noChangeAspect="1"/>
+            </p:cNvPicPr>
+            <p:nvPr/>
+          </p:nvPicPr>
+          <p:blipFill>
+            <a:blip r:embed="rId45"/>
+            <a:stretch>
+              <a:fillRect/>
+            </a:stretch>
+          </p:blipFill>
+          <p:spPr>
+            <a:xfrm>
+              <a:off x="7939554" y="3812716"/>
+              <a:ext cx="1316981" cy="1081424"/>
+            </a:xfrm>
+            <a:prstGeom prst="rect">
+              <a:avLst/>
+            </a:prstGeom>
+          </p:spPr>
+        </p:pic>
       </p:grpSp>
       <p:grpSp>
         <p:nvGrpSpPr>
@@ -16804,6 +16999,315 @@
           </a:prstGeom>
         </p:spPr>
       </p:pic>
+      <p:grpSp>
+        <p:nvGrpSpPr>
+          <p:cNvPr id="166" name="Groupe 165">
+            <a:extLst>
+              <a:ext uri="{FF2B5EF4-FFF2-40B4-BE49-F238E27FC236}">
+                <a16:creationId xmlns:a16="http://schemas.microsoft.com/office/drawing/2014/main" id="{A710D8D1-4E97-51A6-D3DC-7AF4276DCD5B}"/>
+              </a:ext>
+            </a:extLst>
+          </p:cNvPr>
+          <p:cNvGrpSpPr/>
+          <p:nvPr/>
+        </p:nvGrpSpPr>
+        <p:grpSpPr>
+          <a:xfrm>
+            <a:off x="2354678" y="848735"/>
+            <a:ext cx="360000" cy="360000"/>
+            <a:chOff x="3056845" y="1528414"/>
+            <a:chExt cx="3454284" cy="3454284"/>
+          </a:xfrm>
+        </p:grpSpPr>
+        <p:sp>
+          <p:nvSpPr>
+            <p:cNvPr id="177" name="Ellipse 176">
+              <a:extLst>
+                <a:ext uri="{FF2B5EF4-FFF2-40B4-BE49-F238E27FC236}">
+                  <a16:creationId xmlns:a16="http://schemas.microsoft.com/office/drawing/2014/main" id="{FF75149A-20B4-BF1B-946E-E0DFD7B6BF48}"/>
+                </a:ext>
+              </a:extLst>
+            </p:cNvPr>
+            <p:cNvSpPr/>
+            <p:nvPr/>
+          </p:nvSpPr>
+          <p:spPr>
+            <a:xfrm>
+              <a:off x="3056845" y="1528414"/>
+              <a:ext cx="3454284" cy="3454284"/>
+            </a:xfrm>
+            <a:prstGeom prst="ellipse">
+              <a:avLst/>
+            </a:prstGeom>
+            <a:solidFill>
+              <a:srgbClr val="00547F"/>
+            </a:solidFill>
+            <a:ln>
+              <a:noFill/>
+            </a:ln>
+          </p:spPr>
+          <p:style>
+            <a:lnRef idx="2">
+              <a:schemeClr val="accent1">
+                <a:shade val="50000"/>
+              </a:schemeClr>
+            </a:lnRef>
+            <a:fillRef idx="1">
+              <a:schemeClr val="accent1"/>
+            </a:fillRef>
+            <a:effectRef idx="0">
+              <a:schemeClr val="accent1"/>
+            </a:effectRef>
+            <a:fontRef idx="minor">
+              <a:schemeClr val="lt1"/>
+            </a:fontRef>
+          </p:style>
+          <p:txBody>
+            <a:bodyPr rtlCol="0" anchor="ctr"/>
+            <a:lstStyle/>
+            <a:p>
+              <a:pPr algn="ctr"/>
+              <a:endParaRPr lang="fr-FR"/>
+            </a:p>
+          </p:txBody>
+        </p:sp>
+        <p:pic>
+          <p:nvPicPr>
+            <p:cNvPr id="178" name="Image 177">
+              <a:extLst>
+                <a:ext uri="{FF2B5EF4-FFF2-40B4-BE49-F238E27FC236}">
+                  <a16:creationId xmlns:a16="http://schemas.microsoft.com/office/drawing/2014/main" id="{561F327D-0D51-0502-8BB2-AB9F270C5E2A}"/>
+                </a:ext>
+              </a:extLst>
+            </p:cNvPr>
+            <p:cNvPicPr>
+              <a:picLocks noChangeAspect="1"/>
+            </p:cNvPicPr>
+            <p:nvPr/>
+          </p:nvPicPr>
+          <p:blipFill>
+            <a:blip r:embed="rId59"/>
+            <a:stretch>
+              <a:fillRect/>
+            </a:stretch>
+          </p:blipFill>
+          <p:spPr>
+            <a:xfrm>
+              <a:off x="3327958" y="2056096"/>
+              <a:ext cx="2912058" cy="2398920"/>
+            </a:xfrm>
+            <a:prstGeom prst="rect">
+              <a:avLst/>
+            </a:prstGeom>
+          </p:spPr>
+        </p:pic>
+      </p:grpSp>
+      <p:grpSp>
+        <p:nvGrpSpPr>
+          <p:cNvPr id="181" name="Groupe 180">
+            <a:extLst>
+              <a:ext uri="{FF2B5EF4-FFF2-40B4-BE49-F238E27FC236}">
+                <a16:creationId xmlns:a16="http://schemas.microsoft.com/office/drawing/2014/main" id="{24B26F52-5A6F-901C-5E59-13C1DEBF4716}"/>
+              </a:ext>
+            </a:extLst>
+          </p:cNvPr>
+          <p:cNvGrpSpPr/>
+          <p:nvPr/>
+        </p:nvGrpSpPr>
+        <p:grpSpPr>
+          <a:xfrm>
+            <a:off x="9171162" y="6278527"/>
+            <a:ext cx="360000" cy="360000"/>
+            <a:chOff x="7534505" y="2636912"/>
+            <a:chExt cx="1800000" cy="1800000"/>
+          </a:xfrm>
+        </p:grpSpPr>
+        <p:sp>
+          <p:nvSpPr>
+            <p:cNvPr id="182" name="Ellipse 181">
+              <a:extLst>
+                <a:ext uri="{FF2B5EF4-FFF2-40B4-BE49-F238E27FC236}">
+                  <a16:creationId xmlns:a16="http://schemas.microsoft.com/office/drawing/2014/main" id="{CA9AE8FD-AE55-9E91-3EDE-9D1029CD7EA6}"/>
+                </a:ext>
+              </a:extLst>
+            </p:cNvPr>
+            <p:cNvSpPr/>
+            <p:nvPr/>
+          </p:nvSpPr>
+          <p:spPr>
+            <a:xfrm>
+              <a:off x="7534505" y="2636912"/>
+              <a:ext cx="1800000" cy="1800000"/>
+            </a:xfrm>
+            <a:prstGeom prst="ellipse">
+              <a:avLst/>
+            </a:prstGeom>
+            <a:solidFill>
+              <a:srgbClr val="EF7268"/>
+            </a:solidFill>
+            <a:ln>
+              <a:noFill/>
+            </a:ln>
+          </p:spPr>
+          <p:style>
+            <a:lnRef idx="2">
+              <a:schemeClr val="accent1">
+                <a:shade val="50000"/>
+              </a:schemeClr>
+            </a:lnRef>
+            <a:fillRef idx="1">
+              <a:schemeClr val="accent1"/>
+            </a:fillRef>
+            <a:effectRef idx="0">
+              <a:schemeClr val="accent1"/>
+            </a:effectRef>
+            <a:fontRef idx="minor">
+              <a:schemeClr val="lt1"/>
+            </a:fontRef>
+          </p:style>
+          <p:txBody>
+            <a:bodyPr rtlCol="0" anchor="ctr"/>
+            <a:lstStyle/>
+            <a:p>
+              <a:pPr algn="ctr"/>
+              <a:endParaRPr lang="fr-FR" dirty="0"/>
+            </a:p>
+          </p:txBody>
+        </p:sp>
+        <p:pic>
+          <p:nvPicPr>
+            <p:cNvPr id="183" name="Image 182">
+              <a:extLst>
+                <a:ext uri="{FF2B5EF4-FFF2-40B4-BE49-F238E27FC236}">
+                  <a16:creationId xmlns:a16="http://schemas.microsoft.com/office/drawing/2014/main" id="{4CFA6F33-FB1B-054F-27CB-6441DDEE1A12}"/>
+                </a:ext>
+              </a:extLst>
+            </p:cNvPr>
+            <p:cNvPicPr>
+              <a:picLocks noChangeAspect="1"/>
+            </p:cNvPicPr>
+            <p:nvPr/>
+          </p:nvPicPr>
+          <p:blipFill>
+            <a:blip r:embed="rId60"/>
+            <a:stretch>
+              <a:fillRect/>
+            </a:stretch>
+          </p:blipFill>
+          <p:spPr>
+            <a:xfrm>
+              <a:off x="7630919" y="3092160"/>
+              <a:ext cx="1607172" cy="889504"/>
+            </a:xfrm>
+            <a:prstGeom prst="rect">
+              <a:avLst/>
+            </a:prstGeom>
+          </p:spPr>
+        </p:pic>
+      </p:grpSp>
+      <p:grpSp>
+        <p:nvGrpSpPr>
+          <p:cNvPr id="184" name="Groupe 183">
+            <a:extLst>
+              <a:ext uri="{FF2B5EF4-FFF2-40B4-BE49-F238E27FC236}">
+                <a16:creationId xmlns:a16="http://schemas.microsoft.com/office/drawing/2014/main" id="{D08E33C8-B04B-5446-0B55-D1FD32B1E72F}"/>
+              </a:ext>
+            </a:extLst>
+          </p:cNvPr>
+          <p:cNvGrpSpPr/>
+          <p:nvPr/>
+        </p:nvGrpSpPr>
+        <p:grpSpPr>
+          <a:xfrm>
+            <a:off x="9641265" y="4956550"/>
+            <a:ext cx="360000" cy="360000"/>
+            <a:chOff x="1957497" y="1868377"/>
+            <a:chExt cx="1800000" cy="1800000"/>
+          </a:xfrm>
+        </p:grpSpPr>
+        <p:sp>
+          <p:nvSpPr>
+            <p:cNvPr id="185" name="Ellipse 184">
+              <a:extLst>
+                <a:ext uri="{FF2B5EF4-FFF2-40B4-BE49-F238E27FC236}">
+                  <a16:creationId xmlns:a16="http://schemas.microsoft.com/office/drawing/2014/main" id="{5F6F08DC-0C8E-2900-2490-A4C7763F53F3}"/>
+                </a:ext>
+              </a:extLst>
+            </p:cNvPr>
+            <p:cNvSpPr/>
+            <p:nvPr/>
+          </p:nvSpPr>
+          <p:spPr>
+            <a:xfrm>
+              <a:off x="1957497" y="1868377"/>
+              <a:ext cx="1800000" cy="1800000"/>
+            </a:xfrm>
+            <a:prstGeom prst="ellipse">
+              <a:avLst/>
+            </a:prstGeom>
+            <a:solidFill>
+              <a:srgbClr val="EF7268"/>
+            </a:solidFill>
+            <a:ln>
+              <a:noFill/>
+            </a:ln>
+          </p:spPr>
+          <p:style>
+            <a:lnRef idx="2">
+              <a:schemeClr val="accent1">
+                <a:shade val="50000"/>
+              </a:schemeClr>
+            </a:lnRef>
+            <a:fillRef idx="1">
+              <a:schemeClr val="accent1"/>
+            </a:fillRef>
+            <a:effectRef idx="0">
+              <a:schemeClr val="accent1"/>
+            </a:effectRef>
+            <a:fontRef idx="minor">
+              <a:schemeClr val="lt1"/>
+            </a:fontRef>
+          </p:style>
+          <p:txBody>
+            <a:bodyPr rtlCol="0" anchor="ctr"/>
+            <a:lstStyle/>
+            <a:p>
+              <a:pPr algn="ctr"/>
+              <a:endParaRPr lang="fr-FR" dirty="0"/>
+            </a:p>
+          </p:txBody>
+        </p:sp>
+        <p:pic>
+          <p:nvPicPr>
+            <p:cNvPr id="186" name="Image 185">
+              <a:extLst>
+                <a:ext uri="{FF2B5EF4-FFF2-40B4-BE49-F238E27FC236}">
+                  <a16:creationId xmlns:a16="http://schemas.microsoft.com/office/drawing/2014/main" id="{067B8CC8-55A2-4FE5-9A53-B80B7422F730}"/>
+                </a:ext>
+              </a:extLst>
+            </p:cNvPr>
+            <p:cNvPicPr>
+              <a:picLocks noChangeAspect="1"/>
+            </p:cNvPicPr>
+            <p:nvPr/>
+          </p:nvPicPr>
+          <p:blipFill>
+            <a:blip r:embed="rId61"/>
+            <a:stretch>
+              <a:fillRect/>
+            </a:stretch>
+          </p:blipFill>
+          <p:spPr>
+            <a:xfrm>
+              <a:off x="2083411" y="2343878"/>
+              <a:ext cx="1548172" cy="848998"/>
+            </a:xfrm>
+            <a:prstGeom prst="rect">
+              <a:avLst/>
+            </a:prstGeom>
+          </p:spPr>
+        </p:pic>
+      </p:grpSp>
     </p:spTree>
     <p:extLst>
       <p:ext uri="{BB962C8B-B14F-4D97-AF65-F5344CB8AC3E}">
@@ -16817,7 +17321,7 @@
 </p:sld>
 </file>
 
-<file path=ppt/slides/slide4.xml><?xml version="1.0" encoding="utf-8"?>
+<file path=ppt/slides/slide5.xml><?xml version="1.0" encoding="utf-8"?>
 <p:sld xmlns:a="http://schemas.openxmlformats.org/drawingml/2006/main" xmlns:r="http://schemas.openxmlformats.org/officeDocument/2006/relationships" xmlns:p="http://schemas.openxmlformats.org/presentationml/2006/main">
   <p:cSld>
     <p:spTree>

--- a/ChaineFonctionnelle_V2.pptx
+++ b/ChaineFonctionnelle_V2.pptx
@@ -18963,7 +18963,7 @@
         </p:nvGrpSpPr>
         <p:grpSpPr>
           <a:xfrm>
-            <a:off x="5910458" y="3883180"/>
+            <a:off x="5915980" y="3883180"/>
             <a:ext cx="360000" cy="360000"/>
             <a:chOff x="5775745" y="3144183"/>
             <a:chExt cx="1800000" cy="1800000"/>
